--- a/lectures/15.builder/builder.pptx
+++ b/lectures/15.builder/builder.pptx
@@ -5,26 +5,27 @@
     <p:sldMasterId id="2147483672" r:id="rId1"/>
   </p:sldMasterIdLst>
   <p:notesMasterIdLst>
-    <p:notesMasterId r:id="rId14"/>
+    <p:notesMasterId r:id="rId15"/>
   </p:notesMasterIdLst>
   <p:sldIdLst>
     <p:sldId id="256" r:id="rId2"/>
-    <p:sldId id="258" r:id="rId3"/>
-    <p:sldId id="259" r:id="rId4"/>
-    <p:sldId id="260" r:id="rId5"/>
-    <p:sldId id="261" r:id="rId6"/>
-    <p:sldId id="263" r:id="rId7"/>
-    <p:sldId id="264" r:id="rId8"/>
-    <p:sldId id="265" r:id="rId9"/>
-    <p:sldId id="266" r:id="rId10"/>
-    <p:sldId id="267" r:id="rId11"/>
-    <p:sldId id="262" r:id="rId12"/>
-    <p:sldId id="268" r:id="rId13"/>
+    <p:sldId id="269" r:id="rId3"/>
+    <p:sldId id="258" r:id="rId4"/>
+    <p:sldId id="259" r:id="rId5"/>
+    <p:sldId id="260" r:id="rId6"/>
+    <p:sldId id="261" r:id="rId7"/>
+    <p:sldId id="263" r:id="rId8"/>
+    <p:sldId id="264" r:id="rId9"/>
+    <p:sldId id="265" r:id="rId10"/>
+    <p:sldId id="266" r:id="rId11"/>
+    <p:sldId id="267" r:id="rId12"/>
+    <p:sldId id="262" r:id="rId13"/>
+    <p:sldId id="268" r:id="rId14"/>
   </p:sldIdLst>
   <p:sldSz cx="9144000" cy="6858000" type="screen4x3"/>
   <p:notesSz cx="6858000" cy="9144000"/>
   <p:custDataLst>
-    <p:tags r:id="rId15"/>
+    <p:tags r:id="rId16"/>
   </p:custDataLst>
   <p:defaultTextStyle>
     <a:defPPr>
@@ -3997,7 +3998,7 @@
           <a:p>
             <a:fld id="{2F3DCB6D-0B48-4A3D-B663-06C3F903A9D3}" type="datetimeFigureOut">
               <a:rPr lang="ru-RU" smtClean="0"/>
-              <a:t>13.12.2018</a:t>
+              <a:t>14.11.2019</a:t>
             </a:fld>
             <a:endParaRPr lang="ru-RU"/>
           </a:p>
@@ -4416,7 +4417,7 @@
             <a:fld id="{2BA51D53-1D63-4A9F-8701-A073A0EC8030}" type="slidenum">
               <a:rPr lang="ru-RU" smtClean="0"/>
               <a:pPr/>
-              <a:t>10</a:t>
+              <a:t>11</a:t>
             </a:fld>
             <a:endParaRPr lang="ru-RU"/>
           </a:p>
@@ -4503,7 +4504,7 @@
             <a:fld id="{2BA51D53-1D63-4A9F-8701-A073A0EC8030}" type="slidenum">
               <a:rPr lang="ru-RU" smtClean="0"/>
               <a:pPr/>
-              <a:t>11</a:t>
+              <a:t>12</a:t>
             </a:fld>
             <a:endParaRPr lang="ru-RU"/>
           </a:p>
@@ -4590,7 +4591,7 @@
             <a:fld id="{2BA51D53-1D63-4A9F-8701-A073A0EC8030}" type="slidenum">
               <a:rPr lang="ru-RU" smtClean="0"/>
               <a:pPr/>
-              <a:t>2</a:t>
+              <a:t>3</a:t>
             </a:fld>
             <a:endParaRPr lang="ru-RU"/>
           </a:p>
@@ -4677,7 +4678,7 @@
             <a:fld id="{2BA51D53-1D63-4A9F-8701-A073A0EC8030}" type="slidenum">
               <a:rPr lang="ru-RU" smtClean="0"/>
               <a:pPr/>
-              <a:t>3</a:t>
+              <a:t>4</a:t>
             </a:fld>
             <a:endParaRPr lang="ru-RU"/>
           </a:p>
@@ -4764,7 +4765,7 @@
             <a:fld id="{2BA51D53-1D63-4A9F-8701-A073A0EC8030}" type="slidenum">
               <a:rPr lang="ru-RU" smtClean="0"/>
               <a:pPr/>
-              <a:t>4</a:t>
+              <a:t>5</a:t>
             </a:fld>
             <a:endParaRPr lang="ru-RU"/>
           </a:p>
@@ -4851,7 +4852,7 @@
             <a:fld id="{2BA51D53-1D63-4A9F-8701-A073A0EC8030}" type="slidenum">
               <a:rPr lang="ru-RU" smtClean="0"/>
               <a:pPr/>
-              <a:t>5</a:t>
+              <a:t>6</a:t>
             </a:fld>
             <a:endParaRPr lang="ru-RU"/>
           </a:p>
@@ -4938,7 +4939,7 @@
             <a:fld id="{2BA51D53-1D63-4A9F-8701-A073A0EC8030}" type="slidenum">
               <a:rPr lang="ru-RU" smtClean="0"/>
               <a:pPr/>
-              <a:t>6</a:t>
+              <a:t>7</a:t>
             </a:fld>
             <a:endParaRPr lang="ru-RU"/>
           </a:p>
@@ -5025,7 +5026,7 @@
             <a:fld id="{2BA51D53-1D63-4A9F-8701-A073A0EC8030}" type="slidenum">
               <a:rPr lang="ru-RU" smtClean="0"/>
               <a:pPr/>
-              <a:t>7</a:t>
+              <a:t>8</a:t>
             </a:fld>
             <a:endParaRPr lang="ru-RU"/>
           </a:p>
@@ -5112,7 +5113,7 @@
             <a:fld id="{2BA51D53-1D63-4A9F-8701-A073A0EC8030}" type="slidenum">
               <a:rPr lang="ru-RU" smtClean="0"/>
               <a:pPr/>
-              <a:t>8</a:t>
+              <a:t>9</a:t>
             </a:fld>
             <a:endParaRPr lang="ru-RU"/>
           </a:p>
@@ -5199,7 +5200,7 @@
             <a:fld id="{2BA51D53-1D63-4A9F-8701-A073A0EC8030}" type="slidenum">
               <a:rPr lang="ru-RU" smtClean="0"/>
               <a:pPr/>
-              <a:t>9</a:t>
+              <a:t>10</a:t>
             </a:fld>
             <a:endParaRPr lang="ru-RU"/>
           </a:p>
@@ -5464,7 +5465,7 @@
           <a:p>
             <a:fld id="{2590F9C9-AB92-4E86-B698-DEC9BF4350FF}" type="datetimeFigureOut">
               <a:rPr lang="ru-RU" smtClean="0"/>
-              <a:t>13.12.2018</a:t>
+              <a:t>14.11.2019</a:t>
             </a:fld>
             <a:endParaRPr lang="ru-RU"/>
           </a:p>
@@ -5688,7 +5689,7 @@
           <a:p>
             <a:fld id="{2590F9C9-AB92-4E86-B698-DEC9BF4350FF}" type="datetimeFigureOut">
               <a:rPr lang="ru-RU" smtClean="0"/>
-              <a:t>13.12.2018</a:t>
+              <a:t>14.11.2019</a:t>
             </a:fld>
             <a:endParaRPr lang="ru-RU"/>
           </a:p>
@@ -5960,7 +5961,7 @@
           <a:p>
             <a:fld id="{2590F9C9-AB92-4E86-B698-DEC9BF4350FF}" type="datetimeFigureOut">
               <a:rPr lang="ru-RU" smtClean="0"/>
-              <a:t>13.12.2018</a:t>
+              <a:t>14.11.2019</a:t>
             </a:fld>
             <a:endParaRPr lang="ru-RU"/>
           </a:p>
@@ -6135,7 +6136,7 @@
           <a:p>
             <a:fld id="{2590F9C9-AB92-4E86-B698-DEC9BF4350FF}" type="datetimeFigureOut">
               <a:rPr lang="ru-RU" smtClean="0"/>
-              <a:t>13.12.2018</a:t>
+              <a:t>14.11.2019</a:t>
             </a:fld>
             <a:endParaRPr lang="ru-RU"/>
           </a:p>
@@ -6496,7 +6497,7 @@
           <a:p>
             <a:fld id="{2590F9C9-AB92-4E86-B698-DEC9BF4350FF}" type="datetimeFigureOut">
               <a:rPr lang="ru-RU" smtClean="0"/>
-              <a:t>13.12.2018</a:t>
+              <a:t>14.11.2019</a:t>
             </a:fld>
             <a:endParaRPr lang="ru-RU"/>
           </a:p>
@@ -6781,7 +6782,7 @@
           <a:p>
             <a:fld id="{2590F9C9-AB92-4E86-B698-DEC9BF4350FF}" type="datetimeFigureOut">
               <a:rPr lang="ru-RU" smtClean="0"/>
-              <a:t>13.12.2018</a:t>
+              <a:t>14.11.2019</a:t>
             </a:fld>
             <a:endParaRPr lang="ru-RU"/>
           </a:p>
@@ -7203,7 +7204,7 @@
           <a:p>
             <a:fld id="{2590F9C9-AB92-4E86-B698-DEC9BF4350FF}" type="datetimeFigureOut">
               <a:rPr lang="ru-RU" smtClean="0"/>
-              <a:t>13.12.2018</a:t>
+              <a:t>14.11.2019</a:t>
             </a:fld>
             <a:endParaRPr lang="ru-RU"/>
           </a:p>
@@ -7316,7 +7317,7 @@
           <a:p>
             <a:fld id="{2590F9C9-AB92-4E86-B698-DEC9BF4350FF}" type="datetimeFigureOut">
               <a:rPr lang="ru-RU" smtClean="0"/>
-              <a:t>13.12.2018</a:t>
+              <a:t>14.11.2019</a:t>
             </a:fld>
             <a:endParaRPr lang="ru-RU"/>
           </a:p>
@@ -7413,7 +7414,7 @@
           <a:p>
             <a:fld id="{2590F9C9-AB92-4E86-B698-DEC9BF4350FF}" type="datetimeFigureOut">
               <a:rPr lang="ru-RU" smtClean="0"/>
-              <a:t>13.12.2018</a:t>
+              <a:t>14.11.2019</a:t>
             </a:fld>
             <a:endParaRPr lang="ru-RU"/>
           </a:p>
@@ -7691,7 +7692,7 @@
           <a:p>
             <a:fld id="{2590F9C9-AB92-4E86-B698-DEC9BF4350FF}" type="datetimeFigureOut">
               <a:rPr lang="ru-RU" smtClean="0"/>
-              <a:t>13.12.2018</a:t>
+              <a:t>14.11.2019</a:t>
             </a:fld>
             <a:endParaRPr lang="ru-RU"/>
           </a:p>
@@ -8053,7 +8054,7 @@
           <a:p>
             <a:fld id="{2590F9C9-AB92-4E86-B698-DEC9BF4350FF}" type="datetimeFigureOut">
               <a:rPr lang="ru-RU" smtClean="0"/>
-              <a:t>13.12.2018</a:t>
+              <a:t>14.11.2019</a:t>
             </a:fld>
             <a:endParaRPr lang="ru-RU"/>
           </a:p>
@@ -8478,7 +8479,7 @@
           <a:p>
             <a:fld id="{2590F9C9-AB92-4E86-B698-DEC9BF4350FF}" type="datetimeFigureOut">
               <a:rPr lang="ru-RU" smtClean="0"/>
-              <a:t>13.12.2018</a:t>
+              <a:t>14.11.2019</a:t>
             </a:fld>
             <a:endParaRPr lang="ru-RU"/>
           </a:p>
@@ -8994,12 +8995,14 @@
         </p:nvSpPr>
         <p:spPr/>
         <p:txBody>
-          <a:bodyPr/>
+          <a:bodyPr>
+            <a:normAutofit fontScale="90000"/>
+          </a:bodyPr>
           <a:lstStyle/>
           <a:p>
             <a:r>
               <a:rPr lang="ru-RU" dirty="0" smtClean="0"/>
-              <a:t>Реализация клиента</a:t>
+              <a:t>Реализация сущности «Распорядитель»</a:t>
             </a:r>
             <a:endParaRPr lang="ru-RU" dirty="0"/>
           </a:p>
@@ -9014,7 +9017,7 @@
         <p:spPr>
           <a:xfrm>
             <a:off x="214282" y="1835760"/>
-            <a:ext cx="8501122" cy="3108543"/>
+            <a:ext cx="8286808" cy="4616648"/>
           </a:xfrm>
           <a:prstGeom prst="rect">
             <a:avLst/>
@@ -9040,6 +9043,1219 @@
           </a:bodyPr>
           <a:lstStyle/>
           <a:p>
+            <a:pPr defTabSz="180975"/>
+            <a:r>
+              <a:rPr lang="en-US" sz="1400" b="1" dirty="0" smtClean="0">
+                <a:latin typeface="Courier New" pitchFamily="49" charset="0"/>
+                <a:cs typeface="Courier New" pitchFamily="49" charset="0"/>
+              </a:rPr>
+              <a:t>class </a:t>
+            </a:r>
+            <a:r>
+              <a:rPr lang="en-US" sz="1400" b="1" dirty="0" err="1" smtClean="0">
+                <a:latin typeface="Courier New" pitchFamily="49" charset="0"/>
+                <a:cs typeface="Courier New" pitchFamily="49" charset="0"/>
+              </a:rPr>
+              <a:t>CFormattedTextReader</a:t>
+            </a:r>
+            <a:endParaRPr lang="en-US" sz="1400" b="1" dirty="0" smtClean="0">
+              <a:latin typeface="Courier New" pitchFamily="49" charset="0"/>
+              <a:cs typeface="Courier New" pitchFamily="49" charset="0"/>
+            </a:endParaRPr>
+          </a:p>
+          <a:p>
+            <a:pPr defTabSz="180975"/>
+            <a:r>
+              <a:rPr lang="ru-RU" sz="1400" b="1" dirty="0" smtClean="0">
+                <a:latin typeface="Courier New" pitchFamily="49" charset="0"/>
+                <a:cs typeface="Courier New" pitchFamily="49" charset="0"/>
+              </a:rPr>
+              <a:t>{</a:t>
+            </a:r>
+          </a:p>
+          <a:p>
+            <a:pPr defTabSz="180975"/>
+            <a:r>
+              <a:rPr lang="en-US" sz="1400" b="1" dirty="0" smtClean="0">
+                <a:latin typeface="Courier New" pitchFamily="49" charset="0"/>
+                <a:cs typeface="Courier New" pitchFamily="49" charset="0"/>
+              </a:rPr>
+              <a:t>public:</a:t>
+            </a:r>
+          </a:p>
+          <a:p>
+            <a:pPr defTabSz="180975"/>
+            <a:r>
+              <a:rPr lang="en-US" sz="1400" b="1" dirty="0" smtClean="0">
+                <a:latin typeface="Courier New" pitchFamily="49" charset="0"/>
+                <a:cs typeface="Courier New" pitchFamily="49" charset="0"/>
+              </a:rPr>
+              <a:t>	void Read(</a:t>
+            </a:r>
+            <a:r>
+              <a:rPr lang="en-US" sz="1400" b="1" dirty="0" err="1" smtClean="0">
+                <a:latin typeface="Courier New" pitchFamily="49" charset="0"/>
+                <a:cs typeface="Courier New" pitchFamily="49" charset="0"/>
+              </a:rPr>
+              <a:t>CFormattedText</a:t>
+            </a:r>
+            <a:r>
+              <a:rPr lang="en-US" sz="1400" b="1" dirty="0" smtClean="0">
+                <a:latin typeface="Courier New" pitchFamily="49" charset="0"/>
+                <a:cs typeface="Courier New" pitchFamily="49" charset="0"/>
+              </a:rPr>
+              <a:t> const&amp; text, </a:t>
+            </a:r>
+            <a:r>
+              <a:rPr lang="en-US" sz="1400" b="1" dirty="0" err="1" smtClean="0">
+                <a:latin typeface="Courier New" pitchFamily="49" charset="0"/>
+                <a:cs typeface="Courier New" pitchFamily="49" charset="0"/>
+              </a:rPr>
+              <a:t>CTextConverter</a:t>
+            </a:r>
+            <a:r>
+              <a:rPr lang="en-US" sz="1400" b="1" dirty="0" smtClean="0">
+                <a:latin typeface="Courier New" pitchFamily="49" charset="0"/>
+                <a:cs typeface="Courier New" pitchFamily="49" charset="0"/>
+              </a:rPr>
+              <a:t> &amp; converter)</a:t>
+            </a:r>
+          </a:p>
+          <a:p>
+            <a:pPr defTabSz="180975"/>
+            <a:r>
+              <a:rPr lang="ru-RU" sz="1400" b="1" dirty="0" smtClean="0">
+                <a:latin typeface="Courier New" pitchFamily="49" charset="0"/>
+                <a:cs typeface="Courier New" pitchFamily="49" charset="0"/>
+              </a:rPr>
+              <a:t>	{</a:t>
+            </a:r>
+          </a:p>
+          <a:p>
+            <a:pPr defTabSz="180975"/>
+            <a:r>
+              <a:rPr lang="ru-RU" sz="1400" b="1" dirty="0" smtClean="0">
+                <a:latin typeface="Courier New" pitchFamily="49" charset="0"/>
+                <a:cs typeface="Courier New" pitchFamily="49" charset="0"/>
+              </a:rPr>
+              <a:t>		</a:t>
+            </a:r>
+            <a:r>
+              <a:rPr lang="en-US" sz="1400" b="1" dirty="0" smtClean="0">
+                <a:latin typeface="Courier New" pitchFamily="49" charset="0"/>
+                <a:cs typeface="Courier New" pitchFamily="49" charset="0"/>
+              </a:rPr>
+              <a:t>for (</a:t>
+            </a:r>
+            <a:r>
+              <a:rPr lang="en-US" sz="1400" b="1" dirty="0" err="1" smtClean="0">
+                <a:latin typeface="Courier New" pitchFamily="49" charset="0"/>
+                <a:cs typeface="Courier New" pitchFamily="49" charset="0"/>
+              </a:rPr>
+              <a:t>size_t</a:t>
+            </a:r>
+            <a:r>
+              <a:rPr lang="en-US" sz="1400" b="1" dirty="0" smtClean="0">
+                <a:latin typeface="Courier New" pitchFamily="49" charset="0"/>
+                <a:cs typeface="Courier New" pitchFamily="49" charset="0"/>
+              </a:rPr>
+              <a:t> index = 0; index &lt; </a:t>
+            </a:r>
+            <a:r>
+              <a:rPr lang="en-US" sz="1400" b="1" dirty="0" err="1" smtClean="0">
+                <a:latin typeface="Courier New" pitchFamily="49" charset="0"/>
+                <a:cs typeface="Courier New" pitchFamily="49" charset="0"/>
+              </a:rPr>
+              <a:t>text.GetItems</a:t>
+            </a:r>
+            <a:r>
+              <a:rPr lang="en-US" sz="1400" b="1" dirty="0" smtClean="0">
+                <a:latin typeface="Courier New" pitchFamily="49" charset="0"/>
+                <a:cs typeface="Courier New" pitchFamily="49" charset="0"/>
+              </a:rPr>
+              <a:t>(); ++index)</a:t>
+            </a:r>
+          </a:p>
+          <a:p>
+            <a:pPr defTabSz="180975"/>
+            <a:r>
+              <a:rPr lang="en-US" sz="1400" b="1" dirty="0" smtClean="0">
+                <a:latin typeface="Courier New" pitchFamily="49" charset="0"/>
+                <a:cs typeface="Courier New" pitchFamily="49" charset="0"/>
+              </a:rPr>
+              <a:t>		{</a:t>
+            </a:r>
+          </a:p>
+          <a:p>
+            <a:pPr defTabSz="180975"/>
+            <a:r>
+              <a:rPr lang="en-US" sz="1400" b="1" dirty="0" smtClean="0">
+                <a:latin typeface="Courier New" pitchFamily="49" charset="0"/>
+                <a:cs typeface="Courier New" pitchFamily="49" charset="0"/>
+              </a:rPr>
+              <a:t>			</a:t>
+            </a:r>
+            <a:r>
+              <a:rPr lang="en-US" sz="1400" b="1" dirty="0" err="1" smtClean="0">
+                <a:latin typeface="Courier New" pitchFamily="49" charset="0"/>
+                <a:cs typeface="Courier New" pitchFamily="49" charset="0"/>
+              </a:rPr>
+              <a:t>CTextItem</a:t>
+            </a:r>
+            <a:r>
+              <a:rPr lang="en-US" sz="1400" b="1" dirty="0" smtClean="0">
+                <a:latin typeface="Courier New" pitchFamily="49" charset="0"/>
+                <a:cs typeface="Courier New" pitchFamily="49" charset="0"/>
+              </a:rPr>
+              <a:t> const &amp; item = </a:t>
+            </a:r>
+            <a:r>
+              <a:rPr lang="en-US" sz="1400" b="1" dirty="0" err="1" smtClean="0">
+                <a:latin typeface="Courier New" pitchFamily="49" charset="0"/>
+                <a:cs typeface="Courier New" pitchFamily="49" charset="0"/>
+              </a:rPr>
+              <a:t>text.GetItem</a:t>
+            </a:r>
+            <a:r>
+              <a:rPr lang="en-US" sz="1400" b="1" dirty="0" smtClean="0">
+                <a:latin typeface="Courier New" pitchFamily="49" charset="0"/>
+                <a:cs typeface="Courier New" pitchFamily="49" charset="0"/>
+              </a:rPr>
+              <a:t>(index);</a:t>
+            </a:r>
+          </a:p>
+          <a:p>
+            <a:pPr defTabSz="180975"/>
+            <a:endParaRPr lang="en-US" sz="1400" b="1" dirty="0" smtClean="0">
+              <a:latin typeface="Courier New" pitchFamily="49" charset="0"/>
+              <a:cs typeface="Courier New" pitchFamily="49" charset="0"/>
+            </a:endParaRPr>
+          </a:p>
+          <a:p>
+            <a:pPr defTabSz="180975"/>
+            <a:r>
+              <a:rPr lang="en-US" sz="1400" b="1" dirty="0" smtClean="0">
+                <a:latin typeface="Courier New" pitchFamily="49" charset="0"/>
+                <a:cs typeface="Courier New" pitchFamily="49" charset="0"/>
+              </a:rPr>
+              <a:t>			if (auto </a:t>
+            </a:r>
+            <a:r>
+              <a:rPr lang="en-US" sz="1400" b="1" dirty="0" err="1" smtClean="0">
+                <a:latin typeface="Courier New" pitchFamily="49" charset="0"/>
+                <a:cs typeface="Courier New" pitchFamily="49" charset="0"/>
+              </a:rPr>
+              <a:t>textRange</a:t>
+            </a:r>
+            <a:r>
+              <a:rPr lang="en-US" sz="1400" b="1" dirty="0" smtClean="0">
+                <a:latin typeface="Courier New" pitchFamily="49" charset="0"/>
+                <a:cs typeface="Courier New" pitchFamily="49" charset="0"/>
+              </a:rPr>
+              <a:t> = </a:t>
+            </a:r>
+            <a:r>
+              <a:rPr lang="en-US" sz="1400" b="1" dirty="0" err="1" smtClean="0">
+                <a:latin typeface="Courier New" pitchFamily="49" charset="0"/>
+                <a:cs typeface="Courier New" pitchFamily="49" charset="0"/>
+              </a:rPr>
+              <a:t>dynamic_cast</a:t>
+            </a:r>
+            <a:r>
+              <a:rPr lang="en-US" sz="1400" b="1" dirty="0" smtClean="0">
+                <a:latin typeface="Courier New" pitchFamily="49" charset="0"/>
+                <a:cs typeface="Courier New" pitchFamily="49" charset="0"/>
+              </a:rPr>
+              <a:t>&lt;</a:t>
+            </a:r>
+            <a:r>
+              <a:rPr lang="en-US" sz="1400" b="1" dirty="0" err="1" smtClean="0">
+                <a:latin typeface="Courier New" pitchFamily="49" charset="0"/>
+                <a:cs typeface="Courier New" pitchFamily="49" charset="0"/>
+              </a:rPr>
+              <a:t>CTextRangeItem</a:t>
+            </a:r>
+            <a:r>
+              <a:rPr lang="en-US" sz="1400" b="1" dirty="0" smtClean="0">
+                <a:latin typeface="Courier New" pitchFamily="49" charset="0"/>
+                <a:cs typeface="Courier New" pitchFamily="49" charset="0"/>
+              </a:rPr>
+              <a:t> const*&gt;(&amp;item))</a:t>
+            </a:r>
+          </a:p>
+          <a:p>
+            <a:pPr defTabSz="180975"/>
+            <a:r>
+              <a:rPr lang="en-US" sz="1400" b="1" dirty="0" smtClean="0">
+                <a:latin typeface="Courier New" pitchFamily="49" charset="0"/>
+                <a:cs typeface="Courier New" pitchFamily="49" charset="0"/>
+              </a:rPr>
+              <a:t>			{</a:t>
+            </a:r>
+          </a:p>
+          <a:p>
+            <a:pPr defTabSz="180975"/>
+            <a:r>
+              <a:rPr lang="en-US" sz="1400" b="1" dirty="0" smtClean="0">
+                <a:latin typeface="Courier New" pitchFamily="49" charset="0"/>
+                <a:cs typeface="Courier New" pitchFamily="49" charset="0"/>
+              </a:rPr>
+              <a:t>				</a:t>
+            </a:r>
+            <a:r>
+              <a:rPr lang="en-US" sz="1400" b="1" dirty="0" err="1" smtClean="0">
+                <a:latin typeface="Courier New" pitchFamily="49" charset="0"/>
+                <a:cs typeface="Courier New" pitchFamily="49" charset="0"/>
+              </a:rPr>
+              <a:t>converter.ConvertText</a:t>
+            </a:r>
+            <a:r>
+              <a:rPr lang="en-US" sz="1400" b="1" dirty="0" smtClean="0">
+                <a:latin typeface="Courier New" pitchFamily="49" charset="0"/>
+                <a:cs typeface="Courier New" pitchFamily="49" charset="0"/>
+              </a:rPr>
+              <a:t>(</a:t>
+            </a:r>
+            <a:r>
+              <a:rPr lang="en-US" sz="1400" b="1" dirty="0" err="1" smtClean="0">
+                <a:latin typeface="Courier New" pitchFamily="49" charset="0"/>
+                <a:cs typeface="Courier New" pitchFamily="49" charset="0"/>
+              </a:rPr>
+              <a:t>textRange</a:t>
+            </a:r>
+            <a:r>
+              <a:rPr lang="en-US" sz="1400" b="1" dirty="0" smtClean="0">
+                <a:latin typeface="Courier New" pitchFamily="49" charset="0"/>
+                <a:cs typeface="Courier New" pitchFamily="49" charset="0"/>
+              </a:rPr>
+              <a:t>-&gt;</a:t>
+            </a:r>
+            <a:r>
+              <a:rPr lang="en-US" sz="1400" b="1" dirty="0" err="1" smtClean="0">
+                <a:latin typeface="Courier New" pitchFamily="49" charset="0"/>
+                <a:cs typeface="Courier New" pitchFamily="49" charset="0"/>
+              </a:rPr>
+              <a:t>GetText</a:t>
+            </a:r>
+            <a:r>
+              <a:rPr lang="en-US" sz="1400" b="1" dirty="0" smtClean="0">
+                <a:latin typeface="Courier New" pitchFamily="49" charset="0"/>
+                <a:cs typeface="Courier New" pitchFamily="49" charset="0"/>
+              </a:rPr>
+              <a:t>());</a:t>
+            </a:r>
+          </a:p>
+          <a:p>
+            <a:pPr defTabSz="180975"/>
+            <a:r>
+              <a:rPr lang="en-US" sz="1400" b="1" dirty="0" smtClean="0">
+                <a:latin typeface="Courier New" pitchFamily="49" charset="0"/>
+                <a:cs typeface="Courier New" pitchFamily="49" charset="0"/>
+              </a:rPr>
+              <a:t>			}</a:t>
+            </a:r>
+          </a:p>
+          <a:p>
+            <a:pPr defTabSz="180975"/>
+            <a:r>
+              <a:rPr lang="en-US" sz="1400" b="1" dirty="0" smtClean="0">
+                <a:latin typeface="Courier New" pitchFamily="49" charset="0"/>
+                <a:cs typeface="Courier New" pitchFamily="49" charset="0"/>
+              </a:rPr>
+              <a:t>			else if (</a:t>
+            </a:r>
+            <a:r>
+              <a:rPr lang="en-US" sz="1400" b="1" dirty="0" err="1" smtClean="0">
+                <a:latin typeface="Courier New" pitchFamily="49" charset="0"/>
+                <a:cs typeface="Courier New" pitchFamily="49" charset="0"/>
+              </a:rPr>
+              <a:t>fontCommand</a:t>
+            </a:r>
+            <a:r>
+              <a:rPr lang="en-US" sz="1400" b="1" dirty="0" smtClean="0">
+                <a:latin typeface="Courier New" pitchFamily="49" charset="0"/>
+                <a:cs typeface="Courier New" pitchFamily="49" charset="0"/>
+              </a:rPr>
+              <a:t> = </a:t>
+            </a:r>
+            <a:r>
+              <a:rPr lang="en-US" sz="1400" b="1" dirty="0" err="1" smtClean="0">
+                <a:latin typeface="Courier New" pitchFamily="49" charset="0"/>
+                <a:cs typeface="Courier New" pitchFamily="49" charset="0"/>
+              </a:rPr>
+              <a:t>dynamic_cast</a:t>
+            </a:r>
+            <a:r>
+              <a:rPr lang="en-US" sz="1400" b="1" dirty="0" smtClean="0">
+                <a:latin typeface="Courier New" pitchFamily="49" charset="0"/>
+                <a:cs typeface="Courier New" pitchFamily="49" charset="0"/>
+              </a:rPr>
+              <a:t>&lt;</a:t>
+            </a:r>
+            <a:r>
+              <a:rPr lang="en-US" sz="1400" b="1" dirty="0" err="1" smtClean="0">
+                <a:latin typeface="Courier New" pitchFamily="49" charset="0"/>
+                <a:cs typeface="Courier New" pitchFamily="49" charset="0"/>
+              </a:rPr>
+              <a:t>CFontChangeCommand</a:t>
+            </a:r>
+            <a:r>
+              <a:rPr lang="en-US" sz="1400" b="1" dirty="0" smtClean="0">
+                <a:latin typeface="Courier New" pitchFamily="49" charset="0"/>
+                <a:cs typeface="Courier New" pitchFamily="49" charset="0"/>
+              </a:rPr>
+              <a:t> const*&gt;(&amp;item))</a:t>
+            </a:r>
+          </a:p>
+          <a:p>
+            <a:pPr defTabSz="180975"/>
+            <a:r>
+              <a:rPr lang="en-US" sz="1400" b="1" dirty="0" smtClean="0">
+                <a:latin typeface="Courier New" pitchFamily="49" charset="0"/>
+                <a:cs typeface="Courier New" pitchFamily="49" charset="0"/>
+              </a:rPr>
+              <a:t>			{</a:t>
+            </a:r>
+          </a:p>
+          <a:p>
+            <a:pPr defTabSz="180975"/>
+            <a:r>
+              <a:rPr lang="en-US" sz="1400" b="1" dirty="0" smtClean="0">
+                <a:latin typeface="Courier New" pitchFamily="49" charset="0"/>
+                <a:cs typeface="Courier New" pitchFamily="49" charset="0"/>
+              </a:rPr>
+              <a:t>				</a:t>
+            </a:r>
+            <a:r>
+              <a:rPr lang="en-US" sz="1400" b="1" dirty="0" err="1" smtClean="0">
+                <a:latin typeface="Courier New" pitchFamily="49" charset="0"/>
+                <a:cs typeface="Courier New" pitchFamily="49" charset="0"/>
+              </a:rPr>
+              <a:t>converter.ConvertFontChange</a:t>
+            </a:r>
+            <a:r>
+              <a:rPr lang="en-US" sz="1400" b="1" dirty="0" smtClean="0">
+                <a:latin typeface="Courier New" pitchFamily="49" charset="0"/>
+                <a:cs typeface="Courier New" pitchFamily="49" charset="0"/>
+              </a:rPr>
+              <a:t>(</a:t>
+            </a:r>
+            <a:r>
+              <a:rPr lang="en-US" sz="1400" b="1" dirty="0" err="1" smtClean="0">
+                <a:latin typeface="Courier New" pitchFamily="49" charset="0"/>
+                <a:cs typeface="Courier New" pitchFamily="49" charset="0"/>
+              </a:rPr>
+              <a:t>fontCommand</a:t>
+            </a:r>
+            <a:r>
+              <a:rPr lang="en-US" sz="1400" b="1" dirty="0" smtClean="0">
+                <a:latin typeface="Courier New" pitchFamily="49" charset="0"/>
+                <a:cs typeface="Courier New" pitchFamily="49" charset="0"/>
+              </a:rPr>
+              <a:t>-&gt;</a:t>
+            </a:r>
+            <a:r>
+              <a:rPr lang="en-US" sz="1400" b="1" dirty="0" err="1" smtClean="0">
+                <a:latin typeface="Courier New" pitchFamily="49" charset="0"/>
+                <a:cs typeface="Courier New" pitchFamily="49" charset="0"/>
+              </a:rPr>
+              <a:t>GetFont</a:t>
+            </a:r>
+            <a:r>
+              <a:rPr lang="en-US" sz="1400" b="1" dirty="0" smtClean="0">
+                <a:latin typeface="Courier New" pitchFamily="49" charset="0"/>
+                <a:cs typeface="Courier New" pitchFamily="49" charset="0"/>
+              </a:rPr>
+              <a:t>());</a:t>
+            </a:r>
+          </a:p>
+          <a:p>
+            <a:pPr defTabSz="180975"/>
+            <a:r>
+              <a:rPr lang="en-US" sz="1400" b="1" dirty="0" smtClean="0">
+                <a:latin typeface="Courier New" pitchFamily="49" charset="0"/>
+                <a:cs typeface="Courier New" pitchFamily="49" charset="0"/>
+              </a:rPr>
+              <a:t>			}</a:t>
+            </a:r>
+          </a:p>
+          <a:p>
+            <a:pPr defTabSz="180975"/>
+            <a:r>
+              <a:rPr lang="en-US" sz="1400" b="1" dirty="0" smtClean="0">
+                <a:latin typeface="Courier New" pitchFamily="49" charset="0"/>
+                <a:cs typeface="Courier New" pitchFamily="49" charset="0"/>
+              </a:rPr>
+              <a:t>			else if (…) { … } …</a:t>
+            </a:r>
+          </a:p>
+          <a:p>
+            <a:pPr defTabSz="180975"/>
+            <a:r>
+              <a:rPr lang="en-US" sz="1400" b="1" dirty="0" smtClean="0">
+                <a:latin typeface="Courier New" pitchFamily="49" charset="0"/>
+                <a:cs typeface="Courier New" pitchFamily="49" charset="0"/>
+              </a:rPr>
+              <a:t>		}</a:t>
+            </a:r>
+            <a:endParaRPr lang="ru-RU" sz="1400" b="1" dirty="0" smtClean="0">
+              <a:latin typeface="Courier New" pitchFamily="49" charset="0"/>
+              <a:cs typeface="Courier New" pitchFamily="49" charset="0"/>
+            </a:endParaRPr>
+          </a:p>
+          <a:p>
+            <a:pPr defTabSz="180975"/>
+            <a:r>
+              <a:rPr lang="ru-RU" sz="1400" b="1" dirty="0" smtClean="0">
+                <a:latin typeface="Courier New" pitchFamily="49" charset="0"/>
+                <a:cs typeface="Courier New" pitchFamily="49" charset="0"/>
+              </a:rPr>
+              <a:t>	}</a:t>
+            </a:r>
+          </a:p>
+          <a:p>
+            <a:pPr defTabSz="180975"/>
+            <a:r>
+              <a:rPr lang="ru-RU" sz="1400" b="1" dirty="0" smtClean="0">
+                <a:latin typeface="Courier New" pitchFamily="49" charset="0"/>
+                <a:cs typeface="Courier New" pitchFamily="49" charset="0"/>
+              </a:rPr>
+              <a:t>};</a:t>
+            </a:r>
+          </a:p>
+        </p:txBody>
+      </p:sp>
+    </p:spTree>
+    <p:extLst>
+      <p:ext uri="{BB962C8B-B14F-4D97-AF65-F5344CB8AC3E}">
+        <p14:creationId xmlns:p14="http://schemas.microsoft.com/office/powerpoint/2010/main" val="3897446812"/>
+      </p:ext>
+    </p:extLst>
+  </p:cSld>
+  <p:clrMapOvr>
+    <a:masterClrMapping/>
+  </p:clrMapOvr>
+  <p:timing>
+    <p:tnLst>
+      <p:par>
+        <p:cTn id="1" dur="indefinite" restart="never" nodeType="tmRoot">
+          <p:childTnLst>
+            <p:seq concurrent="1" nextAc="seek">
+              <p:cTn id="2" dur="indefinite" nodeType="mainSeq">
+                <p:childTnLst>
+                  <p:par>
+                    <p:cTn id="3" fill="hold">
+                      <p:stCondLst>
+                        <p:cond delay="indefinite"/>
+                      </p:stCondLst>
+                      <p:childTnLst>
+                        <p:par>
+                          <p:cTn id="4" fill="hold">
+                            <p:stCondLst>
+                              <p:cond delay="0"/>
+                            </p:stCondLst>
+                            <p:childTnLst>
+                              <p:par>
+                                <p:cTn id="5" presetID="10" presetClass="entr" presetSubtype="0" fill="hold" nodeType="clickEffect">
+                                  <p:stCondLst>
+                                    <p:cond delay="0"/>
+                                  </p:stCondLst>
+                                  <p:childTnLst>
+                                    <p:set>
+                                      <p:cBhvr>
+                                        <p:cTn id="6" dur="1" fill="hold">
+                                          <p:stCondLst>
+                                            <p:cond delay="0"/>
+                                          </p:stCondLst>
+                                        </p:cTn>
+                                        <p:tgtEl>
+                                          <p:spTgt spid="3">
+                                            <p:txEl>
+                                              <p:pRg st="5" end="5"/>
+                                            </p:txEl>
+                                          </p:spTgt>
+                                        </p:tgtEl>
+                                        <p:attrNameLst>
+                                          <p:attrName>style.visibility</p:attrName>
+                                        </p:attrNameLst>
+                                      </p:cBhvr>
+                                      <p:to>
+                                        <p:strVal val="visible"/>
+                                      </p:to>
+                                    </p:set>
+                                    <p:animEffect transition="in" filter="fade">
+                                      <p:cBhvr>
+                                        <p:cTn id="7" dur="500"/>
+                                        <p:tgtEl>
+                                          <p:spTgt spid="3">
+                                            <p:txEl>
+                                              <p:pRg st="5" end="5"/>
+                                            </p:txEl>
+                                          </p:spTgt>
+                                        </p:tgtEl>
+                                      </p:cBhvr>
+                                    </p:animEffect>
+                                  </p:childTnLst>
+                                </p:cTn>
+                              </p:par>
+                              <p:par>
+                                <p:cTn id="8" presetID="10" presetClass="entr" presetSubtype="0" fill="hold" nodeType="withEffect">
+                                  <p:stCondLst>
+                                    <p:cond delay="0"/>
+                                  </p:stCondLst>
+                                  <p:childTnLst>
+                                    <p:set>
+                                      <p:cBhvr>
+                                        <p:cTn id="9" dur="1" fill="hold">
+                                          <p:stCondLst>
+                                            <p:cond delay="0"/>
+                                          </p:stCondLst>
+                                        </p:cTn>
+                                        <p:tgtEl>
+                                          <p:spTgt spid="3">
+                                            <p:txEl>
+                                              <p:pRg st="6" end="6"/>
+                                            </p:txEl>
+                                          </p:spTgt>
+                                        </p:tgtEl>
+                                        <p:attrNameLst>
+                                          <p:attrName>style.visibility</p:attrName>
+                                        </p:attrNameLst>
+                                      </p:cBhvr>
+                                      <p:to>
+                                        <p:strVal val="visible"/>
+                                      </p:to>
+                                    </p:set>
+                                    <p:animEffect transition="in" filter="fade">
+                                      <p:cBhvr>
+                                        <p:cTn id="10" dur="500"/>
+                                        <p:tgtEl>
+                                          <p:spTgt spid="3">
+                                            <p:txEl>
+                                              <p:pRg st="6" end="6"/>
+                                            </p:txEl>
+                                          </p:spTgt>
+                                        </p:tgtEl>
+                                      </p:cBhvr>
+                                    </p:animEffect>
+                                  </p:childTnLst>
+                                </p:cTn>
+                              </p:par>
+                              <p:par>
+                                <p:cTn id="11" presetID="10" presetClass="entr" presetSubtype="0" fill="hold" nodeType="withEffect">
+                                  <p:stCondLst>
+                                    <p:cond delay="0"/>
+                                  </p:stCondLst>
+                                  <p:childTnLst>
+                                    <p:set>
+                                      <p:cBhvr>
+                                        <p:cTn id="12" dur="1" fill="hold">
+                                          <p:stCondLst>
+                                            <p:cond delay="0"/>
+                                          </p:stCondLst>
+                                        </p:cTn>
+                                        <p:tgtEl>
+                                          <p:spTgt spid="3">
+                                            <p:txEl>
+                                              <p:pRg st="18" end="18"/>
+                                            </p:txEl>
+                                          </p:spTgt>
+                                        </p:tgtEl>
+                                        <p:attrNameLst>
+                                          <p:attrName>style.visibility</p:attrName>
+                                        </p:attrNameLst>
+                                      </p:cBhvr>
+                                      <p:to>
+                                        <p:strVal val="visible"/>
+                                      </p:to>
+                                    </p:set>
+                                    <p:animEffect transition="in" filter="fade">
+                                      <p:cBhvr>
+                                        <p:cTn id="13" dur="500"/>
+                                        <p:tgtEl>
+                                          <p:spTgt spid="3">
+                                            <p:txEl>
+                                              <p:pRg st="18" end="18"/>
+                                            </p:txEl>
+                                          </p:spTgt>
+                                        </p:tgtEl>
+                                      </p:cBhvr>
+                                    </p:animEffect>
+                                  </p:childTnLst>
+                                </p:cTn>
+                              </p:par>
+                            </p:childTnLst>
+                          </p:cTn>
+                        </p:par>
+                      </p:childTnLst>
+                    </p:cTn>
+                  </p:par>
+                  <p:par>
+                    <p:cTn id="14" fill="hold">
+                      <p:stCondLst>
+                        <p:cond delay="indefinite"/>
+                      </p:stCondLst>
+                      <p:childTnLst>
+                        <p:par>
+                          <p:cTn id="15" fill="hold">
+                            <p:stCondLst>
+                              <p:cond delay="0"/>
+                            </p:stCondLst>
+                            <p:childTnLst>
+                              <p:par>
+                                <p:cTn id="16" presetID="10" presetClass="entr" presetSubtype="0" fill="hold" nodeType="clickEffect">
+                                  <p:stCondLst>
+                                    <p:cond delay="0"/>
+                                  </p:stCondLst>
+                                  <p:childTnLst>
+                                    <p:set>
+                                      <p:cBhvr>
+                                        <p:cTn id="17" dur="1" fill="hold">
+                                          <p:stCondLst>
+                                            <p:cond delay="0"/>
+                                          </p:stCondLst>
+                                        </p:cTn>
+                                        <p:tgtEl>
+                                          <p:spTgt spid="3">
+                                            <p:txEl>
+                                              <p:pRg st="7" end="7"/>
+                                            </p:txEl>
+                                          </p:spTgt>
+                                        </p:tgtEl>
+                                        <p:attrNameLst>
+                                          <p:attrName>style.visibility</p:attrName>
+                                        </p:attrNameLst>
+                                      </p:cBhvr>
+                                      <p:to>
+                                        <p:strVal val="visible"/>
+                                      </p:to>
+                                    </p:set>
+                                    <p:animEffect transition="in" filter="fade">
+                                      <p:cBhvr>
+                                        <p:cTn id="18" dur="500"/>
+                                        <p:tgtEl>
+                                          <p:spTgt spid="3">
+                                            <p:txEl>
+                                              <p:pRg st="7" end="7"/>
+                                            </p:txEl>
+                                          </p:spTgt>
+                                        </p:tgtEl>
+                                      </p:cBhvr>
+                                    </p:animEffect>
+                                  </p:childTnLst>
+                                </p:cTn>
+                              </p:par>
+                              <p:par>
+                                <p:cTn id="19" presetID="10" presetClass="entr" presetSubtype="0" fill="hold" nodeType="withEffect">
+                                  <p:stCondLst>
+                                    <p:cond delay="0"/>
+                                  </p:stCondLst>
+                                  <p:childTnLst>
+                                    <p:set>
+                                      <p:cBhvr>
+                                        <p:cTn id="20" dur="1" fill="hold">
+                                          <p:stCondLst>
+                                            <p:cond delay="0"/>
+                                          </p:stCondLst>
+                                        </p:cTn>
+                                        <p:tgtEl>
+                                          <p:spTgt spid="3">
+                                            <p:txEl>
+                                              <p:pRg st="9" end="9"/>
+                                            </p:txEl>
+                                          </p:spTgt>
+                                        </p:tgtEl>
+                                        <p:attrNameLst>
+                                          <p:attrName>style.visibility</p:attrName>
+                                        </p:attrNameLst>
+                                      </p:cBhvr>
+                                      <p:to>
+                                        <p:strVal val="visible"/>
+                                      </p:to>
+                                    </p:set>
+                                    <p:animEffect transition="in" filter="fade">
+                                      <p:cBhvr>
+                                        <p:cTn id="21" dur="500"/>
+                                        <p:tgtEl>
+                                          <p:spTgt spid="3">
+                                            <p:txEl>
+                                              <p:pRg st="9" end="9"/>
+                                            </p:txEl>
+                                          </p:spTgt>
+                                        </p:tgtEl>
+                                      </p:cBhvr>
+                                    </p:animEffect>
+                                  </p:childTnLst>
+                                </p:cTn>
+                              </p:par>
+                              <p:par>
+                                <p:cTn id="22" presetID="10" presetClass="entr" presetSubtype="0" fill="hold" nodeType="withEffect">
+                                  <p:stCondLst>
+                                    <p:cond delay="0"/>
+                                  </p:stCondLst>
+                                  <p:childTnLst>
+                                    <p:set>
+                                      <p:cBhvr>
+                                        <p:cTn id="23" dur="1" fill="hold">
+                                          <p:stCondLst>
+                                            <p:cond delay="0"/>
+                                          </p:stCondLst>
+                                        </p:cTn>
+                                        <p:tgtEl>
+                                          <p:spTgt spid="3">
+                                            <p:txEl>
+                                              <p:pRg st="10" end="10"/>
+                                            </p:txEl>
+                                          </p:spTgt>
+                                        </p:tgtEl>
+                                        <p:attrNameLst>
+                                          <p:attrName>style.visibility</p:attrName>
+                                        </p:attrNameLst>
+                                      </p:cBhvr>
+                                      <p:to>
+                                        <p:strVal val="visible"/>
+                                      </p:to>
+                                    </p:set>
+                                    <p:animEffect transition="in" filter="fade">
+                                      <p:cBhvr>
+                                        <p:cTn id="24" dur="500"/>
+                                        <p:tgtEl>
+                                          <p:spTgt spid="3">
+                                            <p:txEl>
+                                              <p:pRg st="10" end="10"/>
+                                            </p:txEl>
+                                          </p:spTgt>
+                                        </p:tgtEl>
+                                      </p:cBhvr>
+                                    </p:animEffect>
+                                  </p:childTnLst>
+                                </p:cTn>
+                              </p:par>
+                              <p:par>
+                                <p:cTn id="25" presetID="10" presetClass="entr" presetSubtype="0" fill="hold" nodeType="withEffect">
+                                  <p:stCondLst>
+                                    <p:cond delay="0"/>
+                                  </p:stCondLst>
+                                  <p:childTnLst>
+                                    <p:set>
+                                      <p:cBhvr>
+                                        <p:cTn id="26" dur="1" fill="hold">
+                                          <p:stCondLst>
+                                            <p:cond delay="0"/>
+                                          </p:stCondLst>
+                                        </p:cTn>
+                                        <p:tgtEl>
+                                          <p:spTgt spid="3">
+                                            <p:txEl>
+                                              <p:pRg st="11" end="11"/>
+                                            </p:txEl>
+                                          </p:spTgt>
+                                        </p:tgtEl>
+                                        <p:attrNameLst>
+                                          <p:attrName>style.visibility</p:attrName>
+                                        </p:attrNameLst>
+                                      </p:cBhvr>
+                                      <p:to>
+                                        <p:strVal val="visible"/>
+                                      </p:to>
+                                    </p:set>
+                                    <p:animEffect transition="in" filter="fade">
+                                      <p:cBhvr>
+                                        <p:cTn id="27" dur="500"/>
+                                        <p:tgtEl>
+                                          <p:spTgt spid="3">
+                                            <p:txEl>
+                                              <p:pRg st="11" end="11"/>
+                                            </p:txEl>
+                                          </p:spTgt>
+                                        </p:tgtEl>
+                                      </p:cBhvr>
+                                    </p:animEffect>
+                                  </p:childTnLst>
+                                </p:cTn>
+                              </p:par>
+                              <p:par>
+                                <p:cTn id="28" presetID="10" presetClass="entr" presetSubtype="0" fill="hold" nodeType="withEffect">
+                                  <p:stCondLst>
+                                    <p:cond delay="0"/>
+                                  </p:stCondLst>
+                                  <p:childTnLst>
+                                    <p:set>
+                                      <p:cBhvr>
+                                        <p:cTn id="29" dur="1" fill="hold">
+                                          <p:stCondLst>
+                                            <p:cond delay="0"/>
+                                          </p:stCondLst>
+                                        </p:cTn>
+                                        <p:tgtEl>
+                                          <p:spTgt spid="3">
+                                            <p:txEl>
+                                              <p:pRg st="12" end="12"/>
+                                            </p:txEl>
+                                          </p:spTgt>
+                                        </p:tgtEl>
+                                        <p:attrNameLst>
+                                          <p:attrName>style.visibility</p:attrName>
+                                        </p:attrNameLst>
+                                      </p:cBhvr>
+                                      <p:to>
+                                        <p:strVal val="visible"/>
+                                      </p:to>
+                                    </p:set>
+                                    <p:animEffect transition="in" filter="fade">
+                                      <p:cBhvr>
+                                        <p:cTn id="30" dur="500"/>
+                                        <p:tgtEl>
+                                          <p:spTgt spid="3">
+                                            <p:txEl>
+                                              <p:pRg st="12" end="12"/>
+                                            </p:txEl>
+                                          </p:spTgt>
+                                        </p:tgtEl>
+                                      </p:cBhvr>
+                                    </p:animEffect>
+                                  </p:childTnLst>
+                                </p:cTn>
+                              </p:par>
+                            </p:childTnLst>
+                          </p:cTn>
+                        </p:par>
+                      </p:childTnLst>
+                    </p:cTn>
+                  </p:par>
+                  <p:par>
+                    <p:cTn id="31" fill="hold">
+                      <p:stCondLst>
+                        <p:cond delay="indefinite"/>
+                      </p:stCondLst>
+                      <p:childTnLst>
+                        <p:par>
+                          <p:cTn id="32" fill="hold">
+                            <p:stCondLst>
+                              <p:cond delay="0"/>
+                            </p:stCondLst>
+                            <p:childTnLst>
+                              <p:par>
+                                <p:cTn id="33" presetID="10" presetClass="entr" presetSubtype="0" fill="hold" nodeType="clickEffect">
+                                  <p:stCondLst>
+                                    <p:cond delay="0"/>
+                                  </p:stCondLst>
+                                  <p:childTnLst>
+                                    <p:set>
+                                      <p:cBhvr>
+                                        <p:cTn id="34" dur="1" fill="hold">
+                                          <p:stCondLst>
+                                            <p:cond delay="0"/>
+                                          </p:stCondLst>
+                                        </p:cTn>
+                                        <p:tgtEl>
+                                          <p:spTgt spid="3">
+                                            <p:txEl>
+                                              <p:pRg st="13" end="13"/>
+                                            </p:txEl>
+                                          </p:spTgt>
+                                        </p:tgtEl>
+                                        <p:attrNameLst>
+                                          <p:attrName>style.visibility</p:attrName>
+                                        </p:attrNameLst>
+                                      </p:cBhvr>
+                                      <p:to>
+                                        <p:strVal val="visible"/>
+                                      </p:to>
+                                    </p:set>
+                                    <p:animEffect transition="in" filter="fade">
+                                      <p:cBhvr>
+                                        <p:cTn id="35" dur="500"/>
+                                        <p:tgtEl>
+                                          <p:spTgt spid="3">
+                                            <p:txEl>
+                                              <p:pRg st="13" end="13"/>
+                                            </p:txEl>
+                                          </p:spTgt>
+                                        </p:tgtEl>
+                                      </p:cBhvr>
+                                    </p:animEffect>
+                                  </p:childTnLst>
+                                </p:cTn>
+                              </p:par>
+                              <p:par>
+                                <p:cTn id="36" presetID="10" presetClass="entr" presetSubtype="0" fill="hold" nodeType="withEffect">
+                                  <p:stCondLst>
+                                    <p:cond delay="0"/>
+                                  </p:stCondLst>
+                                  <p:childTnLst>
+                                    <p:set>
+                                      <p:cBhvr>
+                                        <p:cTn id="37" dur="1" fill="hold">
+                                          <p:stCondLst>
+                                            <p:cond delay="0"/>
+                                          </p:stCondLst>
+                                        </p:cTn>
+                                        <p:tgtEl>
+                                          <p:spTgt spid="3">
+                                            <p:txEl>
+                                              <p:pRg st="14" end="14"/>
+                                            </p:txEl>
+                                          </p:spTgt>
+                                        </p:tgtEl>
+                                        <p:attrNameLst>
+                                          <p:attrName>style.visibility</p:attrName>
+                                        </p:attrNameLst>
+                                      </p:cBhvr>
+                                      <p:to>
+                                        <p:strVal val="visible"/>
+                                      </p:to>
+                                    </p:set>
+                                    <p:animEffect transition="in" filter="fade">
+                                      <p:cBhvr>
+                                        <p:cTn id="38" dur="500"/>
+                                        <p:tgtEl>
+                                          <p:spTgt spid="3">
+                                            <p:txEl>
+                                              <p:pRg st="14" end="14"/>
+                                            </p:txEl>
+                                          </p:spTgt>
+                                        </p:tgtEl>
+                                      </p:cBhvr>
+                                    </p:animEffect>
+                                  </p:childTnLst>
+                                </p:cTn>
+                              </p:par>
+                              <p:par>
+                                <p:cTn id="39" presetID="10" presetClass="entr" presetSubtype="0" fill="hold" nodeType="withEffect">
+                                  <p:stCondLst>
+                                    <p:cond delay="0"/>
+                                  </p:stCondLst>
+                                  <p:childTnLst>
+                                    <p:set>
+                                      <p:cBhvr>
+                                        <p:cTn id="40" dur="1" fill="hold">
+                                          <p:stCondLst>
+                                            <p:cond delay="0"/>
+                                          </p:stCondLst>
+                                        </p:cTn>
+                                        <p:tgtEl>
+                                          <p:spTgt spid="3">
+                                            <p:txEl>
+                                              <p:pRg st="15" end="15"/>
+                                            </p:txEl>
+                                          </p:spTgt>
+                                        </p:tgtEl>
+                                        <p:attrNameLst>
+                                          <p:attrName>style.visibility</p:attrName>
+                                        </p:attrNameLst>
+                                      </p:cBhvr>
+                                      <p:to>
+                                        <p:strVal val="visible"/>
+                                      </p:to>
+                                    </p:set>
+                                    <p:animEffect transition="in" filter="fade">
+                                      <p:cBhvr>
+                                        <p:cTn id="41" dur="500"/>
+                                        <p:tgtEl>
+                                          <p:spTgt spid="3">
+                                            <p:txEl>
+                                              <p:pRg st="15" end="15"/>
+                                            </p:txEl>
+                                          </p:spTgt>
+                                        </p:tgtEl>
+                                      </p:cBhvr>
+                                    </p:animEffect>
+                                  </p:childTnLst>
+                                </p:cTn>
+                              </p:par>
+                              <p:par>
+                                <p:cTn id="42" presetID="10" presetClass="entr" presetSubtype="0" fill="hold" nodeType="withEffect">
+                                  <p:stCondLst>
+                                    <p:cond delay="0"/>
+                                  </p:stCondLst>
+                                  <p:childTnLst>
+                                    <p:set>
+                                      <p:cBhvr>
+                                        <p:cTn id="43" dur="1" fill="hold">
+                                          <p:stCondLst>
+                                            <p:cond delay="0"/>
+                                          </p:stCondLst>
+                                        </p:cTn>
+                                        <p:tgtEl>
+                                          <p:spTgt spid="3">
+                                            <p:txEl>
+                                              <p:pRg st="16" end="16"/>
+                                            </p:txEl>
+                                          </p:spTgt>
+                                        </p:tgtEl>
+                                        <p:attrNameLst>
+                                          <p:attrName>style.visibility</p:attrName>
+                                        </p:attrNameLst>
+                                      </p:cBhvr>
+                                      <p:to>
+                                        <p:strVal val="visible"/>
+                                      </p:to>
+                                    </p:set>
+                                    <p:animEffect transition="in" filter="fade">
+                                      <p:cBhvr>
+                                        <p:cTn id="44" dur="500"/>
+                                        <p:tgtEl>
+                                          <p:spTgt spid="3">
+                                            <p:txEl>
+                                              <p:pRg st="16" end="16"/>
+                                            </p:txEl>
+                                          </p:spTgt>
+                                        </p:tgtEl>
+                                      </p:cBhvr>
+                                    </p:animEffect>
+                                  </p:childTnLst>
+                                </p:cTn>
+                              </p:par>
+                              <p:par>
+                                <p:cTn id="45" presetID="10" presetClass="entr" presetSubtype="0" fill="hold" nodeType="withEffect">
+                                  <p:stCondLst>
+                                    <p:cond delay="0"/>
+                                  </p:stCondLst>
+                                  <p:childTnLst>
+                                    <p:set>
+                                      <p:cBhvr>
+                                        <p:cTn id="46" dur="1" fill="hold">
+                                          <p:stCondLst>
+                                            <p:cond delay="0"/>
+                                          </p:stCondLst>
+                                        </p:cTn>
+                                        <p:tgtEl>
+                                          <p:spTgt spid="3">
+                                            <p:txEl>
+                                              <p:pRg st="17" end="17"/>
+                                            </p:txEl>
+                                          </p:spTgt>
+                                        </p:tgtEl>
+                                        <p:attrNameLst>
+                                          <p:attrName>style.visibility</p:attrName>
+                                        </p:attrNameLst>
+                                      </p:cBhvr>
+                                      <p:to>
+                                        <p:strVal val="visible"/>
+                                      </p:to>
+                                    </p:set>
+                                    <p:animEffect transition="in" filter="fade">
+                                      <p:cBhvr>
+                                        <p:cTn id="47" dur="500"/>
+                                        <p:tgtEl>
+                                          <p:spTgt spid="3">
+                                            <p:txEl>
+                                              <p:pRg st="17" end="17"/>
+                                            </p:txEl>
+                                          </p:spTgt>
+                                        </p:tgtEl>
+                                      </p:cBhvr>
+                                    </p:animEffect>
+                                  </p:childTnLst>
+                                </p:cTn>
+                              </p:par>
+                            </p:childTnLst>
+                          </p:cTn>
+                        </p:par>
+                      </p:childTnLst>
+                    </p:cTn>
+                  </p:par>
+                </p:childTnLst>
+              </p:cTn>
+              <p:prevCondLst>
+                <p:cond evt="onPrev" delay="0">
+                  <p:tgtEl>
+                    <p:sldTgt/>
+                  </p:tgtEl>
+                </p:cond>
+              </p:prevCondLst>
+              <p:nextCondLst>
+                <p:cond evt="onNext" delay="0">
+                  <p:tgtEl>
+                    <p:sldTgt/>
+                  </p:tgtEl>
+                </p:cond>
+              </p:nextCondLst>
+            </p:seq>
+          </p:childTnLst>
+        </p:cTn>
+      </p:par>
+    </p:tnLst>
+  </p:timing>
+</p:sld>
+</file>
+
+<file path=ppt/slides/slide11.xml><?xml version="1.0" encoding="utf-8"?>
+<p:sld xmlns:a="http://schemas.openxmlformats.org/drawingml/2006/main" xmlns:r="http://schemas.openxmlformats.org/officeDocument/2006/relationships" xmlns:p="http://schemas.openxmlformats.org/presentationml/2006/main">
+  <p:cSld>
+    <p:spTree>
+      <p:nvGrpSpPr>
+        <p:cNvPr id="1" name=""/>
+        <p:cNvGrpSpPr/>
+        <p:nvPr/>
+      </p:nvGrpSpPr>
+      <p:grpSpPr>
+        <a:xfrm>
+          <a:off x="0" y="0"/>
+          <a:ext cx="0" cy="0"/>
+          <a:chOff x="0" y="0"/>
+          <a:chExt cx="0" cy="0"/>
+        </a:xfrm>
+      </p:grpSpPr>
+      <p:sp>
+        <p:nvSpPr>
+          <p:cNvPr id="2" name="Заголовок 1"/>
+          <p:cNvSpPr>
+            <a:spLocks noGrp="1"/>
+          </p:cNvSpPr>
+          <p:nvPr>
+            <p:ph type="title"/>
+          </p:nvPr>
+        </p:nvSpPr>
+        <p:spPr/>
+        <p:txBody>
+          <a:bodyPr/>
+          <a:lstStyle/>
+          <a:p>
+            <a:r>
+              <a:rPr lang="ru-RU" dirty="0" smtClean="0"/>
+              <a:t>Реализация клиента</a:t>
+            </a:r>
+            <a:endParaRPr lang="ru-RU" dirty="0"/>
+          </a:p>
+        </p:txBody>
+      </p:sp>
+      <p:sp>
+        <p:nvSpPr>
+          <p:cNvPr id="3" name="Прямоугольник 2"/>
+          <p:cNvSpPr/>
+          <p:nvPr/>
+        </p:nvSpPr>
+        <p:spPr>
+          <a:xfrm>
+            <a:off x="214282" y="1835760"/>
+            <a:ext cx="8501122" cy="3323987"/>
+          </a:xfrm>
+          <a:prstGeom prst="rect">
+            <a:avLst/>
+          </a:prstGeom>
+        </p:spPr>
+        <p:style>
+          <a:lnRef idx="2">
+            <a:schemeClr val="accent1"/>
+          </a:lnRef>
+          <a:fillRef idx="1">
+            <a:schemeClr val="lt1"/>
+          </a:fillRef>
+          <a:effectRef idx="0">
+            <a:schemeClr val="accent1"/>
+          </a:effectRef>
+          <a:fontRef idx="minor">
+            <a:schemeClr val="dk1"/>
+          </a:fontRef>
+        </p:style>
+        <p:txBody>
+          <a:bodyPr wrap="square">
+            <a:spAutoFit/>
+          </a:bodyPr>
+          <a:lstStyle/>
+          <a:p>
             <a:pPr defTabSz="266700"/>
             <a:r>
               <a:rPr lang="en-US" sz="1400" b="1" dirty="0" smtClean="0">
@@ -9198,6 +10414,13 @@
               <a:t> reader;</a:t>
             </a:r>
             <a:endParaRPr lang="ru-RU" sz="1400" b="1" dirty="0" smtClean="0">
+              <a:latin typeface="Courier New" pitchFamily="49" charset="0"/>
+              <a:cs typeface="Courier New" pitchFamily="49" charset="0"/>
+            </a:endParaRPr>
+          </a:p>
+          <a:p>
+            <a:pPr defTabSz="266700"/>
+            <a:endParaRPr lang="ru-RU" sz="1400" b="1" i="1" dirty="0" smtClean="0">
               <a:latin typeface="Courier New" pitchFamily="49" charset="0"/>
               <a:cs typeface="Courier New" pitchFamily="49" charset="0"/>
             </a:endParaRPr>
@@ -9391,14 +10614,496 @@
   <p:timing>
     <p:tnLst>
       <p:par>
-        <p:cTn id="1" dur="indefinite" restart="never" nodeType="tmRoot"/>
+        <p:cTn id="1" dur="indefinite" restart="never" nodeType="tmRoot">
+          <p:childTnLst>
+            <p:seq concurrent="1" nextAc="seek">
+              <p:cTn id="2" dur="indefinite" nodeType="mainSeq">
+                <p:childTnLst>
+                  <p:par>
+                    <p:cTn id="3" fill="hold">
+                      <p:stCondLst>
+                        <p:cond delay="indefinite"/>
+                      </p:stCondLst>
+                      <p:childTnLst>
+                        <p:par>
+                          <p:cTn id="4" fill="hold">
+                            <p:stCondLst>
+                              <p:cond delay="0"/>
+                            </p:stCondLst>
+                            <p:childTnLst>
+                              <p:par>
+                                <p:cTn id="5" presetID="10" presetClass="entr" presetSubtype="0" fill="hold" nodeType="clickEffect">
+                                  <p:stCondLst>
+                                    <p:cond delay="0"/>
+                                  </p:stCondLst>
+                                  <p:childTnLst>
+                                    <p:set>
+                                      <p:cBhvr>
+                                        <p:cTn id="6" dur="1" fill="hold">
+                                          <p:stCondLst>
+                                            <p:cond delay="0"/>
+                                          </p:stCondLst>
+                                        </p:cTn>
+                                        <p:tgtEl>
+                                          <p:spTgt spid="3">
+                                            <p:txEl>
+                                              <p:pRg st="2" end="2"/>
+                                            </p:txEl>
+                                          </p:spTgt>
+                                        </p:tgtEl>
+                                        <p:attrNameLst>
+                                          <p:attrName>style.visibility</p:attrName>
+                                        </p:attrNameLst>
+                                      </p:cBhvr>
+                                      <p:to>
+                                        <p:strVal val="visible"/>
+                                      </p:to>
+                                    </p:set>
+                                    <p:animEffect transition="in" filter="fade">
+                                      <p:cBhvr>
+                                        <p:cTn id="7" dur="500"/>
+                                        <p:tgtEl>
+                                          <p:spTgt spid="3">
+                                            <p:txEl>
+                                              <p:pRg st="2" end="2"/>
+                                            </p:txEl>
+                                          </p:spTgt>
+                                        </p:tgtEl>
+                                      </p:cBhvr>
+                                    </p:animEffect>
+                                  </p:childTnLst>
+                                </p:cTn>
+                              </p:par>
+                              <p:par>
+                                <p:cTn id="8" presetID="10" presetClass="entr" presetSubtype="0" fill="hold" nodeType="withEffect">
+                                  <p:stCondLst>
+                                    <p:cond delay="0"/>
+                                  </p:stCondLst>
+                                  <p:childTnLst>
+                                    <p:set>
+                                      <p:cBhvr>
+                                        <p:cTn id="9" dur="1" fill="hold">
+                                          <p:stCondLst>
+                                            <p:cond delay="0"/>
+                                          </p:stCondLst>
+                                        </p:cTn>
+                                        <p:tgtEl>
+                                          <p:spTgt spid="3">
+                                            <p:txEl>
+                                              <p:pRg st="3" end="3"/>
+                                            </p:txEl>
+                                          </p:spTgt>
+                                        </p:tgtEl>
+                                        <p:attrNameLst>
+                                          <p:attrName>style.visibility</p:attrName>
+                                        </p:attrNameLst>
+                                      </p:cBhvr>
+                                      <p:to>
+                                        <p:strVal val="visible"/>
+                                      </p:to>
+                                    </p:set>
+                                    <p:animEffect transition="in" filter="fade">
+                                      <p:cBhvr>
+                                        <p:cTn id="10" dur="500"/>
+                                        <p:tgtEl>
+                                          <p:spTgt spid="3">
+                                            <p:txEl>
+                                              <p:pRg st="3" end="3"/>
+                                            </p:txEl>
+                                          </p:spTgt>
+                                        </p:tgtEl>
+                                      </p:cBhvr>
+                                    </p:animEffect>
+                                  </p:childTnLst>
+                                </p:cTn>
+                              </p:par>
+                            </p:childTnLst>
+                          </p:cTn>
+                        </p:par>
+                      </p:childTnLst>
+                    </p:cTn>
+                  </p:par>
+                  <p:par>
+                    <p:cTn id="11" fill="hold">
+                      <p:stCondLst>
+                        <p:cond delay="indefinite"/>
+                      </p:stCondLst>
+                      <p:childTnLst>
+                        <p:par>
+                          <p:cTn id="12" fill="hold">
+                            <p:stCondLst>
+                              <p:cond delay="0"/>
+                            </p:stCondLst>
+                            <p:childTnLst>
+                              <p:par>
+                                <p:cTn id="13" presetID="10" presetClass="entr" presetSubtype="0" fill="hold" nodeType="clickEffect">
+                                  <p:stCondLst>
+                                    <p:cond delay="0"/>
+                                  </p:stCondLst>
+                                  <p:childTnLst>
+                                    <p:set>
+                                      <p:cBhvr>
+                                        <p:cTn id="14" dur="1" fill="hold">
+                                          <p:stCondLst>
+                                            <p:cond delay="0"/>
+                                          </p:stCondLst>
+                                        </p:cTn>
+                                        <p:tgtEl>
+                                          <p:spTgt spid="3">
+                                            <p:txEl>
+                                              <p:pRg st="5" end="5"/>
+                                            </p:txEl>
+                                          </p:spTgt>
+                                        </p:tgtEl>
+                                        <p:attrNameLst>
+                                          <p:attrName>style.visibility</p:attrName>
+                                        </p:attrNameLst>
+                                      </p:cBhvr>
+                                      <p:to>
+                                        <p:strVal val="visible"/>
+                                      </p:to>
+                                    </p:set>
+                                    <p:animEffect transition="in" filter="fade">
+                                      <p:cBhvr>
+                                        <p:cTn id="15" dur="500"/>
+                                        <p:tgtEl>
+                                          <p:spTgt spid="3">
+                                            <p:txEl>
+                                              <p:pRg st="5" end="5"/>
+                                            </p:txEl>
+                                          </p:spTgt>
+                                        </p:tgtEl>
+                                      </p:cBhvr>
+                                    </p:animEffect>
+                                  </p:childTnLst>
+                                </p:cTn>
+                              </p:par>
+                              <p:par>
+                                <p:cTn id="16" presetID="10" presetClass="entr" presetSubtype="0" fill="hold" nodeType="withEffect">
+                                  <p:stCondLst>
+                                    <p:cond delay="0"/>
+                                  </p:stCondLst>
+                                  <p:childTnLst>
+                                    <p:set>
+                                      <p:cBhvr>
+                                        <p:cTn id="17" dur="1" fill="hold">
+                                          <p:stCondLst>
+                                            <p:cond delay="0"/>
+                                          </p:stCondLst>
+                                        </p:cTn>
+                                        <p:tgtEl>
+                                          <p:spTgt spid="3">
+                                            <p:txEl>
+                                              <p:pRg st="6" end="6"/>
+                                            </p:txEl>
+                                          </p:spTgt>
+                                        </p:tgtEl>
+                                        <p:attrNameLst>
+                                          <p:attrName>style.visibility</p:attrName>
+                                        </p:attrNameLst>
+                                      </p:cBhvr>
+                                      <p:to>
+                                        <p:strVal val="visible"/>
+                                      </p:to>
+                                    </p:set>
+                                    <p:animEffect transition="in" filter="fade">
+                                      <p:cBhvr>
+                                        <p:cTn id="18" dur="500"/>
+                                        <p:tgtEl>
+                                          <p:spTgt spid="3">
+                                            <p:txEl>
+                                              <p:pRg st="6" end="6"/>
+                                            </p:txEl>
+                                          </p:spTgt>
+                                        </p:tgtEl>
+                                      </p:cBhvr>
+                                    </p:animEffect>
+                                  </p:childTnLst>
+                                </p:cTn>
+                              </p:par>
+                            </p:childTnLst>
+                          </p:cTn>
+                        </p:par>
+                      </p:childTnLst>
+                    </p:cTn>
+                  </p:par>
+                  <p:par>
+                    <p:cTn id="19" fill="hold">
+                      <p:stCondLst>
+                        <p:cond delay="indefinite"/>
+                      </p:stCondLst>
+                      <p:childTnLst>
+                        <p:par>
+                          <p:cTn id="20" fill="hold">
+                            <p:stCondLst>
+                              <p:cond delay="0"/>
+                            </p:stCondLst>
+                            <p:childTnLst>
+                              <p:par>
+                                <p:cTn id="21" presetID="10" presetClass="entr" presetSubtype="0" fill="hold" nodeType="clickEffect">
+                                  <p:stCondLst>
+                                    <p:cond delay="0"/>
+                                  </p:stCondLst>
+                                  <p:childTnLst>
+                                    <p:set>
+                                      <p:cBhvr>
+                                        <p:cTn id="22" dur="1" fill="hold">
+                                          <p:stCondLst>
+                                            <p:cond delay="0"/>
+                                          </p:stCondLst>
+                                        </p:cTn>
+                                        <p:tgtEl>
+                                          <p:spTgt spid="3">
+                                            <p:txEl>
+                                              <p:pRg st="8" end="8"/>
+                                            </p:txEl>
+                                          </p:spTgt>
+                                        </p:tgtEl>
+                                        <p:attrNameLst>
+                                          <p:attrName>style.visibility</p:attrName>
+                                        </p:attrNameLst>
+                                      </p:cBhvr>
+                                      <p:to>
+                                        <p:strVal val="visible"/>
+                                      </p:to>
+                                    </p:set>
+                                    <p:animEffect transition="in" filter="fade">
+                                      <p:cBhvr>
+                                        <p:cTn id="23" dur="500"/>
+                                        <p:tgtEl>
+                                          <p:spTgt spid="3">
+                                            <p:txEl>
+                                              <p:pRg st="8" end="8"/>
+                                            </p:txEl>
+                                          </p:spTgt>
+                                        </p:tgtEl>
+                                      </p:cBhvr>
+                                    </p:animEffect>
+                                  </p:childTnLst>
+                                </p:cTn>
+                              </p:par>
+                              <p:par>
+                                <p:cTn id="24" presetID="10" presetClass="entr" presetSubtype="0" fill="hold" nodeType="withEffect">
+                                  <p:stCondLst>
+                                    <p:cond delay="0"/>
+                                  </p:stCondLst>
+                                  <p:childTnLst>
+                                    <p:set>
+                                      <p:cBhvr>
+                                        <p:cTn id="25" dur="1" fill="hold">
+                                          <p:stCondLst>
+                                            <p:cond delay="0"/>
+                                          </p:stCondLst>
+                                        </p:cTn>
+                                        <p:tgtEl>
+                                          <p:spTgt spid="3">
+                                            <p:txEl>
+                                              <p:pRg st="9" end="9"/>
+                                            </p:txEl>
+                                          </p:spTgt>
+                                        </p:tgtEl>
+                                        <p:attrNameLst>
+                                          <p:attrName>style.visibility</p:attrName>
+                                        </p:attrNameLst>
+                                      </p:cBhvr>
+                                      <p:to>
+                                        <p:strVal val="visible"/>
+                                      </p:to>
+                                    </p:set>
+                                    <p:animEffect transition="in" filter="fade">
+                                      <p:cBhvr>
+                                        <p:cTn id="26" dur="500"/>
+                                        <p:tgtEl>
+                                          <p:spTgt spid="3">
+                                            <p:txEl>
+                                              <p:pRg st="9" end="9"/>
+                                            </p:txEl>
+                                          </p:spTgt>
+                                        </p:tgtEl>
+                                      </p:cBhvr>
+                                    </p:animEffect>
+                                  </p:childTnLst>
+                                </p:cTn>
+                              </p:par>
+                            </p:childTnLst>
+                          </p:cTn>
+                        </p:par>
+                      </p:childTnLst>
+                    </p:cTn>
+                  </p:par>
+                  <p:par>
+                    <p:cTn id="27" fill="hold">
+                      <p:stCondLst>
+                        <p:cond delay="indefinite"/>
+                      </p:stCondLst>
+                      <p:childTnLst>
+                        <p:par>
+                          <p:cTn id="28" fill="hold">
+                            <p:stCondLst>
+                              <p:cond delay="0"/>
+                            </p:stCondLst>
+                            <p:childTnLst>
+                              <p:par>
+                                <p:cTn id="29" presetID="10" presetClass="entr" presetSubtype="0" fill="hold" nodeType="clickEffect">
+                                  <p:stCondLst>
+                                    <p:cond delay="0"/>
+                                  </p:stCondLst>
+                                  <p:childTnLst>
+                                    <p:set>
+                                      <p:cBhvr>
+                                        <p:cTn id="30" dur="1" fill="hold">
+                                          <p:stCondLst>
+                                            <p:cond delay="0"/>
+                                          </p:stCondLst>
+                                        </p:cTn>
+                                        <p:tgtEl>
+                                          <p:spTgt spid="3">
+                                            <p:txEl>
+                                              <p:pRg st="11" end="11"/>
+                                            </p:txEl>
+                                          </p:spTgt>
+                                        </p:tgtEl>
+                                        <p:attrNameLst>
+                                          <p:attrName>style.visibility</p:attrName>
+                                        </p:attrNameLst>
+                                      </p:cBhvr>
+                                      <p:to>
+                                        <p:strVal val="visible"/>
+                                      </p:to>
+                                    </p:set>
+                                    <p:animEffect transition="in" filter="fade">
+                                      <p:cBhvr>
+                                        <p:cTn id="31" dur="500"/>
+                                        <p:tgtEl>
+                                          <p:spTgt spid="3">
+                                            <p:txEl>
+                                              <p:pRg st="11" end="11"/>
+                                            </p:txEl>
+                                          </p:spTgt>
+                                        </p:tgtEl>
+                                      </p:cBhvr>
+                                    </p:animEffect>
+                                  </p:childTnLst>
+                                </p:cTn>
+                              </p:par>
+                              <p:par>
+                                <p:cTn id="32" presetID="10" presetClass="entr" presetSubtype="0" fill="hold" nodeType="withEffect">
+                                  <p:stCondLst>
+                                    <p:cond delay="0"/>
+                                  </p:stCondLst>
+                                  <p:childTnLst>
+                                    <p:set>
+                                      <p:cBhvr>
+                                        <p:cTn id="33" dur="1" fill="hold">
+                                          <p:stCondLst>
+                                            <p:cond delay="0"/>
+                                          </p:stCondLst>
+                                        </p:cTn>
+                                        <p:tgtEl>
+                                          <p:spTgt spid="3">
+                                            <p:txEl>
+                                              <p:pRg st="12" end="12"/>
+                                            </p:txEl>
+                                          </p:spTgt>
+                                        </p:tgtEl>
+                                        <p:attrNameLst>
+                                          <p:attrName>style.visibility</p:attrName>
+                                        </p:attrNameLst>
+                                      </p:cBhvr>
+                                      <p:to>
+                                        <p:strVal val="visible"/>
+                                      </p:to>
+                                    </p:set>
+                                    <p:animEffect transition="in" filter="fade">
+                                      <p:cBhvr>
+                                        <p:cTn id="34" dur="500"/>
+                                        <p:tgtEl>
+                                          <p:spTgt spid="3">
+                                            <p:txEl>
+                                              <p:pRg st="12" end="12"/>
+                                            </p:txEl>
+                                          </p:spTgt>
+                                        </p:tgtEl>
+                                      </p:cBhvr>
+                                    </p:animEffect>
+                                  </p:childTnLst>
+                                </p:cTn>
+                              </p:par>
+                              <p:par>
+                                <p:cTn id="35" presetID="10" presetClass="entr" presetSubtype="0" fill="hold" nodeType="withEffect">
+                                  <p:stCondLst>
+                                    <p:cond delay="0"/>
+                                  </p:stCondLst>
+                                  <p:childTnLst>
+                                    <p:set>
+                                      <p:cBhvr>
+                                        <p:cTn id="36" dur="1" fill="hold">
+                                          <p:stCondLst>
+                                            <p:cond delay="0"/>
+                                          </p:stCondLst>
+                                        </p:cTn>
+                                        <p:tgtEl>
+                                          <p:spTgt spid="3">
+                                            <p:txEl>
+                                              <p:pRg st="13" end="13"/>
+                                            </p:txEl>
+                                          </p:spTgt>
+                                        </p:tgtEl>
+                                        <p:attrNameLst>
+                                          <p:attrName>style.visibility</p:attrName>
+                                        </p:attrNameLst>
+                                      </p:cBhvr>
+                                      <p:to>
+                                        <p:strVal val="visible"/>
+                                      </p:to>
+                                    </p:set>
+                                    <p:animEffect transition="in" filter="fade">
+                                      <p:cBhvr>
+                                        <p:cTn id="37" dur="500"/>
+                                        <p:tgtEl>
+                                          <p:spTgt spid="3">
+                                            <p:txEl>
+                                              <p:pRg st="13" end="13"/>
+                                            </p:txEl>
+                                          </p:spTgt>
+                                        </p:tgtEl>
+                                      </p:cBhvr>
+                                    </p:animEffect>
+                                  </p:childTnLst>
+                                </p:cTn>
+                              </p:par>
+                            </p:childTnLst>
+                          </p:cTn>
+                        </p:par>
+                      </p:childTnLst>
+                    </p:cTn>
+                  </p:par>
+                </p:childTnLst>
+              </p:cTn>
+              <p:prevCondLst>
+                <p:cond evt="onPrev" delay="0">
+                  <p:tgtEl>
+                    <p:sldTgt/>
+                  </p:tgtEl>
+                </p:cond>
+              </p:prevCondLst>
+              <p:nextCondLst>
+                <p:cond evt="onNext" delay="0">
+                  <p:tgtEl>
+                    <p:sldTgt/>
+                  </p:tgtEl>
+                </p:cond>
+              </p:nextCondLst>
+            </p:seq>
+          </p:childTnLst>
+        </p:cTn>
       </p:par>
     </p:tnLst>
   </p:timing>
 </p:sld>
 </file>
 
-<file path=ppt/slides/slide11.xml><?xml version="1.0" encoding="utf-8"?>
+<file path=ppt/slides/slide12.xml><?xml version="1.0" encoding="utf-8"?>
 <p:sld xmlns:a="http://schemas.openxmlformats.org/drawingml/2006/main" xmlns:r="http://schemas.openxmlformats.org/officeDocument/2006/relationships" xmlns:p="http://schemas.openxmlformats.org/presentationml/2006/main">
   <p:cSld>
     <p:spTree>
@@ -9526,14 +11231,395 @@
   <p:timing>
     <p:tnLst>
       <p:par>
-        <p:cTn id="1" dur="indefinite" restart="never" nodeType="tmRoot"/>
+        <p:cTn id="1" dur="indefinite" restart="never" nodeType="tmRoot">
+          <p:childTnLst>
+            <p:seq concurrent="1" nextAc="seek">
+              <p:cTn id="2" dur="indefinite" nodeType="mainSeq">
+                <p:childTnLst>
+                  <p:par>
+                    <p:cTn id="3" fill="hold">
+                      <p:stCondLst>
+                        <p:cond delay="indefinite"/>
+                      </p:stCondLst>
+                      <p:childTnLst>
+                        <p:par>
+                          <p:cTn id="4" fill="hold">
+                            <p:stCondLst>
+                              <p:cond delay="0"/>
+                            </p:stCondLst>
+                            <p:childTnLst>
+                              <p:par>
+                                <p:cTn id="5" presetID="10" presetClass="entr" presetSubtype="0" fill="hold" grpId="0" nodeType="clickEffect">
+                                  <p:stCondLst>
+                                    <p:cond delay="0"/>
+                                  </p:stCondLst>
+                                  <p:childTnLst>
+                                    <p:set>
+                                      <p:cBhvr>
+                                        <p:cTn id="6" dur="1" fill="hold">
+                                          <p:stCondLst>
+                                            <p:cond delay="0"/>
+                                          </p:stCondLst>
+                                        </p:cTn>
+                                        <p:tgtEl>
+                                          <p:spTgt spid="39939">
+                                            <p:txEl>
+                                              <p:pRg st="0" end="0"/>
+                                            </p:txEl>
+                                          </p:spTgt>
+                                        </p:tgtEl>
+                                        <p:attrNameLst>
+                                          <p:attrName>style.visibility</p:attrName>
+                                        </p:attrNameLst>
+                                      </p:cBhvr>
+                                      <p:to>
+                                        <p:strVal val="visible"/>
+                                      </p:to>
+                                    </p:set>
+                                    <p:animEffect transition="in" filter="fade">
+                                      <p:cBhvr>
+                                        <p:cTn id="7" dur="500"/>
+                                        <p:tgtEl>
+                                          <p:spTgt spid="39939">
+                                            <p:txEl>
+                                              <p:pRg st="0" end="0"/>
+                                            </p:txEl>
+                                          </p:spTgt>
+                                        </p:tgtEl>
+                                      </p:cBhvr>
+                                    </p:animEffect>
+                                  </p:childTnLst>
+                                </p:cTn>
+                              </p:par>
+                              <p:par>
+                                <p:cTn id="8" presetID="10" presetClass="entr" presetSubtype="0" fill="hold" grpId="0" nodeType="withEffect">
+                                  <p:stCondLst>
+                                    <p:cond delay="0"/>
+                                  </p:stCondLst>
+                                  <p:childTnLst>
+                                    <p:set>
+                                      <p:cBhvr>
+                                        <p:cTn id="9" dur="1" fill="hold">
+                                          <p:stCondLst>
+                                            <p:cond delay="0"/>
+                                          </p:stCondLst>
+                                        </p:cTn>
+                                        <p:tgtEl>
+                                          <p:spTgt spid="39939">
+                                            <p:txEl>
+                                              <p:pRg st="1" end="1"/>
+                                            </p:txEl>
+                                          </p:spTgt>
+                                        </p:tgtEl>
+                                        <p:attrNameLst>
+                                          <p:attrName>style.visibility</p:attrName>
+                                        </p:attrNameLst>
+                                      </p:cBhvr>
+                                      <p:to>
+                                        <p:strVal val="visible"/>
+                                      </p:to>
+                                    </p:set>
+                                    <p:animEffect transition="in" filter="fade">
+                                      <p:cBhvr>
+                                        <p:cTn id="10" dur="500"/>
+                                        <p:tgtEl>
+                                          <p:spTgt spid="39939">
+                                            <p:txEl>
+                                              <p:pRg st="1" end="1"/>
+                                            </p:txEl>
+                                          </p:spTgt>
+                                        </p:tgtEl>
+                                      </p:cBhvr>
+                                    </p:animEffect>
+                                  </p:childTnLst>
+                                </p:cTn>
+                              </p:par>
+                              <p:par>
+                                <p:cTn id="11" presetID="10" presetClass="entr" presetSubtype="0" fill="hold" grpId="0" nodeType="withEffect">
+                                  <p:stCondLst>
+                                    <p:cond delay="0"/>
+                                  </p:stCondLst>
+                                  <p:childTnLst>
+                                    <p:set>
+                                      <p:cBhvr>
+                                        <p:cTn id="12" dur="1" fill="hold">
+                                          <p:stCondLst>
+                                            <p:cond delay="0"/>
+                                          </p:stCondLst>
+                                        </p:cTn>
+                                        <p:tgtEl>
+                                          <p:spTgt spid="39939">
+                                            <p:txEl>
+                                              <p:pRg st="2" end="2"/>
+                                            </p:txEl>
+                                          </p:spTgt>
+                                        </p:tgtEl>
+                                        <p:attrNameLst>
+                                          <p:attrName>style.visibility</p:attrName>
+                                        </p:attrNameLst>
+                                      </p:cBhvr>
+                                      <p:to>
+                                        <p:strVal val="visible"/>
+                                      </p:to>
+                                    </p:set>
+                                    <p:animEffect transition="in" filter="fade">
+                                      <p:cBhvr>
+                                        <p:cTn id="13" dur="500"/>
+                                        <p:tgtEl>
+                                          <p:spTgt spid="39939">
+                                            <p:txEl>
+                                              <p:pRg st="2" end="2"/>
+                                            </p:txEl>
+                                          </p:spTgt>
+                                        </p:tgtEl>
+                                      </p:cBhvr>
+                                    </p:animEffect>
+                                  </p:childTnLst>
+                                </p:cTn>
+                              </p:par>
+                            </p:childTnLst>
+                          </p:cTn>
+                        </p:par>
+                      </p:childTnLst>
+                    </p:cTn>
+                  </p:par>
+                  <p:par>
+                    <p:cTn id="14" fill="hold">
+                      <p:stCondLst>
+                        <p:cond delay="indefinite"/>
+                      </p:stCondLst>
+                      <p:childTnLst>
+                        <p:par>
+                          <p:cTn id="15" fill="hold">
+                            <p:stCondLst>
+                              <p:cond delay="0"/>
+                            </p:stCondLst>
+                            <p:childTnLst>
+                              <p:par>
+                                <p:cTn id="16" presetID="10" presetClass="entr" presetSubtype="0" fill="hold" grpId="0" nodeType="clickEffect">
+                                  <p:stCondLst>
+                                    <p:cond delay="0"/>
+                                  </p:stCondLst>
+                                  <p:childTnLst>
+                                    <p:set>
+                                      <p:cBhvr>
+                                        <p:cTn id="17" dur="1" fill="hold">
+                                          <p:stCondLst>
+                                            <p:cond delay="0"/>
+                                          </p:stCondLst>
+                                        </p:cTn>
+                                        <p:tgtEl>
+                                          <p:spTgt spid="39939">
+                                            <p:txEl>
+                                              <p:pRg st="3" end="3"/>
+                                            </p:txEl>
+                                          </p:spTgt>
+                                        </p:tgtEl>
+                                        <p:attrNameLst>
+                                          <p:attrName>style.visibility</p:attrName>
+                                        </p:attrNameLst>
+                                      </p:cBhvr>
+                                      <p:to>
+                                        <p:strVal val="visible"/>
+                                      </p:to>
+                                    </p:set>
+                                    <p:animEffect transition="in" filter="fade">
+                                      <p:cBhvr>
+                                        <p:cTn id="18" dur="500"/>
+                                        <p:tgtEl>
+                                          <p:spTgt spid="39939">
+                                            <p:txEl>
+                                              <p:pRg st="3" end="3"/>
+                                            </p:txEl>
+                                          </p:spTgt>
+                                        </p:tgtEl>
+                                      </p:cBhvr>
+                                    </p:animEffect>
+                                  </p:childTnLst>
+                                </p:cTn>
+                              </p:par>
+                              <p:par>
+                                <p:cTn id="19" presetID="10" presetClass="entr" presetSubtype="0" fill="hold" grpId="0" nodeType="withEffect">
+                                  <p:stCondLst>
+                                    <p:cond delay="0"/>
+                                  </p:stCondLst>
+                                  <p:childTnLst>
+                                    <p:set>
+                                      <p:cBhvr>
+                                        <p:cTn id="20" dur="1" fill="hold">
+                                          <p:stCondLst>
+                                            <p:cond delay="0"/>
+                                          </p:stCondLst>
+                                        </p:cTn>
+                                        <p:tgtEl>
+                                          <p:spTgt spid="39939">
+                                            <p:txEl>
+                                              <p:pRg st="4" end="4"/>
+                                            </p:txEl>
+                                          </p:spTgt>
+                                        </p:tgtEl>
+                                        <p:attrNameLst>
+                                          <p:attrName>style.visibility</p:attrName>
+                                        </p:attrNameLst>
+                                      </p:cBhvr>
+                                      <p:to>
+                                        <p:strVal val="visible"/>
+                                      </p:to>
+                                    </p:set>
+                                    <p:animEffect transition="in" filter="fade">
+                                      <p:cBhvr>
+                                        <p:cTn id="21" dur="500"/>
+                                        <p:tgtEl>
+                                          <p:spTgt spid="39939">
+                                            <p:txEl>
+                                              <p:pRg st="4" end="4"/>
+                                            </p:txEl>
+                                          </p:spTgt>
+                                        </p:tgtEl>
+                                      </p:cBhvr>
+                                    </p:animEffect>
+                                  </p:childTnLst>
+                                </p:cTn>
+                              </p:par>
+                            </p:childTnLst>
+                          </p:cTn>
+                        </p:par>
+                      </p:childTnLst>
+                    </p:cTn>
+                  </p:par>
+                  <p:par>
+                    <p:cTn id="22" fill="hold">
+                      <p:stCondLst>
+                        <p:cond delay="indefinite"/>
+                      </p:stCondLst>
+                      <p:childTnLst>
+                        <p:par>
+                          <p:cTn id="23" fill="hold">
+                            <p:stCondLst>
+                              <p:cond delay="0"/>
+                            </p:stCondLst>
+                            <p:childTnLst>
+                              <p:par>
+                                <p:cTn id="24" presetID="10" presetClass="entr" presetSubtype="0" fill="hold" grpId="0" nodeType="clickEffect">
+                                  <p:stCondLst>
+                                    <p:cond delay="0"/>
+                                  </p:stCondLst>
+                                  <p:childTnLst>
+                                    <p:set>
+                                      <p:cBhvr>
+                                        <p:cTn id="25" dur="1" fill="hold">
+                                          <p:stCondLst>
+                                            <p:cond delay="0"/>
+                                          </p:stCondLst>
+                                        </p:cTn>
+                                        <p:tgtEl>
+                                          <p:spTgt spid="39939">
+                                            <p:txEl>
+                                              <p:pRg st="5" end="5"/>
+                                            </p:txEl>
+                                          </p:spTgt>
+                                        </p:tgtEl>
+                                        <p:attrNameLst>
+                                          <p:attrName>style.visibility</p:attrName>
+                                        </p:attrNameLst>
+                                      </p:cBhvr>
+                                      <p:to>
+                                        <p:strVal val="visible"/>
+                                      </p:to>
+                                    </p:set>
+                                    <p:animEffect transition="in" filter="fade">
+                                      <p:cBhvr>
+                                        <p:cTn id="26" dur="500"/>
+                                        <p:tgtEl>
+                                          <p:spTgt spid="39939">
+                                            <p:txEl>
+                                              <p:pRg st="5" end="5"/>
+                                            </p:txEl>
+                                          </p:spTgt>
+                                        </p:tgtEl>
+                                      </p:cBhvr>
+                                    </p:animEffect>
+                                  </p:childTnLst>
+                                </p:cTn>
+                              </p:par>
+                              <p:par>
+                                <p:cTn id="27" presetID="10" presetClass="entr" presetSubtype="0" fill="hold" grpId="0" nodeType="withEffect">
+                                  <p:stCondLst>
+                                    <p:cond delay="0"/>
+                                  </p:stCondLst>
+                                  <p:childTnLst>
+                                    <p:set>
+                                      <p:cBhvr>
+                                        <p:cTn id="28" dur="1" fill="hold">
+                                          <p:stCondLst>
+                                            <p:cond delay="0"/>
+                                          </p:stCondLst>
+                                        </p:cTn>
+                                        <p:tgtEl>
+                                          <p:spTgt spid="39939">
+                                            <p:txEl>
+                                              <p:pRg st="6" end="6"/>
+                                            </p:txEl>
+                                          </p:spTgt>
+                                        </p:tgtEl>
+                                        <p:attrNameLst>
+                                          <p:attrName>style.visibility</p:attrName>
+                                        </p:attrNameLst>
+                                      </p:cBhvr>
+                                      <p:to>
+                                        <p:strVal val="visible"/>
+                                      </p:to>
+                                    </p:set>
+                                    <p:animEffect transition="in" filter="fade">
+                                      <p:cBhvr>
+                                        <p:cTn id="29" dur="500"/>
+                                        <p:tgtEl>
+                                          <p:spTgt spid="39939">
+                                            <p:txEl>
+                                              <p:pRg st="6" end="6"/>
+                                            </p:txEl>
+                                          </p:spTgt>
+                                        </p:tgtEl>
+                                      </p:cBhvr>
+                                    </p:animEffect>
+                                  </p:childTnLst>
+                                </p:cTn>
+                              </p:par>
+                            </p:childTnLst>
+                          </p:cTn>
+                        </p:par>
+                      </p:childTnLst>
+                    </p:cTn>
+                  </p:par>
+                </p:childTnLst>
+              </p:cTn>
+              <p:prevCondLst>
+                <p:cond evt="onPrev" delay="0">
+                  <p:tgtEl>
+                    <p:sldTgt/>
+                  </p:tgtEl>
+                </p:cond>
+              </p:prevCondLst>
+              <p:nextCondLst>
+                <p:cond evt="onNext" delay="0">
+                  <p:tgtEl>
+                    <p:sldTgt/>
+                  </p:tgtEl>
+                </p:cond>
+              </p:nextCondLst>
+            </p:seq>
+          </p:childTnLst>
+        </p:cTn>
       </p:par>
     </p:tnLst>
+    <p:bldLst>
+      <p:bldP spid="39939" grpId="0" build="p"/>
+    </p:bldLst>
   </p:timing>
 </p:sld>
 </file>
 
-<file path=ppt/slides/slide12.xml><?xml version="1.0" encoding="utf-8"?>
+<file path=ppt/slides/slide13.xml><?xml version="1.0" encoding="utf-8"?>
 <p:sld xmlns:a="http://schemas.openxmlformats.org/drawingml/2006/main" xmlns:r="http://schemas.openxmlformats.org/officeDocument/2006/relationships" xmlns:p="http://schemas.openxmlformats.org/presentationml/2006/main">
   <p:cSld>
     <p:spTree>
@@ -9639,6 +11725,295 @@
       </p:grpSpPr>
       <p:sp>
         <p:nvSpPr>
+          <p:cNvPr id="2" name="Title 1"/>
+          <p:cNvSpPr>
+            <a:spLocks noGrp="1"/>
+          </p:cNvSpPr>
+          <p:nvPr>
+            <p:ph type="title"/>
+          </p:nvPr>
+        </p:nvSpPr>
+        <p:spPr/>
+        <p:txBody>
+          <a:bodyPr>
+            <a:normAutofit fontScale="90000"/>
+          </a:bodyPr>
+          <a:lstStyle/>
+          <a:p>
+            <a:r>
+              <a:rPr lang="ru-RU" dirty="0" smtClean="0"/>
+              <a:t>Задача – создание сложного объекта</a:t>
+            </a:r>
+            <a:endParaRPr lang="ru-RU" dirty="0"/>
+          </a:p>
+        </p:txBody>
+      </p:sp>
+      <p:sp>
+        <p:nvSpPr>
+          <p:cNvPr id="3" name="Content Placeholder 2"/>
+          <p:cNvSpPr>
+            <a:spLocks noGrp="1"/>
+          </p:cNvSpPr>
+          <p:nvPr>
+            <p:ph idx="1"/>
+          </p:nvPr>
+        </p:nvSpPr>
+        <p:spPr/>
+        <p:txBody>
+          <a:bodyPr/>
+          <a:lstStyle/>
+          <a:p>
+            <a:r>
+              <a:rPr lang="ru-RU" dirty="0" smtClean="0"/>
+              <a:t>Создание сложного объекта может потребовать большого количества параметров в конструкторе</a:t>
+            </a:r>
+          </a:p>
+          <a:p>
+            <a:pPr lvl="1"/>
+            <a:r>
+              <a:rPr lang="ru-RU" dirty="0" smtClean="0"/>
+              <a:t>Многие параметры могут простаивать в подавляющем количестве конфигураций</a:t>
+            </a:r>
+          </a:p>
+          <a:p>
+            <a:r>
+              <a:rPr lang="ru-RU" dirty="0" smtClean="0"/>
+              <a:t>Код будет привязан к конкретной реализации</a:t>
+            </a:r>
+            <a:endParaRPr lang="ru-RU" dirty="0"/>
+          </a:p>
+        </p:txBody>
+      </p:sp>
+    </p:spTree>
+    <p:extLst>
+      <p:ext uri="{BB962C8B-B14F-4D97-AF65-F5344CB8AC3E}">
+        <p14:creationId xmlns:p14="http://schemas.microsoft.com/office/powerpoint/2010/main" val="3138207294"/>
+      </p:ext>
+    </p:extLst>
+  </p:cSld>
+  <p:clrMapOvr>
+    <a:masterClrMapping/>
+  </p:clrMapOvr>
+  <p:timing>
+    <p:tnLst>
+      <p:par>
+        <p:cTn id="1" dur="indefinite" restart="never" nodeType="tmRoot">
+          <p:childTnLst>
+            <p:seq concurrent="1" nextAc="seek">
+              <p:cTn id="2" dur="indefinite" nodeType="mainSeq">
+                <p:childTnLst>
+                  <p:par>
+                    <p:cTn id="3" fill="hold">
+                      <p:stCondLst>
+                        <p:cond delay="indefinite"/>
+                      </p:stCondLst>
+                      <p:childTnLst>
+                        <p:par>
+                          <p:cTn id="4" fill="hold">
+                            <p:stCondLst>
+                              <p:cond delay="0"/>
+                            </p:stCondLst>
+                            <p:childTnLst>
+                              <p:par>
+                                <p:cTn id="5" presetID="10" presetClass="entr" presetSubtype="0" fill="hold" grpId="0" nodeType="clickEffect">
+                                  <p:stCondLst>
+                                    <p:cond delay="0"/>
+                                  </p:stCondLst>
+                                  <p:childTnLst>
+                                    <p:set>
+                                      <p:cBhvr>
+                                        <p:cTn id="6" dur="1" fill="hold">
+                                          <p:stCondLst>
+                                            <p:cond delay="0"/>
+                                          </p:stCondLst>
+                                        </p:cTn>
+                                        <p:tgtEl>
+                                          <p:spTgt spid="3">
+                                            <p:txEl>
+                                              <p:pRg st="0" end="0"/>
+                                            </p:txEl>
+                                          </p:spTgt>
+                                        </p:tgtEl>
+                                        <p:attrNameLst>
+                                          <p:attrName>style.visibility</p:attrName>
+                                        </p:attrNameLst>
+                                      </p:cBhvr>
+                                      <p:to>
+                                        <p:strVal val="visible"/>
+                                      </p:to>
+                                    </p:set>
+                                    <p:animEffect transition="in" filter="fade">
+                                      <p:cBhvr>
+                                        <p:cTn id="7" dur="500"/>
+                                        <p:tgtEl>
+                                          <p:spTgt spid="3">
+                                            <p:txEl>
+                                              <p:pRg st="0" end="0"/>
+                                            </p:txEl>
+                                          </p:spTgt>
+                                        </p:tgtEl>
+                                      </p:cBhvr>
+                                    </p:animEffect>
+                                  </p:childTnLst>
+                                </p:cTn>
+                              </p:par>
+                              <p:par>
+                                <p:cTn id="8" presetID="10" presetClass="entr" presetSubtype="0" fill="hold" grpId="0" nodeType="withEffect">
+                                  <p:stCondLst>
+                                    <p:cond delay="0"/>
+                                  </p:stCondLst>
+                                  <p:childTnLst>
+                                    <p:set>
+                                      <p:cBhvr>
+                                        <p:cTn id="9" dur="1" fill="hold">
+                                          <p:stCondLst>
+                                            <p:cond delay="0"/>
+                                          </p:stCondLst>
+                                        </p:cTn>
+                                        <p:tgtEl>
+                                          <p:spTgt spid="3">
+                                            <p:txEl>
+                                              <p:pRg st="1" end="1"/>
+                                            </p:txEl>
+                                          </p:spTgt>
+                                        </p:tgtEl>
+                                        <p:attrNameLst>
+                                          <p:attrName>style.visibility</p:attrName>
+                                        </p:attrNameLst>
+                                      </p:cBhvr>
+                                      <p:to>
+                                        <p:strVal val="visible"/>
+                                      </p:to>
+                                    </p:set>
+                                    <p:animEffect transition="in" filter="fade">
+                                      <p:cBhvr>
+                                        <p:cTn id="10" dur="500"/>
+                                        <p:tgtEl>
+                                          <p:spTgt spid="3">
+                                            <p:txEl>
+                                              <p:pRg st="1" end="1"/>
+                                            </p:txEl>
+                                          </p:spTgt>
+                                        </p:tgtEl>
+                                      </p:cBhvr>
+                                    </p:animEffect>
+                                  </p:childTnLst>
+                                </p:cTn>
+                              </p:par>
+                            </p:childTnLst>
+                          </p:cTn>
+                        </p:par>
+                      </p:childTnLst>
+                    </p:cTn>
+                  </p:par>
+                  <p:par>
+                    <p:cTn id="11" fill="hold">
+                      <p:stCondLst>
+                        <p:cond delay="indefinite"/>
+                      </p:stCondLst>
+                      <p:childTnLst>
+                        <p:par>
+                          <p:cTn id="12" fill="hold">
+                            <p:stCondLst>
+                              <p:cond delay="0"/>
+                            </p:stCondLst>
+                            <p:childTnLst>
+                              <p:par>
+                                <p:cTn id="13" presetID="10" presetClass="entr" presetSubtype="0" fill="hold" grpId="0" nodeType="clickEffect">
+                                  <p:stCondLst>
+                                    <p:cond delay="0"/>
+                                  </p:stCondLst>
+                                  <p:childTnLst>
+                                    <p:set>
+                                      <p:cBhvr>
+                                        <p:cTn id="14" dur="1" fill="hold">
+                                          <p:stCondLst>
+                                            <p:cond delay="0"/>
+                                          </p:stCondLst>
+                                        </p:cTn>
+                                        <p:tgtEl>
+                                          <p:spTgt spid="3">
+                                            <p:txEl>
+                                              <p:pRg st="2" end="2"/>
+                                            </p:txEl>
+                                          </p:spTgt>
+                                        </p:tgtEl>
+                                        <p:attrNameLst>
+                                          <p:attrName>style.visibility</p:attrName>
+                                        </p:attrNameLst>
+                                      </p:cBhvr>
+                                      <p:to>
+                                        <p:strVal val="visible"/>
+                                      </p:to>
+                                    </p:set>
+                                    <p:animEffect transition="in" filter="fade">
+                                      <p:cBhvr>
+                                        <p:cTn id="15" dur="500"/>
+                                        <p:tgtEl>
+                                          <p:spTgt spid="3">
+                                            <p:txEl>
+                                              <p:pRg st="2" end="2"/>
+                                            </p:txEl>
+                                          </p:spTgt>
+                                        </p:tgtEl>
+                                      </p:cBhvr>
+                                    </p:animEffect>
+                                  </p:childTnLst>
+                                </p:cTn>
+                              </p:par>
+                            </p:childTnLst>
+                          </p:cTn>
+                        </p:par>
+                      </p:childTnLst>
+                    </p:cTn>
+                  </p:par>
+                </p:childTnLst>
+              </p:cTn>
+              <p:prevCondLst>
+                <p:cond evt="onPrev" delay="0">
+                  <p:tgtEl>
+                    <p:sldTgt/>
+                  </p:tgtEl>
+                </p:cond>
+              </p:prevCondLst>
+              <p:nextCondLst>
+                <p:cond evt="onNext" delay="0">
+                  <p:tgtEl>
+                    <p:sldTgt/>
+                  </p:tgtEl>
+                </p:cond>
+              </p:nextCondLst>
+            </p:seq>
+          </p:childTnLst>
+        </p:cTn>
+      </p:par>
+    </p:tnLst>
+    <p:bldLst>
+      <p:bldP spid="3" grpId="0" build="p"/>
+    </p:bldLst>
+  </p:timing>
+</p:sld>
+</file>
+
+<file path=ppt/slides/slide3.xml><?xml version="1.0" encoding="utf-8"?>
+<p:sld xmlns:a="http://schemas.openxmlformats.org/drawingml/2006/main" xmlns:r="http://schemas.openxmlformats.org/officeDocument/2006/relationships" xmlns:p="http://schemas.openxmlformats.org/presentationml/2006/main">
+  <p:cSld>
+    <p:spTree>
+      <p:nvGrpSpPr>
+        <p:cNvPr id="1" name=""/>
+        <p:cNvGrpSpPr/>
+        <p:nvPr/>
+      </p:nvGrpSpPr>
+      <p:grpSpPr>
+        <a:xfrm>
+          <a:off x="0" y="0"/>
+          <a:ext cx="0" cy="0"/>
+          <a:chOff x="0" y="0"/>
+          <a:chExt cx="0" cy="0"/>
+        </a:xfrm>
+      </p:grpSpPr>
+      <p:sp>
+        <p:nvSpPr>
           <p:cNvPr id="38914" name="Rectangle 2"/>
           <p:cNvSpPr>
             <a:spLocks noGrp="1" noChangeArrowheads="1"/>
@@ -9705,7 +12080,7 @@
 </p:sld>
 </file>
 
-<file path=ppt/slides/slide3.xml><?xml version="1.0" encoding="utf-8"?>
+<file path=ppt/slides/slide4.xml><?xml version="1.0" encoding="utf-8"?>
 <p:sld xmlns:a="http://schemas.openxmlformats.org/drawingml/2006/main" xmlns:r="http://schemas.openxmlformats.org/officeDocument/2006/relationships" xmlns:p="http://schemas.openxmlformats.org/presentationml/2006/main">
   <p:cSld>
     <p:spTree>
@@ -9943,7 +12318,7 @@
 </p:sld>
 </file>
 
-<file path=ppt/slides/slide4.xml><?xml version="1.0" encoding="utf-8"?>
+<file path=ppt/slides/slide5.xml><?xml version="1.0" encoding="utf-8"?>
 <p:sld xmlns:a="http://schemas.openxmlformats.org/drawingml/2006/main" xmlns:r="http://schemas.openxmlformats.org/officeDocument/2006/relationships" xmlns:p="http://schemas.openxmlformats.org/presentationml/2006/main">
   <p:cSld>
     <p:spTree>
@@ -11576,7 +13951,7 @@
 </p:sld>
 </file>
 
-<file path=ppt/slides/slide5.xml><?xml version="1.0" encoding="utf-8"?>
+<file path=ppt/slides/slide6.xml><?xml version="1.0" encoding="utf-8"?>
 <p:sld xmlns:a="http://schemas.openxmlformats.org/drawingml/2006/main" xmlns:r="http://schemas.openxmlformats.org/officeDocument/2006/relationships" xmlns:p="http://schemas.openxmlformats.org/presentationml/2006/main">
   <p:cSld>
     <p:spTree>
@@ -11694,14 +14069,284 @@
   <p:timing>
     <p:tnLst>
       <p:par>
-        <p:cTn id="1" dur="indefinite" restart="never" nodeType="tmRoot"/>
+        <p:cTn id="1" dur="indefinite" restart="never" nodeType="tmRoot">
+          <p:childTnLst>
+            <p:seq concurrent="1" nextAc="seek">
+              <p:cTn id="2" dur="indefinite" nodeType="mainSeq">
+                <p:childTnLst>
+                  <p:par>
+                    <p:cTn id="3" fill="hold">
+                      <p:stCondLst>
+                        <p:cond delay="indefinite"/>
+                      </p:stCondLst>
+                      <p:childTnLst>
+                        <p:par>
+                          <p:cTn id="4" fill="hold">
+                            <p:stCondLst>
+                              <p:cond delay="0"/>
+                            </p:stCondLst>
+                            <p:childTnLst>
+                              <p:par>
+                                <p:cTn id="5" presetID="10" presetClass="entr" presetSubtype="0" fill="hold" grpId="0" nodeType="clickEffect">
+                                  <p:stCondLst>
+                                    <p:cond delay="0"/>
+                                  </p:stCondLst>
+                                  <p:childTnLst>
+                                    <p:set>
+                                      <p:cBhvr>
+                                        <p:cTn id="6" dur="1" fill="hold">
+                                          <p:stCondLst>
+                                            <p:cond delay="0"/>
+                                          </p:stCondLst>
+                                        </p:cTn>
+                                        <p:tgtEl>
+                                          <p:spTgt spid="3">
+                                            <p:txEl>
+                                              <p:pRg st="0" end="0"/>
+                                            </p:txEl>
+                                          </p:spTgt>
+                                        </p:tgtEl>
+                                        <p:attrNameLst>
+                                          <p:attrName>style.visibility</p:attrName>
+                                        </p:attrNameLst>
+                                      </p:cBhvr>
+                                      <p:to>
+                                        <p:strVal val="visible"/>
+                                      </p:to>
+                                    </p:set>
+                                    <p:animEffect transition="in" filter="fade">
+                                      <p:cBhvr>
+                                        <p:cTn id="7" dur="500"/>
+                                        <p:tgtEl>
+                                          <p:spTgt spid="3">
+                                            <p:txEl>
+                                              <p:pRg st="0" end="0"/>
+                                            </p:txEl>
+                                          </p:spTgt>
+                                        </p:tgtEl>
+                                      </p:cBhvr>
+                                    </p:animEffect>
+                                  </p:childTnLst>
+                                </p:cTn>
+                              </p:par>
+                            </p:childTnLst>
+                          </p:cTn>
+                        </p:par>
+                      </p:childTnLst>
+                    </p:cTn>
+                  </p:par>
+                  <p:par>
+                    <p:cTn id="8" fill="hold">
+                      <p:stCondLst>
+                        <p:cond delay="indefinite"/>
+                      </p:stCondLst>
+                      <p:childTnLst>
+                        <p:par>
+                          <p:cTn id="9" fill="hold">
+                            <p:stCondLst>
+                              <p:cond delay="0"/>
+                            </p:stCondLst>
+                            <p:childTnLst>
+                              <p:par>
+                                <p:cTn id="10" presetID="10" presetClass="entr" presetSubtype="0" fill="hold" grpId="0" nodeType="clickEffect">
+                                  <p:stCondLst>
+                                    <p:cond delay="0"/>
+                                  </p:stCondLst>
+                                  <p:childTnLst>
+                                    <p:set>
+                                      <p:cBhvr>
+                                        <p:cTn id="11" dur="1" fill="hold">
+                                          <p:stCondLst>
+                                            <p:cond delay="0"/>
+                                          </p:stCondLst>
+                                        </p:cTn>
+                                        <p:tgtEl>
+                                          <p:spTgt spid="3">
+                                            <p:txEl>
+                                              <p:pRg st="1" end="1"/>
+                                            </p:txEl>
+                                          </p:spTgt>
+                                        </p:tgtEl>
+                                        <p:attrNameLst>
+                                          <p:attrName>style.visibility</p:attrName>
+                                        </p:attrNameLst>
+                                      </p:cBhvr>
+                                      <p:to>
+                                        <p:strVal val="visible"/>
+                                      </p:to>
+                                    </p:set>
+                                    <p:animEffect transition="in" filter="fade">
+                                      <p:cBhvr>
+                                        <p:cTn id="12" dur="500"/>
+                                        <p:tgtEl>
+                                          <p:spTgt spid="3">
+                                            <p:txEl>
+                                              <p:pRg st="1" end="1"/>
+                                            </p:txEl>
+                                          </p:spTgt>
+                                        </p:tgtEl>
+                                      </p:cBhvr>
+                                    </p:animEffect>
+                                  </p:childTnLst>
+                                </p:cTn>
+                              </p:par>
+                            </p:childTnLst>
+                          </p:cTn>
+                        </p:par>
+                      </p:childTnLst>
+                    </p:cTn>
+                  </p:par>
+                  <p:par>
+                    <p:cTn id="13" fill="hold">
+                      <p:stCondLst>
+                        <p:cond delay="indefinite"/>
+                      </p:stCondLst>
+                      <p:childTnLst>
+                        <p:par>
+                          <p:cTn id="14" fill="hold">
+                            <p:stCondLst>
+                              <p:cond delay="0"/>
+                            </p:stCondLst>
+                            <p:childTnLst>
+                              <p:par>
+                                <p:cTn id="15" presetID="10" presetClass="entr" presetSubtype="0" fill="hold" grpId="0" nodeType="clickEffect">
+                                  <p:stCondLst>
+                                    <p:cond delay="0"/>
+                                  </p:stCondLst>
+                                  <p:childTnLst>
+                                    <p:set>
+                                      <p:cBhvr>
+                                        <p:cTn id="16" dur="1" fill="hold">
+                                          <p:stCondLst>
+                                            <p:cond delay="0"/>
+                                          </p:stCondLst>
+                                        </p:cTn>
+                                        <p:tgtEl>
+                                          <p:spTgt spid="3">
+                                            <p:txEl>
+                                              <p:pRg st="2" end="2"/>
+                                            </p:txEl>
+                                          </p:spTgt>
+                                        </p:tgtEl>
+                                        <p:attrNameLst>
+                                          <p:attrName>style.visibility</p:attrName>
+                                        </p:attrNameLst>
+                                      </p:cBhvr>
+                                      <p:to>
+                                        <p:strVal val="visible"/>
+                                      </p:to>
+                                    </p:set>
+                                    <p:animEffect transition="in" filter="fade">
+                                      <p:cBhvr>
+                                        <p:cTn id="17" dur="500"/>
+                                        <p:tgtEl>
+                                          <p:spTgt spid="3">
+                                            <p:txEl>
+                                              <p:pRg st="2" end="2"/>
+                                            </p:txEl>
+                                          </p:spTgt>
+                                        </p:tgtEl>
+                                      </p:cBhvr>
+                                    </p:animEffect>
+                                  </p:childTnLst>
+                                </p:cTn>
+                              </p:par>
+                            </p:childTnLst>
+                          </p:cTn>
+                        </p:par>
+                      </p:childTnLst>
+                    </p:cTn>
+                  </p:par>
+                  <p:par>
+                    <p:cTn id="18" fill="hold">
+                      <p:stCondLst>
+                        <p:cond delay="indefinite"/>
+                      </p:stCondLst>
+                      <p:childTnLst>
+                        <p:par>
+                          <p:cTn id="19" fill="hold">
+                            <p:stCondLst>
+                              <p:cond delay="0"/>
+                            </p:stCondLst>
+                            <p:childTnLst>
+                              <p:par>
+                                <p:cTn id="20" presetID="10" presetClass="entr" presetSubtype="0" fill="hold" grpId="0" nodeType="clickEffect">
+                                  <p:stCondLst>
+                                    <p:cond delay="0"/>
+                                  </p:stCondLst>
+                                  <p:childTnLst>
+                                    <p:set>
+                                      <p:cBhvr>
+                                        <p:cTn id="21" dur="1" fill="hold">
+                                          <p:stCondLst>
+                                            <p:cond delay="0"/>
+                                          </p:stCondLst>
+                                        </p:cTn>
+                                        <p:tgtEl>
+                                          <p:spTgt spid="3">
+                                            <p:txEl>
+                                              <p:pRg st="3" end="3"/>
+                                            </p:txEl>
+                                          </p:spTgt>
+                                        </p:tgtEl>
+                                        <p:attrNameLst>
+                                          <p:attrName>style.visibility</p:attrName>
+                                        </p:attrNameLst>
+                                      </p:cBhvr>
+                                      <p:to>
+                                        <p:strVal val="visible"/>
+                                      </p:to>
+                                    </p:set>
+                                    <p:animEffect transition="in" filter="fade">
+                                      <p:cBhvr>
+                                        <p:cTn id="22" dur="500"/>
+                                        <p:tgtEl>
+                                          <p:spTgt spid="3">
+                                            <p:txEl>
+                                              <p:pRg st="3" end="3"/>
+                                            </p:txEl>
+                                          </p:spTgt>
+                                        </p:tgtEl>
+                                      </p:cBhvr>
+                                    </p:animEffect>
+                                  </p:childTnLst>
+                                </p:cTn>
+                              </p:par>
+                            </p:childTnLst>
+                          </p:cTn>
+                        </p:par>
+                      </p:childTnLst>
+                    </p:cTn>
+                  </p:par>
+                </p:childTnLst>
+              </p:cTn>
+              <p:prevCondLst>
+                <p:cond evt="onPrev" delay="0">
+                  <p:tgtEl>
+                    <p:sldTgt/>
+                  </p:tgtEl>
+                </p:cond>
+              </p:prevCondLst>
+              <p:nextCondLst>
+                <p:cond evt="onNext" delay="0">
+                  <p:tgtEl>
+                    <p:sldTgt/>
+                  </p:tgtEl>
+                </p:cond>
+              </p:nextCondLst>
+            </p:seq>
+          </p:childTnLst>
+        </p:cTn>
       </p:par>
     </p:tnLst>
+    <p:bldLst>
+      <p:bldP spid="3" grpId="0" build="p"/>
+    </p:bldLst>
   </p:timing>
 </p:sld>
 </file>
 
-<file path=ppt/slides/slide6.xml><?xml version="1.0" encoding="utf-8"?>
+<file path=ppt/slides/slide7.xml><?xml version="1.0" encoding="utf-8"?>
 <p:sld xmlns:a="http://schemas.openxmlformats.org/drawingml/2006/main" xmlns:r="http://schemas.openxmlformats.org/officeDocument/2006/relationships" xmlns:p="http://schemas.openxmlformats.org/presentationml/2006/main">
   <p:cSld>
     <p:spTree>
@@ -11907,14 +14552,420 @@
   <p:timing>
     <p:tnLst>
       <p:par>
-        <p:cTn id="1" dur="indefinite" restart="never" nodeType="tmRoot"/>
+        <p:cTn id="1" dur="indefinite" restart="never" nodeType="tmRoot">
+          <p:childTnLst>
+            <p:seq concurrent="1" nextAc="seek">
+              <p:cTn id="2" dur="indefinite" nodeType="mainSeq">
+                <p:childTnLst>
+                  <p:par>
+                    <p:cTn id="3" fill="hold">
+                      <p:stCondLst>
+                        <p:cond delay="indefinite"/>
+                      </p:stCondLst>
+                      <p:childTnLst>
+                        <p:par>
+                          <p:cTn id="4" fill="hold">
+                            <p:stCondLst>
+                              <p:cond delay="0"/>
+                            </p:stCondLst>
+                            <p:childTnLst>
+                              <p:par>
+                                <p:cTn id="5" presetID="10" presetClass="entr" presetSubtype="0" fill="hold" grpId="0" nodeType="clickEffect">
+                                  <p:stCondLst>
+                                    <p:cond delay="0"/>
+                                  </p:stCondLst>
+                                  <p:childTnLst>
+                                    <p:set>
+                                      <p:cBhvr>
+                                        <p:cTn id="6" dur="1" fill="hold">
+                                          <p:stCondLst>
+                                            <p:cond delay="0"/>
+                                          </p:stCondLst>
+                                        </p:cTn>
+                                        <p:tgtEl>
+                                          <p:spTgt spid="3">
+                                            <p:txEl>
+                                              <p:pRg st="0" end="0"/>
+                                            </p:txEl>
+                                          </p:spTgt>
+                                        </p:tgtEl>
+                                        <p:attrNameLst>
+                                          <p:attrName>style.visibility</p:attrName>
+                                        </p:attrNameLst>
+                                      </p:cBhvr>
+                                      <p:to>
+                                        <p:strVal val="visible"/>
+                                      </p:to>
+                                    </p:set>
+                                    <p:animEffect transition="in" filter="fade">
+                                      <p:cBhvr>
+                                        <p:cTn id="7" dur="500"/>
+                                        <p:tgtEl>
+                                          <p:spTgt spid="3">
+                                            <p:txEl>
+                                              <p:pRg st="0" end="0"/>
+                                            </p:txEl>
+                                          </p:spTgt>
+                                        </p:tgtEl>
+                                      </p:cBhvr>
+                                    </p:animEffect>
+                                  </p:childTnLst>
+                                </p:cTn>
+                              </p:par>
+                              <p:par>
+                                <p:cTn id="8" presetID="10" presetClass="entr" presetSubtype="0" fill="hold" grpId="0" nodeType="withEffect">
+                                  <p:stCondLst>
+                                    <p:cond delay="0"/>
+                                  </p:stCondLst>
+                                  <p:childTnLst>
+                                    <p:set>
+                                      <p:cBhvr>
+                                        <p:cTn id="9" dur="1" fill="hold">
+                                          <p:stCondLst>
+                                            <p:cond delay="0"/>
+                                          </p:stCondLst>
+                                        </p:cTn>
+                                        <p:tgtEl>
+                                          <p:spTgt spid="3">
+                                            <p:txEl>
+                                              <p:pRg st="1" end="1"/>
+                                            </p:txEl>
+                                          </p:spTgt>
+                                        </p:tgtEl>
+                                        <p:attrNameLst>
+                                          <p:attrName>style.visibility</p:attrName>
+                                        </p:attrNameLst>
+                                      </p:cBhvr>
+                                      <p:to>
+                                        <p:strVal val="visible"/>
+                                      </p:to>
+                                    </p:set>
+                                    <p:animEffect transition="in" filter="fade">
+                                      <p:cBhvr>
+                                        <p:cTn id="10" dur="500"/>
+                                        <p:tgtEl>
+                                          <p:spTgt spid="3">
+                                            <p:txEl>
+                                              <p:pRg st="1" end="1"/>
+                                            </p:txEl>
+                                          </p:spTgt>
+                                        </p:tgtEl>
+                                      </p:cBhvr>
+                                    </p:animEffect>
+                                  </p:childTnLst>
+                                </p:cTn>
+                              </p:par>
+                              <p:par>
+                                <p:cTn id="11" presetID="10" presetClass="entr" presetSubtype="0" fill="hold" grpId="0" nodeType="withEffect">
+                                  <p:stCondLst>
+                                    <p:cond delay="0"/>
+                                  </p:stCondLst>
+                                  <p:childTnLst>
+                                    <p:set>
+                                      <p:cBhvr>
+                                        <p:cTn id="12" dur="1" fill="hold">
+                                          <p:stCondLst>
+                                            <p:cond delay="0"/>
+                                          </p:stCondLst>
+                                        </p:cTn>
+                                        <p:tgtEl>
+                                          <p:spTgt spid="3">
+                                            <p:txEl>
+                                              <p:pRg st="2" end="2"/>
+                                            </p:txEl>
+                                          </p:spTgt>
+                                        </p:tgtEl>
+                                        <p:attrNameLst>
+                                          <p:attrName>style.visibility</p:attrName>
+                                        </p:attrNameLst>
+                                      </p:cBhvr>
+                                      <p:to>
+                                        <p:strVal val="visible"/>
+                                      </p:to>
+                                    </p:set>
+                                    <p:animEffect transition="in" filter="fade">
+                                      <p:cBhvr>
+                                        <p:cTn id="13" dur="500"/>
+                                        <p:tgtEl>
+                                          <p:spTgt spid="3">
+                                            <p:txEl>
+                                              <p:pRg st="2" end="2"/>
+                                            </p:txEl>
+                                          </p:spTgt>
+                                        </p:tgtEl>
+                                      </p:cBhvr>
+                                    </p:animEffect>
+                                  </p:childTnLst>
+                                </p:cTn>
+                              </p:par>
+                            </p:childTnLst>
+                          </p:cTn>
+                        </p:par>
+                      </p:childTnLst>
+                    </p:cTn>
+                  </p:par>
+                  <p:par>
+                    <p:cTn id="14" fill="hold">
+                      <p:stCondLst>
+                        <p:cond delay="indefinite"/>
+                      </p:stCondLst>
+                      <p:childTnLst>
+                        <p:par>
+                          <p:cTn id="15" fill="hold">
+                            <p:stCondLst>
+                              <p:cond delay="0"/>
+                            </p:stCondLst>
+                            <p:childTnLst>
+                              <p:par>
+                                <p:cTn id="16" presetID="10" presetClass="entr" presetSubtype="0" fill="hold" grpId="0" nodeType="clickEffect">
+                                  <p:stCondLst>
+                                    <p:cond delay="0"/>
+                                  </p:stCondLst>
+                                  <p:childTnLst>
+                                    <p:set>
+                                      <p:cBhvr>
+                                        <p:cTn id="17" dur="1" fill="hold">
+                                          <p:stCondLst>
+                                            <p:cond delay="0"/>
+                                          </p:stCondLst>
+                                        </p:cTn>
+                                        <p:tgtEl>
+                                          <p:spTgt spid="3">
+                                            <p:txEl>
+                                              <p:pRg st="3" end="3"/>
+                                            </p:txEl>
+                                          </p:spTgt>
+                                        </p:tgtEl>
+                                        <p:attrNameLst>
+                                          <p:attrName>style.visibility</p:attrName>
+                                        </p:attrNameLst>
+                                      </p:cBhvr>
+                                      <p:to>
+                                        <p:strVal val="visible"/>
+                                      </p:to>
+                                    </p:set>
+                                    <p:animEffect transition="in" filter="fade">
+                                      <p:cBhvr>
+                                        <p:cTn id="18" dur="500"/>
+                                        <p:tgtEl>
+                                          <p:spTgt spid="3">
+                                            <p:txEl>
+                                              <p:pRg st="3" end="3"/>
+                                            </p:txEl>
+                                          </p:spTgt>
+                                        </p:tgtEl>
+                                      </p:cBhvr>
+                                    </p:animEffect>
+                                  </p:childTnLst>
+                                </p:cTn>
+                              </p:par>
+                              <p:par>
+                                <p:cTn id="19" presetID="10" presetClass="entr" presetSubtype="0" fill="hold" grpId="0" nodeType="withEffect">
+                                  <p:stCondLst>
+                                    <p:cond delay="0"/>
+                                  </p:stCondLst>
+                                  <p:childTnLst>
+                                    <p:set>
+                                      <p:cBhvr>
+                                        <p:cTn id="20" dur="1" fill="hold">
+                                          <p:stCondLst>
+                                            <p:cond delay="0"/>
+                                          </p:stCondLst>
+                                        </p:cTn>
+                                        <p:tgtEl>
+                                          <p:spTgt spid="3">
+                                            <p:txEl>
+                                              <p:pRg st="4" end="4"/>
+                                            </p:txEl>
+                                          </p:spTgt>
+                                        </p:tgtEl>
+                                        <p:attrNameLst>
+                                          <p:attrName>style.visibility</p:attrName>
+                                        </p:attrNameLst>
+                                      </p:cBhvr>
+                                      <p:to>
+                                        <p:strVal val="visible"/>
+                                      </p:to>
+                                    </p:set>
+                                    <p:animEffect transition="in" filter="fade">
+                                      <p:cBhvr>
+                                        <p:cTn id="21" dur="500"/>
+                                        <p:tgtEl>
+                                          <p:spTgt spid="3">
+                                            <p:txEl>
+                                              <p:pRg st="4" end="4"/>
+                                            </p:txEl>
+                                          </p:spTgt>
+                                        </p:tgtEl>
+                                      </p:cBhvr>
+                                    </p:animEffect>
+                                  </p:childTnLst>
+                                </p:cTn>
+                              </p:par>
+                              <p:par>
+                                <p:cTn id="22" presetID="10" presetClass="entr" presetSubtype="0" fill="hold" grpId="0" nodeType="withEffect">
+                                  <p:stCondLst>
+                                    <p:cond delay="0"/>
+                                  </p:stCondLst>
+                                  <p:childTnLst>
+                                    <p:set>
+                                      <p:cBhvr>
+                                        <p:cTn id="23" dur="1" fill="hold">
+                                          <p:stCondLst>
+                                            <p:cond delay="0"/>
+                                          </p:stCondLst>
+                                        </p:cTn>
+                                        <p:tgtEl>
+                                          <p:spTgt spid="3">
+                                            <p:txEl>
+                                              <p:pRg st="5" end="5"/>
+                                            </p:txEl>
+                                          </p:spTgt>
+                                        </p:tgtEl>
+                                        <p:attrNameLst>
+                                          <p:attrName>style.visibility</p:attrName>
+                                        </p:attrNameLst>
+                                      </p:cBhvr>
+                                      <p:to>
+                                        <p:strVal val="visible"/>
+                                      </p:to>
+                                    </p:set>
+                                    <p:animEffect transition="in" filter="fade">
+                                      <p:cBhvr>
+                                        <p:cTn id="24" dur="500"/>
+                                        <p:tgtEl>
+                                          <p:spTgt spid="3">
+                                            <p:txEl>
+                                              <p:pRg st="5" end="5"/>
+                                            </p:txEl>
+                                          </p:spTgt>
+                                        </p:tgtEl>
+                                      </p:cBhvr>
+                                    </p:animEffect>
+                                  </p:childTnLst>
+                                </p:cTn>
+                              </p:par>
+                              <p:par>
+                                <p:cTn id="25" presetID="10" presetClass="entr" presetSubtype="0" fill="hold" grpId="0" nodeType="withEffect">
+                                  <p:stCondLst>
+                                    <p:cond delay="0"/>
+                                  </p:stCondLst>
+                                  <p:childTnLst>
+                                    <p:set>
+                                      <p:cBhvr>
+                                        <p:cTn id="26" dur="1" fill="hold">
+                                          <p:stCondLst>
+                                            <p:cond delay="0"/>
+                                          </p:stCondLst>
+                                        </p:cTn>
+                                        <p:tgtEl>
+                                          <p:spTgt spid="3">
+                                            <p:txEl>
+                                              <p:pRg st="6" end="6"/>
+                                            </p:txEl>
+                                          </p:spTgt>
+                                        </p:tgtEl>
+                                        <p:attrNameLst>
+                                          <p:attrName>style.visibility</p:attrName>
+                                        </p:attrNameLst>
+                                      </p:cBhvr>
+                                      <p:to>
+                                        <p:strVal val="visible"/>
+                                      </p:to>
+                                    </p:set>
+                                    <p:animEffect transition="in" filter="fade">
+                                      <p:cBhvr>
+                                        <p:cTn id="27" dur="500"/>
+                                        <p:tgtEl>
+                                          <p:spTgt spid="3">
+                                            <p:txEl>
+                                              <p:pRg st="6" end="6"/>
+                                            </p:txEl>
+                                          </p:spTgt>
+                                        </p:tgtEl>
+                                      </p:cBhvr>
+                                    </p:animEffect>
+                                  </p:childTnLst>
+                                </p:cTn>
+                              </p:par>
+                              <p:par>
+                                <p:cTn id="28" presetID="10" presetClass="entr" presetSubtype="0" fill="hold" grpId="0" nodeType="withEffect">
+                                  <p:stCondLst>
+                                    <p:cond delay="0"/>
+                                  </p:stCondLst>
+                                  <p:childTnLst>
+                                    <p:set>
+                                      <p:cBhvr>
+                                        <p:cTn id="29" dur="1" fill="hold">
+                                          <p:stCondLst>
+                                            <p:cond delay="0"/>
+                                          </p:stCondLst>
+                                        </p:cTn>
+                                        <p:tgtEl>
+                                          <p:spTgt spid="3">
+                                            <p:txEl>
+                                              <p:pRg st="7" end="7"/>
+                                            </p:txEl>
+                                          </p:spTgt>
+                                        </p:tgtEl>
+                                        <p:attrNameLst>
+                                          <p:attrName>style.visibility</p:attrName>
+                                        </p:attrNameLst>
+                                      </p:cBhvr>
+                                      <p:to>
+                                        <p:strVal val="visible"/>
+                                      </p:to>
+                                    </p:set>
+                                    <p:animEffect transition="in" filter="fade">
+                                      <p:cBhvr>
+                                        <p:cTn id="30" dur="500"/>
+                                        <p:tgtEl>
+                                          <p:spTgt spid="3">
+                                            <p:txEl>
+                                              <p:pRg st="7" end="7"/>
+                                            </p:txEl>
+                                          </p:spTgt>
+                                        </p:tgtEl>
+                                      </p:cBhvr>
+                                    </p:animEffect>
+                                  </p:childTnLst>
+                                </p:cTn>
+                              </p:par>
+                            </p:childTnLst>
+                          </p:cTn>
+                        </p:par>
+                      </p:childTnLst>
+                    </p:cTn>
+                  </p:par>
+                </p:childTnLst>
+              </p:cTn>
+              <p:prevCondLst>
+                <p:cond evt="onPrev" delay="0">
+                  <p:tgtEl>
+                    <p:sldTgt/>
+                  </p:tgtEl>
+                </p:cond>
+              </p:prevCondLst>
+              <p:nextCondLst>
+                <p:cond evt="onNext" delay="0">
+                  <p:tgtEl>
+                    <p:sldTgt/>
+                  </p:tgtEl>
+                </p:cond>
+              </p:nextCondLst>
+            </p:seq>
+          </p:childTnLst>
+        </p:cTn>
       </p:par>
     </p:tnLst>
+    <p:bldLst>
+      <p:bldP spid="3" grpId="0" build="p"/>
+    </p:bldLst>
   </p:timing>
 </p:sld>
 </file>
 
-<file path=ppt/slides/slide7.xml><?xml version="1.0" encoding="utf-8"?>
+<file path=ppt/slides/slide8.xml><?xml version="1.0" encoding="utf-8"?>
 <p:sld xmlns:a="http://schemas.openxmlformats.org/drawingml/2006/main" xmlns:r="http://schemas.openxmlformats.org/officeDocument/2006/relationships" xmlns:p="http://schemas.openxmlformats.org/presentationml/2006/main">
   <p:cSld>
     <p:spTree>
@@ -12138,7 +15189,7 @@
 </p:sld>
 </file>
 
-<file path=ppt/slides/slide8.xml><?xml version="1.0" encoding="utf-8"?>
+<file path=ppt/slides/slide9.xml><?xml version="1.0" encoding="utf-8"?>
 <p:sld xmlns:a="http://schemas.openxmlformats.org/drawingml/2006/main" xmlns:r="http://schemas.openxmlformats.org/officeDocument/2006/relationships" xmlns:p="http://schemas.openxmlformats.org/presentationml/2006/main">
   <p:cSld>
     <p:spTree>
@@ -13070,628 +16121,1933 @@
   <p:timing>
     <p:tnLst>
       <p:par>
-        <p:cTn id="1" dur="indefinite" restart="never" nodeType="tmRoot"/>
-      </p:par>
-    </p:tnLst>
-  </p:timing>
-</p:sld>
-</file>
-
-<file path=ppt/slides/slide9.xml><?xml version="1.0" encoding="utf-8"?>
-<p:sld xmlns:a="http://schemas.openxmlformats.org/drawingml/2006/main" xmlns:r="http://schemas.openxmlformats.org/officeDocument/2006/relationships" xmlns:p="http://schemas.openxmlformats.org/presentationml/2006/main">
-  <p:cSld>
-    <p:spTree>
-      <p:nvGrpSpPr>
-        <p:cNvPr id="1" name=""/>
-        <p:cNvGrpSpPr/>
-        <p:nvPr/>
-      </p:nvGrpSpPr>
-      <p:grpSpPr>
-        <a:xfrm>
-          <a:off x="0" y="0"/>
-          <a:ext cx="0" cy="0"/>
-          <a:chOff x="0" y="0"/>
-          <a:chExt cx="0" cy="0"/>
-        </a:xfrm>
-      </p:grpSpPr>
-      <p:sp>
-        <p:nvSpPr>
-          <p:cNvPr id="2" name="Заголовок 1"/>
-          <p:cNvSpPr>
-            <a:spLocks noGrp="1"/>
-          </p:cNvSpPr>
-          <p:nvPr>
-            <p:ph type="title"/>
-          </p:nvPr>
-        </p:nvSpPr>
-        <p:spPr/>
-        <p:txBody>
-          <a:bodyPr>
-            <a:normAutofit fontScale="90000"/>
-          </a:bodyPr>
-          <a:lstStyle/>
-          <a:p>
-            <a:r>
-              <a:rPr lang="ru-RU" dirty="0" smtClean="0"/>
-              <a:t>Реализация сущности «Распорядитель»</a:t>
-            </a:r>
-            <a:endParaRPr lang="ru-RU" dirty="0"/>
-          </a:p>
-        </p:txBody>
-      </p:sp>
-      <p:sp>
-        <p:nvSpPr>
-          <p:cNvPr id="3" name="Прямоугольник 2"/>
-          <p:cNvSpPr/>
-          <p:nvPr/>
-        </p:nvSpPr>
-        <p:spPr>
-          <a:xfrm>
-            <a:off x="214282" y="1835760"/>
-            <a:ext cx="8286808" cy="4616648"/>
-          </a:xfrm>
-          <a:prstGeom prst="rect">
-            <a:avLst/>
-          </a:prstGeom>
-        </p:spPr>
-        <p:style>
-          <a:lnRef idx="2">
-            <a:schemeClr val="accent1"/>
-          </a:lnRef>
-          <a:fillRef idx="1">
-            <a:schemeClr val="lt1"/>
-          </a:fillRef>
-          <a:effectRef idx="0">
-            <a:schemeClr val="accent1"/>
-          </a:effectRef>
-          <a:fontRef idx="minor">
-            <a:schemeClr val="dk1"/>
-          </a:fontRef>
-        </p:style>
-        <p:txBody>
-          <a:bodyPr wrap="square">
-            <a:spAutoFit/>
-          </a:bodyPr>
-          <a:lstStyle/>
-          <a:p>
-            <a:pPr defTabSz="180975"/>
-            <a:r>
-              <a:rPr lang="en-US" sz="1400" b="1" dirty="0" smtClean="0">
-                <a:latin typeface="Courier New" pitchFamily="49" charset="0"/>
-                <a:cs typeface="Courier New" pitchFamily="49" charset="0"/>
-              </a:rPr>
-              <a:t>class </a:t>
-            </a:r>
-            <a:r>
-              <a:rPr lang="en-US" sz="1400" b="1" dirty="0" err="1" smtClean="0">
-                <a:latin typeface="Courier New" pitchFamily="49" charset="0"/>
-                <a:cs typeface="Courier New" pitchFamily="49" charset="0"/>
-              </a:rPr>
-              <a:t>CFormattedTextReader</a:t>
-            </a:r>
-            <a:endParaRPr lang="en-US" sz="1400" b="1" dirty="0" smtClean="0">
-              <a:latin typeface="Courier New" pitchFamily="49" charset="0"/>
-              <a:cs typeface="Courier New" pitchFamily="49" charset="0"/>
-            </a:endParaRPr>
-          </a:p>
-          <a:p>
-            <a:pPr defTabSz="180975"/>
-            <a:r>
-              <a:rPr lang="ru-RU" sz="1400" b="1" dirty="0" smtClean="0">
-                <a:latin typeface="Courier New" pitchFamily="49" charset="0"/>
-                <a:cs typeface="Courier New" pitchFamily="49" charset="0"/>
-              </a:rPr>
-              <a:t>{</a:t>
-            </a:r>
-          </a:p>
-          <a:p>
-            <a:pPr defTabSz="180975"/>
-            <a:r>
-              <a:rPr lang="en-US" sz="1400" b="1" dirty="0" smtClean="0">
-                <a:latin typeface="Courier New" pitchFamily="49" charset="0"/>
-                <a:cs typeface="Courier New" pitchFamily="49" charset="0"/>
-              </a:rPr>
-              <a:t>public:</a:t>
-            </a:r>
-          </a:p>
-          <a:p>
-            <a:pPr defTabSz="180975"/>
-            <a:r>
-              <a:rPr lang="en-US" sz="1400" b="1" dirty="0" smtClean="0">
-                <a:latin typeface="Courier New" pitchFamily="49" charset="0"/>
-                <a:cs typeface="Courier New" pitchFamily="49" charset="0"/>
-              </a:rPr>
-              <a:t>	void Read(</a:t>
-            </a:r>
-            <a:r>
-              <a:rPr lang="en-US" sz="1400" b="1" dirty="0" err="1" smtClean="0">
-                <a:latin typeface="Courier New" pitchFamily="49" charset="0"/>
-                <a:cs typeface="Courier New" pitchFamily="49" charset="0"/>
-              </a:rPr>
-              <a:t>CFormattedText</a:t>
-            </a:r>
-            <a:r>
-              <a:rPr lang="en-US" sz="1400" b="1" dirty="0" smtClean="0">
-                <a:latin typeface="Courier New" pitchFamily="49" charset="0"/>
-                <a:cs typeface="Courier New" pitchFamily="49" charset="0"/>
-              </a:rPr>
-              <a:t> const&amp; text, </a:t>
-            </a:r>
-            <a:r>
-              <a:rPr lang="en-US" sz="1400" b="1" dirty="0" err="1" smtClean="0">
-                <a:latin typeface="Courier New" pitchFamily="49" charset="0"/>
-                <a:cs typeface="Courier New" pitchFamily="49" charset="0"/>
-              </a:rPr>
-              <a:t>CTextConverter</a:t>
-            </a:r>
-            <a:r>
-              <a:rPr lang="en-US" sz="1400" b="1" dirty="0" smtClean="0">
-                <a:latin typeface="Courier New" pitchFamily="49" charset="0"/>
-                <a:cs typeface="Courier New" pitchFamily="49" charset="0"/>
-              </a:rPr>
-              <a:t> &amp; converter)</a:t>
-            </a:r>
-          </a:p>
-          <a:p>
-            <a:pPr defTabSz="180975"/>
-            <a:r>
-              <a:rPr lang="ru-RU" sz="1400" b="1" dirty="0" smtClean="0">
-                <a:latin typeface="Courier New" pitchFamily="49" charset="0"/>
-                <a:cs typeface="Courier New" pitchFamily="49" charset="0"/>
-              </a:rPr>
-              <a:t>	{</a:t>
-            </a:r>
-          </a:p>
-          <a:p>
-            <a:pPr defTabSz="180975"/>
-            <a:r>
-              <a:rPr lang="ru-RU" sz="1400" b="1" dirty="0" smtClean="0">
-                <a:latin typeface="Courier New" pitchFamily="49" charset="0"/>
-                <a:cs typeface="Courier New" pitchFamily="49" charset="0"/>
-              </a:rPr>
-              <a:t>		</a:t>
-            </a:r>
-            <a:r>
-              <a:rPr lang="en-US" sz="1400" b="1" dirty="0" smtClean="0">
-                <a:latin typeface="Courier New" pitchFamily="49" charset="0"/>
-                <a:cs typeface="Courier New" pitchFamily="49" charset="0"/>
-              </a:rPr>
-              <a:t>for (</a:t>
-            </a:r>
-            <a:r>
-              <a:rPr lang="en-US" sz="1400" b="1" dirty="0" err="1" smtClean="0">
-                <a:latin typeface="Courier New" pitchFamily="49" charset="0"/>
-                <a:cs typeface="Courier New" pitchFamily="49" charset="0"/>
-              </a:rPr>
-              <a:t>size_t</a:t>
-            </a:r>
-            <a:r>
-              <a:rPr lang="en-US" sz="1400" b="1" dirty="0" smtClean="0">
-                <a:latin typeface="Courier New" pitchFamily="49" charset="0"/>
-                <a:cs typeface="Courier New" pitchFamily="49" charset="0"/>
-              </a:rPr>
-              <a:t> index = 0; index &lt; </a:t>
-            </a:r>
-            <a:r>
-              <a:rPr lang="en-US" sz="1400" b="1" dirty="0" err="1" smtClean="0">
-                <a:latin typeface="Courier New" pitchFamily="49" charset="0"/>
-                <a:cs typeface="Courier New" pitchFamily="49" charset="0"/>
-              </a:rPr>
-              <a:t>text.GetItems</a:t>
-            </a:r>
-            <a:r>
-              <a:rPr lang="en-US" sz="1400" b="1" dirty="0" smtClean="0">
-                <a:latin typeface="Courier New" pitchFamily="49" charset="0"/>
-                <a:cs typeface="Courier New" pitchFamily="49" charset="0"/>
-              </a:rPr>
-              <a:t>(); ++index)</a:t>
-            </a:r>
-          </a:p>
-          <a:p>
-            <a:pPr defTabSz="180975"/>
-            <a:r>
-              <a:rPr lang="en-US" sz="1400" b="1" dirty="0" smtClean="0">
-                <a:latin typeface="Courier New" pitchFamily="49" charset="0"/>
-                <a:cs typeface="Courier New" pitchFamily="49" charset="0"/>
-              </a:rPr>
-              <a:t>		{</a:t>
-            </a:r>
-          </a:p>
-          <a:p>
-            <a:pPr defTabSz="180975"/>
-            <a:r>
-              <a:rPr lang="en-US" sz="1400" b="1" dirty="0" smtClean="0">
-                <a:latin typeface="Courier New" pitchFamily="49" charset="0"/>
-                <a:cs typeface="Courier New" pitchFamily="49" charset="0"/>
-              </a:rPr>
-              <a:t>			</a:t>
-            </a:r>
-            <a:r>
-              <a:rPr lang="en-US" sz="1400" b="1" dirty="0" err="1" smtClean="0">
-                <a:latin typeface="Courier New" pitchFamily="49" charset="0"/>
-                <a:cs typeface="Courier New" pitchFamily="49" charset="0"/>
-              </a:rPr>
-              <a:t>CTextItem</a:t>
-            </a:r>
-            <a:r>
-              <a:rPr lang="en-US" sz="1400" b="1" dirty="0" smtClean="0">
-                <a:latin typeface="Courier New" pitchFamily="49" charset="0"/>
-                <a:cs typeface="Courier New" pitchFamily="49" charset="0"/>
-              </a:rPr>
-              <a:t> const &amp; item = </a:t>
-            </a:r>
-            <a:r>
-              <a:rPr lang="en-US" sz="1400" b="1" dirty="0" err="1" smtClean="0">
-                <a:latin typeface="Courier New" pitchFamily="49" charset="0"/>
-                <a:cs typeface="Courier New" pitchFamily="49" charset="0"/>
-              </a:rPr>
-              <a:t>text.GetItem</a:t>
-            </a:r>
-            <a:r>
-              <a:rPr lang="en-US" sz="1400" b="1" dirty="0" smtClean="0">
-                <a:latin typeface="Courier New" pitchFamily="49" charset="0"/>
-                <a:cs typeface="Courier New" pitchFamily="49" charset="0"/>
-              </a:rPr>
-              <a:t>(index);</a:t>
-            </a:r>
-          </a:p>
-          <a:p>
-            <a:pPr defTabSz="180975"/>
-            <a:endParaRPr lang="en-US" sz="1400" b="1" dirty="0" smtClean="0">
-              <a:latin typeface="Courier New" pitchFamily="49" charset="0"/>
-              <a:cs typeface="Courier New" pitchFamily="49" charset="0"/>
-            </a:endParaRPr>
-          </a:p>
-          <a:p>
-            <a:pPr defTabSz="180975"/>
-            <a:r>
-              <a:rPr lang="en-US" sz="1400" b="1" dirty="0" smtClean="0">
-                <a:latin typeface="Courier New" pitchFamily="49" charset="0"/>
-                <a:cs typeface="Courier New" pitchFamily="49" charset="0"/>
-              </a:rPr>
-              <a:t>			if </a:t>
-            </a:r>
-            <a:r>
-              <a:rPr lang="en-US" sz="1400" b="1" dirty="0" smtClean="0">
-                <a:latin typeface="Courier New" pitchFamily="49" charset="0"/>
-                <a:cs typeface="Courier New" pitchFamily="49" charset="0"/>
-              </a:rPr>
-              <a:t>(auto </a:t>
-            </a:r>
-            <a:r>
-              <a:rPr lang="en-US" sz="1400" b="1" dirty="0" err="1" smtClean="0">
-                <a:latin typeface="Courier New" pitchFamily="49" charset="0"/>
-                <a:cs typeface="Courier New" pitchFamily="49" charset="0"/>
-              </a:rPr>
-              <a:t>textRange</a:t>
-            </a:r>
-            <a:r>
-              <a:rPr lang="en-US" sz="1400" b="1" dirty="0" smtClean="0">
-                <a:latin typeface="Courier New" pitchFamily="49" charset="0"/>
-                <a:cs typeface="Courier New" pitchFamily="49" charset="0"/>
-              </a:rPr>
-              <a:t> </a:t>
-            </a:r>
-            <a:r>
-              <a:rPr lang="en-US" sz="1400" b="1" dirty="0" smtClean="0">
-                <a:latin typeface="Courier New" pitchFamily="49" charset="0"/>
-                <a:cs typeface="Courier New" pitchFamily="49" charset="0"/>
-              </a:rPr>
-              <a:t>= </a:t>
-            </a:r>
-            <a:r>
-              <a:rPr lang="en-US" sz="1400" b="1" dirty="0" err="1" smtClean="0">
-                <a:latin typeface="Courier New" pitchFamily="49" charset="0"/>
-                <a:cs typeface="Courier New" pitchFamily="49" charset="0"/>
-              </a:rPr>
-              <a:t>dynamic_cast</a:t>
-            </a:r>
-            <a:r>
-              <a:rPr lang="en-US" sz="1400" b="1" dirty="0" smtClean="0">
-                <a:latin typeface="Courier New" pitchFamily="49" charset="0"/>
-                <a:cs typeface="Courier New" pitchFamily="49" charset="0"/>
-              </a:rPr>
-              <a:t>&lt;</a:t>
-            </a:r>
-            <a:r>
-              <a:rPr lang="en-US" sz="1400" b="1" dirty="0" err="1" smtClean="0">
-                <a:latin typeface="Courier New" pitchFamily="49" charset="0"/>
-                <a:cs typeface="Courier New" pitchFamily="49" charset="0"/>
-              </a:rPr>
-              <a:t>CTextRangeItem</a:t>
-            </a:r>
-            <a:r>
-              <a:rPr lang="en-US" sz="1400" b="1" dirty="0" smtClean="0">
-                <a:latin typeface="Courier New" pitchFamily="49" charset="0"/>
-                <a:cs typeface="Courier New" pitchFamily="49" charset="0"/>
-              </a:rPr>
-              <a:t> const*&gt;(&amp;item))</a:t>
-            </a:r>
-          </a:p>
-          <a:p>
-            <a:pPr defTabSz="180975"/>
-            <a:r>
-              <a:rPr lang="en-US" sz="1400" b="1" dirty="0" smtClean="0">
-                <a:latin typeface="Courier New" pitchFamily="49" charset="0"/>
-                <a:cs typeface="Courier New" pitchFamily="49" charset="0"/>
-              </a:rPr>
-              <a:t>			{</a:t>
-            </a:r>
-          </a:p>
-          <a:p>
-            <a:pPr defTabSz="180975"/>
-            <a:r>
-              <a:rPr lang="en-US" sz="1400" b="1" dirty="0" smtClean="0">
-                <a:latin typeface="Courier New" pitchFamily="49" charset="0"/>
-                <a:cs typeface="Courier New" pitchFamily="49" charset="0"/>
-              </a:rPr>
-              <a:t>				</a:t>
-            </a:r>
-            <a:r>
-              <a:rPr lang="en-US" sz="1400" b="1" dirty="0" err="1" smtClean="0">
-                <a:latin typeface="Courier New" pitchFamily="49" charset="0"/>
-                <a:cs typeface="Courier New" pitchFamily="49" charset="0"/>
-              </a:rPr>
-              <a:t>converter.ConvertText</a:t>
-            </a:r>
-            <a:r>
-              <a:rPr lang="en-US" sz="1400" b="1" dirty="0" smtClean="0">
-                <a:latin typeface="Courier New" pitchFamily="49" charset="0"/>
-                <a:cs typeface="Courier New" pitchFamily="49" charset="0"/>
-              </a:rPr>
-              <a:t>(</a:t>
-            </a:r>
-            <a:r>
-              <a:rPr lang="en-US" sz="1400" b="1" dirty="0" err="1" smtClean="0">
-                <a:latin typeface="Courier New" pitchFamily="49" charset="0"/>
-                <a:cs typeface="Courier New" pitchFamily="49" charset="0"/>
-              </a:rPr>
-              <a:t>textRange</a:t>
-            </a:r>
-            <a:r>
-              <a:rPr lang="en-US" sz="1400" b="1" dirty="0" smtClean="0">
-                <a:latin typeface="Courier New" pitchFamily="49" charset="0"/>
-                <a:cs typeface="Courier New" pitchFamily="49" charset="0"/>
-              </a:rPr>
-              <a:t>-</a:t>
-            </a:r>
-            <a:r>
-              <a:rPr lang="en-US" sz="1400" b="1" dirty="0" smtClean="0">
-                <a:latin typeface="Courier New" pitchFamily="49" charset="0"/>
-                <a:cs typeface="Courier New" pitchFamily="49" charset="0"/>
-              </a:rPr>
-              <a:t>&gt;</a:t>
-            </a:r>
-            <a:r>
-              <a:rPr lang="en-US" sz="1400" b="1" dirty="0" err="1" smtClean="0">
-                <a:latin typeface="Courier New" pitchFamily="49" charset="0"/>
-                <a:cs typeface="Courier New" pitchFamily="49" charset="0"/>
-              </a:rPr>
-              <a:t>GetText</a:t>
-            </a:r>
-            <a:r>
-              <a:rPr lang="en-US" sz="1400" b="1" dirty="0" smtClean="0">
-                <a:latin typeface="Courier New" pitchFamily="49" charset="0"/>
-                <a:cs typeface="Courier New" pitchFamily="49" charset="0"/>
-              </a:rPr>
-              <a:t>());</a:t>
-            </a:r>
-          </a:p>
-          <a:p>
-            <a:pPr defTabSz="180975"/>
-            <a:r>
-              <a:rPr lang="en-US" sz="1400" b="1" dirty="0" smtClean="0">
-                <a:latin typeface="Courier New" pitchFamily="49" charset="0"/>
-                <a:cs typeface="Courier New" pitchFamily="49" charset="0"/>
-              </a:rPr>
-              <a:t>			}</a:t>
-            </a:r>
-          </a:p>
-          <a:p>
-            <a:pPr defTabSz="180975"/>
-            <a:r>
-              <a:rPr lang="en-US" sz="1400" b="1" dirty="0" smtClean="0">
-                <a:latin typeface="Courier New" pitchFamily="49" charset="0"/>
-                <a:cs typeface="Courier New" pitchFamily="49" charset="0"/>
-              </a:rPr>
-              <a:t>			else if </a:t>
-            </a:r>
-            <a:r>
-              <a:rPr lang="en-US" sz="1400" b="1" dirty="0" smtClean="0">
-                <a:latin typeface="Courier New" pitchFamily="49" charset="0"/>
-                <a:cs typeface="Courier New" pitchFamily="49" charset="0"/>
-              </a:rPr>
-              <a:t>(</a:t>
-            </a:r>
-            <a:r>
-              <a:rPr lang="en-US" sz="1400" b="1" dirty="0" err="1" smtClean="0">
-                <a:latin typeface="Courier New" pitchFamily="49" charset="0"/>
-                <a:cs typeface="Courier New" pitchFamily="49" charset="0"/>
-              </a:rPr>
-              <a:t>fontCommand</a:t>
-            </a:r>
-            <a:r>
-              <a:rPr lang="en-US" sz="1400" b="1" dirty="0" smtClean="0">
-                <a:latin typeface="Courier New" pitchFamily="49" charset="0"/>
-                <a:cs typeface="Courier New" pitchFamily="49" charset="0"/>
-              </a:rPr>
-              <a:t> </a:t>
-            </a:r>
-            <a:r>
-              <a:rPr lang="en-US" sz="1400" b="1" dirty="0" smtClean="0">
-                <a:latin typeface="Courier New" pitchFamily="49" charset="0"/>
-                <a:cs typeface="Courier New" pitchFamily="49" charset="0"/>
-              </a:rPr>
-              <a:t>= </a:t>
-            </a:r>
-            <a:r>
-              <a:rPr lang="en-US" sz="1400" b="1" dirty="0" err="1" smtClean="0">
-                <a:latin typeface="Courier New" pitchFamily="49" charset="0"/>
-                <a:cs typeface="Courier New" pitchFamily="49" charset="0"/>
-              </a:rPr>
-              <a:t>dynamic_cast</a:t>
-            </a:r>
-            <a:r>
-              <a:rPr lang="en-US" sz="1400" b="1" dirty="0" smtClean="0">
-                <a:latin typeface="Courier New" pitchFamily="49" charset="0"/>
-                <a:cs typeface="Courier New" pitchFamily="49" charset="0"/>
-              </a:rPr>
-              <a:t>&lt;</a:t>
-            </a:r>
-            <a:r>
-              <a:rPr lang="en-US" sz="1400" b="1" dirty="0" err="1" smtClean="0">
-                <a:latin typeface="Courier New" pitchFamily="49" charset="0"/>
-                <a:cs typeface="Courier New" pitchFamily="49" charset="0"/>
-              </a:rPr>
-              <a:t>CFontChangeCommand</a:t>
-            </a:r>
-            <a:r>
-              <a:rPr lang="en-US" sz="1400" b="1" dirty="0" smtClean="0">
-                <a:latin typeface="Courier New" pitchFamily="49" charset="0"/>
-                <a:cs typeface="Courier New" pitchFamily="49" charset="0"/>
-              </a:rPr>
-              <a:t> const*&gt;(&amp;item))</a:t>
-            </a:r>
-          </a:p>
-          <a:p>
-            <a:pPr defTabSz="180975"/>
-            <a:r>
-              <a:rPr lang="en-US" sz="1400" b="1" dirty="0" smtClean="0">
-                <a:latin typeface="Courier New" pitchFamily="49" charset="0"/>
-                <a:cs typeface="Courier New" pitchFamily="49" charset="0"/>
-              </a:rPr>
-              <a:t>			{</a:t>
-            </a:r>
-          </a:p>
-          <a:p>
-            <a:pPr defTabSz="180975"/>
-            <a:r>
-              <a:rPr lang="en-US" sz="1400" b="1" dirty="0" smtClean="0">
-                <a:latin typeface="Courier New" pitchFamily="49" charset="0"/>
-                <a:cs typeface="Courier New" pitchFamily="49" charset="0"/>
-              </a:rPr>
-              <a:t>				</a:t>
-            </a:r>
-            <a:r>
-              <a:rPr lang="en-US" sz="1400" b="1" dirty="0" err="1" smtClean="0">
-                <a:latin typeface="Courier New" pitchFamily="49" charset="0"/>
-                <a:cs typeface="Courier New" pitchFamily="49" charset="0"/>
-              </a:rPr>
-              <a:t>converter.ConvertFontChange</a:t>
-            </a:r>
-            <a:r>
-              <a:rPr lang="en-US" sz="1400" b="1" dirty="0" smtClean="0">
-                <a:latin typeface="Courier New" pitchFamily="49" charset="0"/>
-                <a:cs typeface="Courier New" pitchFamily="49" charset="0"/>
-              </a:rPr>
-              <a:t>(</a:t>
-            </a:r>
-            <a:r>
-              <a:rPr lang="en-US" sz="1400" b="1" dirty="0" err="1" smtClean="0">
-                <a:latin typeface="Courier New" pitchFamily="49" charset="0"/>
-                <a:cs typeface="Courier New" pitchFamily="49" charset="0"/>
-              </a:rPr>
-              <a:t>fontCommand</a:t>
-            </a:r>
-            <a:r>
-              <a:rPr lang="en-US" sz="1400" b="1" dirty="0" smtClean="0">
-                <a:latin typeface="Courier New" pitchFamily="49" charset="0"/>
-                <a:cs typeface="Courier New" pitchFamily="49" charset="0"/>
-              </a:rPr>
-              <a:t>-</a:t>
-            </a:r>
-            <a:r>
-              <a:rPr lang="en-US" sz="1400" b="1" dirty="0" smtClean="0">
-                <a:latin typeface="Courier New" pitchFamily="49" charset="0"/>
-                <a:cs typeface="Courier New" pitchFamily="49" charset="0"/>
-              </a:rPr>
-              <a:t>&gt;</a:t>
-            </a:r>
-            <a:r>
-              <a:rPr lang="en-US" sz="1400" b="1" dirty="0" err="1" smtClean="0">
-                <a:latin typeface="Courier New" pitchFamily="49" charset="0"/>
-                <a:cs typeface="Courier New" pitchFamily="49" charset="0"/>
-              </a:rPr>
-              <a:t>GetFont</a:t>
-            </a:r>
-            <a:r>
-              <a:rPr lang="en-US" sz="1400" b="1" dirty="0" smtClean="0">
-                <a:latin typeface="Courier New" pitchFamily="49" charset="0"/>
-                <a:cs typeface="Courier New" pitchFamily="49" charset="0"/>
-              </a:rPr>
-              <a:t>());</a:t>
-            </a:r>
-          </a:p>
-          <a:p>
-            <a:pPr defTabSz="180975"/>
-            <a:r>
-              <a:rPr lang="en-US" sz="1400" b="1" dirty="0" smtClean="0">
-                <a:latin typeface="Courier New" pitchFamily="49" charset="0"/>
-                <a:cs typeface="Courier New" pitchFamily="49" charset="0"/>
-              </a:rPr>
-              <a:t>			}</a:t>
-            </a:r>
-          </a:p>
-          <a:p>
-            <a:pPr defTabSz="180975"/>
-            <a:r>
-              <a:rPr lang="en-US" sz="1400" b="1" dirty="0" smtClean="0">
-                <a:latin typeface="Courier New" pitchFamily="49" charset="0"/>
-                <a:cs typeface="Courier New" pitchFamily="49" charset="0"/>
-              </a:rPr>
-              <a:t>			else if (…) { … } …</a:t>
-            </a:r>
-          </a:p>
-          <a:p>
-            <a:pPr defTabSz="180975"/>
-            <a:r>
-              <a:rPr lang="en-US" sz="1400" b="1" dirty="0" smtClean="0">
-                <a:latin typeface="Courier New" pitchFamily="49" charset="0"/>
-                <a:cs typeface="Courier New" pitchFamily="49" charset="0"/>
-              </a:rPr>
-              <a:t>		}</a:t>
-            </a:r>
-            <a:endParaRPr lang="ru-RU" sz="1400" b="1" dirty="0" smtClean="0">
-              <a:latin typeface="Courier New" pitchFamily="49" charset="0"/>
-              <a:cs typeface="Courier New" pitchFamily="49" charset="0"/>
-            </a:endParaRPr>
-          </a:p>
-          <a:p>
-            <a:pPr defTabSz="180975"/>
-            <a:r>
-              <a:rPr lang="ru-RU" sz="1400" b="1" dirty="0" smtClean="0">
-                <a:latin typeface="Courier New" pitchFamily="49" charset="0"/>
-                <a:cs typeface="Courier New" pitchFamily="49" charset="0"/>
-              </a:rPr>
-              <a:t>	}</a:t>
-            </a:r>
-          </a:p>
-          <a:p>
-            <a:pPr defTabSz="180975"/>
-            <a:r>
-              <a:rPr lang="ru-RU" sz="1400" b="1" dirty="0" smtClean="0">
-                <a:latin typeface="Courier New" pitchFamily="49" charset="0"/>
-                <a:cs typeface="Courier New" pitchFamily="49" charset="0"/>
-              </a:rPr>
-              <a:t>};</a:t>
-            </a:r>
-          </a:p>
-        </p:txBody>
-      </p:sp>
-    </p:spTree>
-    <p:extLst>
-      <p:ext uri="{BB962C8B-B14F-4D97-AF65-F5344CB8AC3E}">
-        <p14:creationId xmlns:p14="http://schemas.microsoft.com/office/powerpoint/2010/main" val="3897446812"/>
-      </p:ext>
-    </p:extLst>
-  </p:cSld>
-  <p:clrMapOvr>
-    <a:masterClrMapping/>
-  </p:clrMapOvr>
-  <p:timing>
-    <p:tnLst>
-      <p:par>
-        <p:cTn id="1" dur="indefinite" restart="never" nodeType="tmRoot"/>
+        <p:cTn id="1" dur="indefinite" restart="never" nodeType="tmRoot">
+          <p:childTnLst>
+            <p:seq concurrent="1" nextAc="seek">
+              <p:cTn id="2" dur="indefinite" nodeType="mainSeq">
+                <p:childTnLst>
+                  <p:par>
+                    <p:cTn id="3" fill="hold">
+                      <p:stCondLst>
+                        <p:cond delay="indefinite"/>
+                      </p:stCondLst>
+                      <p:childTnLst>
+                        <p:par>
+                          <p:cTn id="4" fill="hold">
+                            <p:stCondLst>
+                              <p:cond delay="0"/>
+                            </p:stCondLst>
+                            <p:childTnLst>
+                              <p:par>
+                                <p:cTn id="5" presetID="10" presetClass="entr" presetSubtype="0" fill="hold" nodeType="clickEffect">
+                                  <p:stCondLst>
+                                    <p:cond delay="0"/>
+                                  </p:stCondLst>
+                                  <p:childTnLst>
+                                    <p:set>
+                                      <p:cBhvr>
+                                        <p:cTn id="6" dur="1" fill="hold">
+                                          <p:stCondLst>
+                                            <p:cond delay="0"/>
+                                          </p:stCondLst>
+                                        </p:cTn>
+                                        <p:tgtEl>
+                                          <p:spTgt spid="4">
+                                            <p:txEl>
+                                              <p:pRg st="0" end="0"/>
+                                            </p:txEl>
+                                          </p:spTgt>
+                                        </p:tgtEl>
+                                        <p:attrNameLst>
+                                          <p:attrName>style.visibility</p:attrName>
+                                        </p:attrNameLst>
+                                      </p:cBhvr>
+                                      <p:to>
+                                        <p:strVal val="visible"/>
+                                      </p:to>
+                                    </p:set>
+                                    <p:animEffect transition="in" filter="fade">
+                                      <p:cBhvr>
+                                        <p:cTn id="7" dur="500"/>
+                                        <p:tgtEl>
+                                          <p:spTgt spid="4">
+                                            <p:txEl>
+                                              <p:pRg st="0" end="0"/>
+                                            </p:txEl>
+                                          </p:spTgt>
+                                        </p:tgtEl>
+                                      </p:cBhvr>
+                                    </p:animEffect>
+                                  </p:childTnLst>
+                                </p:cTn>
+                              </p:par>
+                              <p:par>
+                                <p:cTn id="8" presetID="10" presetClass="entr" presetSubtype="0" fill="hold" nodeType="withEffect">
+                                  <p:stCondLst>
+                                    <p:cond delay="0"/>
+                                  </p:stCondLst>
+                                  <p:childTnLst>
+                                    <p:set>
+                                      <p:cBhvr>
+                                        <p:cTn id="9" dur="1" fill="hold">
+                                          <p:stCondLst>
+                                            <p:cond delay="0"/>
+                                          </p:stCondLst>
+                                        </p:cTn>
+                                        <p:tgtEl>
+                                          <p:spTgt spid="4">
+                                            <p:txEl>
+                                              <p:pRg st="1" end="1"/>
+                                            </p:txEl>
+                                          </p:spTgt>
+                                        </p:tgtEl>
+                                        <p:attrNameLst>
+                                          <p:attrName>style.visibility</p:attrName>
+                                        </p:attrNameLst>
+                                      </p:cBhvr>
+                                      <p:to>
+                                        <p:strVal val="visible"/>
+                                      </p:to>
+                                    </p:set>
+                                    <p:animEffect transition="in" filter="fade">
+                                      <p:cBhvr>
+                                        <p:cTn id="10" dur="500"/>
+                                        <p:tgtEl>
+                                          <p:spTgt spid="4">
+                                            <p:txEl>
+                                              <p:pRg st="1" end="1"/>
+                                            </p:txEl>
+                                          </p:spTgt>
+                                        </p:tgtEl>
+                                      </p:cBhvr>
+                                    </p:animEffect>
+                                  </p:childTnLst>
+                                </p:cTn>
+                              </p:par>
+                              <p:par>
+                                <p:cTn id="11" presetID="10" presetClass="entr" presetSubtype="0" fill="hold" nodeType="withEffect">
+                                  <p:stCondLst>
+                                    <p:cond delay="0"/>
+                                  </p:stCondLst>
+                                  <p:childTnLst>
+                                    <p:set>
+                                      <p:cBhvr>
+                                        <p:cTn id="12" dur="1" fill="hold">
+                                          <p:stCondLst>
+                                            <p:cond delay="0"/>
+                                          </p:stCondLst>
+                                        </p:cTn>
+                                        <p:tgtEl>
+                                          <p:spTgt spid="4">
+                                            <p:txEl>
+                                              <p:pRg st="2" end="2"/>
+                                            </p:txEl>
+                                          </p:spTgt>
+                                        </p:tgtEl>
+                                        <p:attrNameLst>
+                                          <p:attrName>style.visibility</p:attrName>
+                                        </p:attrNameLst>
+                                      </p:cBhvr>
+                                      <p:to>
+                                        <p:strVal val="visible"/>
+                                      </p:to>
+                                    </p:set>
+                                    <p:animEffect transition="in" filter="fade">
+                                      <p:cBhvr>
+                                        <p:cTn id="13" dur="500"/>
+                                        <p:tgtEl>
+                                          <p:spTgt spid="4">
+                                            <p:txEl>
+                                              <p:pRg st="2" end="2"/>
+                                            </p:txEl>
+                                          </p:spTgt>
+                                        </p:tgtEl>
+                                      </p:cBhvr>
+                                    </p:animEffect>
+                                  </p:childTnLst>
+                                </p:cTn>
+                              </p:par>
+                              <p:par>
+                                <p:cTn id="14" presetID="10" presetClass="entr" presetSubtype="0" fill="hold" nodeType="withEffect">
+                                  <p:stCondLst>
+                                    <p:cond delay="0"/>
+                                  </p:stCondLst>
+                                  <p:childTnLst>
+                                    <p:set>
+                                      <p:cBhvr>
+                                        <p:cTn id="15" dur="1" fill="hold">
+                                          <p:stCondLst>
+                                            <p:cond delay="0"/>
+                                          </p:stCondLst>
+                                        </p:cTn>
+                                        <p:tgtEl>
+                                          <p:spTgt spid="4">
+                                            <p:txEl>
+                                              <p:pRg st="3" end="3"/>
+                                            </p:txEl>
+                                          </p:spTgt>
+                                        </p:tgtEl>
+                                        <p:attrNameLst>
+                                          <p:attrName>style.visibility</p:attrName>
+                                        </p:attrNameLst>
+                                      </p:cBhvr>
+                                      <p:to>
+                                        <p:strVal val="visible"/>
+                                      </p:to>
+                                    </p:set>
+                                    <p:animEffect transition="in" filter="fade">
+                                      <p:cBhvr>
+                                        <p:cTn id="16" dur="500"/>
+                                        <p:tgtEl>
+                                          <p:spTgt spid="4">
+                                            <p:txEl>
+                                              <p:pRg st="3" end="3"/>
+                                            </p:txEl>
+                                          </p:spTgt>
+                                        </p:tgtEl>
+                                      </p:cBhvr>
+                                    </p:animEffect>
+                                  </p:childTnLst>
+                                </p:cTn>
+                              </p:par>
+                              <p:par>
+                                <p:cTn id="17" presetID="10" presetClass="entr" presetSubtype="0" fill="hold" nodeType="withEffect">
+                                  <p:stCondLst>
+                                    <p:cond delay="0"/>
+                                  </p:stCondLst>
+                                  <p:childTnLst>
+                                    <p:set>
+                                      <p:cBhvr>
+                                        <p:cTn id="18" dur="1" fill="hold">
+                                          <p:stCondLst>
+                                            <p:cond delay="0"/>
+                                          </p:stCondLst>
+                                        </p:cTn>
+                                        <p:tgtEl>
+                                          <p:spTgt spid="4">
+                                            <p:txEl>
+                                              <p:pRg st="4" end="4"/>
+                                            </p:txEl>
+                                          </p:spTgt>
+                                        </p:tgtEl>
+                                        <p:attrNameLst>
+                                          <p:attrName>style.visibility</p:attrName>
+                                        </p:attrNameLst>
+                                      </p:cBhvr>
+                                      <p:to>
+                                        <p:strVal val="visible"/>
+                                      </p:to>
+                                    </p:set>
+                                    <p:animEffect transition="in" filter="fade">
+                                      <p:cBhvr>
+                                        <p:cTn id="19" dur="500"/>
+                                        <p:tgtEl>
+                                          <p:spTgt spid="4">
+                                            <p:txEl>
+                                              <p:pRg st="4" end="4"/>
+                                            </p:txEl>
+                                          </p:spTgt>
+                                        </p:tgtEl>
+                                      </p:cBhvr>
+                                    </p:animEffect>
+                                  </p:childTnLst>
+                                </p:cTn>
+                              </p:par>
+                              <p:par>
+                                <p:cTn id="20" presetID="10" presetClass="entr" presetSubtype="0" fill="hold" nodeType="withEffect">
+                                  <p:stCondLst>
+                                    <p:cond delay="0"/>
+                                  </p:stCondLst>
+                                  <p:childTnLst>
+                                    <p:set>
+                                      <p:cBhvr>
+                                        <p:cTn id="21" dur="1" fill="hold">
+                                          <p:stCondLst>
+                                            <p:cond delay="0"/>
+                                          </p:stCondLst>
+                                        </p:cTn>
+                                        <p:tgtEl>
+                                          <p:spTgt spid="4">
+                                            <p:txEl>
+                                              <p:pRg st="5" end="5"/>
+                                            </p:txEl>
+                                          </p:spTgt>
+                                        </p:tgtEl>
+                                        <p:attrNameLst>
+                                          <p:attrName>style.visibility</p:attrName>
+                                        </p:attrNameLst>
+                                      </p:cBhvr>
+                                      <p:to>
+                                        <p:strVal val="visible"/>
+                                      </p:to>
+                                    </p:set>
+                                    <p:animEffect transition="in" filter="fade">
+                                      <p:cBhvr>
+                                        <p:cTn id="22" dur="500"/>
+                                        <p:tgtEl>
+                                          <p:spTgt spid="4">
+                                            <p:txEl>
+                                              <p:pRg st="5" end="5"/>
+                                            </p:txEl>
+                                          </p:spTgt>
+                                        </p:tgtEl>
+                                      </p:cBhvr>
+                                    </p:animEffect>
+                                  </p:childTnLst>
+                                </p:cTn>
+                              </p:par>
+                              <p:par>
+                                <p:cTn id="23" presetID="10" presetClass="entr" presetSubtype="0" fill="hold" nodeType="withEffect">
+                                  <p:stCondLst>
+                                    <p:cond delay="0"/>
+                                  </p:stCondLst>
+                                  <p:childTnLst>
+                                    <p:set>
+                                      <p:cBhvr>
+                                        <p:cTn id="24" dur="1" fill="hold">
+                                          <p:stCondLst>
+                                            <p:cond delay="0"/>
+                                          </p:stCondLst>
+                                        </p:cTn>
+                                        <p:tgtEl>
+                                          <p:spTgt spid="4">
+                                            <p:txEl>
+                                              <p:pRg st="6" end="6"/>
+                                            </p:txEl>
+                                          </p:spTgt>
+                                        </p:tgtEl>
+                                        <p:attrNameLst>
+                                          <p:attrName>style.visibility</p:attrName>
+                                        </p:attrNameLst>
+                                      </p:cBhvr>
+                                      <p:to>
+                                        <p:strVal val="visible"/>
+                                      </p:to>
+                                    </p:set>
+                                    <p:animEffect transition="in" filter="fade">
+                                      <p:cBhvr>
+                                        <p:cTn id="25" dur="500"/>
+                                        <p:tgtEl>
+                                          <p:spTgt spid="4">
+                                            <p:txEl>
+                                              <p:pRg st="6" end="6"/>
+                                            </p:txEl>
+                                          </p:spTgt>
+                                        </p:tgtEl>
+                                      </p:cBhvr>
+                                    </p:animEffect>
+                                  </p:childTnLst>
+                                </p:cTn>
+                              </p:par>
+                              <p:par>
+                                <p:cTn id="26" presetID="10" presetClass="entr" presetSubtype="0" fill="hold" nodeType="withEffect">
+                                  <p:stCondLst>
+                                    <p:cond delay="0"/>
+                                  </p:stCondLst>
+                                  <p:childTnLst>
+                                    <p:set>
+                                      <p:cBhvr>
+                                        <p:cTn id="27" dur="1" fill="hold">
+                                          <p:stCondLst>
+                                            <p:cond delay="0"/>
+                                          </p:stCondLst>
+                                        </p:cTn>
+                                        <p:tgtEl>
+                                          <p:spTgt spid="4">
+                                            <p:txEl>
+                                              <p:pRg st="7" end="7"/>
+                                            </p:txEl>
+                                          </p:spTgt>
+                                        </p:tgtEl>
+                                        <p:attrNameLst>
+                                          <p:attrName>style.visibility</p:attrName>
+                                        </p:attrNameLst>
+                                      </p:cBhvr>
+                                      <p:to>
+                                        <p:strVal val="visible"/>
+                                      </p:to>
+                                    </p:set>
+                                    <p:animEffect transition="in" filter="fade">
+                                      <p:cBhvr>
+                                        <p:cTn id="28" dur="500"/>
+                                        <p:tgtEl>
+                                          <p:spTgt spid="4">
+                                            <p:txEl>
+                                              <p:pRg st="7" end="7"/>
+                                            </p:txEl>
+                                          </p:spTgt>
+                                        </p:tgtEl>
+                                      </p:cBhvr>
+                                    </p:animEffect>
+                                  </p:childTnLst>
+                                </p:cTn>
+                              </p:par>
+                              <p:par>
+                                <p:cTn id="29" presetID="10" presetClass="entr" presetSubtype="0" fill="hold" nodeType="withEffect">
+                                  <p:stCondLst>
+                                    <p:cond delay="0"/>
+                                  </p:stCondLst>
+                                  <p:childTnLst>
+                                    <p:set>
+                                      <p:cBhvr>
+                                        <p:cTn id="30" dur="1" fill="hold">
+                                          <p:stCondLst>
+                                            <p:cond delay="0"/>
+                                          </p:stCondLst>
+                                        </p:cTn>
+                                        <p:tgtEl>
+                                          <p:spTgt spid="4">
+                                            <p:txEl>
+                                              <p:pRg st="8" end="8"/>
+                                            </p:txEl>
+                                          </p:spTgt>
+                                        </p:tgtEl>
+                                        <p:attrNameLst>
+                                          <p:attrName>style.visibility</p:attrName>
+                                        </p:attrNameLst>
+                                      </p:cBhvr>
+                                      <p:to>
+                                        <p:strVal val="visible"/>
+                                      </p:to>
+                                    </p:set>
+                                    <p:animEffect transition="in" filter="fade">
+                                      <p:cBhvr>
+                                        <p:cTn id="31" dur="500"/>
+                                        <p:tgtEl>
+                                          <p:spTgt spid="4">
+                                            <p:txEl>
+                                              <p:pRg st="8" end="8"/>
+                                            </p:txEl>
+                                          </p:spTgt>
+                                        </p:tgtEl>
+                                      </p:cBhvr>
+                                    </p:animEffect>
+                                  </p:childTnLst>
+                                </p:cTn>
+                              </p:par>
+                            </p:childTnLst>
+                          </p:cTn>
+                        </p:par>
+                      </p:childTnLst>
+                    </p:cTn>
+                  </p:par>
+                  <p:par>
+                    <p:cTn id="32" fill="hold">
+                      <p:stCondLst>
+                        <p:cond delay="indefinite"/>
+                      </p:stCondLst>
+                      <p:childTnLst>
+                        <p:par>
+                          <p:cTn id="33" fill="hold">
+                            <p:stCondLst>
+                              <p:cond delay="0"/>
+                            </p:stCondLst>
+                            <p:childTnLst>
+                              <p:par>
+                                <p:cTn id="34" presetID="10" presetClass="entr" presetSubtype="0" fill="hold" nodeType="clickEffect">
+                                  <p:stCondLst>
+                                    <p:cond delay="0"/>
+                                  </p:stCondLst>
+                                  <p:childTnLst>
+                                    <p:set>
+                                      <p:cBhvr>
+                                        <p:cTn id="35" dur="1" fill="hold">
+                                          <p:stCondLst>
+                                            <p:cond delay="0"/>
+                                          </p:stCondLst>
+                                        </p:cTn>
+                                        <p:tgtEl>
+                                          <p:spTgt spid="4">
+                                            <p:txEl>
+                                              <p:pRg st="10" end="10"/>
+                                            </p:txEl>
+                                          </p:spTgt>
+                                        </p:tgtEl>
+                                        <p:attrNameLst>
+                                          <p:attrName>style.visibility</p:attrName>
+                                        </p:attrNameLst>
+                                      </p:cBhvr>
+                                      <p:to>
+                                        <p:strVal val="visible"/>
+                                      </p:to>
+                                    </p:set>
+                                    <p:animEffect transition="in" filter="fade">
+                                      <p:cBhvr>
+                                        <p:cTn id="36" dur="500"/>
+                                        <p:tgtEl>
+                                          <p:spTgt spid="4">
+                                            <p:txEl>
+                                              <p:pRg st="10" end="10"/>
+                                            </p:txEl>
+                                          </p:spTgt>
+                                        </p:tgtEl>
+                                      </p:cBhvr>
+                                    </p:animEffect>
+                                  </p:childTnLst>
+                                </p:cTn>
+                              </p:par>
+                              <p:par>
+                                <p:cTn id="37" presetID="10" presetClass="entr" presetSubtype="0" fill="hold" nodeType="withEffect">
+                                  <p:stCondLst>
+                                    <p:cond delay="0"/>
+                                  </p:stCondLst>
+                                  <p:childTnLst>
+                                    <p:set>
+                                      <p:cBhvr>
+                                        <p:cTn id="38" dur="1" fill="hold">
+                                          <p:stCondLst>
+                                            <p:cond delay="0"/>
+                                          </p:stCondLst>
+                                        </p:cTn>
+                                        <p:tgtEl>
+                                          <p:spTgt spid="4">
+                                            <p:txEl>
+                                              <p:pRg st="11" end="11"/>
+                                            </p:txEl>
+                                          </p:spTgt>
+                                        </p:tgtEl>
+                                        <p:attrNameLst>
+                                          <p:attrName>style.visibility</p:attrName>
+                                        </p:attrNameLst>
+                                      </p:cBhvr>
+                                      <p:to>
+                                        <p:strVal val="visible"/>
+                                      </p:to>
+                                    </p:set>
+                                    <p:animEffect transition="in" filter="fade">
+                                      <p:cBhvr>
+                                        <p:cTn id="39" dur="500"/>
+                                        <p:tgtEl>
+                                          <p:spTgt spid="4">
+                                            <p:txEl>
+                                              <p:pRg st="11" end="11"/>
+                                            </p:txEl>
+                                          </p:spTgt>
+                                        </p:tgtEl>
+                                      </p:cBhvr>
+                                    </p:animEffect>
+                                  </p:childTnLst>
+                                </p:cTn>
+                              </p:par>
+                              <p:par>
+                                <p:cTn id="40" presetID="10" presetClass="entr" presetSubtype="0" fill="hold" nodeType="withEffect">
+                                  <p:stCondLst>
+                                    <p:cond delay="0"/>
+                                  </p:stCondLst>
+                                  <p:childTnLst>
+                                    <p:set>
+                                      <p:cBhvr>
+                                        <p:cTn id="41" dur="1" fill="hold">
+                                          <p:stCondLst>
+                                            <p:cond delay="0"/>
+                                          </p:stCondLst>
+                                        </p:cTn>
+                                        <p:tgtEl>
+                                          <p:spTgt spid="4">
+                                            <p:txEl>
+                                              <p:pRg st="12" end="12"/>
+                                            </p:txEl>
+                                          </p:spTgt>
+                                        </p:tgtEl>
+                                        <p:attrNameLst>
+                                          <p:attrName>style.visibility</p:attrName>
+                                        </p:attrNameLst>
+                                      </p:cBhvr>
+                                      <p:to>
+                                        <p:strVal val="visible"/>
+                                      </p:to>
+                                    </p:set>
+                                    <p:animEffect transition="in" filter="fade">
+                                      <p:cBhvr>
+                                        <p:cTn id="42" dur="500"/>
+                                        <p:tgtEl>
+                                          <p:spTgt spid="4">
+                                            <p:txEl>
+                                              <p:pRg st="12" end="12"/>
+                                            </p:txEl>
+                                          </p:spTgt>
+                                        </p:tgtEl>
+                                      </p:cBhvr>
+                                    </p:animEffect>
+                                  </p:childTnLst>
+                                </p:cTn>
+                              </p:par>
+                              <p:par>
+                                <p:cTn id="43" presetID="10" presetClass="entr" presetSubtype="0" fill="hold" nodeType="withEffect">
+                                  <p:stCondLst>
+                                    <p:cond delay="0"/>
+                                  </p:stCondLst>
+                                  <p:childTnLst>
+                                    <p:set>
+                                      <p:cBhvr>
+                                        <p:cTn id="44" dur="1" fill="hold">
+                                          <p:stCondLst>
+                                            <p:cond delay="0"/>
+                                          </p:stCondLst>
+                                        </p:cTn>
+                                        <p:tgtEl>
+                                          <p:spTgt spid="4">
+                                            <p:txEl>
+                                              <p:pRg st="13" end="13"/>
+                                            </p:txEl>
+                                          </p:spTgt>
+                                        </p:tgtEl>
+                                        <p:attrNameLst>
+                                          <p:attrName>style.visibility</p:attrName>
+                                        </p:attrNameLst>
+                                      </p:cBhvr>
+                                      <p:to>
+                                        <p:strVal val="visible"/>
+                                      </p:to>
+                                    </p:set>
+                                    <p:animEffect transition="in" filter="fade">
+                                      <p:cBhvr>
+                                        <p:cTn id="45" dur="500"/>
+                                        <p:tgtEl>
+                                          <p:spTgt spid="4">
+                                            <p:txEl>
+                                              <p:pRg st="13" end="13"/>
+                                            </p:txEl>
+                                          </p:spTgt>
+                                        </p:tgtEl>
+                                      </p:cBhvr>
+                                    </p:animEffect>
+                                  </p:childTnLst>
+                                </p:cTn>
+                              </p:par>
+                              <p:par>
+                                <p:cTn id="46" presetID="10" presetClass="entr" presetSubtype="0" fill="hold" nodeType="withEffect">
+                                  <p:stCondLst>
+                                    <p:cond delay="0"/>
+                                  </p:stCondLst>
+                                  <p:childTnLst>
+                                    <p:set>
+                                      <p:cBhvr>
+                                        <p:cTn id="47" dur="1" fill="hold">
+                                          <p:stCondLst>
+                                            <p:cond delay="0"/>
+                                          </p:stCondLst>
+                                        </p:cTn>
+                                        <p:tgtEl>
+                                          <p:spTgt spid="4">
+                                            <p:txEl>
+                                              <p:pRg st="14" end="14"/>
+                                            </p:txEl>
+                                          </p:spTgt>
+                                        </p:tgtEl>
+                                        <p:attrNameLst>
+                                          <p:attrName>style.visibility</p:attrName>
+                                        </p:attrNameLst>
+                                      </p:cBhvr>
+                                      <p:to>
+                                        <p:strVal val="visible"/>
+                                      </p:to>
+                                    </p:set>
+                                    <p:animEffect transition="in" filter="fade">
+                                      <p:cBhvr>
+                                        <p:cTn id="48" dur="500"/>
+                                        <p:tgtEl>
+                                          <p:spTgt spid="4">
+                                            <p:txEl>
+                                              <p:pRg st="14" end="14"/>
+                                            </p:txEl>
+                                          </p:spTgt>
+                                        </p:tgtEl>
+                                      </p:cBhvr>
+                                    </p:animEffect>
+                                  </p:childTnLst>
+                                </p:cTn>
+                              </p:par>
+                              <p:par>
+                                <p:cTn id="49" presetID="10" presetClass="entr" presetSubtype="0" fill="hold" nodeType="withEffect">
+                                  <p:stCondLst>
+                                    <p:cond delay="0"/>
+                                  </p:stCondLst>
+                                  <p:childTnLst>
+                                    <p:set>
+                                      <p:cBhvr>
+                                        <p:cTn id="50" dur="1" fill="hold">
+                                          <p:stCondLst>
+                                            <p:cond delay="0"/>
+                                          </p:stCondLst>
+                                        </p:cTn>
+                                        <p:tgtEl>
+                                          <p:spTgt spid="4">
+                                            <p:txEl>
+                                              <p:pRg st="15" end="15"/>
+                                            </p:txEl>
+                                          </p:spTgt>
+                                        </p:tgtEl>
+                                        <p:attrNameLst>
+                                          <p:attrName>style.visibility</p:attrName>
+                                        </p:attrNameLst>
+                                      </p:cBhvr>
+                                      <p:to>
+                                        <p:strVal val="visible"/>
+                                      </p:to>
+                                    </p:set>
+                                    <p:animEffect transition="in" filter="fade">
+                                      <p:cBhvr>
+                                        <p:cTn id="51" dur="500"/>
+                                        <p:tgtEl>
+                                          <p:spTgt spid="4">
+                                            <p:txEl>
+                                              <p:pRg st="15" end="15"/>
+                                            </p:txEl>
+                                          </p:spTgt>
+                                        </p:tgtEl>
+                                      </p:cBhvr>
+                                    </p:animEffect>
+                                  </p:childTnLst>
+                                </p:cTn>
+                              </p:par>
+                              <p:par>
+                                <p:cTn id="52" presetID="10" presetClass="entr" presetSubtype="0" fill="hold" nodeType="withEffect">
+                                  <p:stCondLst>
+                                    <p:cond delay="0"/>
+                                  </p:stCondLst>
+                                  <p:childTnLst>
+                                    <p:set>
+                                      <p:cBhvr>
+                                        <p:cTn id="53" dur="1" fill="hold">
+                                          <p:stCondLst>
+                                            <p:cond delay="0"/>
+                                          </p:stCondLst>
+                                        </p:cTn>
+                                        <p:tgtEl>
+                                          <p:spTgt spid="4">
+                                            <p:txEl>
+                                              <p:pRg st="16" end="16"/>
+                                            </p:txEl>
+                                          </p:spTgt>
+                                        </p:tgtEl>
+                                        <p:attrNameLst>
+                                          <p:attrName>style.visibility</p:attrName>
+                                        </p:attrNameLst>
+                                      </p:cBhvr>
+                                      <p:to>
+                                        <p:strVal val="visible"/>
+                                      </p:to>
+                                    </p:set>
+                                    <p:animEffect transition="in" filter="fade">
+                                      <p:cBhvr>
+                                        <p:cTn id="54" dur="500"/>
+                                        <p:tgtEl>
+                                          <p:spTgt spid="4">
+                                            <p:txEl>
+                                              <p:pRg st="16" end="16"/>
+                                            </p:txEl>
+                                          </p:spTgt>
+                                        </p:tgtEl>
+                                      </p:cBhvr>
+                                    </p:animEffect>
+                                  </p:childTnLst>
+                                </p:cTn>
+                              </p:par>
+                              <p:par>
+                                <p:cTn id="55" presetID="10" presetClass="entr" presetSubtype="0" fill="hold" nodeType="withEffect">
+                                  <p:stCondLst>
+                                    <p:cond delay="0"/>
+                                  </p:stCondLst>
+                                  <p:childTnLst>
+                                    <p:set>
+                                      <p:cBhvr>
+                                        <p:cTn id="56" dur="1" fill="hold">
+                                          <p:stCondLst>
+                                            <p:cond delay="0"/>
+                                          </p:stCondLst>
+                                        </p:cTn>
+                                        <p:tgtEl>
+                                          <p:spTgt spid="4">
+                                            <p:txEl>
+                                              <p:pRg st="17" end="17"/>
+                                            </p:txEl>
+                                          </p:spTgt>
+                                        </p:tgtEl>
+                                        <p:attrNameLst>
+                                          <p:attrName>style.visibility</p:attrName>
+                                        </p:attrNameLst>
+                                      </p:cBhvr>
+                                      <p:to>
+                                        <p:strVal val="visible"/>
+                                      </p:to>
+                                    </p:set>
+                                    <p:animEffect transition="in" filter="fade">
+                                      <p:cBhvr>
+                                        <p:cTn id="57" dur="500"/>
+                                        <p:tgtEl>
+                                          <p:spTgt spid="4">
+                                            <p:txEl>
+                                              <p:pRg st="17" end="17"/>
+                                            </p:txEl>
+                                          </p:spTgt>
+                                        </p:tgtEl>
+                                      </p:cBhvr>
+                                    </p:animEffect>
+                                  </p:childTnLst>
+                                </p:cTn>
+                              </p:par>
+                              <p:par>
+                                <p:cTn id="58" presetID="10" presetClass="entr" presetSubtype="0" fill="hold" nodeType="withEffect">
+                                  <p:stCondLst>
+                                    <p:cond delay="0"/>
+                                  </p:stCondLst>
+                                  <p:childTnLst>
+                                    <p:set>
+                                      <p:cBhvr>
+                                        <p:cTn id="59" dur="1" fill="hold">
+                                          <p:stCondLst>
+                                            <p:cond delay="0"/>
+                                          </p:stCondLst>
+                                        </p:cTn>
+                                        <p:tgtEl>
+                                          <p:spTgt spid="4">
+                                            <p:txEl>
+                                              <p:pRg st="18" end="18"/>
+                                            </p:txEl>
+                                          </p:spTgt>
+                                        </p:tgtEl>
+                                        <p:attrNameLst>
+                                          <p:attrName>style.visibility</p:attrName>
+                                        </p:attrNameLst>
+                                      </p:cBhvr>
+                                      <p:to>
+                                        <p:strVal val="visible"/>
+                                      </p:to>
+                                    </p:set>
+                                    <p:animEffect transition="in" filter="fade">
+                                      <p:cBhvr>
+                                        <p:cTn id="60" dur="500"/>
+                                        <p:tgtEl>
+                                          <p:spTgt spid="4">
+                                            <p:txEl>
+                                              <p:pRg st="18" end="18"/>
+                                            </p:txEl>
+                                          </p:spTgt>
+                                        </p:tgtEl>
+                                      </p:cBhvr>
+                                    </p:animEffect>
+                                  </p:childTnLst>
+                                </p:cTn>
+                              </p:par>
+                              <p:par>
+                                <p:cTn id="61" presetID="10" presetClass="entr" presetSubtype="0" fill="hold" nodeType="withEffect">
+                                  <p:stCondLst>
+                                    <p:cond delay="0"/>
+                                  </p:stCondLst>
+                                  <p:childTnLst>
+                                    <p:set>
+                                      <p:cBhvr>
+                                        <p:cTn id="62" dur="1" fill="hold">
+                                          <p:stCondLst>
+                                            <p:cond delay="0"/>
+                                          </p:stCondLst>
+                                        </p:cTn>
+                                        <p:tgtEl>
+                                          <p:spTgt spid="4">
+                                            <p:txEl>
+                                              <p:pRg st="19" end="19"/>
+                                            </p:txEl>
+                                          </p:spTgt>
+                                        </p:tgtEl>
+                                        <p:attrNameLst>
+                                          <p:attrName>style.visibility</p:attrName>
+                                        </p:attrNameLst>
+                                      </p:cBhvr>
+                                      <p:to>
+                                        <p:strVal val="visible"/>
+                                      </p:to>
+                                    </p:set>
+                                    <p:animEffect transition="in" filter="fade">
+                                      <p:cBhvr>
+                                        <p:cTn id="63" dur="500"/>
+                                        <p:tgtEl>
+                                          <p:spTgt spid="4">
+                                            <p:txEl>
+                                              <p:pRg st="19" end="19"/>
+                                            </p:txEl>
+                                          </p:spTgt>
+                                        </p:tgtEl>
+                                      </p:cBhvr>
+                                    </p:animEffect>
+                                  </p:childTnLst>
+                                </p:cTn>
+                              </p:par>
+                              <p:par>
+                                <p:cTn id="64" presetID="10" presetClass="entr" presetSubtype="0" fill="hold" nodeType="withEffect">
+                                  <p:stCondLst>
+                                    <p:cond delay="0"/>
+                                  </p:stCondLst>
+                                  <p:childTnLst>
+                                    <p:set>
+                                      <p:cBhvr>
+                                        <p:cTn id="65" dur="1" fill="hold">
+                                          <p:stCondLst>
+                                            <p:cond delay="0"/>
+                                          </p:stCondLst>
+                                        </p:cTn>
+                                        <p:tgtEl>
+                                          <p:spTgt spid="4">
+                                            <p:txEl>
+                                              <p:pRg st="20" end="20"/>
+                                            </p:txEl>
+                                          </p:spTgt>
+                                        </p:tgtEl>
+                                        <p:attrNameLst>
+                                          <p:attrName>style.visibility</p:attrName>
+                                        </p:attrNameLst>
+                                      </p:cBhvr>
+                                      <p:to>
+                                        <p:strVal val="visible"/>
+                                      </p:to>
+                                    </p:set>
+                                    <p:animEffect transition="in" filter="fade">
+                                      <p:cBhvr>
+                                        <p:cTn id="66" dur="500"/>
+                                        <p:tgtEl>
+                                          <p:spTgt spid="4">
+                                            <p:txEl>
+                                              <p:pRg st="20" end="20"/>
+                                            </p:txEl>
+                                          </p:spTgt>
+                                        </p:tgtEl>
+                                      </p:cBhvr>
+                                    </p:animEffect>
+                                  </p:childTnLst>
+                                </p:cTn>
+                              </p:par>
+                              <p:par>
+                                <p:cTn id="67" presetID="10" presetClass="entr" presetSubtype="0" fill="hold" nodeType="withEffect">
+                                  <p:stCondLst>
+                                    <p:cond delay="0"/>
+                                  </p:stCondLst>
+                                  <p:childTnLst>
+                                    <p:set>
+                                      <p:cBhvr>
+                                        <p:cTn id="68" dur="1" fill="hold">
+                                          <p:stCondLst>
+                                            <p:cond delay="0"/>
+                                          </p:stCondLst>
+                                        </p:cTn>
+                                        <p:tgtEl>
+                                          <p:spTgt spid="4">
+                                            <p:txEl>
+                                              <p:pRg st="21" end="21"/>
+                                            </p:txEl>
+                                          </p:spTgt>
+                                        </p:tgtEl>
+                                        <p:attrNameLst>
+                                          <p:attrName>style.visibility</p:attrName>
+                                        </p:attrNameLst>
+                                      </p:cBhvr>
+                                      <p:to>
+                                        <p:strVal val="visible"/>
+                                      </p:to>
+                                    </p:set>
+                                    <p:animEffect transition="in" filter="fade">
+                                      <p:cBhvr>
+                                        <p:cTn id="69" dur="500"/>
+                                        <p:tgtEl>
+                                          <p:spTgt spid="4">
+                                            <p:txEl>
+                                              <p:pRg st="21" end="21"/>
+                                            </p:txEl>
+                                          </p:spTgt>
+                                        </p:tgtEl>
+                                      </p:cBhvr>
+                                    </p:animEffect>
+                                  </p:childTnLst>
+                                </p:cTn>
+                              </p:par>
+                              <p:par>
+                                <p:cTn id="70" presetID="10" presetClass="entr" presetSubtype="0" fill="hold" nodeType="withEffect">
+                                  <p:stCondLst>
+                                    <p:cond delay="0"/>
+                                  </p:stCondLst>
+                                  <p:childTnLst>
+                                    <p:set>
+                                      <p:cBhvr>
+                                        <p:cTn id="71" dur="1" fill="hold">
+                                          <p:stCondLst>
+                                            <p:cond delay="0"/>
+                                          </p:stCondLst>
+                                        </p:cTn>
+                                        <p:tgtEl>
+                                          <p:spTgt spid="4">
+                                            <p:txEl>
+                                              <p:pRg st="22" end="22"/>
+                                            </p:txEl>
+                                          </p:spTgt>
+                                        </p:tgtEl>
+                                        <p:attrNameLst>
+                                          <p:attrName>style.visibility</p:attrName>
+                                        </p:attrNameLst>
+                                      </p:cBhvr>
+                                      <p:to>
+                                        <p:strVal val="visible"/>
+                                      </p:to>
+                                    </p:set>
+                                    <p:animEffect transition="in" filter="fade">
+                                      <p:cBhvr>
+                                        <p:cTn id="72" dur="500"/>
+                                        <p:tgtEl>
+                                          <p:spTgt spid="4">
+                                            <p:txEl>
+                                              <p:pRg st="22" end="22"/>
+                                            </p:txEl>
+                                          </p:spTgt>
+                                        </p:tgtEl>
+                                      </p:cBhvr>
+                                    </p:animEffect>
+                                  </p:childTnLst>
+                                </p:cTn>
+                              </p:par>
+                              <p:par>
+                                <p:cTn id="73" presetID="10" presetClass="entr" presetSubtype="0" fill="hold" nodeType="withEffect">
+                                  <p:stCondLst>
+                                    <p:cond delay="0"/>
+                                  </p:stCondLst>
+                                  <p:childTnLst>
+                                    <p:set>
+                                      <p:cBhvr>
+                                        <p:cTn id="74" dur="1" fill="hold">
+                                          <p:stCondLst>
+                                            <p:cond delay="0"/>
+                                          </p:stCondLst>
+                                        </p:cTn>
+                                        <p:tgtEl>
+                                          <p:spTgt spid="4">
+                                            <p:txEl>
+                                              <p:pRg st="23" end="23"/>
+                                            </p:txEl>
+                                          </p:spTgt>
+                                        </p:tgtEl>
+                                        <p:attrNameLst>
+                                          <p:attrName>style.visibility</p:attrName>
+                                        </p:attrNameLst>
+                                      </p:cBhvr>
+                                      <p:to>
+                                        <p:strVal val="visible"/>
+                                      </p:to>
+                                    </p:set>
+                                    <p:animEffect transition="in" filter="fade">
+                                      <p:cBhvr>
+                                        <p:cTn id="75" dur="500"/>
+                                        <p:tgtEl>
+                                          <p:spTgt spid="4">
+                                            <p:txEl>
+                                              <p:pRg st="23" end="23"/>
+                                            </p:txEl>
+                                          </p:spTgt>
+                                        </p:tgtEl>
+                                      </p:cBhvr>
+                                    </p:animEffect>
+                                  </p:childTnLst>
+                                </p:cTn>
+                              </p:par>
+                              <p:par>
+                                <p:cTn id="76" presetID="10" presetClass="entr" presetSubtype="0" fill="hold" nodeType="withEffect">
+                                  <p:stCondLst>
+                                    <p:cond delay="0"/>
+                                  </p:stCondLst>
+                                  <p:childTnLst>
+                                    <p:set>
+                                      <p:cBhvr>
+                                        <p:cTn id="77" dur="1" fill="hold">
+                                          <p:stCondLst>
+                                            <p:cond delay="0"/>
+                                          </p:stCondLst>
+                                        </p:cTn>
+                                        <p:tgtEl>
+                                          <p:spTgt spid="4">
+                                            <p:txEl>
+                                              <p:pRg st="24" end="24"/>
+                                            </p:txEl>
+                                          </p:spTgt>
+                                        </p:tgtEl>
+                                        <p:attrNameLst>
+                                          <p:attrName>style.visibility</p:attrName>
+                                        </p:attrNameLst>
+                                      </p:cBhvr>
+                                      <p:to>
+                                        <p:strVal val="visible"/>
+                                      </p:to>
+                                    </p:set>
+                                    <p:animEffect transition="in" filter="fade">
+                                      <p:cBhvr>
+                                        <p:cTn id="78" dur="500"/>
+                                        <p:tgtEl>
+                                          <p:spTgt spid="4">
+                                            <p:txEl>
+                                              <p:pRg st="24" end="24"/>
+                                            </p:txEl>
+                                          </p:spTgt>
+                                        </p:tgtEl>
+                                      </p:cBhvr>
+                                    </p:animEffect>
+                                  </p:childTnLst>
+                                </p:cTn>
+                              </p:par>
+                            </p:childTnLst>
+                          </p:cTn>
+                        </p:par>
+                      </p:childTnLst>
+                    </p:cTn>
+                  </p:par>
+                  <p:par>
+                    <p:cTn id="79" fill="hold">
+                      <p:stCondLst>
+                        <p:cond delay="indefinite"/>
+                      </p:stCondLst>
+                      <p:childTnLst>
+                        <p:par>
+                          <p:cTn id="80" fill="hold">
+                            <p:stCondLst>
+                              <p:cond delay="0"/>
+                            </p:stCondLst>
+                            <p:childTnLst>
+                              <p:par>
+                                <p:cTn id="81" presetID="10" presetClass="entr" presetSubtype="0" fill="hold" nodeType="clickEffect">
+                                  <p:stCondLst>
+                                    <p:cond delay="0"/>
+                                  </p:stCondLst>
+                                  <p:childTnLst>
+                                    <p:set>
+                                      <p:cBhvr>
+                                        <p:cTn id="82" dur="1" fill="hold">
+                                          <p:stCondLst>
+                                            <p:cond delay="0"/>
+                                          </p:stCondLst>
+                                        </p:cTn>
+                                        <p:tgtEl>
+                                          <p:spTgt spid="5">
+                                            <p:txEl>
+                                              <p:pRg st="0" end="0"/>
+                                            </p:txEl>
+                                          </p:spTgt>
+                                        </p:tgtEl>
+                                        <p:attrNameLst>
+                                          <p:attrName>style.visibility</p:attrName>
+                                        </p:attrNameLst>
+                                      </p:cBhvr>
+                                      <p:to>
+                                        <p:strVal val="visible"/>
+                                      </p:to>
+                                    </p:set>
+                                    <p:animEffect transition="in" filter="fade">
+                                      <p:cBhvr>
+                                        <p:cTn id="83" dur="500"/>
+                                        <p:tgtEl>
+                                          <p:spTgt spid="5">
+                                            <p:txEl>
+                                              <p:pRg st="0" end="0"/>
+                                            </p:txEl>
+                                          </p:spTgt>
+                                        </p:tgtEl>
+                                      </p:cBhvr>
+                                    </p:animEffect>
+                                  </p:childTnLst>
+                                </p:cTn>
+                              </p:par>
+                              <p:par>
+                                <p:cTn id="84" presetID="10" presetClass="entr" presetSubtype="0" fill="hold" nodeType="withEffect">
+                                  <p:stCondLst>
+                                    <p:cond delay="0"/>
+                                  </p:stCondLst>
+                                  <p:childTnLst>
+                                    <p:set>
+                                      <p:cBhvr>
+                                        <p:cTn id="85" dur="1" fill="hold">
+                                          <p:stCondLst>
+                                            <p:cond delay="0"/>
+                                          </p:stCondLst>
+                                        </p:cTn>
+                                        <p:tgtEl>
+                                          <p:spTgt spid="5">
+                                            <p:txEl>
+                                              <p:pRg st="1" end="1"/>
+                                            </p:txEl>
+                                          </p:spTgt>
+                                        </p:tgtEl>
+                                        <p:attrNameLst>
+                                          <p:attrName>style.visibility</p:attrName>
+                                        </p:attrNameLst>
+                                      </p:cBhvr>
+                                      <p:to>
+                                        <p:strVal val="visible"/>
+                                      </p:to>
+                                    </p:set>
+                                    <p:animEffect transition="in" filter="fade">
+                                      <p:cBhvr>
+                                        <p:cTn id="86" dur="500"/>
+                                        <p:tgtEl>
+                                          <p:spTgt spid="5">
+                                            <p:txEl>
+                                              <p:pRg st="1" end="1"/>
+                                            </p:txEl>
+                                          </p:spTgt>
+                                        </p:tgtEl>
+                                      </p:cBhvr>
+                                    </p:animEffect>
+                                  </p:childTnLst>
+                                </p:cTn>
+                              </p:par>
+                              <p:par>
+                                <p:cTn id="87" presetID="10" presetClass="entr" presetSubtype="0" fill="hold" nodeType="withEffect">
+                                  <p:stCondLst>
+                                    <p:cond delay="0"/>
+                                  </p:stCondLst>
+                                  <p:childTnLst>
+                                    <p:set>
+                                      <p:cBhvr>
+                                        <p:cTn id="88" dur="1" fill="hold">
+                                          <p:stCondLst>
+                                            <p:cond delay="0"/>
+                                          </p:stCondLst>
+                                        </p:cTn>
+                                        <p:tgtEl>
+                                          <p:spTgt spid="5">
+                                            <p:txEl>
+                                              <p:pRg st="2" end="2"/>
+                                            </p:txEl>
+                                          </p:spTgt>
+                                        </p:tgtEl>
+                                        <p:attrNameLst>
+                                          <p:attrName>style.visibility</p:attrName>
+                                        </p:attrNameLst>
+                                      </p:cBhvr>
+                                      <p:to>
+                                        <p:strVal val="visible"/>
+                                      </p:to>
+                                    </p:set>
+                                    <p:animEffect transition="in" filter="fade">
+                                      <p:cBhvr>
+                                        <p:cTn id="89" dur="500"/>
+                                        <p:tgtEl>
+                                          <p:spTgt spid="5">
+                                            <p:txEl>
+                                              <p:pRg st="2" end="2"/>
+                                            </p:txEl>
+                                          </p:spTgt>
+                                        </p:tgtEl>
+                                      </p:cBhvr>
+                                    </p:animEffect>
+                                  </p:childTnLst>
+                                </p:cTn>
+                              </p:par>
+                              <p:par>
+                                <p:cTn id="90" presetID="10" presetClass="entr" presetSubtype="0" fill="hold" nodeType="withEffect">
+                                  <p:stCondLst>
+                                    <p:cond delay="0"/>
+                                  </p:stCondLst>
+                                  <p:childTnLst>
+                                    <p:set>
+                                      <p:cBhvr>
+                                        <p:cTn id="91" dur="1" fill="hold">
+                                          <p:stCondLst>
+                                            <p:cond delay="0"/>
+                                          </p:stCondLst>
+                                        </p:cTn>
+                                        <p:tgtEl>
+                                          <p:spTgt spid="5">
+                                            <p:txEl>
+                                              <p:pRg st="3" end="3"/>
+                                            </p:txEl>
+                                          </p:spTgt>
+                                        </p:tgtEl>
+                                        <p:attrNameLst>
+                                          <p:attrName>style.visibility</p:attrName>
+                                        </p:attrNameLst>
+                                      </p:cBhvr>
+                                      <p:to>
+                                        <p:strVal val="visible"/>
+                                      </p:to>
+                                    </p:set>
+                                    <p:animEffect transition="in" filter="fade">
+                                      <p:cBhvr>
+                                        <p:cTn id="92" dur="500"/>
+                                        <p:tgtEl>
+                                          <p:spTgt spid="5">
+                                            <p:txEl>
+                                              <p:pRg st="3" end="3"/>
+                                            </p:txEl>
+                                          </p:spTgt>
+                                        </p:tgtEl>
+                                      </p:cBhvr>
+                                    </p:animEffect>
+                                  </p:childTnLst>
+                                </p:cTn>
+                              </p:par>
+                              <p:par>
+                                <p:cTn id="93" presetID="10" presetClass="entr" presetSubtype="0" fill="hold" nodeType="withEffect">
+                                  <p:stCondLst>
+                                    <p:cond delay="0"/>
+                                  </p:stCondLst>
+                                  <p:childTnLst>
+                                    <p:set>
+                                      <p:cBhvr>
+                                        <p:cTn id="94" dur="1" fill="hold">
+                                          <p:stCondLst>
+                                            <p:cond delay="0"/>
+                                          </p:stCondLst>
+                                        </p:cTn>
+                                        <p:tgtEl>
+                                          <p:spTgt spid="5">
+                                            <p:txEl>
+                                              <p:pRg st="4" end="4"/>
+                                            </p:txEl>
+                                          </p:spTgt>
+                                        </p:tgtEl>
+                                        <p:attrNameLst>
+                                          <p:attrName>style.visibility</p:attrName>
+                                        </p:attrNameLst>
+                                      </p:cBhvr>
+                                      <p:to>
+                                        <p:strVal val="visible"/>
+                                      </p:to>
+                                    </p:set>
+                                    <p:animEffect transition="in" filter="fade">
+                                      <p:cBhvr>
+                                        <p:cTn id="95" dur="500"/>
+                                        <p:tgtEl>
+                                          <p:spTgt spid="5">
+                                            <p:txEl>
+                                              <p:pRg st="4" end="4"/>
+                                            </p:txEl>
+                                          </p:spTgt>
+                                        </p:tgtEl>
+                                      </p:cBhvr>
+                                    </p:animEffect>
+                                  </p:childTnLst>
+                                </p:cTn>
+                              </p:par>
+                              <p:par>
+                                <p:cTn id="96" presetID="10" presetClass="entr" presetSubtype="0" fill="hold" nodeType="withEffect">
+                                  <p:stCondLst>
+                                    <p:cond delay="0"/>
+                                  </p:stCondLst>
+                                  <p:childTnLst>
+                                    <p:set>
+                                      <p:cBhvr>
+                                        <p:cTn id="97" dur="1" fill="hold">
+                                          <p:stCondLst>
+                                            <p:cond delay="0"/>
+                                          </p:stCondLst>
+                                        </p:cTn>
+                                        <p:tgtEl>
+                                          <p:spTgt spid="5">
+                                            <p:txEl>
+                                              <p:pRg st="5" end="5"/>
+                                            </p:txEl>
+                                          </p:spTgt>
+                                        </p:tgtEl>
+                                        <p:attrNameLst>
+                                          <p:attrName>style.visibility</p:attrName>
+                                        </p:attrNameLst>
+                                      </p:cBhvr>
+                                      <p:to>
+                                        <p:strVal val="visible"/>
+                                      </p:to>
+                                    </p:set>
+                                    <p:animEffect transition="in" filter="fade">
+                                      <p:cBhvr>
+                                        <p:cTn id="98" dur="500"/>
+                                        <p:tgtEl>
+                                          <p:spTgt spid="5">
+                                            <p:txEl>
+                                              <p:pRg st="5" end="5"/>
+                                            </p:txEl>
+                                          </p:spTgt>
+                                        </p:tgtEl>
+                                      </p:cBhvr>
+                                    </p:animEffect>
+                                  </p:childTnLst>
+                                </p:cTn>
+                              </p:par>
+                              <p:par>
+                                <p:cTn id="99" presetID="10" presetClass="entr" presetSubtype="0" fill="hold" nodeType="withEffect">
+                                  <p:stCondLst>
+                                    <p:cond delay="0"/>
+                                  </p:stCondLst>
+                                  <p:childTnLst>
+                                    <p:set>
+                                      <p:cBhvr>
+                                        <p:cTn id="100" dur="1" fill="hold">
+                                          <p:stCondLst>
+                                            <p:cond delay="0"/>
+                                          </p:stCondLst>
+                                        </p:cTn>
+                                        <p:tgtEl>
+                                          <p:spTgt spid="5">
+                                            <p:txEl>
+                                              <p:pRg st="6" end="6"/>
+                                            </p:txEl>
+                                          </p:spTgt>
+                                        </p:tgtEl>
+                                        <p:attrNameLst>
+                                          <p:attrName>style.visibility</p:attrName>
+                                        </p:attrNameLst>
+                                      </p:cBhvr>
+                                      <p:to>
+                                        <p:strVal val="visible"/>
+                                      </p:to>
+                                    </p:set>
+                                    <p:animEffect transition="in" filter="fade">
+                                      <p:cBhvr>
+                                        <p:cTn id="101" dur="500"/>
+                                        <p:tgtEl>
+                                          <p:spTgt spid="5">
+                                            <p:txEl>
+                                              <p:pRg st="6" end="6"/>
+                                            </p:txEl>
+                                          </p:spTgt>
+                                        </p:tgtEl>
+                                      </p:cBhvr>
+                                    </p:animEffect>
+                                  </p:childTnLst>
+                                </p:cTn>
+                              </p:par>
+                              <p:par>
+                                <p:cTn id="102" presetID="10" presetClass="entr" presetSubtype="0" fill="hold" nodeType="withEffect">
+                                  <p:stCondLst>
+                                    <p:cond delay="0"/>
+                                  </p:stCondLst>
+                                  <p:childTnLst>
+                                    <p:set>
+                                      <p:cBhvr>
+                                        <p:cTn id="103" dur="1" fill="hold">
+                                          <p:stCondLst>
+                                            <p:cond delay="0"/>
+                                          </p:stCondLst>
+                                        </p:cTn>
+                                        <p:tgtEl>
+                                          <p:spTgt spid="5">
+                                            <p:txEl>
+                                              <p:pRg st="7" end="7"/>
+                                            </p:txEl>
+                                          </p:spTgt>
+                                        </p:tgtEl>
+                                        <p:attrNameLst>
+                                          <p:attrName>style.visibility</p:attrName>
+                                        </p:attrNameLst>
+                                      </p:cBhvr>
+                                      <p:to>
+                                        <p:strVal val="visible"/>
+                                      </p:to>
+                                    </p:set>
+                                    <p:animEffect transition="in" filter="fade">
+                                      <p:cBhvr>
+                                        <p:cTn id="104" dur="500"/>
+                                        <p:tgtEl>
+                                          <p:spTgt spid="5">
+                                            <p:txEl>
+                                              <p:pRg st="7" end="7"/>
+                                            </p:txEl>
+                                          </p:spTgt>
+                                        </p:tgtEl>
+                                      </p:cBhvr>
+                                    </p:animEffect>
+                                  </p:childTnLst>
+                                </p:cTn>
+                              </p:par>
+                              <p:par>
+                                <p:cTn id="105" presetID="10" presetClass="entr" presetSubtype="0" fill="hold" nodeType="withEffect">
+                                  <p:stCondLst>
+                                    <p:cond delay="0"/>
+                                  </p:stCondLst>
+                                  <p:childTnLst>
+                                    <p:set>
+                                      <p:cBhvr>
+                                        <p:cTn id="106" dur="1" fill="hold">
+                                          <p:stCondLst>
+                                            <p:cond delay="0"/>
+                                          </p:stCondLst>
+                                        </p:cTn>
+                                        <p:tgtEl>
+                                          <p:spTgt spid="5">
+                                            <p:txEl>
+                                              <p:pRg st="8" end="8"/>
+                                            </p:txEl>
+                                          </p:spTgt>
+                                        </p:tgtEl>
+                                        <p:attrNameLst>
+                                          <p:attrName>style.visibility</p:attrName>
+                                        </p:attrNameLst>
+                                      </p:cBhvr>
+                                      <p:to>
+                                        <p:strVal val="visible"/>
+                                      </p:to>
+                                    </p:set>
+                                    <p:animEffect transition="in" filter="fade">
+                                      <p:cBhvr>
+                                        <p:cTn id="107" dur="500"/>
+                                        <p:tgtEl>
+                                          <p:spTgt spid="5">
+                                            <p:txEl>
+                                              <p:pRg st="8" end="8"/>
+                                            </p:txEl>
+                                          </p:spTgt>
+                                        </p:tgtEl>
+                                      </p:cBhvr>
+                                    </p:animEffect>
+                                  </p:childTnLst>
+                                </p:cTn>
+                              </p:par>
+                              <p:par>
+                                <p:cTn id="108" presetID="10" presetClass="entr" presetSubtype="0" fill="hold" nodeType="withEffect">
+                                  <p:stCondLst>
+                                    <p:cond delay="0"/>
+                                  </p:stCondLst>
+                                  <p:childTnLst>
+                                    <p:set>
+                                      <p:cBhvr>
+                                        <p:cTn id="109" dur="1" fill="hold">
+                                          <p:stCondLst>
+                                            <p:cond delay="0"/>
+                                          </p:stCondLst>
+                                        </p:cTn>
+                                        <p:tgtEl>
+                                          <p:spTgt spid="5">
+                                            <p:txEl>
+                                              <p:pRg st="9" end="9"/>
+                                            </p:txEl>
+                                          </p:spTgt>
+                                        </p:tgtEl>
+                                        <p:attrNameLst>
+                                          <p:attrName>style.visibility</p:attrName>
+                                        </p:attrNameLst>
+                                      </p:cBhvr>
+                                      <p:to>
+                                        <p:strVal val="visible"/>
+                                      </p:to>
+                                    </p:set>
+                                    <p:animEffect transition="in" filter="fade">
+                                      <p:cBhvr>
+                                        <p:cTn id="110" dur="500"/>
+                                        <p:tgtEl>
+                                          <p:spTgt spid="5">
+                                            <p:txEl>
+                                              <p:pRg st="9" end="9"/>
+                                            </p:txEl>
+                                          </p:spTgt>
+                                        </p:tgtEl>
+                                      </p:cBhvr>
+                                    </p:animEffect>
+                                  </p:childTnLst>
+                                </p:cTn>
+                              </p:par>
+                              <p:par>
+                                <p:cTn id="111" presetID="10" presetClass="entr" presetSubtype="0" fill="hold" nodeType="withEffect">
+                                  <p:stCondLst>
+                                    <p:cond delay="0"/>
+                                  </p:stCondLst>
+                                  <p:childTnLst>
+                                    <p:set>
+                                      <p:cBhvr>
+                                        <p:cTn id="112" dur="1" fill="hold">
+                                          <p:stCondLst>
+                                            <p:cond delay="0"/>
+                                          </p:stCondLst>
+                                        </p:cTn>
+                                        <p:tgtEl>
+                                          <p:spTgt spid="5">
+                                            <p:txEl>
+                                              <p:pRg st="10" end="10"/>
+                                            </p:txEl>
+                                          </p:spTgt>
+                                        </p:tgtEl>
+                                        <p:attrNameLst>
+                                          <p:attrName>style.visibility</p:attrName>
+                                        </p:attrNameLst>
+                                      </p:cBhvr>
+                                      <p:to>
+                                        <p:strVal val="visible"/>
+                                      </p:to>
+                                    </p:set>
+                                    <p:animEffect transition="in" filter="fade">
+                                      <p:cBhvr>
+                                        <p:cTn id="113" dur="500"/>
+                                        <p:tgtEl>
+                                          <p:spTgt spid="5">
+                                            <p:txEl>
+                                              <p:pRg st="10" end="10"/>
+                                            </p:txEl>
+                                          </p:spTgt>
+                                        </p:tgtEl>
+                                      </p:cBhvr>
+                                    </p:animEffect>
+                                  </p:childTnLst>
+                                </p:cTn>
+                              </p:par>
+                              <p:par>
+                                <p:cTn id="114" presetID="10" presetClass="entr" presetSubtype="0" fill="hold" nodeType="withEffect">
+                                  <p:stCondLst>
+                                    <p:cond delay="0"/>
+                                  </p:stCondLst>
+                                  <p:childTnLst>
+                                    <p:set>
+                                      <p:cBhvr>
+                                        <p:cTn id="115" dur="1" fill="hold">
+                                          <p:stCondLst>
+                                            <p:cond delay="0"/>
+                                          </p:stCondLst>
+                                        </p:cTn>
+                                        <p:tgtEl>
+                                          <p:spTgt spid="5">
+                                            <p:txEl>
+                                              <p:pRg st="11" end="11"/>
+                                            </p:txEl>
+                                          </p:spTgt>
+                                        </p:tgtEl>
+                                        <p:attrNameLst>
+                                          <p:attrName>style.visibility</p:attrName>
+                                        </p:attrNameLst>
+                                      </p:cBhvr>
+                                      <p:to>
+                                        <p:strVal val="visible"/>
+                                      </p:to>
+                                    </p:set>
+                                    <p:animEffect transition="in" filter="fade">
+                                      <p:cBhvr>
+                                        <p:cTn id="116" dur="500"/>
+                                        <p:tgtEl>
+                                          <p:spTgt spid="5">
+                                            <p:txEl>
+                                              <p:pRg st="11" end="11"/>
+                                            </p:txEl>
+                                          </p:spTgt>
+                                        </p:tgtEl>
+                                      </p:cBhvr>
+                                    </p:animEffect>
+                                  </p:childTnLst>
+                                </p:cTn>
+                              </p:par>
+                              <p:par>
+                                <p:cTn id="117" presetID="10" presetClass="entr" presetSubtype="0" fill="hold" nodeType="withEffect">
+                                  <p:stCondLst>
+                                    <p:cond delay="0"/>
+                                  </p:stCondLst>
+                                  <p:childTnLst>
+                                    <p:set>
+                                      <p:cBhvr>
+                                        <p:cTn id="118" dur="1" fill="hold">
+                                          <p:stCondLst>
+                                            <p:cond delay="0"/>
+                                          </p:stCondLst>
+                                        </p:cTn>
+                                        <p:tgtEl>
+                                          <p:spTgt spid="5">
+                                            <p:txEl>
+                                              <p:pRg st="13" end="13"/>
+                                            </p:txEl>
+                                          </p:spTgt>
+                                        </p:tgtEl>
+                                        <p:attrNameLst>
+                                          <p:attrName>style.visibility</p:attrName>
+                                        </p:attrNameLst>
+                                      </p:cBhvr>
+                                      <p:to>
+                                        <p:strVal val="visible"/>
+                                      </p:to>
+                                    </p:set>
+                                    <p:animEffect transition="in" filter="fade">
+                                      <p:cBhvr>
+                                        <p:cTn id="119" dur="500"/>
+                                        <p:tgtEl>
+                                          <p:spTgt spid="5">
+                                            <p:txEl>
+                                              <p:pRg st="13" end="13"/>
+                                            </p:txEl>
+                                          </p:spTgt>
+                                        </p:tgtEl>
+                                      </p:cBhvr>
+                                    </p:animEffect>
+                                  </p:childTnLst>
+                                </p:cTn>
+                              </p:par>
+                              <p:par>
+                                <p:cTn id="120" presetID="10" presetClass="entr" presetSubtype="0" fill="hold" nodeType="withEffect">
+                                  <p:stCondLst>
+                                    <p:cond delay="0"/>
+                                  </p:stCondLst>
+                                  <p:childTnLst>
+                                    <p:set>
+                                      <p:cBhvr>
+                                        <p:cTn id="121" dur="1" fill="hold">
+                                          <p:stCondLst>
+                                            <p:cond delay="0"/>
+                                          </p:stCondLst>
+                                        </p:cTn>
+                                        <p:tgtEl>
+                                          <p:spTgt spid="5">
+                                            <p:txEl>
+                                              <p:pRg st="14" end="14"/>
+                                            </p:txEl>
+                                          </p:spTgt>
+                                        </p:tgtEl>
+                                        <p:attrNameLst>
+                                          <p:attrName>style.visibility</p:attrName>
+                                        </p:attrNameLst>
+                                      </p:cBhvr>
+                                      <p:to>
+                                        <p:strVal val="visible"/>
+                                      </p:to>
+                                    </p:set>
+                                    <p:animEffect transition="in" filter="fade">
+                                      <p:cBhvr>
+                                        <p:cTn id="122" dur="500"/>
+                                        <p:tgtEl>
+                                          <p:spTgt spid="5">
+                                            <p:txEl>
+                                              <p:pRg st="14" end="14"/>
+                                            </p:txEl>
+                                          </p:spTgt>
+                                        </p:tgtEl>
+                                      </p:cBhvr>
+                                    </p:animEffect>
+                                  </p:childTnLst>
+                                </p:cTn>
+                              </p:par>
+                              <p:par>
+                                <p:cTn id="123" presetID="10" presetClass="entr" presetSubtype="0" fill="hold" nodeType="withEffect">
+                                  <p:stCondLst>
+                                    <p:cond delay="0"/>
+                                  </p:stCondLst>
+                                  <p:childTnLst>
+                                    <p:set>
+                                      <p:cBhvr>
+                                        <p:cTn id="124" dur="1" fill="hold">
+                                          <p:stCondLst>
+                                            <p:cond delay="0"/>
+                                          </p:stCondLst>
+                                        </p:cTn>
+                                        <p:tgtEl>
+                                          <p:spTgt spid="5">
+                                            <p:txEl>
+                                              <p:pRg st="15" end="15"/>
+                                            </p:txEl>
+                                          </p:spTgt>
+                                        </p:tgtEl>
+                                        <p:attrNameLst>
+                                          <p:attrName>style.visibility</p:attrName>
+                                        </p:attrNameLst>
+                                      </p:cBhvr>
+                                      <p:to>
+                                        <p:strVal val="visible"/>
+                                      </p:to>
+                                    </p:set>
+                                    <p:animEffect transition="in" filter="fade">
+                                      <p:cBhvr>
+                                        <p:cTn id="125" dur="500"/>
+                                        <p:tgtEl>
+                                          <p:spTgt spid="5">
+                                            <p:txEl>
+                                              <p:pRg st="15" end="15"/>
+                                            </p:txEl>
+                                          </p:spTgt>
+                                        </p:tgtEl>
+                                      </p:cBhvr>
+                                    </p:animEffect>
+                                  </p:childTnLst>
+                                </p:cTn>
+                              </p:par>
+                              <p:par>
+                                <p:cTn id="126" presetID="10" presetClass="entr" presetSubtype="0" fill="hold" nodeType="withEffect">
+                                  <p:stCondLst>
+                                    <p:cond delay="0"/>
+                                  </p:stCondLst>
+                                  <p:childTnLst>
+                                    <p:set>
+                                      <p:cBhvr>
+                                        <p:cTn id="127" dur="1" fill="hold">
+                                          <p:stCondLst>
+                                            <p:cond delay="0"/>
+                                          </p:stCondLst>
+                                        </p:cTn>
+                                        <p:tgtEl>
+                                          <p:spTgt spid="5">
+                                            <p:txEl>
+                                              <p:pRg st="16" end="16"/>
+                                            </p:txEl>
+                                          </p:spTgt>
+                                        </p:tgtEl>
+                                        <p:attrNameLst>
+                                          <p:attrName>style.visibility</p:attrName>
+                                        </p:attrNameLst>
+                                      </p:cBhvr>
+                                      <p:to>
+                                        <p:strVal val="visible"/>
+                                      </p:to>
+                                    </p:set>
+                                    <p:animEffect transition="in" filter="fade">
+                                      <p:cBhvr>
+                                        <p:cTn id="128" dur="500"/>
+                                        <p:tgtEl>
+                                          <p:spTgt spid="5">
+                                            <p:txEl>
+                                              <p:pRg st="16" end="16"/>
+                                            </p:txEl>
+                                          </p:spTgt>
+                                        </p:tgtEl>
+                                      </p:cBhvr>
+                                    </p:animEffect>
+                                  </p:childTnLst>
+                                </p:cTn>
+                              </p:par>
+                              <p:par>
+                                <p:cTn id="129" presetID="10" presetClass="entr" presetSubtype="0" fill="hold" nodeType="withEffect">
+                                  <p:stCondLst>
+                                    <p:cond delay="0"/>
+                                  </p:stCondLst>
+                                  <p:childTnLst>
+                                    <p:set>
+                                      <p:cBhvr>
+                                        <p:cTn id="130" dur="1" fill="hold">
+                                          <p:stCondLst>
+                                            <p:cond delay="0"/>
+                                          </p:stCondLst>
+                                        </p:cTn>
+                                        <p:tgtEl>
+                                          <p:spTgt spid="5">
+                                            <p:txEl>
+                                              <p:pRg st="17" end="17"/>
+                                            </p:txEl>
+                                          </p:spTgt>
+                                        </p:tgtEl>
+                                        <p:attrNameLst>
+                                          <p:attrName>style.visibility</p:attrName>
+                                        </p:attrNameLst>
+                                      </p:cBhvr>
+                                      <p:to>
+                                        <p:strVal val="visible"/>
+                                      </p:to>
+                                    </p:set>
+                                    <p:animEffect transition="in" filter="fade">
+                                      <p:cBhvr>
+                                        <p:cTn id="131" dur="500"/>
+                                        <p:tgtEl>
+                                          <p:spTgt spid="5">
+                                            <p:txEl>
+                                              <p:pRg st="17" end="17"/>
+                                            </p:txEl>
+                                          </p:spTgt>
+                                        </p:tgtEl>
+                                      </p:cBhvr>
+                                    </p:animEffect>
+                                  </p:childTnLst>
+                                </p:cTn>
+                              </p:par>
+                              <p:par>
+                                <p:cTn id="132" presetID="10" presetClass="entr" presetSubtype="0" fill="hold" nodeType="withEffect">
+                                  <p:stCondLst>
+                                    <p:cond delay="0"/>
+                                  </p:stCondLst>
+                                  <p:childTnLst>
+                                    <p:set>
+                                      <p:cBhvr>
+                                        <p:cTn id="133" dur="1" fill="hold">
+                                          <p:stCondLst>
+                                            <p:cond delay="0"/>
+                                          </p:stCondLst>
+                                        </p:cTn>
+                                        <p:tgtEl>
+                                          <p:spTgt spid="5">
+                                            <p:txEl>
+                                              <p:pRg st="18" end="18"/>
+                                            </p:txEl>
+                                          </p:spTgt>
+                                        </p:tgtEl>
+                                        <p:attrNameLst>
+                                          <p:attrName>style.visibility</p:attrName>
+                                        </p:attrNameLst>
+                                      </p:cBhvr>
+                                      <p:to>
+                                        <p:strVal val="visible"/>
+                                      </p:to>
+                                    </p:set>
+                                    <p:animEffect transition="in" filter="fade">
+                                      <p:cBhvr>
+                                        <p:cTn id="134" dur="500"/>
+                                        <p:tgtEl>
+                                          <p:spTgt spid="5">
+                                            <p:txEl>
+                                              <p:pRg st="18" end="18"/>
+                                            </p:txEl>
+                                          </p:spTgt>
+                                        </p:tgtEl>
+                                      </p:cBhvr>
+                                    </p:animEffect>
+                                  </p:childTnLst>
+                                </p:cTn>
+                              </p:par>
+                              <p:par>
+                                <p:cTn id="135" presetID="10" presetClass="entr" presetSubtype="0" fill="hold" nodeType="withEffect">
+                                  <p:stCondLst>
+                                    <p:cond delay="0"/>
+                                  </p:stCondLst>
+                                  <p:childTnLst>
+                                    <p:set>
+                                      <p:cBhvr>
+                                        <p:cTn id="136" dur="1" fill="hold">
+                                          <p:stCondLst>
+                                            <p:cond delay="0"/>
+                                          </p:stCondLst>
+                                        </p:cTn>
+                                        <p:tgtEl>
+                                          <p:spTgt spid="5">
+                                            <p:txEl>
+                                              <p:pRg st="19" end="19"/>
+                                            </p:txEl>
+                                          </p:spTgt>
+                                        </p:tgtEl>
+                                        <p:attrNameLst>
+                                          <p:attrName>style.visibility</p:attrName>
+                                        </p:attrNameLst>
+                                      </p:cBhvr>
+                                      <p:to>
+                                        <p:strVal val="visible"/>
+                                      </p:to>
+                                    </p:set>
+                                    <p:animEffect transition="in" filter="fade">
+                                      <p:cBhvr>
+                                        <p:cTn id="137" dur="500"/>
+                                        <p:tgtEl>
+                                          <p:spTgt spid="5">
+                                            <p:txEl>
+                                              <p:pRg st="19" end="19"/>
+                                            </p:txEl>
+                                          </p:spTgt>
+                                        </p:tgtEl>
+                                      </p:cBhvr>
+                                    </p:animEffect>
+                                  </p:childTnLst>
+                                </p:cTn>
+                              </p:par>
+                            </p:childTnLst>
+                          </p:cTn>
+                        </p:par>
+                      </p:childTnLst>
+                    </p:cTn>
+                  </p:par>
+                </p:childTnLst>
+              </p:cTn>
+              <p:prevCondLst>
+                <p:cond evt="onPrev" delay="0">
+                  <p:tgtEl>
+                    <p:sldTgt/>
+                  </p:tgtEl>
+                </p:cond>
+              </p:prevCondLst>
+              <p:nextCondLst>
+                <p:cond evt="onNext" delay="0">
+                  <p:tgtEl>
+                    <p:sldTgt/>
+                  </p:tgtEl>
+                </p:cond>
+              </p:nextCondLst>
+            </p:seq>
+          </p:childTnLst>
+        </p:cTn>
       </p:par>
     </p:tnLst>
   </p:timing>

--- a/lectures/15.builder/builder.pptx
+++ b/lectures/15.builder/builder.pptx
@@ -4417,7 +4417,7 @@
             <a:fld id="{2BA51D53-1D63-4A9F-8701-A073A0EC8030}" type="slidenum">
               <a:rPr lang="ru-RU" smtClean="0"/>
               <a:pPr/>
-              <a:t>11</a:t>
+              <a:t>10</a:t>
             </a:fld>
             <a:endParaRPr lang="ru-RU"/>
           </a:p>
@@ -4426,7 +4426,7 @@
     </p:spTree>
     <p:extLst>
       <p:ext uri="{BB962C8B-B14F-4D97-AF65-F5344CB8AC3E}">
-        <p14:creationId xmlns:p14="http://schemas.microsoft.com/office/powerpoint/2010/main" val="2370360391"/>
+        <p14:creationId xmlns:p14="http://schemas.microsoft.com/office/powerpoint/2010/main" val="2616179177"/>
       </p:ext>
     </p:extLst>
   </p:cSld>
@@ -4504,7 +4504,7 @@
             <a:fld id="{2BA51D53-1D63-4A9F-8701-A073A0EC8030}" type="slidenum">
               <a:rPr lang="ru-RU" smtClean="0"/>
               <a:pPr/>
-              <a:t>12</a:t>
+              <a:t>11</a:t>
             </a:fld>
             <a:endParaRPr lang="ru-RU"/>
           </a:p>
@@ -4513,7 +4513,7 @@
     </p:spTree>
     <p:extLst>
       <p:ext uri="{BB962C8B-B14F-4D97-AF65-F5344CB8AC3E}">
-        <p14:creationId xmlns:p14="http://schemas.microsoft.com/office/powerpoint/2010/main" val="1889820997"/>
+        <p14:creationId xmlns:p14="http://schemas.microsoft.com/office/powerpoint/2010/main" val="2370360391"/>
       </p:ext>
     </p:extLst>
   </p:cSld>
@@ -4523,7 +4523,7 @@
 </p:notes>
 </file>
 
-<file path=ppt/notesSlides/notesSlide2.xml><?xml version="1.0" encoding="utf-8"?>
+<file path=ppt/notesSlides/notesSlide12.xml><?xml version="1.0" encoding="utf-8"?>
 <p:notes xmlns:a="http://schemas.openxmlformats.org/drawingml/2006/main" xmlns:r="http://schemas.openxmlformats.org/officeDocument/2006/relationships" xmlns:p="http://schemas.openxmlformats.org/presentationml/2006/main">
   <p:cSld>
     <p:spTree>
@@ -4591,7 +4591,7 @@
             <a:fld id="{2BA51D53-1D63-4A9F-8701-A073A0EC8030}" type="slidenum">
               <a:rPr lang="ru-RU" smtClean="0"/>
               <a:pPr/>
-              <a:t>3</a:t>
+              <a:t>12</a:t>
             </a:fld>
             <a:endParaRPr lang="ru-RU"/>
           </a:p>
@@ -4600,7 +4600,175 @@
     </p:spTree>
     <p:extLst>
       <p:ext uri="{BB962C8B-B14F-4D97-AF65-F5344CB8AC3E}">
-        <p14:creationId xmlns:p14="http://schemas.microsoft.com/office/powerpoint/2010/main" val="1840291235"/>
+        <p14:creationId xmlns:p14="http://schemas.microsoft.com/office/powerpoint/2010/main" val="1889820997"/>
+      </p:ext>
+    </p:extLst>
+  </p:cSld>
+  <p:clrMapOvr>
+    <a:masterClrMapping/>
+  </p:clrMapOvr>
+</p:notes>
+</file>
+
+<file path=ppt/notesSlides/notesSlide13.xml><?xml version="1.0" encoding="utf-8"?>
+<p:notes xmlns:a="http://schemas.openxmlformats.org/drawingml/2006/main" xmlns:r="http://schemas.openxmlformats.org/officeDocument/2006/relationships" xmlns:p="http://schemas.openxmlformats.org/presentationml/2006/main">
+  <p:cSld>
+    <p:spTree>
+      <p:nvGrpSpPr>
+        <p:cNvPr id="1" name=""/>
+        <p:cNvGrpSpPr/>
+        <p:nvPr/>
+      </p:nvGrpSpPr>
+      <p:grpSpPr>
+        <a:xfrm>
+          <a:off x="0" y="0"/>
+          <a:ext cx="0" cy="0"/>
+          <a:chOff x="0" y="0"/>
+          <a:chExt cx="0" cy="0"/>
+        </a:xfrm>
+      </p:grpSpPr>
+      <p:sp>
+        <p:nvSpPr>
+          <p:cNvPr id="2" name="Slide Image Placeholder 1"/>
+          <p:cNvSpPr>
+            <a:spLocks noGrp="1" noRot="1" noChangeAspect="1"/>
+          </p:cNvSpPr>
+          <p:nvPr>
+            <p:ph type="sldImg"/>
+          </p:nvPr>
+        </p:nvSpPr>
+        <p:spPr/>
+      </p:sp>
+      <p:sp>
+        <p:nvSpPr>
+          <p:cNvPr id="3" name="Notes Placeholder 2"/>
+          <p:cNvSpPr>
+            <a:spLocks noGrp="1"/>
+          </p:cNvSpPr>
+          <p:nvPr>
+            <p:ph type="body" idx="1"/>
+          </p:nvPr>
+        </p:nvSpPr>
+        <p:spPr/>
+        <p:txBody>
+          <a:bodyPr/>
+          <a:lstStyle/>
+          <a:p>
+            <a:endParaRPr lang="ru-RU"/>
+          </a:p>
+        </p:txBody>
+      </p:sp>
+      <p:sp>
+        <p:nvSpPr>
+          <p:cNvPr id="4" name="Slide Number Placeholder 3"/>
+          <p:cNvSpPr>
+            <a:spLocks noGrp="1"/>
+          </p:cNvSpPr>
+          <p:nvPr>
+            <p:ph type="sldNum" sz="quarter" idx="10"/>
+          </p:nvPr>
+        </p:nvSpPr>
+        <p:spPr/>
+        <p:txBody>
+          <a:bodyPr/>
+          <a:lstStyle/>
+          <a:p>
+            <a:fld id="{C72A1285-F988-4153-B7C5-B887A867730D}" type="slidenum">
+              <a:rPr lang="ru-RU" smtClean="0"/>
+              <a:t>13</a:t>
+            </a:fld>
+            <a:endParaRPr lang="ru-RU"/>
+          </a:p>
+        </p:txBody>
+      </p:sp>
+    </p:spTree>
+    <p:extLst>
+      <p:ext uri="{BB962C8B-B14F-4D97-AF65-F5344CB8AC3E}">
+        <p14:creationId xmlns:p14="http://schemas.microsoft.com/office/powerpoint/2010/main" val="3578103086"/>
+      </p:ext>
+    </p:extLst>
+  </p:cSld>
+  <p:clrMapOvr>
+    <a:masterClrMapping/>
+  </p:clrMapOvr>
+</p:notes>
+</file>
+
+<file path=ppt/notesSlides/notesSlide2.xml><?xml version="1.0" encoding="utf-8"?>
+<p:notes xmlns:a="http://schemas.openxmlformats.org/drawingml/2006/main" xmlns:r="http://schemas.openxmlformats.org/officeDocument/2006/relationships" xmlns:p="http://schemas.openxmlformats.org/presentationml/2006/main">
+  <p:cSld>
+    <p:spTree>
+      <p:nvGrpSpPr>
+        <p:cNvPr id="1" name=""/>
+        <p:cNvGrpSpPr/>
+        <p:nvPr/>
+      </p:nvGrpSpPr>
+      <p:grpSpPr>
+        <a:xfrm>
+          <a:off x="0" y="0"/>
+          <a:ext cx="0" cy="0"/>
+          <a:chOff x="0" y="0"/>
+          <a:chExt cx="0" cy="0"/>
+        </a:xfrm>
+      </p:grpSpPr>
+      <p:sp>
+        <p:nvSpPr>
+          <p:cNvPr id="2" name="Slide Image Placeholder 1"/>
+          <p:cNvSpPr>
+            <a:spLocks noGrp="1" noRot="1" noChangeAspect="1"/>
+          </p:cNvSpPr>
+          <p:nvPr>
+            <p:ph type="sldImg"/>
+          </p:nvPr>
+        </p:nvSpPr>
+        <p:spPr/>
+      </p:sp>
+      <p:sp>
+        <p:nvSpPr>
+          <p:cNvPr id="3" name="Notes Placeholder 2"/>
+          <p:cNvSpPr>
+            <a:spLocks noGrp="1"/>
+          </p:cNvSpPr>
+          <p:nvPr>
+            <p:ph type="body" idx="1"/>
+          </p:nvPr>
+        </p:nvSpPr>
+        <p:spPr/>
+        <p:txBody>
+          <a:bodyPr/>
+          <a:lstStyle/>
+          <a:p>
+            <a:endParaRPr lang="ru-RU"/>
+          </a:p>
+        </p:txBody>
+      </p:sp>
+      <p:sp>
+        <p:nvSpPr>
+          <p:cNvPr id="4" name="Slide Number Placeholder 3"/>
+          <p:cNvSpPr>
+            <a:spLocks noGrp="1"/>
+          </p:cNvSpPr>
+          <p:nvPr>
+            <p:ph type="sldNum" sz="quarter" idx="10"/>
+          </p:nvPr>
+        </p:nvSpPr>
+        <p:spPr/>
+        <p:txBody>
+          <a:bodyPr/>
+          <a:lstStyle/>
+          <a:p>
+            <a:fld id="{C72A1285-F988-4153-B7C5-B887A867730D}" type="slidenum">
+              <a:rPr lang="ru-RU" smtClean="0"/>
+              <a:t>2</a:t>
+            </a:fld>
+            <a:endParaRPr lang="ru-RU"/>
+          </a:p>
+        </p:txBody>
+      </p:sp>
+    </p:spTree>
+    <p:extLst>
+      <p:ext uri="{BB962C8B-B14F-4D97-AF65-F5344CB8AC3E}">
+        <p14:creationId xmlns:p14="http://schemas.microsoft.com/office/powerpoint/2010/main" val="3200419292"/>
       </p:ext>
     </p:extLst>
   </p:cSld>
@@ -4678,7 +4846,7 @@
             <a:fld id="{2BA51D53-1D63-4A9F-8701-A073A0EC8030}" type="slidenum">
               <a:rPr lang="ru-RU" smtClean="0"/>
               <a:pPr/>
-              <a:t>4</a:t>
+              <a:t>3</a:t>
             </a:fld>
             <a:endParaRPr lang="ru-RU"/>
           </a:p>
@@ -4687,7 +4855,7 @@
     </p:spTree>
     <p:extLst>
       <p:ext uri="{BB962C8B-B14F-4D97-AF65-F5344CB8AC3E}">
-        <p14:creationId xmlns:p14="http://schemas.microsoft.com/office/powerpoint/2010/main" val="405518726"/>
+        <p14:creationId xmlns:p14="http://schemas.microsoft.com/office/powerpoint/2010/main" val="1840291235"/>
       </p:ext>
     </p:extLst>
   </p:cSld>
@@ -4765,7 +4933,7 @@
             <a:fld id="{2BA51D53-1D63-4A9F-8701-A073A0EC8030}" type="slidenum">
               <a:rPr lang="ru-RU" smtClean="0"/>
               <a:pPr/>
-              <a:t>5</a:t>
+              <a:t>4</a:t>
             </a:fld>
             <a:endParaRPr lang="ru-RU"/>
           </a:p>
@@ -4774,7 +4942,7 @@
     </p:spTree>
     <p:extLst>
       <p:ext uri="{BB962C8B-B14F-4D97-AF65-F5344CB8AC3E}">
-        <p14:creationId xmlns:p14="http://schemas.microsoft.com/office/powerpoint/2010/main" val="1789730035"/>
+        <p14:creationId xmlns:p14="http://schemas.microsoft.com/office/powerpoint/2010/main" val="405518726"/>
       </p:ext>
     </p:extLst>
   </p:cSld>
@@ -4852,7 +5020,7 @@
             <a:fld id="{2BA51D53-1D63-4A9F-8701-A073A0EC8030}" type="slidenum">
               <a:rPr lang="ru-RU" smtClean="0"/>
               <a:pPr/>
-              <a:t>6</a:t>
+              <a:t>5</a:t>
             </a:fld>
             <a:endParaRPr lang="ru-RU"/>
           </a:p>
@@ -4861,7 +5029,7 @@
     </p:spTree>
     <p:extLst>
       <p:ext uri="{BB962C8B-B14F-4D97-AF65-F5344CB8AC3E}">
-        <p14:creationId xmlns:p14="http://schemas.microsoft.com/office/powerpoint/2010/main" val="279611821"/>
+        <p14:creationId xmlns:p14="http://schemas.microsoft.com/office/powerpoint/2010/main" val="1789730035"/>
       </p:ext>
     </p:extLst>
   </p:cSld>
@@ -4939,7 +5107,7 @@
             <a:fld id="{2BA51D53-1D63-4A9F-8701-A073A0EC8030}" type="slidenum">
               <a:rPr lang="ru-RU" smtClean="0"/>
               <a:pPr/>
-              <a:t>7</a:t>
+              <a:t>6</a:t>
             </a:fld>
             <a:endParaRPr lang="ru-RU"/>
           </a:p>
@@ -4948,7 +5116,7 @@
     </p:spTree>
     <p:extLst>
       <p:ext uri="{BB962C8B-B14F-4D97-AF65-F5344CB8AC3E}">
-        <p14:creationId xmlns:p14="http://schemas.microsoft.com/office/powerpoint/2010/main" val="609276227"/>
+        <p14:creationId xmlns:p14="http://schemas.microsoft.com/office/powerpoint/2010/main" val="279611821"/>
       </p:ext>
     </p:extLst>
   </p:cSld>
@@ -5026,7 +5194,7 @@
             <a:fld id="{2BA51D53-1D63-4A9F-8701-A073A0EC8030}" type="slidenum">
               <a:rPr lang="ru-RU" smtClean="0"/>
               <a:pPr/>
-              <a:t>8</a:t>
+              <a:t>7</a:t>
             </a:fld>
             <a:endParaRPr lang="ru-RU"/>
           </a:p>
@@ -5035,7 +5203,7 @@
     </p:spTree>
     <p:extLst>
       <p:ext uri="{BB962C8B-B14F-4D97-AF65-F5344CB8AC3E}">
-        <p14:creationId xmlns:p14="http://schemas.microsoft.com/office/powerpoint/2010/main" val="3840459151"/>
+        <p14:creationId xmlns:p14="http://schemas.microsoft.com/office/powerpoint/2010/main" val="609276227"/>
       </p:ext>
     </p:extLst>
   </p:cSld>
@@ -5113,7 +5281,7 @@
             <a:fld id="{2BA51D53-1D63-4A9F-8701-A073A0EC8030}" type="slidenum">
               <a:rPr lang="ru-RU" smtClean="0"/>
               <a:pPr/>
-              <a:t>9</a:t>
+              <a:t>8</a:t>
             </a:fld>
             <a:endParaRPr lang="ru-RU"/>
           </a:p>
@@ -5122,7 +5290,7 @@
     </p:spTree>
     <p:extLst>
       <p:ext uri="{BB962C8B-B14F-4D97-AF65-F5344CB8AC3E}">
-        <p14:creationId xmlns:p14="http://schemas.microsoft.com/office/powerpoint/2010/main" val="796266516"/>
+        <p14:creationId xmlns:p14="http://schemas.microsoft.com/office/powerpoint/2010/main" val="3840459151"/>
       </p:ext>
     </p:extLst>
   </p:cSld>
@@ -5200,7 +5368,7 @@
             <a:fld id="{2BA51D53-1D63-4A9F-8701-A073A0EC8030}" type="slidenum">
               <a:rPr lang="ru-RU" smtClean="0"/>
               <a:pPr/>
-              <a:t>10</a:t>
+              <a:t>9</a:t>
             </a:fld>
             <a:endParaRPr lang="ru-RU"/>
           </a:p>
@@ -5209,7 +5377,7 @@
     </p:spTree>
     <p:extLst>
       <p:ext uri="{BB962C8B-B14F-4D97-AF65-F5344CB8AC3E}">
-        <p14:creationId xmlns:p14="http://schemas.microsoft.com/office/powerpoint/2010/main" val="2616179177"/>
+        <p14:creationId xmlns:p14="http://schemas.microsoft.com/office/powerpoint/2010/main" val="796266516"/>
       </p:ext>
     </p:extLst>
   </p:cSld>
@@ -15013,6 +15181,11 @@
           </p:cNvGraphicFramePr>
           <p:nvPr>
             <p:ph idx="1"/>
+            <p:extLst>
+              <p:ext uri="{D42A27DB-BD31-4B8C-83A1-F6EECF244321}">
+                <p14:modId xmlns:p14="http://schemas.microsoft.com/office/powerpoint/2010/main" val="3086345045"/>
+              </p:ext>
+            </p:extLst>
           </p:nvPr>
         </p:nvGraphicFramePr>
         <p:xfrm>
@@ -18063,6 +18236,20 @@
   <p:tag name="ISPRING_UUID" val="{77CEB02E-0205-4D42-AC68-BCD00A9879B0}"/>
   <p:tag name="ISPRING_RESOURCE_PATHS_HASH_PRESENTER" val="813a237fe57c449da5f0a53f5431dc9b56935deb"/>
   <p:tag name="ISPRING_RESOURCE_PATHS_HASH_2" val="13ceb3b2f9487599852356fe644c3bee1980cd3a"/>
+  <p:tag name="ISPRING_LMS_API_VERSION" val="Experience API"/>
+  <p:tag name="ISPRING_ULTRA_SCORM_COURSE_ID" val="6E2DEFE8-6CCA-4EB9-AFDE-404E1F25808F"/>
+  <p:tag name="ISPRING_CMI5_LAUNCH_METHOD" val="any window"/>
+  <p:tag name="ISPRING_SCORM_ENDPOINT" val="&lt;endpoint&gt;&lt;enable&gt;0&lt;/enable&gt;&lt;lrs&gt;http://&lt;/lrs&gt;&lt;auth&gt;0&lt;/auth&gt;&lt;login&gt;&lt;/login&gt;&lt;password&gt;&lt;/password&gt;&lt;key&gt;&lt;/key&gt;&lt;name&gt;&lt;/name&gt;&lt;email&gt;&lt;/email&gt;&lt;/endpoint&gt;&#10;"/>
+  <p:tag name="ISPRINGCLOUDFOLDERID" val="0"/>
+  <p:tag name="ISPRINGONLINEFOLDERID" val="0"/>
+  <p:tag name="ISPRING_OUTPUT_FOLDER" val="[[&quot;ӹ\uFFFD\uFFFD{040CDB75-1F2E-450F-8275-E9D5176AD77C}&quot;,&quot;C:\\teaching\\ood\\ood\\lectures\\15.builder&quot;]]"/>
+  <p:tag name="ISPRING_PUBLISH_SETTINGS" val="{&quot;commonSettings&quot;:{&quot;webSettings&quot;:{&quot;useMobileViewer&quot;:&quot;T_FALSE&quot;},&quot;lmsSettings&quot;:{&quot;useMobileViewer&quot;:&quot;T_FALSE&quot;},&quot;cloudSettings&quot;:{&quot;useMobileViewer&quot;:&quot;T_FALSE&quot;},&quot;ispringLmsSettings&quot;:{&quot;useMobileViewer&quot;:&quot;T_FALSE&quot;},&quot;playerId&quot;:&quot;universal&quot;},&quot;advancedSettings&quot;:{&quot;enableTextAllocation&quot;:&quot;T_TRUE&quot;,&quot;viewingFromLocalDrive&quot;:&quot;T_TRUE&quot;,&quot;contentScale&quot;:75,&quot;contentScaleMode&quot;:&quot;SCALE&quot;},&quot;compressionSettings&quot;:{&quot;imageSettings&quot;:{&quot;jpegQuality&quot;:70,&quot;optimizeImageForResolution&quot;:&quot;T_FALSE&quot;},&quot;audioQuality&quot;:70,&quot;videoQuality&quot;:65},&quot;protectionSettings&quot;:{&quot;watermarkEnabled&quot;:&quot;T_FALSE&quot;,&quot;watermarkPosition&quot;:&quot;MIDDLE_CENTER&quot;,&quot;openWatermarkUrl&quot;:&quot;T_FALSE&quot;,&quot;openWatermarkWebPageInNewWindow&quot;:&quot;T_FALSE&quot;,&quot;displayAfterEnabled&quot;:&quot;T_FALSE&quot;,&quot;displayUntilEnabled&quot;:&quot;T_FALSE&quot;,&quot;domainRestrictionEnabled&quot;:&quot;T_FALSE&quot;,&quot;enablePassword&quot;:&quot;T_FALSE&quot;},&quot;videoSettings&quot;:{&quot;videoCompressionSettings&quot;:{&quot;audioQuality&quot;:70,&quot;videoQuality&quot;:75},&quot;secondsOnEachSlide&quot;:5,&quot;hostingSettings&quot;:{}},&quot;ispringOnlineSettings&quot;:{&quot;onlineDestinationFolderId&quot;:&quot;0&quot;},&quot;cloudSettings&quot;:{&quot;onlineDestinationFolderId&quot;:&quot;0&quot;},&quot;publishDestination&quot;:&quot;ISPRING_CLOUD&quot;,&quot;wordSettings&quot;:{&quot;printCopies&quot;:1}}"/>
+  <p:tag name="ISPRING_SCORM_RATE_SLIDES" val="0"/>
+  <p:tag name="ISPRING_SCORM_RATE_QUIZZES" val="0"/>
+  <p:tag name="ISPRING_SCORM_PASSING_SCORE" val="0.000000"/>
+  <p:tag name="ISPRING_CURRENT_PLAYER_ID" val="universal"/>
+  <p:tag name="ISPRING_PRESENTATION_TITLE" val="builder"/>
+  <p:tag name="ISPRING_FIRST_PUBLISH" val="1"/>
 </p:tagLst>
 </file>
 

--- a/lectures/15.builder/builder.pptx
+++ b/lectures/15.builder/builder.pptx
@@ -141,3781 +141,6 @@
 </p:presentation>
 </file>
 
-<file path=ppt/diagrams/colors1.xml><?xml version="1.0" encoding="utf-8"?>
-<dgm:colorsDef xmlns:dgm="http://schemas.openxmlformats.org/drawingml/2006/diagram" xmlns:a="http://schemas.openxmlformats.org/drawingml/2006/main" uniqueId="urn:microsoft.com/office/officeart/2005/8/colors/accent1_2">
-  <dgm:title val=""/>
-  <dgm:desc val=""/>
-  <dgm:catLst>
-    <dgm:cat type="accent1" pri="11200"/>
-  </dgm:catLst>
-  <dgm:styleLbl name="node0">
-    <dgm:fillClrLst meth="repeat">
-      <a:schemeClr val="accent1"/>
-    </dgm:fillClrLst>
-    <dgm:linClrLst meth="repeat">
-      <a:schemeClr val="lt1"/>
-    </dgm:linClrLst>
-    <dgm:effectClrLst/>
-    <dgm:txLinClrLst/>
-    <dgm:txFillClrLst/>
-    <dgm:txEffectClrLst/>
-  </dgm:styleLbl>
-  <dgm:styleLbl name="alignNode1">
-    <dgm:fillClrLst meth="repeat">
-      <a:schemeClr val="accent1"/>
-    </dgm:fillClrLst>
-    <dgm:linClrLst meth="repeat">
-      <a:schemeClr val="accent1"/>
-    </dgm:linClrLst>
-    <dgm:effectClrLst/>
-    <dgm:txLinClrLst/>
-    <dgm:txFillClrLst/>
-    <dgm:txEffectClrLst/>
-  </dgm:styleLbl>
-  <dgm:styleLbl name="node1">
-    <dgm:fillClrLst meth="repeat">
-      <a:schemeClr val="accent1"/>
-    </dgm:fillClrLst>
-    <dgm:linClrLst meth="repeat">
-      <a:schemeClr val="lt1"/>
-    </dgm:linClrLst>
-    <dgm:effectClrLst/>
-    <dgm:txLinClrLst/>
-    <dgm:txFillClrLst/>
-    <dgm:txEffectClrLst/>
-  </dgm:styleLbl>
-  <dgm:styleLbl name="lnNode1">
-    <dgm:fillClrLst meth="repeat">
-      <a:schemeClr val="accent1"/>
-    </dgm:fillClrLst>
-    <dgm:linClrLst meth="repeat">
-      <a:schemeClr val="lt1"/>
-    </dgm:linClrLst>
-    <dgm:effectClrLst/>
-    <dgm:txLinClrLst/>
-    <dgm:txFillClrLst/>
-    <dgm:txEffectClrLst/>
-  </dgm:styleLbl>
-  <dgm:styleLbl name="vennNode1">
-    <dgm:fillClrLst meth="repeat">
-      <a:schemeClr val="accent1">
-        <a:alpha val="50000"/>
-      </a:schemeClr>
-    </dgm:fillClrLst>
-    <dgm:linClrLst meth="repeat">
-      <a:schemeClr val="lt1"/>
-    </dgm:linClrLst>
-    <dgm:effectClrLst/>
-    <dgm:txLinClrLst/>
-    <dgm:txFillClrLst/>
-    <dgm:txEffectClrLst/>
-  </dgm:styleLbl>
-  <dgm:styleLbl name="node2">
-    <dgm:fillClrLst meth="repeat">
-      <a:schemeClr val="accent1"/>
-    </dgm:fillClrLst>
-    <dgm:linClrLst meth="repeat">
-      <a:schemeClr val="lt1"/>
-    </dgm:linClrLst>
-    <dgm:effectClrLst/>
-    <dgm:txLinClrLst/>
-    <dgm:txFillClrLst/>
-    <dgm:txEffectClrLst/>
-  </dgm:styleLbl>
-  <dgm:styleLbl name="node3">
-    <dgm:fillClrLst meth="repeat">
-      <a:schemeClr val="accent1"/>
-    </dgm:fillClrLst>
-    <dgm:linClrLst meth="repeat">
-      <a:schemeClr val="lt1"/>
-    </dgm:linClrLst>
-    <dgm:effectClrLst/>
-    <dgm:txLinClrLst/>
-    <dgm:txFillClrLst/>
-    <dgm:txEffectClrLst/>
-  </dgm:styleLbl>
-  <dgm:styleLbl name="node4">
-    <dgm:fillClrLst meth="repeat">
-      <a:schemeClr val="accent1"/>
-    </dgm:fillClrLst>
-    <dgm:linClrLst meth="repeat">
-      <a:schemeClr val="lt1"/>
-    </dgm:linClrLst>
-    <dgm:effectClrLst/>
-    <dgm:txLinClrLst/>
-    <dgm:txFillClrLst/>
-    <dgm:txEffectClrLst/>
-  </dgm:styleLbl>
-  <dgm:styleLbl name="fgImgPlace1">
-    <dgm:fillClrLst meth="repeat">
-      <a:schemeClr val="accent1">
-        <a:tint val="50000"/>
-      </a:schemeClr>
-    </dgm:fillClrLst>
-    <dgm:linClrLst meth="repeat">
-      <a:schemeClr val="lt1"/>
-    </dgm:linClrLst>
-    <dgm:effectClrLst/>
-    <dgm:txLinClrLst/>
-    <dgm:txFillClrLst meth="repeat">
-      <a:schemeClr val="lt1"/>
-    </dgm:txFillClrLst>
-    <dgm:txEffectClrLst/>
-  </dgm:styleLbl>
-  <dgm:styleLbl name="alignImgPlace1">
-    <dgm:fillClrLst meth="repeat">
-      <a:schemeClr val="accent1">
-        <a:tint val="50000"/>
-      </a:schemeClr>
-    </dgm:fillClrLst>
-    <dgm:linClrLst meth="repeat">
-      <a:schemeClr val="lt1"/>
-    </dgm:linClrLst>
-    <dgm:effectClrLst/>
-    <dgm:txLinClrLst/>
-    <dgm:txFillClrLst meth="repeat">
-      <a:schemeClr val="lt1"/>
-    </dgm:txFillClrLst>
-    <dgm:txEffectClrLst/>
-  </dgm:styleLbl>
-  <dgm:styleLbl name="bgImgPlace1">
-    <dgm:fillClrLst meth="repeat">
-      <a:schemeClr val="accent1">
-        <a:tint val="50000"/>
-      </a:schemeClr>
-    </dgm:fillClrLst>
-    <dgm:linClrLst meth="repeat">
-      <a:schemeClr val="lt1"/>
-    </dgm:linClrLst>
-    <dgm:effectClrLst/>
-    <dgm:txLinClrLst/>
-    <dgm:txFillClrLst meth="repeat">
-      <a:schemeClr val="lt1"/>
-    </dgm:txFillClrLst>
-    <dgm:txEffectClrLst/>
-  </dgm:styleLbl>
-  <dgm:styleLbl name="sibTrans2D1">
-    <dgm:fillClrLst meth="repeat">
-      <a:schemeClr val="accent1">
-        <a:tint val="60000"/>
-      </a:schemeClr>
-    </dgm:fillClrLst>
-    <dgm:linClrLst meth="repeat">
-      <a:schemeClr val="accent1">
-        <a:tint val="60000"/>
-      </a:schemeClr>
-    </dgm:linClrLst>
-    <dgm:effectClrLst/>
-    <dgm:txLinClrLst/>
-    <dgm:txFillClrLst/>
-    <dgm:txEffectClrLst/>
-  </dgm:styleLbl>
-  <dgm:styleLbl name="fgSibTrans2D1">
-    <dgm:fillClrLst meth="repeat">
-      <a:schemeClr val="accent1">
-        <a:tint val="60000"/>
-      </a:schemeClr>
-    </dgm:fillClrLst>
-    <dgm:linClrLst meth="repeat">
-      <a:schemeClr val="accent1">
-        <a:tint val="60000"/>
-      </a:schemeClr>
-    </dgm:linClrLst>
-    <dgm:effectClrLst/>
-    <dgm:txLinClrLst/>
-    <dgm:txFillClrLst/>
-    <dgm:txEffectClrLst/>
-  </dgm:styleLbl>
-  <dgm:styleLbl name="bgSibTrans2D1">
-    <dgm:fillClrLst meth="repeat">
-      <a:schemeClr val="accent1">
-        <a:tint val="60000"/>
-      </a:schemeClr>
-    </dgm:fillClrLst>
-    <dgm:linClrLst meth="repeat">
-      <a:schemeClr val="accent1">
-        <a:tint val="60000"/>
-      </a:schemeClr>
-    </dgm:linClrLst>
-    <dgm:effectClrLst/>
-    <dgm:txLinClrLst/>
-    <dgm:txFillClrLst/>
-    <dgm:txEffectClrLst/>
-  </dgm:styleLbl>
-  <dgm:styleLbl name="sibTrans1D1">
-    <dgm:fillClrLst meth="repeat">
-      <a:schemeClr val="accent1"/>
-    </dgm:fillClrLst>
-    <dgm:linClrLst meth="repeat">
-      <a:schemeClr val="accent1"/>
-    </dgm:linClrLst>
-    <dgm:effectClrLst/>
-    <dgm:txLinClrLst/>
-    <dgm:txFillClrLst meth="repeat">
-      <a:schemeClr val="tx1"/>
-    </dgm:txFillClrLst>
-    <dgm:txEffectClrLst/>
-  </dgm:styleLbl>
-  <dgm:styleLbl name="callout">
-    <dgm:fillClrLst meth="repeat">
-      <a:schemeClr val="accent1"/>
-    </dgm:fillClrLst>
-    <dgm:linClrLst meth="repeat">
-      <a:schemeClr val="accent1">
-        <a:tint val="50000"/>
-      </a:schemeClr>
-    </dgm:linClrLst>
-    <dgm:effectClrLst/>
-    <dgm:txLinClrLst/>
-    <dgm:txFillClrLst meth="repeat">
-      <a:schemeClr val="tx1"/>
-    </dgm:txFillClrLst>
-    <dgm:txEffectClrLst/>
-  </dgm:styleLbl>
-  <dgm:styleLbl name="asst0">
-    <dgm:fillClrLst meth="repeat">
-      <a:schemeClr val="accent1"/>
-    </dgm:fillClrLst>
-    <dgm:linClrLst meth="repeat">
-      <a:schemeClr val="lt1"/>
-    </dgm:linClrLst>
-    <dgm:effectClrLst/>
-    <dgm:txLinClrLst/>
-    <dgm:txFillClrLst/>
-    <dgm:txEffectClrLst/>
-  </dgm:styleLbl>
-  <dgm:styleLbl name="asst1">
-    <dgm:fillClrLst meth="repeat">
-      <a:schemeClr val="accent1"/>
-    </dgm:fillClrLst>
-    <dgm:linClrLst meth="repeat">
-      <a:schemeClr val="lt1"/>
-    </dgm:linClrLst>
-    <dgm:effectClrLst/>
-    <dgm:txLinClrLst/>
-    <dgm:txFillClrLst/>
-    <dgm:txEffectClrLst/>
-  </dgm:styleLbl>
-  <dgm:styleLbl name="asst2">
-    <dgm:fillClrLst meth="repeat">
-      <a:schemeClr val="accent1"/>
-    </dgm:fillClrLst>
-    <dgm:linClrLst meth="repeat">
-      <a:schemeClr val="lt1"/>
-    </dgm:linClrLst>
-    <dgm:effectClrLst/>
-    <dgm:txLinClrLst/>
-    <dgm:txFillClrLst/>
-    <dgm:txEffectClrLst/>
-  </dgm:styleLbl>
-  <dgm:styleLbl name="asst3">
-    <dgm:fillClrLst meth="repeat">
-      <a:schemeClr val="accent1"/>
-    </dgm:fillClrLst>
-    <dgm:linClrLst meth="repeat">
-      <a:schemeClr val="lt1"/>
-    </dgm:linClrLst>
-    <dgm:effectClrLst/>
-    <dgm:txLinClrLst/>
-    <dgm:txFillClrLst/>
-    <dgm:txEffectClrLst/>
-  </dgm:styleLbl>
-  <dgm:styleLbl name="asst4">
-    <dgm:fillClrLst meth="repeat">
-      <a:schemeClr val="accent1"/>
-    </dgm:fillClrLst>
-    <dgm:linClrLst meth="repeat">
-      <a:schemeClr val="lt1"/>
-    </dgm:linClrLst>
-    <dgm:effectClrLst/>
-    <dgm:txLinClrLst/>
-    <dgm:txFillClrLst/>
-    <dgm:txEffectClrLst/>
-  </dgm:styleLbl>
-  <dgm:styleLbl name="parChTrans2D1">
-    <dgm:fillClrLst meth="repeat">
-      <a:schemeClr val="accent1">
-        <a:tint val="60000"/>
-      </a:schemeClr>
-    </dgm:fillClrLst>
-    <dgm:linClrLst meth="repeat">
-      <a:schemeClr val="accent1">
-        <a:tint val="60000"/>
-      </a:schemeClr>
-    </dgm:linClrLst>
-    <dgm:effectClrLst/>
-    <dgm:txLinClrLst/>
-    <dgm:txFillClrLst meth="repeat">
-      <a:schemeClr val="lt1"/>
-    </dgm:txFillClrLst>
-    <dgm:txEffectClrLst/>
-  </dgm:styleLbl>
-  <dgm:styleLbl name="parChTrans2D2">
-    <dgm:fillClrLst meth="repeat">
-      <a:schemeClr val="accent1"/>
-    </dgm:fillClrLst>
-    <dgm:linClrLst meth="repeat">
-      <a:schemeClr val="accent1"/>
-    </dgm:linClrLst>
-    <dgm:effectClrLst/>
-    <dgm:txLinClrLst/>
-    <dgm:txFillClrLst meth="repeat">
-      <a:schemeClr val="lt1"/>
-    </dgm:txFillClrLst>
-    <dgm:txEffectClrLst/>
-  </dgm:styleLbl>
-  <dgm:styleLbl name="parChTrans2D3">
-    <dgm:fillClrLst meth="repeat">
-      <a:schemeClr val="accent1"/>
-    </dgm:fillClrLst>
-    <dgm:linClrLst meth="repeat">
-      <a:schemeClr val="accent1"/>
-    </dgm:linClrLst>
-    <dgm:effectClrLst/>
-    <dgm:txLinClrLst/>
-    <dgm:txFillClrLst meth="repeat">
-      <a:schemeClr val="lt1"/>
-    </dgm:txFillClrLst>
-    <dgm:txEffectClrLst/>
-  </dgm:styleLbl>
-  <dgm:styleLbl name="parChTrans2D4">
-    <dgm:fillClrLst meth="repeat">
-      <a:schemeClr val="accent1"/>
-    </dgm:fillClrLst>
-    <dgm:linClrLst meth="repeat">
-      <a:schemeClr val="accent1"/>
-    </dgm:linClrLst>
-    <dgm:effectClrLst/>
-    <dgm:txLinClrLst/>
-    <dgm:txFillClrLst meth="repeat">
-      <a:schemeClr val="lt1"/>
-    </dgm:txFillClrLst>
-    <dgm:txEffectClrLst/>
-  </dgm:styleLbl>
-  <dgm:styleLbl name="parChTrans1D1">
-    <dgm:fillClrLst meth="repeat">
-      <a:schemeClr val="accent1"/>
-    </dgm:fillClrLst>
-    <dgm:linClrLst meth="repeat">
-      <a:schemeClr val="accent1">
-        <a:shade val="60000"/>
-      </a:schemeClr>
-    </dgm:linClrLst>
-    <dgm:effectClrLst/>
-    <dgm:txLinClrLst/>
-    <dgm:txFillClrLst meth="repeat">
-      <a:schemeClr val="tx1"/>
-    </dgm:txFillClrLst>
-    <dgm:txEffectClrLst/>
-  </dgm:styleLbl>
-  <dgm:styleLbl name="parChTrans1D2">
-    <dgm:fillClrLst meth="repeat">
-      <a:schemeClr val="accent1"/>
-    </dgm:fillClrLst>
-    <dgm:linClrLst meth="repeat">
-      <a:schemeClr val="accent1">
-        <a:shade val="60000"/>
-      </a:schemeClr>
-    </dgm:linClrLst>
-    <dgm:effectClrLst/>
-    <dgm:txLinClrLst/>
-    <dgm:txFillClrLst meth="repeat">
-      <a:schemeClr val="tx1"/>
-    </dgm:txFillClrLst>
-    <dgm:txEffectClrLst/>
-  </dgm:styleLbl>
-  <dgm:styleLbl name="parChTrans1D3">
-    <dgm:fillClrLst meth="repeat">
-      <a:schemeClr val="accent1"/>
-    </dgm:fillClrLst>
-    <dgm:linClrLst meth="repeat">
-      <a:schemeClr val="accent1">
-        <a:shade val="80000"/>
-      </a:schemeClr>
-    </dgm:linClrLst>
-    <dgm:effectClrLst/>
-    <dgm:txLinClrLst/>
-    <dgm:txFillClrLst meth="repeat">
-      <a:schemeClr val="tx1"/>
-    </dgm:txFillClrLst>
-    <dgm:txEffectClrLst/>
-  </dgm:styleLbl>
-  <dgm:styleLbl name="parChTrans1D4">
-    <dgm:fillClrLst meth="repeat">
-      <a:schemeClr val="accent1"/>
-    </dgm:fillClrLst>
-    <dgm:linClrLst meth="repeat">
-      <a:schemeClr val="accent1">
-        <a:shade val="80000"/>
-      </a:schemeClr>
-    </dgm:linClrLst>
-    <dgm:effectClrLst/>
-    <dgm:txLinClrLst/>
-    <dgm:txFillClrLst meth="repeat">
-      <a:schemeClr val="tx1"/>
-    </dgm:txFillClrLst>
-    <dgm:txEffectClrLst/>
-  </dgm:styleLbl>
-  <dgm:styleLbl name="fgAcc1">
-    <dgm:fillClrLst meth="repeat">
-      <a:schemeClr val="lt1">
-        <a:alpha val="90000"/>
-      </a:schemeClr>
-    </dgm:fillClrLst>
-    <dgm:linClrLst meth="repeat">
-      <a:schemeClr val="accent1"/>
-    </dgm:linClrLst>
-    <dgm:effectClrLst/>
-    <dgm:txLinClrLst/>
-    <dgm:txFillClrLst meth="repeat">
-      <a:schemeClr val="dk1"/>
-    </dgm:txFillClrLst>
-    <dgm:txEffectClrLst/>
-  </dgm:styleLbl>
-  <dgm:styleLbl name="conFgAcc1">
-    <dgm:fillClrLst meth="repeat">
-      <a:schemeClr val="lt1">
-        <a:alpha val="90000"/>
-      </a:schemeClr>
-    </dgm:fillClrLst>
-    <dgm:linClrLst meth="repeat">
-      <a:schemeClr val="accent1"/>
-    </dgm:linClrLst>
-    <dgm:effectClrLst/>
-    <dgm:txLinClrLst/>
-    <dgm:txFillClrLst meth="repeat">
-      <a:schemeClr val="dk1"/>
-    </dgm:txFillClrLst>
-    <dgm:txEffectClrLst/>
-  </dgm:styleLbl>
-  <dgm:styleLbl name="alignAcc1">
-    <dgm:fillClrLst meth="repeat">
-      <a:schemeClr val="lt1">
-        <a:alpha val="90000"/>
-      </a:schemeClr>
-    </dgm:fillClrLst>
-    <dgm:linClrLst meth="repeat">
-      <a:schemeClr val="accent1"/>
-    </dgm:linClrLst>
-    <dgm:effectClrLst/>
-    <dgm:txLinClrLst/>
-    <dgm:txFillClrLst meth="repeat">
-      <a:schemeClr val="dk1"/>
-    </dgm:txFillClrLst>
-    <dgm:txEffectClrLst/>
-  </dgm:styleLbl>
-  <dgm:styleLbl name="trAlignAcc1">
-    <dgm:fillClrLst meth="repeat">
-      <a:schemeClr val="lt1">
-        <a:alpha val="40000"/>
-      </a:schemeClr>
-    </dgm:fillClrLst>
-    <dgm:linClrLst meth="repeat">
-      <a:schemeClr val="accent1"/>
-    </dgm:linClrLst>
-    <dgm:effectClrLst/>
-    <dgm:txLinClrLst/>
-    <dgm:txFillClrLst meth="repeat">
-      <a:schemeClr val="dk1"/>
-    </dgm:txFillClrLst>
-    <dgm:txEffectClrLst/>
-  </dgm:styleLbl>
-  <dgm:styleLbl name="bgAcc1">
-    <dgm:fillClrLst meth="repeat">
-      <a:schemeClr val="lt1">
-        <a:alpha val="90000"/>
-      </a:schemeClr>
-    </dgm:fillClrLst>
-    <dgm:linClrLst meth="repeat">
-      <a:schemeClr val="accent1"/>
-    </dgm:linClrLst>
-    <dgm:effectClrLst/>
-    <dgm:txLinClrLst/>
-    <dgm:txFillClrLst meth="repeat">
-      <a:schemeClr val="dk1"/>
-    </dgm:txFillClrLst>
-    <dgm:txEffectClrLst/>
-  </dgm:styleLbl>
-  <dgm:styleLbl name="solidFgAcc1">
-    <dgm:fillClrLst meth="repeat">
-      <a:schemeClr val="lt1"/>
-    </dgm:fillClrLst>
-    <dgm:linClrLst meth="repeat">
-      <a:schemeClr val="accent1"/>
-    </dgm:linClrLst>
-    <dgm:effectClrLst/>
-    <dgm:txLinClrLst/>
-    <dgm:txFillClrLst meth="repeat">
-      <a:schemeClr val="dk1"/>
-    </dgm:txFillClrLst>
-    <dgm:txEffectClrLst/>
-  </dgm:styleLbl>
-  <dgm:styleLbl name="solidAlignAcc1">
-    <dgm:fillClrLst meth="repeat">
-      <a:schemeClr val="lt1"/>
-    </dgm:fillClrLst>
-    <dgm:linClrLst meth="repeat">
-      <a:schemeClr val="accent1"/>
-    </dgm:linClrLst>
-    <dgm:effectClrLst/>
-    <dgm:txLinClrLst/>
-    <dgm:txFillClrLst meth="repeat">
-      <a:schemeClr val="dk1"/>
-    </dgm:txFillClrLst>
-    <dgm:txEffectClrLst/>
-  </dgm:styleLbl>
-  <dgm:styleLbl name="solidBgAcc1">
-    <dgm:fillClrLst meth="repeat">
-      <a:schemeClr val="lt1"/>
-    </dgm:fillClrLst>
-    <dgm:linClrLst meth="repeat">
-      <a:schemeClr val="accent1"/>
-    </dgm:linClrLst>
-    <dgm:effectClrLst/>
-    <dgm:txLinClrLst/>
-    <dgm:txFillClrLst meth="repeat">
-      <a:schemeClr val="dk1"/>
-    </dgm:txFillClrLst>
-    <dgm:txEffectClrLst/>
-  </dgm:styleLbl>
-  <dgm:styleLbl name="fgAccFollowNode1">
-    <dgm:fillClrLst meth="repeat">
-      <a:schemeClr val="accent1">
-        <a:alpha val="90000"/>
-        <a:tint val="40000"/>
-      </a:schemeClr>
-    </dgm:fillClrLst>
-    <dgm:linClrLst meth="repeat">
-      <a:schemeClr val="accent1">
-        <a:alpha val="90000"/>
-        <a:tint val="40000"/>
-      </a:schemeClr>
-    </dgm:linClrLst>
-    <dgm:effectClrLst/>
-    <dgm:txLinClrLst/>
-    <dgm:txFillClrLst meth="repeat">
-      <a:schemeClr val="dk1"/>
-    </dgm:txFillClrLst>
-    <dgm:txEffectClrLst/>
-  </dgm:styleLbl>
-  <dgm:styleLbl name="alignAccFollowNode1">
-    <dgm:fillClrLst meth="repeat">
-      <a:schemeClr val="accent1">
-        <a:alpha val="90000"/>
-        <a:tint val="40000"/>
-      </a:schemeClr>
-    </dgm:fillClrLst>
-    <dgm:linClrLst meth="repeat">
-      <a:schemeClr val="accent1">
-        <a:alpha val="90000"/>
-        <a:tint val="40000"/>
-      </a:schemeClr>
-    </dgm:linClrLst>
-    <dgm:effectClrLst/>
-    <dgm:txLinClrLst/>
-    <dgm:txFillClrLst meth="repeat">
-      <a:schemeClr val="dk1"/>
-    </dgm:txFillClrLst>
-    <dgm:txEffectClrLst/>
-  </dgm:styleLbl>
-  <dgm:styleLbl name="bgAccFollowNode1">
-    <dgm:fillClrLst meth="repeat">
-      <a:schemeClr val="accent1">
-        <a:alpha val="90000"/>
-        <a:tint val="40000"/>
-      </a:schemeClr>
-    </dgm:fillClrLst>
-    <dgm:linClrLst meth="repeat">
-      <a:schemeClr val="accent1">
-        <a:alpha val="90000"/>
-        <a:tint val="40000"/>
-      </a:schemeClr>
-    </dgm:linClrLst>
-    <dgm:effectClrLst/>
-    <dgm:txLinClrLst/>
-    <dgm:txFillClrLst meth="repeat">
-      <a:schemeClr val="dk1"/>
-    </dgm:txFillClrLst>
-    <dgm:txEffectClrLst/>
-  </dgm:styleLbl>
-  <dgm:styleLbl name="fgAcc0">
-    <dgm:fillClrLst meth="repeat">
-      <a:schemeClr val="lt1">
-        <a:alpha val="90000"/>
-      </a:schemeClr>
-    </dgm:fillClrLst>
-    <dgm:linClrLst meth="repeat">
-      <a:schemeClr val="accent1"/>
-    </dgm:linClrLst>
-    <dgm:effectClrLst/>
-    <dgm:txLinClrLst/>
-    <dgm:txFillClrLst meth="repeat">
-      <a:schemeClr val="dk1"/>
-    </dgm:txFillClrLst>
-    <dgm:txEffectClrLst/>
-  </dgm:styleLbl>
-  <dgm:styleLbl name="fgAcc2">
-    <dgm:fillClrLst meth="repeat">
-      <a:schemeClr val="lt1">
-        <a:alpha val="90000"/>
-      </a:schemeClr>
-    </dgm:fillClrLst>
-    <dgm:linClrLst meth="repeat">
-      <a:schemeClr val="accent1"/>
-    </dgm:linClrLst>
-    <dgm:effectClrLst/>
-    <dgm:txLinClrLst/>
-    <dgm:txFillClrLst meth="repeat">
-      <a:schemeClr val="dk1"/>
-    </dgm:txFillClrLst>
-    <dgm:txEffectClrLst/>
-  </dgm:styleLbl>
-  <dgm:styleLbl name="fgAcc3">
-    <dgm:fillClrLst meth="repeat">
-      <a:schemeClr val="lt1">
-        <a:alpha val="90000"/>
-      </a:schemeClr>
-    </dgm:fillClrLst>
-    <dgm:linClrLst meth="repeat">
-      <a:schemeClr val="accent1"/>
-    </dgm:linClrLst>
-    <dgm:effectClrLst/>
-    <dgm:txLinClrLst/>
-    <dgm:txFillClrLst meth="repeat">
-      <a:schemeClr val="dk1"/>
-    </dgm:txFillClrLst>
-    <dgm:txEffectClrLst/>
-  </dgm:styleLbl>
-  <dgm:styleLbl name="fgAcc4">
-    <dgm:fillClrLst meth="repeat">
-      <a:schemeClr val="lt1">
-        <a:alpha val="90000"/>
-      </a:schemeClr>
-    </dgm:fillClrLst>
-    <dgm:linClrLst meth="repeat">
-      <a:schemeClr val="accent1"/>
-    </dgm:linClrLst>
-    <dgm:effectClrLst/>
-    <dgm:txLinClrLst/>
-    <dgm:txFillClrLst meth="repeat">
-      <a:schemeClr val="dk1"/>
-    </dgm:txFillClrLst>
-    <dgm:txEffectClrLst/>
-  </dgm:styleLbl>
-  <dgm:styleLbl name="bgShp">
-    <dgm:fillClrLst meth="repeat">
-      <a:schemeClr val="accent1">
-        <a:tint val="40000"/>
-      </a:schemeClr>
-    </dgm:fillClrLst>
-    <dgm:linClrLst meth="repeat">
-      <a:schemeClr val="accent1"/>
-    </dgm:linClrLst>
-    <dgm:effectClrLst/>
-    <dgm:txLinClrLst/>
-    <dgm:txFillClrLst meth="repeat">
-      <a:schemeClr val="dk1"/>
-    </dgm:txFillClrLst>
-    <dgm:txEffectClrLst/>
-  </dgm:styleLbl>
-  <dgm:styleLbl name="dkBgShp">
-    <dgm:fillClrLst meth="repeat">
-      <a:schemeClr val="accent1">
-        <a:shade val="80000"/>
-      </a:schemeClr>
-    </dgm:fillClrLst>
-    <dgm:linClrLst meth="repeat">
-      <a:schemeClr val="accent1"/>
-    </dgm:linClrLst>
-    <dgm:effectClrLst/>
-    <dgm:txLinClrLst/>
-    <dgm:txFillClrLst meth="repeat">
-      <a:schemeClr val="lt1"/>
-    </dgm:txFillClrLst>
-    <dgm:txEffectClrLst/>
-  </dgm:styleLbl>
-  <dgm:styleLbl name="trBgShp">
-    <dgm:fillClrLst meth="repeat">
-      <a:schemeClr val="accent1">
-        <a:tint val="50000"/>
-        <a:alpha val="40000"/>
-      </a:schemeClr>
-    </dgm:fillClrLst>
-    <dgm:linClrLst meth="repeat">
-      <a:schemeClr val="accent1"/>
-    </dgm:linClrLst>
-    <dgm:effectClrLst/>
-    <dgm:txLinClrLst/>
-    <dgm:txFillClrLst meth="repeat">
-      <a:schemeClr val="lt1"/>
-    </dgm:txFillClrLst>
-    <dgm:txEffectClrLst/>
-  </dgm:styleLbl>
-  <dgm:styleLbl name="fgShp">
-    <dgm:fillClrLst meth="repeat">
-      <a:schemeClr val="accent1">
-        <a:tint val="60000"/>
-      </a:schemeClr>
-    </dgm:fillClrLst>
-    <dgm:linClrLst meth="repeat">
-      <a:schemeClr val="lt1"/>
-    </dgm:linClrLst>
-    <dgm:effectClrLst/>
-    <dgm:txLinClrLst/>
-    <dgm:txFillClrLst meth="repeat">
-      <a:schemeClr val="dk1"/>
-    </dgm:txFillClrLst>
-    <dgm:txEffectClrLst/>
-  </dgm:styleLbl>
-  <dgm:styleLbl name="revTx">
-    <dgm:fillClrLst meth="repeat">
-      <a:schemeClr val="lt1">
-        <a:alpha val="0"/>
-      </a:schemeClr>
-    </dgm:fillClrLst>
-    <dgm:linClrLst meth="repeat">
-      <a:schemeClr val="dk1">
-        <a:alpha val="0"/>
-      </a:schemeClr>
-    </dgm:linClrLst>
-    <dgm:effectClrLst/>
-    <dgm:txLinClrLst/>
-    <dgm:txFillClrLst meth="repeat">
-      <a:schemeClr val="tx1"/>
-    </dgm:txFillClrLst>
-    <dgm:txEffectClrLst/>
-  </dgm:styleLbl>
-</dgm:colorsDef>
-</file>
-
-<file path=ppt/diagrams/data1.xml><?xml version="1.0" encoding="utf-8"?>
-<dgm:dataModel xmlns:dgm="http://schemas.openxmlformats.org/drawingml/2006/diagram" xmlns:a="http://schemas.openxmlformats.org/drawingml/2006/main">
-  <dgm:ptLst>
-    <dgm:pt modelId="{1A6F61F9-DE5D-4B5C-A39E-6FEBF69341F9}" type="doc">
-      <dgm:prSet loTypeId="urn:microsoft.com/office/officeart/2005/8/layout/hierarchy1" loCatId="hierarchy" qsTypeId="urn:microsoft.com/office/officeart/2005/8/quickstyle/simple1" qsCatId="simple" csTypeId="urn:microsoft.com/office/officeart/2005/8/colors/accent1_2" csCatId="accent1" phldr="1"/>
-      <dgm:spPr/>
-      <dgm:t>
-        <a:bodyPr/>
-        <a:lstStyle/>
-        <a:p>
-          <a:endParaRPr lang="ru-RU"/>
-        </a:p>
-      </dgm:t>
-    </dgm:pt>
-    <dgm:pt modelId="{0B9B8ABE-BFAF-491A-99AF-965EDCC86DCE}">
-      <dgm:prSet phldrT="[Текст]"/>
-      <dgm:spPr/>
-      <dgm:t>
-        <a:bodyPr/>
-        <a:lstStyle/>
-        <a:p>
-          <a:r>
-            <a:rPr lang="en-US" dirty="0" err="1" smtClean="0"/>
-            <a:t>CFormattedTextReader</a:t>
-          </a:r>
-          <a:endParaRPr lang="ru-RU" dirty="0"/>
-        </a:p>
-      </dgm:t>
-    </dgm:pt>
-    <dgm:pt modelId="{A08A8330-C41B-4CBF-A9F9-DBC9E3A3F550}" type="parTrans" cxnId="{CD8376DA-2D44-4A6F-B134-ACB87521A28B}">
-      <dgm:prSet/>
-      <dgm:spPr/>
-      <dgm:t>
-        <a:bodyPr/>
-        <a:lstStyle/>
-        <a:p>
-          <a:endParaRPr lang="ru-RU"/>
-        </a:p>
-      </dgm:t>
-    </dgm:pt>
-    <dgm:pt modelId="{9B1469D6-9DB8-458C-A597-CA9C0DE7B157}" type="sibTrans" cxnId="{CD8376DA-2D44-4A6F-B134-ACB87521A28B}">
-      <dgm:prSet/>
-      <dgm:spPr/>
-      <dgm:t>
-        <a:bodyPr/>
-        <a:lstStyle/>
-        <a:p>
-          <a:endParaRPr lang="ru-RU"/>
-        </a:p>
-      </dgm:t>
-    </dgm:pt>
-    <dgm:pt modelId="{8B540765-33C5-46C4-8EEE-B4035699B0C0}">
-      <dgm:prSet phldrT="[Текст]"/>
-      <dgm:spPr/>
-      <dgm:t>
-        <a:bodyPr/>
-        <a:lstStyle/>
-        <a:p>
-          <a:r>
-            <a:rPr lang="en-US" dirty="0" err="1" smtClean="0"/>
-            <a:t>CPDFConverter</a:t>
-          </a:r>
-          <a:endParaRPr lang="ru-RU" dirty="0"/>
-        </a:p>
-      </dgm:t>
-    </dgm:pt>
-    <dgm:pt modelId="{F8D1E80C-2633-474D-B555-419A44FC51C9}" type="parTrans" cxnId="{65330029-345D-4284-B81E-859F017BAEFD}">
-      <dgm:prSet/>
-      <dgm:spPr/>
-      <dgm:t>
-        <a:bodyPr/>
-        <a:lstStyle/>
-        <a:p>
-          <a:endParaRPr lang="ru-RU"/>
-        </a:p>
-      </dgm:t>
-    </dgm:pt>
-    <dgm:pt modelId="{6D0FA32A-DE17-4B36-B6F5-F7E5CEC3D669}" type="sibTrans" cxnId="{65330029-345D-4284-B81E-859F017BAEFD}">
-      <dgm:prSet/>
-      <dgm:spPr/>
-      <dgm:t>
-        <a:bodyPr/>
-        <a:lstStyle/>
-        <a:p>
-          <a:endParaRPr lang="ru-RU"/>
-        </a:p>
-      </dgm:t>
-    </dgm:pt>
-    <dgm:pt modelId="{B16BBE29-5280-44AA-A39A-BF31C6572BC1}">
-      <dgm:prSet phldrT="[Текст]"/>
-      <dgm:spPr/>
-      <dgm:t>
-        <a:bodyPr/>
-        <a:lstStyle/>
-        <a:p>
-          <a:r>
-            <a:rPr lang="en-US" dirty="0" err="1" smtClean="0"/>
-            <a:t>CPlainTextConverter</a:t>
-          </a:r>
-          <a:endParaRPr lang="ru-RU" dirty="0"/>
-        </a:p>
-      </dgm:t>
-    </dgm:pt>
-    <dgm:pt modelId="{09032F9F-44E3-4641-8AE6-0C1C251E6906}" type="parTrans" cxnId="{F85A3B91-A1B8-49BD-890C-D1B30A18E867}">
-      <dgm:prSet/>
-      <dgm:spPr/>
-      <dgm:t>
-        <a:bodyPr/>
-        <a:lstStyle/>
-        <a:p>
-          <a:endParaRPr lang="ru-RU"/>
-        </a:p>
-      </dgm:t>
-    </dgm:pt>
-    <dgm:pt modelId="{3C08B107-D246-4B00-9AED-9C48215DD3E0}" type="sibTrans" cxnId="{F85A3B91-A1B8-49BD-890C-D1B30A18E867}">
-      <dgm:prSet/>
-      <dgm:spPr/>
-      <dgm:t>
-        <a:bodyPr/>
-        <a:lstStyle/>
-        <a:p>
-          <a:endParaRPr lang="ru-RU"/>
-        </a:p>
-      </dgm:t>
-    </dgm:pt>
-    <dgm:pt modelId="{C959ECF4-C75C-479D-A85F-A30C0C9A53EA}">
-      <dgm:prSet phldrT="[Текст]"/>
-      <dgm:spPr/>
-      <dgm:t>
-        <a:bodyPr/>
-        <a:lstStyle/>
-        <a:p>
-          <a:r>
-            <a:rPr lang="en-US" dirty="0" err="1" smtClean="0"/>
-            <a:t>CPDFDocument</a:t>
-          </a:r>
-          <a:endParaRPr lang="ru-RU" dirty="0"/>
-        </a:p>
-      </dgm:t>
-    </dgm:pt>
-    <dgm:pt modelId="{14DE8197-EA9B-488A-B4A4-B7CDAAEDFE38}" type="parTrans" cxnId="{62050C98-3FCF-4991-AFA2-C184F24FEE3A}">
-      <dgm:prSet/>
-      <dgm:spPr/>
-      <dgm:t>
-        <a:bodyPr/>
-        <a:lstStyle/>
-        <a:p>
-          <a:endParaRPr lang="ru-RU"/>
-        </a:p>
-      </dgm:t>
-    </dgm:pt>
-    <dgm:pt modelId="{8CEF18EA-BDF0-497D-8B6E-63C60212769F}" type="sibTrans" cxnId="{62050C98-3FCF-4991-AFA2-C184F24FEE3A}">
-      <dgm:prSet/>
-      <dgm:spPr/>
-      <dgm:t>
-        <a:bodyPr/>
-        <a:lstStyle/>
-        <a:p>
-          <a:endParaRPr lang="ru-RU"/>
-        </a:p>
-      </dgm:t>
-    </dgm:pt>
-    <dgm:pt modelId="{0794ED1B-5C68-4A2E-A497-726B703496C5}">
-      <dgm:prSet phldrT="[Текст]"/>
-      <dgm:spPr/>
-      <dgm:t>
-        <a:bodyPr/>
-        <a:lstStyle/>
-        <a:p>
-          <a:r>
-            <a:rPr lang="en-US" smtClean="0"/>
-            <a:t>CTextConverter</a:t>
-          </a:r>
-          <a:endParaRPr lang="ru-RU" dirty="0"/>
-        </a:p>
-      </dgm:t>
-    </dgm:pt>
-    <dgm:pt modelId="{4238B25C-DFCC-406D-86E2-D125570A4A34}" type="parTrans" cxnId="{14538821-5E70-4CF0-B851-F7B25684AB6A}">
-      <dgm:prSet/>
-      <dgm:spPr/>
-      <dgm:t>
-        <a:bodyPr/>
-        <a:lstStyle/>
-        <a:p>
-          <a:endParaRPr lang="ru-RU"/>
-        </a:p>
-      </dgm:t>
-    </dgm:pt>
-    <dgm:pt modelId="{0E1C4901-20AB-4E2C-BD06-F8A90F95BEC0}" type="sibTrans" cxnId="{14538821-5E70-4CF0-B851-F7B25684AB6A}">
-      <dgm:prSet/>
-      <dgm:spPr/>
-      <dgm:t>
-        <a:bodyPr/>
-        <a:lstStyle/>
-        <a:p>
-          <a:endParaRPr lang="ru-RU"/>
-        </a:p>
-      </dgm:t>
-    </dgm:pt>
-    <dgm:pt modelId="{2AF1BDCF-A0F4-412E-B5FA-2175F4F6CCED}">
-      <dgm:prSet phldrT="[Текст]"/>
-      <dgm:spPr/>
-      <dgm:t>
-        <a:bodyPr/>
-        <a:lstStyle/>
-        <a:p>
-          <a:r>
-            <a:rPr lang="en-US" dirty="0" err="1" smtClean="0"/>
-            <a:t>CPlainText</a:t>
-          </a:r>
-          <a:endParaRPr lang="ru-RU" dirty="0"/>
-        </a:p>
-      </dgm:t>
-    </dgm:pt>
-    <dgm:pt modelId="{3F7CA861-97FE-4BCE-8986-3273A076DF26}" type="parTrans" cxnId="{48FAD931-684F-433E-93FD-48B8F5B99067}">
-      <dgm:prSet/>
-      <dgm:spPr/>
-      <dgm:t>
-        <a:bodyPr/>
-        <a:lstStyle/>
-        <a:p>
-          <a:endParaRPr lang="ru-RU"/>
-        </a:p>
-      </dgm:t>
-    </dgm:pt>
-    <dgm:pt modelId="{50842823-E3EB-4BBE-B02E-6E3FFEEEF76A}" type="sibTrans" cxnId="{48FAD931-684F-433E-93FD-48B8F5B99067}">
-      <dgm:prSet/>
-      <dgm:spPr/>
-      <dgm:t>
-        <a:bodyPr/>
-        <a:lstStyle/>
-        <a:p>
-          <a:endParaRPr lang="ru-RU"/>
-        </a:p>
-      </dgm:t>
-    </dgm:pt>
-    <dgm:pt modelId="{AF1304C0-C639-4A40-AFAD-56D1AC695597}" type="pres">
-      <dgm:prSet presAssocID="{1A6F61F9-DE5D-4B5C-A39E-6FEBF69341F9}" presName="hierChild1" presStyleCnt="0">
-        <dgm:presLayoutVars>
-          <dgm:chPref val="1"/>
-          <dgm:dir/>
-          <dgm:animOne val="branch"/>
-          <dgm:animLvl val="lvl"/>
-          <dgm:resizeHandles/>
-        </dgm:presLayoutVars>
-      </dgm:prSet>
-      <dgm:spPr/>
-      <dgm:t>
-        <a:bodyPr/>
-        <a:lstStyle/>
-        <a:p>
-          <a:endParaRPr lang="ru-RU"/>
-        </a:p>
-      </dgm:t>
-    </dgm:pt>
-    <dgm:pt modelId="{24F505EF-2FB9-428F-A6CB-C8D31ACD90B6}" type="pres">
-      <dgm:prSet presAssocID="{0B9B8ABE-BFAF-491A-99AF-965EDCC86DCE}" presName="hierRoot1" presStyleCnt="0"/>
-      <dgm:spPr/>
-    </dgm:pt>
-    <dgm:pt modelId="{DBA9E4E3-84DB-4924-9220-7BB48C4A1C7D}" type="pres">
-      <dgm:prSet presAssocID="{0B9B8ABE-BFAF-491A-99AF-965EDCC86DCE}" presName="composite" presStyleCnt="0"/>
-      <dgm:spPr/>
-    </dgm:pt>
-    <dgm:pt modelId="{AE28BB1F-74E0-45E1-8E46-5B66B073FC01}" type="pres">
-      <dgm:prSet presAssocID="{0B9B8ABE-BFAF-491A-99AF-965EDCC86DCE}" presName="background" presStyleLbl="node0" presStyleIdx="0" presStyleCnt="4"/>
-      <dgm:spPr/>
-    </dgm:pt>
-    <dgm:pt modelId="{FB104181-1E5E-4E5E-97DE-3BC2D32C598D}" type="pres">
-      <dgm:prSet presAssocID="{0B9B8ABE-BFAF-491A-99AF-965EDCC86DCE}" presName="text" presStyleLbl="fgAcc0" presStyleIdx="0" presStyleCnt="4">
-        <dgm:presLayoutVars>
-          <dgm:chPref val="3"/>
-        </dgm:presLayoutVars>
-      </dgm:prSet>
-      <dgm:spPr/>
-      <dgm:t>
-        <a:bodyPr/>
-        <a:lstStyle/>
-        <a:p>
-          <a:endParaRPr lang="ru-RU"/>
-        </a:p>
-      </dgm:t>
-    </dgm:pt>
-    <dgm:pt modelId="{0E50D3AE-FBD8-4CE5-AAE2-7FF76859A85E}" type="pres">
-      <dgm:prSet presAssocID="{0B9B8ABE-BFAF-491A-99AF-965EDCC86DCE}" presName="hierChild2" presStyleCnt="0"/>
-      <dgm:spPr/>
-    </dgm:pt>
-    <dgm:pt modelId="{03B4A516-186B-431D-9060-153CFF6B5C77}" type="pres">
-      <dgm:prSet presAssocID="{0794ED1B-5C68-4A2E-A497-726B703496C5}" presName="hierRoot1" presStyleCnt="0"/>
-      <dgm:spPr/>
-    </dgm:pt>
-    <dgm:pt modelId="{7FADE673-49AF-442B-ADC8-DCD5E9E6F1EE}" type="pres">
-      <dgm:prSet presAssocID="{0794ED1B-5C68-4A2E-A497-726B703496C5}" presName="composite" presStyleCnt="0"/>
-      <dgm:spPr/>
-    </dgm:pt>
-    <dgm:pt modelId="{1259A7C4-01FD-477A-A25B-700352CB8D83}" type="pres">
-      <dgm:prSet presAssocID="{0794ED1B-5C68-4A2E-A497-726B703496C5}" presName="background" presStyleLbl="node0" presStyleIdx="1" presStyleCnt="4"/>
-      <dgm:spPr/>
-    </dgm:pt>
-    <dgm:pt modelId="{B67A0E93-498E-4375-883A-8D5E6784A9AA}" type="pres">
-      <dgm:prSet presAssocID="{0794ED1B-5C68-4A2E-A497-726B703496C5}" presName="text" presStyleLbl="fgAcc0" presStyleIdx="1" presStyleCnt="4">
-        <dgm:presLayoutVars>
-          <dgm:chPref val="3"/>
-        </dgm:presLayoutVars>
-      </dgm:prSet>
-      <dgm:spPr/>
-      <dgm:t>
-        <a:bodyPr/>
-        <a:lstStyle/>
-        <a:p>
-          <a:endParaRPr lang="ru-RU"/>
-        </a:p>
-      </dgm:t>
-    </dgm:pt>
-    <dgm:pt modelId="{D13EB796-47DE-44F8-A176-89647B12959F}" type="pres">
-      <dgm:prSet presAssocID="{0794ED1B-5C68-4A2E-A497-726B703496C5}" presName="hierChild2" presStyleCnt="0"/>
-      <dgm:spPr/>
-    </dgm:pt>
-    <dgm:pt modelId="{CF427FA8-3EF0-48A3-A4C4-310431E92789}" type="pres">
-      <dgm:prSet presAssocID="{F8D1E80C-2633-474D-B555-419A44FC51C9}" presName="Name10" presStyleLbl="parChTrans1D2" presStyleIdx="0" presStyleCnt="2"/>
-      <dgm:spPr/>
-      <dgm:t>
-        <a:bodyPr/>
-        <a:lstStyle/>
-        <a:p>
-          <a:endParaRPr lang="ru-RU"/>
-        </a:p>
-      </dgm:t>
-    </dgm:pt>
-    <dgm:pt modelId="{1625C87C-212A-4858-A6F5-8A5449025037}" type="pres">
-      <dgm:prSet presAssocID="{8B540765-33C5-46C4-8EEE-B4035699B0C0}" presName="hierRoot2" presStyleCnt="0"/>
-      <dgm:spPr/>
-    </dgm:pt>
-    <dgm:pt modelId="{819F24AE-7CEF-44F3-BA5A-36A2333737C8}" type="pres">
-      <dgm:prSet presAssocID="{8B540765-33C5-46C4-8EEE-B4035699B0C0}" presName="composite2" presStyleCnt="0"/>
-      <dgm:spPr/>
-    </dgm:pt>
-    <dgm:pt modelId="{86BB6F11-BD73-4C0B-8642-6848E4637150}" type="pres">
-      <dgm:prSet presAssocID="{8B540765-33C5-46C4-8EEE-B4035699B0C0}" presName="background2" presStyleLbl="node2" presStyleIdx="0" presStyleCnt="2"/>
-      <dgm:spPr/>
-    </dgm:pt>
-    <dgm:pt modelId="{35F5EB30-8A86-49DF-B88D-847F1790A7B0}" type="pres">
-      <dgm:prSet presAssocID="{8B540765-33C5-46C4-8EEE-B4035699B0C0}" presName="text2" presStyleLbl="fgAcc2" presStyleIdx="0" presStyleCnt="2">
-        <dgm:presLayoutVars>
-          <dgm:chPref val="3"/>
-        </dgm:presLayoutVars>
-      </dgm:prSet>
-      <dgm:spPr/>
-      <dgm:t>
-        <a:bodyPr/>
-        <a:lstStyle/>
-        <a:p>
-          <a:endParaRPr lang="ru-RU"/>
-        </a:p>
-      </dgm:t>
-    </dgm:pt>
-    <dgm:pt modelId="{2461B5C4-9ACE-443E-8910-4415C82FE913}" type="pres">
-      <dgm:prSet presAssocID="{8B540765-33C5-46C4-8EEE-B4035699B0C0}" presName="hierChild3" presStyleCnt="0"/>
-      <dgm:spPr/>
-    </dgm:pt>
-    <dgm:pt modelId="{9D6FB206-1EB8-4A4B-9A9F-68F2FEF60BD9}" type="pres">
-      <dgm:prSet presAssocID="{09032F9F-44E3-4641-8AE6-0C1C251E6906}" presName="Name10" presStyleLbl="parChTrans1D2" presStyleIdx="1" presStyleCnt="2"/>
-      <dgm:spPr/>
-      <dgm:t>
-        <a:bodyPr/>
-        <a:lstStyle/>
-        <a:p>
-          <a:endParaRPr lang="ru-RU"/>
-        </a:p>
-      </dgm:t>
-    </dgm:pt>
-    <dgm:pt modelId="{247F0B6D-2A98-49D4-8B10-A8D7D8EEEEE1}" type="pres">
-      <dgm:prSet presAssocID="{B16BBE29-5280-44AA-A39A-BF31C6572BC1}" presName="hierRoot2" presStyleCnt="0"/>
-      <dgm:spPr/>
-    </dgm:pt>
-    <dgm:pt modelId="{A575DB79-F14C-4DCF-9157-50726DB1C1BD}" type="pres">
-      <dgm:prSet presAssocID="{B16BBE29-5280-44AA-A39A-BF31C6572BC1}" presName="composite2" presStyleCnt="0"/>
-      <dgm:spPr/>
-    </dgm:pt>
-    <dgm:pt modelId="{2A3ED077-9E8B-4701-B586-B9A836F33924}" type="pres">
-      <dgm:prSet presAssocID="{B16BBE29-5280-44AA-A39A-BF31C6572BC1}" presName="background2" presStyleLbl="node2" presStyleIdx="1" presStyleCnt="2"/>
-      <dgm:spPr/>
-    </dgm:pt>
-    <dgm:pt modelId="{04813C26-7E72-4615-9E3E-AC927971786D}" type="pres">
-      <dgm:prSet presAssocID="{B16BBE29-5280-44AA-A39A-BF31C6572BC1}" presName="text2" presStyleLbl="fgAcc2" presStyleIdx="1" presStyleCnt="2">
-        <dgm:presLayoutVars>
-          <dgm:chPref val="3"/>
-        </dgm:presLayoutVars>
-      </dgm:prSet>
-      <dgm:spPr/>
-      <dgm:t>
-        <a:bodyPr/>
-        <a:lstStyle/>
-        <a:p>
-          <a:endParaRPr lang="ru-RU"/>
-        </a:p>
-      </dgm:t>
-    </dgm:pt>
-    <dgm:pt modelId="{FA0FE262-82CB-4DEB-A8AD-2E7CAA01505D}" type="pres">
-      <dgm:prSet presAssocID="{B16BBE29-5280-44AA-A39A-BF31C6572BC1}" presName="hierChild3" presStyleCnt="0"/>
-      <dgm:spPr/>
-    </dgm:pt>
-    <dgm:pt modelId="{DF6FD90D-C462-4767-968B-159BB340CD1A}" type="pres">
-      <dgm:prSet presAssocID="{C959ECF4-C75C-479D-A85F-A30C0C9A53EA}" presName="hierRoot1" presStyleCnt="0"/>
-      <dgm:spPr/>
-    </dgm:pt>
-    <dgm:pt modelId="{3BFA8B11-CCA6-4D76-8DFF-09BD50270651}" type="pres">
-      <dgm:prSet presAssocID="{C959ECF4-C75C-479D-A85F-A30C0C9A53EA}" presName="composite" presStyleCnt="0"/>
-      <dgm:spPr/>
-    </dgm:pt>
-    <dgm:pt modelId="{5DA3F922-3784-4A58-B544-C9D43962B33A}" type="pres">
-      <dgm:prSet presAssocID="{C959ECF4-C75C-479D-A85F-A30C0C9A53EA}" presName="background" presStyleLbl="node0" presStyleIdx="2" presStyleCnt="4"/>
-      <dgm:spPr/>
-    </dgm:pt>
-    <dgm:pt modelId="{6F30C356-F2CC-444C-86D9-98093E5EE7D2}" type="pres">
-      <dgm:prSet presAssocID="{C959ECF4-C75C-479D-A85F-A30C0C9A53EA}" presName="text" presStyleLbl="fgAcc0" presStyleIdx="2" presStyleCnt="4">
-        <dgm:presLayoutVars>
-          <dgm:chPref val="3"/>
-        </dgm:presLayoutVars>
-      </dgm:prSet>
-      <dgm:spPr/>
-      <dgm:t>
-        <a:bodyPr/>
-        <a:lstStyle/>
-        <a:p>
-          <a:endParaRPr lang="ru-RU"/>
-        </a:p>
-      </dgm:t>
-    </dgm:pt>
-    <dgm:pt modelId="{D047609B-C833-4A87-AC77-B92D95730DB6}" type="pres">
-      <dgm:prSet presAssocID="{C959ECF4-C75C-479D-A85F-A30C0C9A53EA}" presName="hierChild2" presStyleCnt="0"/>
-      <dgm:spPr/>
-    </dgm:pt>
-    <dgm:pt modelId="{2F269993-2ACF-4398-A29F-8E5F6D9CFFA7}" type="pres">
-      <dgm:prSet presAssocID="{2AF1BDCF-A0F4-412E-B5FA-2175F4F6CCED}" presName="hierRoot1" presStyleCnt="0"/>
-      <dgm:spPr/>
-    </dgm:pt>
-    <dgm:pt modelId="{43131B69-36FD-4B1F-8A30-2EB841D0BEA9}" type="pres">
-      <dgm:prSet presAssocID="{2AF1BDCF-A0F4-412E-B5FA-2175F4F6CCED}" presName="composite" presStyleCnt="0"/>
-      <dgm:spPr/>
-    </dgm:pt>
-    <dgm:pt modelId="{5B5D8880-7776-4406-A101-906DE4BEA708}" type="pres">
-      <dgm:prSet presAssocID="{2AF1BDCF-A0F4-412E-B5FA-2175F4F6CCED}" presName="background" presStyleLbl="node0" presStyleIdx="3" presStyleCnt="4"/>
-      <dgm:spPr/>
-    </dgm:pt>
-    <dgm:pt modelId="{378A0513-42E4-4CBB-ADE9-BD51F7D428EA}" type="pres">
-      <dgm:prSet presAssocID="{2AF1BDCF-A0F4-412E-B5FA-2175F4F6CCED}" presName="text" presStyleLbl="fgAcc0" presStyleIdx="3" presStyleCnt="4">
-        <dgm:presLayoutVars>
-          <dgm:chPref val="3"/>
-        </dgm:presLayoutVars>
-      </dgm:prSet>
-      <dgm:spPr/>
-      <dgm:t>
-        <a:bodyPr/>
-        <a:lstStyle/>
-        <a:p>
-          <a:endParaRPr lang="ru-RU"/>
-        </a:p>
-      </dgm:t>
-    </dgm:pt>
-    <dgm:pt modelId="{EB154A20-15C4-4FCA-9B74-BB5D4DD54320}" type="pres">
-      <dgm:prSet presAssocID="{2AF1BDCF-A0F4-412E-B5FA-2175F4F6CCED}" presName="hierChild2" presStyleCnt="0"/>
-      <dgm:spPr/>
-    </dgm:pt>
-  </dgm:ptLst>
-  <dgm:cxnLst>
-    <dgm:cxn modelId="{18840EF3-8C02-4245-9277-A6E218CCB9E4}" type="presOf" srcId="{C959ECF4-C75C-479D-A85F-A30C0C9A53EA}" destId="{6F30C356-F2CC-444C-86D9-98093E5EE7D2}" srcOrd="0" destOrd="0" presId="urn:microsoft.com/office/officeart/2005/8/layout/hierarchy1"/>
-    <dgm:cxn modelId="{41F9410A-2292-4540-B28F-1B0B98782CA9}" type="presOf" srcId="{F8D1E80C-2633-474D-B555-419A44FC51C9}" destId="{CF427FA8-3EF0-48A3-A4C4-310431E92789}" srcOrd="0" destOrd="0" presId="urn:microsoft.com/office/officeart/2005/8/layout/hierarchy1"/>
-    <dgm:cxn modelId="{F85A3B91-A1B8-49BD-890C-D1B30A18E867}" srcId="{0794ED1B-5C68-4A2E-A497-726B703496C5}" destId="{B16BBE29-5280-44AA-A39A-BF31C6572BC1}" srcOrd="1" destOrd="0" parTransId="{09032F9F-44E3-4641-8AE6-0C1C251E6906}" sibTransId="{3C08B107-D246-4B00-9AED-9C48215DD3E0}"/>
-    <dgm:cxn modelId="{65330029-345D-4284-B81E-859F017BAEFD}" srcId="{0794ED1B-5C68-4A2E-A497-726B703496C5}" destId="{8B540765-33C5-46C4-8EEE-B4035699B0C0}" srcOrd="0" destOrd="0" parTransId="{F8D1E80C-2633-474D-B555-419A44FC51C9}" sibTransId="{6D0FA32A-DE17-4B36-B6F5-F7E5CEC3D669}"/>
-    <dgm:cxn modelId="{C759EC93-2720-44D3-84C9-0F59A077447E}" type="presOf" srcId="{2AF1BDCF-A0F4-412E-B5FA-2175F4F6CCED}" destId="{378A0513-42E4-4CBB-ADE9-BD51F7D428EA}" srcOrd="0" destOrd="0" presId="urn:microsoft.com/office/officeart/2005/8/layout/hierarchy1"/>
-    <dgm:cxn modelId="{1BBD7C13-882F-4342-B5BE-5C047095B7AD}" type="presOf" srcId="{1A6F61F9-DE5D-4B5C-A39E-6FEBF69341F9}" destId="{AF1304C0-C639-4A40-AFAD-56D1AC695597}" srcOrd="0" destOrd="0" presId="urn:microsoft.com/office/officeart/2005/8/layout/hierarchy1"/>
-    <dgm:cxn modelId="{48FAD931-684F-433E-93FD-48B8F5B99067}" srcId="{1A6F61F9-DE5D-4B5C-A39E-6FEBF69341F9}" destId="{2AF1BDCF-A0F4-412E-B5FA-2175F4F6CCED}" srcOrd="3" destOrd="0" parTransId="{3F7CA861-97FE-4BCE-8986-3273A076DF26}" sibTransId="{50842823-E3EB-4BBE-B02E-6E3FFEEEF76A}"/>
-    <dgm:cxn modelId="{CD8376DA-2D44-4A6F-B134-ACB87521A28B}" srcId="{1A6F61F9-DE5D-4B5C-A39E-6FEBF69341F9}" destId="{0B9B8ABE-BFAF-491A-99AF-965EDCC86DCE}" srcOrd="0" destOrd="0" parTransId="{A08A8330-C41B-4CBF-A9F9-DBC9E3A3F550}" sibTransId="{9B1469D6-9DB8-458C-A597-CA9C0DE7B157}"/>
-    <dgm:cxn modelId="{F88E5B40-07F0-4BB9-AE68-D21C38EE0616}" type="presOf" srcId="{0794ED1B-5C68-4A2E-A497-726B703496C5}" destId="{B67A0E93-498E-4375-883A-8D5E6784A9AA}" srcOrd="0" destOrd="0" presId="urn:microsoft.com/office/officeart/2005/8/layout/hierarchy1"/>
-    <dgm:cxn modelId="{0DB46FE4-8F23-4C7A-9B85-3C5286C87AEC}" type="presOf" srcId="{09032F9F-44E3-4641-8AE6-0C1C251E6906}" destId="{9D6FB206-1EB8-4A4B-9A9F-68F2FEF60BD9}" srcOrd="0" destOrd="0" presId="urn:microsoft.com/office/officeart/2005/8/layout/hierarchy1"/>
-    <dgm:cxn modelId="{62050C98-3FCF-4991-AFA2-C184F24FEE3A}" srcId="{1A6F61F9-DE5D-4B5C-A39E-6FEBF69341F9}" destId="{C959ECF4-C75C-479D-A85F-A30C0C9A53EA}" srcOrd="2" destOrd="0" parTransId="{14DE8197-EA9B-488A-B4A4-B7CDAAEDFE38}" sibTransId="{8CEF18EA-BDF0-497D-8B6E-63C60212769F}"/>
-    <dgm:cxn modelId="{14538821-5E70-4CF0-B851-F7B25684AB6A}" srcId="{1A6F61F9-DE5D-4B5C-A39E-6FEBF69341F9}" destId="{0794ED1B-5C68-4A2E-A497-726B703496C5}" srcOrd="1" destOrd="0" parTransId="{4238B25C-DFCC-406D-86E2-D125570A4A34}" sibTransId="{0E1C4901-20AB-4E2C-BD06-F8A90F95BEC0}"/>
-    <dgm:cxn modelId="{41F0D5B4-D626-400E-BA8C-9BE28B2B4A4E}" type="presOf" srcId="{B16BBE29-5280-44AA-A39A-BF31C6572BC1}" destId="{04813C26-7E72-4615-9E3E-AC927971786D}" srcOrd="0" destOrd="0" presId="urn:microsoft.com/office/officeart/2005/8/layout/hierarchy1"/>
-    <dgm:cxn modelId="{A5DCE42D-F73A-4CF7-8A65-6CE6F08E64BC}" type="presOf" srcId="{8B540765-33C5-46C4-8EEE-B4035699B0C0}" destId="{35F5EB30-8A86-49DF-B88D-847F1790A7B0}" srcOrd="0" destOrd="0" presId="urn:microsoft.com/office/officeart/2005/8/layout/hierarchy1"/>
-    <dgm:cxn modelId="{42DDA918-B9CD-4C30-AC79-6F84D6F83E8B}" type="presOf" srcId="{0B9B8ABE-BFAF-491A-99AF-965EDCC86DCE}" destId="{FB104181-1E5E-4E5E-97DE-3BC2D32C598D}" srcOrd="0" destOrd="0" presId="urn:microsoft.com/office/officeart/2005/8/layout/hierarchy1"/>
-    <dgm:cxn modelId="{3E77A0EA-D742-40EC-9A41-5E4EFE33837E}" type="presParOf" srcId="{AF1304C0-C639-4A40-AFAD-56D1AC695597}" destId="{24F505EF-2FB9-428F-A6CB-C8D31ACD90B6}" srcOrd="0" destOrd="0" presId="urn:microsoft.com/office/officeart/2005/8/layout/hierarchy1"/>
-    <dgm:cxn modelId="{097F6A85-8EB0-41D5-8813-40FCD4F869EF}" type="presParOf" srcId="{24F505EF-2FB9-428F-A6CB-C8D31ACD90B6}" destId="{DBA9E4E3-84DB-4924-9220-7BB48C4A1C7D}" srcOrd="0" destOrd="0" presId="urn:microsoft.com/office/officeart/2005/8/layout/hierarchy1"/>
-    <dgm:cxn modelId="{806EE015-2E37-4CA4-AA88-3746029D5C7C}" type="presParOf" srcId="{DBA9E4E3-84DB-4924-9220-7BB48C4A1C7D}" destId="{AE28BB1F-74E0-45E1-8E46-5B66B073FC01}" srcOrd="0" destOrd="0" presId="urn:microsoft.com/office/officeart/2005/8/layout/hierarchy1"/>
-    <dgm:cxn modelId="{60817DA8-7355-4A32-ACC4-214869BD5E34}" type="presParOf" srcId="{DBA9E4E3-84DB-4924-9220-7BB48C4A1C7D}" destId="{FB104181-1E5E-4E5E-97DE-3BC2D32C598D}" srcOrd="1" destOrd="0" presId="urn:microsoft.com/office/officeart/2005/8/layout/hierarchy1"/>
-    <dgm:cxn modelId="{956FB3B2-4AC5-4984-96AC-C9C44F7B4891}" type="presParOf" srcId="{24F505EF-2FB9-428F-A6CB-C8D31ACD90B6}" destId="{0E50D3AE-FBD8-4CE5-AAE2-7FF76859A85E}" srcOrd="1" destOrd="0" presId="urn:microsoft.com/office/officeart/2005/8/layout/hierarchy1"/>
-    <dgm:cxn modelId="{952E1C47-4FAC-49DA-BD55-29EA98CAFC5C}" type="presParOf" srcId="{AF1304C0-C639-4A40-AFAD-56D1AC695597}" destId="{03B4A516-186B-431D-9060-153CFF6B5C77}" srcOrd="1" destOrd="0" presId="urn:microsoft.com/office/officeart/2005/8/layout/hierarchy1"/>
-    <dgm:cxn modelId="{C775237C-E99A-45DC-9101-8D41491F81DF}" type="presParOf" srcId="{03B4A516-186B-431D-9060-153CFF6B5C77}" destId="{7FADE673-49AF-442B-ADC8-DCD5E9E6F1EE}" srcOrd="0" destOrd="0" presId="urn:microsoft.com/office/officeart/2005/8/layout/hierarchy1"/>
-    <dgm:cxn modelId="{7405CF3C-C314-42D1-928A-4A788E7E9297}" type="presParOf" srcId="{7FADE673-49AF-442B-ADC8-DCD5E9E6F1EE}" destId="{1259A7C4-01FD-477A-A25B-700352CB8D83}" srcOrd="0" destOrd="0" presId="urn:microsoft.com/office/officeart/2005/8/layout/hierarchy1"/>
-    <dgm:cxn modelId="{BDB2D4A1-F4C5-43FA-8CA9-66CBAC6B7656}" type="presParOf" srcId="{7FADE673-49AF-442B-ADC8-DCD5E9E6F1EE}" destId="{B67A0E93-498E-4375-883A-8D5E6784A9AA}" srcOrd="1" destOrd="0" presId="urn:microsoft.com/office/officeart/2005/8/layout/hierarchy1"/>
-    <dgm:cxn modelId="{85E475FC-42D8-49C1-B457-BBE205CD2A3B}" type="presParOf" srcId="{03B4A516-186B-431D-9060-153CFF6B5C77}" destId="{D13EB796-47DE-44F8-A176-89647B12959F}" srcOrd="1" destOrd="0" presId="urn:microsoft.com/office/officeart/2005/8/layout/hierarchy1"/>
-    <dgm:cxn modelId="{A1A8A29F-0D55-4B38-A8F1-1942B06B3A86}" type="presParOf" srcId="{D13EB796-47DE-44F8-A176-89647B12959F}" destId="{CF427FA8-3EF0-48A3-A4C4-310431E92789}" srcOrd="0" destOrd="0" presId="urn:microsoft.com/office/officeart/2005/8/layout/hierarchy1"/>
-    <dgm:cxn modelId="{A404E14C-6E98-4714-876F-3DDF54A40A3A}" type="presParOf" srcId="{D13EB796-47DE-44F8-A176-89647B12959F}" destId="{1625C87C-212A-4858-A6F5-8A5449025037}" srcOrd="1" destOrd="0" presId="urn:microsoft.com/office/officeart/2005/8/layout/hierarchy1"/>
-    <dgm:cxn modelId="{30DEA9F4-5472-4802-AAC2-09CA4615951E}" type="presParOf" srcId="{1625C87C-212A-4858-A6F5-8A5449025037}" destId="{819F24AE-7CEF-44F3-BA5A-36A2333737C8}" srcOrd="0" destOrd="0" presId="urn:microsoft.com/office/officeart/2005/8/layout/hierarchy1"/>
-    <dgm:cxn modelId="{144DE51B-0497-486B-89B6-0F9E37154D58}" type="presParOf" srcId="{819F24AE-7CEF-44F3-BA5A-36A2333737C8}" destId="{86BB6F11-BD73-4C0B-8642-6848E4637150}" srcOrd="0" destOrd="0" presId="urn:microsoft.com/office/officeart/2005/8/layout/hierarchy1"/>
-    <dgm:cxn modelId="{557287E0-A213-4C86-89DF-F38BA1DF79D9}" type="presParOf" srcId="{819F24AE-7CEF-44F3-BA5A-36A2333737C8}" destId="{35F5EB30-8A86-49DF-B88D-847F1790A7B0}" srcOrd="1" destOrd="0" presId="urn:microsoft.com/office/officeart/2005/8/layout/hierarchy1"/>
-    <dgm:cxn modelId="{FEDBB567-F808-48D0-A984-433F9781A8C1}" type="presParOf" srcId="{1625C87C-212A-4858-A6F5-8A5449025037}" destId="{2461B5C4-9ACE-443E-8910-4415C82FE913}" srcOrd="1" destOrd="0" presId="urn:microsoft.com/office/officeart/2005/8/layout/hierarchy1"/>
-    <dgm:cxn modelId="{27EB02C1-D827-4076-86DE-01533F0296DF}" type="presParOf" srcId="{D13EB796-47DE-44F8-A176-89647B12959F}" destId="{9D6FB206-1EB8-4A4B-9A9F-68F2FEF60BD9}" srcOrd="2" destOrd="0" presId="urn:microsoft.com/office/officeart/2005/8/layout/hierarchy1"/>
-    <dgm:cxn modelId="{019B11FA-6D47-4569-8E8E-52B8D482E321}" type="presParOf" srcId="{D13EB796-47DE-44F8-A176-89647B12959F}" destId="{247F0B6D-2A98-49D4-8B10-A8D7D8EEEEE1}" srcOrd="3" destOrd="0" presId="urn:microsoft.com/office/officeart/2005/8/layout/hierarchy1"/>
-    <dgm:cxn modelId="{56FC3BF0-A7F7-4899-B6E0-2F0C910FA851}" type="presParOf" srcId="{247F0B6D-2A98-49D4-8B10-A8D7D8EEEEE1}" destId="{A575DB79-F14C-4DCF-9157-50726DB1C1BD}" srcOrd="0" destOrd="0" presId="urn:microsoft.com/office/officeart/2005/8/layout/hierarchy1"/>
-    <dgm:cxn modelId="{6B3D3E6F-89BC-45AF-9D37-503E17D5B874}" type="presParOf" srcId="{A575DB79-F14C-4DCF-9157-50726DB1C1BD}" destId="{2A3ED077-9E8B-4701-B586-B9A836F33924}" srcOrd="0" destOrd="0" presId="urn:microsoft.com/office/officeart/2005/8/layout/hierarchy1"/>
-    <dgm:cxn modelId="{55E72295-BE2B-40C2-B26D-868E65489FFF}" type="presParOf" srcId="{A575DB79-F14C-4DCF-9157-50726DB1C1BD}" destId="{04813C26-7E72-4615-9E3E-AC927971786D}" srcOrd="1" destOrd="0" presId="urn:microsoft.com/office/officeart/2005/8/layout/hierarchy1"/>
-    <dgm:cxn modelId="{739B867C-DE1C-486C-BF2A-80EB702FF58D}" type="presParOf" srcId="{247F0B6D-2A98-49D4-8B10-A8D7D8EEEEE1}" destId="{FA0FE262-82CB-4DEB-A8AD-2E7CAA01505D}" srcOrd="1" destOrd="0" presId="urn:microsoft.com/office/officeart/2005/8/layout/hierarchy1"/>
-    <dgm:cxn modelId="{E1BE64A8-74C7-4286-8860-47E374AD44A9}" type="presParOf" srcId="{AF1304C0-C639-4A40-AFAD-56D1AC695597}" destId="{DF6FD90D-C462-4767-968B-159BB340CD1A}" srcOrd="2" destOrd="0" presId="urn:microsoft.com/office/officeart/2005/8/layout/hierarchy1"/>
-    <dgm:cxn modelId="{ED521F66-E8FC-4F1E-837D-C1AF738C5DB4}" type="presParOf" srcId="{DF6FD90D-C462-4767-968B-159BB340CD1A}" destId="{3BFA8B11-CCA6-4D76-8DFF-09BD50270651}" srcOrd="0" destOrd="0" presId="urn:microsoft.com/office/officeart/2005/8/layout/hierarchy1"/>
-    <dgm:cxn modelId="{DD8E8194-2C22-40BA-83F2-D82A36ADE21A}" type="presParOf" srcId="{3BFA8B11-CCA6-4D76-8DFF-09BD50270651}" destId="{5DA3F922-3784-4A58-B544-C9D43962B33A}" srcOrd="0" destOrd="0" presId="urn:microsoft.com/office/officeart/2005/8/layout/hierarchy1"/>
-    <dgm:cxn modelId="{A9D3DD46-3755-46C9-9CFD-EB8C1E41B495}" type="presParOf" srcId="{3BFA8B11-CCA6-4D76-8DFF-09BD50270651}" destId="{6F30C356-F2CC-444C-86D9-98093E5EE7D2}" srcOrd="1" destOrd="0" presId="urn:microsoft.com/office/officeart/2005/8/layout/hierarchy1"/>
-    <dgm:cxn modelId="{358F16C9-556D-4A83-82E2-46A913DADD5C}" type="presParOf" srcId="{DF6FD90D-C462-4767-968B-159BB340CD1A}" destId="{D047609B-C833-4A87-AC77-B92D95730DB6}" srcOrd="1" destOrd="0" presId="urn:microsoft.com/office/officeart/2005/8/layout/hierarchy1"/>
-    <dgm:cxn modelId="{AC6E397B-C24C-4E55-AFC6-A632EA964054}" type="presParOf" srcId="{AF1304C0-C639-4A40-AFAD-56D1AC695597}" destId="{2F269993-2ACF-4398-A29F-8E5F6D9CFFA7}" srcOrd="3" destOrd="0" presId="urn:microsoft.com/office/officeart/2005/8/layout/hierarchy1"/>
-    <dgm:cxn modelId="{98D3CC46-1534-4757-9E73-7523153E0E8A}" type="presParOf" srcId="{2F269993-2ACF-4398-A29F-8E5F6D9CFFA7}" destId="{43131B69-36FD-4B1F-8A30-2EB841D0BEA9}" srcOrd="0" destOrd="0" presId="urn:microsoft.com/office/officeart/2005/8/layout/hierarchy1"/>
-    <dgm:cxn modelId="{87E72E9E-50E4-44AA-9024-EAEA4A61D0B5}" type="presParOf" srcId="{43131B69-36FD-4B1F-8A30-2EB841D0BEA9}" destId="{5B5D8880-7776-4406-A101-906DE4BEA708}" srcOrd="0" destOrd="0" presId="urn:microsoft.com/office/officeart/2005/8/layout/hierarchy1"/>
-    <dgm:cxn modelId="{E70CFB33-7C2C-4B4A-BB98-6E598C9E1443}" type="presParOf" srcId="{43131B69-36FD-4B1F-8A30-2EB841D0BEA9}" destId="{378A0513-42E4-4CBB-ADE9-BD51F7D428EA}" srcOrd="1" destOrd="0" presId="urn:microsoft.com/office/officeart/2005/8/layout/hierarchy1"/>
-    <dgm:cxn modelId="{7F3DAFB1-2E52-4429-8A2E-F58F98BF0BBD}" type="presParOf" srcId="{2F269993-2ACF-4398-A29F-8E5F6D9CFFA7}" destId="{EB154A20-15C4-4FCA-9B74-BB5D4DD54320}" srcOrd="1" destOrd="0" presId="urn:microsoft.com/office/officeart/2005/8/layout/hierarchy1"/>
-  </dgm:cxnLst>
-  <dgm:bg/>
-  <dgm:whole/>
-  <dgm:extLst>
-    <a:ext uri="http://schemas.microsoft.com/office/drawing/2008/diagram">
-      <dsp:dataModelExt xmlns:dsp="http://schemas.microsoft.com/office/drawing/2008/diagram" relId="rId7" minVer="http://schemas.openxmlformats.org/drawingml/2006/diagram"/>
-    </a:ext>
-  </dgm:extLst>
-</dgm:dataModel>
-</file>
-
-<file path=ppt/diagrams/drawing1.xml><?xml version="1.0" encoding="utf-8"?>
-<dsp:drawing xmlns:dgm="http://schemas.openxmlformats.org/drawingml/2006/diagram" xmlns:dsp="http://schemas.microsoft.com/office/drawing/2008/diagram" xmlns:a="http://schemas.openxmlformats.org/drawingml/2006/main">
-  <dsp:spTree>
-    <dsp:nvGrpSpPr>
-      <dsp:cNvPr id="0" name=""/>
-      <dsp:cNvGrpSpPr/>
-    </dsp:nvGrpSpPr>
-    <dsp:grpSpPr/>
-    <dsp:sp modelId="{9D6FB206-1EB8-4A4B-9A9F-68F2FEF60BD9}">
-      <dsp:nvSpPr>
-        <dsp:cNvPr id="0" name=""/>
-        <dsp:cNvSpPr/>
-      </dsp:nvSpPr>
-      <dsp:spPr>
-        <a:xfrm>
-          <a:off x="2967156" y="1853533"/>
-          <a:ext cx="1052006" cy="500659"/>
-        </a:xfrm>
-        <a:custGeom>
-          <a:avLst/>
-          <a:gdLst/>
-          <a:ahLst/>
-          <a:cxnLst/>
-          <a:rect l="0" t="0" r="0" b="0"/>
-          <a:pathLst>
-            <a:path>
-              <a:moveTo>
-                <a:pt x="0" y="0"/>
-              </a:moveTo>
-              <a:lnTo>
-                <a:pt x="0" y="341184"/>
-              </a:lnTo>
-              <a:lnTo>
-                <a:pt x="1052006" y="341184"/>
-              </a:lnTo>
-              <a:lnTo>
-                <a:pt x="1052006" y="500659"/>
-              </a:lnTo>
-            </a:path>
-          </a:pathLst>
-        </a:custGeom>
-        <a:noFill/>
-        <a:ln w="48000" cap="flat" cmpd="thickThin" algn="ctr">
-          <a:solidFill>
-            <a:schemeClr val="accent1">
-              <a:shade val="60000"/>
-              <a:hueOff val="0"/>
-              <a:satOff val="0"/>
-              <a:lumOff val="0"/>
-              <a:alphaOff val="0"/>
-            </a:schemeClr>
-          </a:solidFill>
-          <a:prstDash val="solid"/>
-        </a:ln>
-        <a:effectLst/>
-      </dsp:spPr>
-      <dsp:style>
-        <a:lnRef idx="2">
-          <a:scrgbClr r="0" g="0" b="0"/>
-        </a:lnRef>
-        <a:fillRef idx="0">
-          <a:scrgbClr r="0" g="0" b="0"/>
-        </a:fillRef>
-        <a:effectRef idx="0">
-          <a:scrgbClr r="0" g="0" b="0"/>
-        </a:effectRef>
-        <a:fontRef idx="minor"/>
-      </dsp:style>
-    </dsp:sp>
-    <dsp:sp modelId="{CF427FA8-3EF0-48A3-A4C4-310431E92789}">
-      <dsp:nvSpPr>
-        <dsp:cNvPr id="0" name=""/>
-        <dsp:cNvSpPr/>
-      </dsp:nvSpPr>
-      <dsp:spPr>
-        <a:xfrm>
-          <a:off x="1915150" y="1853533"/>
-          <a:ext cx="1052006" cy="500659"/>
-        </a:xfrm>
-        <a:custGeom>
-          <a:avLst/>
-          <a:gdLst/>
-          <a:ahLst/>
-          <a:cxnLst/>
-          <a:rect l="0" t="0" r="0" b="0"/>
-          <a:pathLst>
-            <a:path>
-              <a:moveTo>
-                <a:pt x="1052006" y="0"/>
-              </a:moveTo>
-              <a:lnTo>
-                <a:pt x="1052006" y="341184"/>
-              </a:lnTo>
-              <a:lnTo>
-                <a:pt x="0" y="341184"/>
-              </a:lnTo>
-              <a:lnTo>
-                <a:pt x="0" y="500659"/>
-              </a:lnTo>
-            </a:path>
-          </a:pathLst>
-        </a:custGeom>
-        <a:noFill/>
-        <a:ln w="48000" cap="flat" cmpd="thickThin" algn="ctr">
-          <a:solidFill>
-            <a:schemeClr val="accent1">
-              <a:shade val="60000"/>
-              <a:hueOff val="0"/>
-              <a:satOff val="0"/>
-              <a:lumOff val="0"/>
-              <a:alphaOff val="0"/>
-            </a:schemeClr>
-          </a:solidFill>
-          <a:prstDash val="solid"/>
-        </a:ln>
-        <a:effectLst/>
-      </dsp:spPr>
-      <dsp:style>
-        <a:lnRef idx="2">
-          <a:scrgbClr r="0" g="0" b="0"/>
-        </a:lnRef>
-        <a:fillRef idx="0">
-          <a:scrgbClr r="0" g="0" b="0"/>
-        </a:fillRef>
-        <a:effectRef idx="0">
-          <a:scrgbClr r="0" g="0" b="0"/>
-        </a:effectRef>
-        <a:fontRef idx="minor"/>
-      </dsp:style>
-    </dsp:sp>
-    <dsp:sp modelId="{AE28BB1F-74E0-45E1-8E46-5B66B073FC01}">
-      <dsp:nvSpPr>
-        <dsp:cNvPr id="0" name=""/>
-        <dsp:cNvSpPr/>
-      </dsp:nvSpPr>
-      <dsp:spPr>
-        <a:xfrm>
-          <a:off x="2411" y="760403"/>
-          <a:ext cx="1721465" cy="1093130"/>
-        </a:xfrm>
-        <a:prstGeom prst="roundRect">
-          <a:avLst>
-            <a:gd name="adj" fmla="val 10000"/>
-          </a:avLst>
-        </a:prstGeom>
-        <a:solidFill>
-          <a:schemeClr val="accent1">
-            <a:hueOff val="0"/>
-            <a:satOff val="0"/>
-            <a:lumOff val="0"/>
-            <a:alphaOff val="0"/>
-          </a:schemeClr>
-        </a:solidFill>
-        <a:ln w="48000" cap="flat" cmpd="thickThin" algn="ctr">
-          <a:solidFill>
-            <a:schemeClr val="lt1">
-              <a:hueOff val="0"/>
-              <a:satOff val="0"/>
-              <a:lumOff val="0"/>
-              <a:alphaOff val="0"/>
-            </a:schemeClr>
-          </a:solidFill>
-          <a:prstDash val="solid"/>
-        </a:ln>
-        <a:effectLst/>
-      </dsp:spPr>
-      <dsp:style>
-        <a:lnRef idx="2">
-          <a:scrgbClr r="0" g="0" b="0"/>
-        </a:lnRef>
-        <a:fillRef idx="1">
-          <a:scrgbClr r="0" g="0" b="0"/>
-        </a:fillRef>
-        <a:effectRef idx="0">
-          <a:scrgbClr r="0" g="0" b="0"/>
-        </a:effectRef>
-        <a:fontRef idx="minor">
-          <a:schemeClr val="lt1"/>
-        </a:fontRef>
-      </dsp:style>
-    </dsp:sp>
-    <dsp:sp modelId="{FB104181-1E5E-4E5E-97DE-3BC2D32C598D}">
-      <dsp:nvSpPr>
-        <dsp:cNvPr id="0" name=""/>
-        <dsp:cNvSpPr/>
-      </dsp:nvSpPr>
-      <dsp:spPr>
-        <a:xfrm>
-          <a:off x="193684" y="942113"/>
-          <a:ext cx="1721465" cy="1093130"/>
-        </a:xfrm>
-        <a:prstGeom prst="roundRect">
-          <a:avLst>
-            <a:gd name="adj" fmla="val 10000"/>
-          </a:avLst>
-        </a:prstGeom>
-        <a:solidFill>
-          <a:schemeClr val="lt1">
-            <a:alpha val="90000"/>
-            <a:hueOff val="0"/>
-            <a:satOff val="0"/>
-            <a:lumOff val="0"/>
-            <a:alphaOff val="0"/>
-          </a:schemeClr>
-        </a:solidFill>
-        <a:ln w="48000" cap="flat" cmpd="thickThin" algn="ctr">
-          <a:solidFill>
-            <a:schemeClr val="accent1">
-              <a:hueOff val="0"/>
-              <a:satOff val="0"/>
-              <a:lumOff val="0"/>
-              <a:alphaOff val="0"/>
-            </a:schemeClr>
-          </a:solidFill>
-          <a:prstDash val="solid"/>
-        </a:ln>
-        <a:effectLst/>
-      </dsp:spPr>
-      <dsp:style>
-        <a:lnRef idx="2">
-          <a:scrgbClr r="0" g="0" b="0"/>
-        </a:lnRef>
-        <a:fillRef idx="1">
-          <a:scrgbClr r="0" g="0" b="0"/>
-        </a:fillRef>
-        <a:effectRef idx="0">
-          <a:scrgbClr r="0" g="0" b="0"/>
-        </a:effectRef>
-        <a:fontRef idx="minor"/>
-      </dsp:style>
-      <dsp:txBody>
-        <a:bodyPr spcFirstLastPara="0" vert="horz" wrap="square" lIns="49530" tIns="49530" rIns="49530" bIns="49530" numCol="1" spcCol="1270" anchor="ctr" anchorCtr="0">
-          <a:noAutofit/>
-        </a:bodyPr>
-        <a:lstStyle/>
-        <a:p>
-          <a:pPr lvl="0" algn="ctr" defTabSz="577850">
-            <a:lnSpc>
-              <a:spcPct val="90000"/>
-            </a:lnSpc>
-            <a:spcBef>
-              <a:spcPct val="0"/>
-            </a:spcBef>
-            <a:spcAft>
-              <a:spcPct val="35000"/>
-            </a:spcAft>
-          </a:pPr>
-          <a:r>
-            <a:rPr lang="en-US" sz="1300" kern="1200" dirty="0" err="1" smtClean="0"/>
-            <a:t>CFormattedTextReader</a:t>
-          </a:r>
-          <a:endParaRPr lang="ru-RU" sz="1300" kern="1200" dirty="0"/>
-        </a:p>
-      </dsp:txBody>
-      <dsp:txXfrm>
-        <a:off x="225701" y="974130"/>
-        <a:ext cx="1657431" cy="1029096"/>
-      </dsp:txXfrm>
-    </dsp:sp>
-    <dsp:sp modelId="{1259A7C4-01FD-477A-A25B-700352CB8D83}">
-      <dsp:nvSpPr>
-        <dsp:cNvPr id="0" name=""/>
-        <dsp:cNvSpPr/>
-      </dsp:nvSpPr>
-      <dsp:spPr>
-        <a:xfrm>
-          <a:off x="2106423" y="760403"/>
-          <a:ext cx="1721465" cy="1093130"/>
-        </a:xfrm>
-        <a:prstGeom prst="roundRect">
-          <a:avLst>
-            <a:gd name="adj" fmla="val 10000"/>
-          </a:avLst>
-        </a:prstGeom>
-        <a:solidFill>
-          <a:schemeClr val="accent1">
-            <a:hueOff val="0"/>
-            <a:satOff val="0"/>
-            <a:lumOff val="0"/>
-            <a:alphaOff val="0"/>
-          </a:schemeClr>
-        </a:solidFill>
-        <a:ln w="48000" cap="flat" cmpd="thickThin" algn="ctr">
-          <a:solidFill>
-            <a:schemeClr val="lt1">
-              <a:hueOff val="0"/>
-              <a:satOff val="0"/>
-              <a:lumOff val="0"/>
-              <a:alphaOff val="0"/>
-            </a:schemeClr>
-          </a:solidFill>
-          <a:prstDash val="solid"/>
-        </a:ln>
-        <a:effectLst/>
-      </dsp:spPr>
-      <dsp:style>
-        <a:lnRef idx="2">
-          <a:scrgbClr r="0" g="0" b="0"/>
-        </a:lnRef>
-        <a:fillRef idx="1">
-          <a:scrgbClr r="0" g="0" b="0"/>
-        </a:fillRef>
-        <a:effectRef idx="0">
-          <a:scrgbClr r="0" g="0" b="0"/>
-        </a:effectRef>
-        <a:fontRef idx="minor">
-          <a:schemeClr val="lt1"/>
-        </a:fontRef>
-      </dsp:style>
-    </dsp:sp>
-    <dsp:sp modelId="{B67A0E93-498E-4375-883A-8D5E6784A9AA}">
-      <dsp:nvSpPr>
-        <dsp:cNvPr id="0" name=""/>
-        <dsp:cNvSpPr/>
-      </dsp:nvSpPr>
-      <dsp:spPr>
-        <a:xfrm>
-          <a:off x="2297697" y="942113"/>
-          <a:ext cx="1721465" cy="1093130"/>
-        </a:xfrm>
-        <a:prstGeom prst="roundRect">
-          <a:avLst>
-            <a:gd name="adj" fmla="val 10000"/>
-          </a:avLst>
-        </a:prstGeom>
-        <a:solidFill>
-          <a:schemeClr val="lt1">
-            <a:alpha val="90000"/>
-            <a:hueOff val="0"/>
-            <a:satOff val="0"/>
-            <a:lumOff val="0"/>
-            <a:alphaOff val="0"/>
-          </a:schemeClr>
-        </a:solidFill>
-        <a:ln w="48000" cap="flat" cmpd="thickThin" algn="ctr">
-          <a:solidFill>
-            <a:schemeClr val="accent1">
-              <a:hueOff val="0"/>
-              <a:satOff val="0"/>
-              <a:lumOff val="0"/>
-              <a:alphaOff val="0"/>
-            </a:schemeClr>
-          </a:solidFill>
-          <a:prstDash val="solid"/>
-        </a:ln>
-        <a:effectLst/>
-      </dsp:spPr>
-      <dsp:style>
-        <a:lnRef idx="2">
-          <a:scrgbClr r="0" g="0" b="0"/>
-        </a:lnRef>
-        <a:fillRef idx="1">
-          <a:scrgbClr r="0" g="0" b="0"/>
-        </a:fillRef>
-        <a:effectRef idx="0">
-          <a:scrgbClr r="0" g="0" b="0"/>
-        </a:effectRef>
-        <a:fontRef idx="minor"/>
-      </dsp:style>
-      <dsp:txBody>
-        <a:bodyPr spcFirstLastPara="0" vert="horz" wrap="square" lIns="49530" tIns="49530" rIns="49530" bIns="49530" numCol="1" spcCol="1270" anchor="ctr" anchorCtr="0">
-          <a:noAutofit/>
-        </a:bodyPr>
-        <a:lstStyle/>
-        <a:p>
-          <a:pPr lvl="0" algn="ctr" defTabSz="577850">
-            <a:lnSpc>
-              <a:spcPct val="90000"/>
-            </a:lnSpc>
-            <a:spcBef>
-              <a:spcPct val="0"/>
-            </a:spcBef>
-            <a:spcAft>
-              <a:spcPct val="35000"/>
-            </a:spcAft>
-          </a:pPr>
-          <a:r>
-            <a:rPr lang="en-US" sz="1300" kern="1200" smtClean="0"/>
-            <a:t>CTextConverter</a:t>
-          </a:r>
-          <a:endParaRPr lang="ru-RU" sz="1300" kern="1200" dirty="0"/>
-        </a:p>
-      </dsp:txBody>
-      <dsp:txXfrm>
-        <a:off x="2329714" y="974130"/>
-        <a:ext cx="1657431" cy="1029096"/>
-      </dsp:txXfrm>
-    </dsp:sp>
-    <dsp:sp modelId="{86BB6F11-BD73-4C0B-8642-6848E4637150}">
-      <dsp:nvSpPr>
-        <dsp:cNvPr id="0" name=""/>
-        <dsp:cNvSpPr/>
-      </dsp:nvSpPr>
-      <dsp:spPr>
-        <a:xfrm>
-          <a:off x="1054417" y="2354193"/>
-          <a:ext cx="1721465" cy="1093130"/>
-        </a:xfrm>
-        <a:prstGeom prst="roundRect">
-          <a:avLst>
-            <a:gd name="adj" fmla="val 10000"/>
-          </a:avLst>
-        </a:prstGeom>
-        <a:solidFill>
-          <a:schemeClr val="accent1">
-            <a:hueOff val="0"/>
-            <a:satOff val="0"/>
-            <a:lumOff val="0"/>
-            <a:alphaOff val="0"/>
-          </a:schemeClr>
-        </a:solidFill>
-        <a:ln w="48000" cap="flat" cmpd="thickThin" algn="ctr">
-          <a:solidFill>
-            <a:schemeClr val="lt1">
-              <a:hueOff val="0"/>
-              <a:satOff val="0"/>
-              <a:lumOff val="0"/>
-              <a:alphaOff val="0"/>
-            </a:schemeClr>
-          </a:solidFill>
-          <a:prstDash val="solid"/>
-        </a:ln>
-        <a:effectLst/>
-      </dsp:spPr>
-      <dsp:style>
-        <a:lnRef idx="2">
-          <a:scrgbClr r="0" g="0" b="0"/>
-        </a:lnRef>
-        <a:fillRef idx="1">
-          <a:scrgbClr r="0" g="0" b="0"/>
-        </a:fillRef>
-        <a:effectRef idx="0">
-          <a:scrgbClr r="0" g="0" b="0"/>
-        </a:effectRef>
-        <a:fontRef idx="minor">
-          <a:schemeClr val="lt1"/>
-        </a:fontRef>
-      </dsp:style>
-    </dsp:sp>
-    <dsp:sp modelId="{35F5EB30-8A86-49DF-B88D-847F1790A7B0}">
-      <dsp:nvSpPr>
-        <dsp:cNvPr id="0" name=""/>
-        <dsp:cNvSpPr/>
-      </dsp:nvSpPr>
-      <dsp:spPr>
-        <a:xfrm>
-          <a:off x="1245691" y="2535903"/>
-          <a:ext cx="1721465" cy="1093130"/>
-        </a:xfrm>
-        <a:prstGeom prst="roundRect">
-          <a:avLst>
-            <a:gd name="adj" fmla="val 10000"/>
-          </a:avLst>
-        </a:prstGeom>
-        <a:solidFill>
-          <a:schemeClr val="lt1">
-            <a:alpha val="90000"/>
-            <a:hueOff val="0"/>
-            <a:satOff val="0"/>
-            <a:lumOff val="0"/>
-            <a:alphaOff val="0"/>
-          </a:schemeClr>
-        </a:solidFill>
-        <a:ln w="48000" cap="flat" cmpd="thickThin" algn="ctr">
-          <a:solidFill>
-            <a:schemeClr val="accent1">
-              <a:hueOff val="0"/>
-              <a:satOff val="0"/>
-              <a:lumOff val="0"/>
-              <a:alphaOff val="0"/>
-            </a:schemeClr>
-          </a:solidFill>
-          <a:prstDash val="solid"/>
-        </a:ln>
-        <a:effectLst/>
-      </dsp:spPr>
-      <dsp:style>
-        <a:lnRef idx="2">
-          <a:scrgbClr r="0" g="0" b="0"/>
-        </a:lnRef>
-        <a:fillRef idx="1">
-          <a:scrgbClr r="0" g="0" b="0"/>
-        </a:fillRef>
-        <a:effectRef idx="0">
-          <a:scrgbClr r="0" g="0" b="0"/>
-        </a:effectRef>
-        <a:fontRef idx="minor"/>
-      </dsp:style>
-      <dsp:txBody>
-        <a:bodyPr spcFirstLastPara="0" vert="horz" wrap="square" lIns="49530" tIns="49530" rIns="49530" bIns="49530" numCol="1" spcCol="1270" anchor="ctr" anchorCtr="0">
-          <a:noAutofit/>
-        </a:bodyPr>
-        <a:lstStyle/>
-        <a:p>
-          <a:pPr lvl="0" algn="ctr" defTabSz="577850">
-            <a:lnSpc>
-              <a:spcPct val="90000"/>
-            </a:lnSpc>
-            <a:spcBef>
-              <a:spcPct val="0"/>
-            </a:spcBef>
-            <a:spcAft>
-              <a:spcPct val="35000"/>
-            </a:spcAft>
-          </a:pPr>
-          <a:r>
-            <a:rPr lang="en-US" sz="1300" kern="1200" dirty="0" err="1" smtClean="0"/>
-            <a:t>CPDFConverter</a:t>
-          </a:r>
-          <a:endParaRPr lang="ru-RU" sz="1300" kern="1200" dirty="0"/>
-        </a:p>
-      </dsp:txBody>
-      <dsp:txXfrm>
-        <a:off x="1277708" y="2567920"/>
-        <a:ext cx="1657431" cy="1029096"/>
-      </dsp:txXfrm>
-    </dsp:sp>
-    <dsp:sp modelId="{2A3ED077-9E8B-4701-B586-B9A836F33924}">
-      <dsp:nvSpPr>
-        <dsp:cNvPr id="0" name=""/>
-        <dsp:cNvSpPr/>
-      </dsp:nvSpPr>
-      <dsp:spPr>
-        <a:xfrm>
-          <a:off x="3158430" y="2354193"/>
-          <a:ext cx="1721465" cy="1093130"/>
-        </a:xfrm>
-        <a:prstGeom prst="roundRect">
-          <a:avLst>
-            <a:gd name="adj" fmla="val 10000"/>
-          </a:avLst>
-        </a:prstGeom>
-        <a:solidFill>
-          <a:schemeClr val="accent1">
-            <a:hueOff val="0"/>
-            <a:satOff val="0"/>
-            <a:lumOff val="0"/>
-            <a:alphaOff val="0"/>
-          </a:schemeClr>
-        </a:solidFill>
-        <a:ln w="48000" cap="flat" cmpd="thickThin" algn="ctr">
-          <a:solidFill>
-            <a:schemeClr val="lt1">
-              <a:hueOff val="0"/>
-              <a:satOff val="0"/>
-              <a:lumOff val="0"/>
-              <a:alphaOff val="0"/>
-            </a:schemeClr>
-          </a:solidFill>
-          <a:prstDash val="solid"/>
-        </a:ln>
-        <a:effectLst/>
-      </dsp:spPr>
-      <dsp:style>
-        <a:lnRef idx="2">
-          <a:scrgbClr r="0" g="0" b="0"/>
-        </a:lnRef>
-        <a:fillRef idx="1">
-          <a:scrgbClr r="0" g="0" b="0"/>
-        </a:fillRef>
-        <a:effectRef idx="0">
-          <a:scrgbClr r="0" g="0" b="0"/>
-        </a:effectRef>
-        <a:fontRef idx="minor">
-          <a:schemeClr val="lt1"/>
-        </a:fontRef>
-      </dsp:style>
-    </dsp:sp>
-    <dsp:sp modelId="{04813C26-7E72-4615-9E3E-AC927971786D}">
-      <dsp:nvSpPr>
-        <dsp:cNvPr id="0" name=""/>
-        <dsp:cNvSpPr/>
-      </dsp:nvSpPr>
-      <dsp:spPr>
-        <a:xfrm>
-          <a:off x="3349704" y="2535903"/>
-          <a:ext cx="1721465" cy="1093130"/>
-        </a:xfrm>
-        <a:prstGeom prst="roundRect">
-          <a:avLst>
-            <a:gd name="adj" fmla="val 10000"/>
-          </a:avLst>
-        </a:prstGeom>
-        <a:solidFill>
-          <a:schemeClr val="lt1">
-            <a:alpha val="90000"/>
-            <a:hueOff val="0"/>
-            <a:satOff val="0"/>
-            <a:lumOff val="0"/>
-            <a:alphaOff val="0"/>
-          </a:schemeClr>
-        </a:solidFill>
-        <a:ln w="48000" cap="flat" cmpd="thickThin" algn="ctr">
-          <a:solidFill>
-            <a:schemeClr val="accent1">
-              <a:hueOff val="0"/>
-              <a:satOff val="0"/>
-              <a:lumOff val="0"/>
-              <a:alphaOff val="0"/>
-            </a:schemeClr>
-          </a:solidFill>
-          <a:prstDash val="solid"/>
-        </a:ln>
-        <a:effectLst/>
-      </dsp:spPr>
-      <dsp:style>
-        <a:lnRef idx="2">
-          <a:scrgbClr r="0" g="0" b="0"/>
-        </a:lnRef>
-        <a:fillRef idx="1">
-          <a:scrgbClr r="0" g="0" b="0"/>
-        </a:fillRef>
-        <a:effectRef idx="0">
-          <a:scrgbClr r="0" g="0" b="0"/>
-        </a:effectRef>
-        <a:fontRef idx="minor"/>
-      </dsp:style>
-      <dsp:txBody>
-        <a:bodyPr spcFirstLastPara="0" vert="horz" wrap="square" lIns="49530" tIns="49530" rIns="49530" bIns="49530" numCol="1" spcCol="1270" anchor="ctr" anchorCtr="0">
-          <a:noAutofit/>
-        </a:bodyPr>
-        <a:lstStyle/>
-        <a:p>
-          <a:pPr lvl="0" algn="ctr" defTabSz="577850">
-            <a:lnSpc>
-              <a:spcPct val="90000"/>
-            </a:lnSpc>
-            <a:spcBef>
-              <a:spcPct val="0"/>
-            </a:spcBef>
-            <a:spcAft>
-              <a:spcPct val="35000"/>
-            </a:spcAft>
-          </a:pPr>
-          <a:r>
-            <a:rPr lang="en-US" sz="1300" kern="1200" dirty="0" err="1" smtClean="0"/>
-            <a:t>CPlainTextConverter</a:t>
-          </a:r>
-          <a:endParaRPr lang="ru-RU" sz="1300" kern="1200" dirty="0"/>
-        </a:p>
-      </dsp:txBody>
-      <dsp:txXfrm>
-        <a:off x="3381721" y="2567920"/>
-        <a:ext cx="1657431" cy="1029096"/>
-      </dsp:txXfrm>
-    </dsp:sp>
-    <dsp:sp modelId="{5DA3F922-3784-4A58-B544-C9D43962B33A}">
-      <dsp:nvSpPr>
-        <dsp:cNvPr id="0" name=""/>
-        <dsp:cNvSpPr/>
-      </dsp:nvSpPr>
-      <dsp:spPr>
-        <a:xfrm>
-          <a:off x="4210436" y="760403"/>
-          <a:ext cx="1721465" cy="1093130"/>
-        </a:xfrm>
-        <a:prstGeom prst="roundRect">
-          <a:avLst>
-            <a:gd name="adj" fmla="val 10000"/>
-          </a:avLst>
-        </a:prstGeom>
-        <a:solidFill>
-          <a:schemeClr val="accent1">
-            <a:hueOff val="0"/>
-            <a:satOff val="0"/>
-            <a:lumOff val="0"/>
-            <a:alphaOff val="0"/>
-          </a:schemeClr>
-        </a:solidFill>
-        <a:ln w="48000" cap="flat" cmpd="thickThin" algn="ctr">
-          <a:solidFill>
-            <a:schemeClr val="lt1">
-              <a:hueOff val="0"/>
-              <a:satOff val="0"/>
-              <a:lumOff val="0"/>
-              <a:alphaOff val="0"/>
-            </a:schemeClr>
-          </a:solidFill>
-          <a:prstDash val="solid"/>
-        </a:ln>
-        <a:effectLst/>
-      </dsp:spPr>
-      <dsp:style>
-        <a:lnRef idx="2">
-          <a:scrgbClr r="0" g="0" b="0"/>
-        </a:lnRef>
-        <a:fillRef idx="1">
-          <a:scrgbClr r="0" g="0" b="0"/>
-        </a:fillRef>
-        <a:effectRef idx="0">
-          <a:scrgbClr r="0" g="0" b="0"/>
-        </a:effectRef>
-        <a:fontRef idx="minor">
-          <a:schemeClr val="lt1"/>
-        </a:fontRef>
-      </dsp:style>
-    </dsp:sp>
-    <dsp:sp modelId="{6F30C356-F2CC-444C-86D9-98093E5EE7D2}">
-      <dsp:nvSpPr>
-        <dsp:cNvPr id="0" name=""/>
-        <dsp:cNvSpPr/>
-      </dsp:nvSpPr>
-      <dsp:spPr>
-        <a:xfrm>
-          <a:off x="4401710" y="942113"/>
-          <a:ext cx="1721465" cy="1093130"/>
-        </a:xfrm>
-        <a:prstGeom prst="roundRect">
-          <a:avLst>
-            <a:gd name="adj" fmla="val 10000"/>
-          </a:avLst>
-        </a:prstGeom>
-        <a:solidFill>
-          <a:schemeClr val="lt1">
-            <a:alpha val="90000"/>
-            <a:hueOff val="0"/>
-            <a:satOff val="0"/>
-            <a:lumOff val="0"/>
-            <a:alphaOff val="0"/>
-          </a:schemeClr>
-        </a:solidFill>
-        <a:ln w="48000" cap="flat" cmpd="thickThin" algn="ctr">
-          <a:solidFill>
-            <a:schemeClr val="accent1">
-              <a:hueOff val="0"/>
-              <a:satOff val="0"/>
-              <a:lumOff val="0"/>
-              <a:alphaOff val="0"/>
-            </a:schemeClr>
-          </a:solidFill>
-          <a:prstDash val="solid"/>
-        </a:ln>
-        <a:effectLst/>
-      </dsp:spPr>
-      <dsp:style>
-        <a:lnRef idx="2">
-          <a:scrgbClr r="0" g="0" b="0"/>
-        </a:lnRef>
-        <a:fillRef idx="1">
-          <a:scrgbClr r="0" g="0" b="0"/>
-        </a:fillRef>
-        <a:effectRef idx="0">
-          <a:scrgbClr r="0" g="0" b="0"/>
-        </a:effectRef>
-        <a:fontRef idx="minor"/>
-      </dsp:style>
-      <dsp:txBody>
-        <a:bodyPr spcFirstLastPara="0" vert="horz" wrap="square" lIns="49530" tIns="49530" rIns="49530" bIns="49530" numCol="1" spcCol="1270" anchor="ctr" anchorCtr="0">
-          <a:noAutofit/>
-        </a:bodyPr>
-        <a:lstStyle/>
-        <a:p>
-          <a:pPr lvl="0" algn="ctr" defTabSz="577850">
-            <a:lnSpc>
-              <a:spcPct val="90000"/>
-            </a:lnSpc>
-            <a:spcBef>
-              <a:spcPct val="0"/>
-            </a:spcBef>
-            <a:spcAft>
-              <a:spcPct val="35000"/>
-            </a:spcAft>
-          </a:pPr>
-          <a:r>
-            <a:rPr lang="en-US" sz="1300" kern="1200" dirty="0" err="1" smtClean="0"/>
-            <a:t>CPDFDocument</a:t>
-          </a:r>
-          <a:endParaRPr lang="ru-RU" sz="1300" kern="1200" dirty="0"/>
-        </a:p>
-      </dsp:txBody>
-      <dsp:txXfrm>
-        <a:off x="4433727" y="974130"/>
-        <a:ext cx="1657431" cy="1029096"/>
-      </dsp:txXfrm>
-    </dsp:sp>
-    <dsp:sp modelId="{5B5D8880-7776-4406-A101-906DE4BEA708}">
-      <dsp:nvSpPr>
-        <dsp:cNvPr id="0" name=""/>
-        <dsp:cNvSpPr/>
-      </dsp:nvSpPr>
-      <dsp:spPr>
-        <a:xfrm>
-          <a:off x="6314449" y="760403"/>
-          <a:ext cx="1721465" cy="1093130"/>
-        </a:xfrm>
-        <a:prstGeom prst="roundRect">
-          <a:avLst>
-            <a:gd name="adj" fmla="val 10000"/>
-          </a:avLst>
-        </a:prstGeom>
-        <a:solidFill>
-          <a:schemeClr val="accent1">
-            <a:hueOff val="0"/>
-            <a:satOff val="0"/>
-            <a:lumOff val="0"/>
-            <a:alphaOff val="0"/>
-          </a:schemeClr>
-        </a:solidFill>
-        <a:ln w="48000" cap="flat" cmpd="thickThin" algn="ctr">
-          <a:solidFill>
-            <a:schemeClr val="lt1">
-              <a:hueOff val="0"/>
-              <a:satOff val="0"/>
-              <a:lumOff val="0"/>
-              <a:alphaOff val="0"/>
-            </a:schemeClr>
-          </a:solidFill>
-          <a:prstDash val="solid"/>
-        </a:ln>
-        <a:effectLst/>
-      </dsp:spPr>
-      <dsp:style>
-        <a:lnRef idx="2">
-          <a:scrgbClr r="0" g="0" b="0"/>
-        </a:lnRef>
-        <a:fillRef idx="1">
-          <a:scrgbClr r="0" g="0" b="0"/>
-        </a:fillRef>
-        <a:effectRef idx="0">
-          <a:scrgbClr r="0" g="0" b="0"/>
-        </a:effectRef>
-        <a:fontRef idx="minor">
-          <a:schemeClr val="lt1"/>
-        </a:fontRef>
-      </dsp:style>
-    </dsp:sp>
-    <dsp:sp modelId="{378A0513-42E4-4CBB-ADE9-BD51F7D428EA}">
-      <dsp:nvSpPr>
-        <dsp:cNvPr id="0" name=""/>
-        <dsp:cNvSpPr/>
-      </dsp:nvSpPr>
-      <dsp:spPr>
-        <a:xfrm>
-          <a:off x="6505723" y="942113"/>
-          <a:ext cx="1721465" cy="1093130"/>
-        </a:xfrm>
-        <a:prstGeom prst="roundRect">
-          <a:avLst>
-            <a:gd name="adj" fmla="val 10000"/>
-          </a:avLst>
-        </a:prstGeom>
-        <a:solidFill>
-          <a:schemeClr val="lt1">
-            <a:alpha val="90000"/>
-            <a:hueOff val="0"/>
-            <a:satOff val="0"/>
-            <a:lumOff val="0"/>
-            <a:alphaOff val="0"/>
-          </a:schemeClr>
-        </a:solidFill>
-        <a:ln w="48000" cap="flat" cmpd="thickThin" algn="ctr">
-          <a:solidFill>
-            <a:schemeClr val="accent1">
-              <a:hueOff val="0"/>
-              <a:satOff val="0"/>
-              <a:lumOff val="0"/>
-              <a:alphaOff val="0"/>
-            </a:schemeClr>
-          </a:solidFill>
-          <a:prstDash val="solid"/>
-        </a:ln>
-        <a:effectLst/>
-      </dsp:spPr>
-      <dsp:style>
-        <a:lnRef idx="2">
-          <a:scrgbClr r="0" g="0" b="0"/>
-        </a:lnRef>
-        <a:fillRef idx="1">
-          <a:scrgbClr r="0" g="0" b="0"/>
-        </a:fillRef>
-        <a:effectRef idx="0">
-          <a:scrgbClr r="0" g="0" b="0"/>
-        </a:effectRef>
-        <a:fontRef idx="minor"/>
-      </dsp:style>
-      <dsp:txBody>
-        <a:bodyPr spcFirstLastPara="0" vert="horz" wrap="square" lIns="49530" tIns="49530" rIns="49530" bIns="49530" numCol="1" spcCol="1270" anchor="ctr" anchorCtr="0">
-          <a:noAutofit/>
-        </a:bodyPr>
-        <a:lstStyle/>
-        <a:p>
-          <a:pPr lvl="0" algn="ctr" defTabSz="577850">
-            <a:lnSpc>
-              <a:spcPct val="90000"/>
-            </a:lnSpc>
-            <a:spcBef>
-              <a:spcPct val="0"/>
-            </a:spcBef>
-            <a:spcAft>
-              <a:spcPct val="35000"/>
-            </a:spcAft>
-          </a:pPr>
-          <a:r>
-            <a:rPr lang="en-US" sz="1300" kern="1200" dirty="0" err="1" smtClean="0"/>
-            <a:t>CPlainText</a:t>
-          </a:r>
-          <a:endParaRPr lang="ru-RU" sz="1300" kern="1200" dirty="0"/>
-        </a:p>
-      </dsp:txBody>
-      <dsp:txXfrm>
-        <a:off x="6537740" y="974130"/>
-        <a:ext cx="1657431" cy="1029096"/>
-      </dsp:txXfrm>
-    </dsp:sp>
-  </dsp:spTree>
-</dsp:drawing>
-</file>
-
-<file path=ppt/diagrams/layout1.xml><?xml version="1.0" encoding="utf-8"?>
-<dgm:layoutDef xmlns:dgm="http://schemas.openxmlformats.org/drawingml/2006/diagram" xmlns:a="http://schemas.openxmlformats.org/drawingml/2006/main" uniqueId="urn:microsoft.com/office/officeart/2005/8/layout/hierarchy1">
-  <dgm:title val=""/>
-  <dgm:desc val=""/>
-  <dgm:catLst>
-    <dgm:cat type="hierarchy" pri="2000"/>
-  </dgm:catLst>
-  <dgm:sampData>
-    <dgm:dataModel>
-      <dgm:ptLst>
-        <dgm:pt modelId="0" type="doc"/>
-        <dgm:pt modelId="1">
-          <dgm:prSet phldr="1"/>
-        </dgm:pt>
-        <dgm:pt modelId="2">
-          <dgm:prSet phldr="1"/>
-        </dgm:pt>
-        <dgm:pt modelId="21">
-          <dgm:prSet phldr="1"/>
-        </dgm:pt>
-        <dgm:pt modelId="22">
-          <dgm:prSet phldr="1"/>
-        </dgm:pt>
-        <dgm:pt modelId="3">
-          <dgm:prSet phldr="1"/>
-        </dgm:pt>
-        <dgm:pt modelId="31">
-          <dgm:prSet phldr="1"/>
-        </dgm:pt>
-      </dgm:ptLst>
-      <dgm:cxnLst>
-        <dgm:cxn modelId="4" srcId="0" destId="1" srcOrd="0" destOrd="0"/>
-        <dgm:cxn modelId="5" srcId="1" destId="2" srcOrd="0" destOrd="0"/>
-        <dgm:cxn modelId="6" srcId="1" destId="3" srcOrd="1" destOrd="0"/>
-        <dgm:cxn modelId="23" srcId="2" destId="21" srcOrd="0" destOrd="0"/>
-        <dgm:cxn modelId="24" srcId="2" destId="22" srcOrd="1" destOrd="0"/>
-        <dgm:cxn modelId="33" srcId="3" destId="31" srcOrd="0" destOrd="0"/>
-      </dgm:cxnLst>
-      <dgm:bg/>
-      <dgm:whole/>
-    </dgm:dataModel>
-  </dgm:sampData>
-  <dgm:styleData>
-    <dgm:dataModel>
-      <dgm:ptLst>
-        <dgm:pt modelId="0" type="doc"/>
-        <dgm:pt modelId="1"/>
-        <dgm:pt modelId="11"/>
-        <dgm:pt modelId="12"/>
-      </dgm:ptLst>
-      <dgm:cxnLst>
-        <dgm:cxn modelId="2" srcId="0" destId="1" srcOrd="0" destOrd="0"/>
-        <dgm:cxn modelId="13" srcId="1" destId="11" srcOrd="0" destOrd="0"/>
-        <dgm:cxn modelId="14" srcId="1" destId="12" srcOrd="1" destOrd="0"/>
-      </dgm:cxnLst>
-      <dgm:bg/>
-      <dgm:whole/>
-    </dgm:dataModel>
-  </dgm:styleData>
-  <dgm:clrData>
-    <dgm:dataModel>
-      <dgm:ptLst>
-        <dgm:pt modelId="0" type="doc"/>
-        <dgm:pt modelId="1"/>
-        <dgm:pt modelId="2"/>
-        <dgm:pt modelId="21"/>
-        <dgm:pt modelId="211"/>
-        <dgm:pt modelId="3"/>
-        <dgm:pt modelId="31"/>
-        <dgm:pt modelId="311"/>
-      </dgm:ptLst>
-      <dgm:cxnLst>
-        <dgm:cxn modelId="4" srcId="0" destId="1" srcOrd="0" destOrd="0"/>
-        <dgm:cxn modelId="5" srcId="1" destId="2" srcOrd="0" destOrd="0"/>
-        <dgm:cxn modelId="6" srcId="1" destId="3" srcOrd="1" destOrd="0"/>
-        <dgm:cxn modelId="23" srcId="2" destId="21" srcOrd="0" destOrd="0"/>
-        <dgm:cxn modelId="24" srcId="21" destId="211" srcOrd="0" destOrd="0"/>
-        <dgm:cxn modelId="33" srcId="3" destId="31" srcOrd="0" destOrd="0"/>
-        <dgm:cxn modelId="34" srcId="31" destId="311" srcOrd="0" destOrd="0"/>
-      </dgm:cxnLst>
-      <dgm:bg/>
-      <dgm:whole/>
-    </dgm:dataModel>
-  </dgm:clrData>
-  <dgm:layoutNode name="hierChild1">
-    <dgm:varLst>
-      <dgm:chPref val="1"/>
-      <dgm:dir/>
-      <dgm:animOne val="branch"/>
-      <dgm:animLvl val="lvl"/>
-      <dgm:resizeHandles/>
-    </dgm:varLst>
-    <dgm:choose name="Name0">
-      <dgm:if name="Name1" func="var" arg="dir" op="equ" val="norm">
-        <dgm:alg type="hierChild">
-          <dgm:param type="linDir" val="fromL"/>
-        </dgm:alg>
-      </dgm:if>
-      <dgm:else name="Name2">
-        <dgm:alg type="hierChild">
-          <dgm:param type="linDir" val="fromR"/>
-        </dgm:alg>
-      </dgm:else>
-    </dgm:choose>
-    <dgm:shape xmlns:r="http://schemas.openxmlformats.org/officeDocument/2006/relationships" r:blip="">
-      <dgm:adjLst/>
-    </dgm:shape>
-    <dgm:presOf/>
-    <dgm:constrLst>
-      <dgm:constr type="primFontSz" for="des" ptType="node" op="equ" val="65"/>
-      <dgm:constr type="w" for="des" forName="composite" refType="w"/>
-      <dgm:constr type="h" for="des" forName="composite" refType="w" refFor="des" refForName="composite" fact="0.667"/>
-      <dgm:constr type="w" for="des" forName="composite2" refType="w" refFor="des" refForName="composite"/>
-      <dgm:constr type="h" for="des" forName="composite2" refType="h" refFor="des" refForName="composite"/>
-      <dgm:constr type="w" for="des" forName="composite3" refType="w" refFor="des" refForName="composite"/>
-      <dgm:constr type="h" for="des" forName="composite3" refType="h" refFor="des" refForName="composite"/>
-      <dgm:constr type="w" for="des" forName="composite4" refType="w" refFor="des" refForName="composite"/>
-      <dgm:constr type="h" for="des" forName="composite4" refType="h" refFor="des" refForName="composite"/>
-      <dgm:constr type="w" for="des" forName="composite5" refType="w" refFor="des" refForName="composite"/>
-      <dgm:constr type="h" for="des" forName="composite5" refType="h" refFor="des" refForName="composite"/>
-      <dgm:constr type="sibSp" refType="w" refFor="des" refForName="composite" fact="0.1"/>
-      <dgm:constr type="sibSp" for="des" forName="hierChild2" refType="sibSp"/>
-      <dgm:constr type="sibSp" for="des" forName="hierChild3" refType="sibSp"/>
-      <dgm:constr type="sibSp" for="des" forName="hierChild4" refType="sibSp"/>
-      <dgm:constr type="sibSp" for="des" forName="hierChild5" refType="sibSp"/>
-      <dgm:constr type="sibSp" for="des" forName="hierChild6" refType="sibSp"/>
-      <dgm:constr type="sp" for="des" forName="hierRoot1" refType="h" refFor="des" refForName="composite" fact="0.25"/>
-      <dgm:constr type="sp" for="des" forName="hierRoot2" refType="sp" refFor="des" refForName="hierRoot1"/>
-      <dgm:constr type="sp" for="des" forName="hierRoot3" refType="sp" refFor="des" refForName="hierRoot1"/>
-      <dgm:constr type="sp" for="des" forName="hierRoot4" refType="sp" refFor="des" refForName="hierRoot1"/>
-      <dgm:constr type="sp" for="des" forName="hierRoot5" refType="sp" refFor="des" refForName="hierRoot1"/>
-    </dgm:constrLst>
-    <dgm:ruleLst/>
-    <dgm:forEach name="Name3" axis="ch">
-      <dgm:forEach name="Name4" axis="self" ptType="node">
-        <dgm:layoutNode name="hierRoot1">
-          <dgm:alg type="hierRoot"/>
-          <dgm:shape xmlns:r="http://schemas.openxmlformats.org/officeDocument/2006/relationships" r:blip="">
-            <dgm:adjLst/>
-          </dgm:shape>
-          <dgm:presOf/>
-          <dgm:constrLst>
-            <dgm:constr type="bendDist" for="des" ptType="parTrans" refType="sp" fact="0.5"/>
-          </dgm:constrLst>
-          <dgm:ruleLst/>
-          <dgm:layoutNode name="composite">
-            <dgm:alg type="composite"/>
-            <dgm:shape xmlns:r="http://schemas.openxmlformats.org/officeDocument/2006/relationships" r:blip="">
-              <dgm:adjLst/>
-            </dgm:shape>
-            <dgm:presOf/>
-            <dgm:constrLst>
-              <dgm:constr type="w" for="ch" forName="background" refType="w" fact="0.9"/>
-              <dgm:constr type="h" for="ch" forName="background" refType="w" refFor="ch" refForName="background" fact="0.635"/>
-              <dgm:constr type="t" for="ch" forName="background"/>
-              <dgm:constr type="l" for="ch" forName="background"/>
-              <dgm:constr type="w" for="ch" forName="text" refType="w" fact="0.9"/>
-              <dgm:constr type="h" for="ch" forName="text" refType="w" refFor="ch" refForName="text" fact="0.635"/>
-              <dgm:constr type="t" for="ch" forName="text" refType="w" fact="0.095"/>
-              <dgm:constr type="l" for="ch" forName="text" refType="w" fact="0.1"/>
-            </dgm:constrLst>
-            <dgm:ruleLst/>
-            <dgm:layoutNode name="background" styleLbl="node0" moveWith="text">
-              <dgm:alg type="sp"/>
-              <dgm:shape xmlns:r="http://schemas.openxmlformats.org/officeDocument/2006/relationships" type="roundRect" r:blip="">
-                <dgm:adjLst>
-                  <dgm:adj idx="1" val="0.1"/>
-                </dgm:adjLst>
-              </dgm:shape>
-              <dgm:presOf/>
-              <dgm:constrLst/>
-              <dgm:ruleLst/>
-            </dgm:layoutNode>
-            <dgm:layoutNode name="text" styleLbl="fgAcc0">
-              <dgm:varLst>
-                <dgm:chPref val="3"/>
-              </dgm:varLst>
-              <dgm:alg type="tx"/>
-              <dgm:shape xmlns:r="http://schemas.openxmlformats.org/officeDocument/2006/relationships" type="roundRect" r:blip="">
-                <dgm:adjLst>
-                  <dgm:adj idx="1" val="0.1"/>
-                </dgm:adjLst>
-              </dgm:shape>
-              <dgm:presOf axis="self"/>
-              <dgm:constrLst>
-                <dgm:constr type="tMarg" refType="primFontSz" fact="0.3"/>
-                <dgm:constr type="bMarg" refType="primFontSz" fact="0.3"/>
-                <dgm:constr type="lMarg" refType="primFontSz" fact="0.3"/>
-                <dgm:constr type="rMarg" refType="primFontSz" fact="0.3"/>
-              </dgm:constrLst>
-              <dgm:ruleLst>
-                <dgm:rule type="primFontSz" val="5" fact="NaN" max="NaN"/>
-              </dgm:ruleLst>
-            </dgm:layoutNode>
-          </dgm:layoutNode>
-          <dgm:layoutNode name="hierChild2">
-            <dgm:choose name="Name5">
-              <dgm:if name="Name6" func="var" arg="dir" op="equ" val="norm">
-                <dgm:alg type="hierChild">
-                  <dgm:param type="linDir" val="fromL"/>
-                </dgm:alg>
-              </dgm:if>
-              <dgm:else name="Name7">
-                <dgm:alg type="hierChild">
-                  <dgm:param type="linDir" val="fromR"/>
-                </dgm:alg>
-              </dgm:else>
-            </dgm:choose>
-            <dgm:shape xmlns:r="http://schemas.openxmlformats.org/officeDocument/2006/relationships" r:blip="">
-              <dgm:adjLst/>
-            </dgm:shape>
-            <dgm:presOf/>
-            <dgm:constrLst/>
-            <dgm:ruleLst/>
-            <dgm:forEach name="Name8" axis="ch">
-              <dgm:forEach name="Name9" axis="self" ptType="parTrans" cnt="1">
-                <dgm:layoutNode name="Name10">
-                  <dgm:alg type="conn">
-                    <dgm:param type="dim" val="1D"/>
-                    <dgm:param type="endSty" val="noArr"/>
-                    <dgm:param type="connRout" val="bend"/>
-                    <dgm:param type="bendPt" val="end"/>
-                    <dgm:param type="begPts" val="bCtr"/>
-                    <dgm:param type="endPts" val="tCtr"/>
-                    <dgm:param type="srcNode" val="background"/>
-                    <dgm:param type="dstNode" val="background2"/>
-                  </dgm:alg>
-                  <dgm:shape xmlns:r="http://schemas.openxmlformats.org/officeDocument/2006/relationships" type="conn" r:blip="" zOrderOff="-999">
-                    <dgm:adjLst/>
-                  </dgm:shape>
-                  <dgm:presOf axis="self"/>
-                  <dgm:constrLst>
-                    <dgm:constr type="begPad"/>
-                    <dgm:constr type="endPad"/>
-                  </dgm:constrLst>
-                  <dgm:ruleLst/>
-                </dgm:layoutNode>
-              </dgm:forEach>
-              <dgm:forEach name="Name11" axis="self" ptType="node">
-                <dgm:layoutNode name="hierRoot2">
-                  <dgm:alg type="hierRoot"/>
-                  <dgm:shape xmlns:r="http://schemas.openxmlformats.org/officeDocument/2006/relationships" r:blip="">
-                    <dgm:adjLst/>
-                  </dgm:shape>
-                  <dgm:presOf/>
-                  <dgm:constrLst>
-                    <dgm:constr type="bendDist" for="des" ptType="parTrans" refType="sp" fact="0.5"/>
-                  </dgm:constrLst>
-                  <dgm:ruleLst/>
-                  <dgm:layoutNode name="composite2">
-                    <dgm:alg type="composite"/>
-                    <dgm:shape xmlns:r="http://schemas.openxmlformats.org/officeDocument/2006/relationships" r:blip="">
-                      <dgm:adjLst/>
-                    </dgm:shape>
-                    <dgm:presOf/>
-                    <dgm:constrLst>
-                      <dgm:constr type="w" for="ch" forName="background2" refType="w" fact="0.9"/>
-                      <dgm:constr type="h" for="ch" forName="background2" refType="w" refFor="ch" refForName="background2" fact="0.635"/>
-                      <dgm:constr type="t" for="ch" forName="background2"/>
-                      <dgm:constr type="l" for="ch" forName="background2"/>
-                      <dgm:constr type="w" for="ch" forName="text2" refType="w" fact="0.9"/>
-                      <dgm:constr type="h" for="ch" forName="text2" refType="w" refFor="ch" refForName="text2" fact="0.635"/>
-                      <dgm:constr type="t" for="ch" forName="text2" refType="w" fact="0.095"/>
-                      <dgm:constr type="l" for="ch" forName="text2" refType="w" fact="0.1"/>
-                    </dgm:constrLst>
-                    <dgm:ruleLst/>
-                    <dgm:layoutNode name="background2" moveWith="text2">
-                      <dgm:alg type="sp"/>
-                      <dgm:shape xmlns:r="http://schemas.openxmlformats.org/officeDocument/2006/relationships" type="roundRect" r:blip="">
-                        <dgm:adjLst>
-                          <dgm:adj idx="1" val="0.1"/>
-                        </dgm:adjLst>
-                      </dgm:shape>
-                      <dgm:presOf/>
-                      <dgm:constrLst/>
-                      <dgm:ruleLst/>
-                    </dgm:layoutNode>
-                    <dgm:layoutNode name="text2" styleLbl="fgAcc2">
-                      <dgm:varLst>
-                        <dgm:chPref val="3"/>
-                      </dgm:varLst>
-                      <dgm:alg type="tx"/>
-                      <dgm:shape xmlns:r="http://schemas.openxmlformats.org/officeDocument/2006/relationships" type="roundRect" r:blip="">
-                        <dgm:adjLst>
-                          <dgm:adj idx="1" val="0.1"/>
-                        </dgm:adjLst>
-                      </dgm:shape>
-                      <dgm:presOf axis="self"/>
-                      <dgm:constrLst>
-                        <dgm:constr type="tMarg" refType="primFontSz" fact="0.3"/>
-                        <dgm:constr type="bMarg" refType="primFontSz" fact="0.3"/>
-                        <dgm:constr type="lMarg" refType="primFontSz" fact="0.3"/>
-                        <dgm:constr type="rMarg" refType="primFontSz" fact="0.3"/>
-                      </dgm:constrLst>
-                      <dgm:ruleLst>
-                        <dgm:rule type="primFontSz" val="5" fact="NaN" max="NaN"/>
-                      </dgm:ruleLst>
-                    </dgm:layoutNode>
-                  </dgm:layoutNode>
-                  <dgm:layoutNode name="hierChild3">
-                    <dgm:choose name="Name12">
-                      <dgm:if name="Name13" func="var" arg="dir" op="equ" val="norm">
-                        <dgm:alg type="hierChild">
-                          <dgm:param type="linDir" val="fromL"/>
-                        </dgm:alg>
-                      </dgm:if>
-                      <dgm:else name="Name14">
-                        <dgm:alg type="hierChild">
-                          <dgm:param type="linDir" val="fromR"/>
-                        </dgm:alg>
-                      </dgm:else>
-                    </dgm:choose>
-                    <dgm:shape xmlns:r="http://schemas.openxmlformats.org/officeDocument/2006/relationships" r:blip="">
-                      <dgm:adjLst/>
-                    </dgm:shape>
-                    <dgm:presOf/>
-                    <dgm:constrLst/>
-                    <dgm:ruleLst/>
-                    <dgm:forEach name="Name15" axis="ch">
-                      <dgm:forEach name="Name16" axis="self" ptType="parTrans" cnt="1">
-                        <dgm:layoutNode name="Name17">
-                          <dgm:alg type="conn">
-                            <dgm:param type="dim" val="1D"/>
-                            <dgm:param type="endSty" val="noArr"/>
-                            <dgm:param type="connRout" val="bend"/>
-                            <dgm:param type="bendPt" val="end"/>
-                            <dgm:param type="begPts" val="bCtr"/>
-                            <dgm:param type="endPts" val="tCtr"/>
-                            <dgm:param type="srcNode" val="background2"/>
-                            <dgm:param type="dstNode" val="background3"/>
-                          </dgm:alg>
-                          <dgm:shape xmlns:r="http://schemas.openxmlformats.org/officeDocument/2006/relationships" type="conn" r:blip="" zOrderOff="-999">
-                            <dgm:adjLst/>
-                          </dgm:shape>
-                          <dgm:presOf axis="self"/>
-                          <dgm:constrLst>
-                            <dgm:constr type="begPad"/>
-                            <dgm:constr type="endPad"/>
-                          </dgm:constrLst>
-                          <dgm:ruleLst/>
-                        </dgm:layoutNode>
-                      </dgm:forEach>
-                      <dgm:forEach name="Name18" axis="self" ptType="node">
-                        <dgm:layoutNode name="hierRoot3">
-                          <dgm:alg type="hierRoot"/>
-                          <dgm:shape xmlns:r="http://schemas.openxmlformats.org/officeDocument/2006/relationships" r:blip="">
-                            <dgm:adjLst/>
-                          </dgm:shape>
-                          <dgm:presOf/>
-                          <dgm:constrLst>
-                            <dgm:constr type="bendDist" for="des" ptType="parTrans" refType="sp" fact="0.5"/>
-                          </dgm:constrLst>
-                          <dgm:ruleLst/>
-                          <dgm:layoutNode name="composite3">
-                            <dgm:alg type="composite"/>
-                            <dgm:shape xmlns:r="http://schemas.openxmlformats.org/officeDocument/2006/relationships" r:blip="">
-                              <dgm:adjLst/>
-                            </dgm:shape>
-                            <dgm:presOf/>
-                            <dgm:constrLst>
-                              <dgm:constr type="w" for="ch" forName="background3" refType="w" fact="0.9"/>
-                              <dgm:constr type="h" for="ch" forName="background3" refType="w" refFor="ch" refForName="background3" fact="0.635"/>
-                              <dgm:constr type="t" for="ch" forName="background3"/>
-                              <dgm:constr type="l" for="ch" forName="background3"/>
-                              <dgm:constr type="w" for="ch" forName="text3" refType="w" fact="0.9"/>
-                              <dgm:constr type="h" for="ch" forName="text3" refType="w" refFor="ch" refForName="text3" fact="0.635"/>
-                              <dgm:constr type="t" for="ch" forName="text3" refType="w" fact="0.095"/>
-                              <dgm:constr type="l" for="ch" forName="text3" refType="w" fact="0.1"/>
-                            </dgm:constrLst>
-                            <dgm:ruleLst/>
-                            <dgm:layoutNode name="background3" moveWith="text3">
-                              <dgm:alg type="sp"/>
-                              <dgm:shape xmlns:r="http://schemas.openxmlformats.org/officeDocument/2006/relationships" type="roundRect" r:blip="">
-                                <dgm:adjLst>
-                                  <dgm:adj idx="1" val="0.1"/>
-                                </dgm:adjLst>
-                              </dgm:shape>
-                              <dgm:presOf/>
-                              <dgm:constrLst/>
-                              <dgm:ruleLst/>
-                            </dgm:layoutNode>
-                            <dgm:layoutNode name="text3" styleLbl="fgAcc3">
-                              <dgm:varLst>
-                                <dgm:chPref val="3"/>
-                              </dgm:varLst>
-                              <dgm:alg type="tx"/>
-                              <dgm:shape xmlns:r="http://schemas.openxmlformats.org/officeDocument/2006/relationships" type="roundRect" r:blip="">
-                                <dgm:adjLst>
-                                  <dgm:adj idx="1" val="0.1"/>
-                                </dgm:adjLst>
-                              </dgm:shape>
-                              <dgm:presOf axis="self"/>
-                              <dgm:constrLst>
-                                <dgm:constr type="tMarg" refType="primFontSz" fact="0.3"/>
-                                <dgm:constr type="bMarg" refType="primFontSz" fact="0.3"/>
-                                <dgm:constr type="lMarg" refType="primFontSz" fact="0.3"/>
-                                <dgm:constr type="rMarg" refType="primFontSz" fact="0.3"/>
-                              </dgm:constrLst>
-                              <dgm:ruleLst>
-                                <dgm:rule type="primFontSz" val="5" fact="NaN" max="NaN"/>
-                              </dgm:ruleLst>
-                            </dgm:layoutNode>
-                          </dgm:layoutNode>
-                          <dgm:layoutNode name="hierChild4">
-                            <dgm:choose name="Name19">
-                              <dgm:if name="Name20" func="var" arg="dir" op="equ" val="norm">
-                                <dgm:alg type="hierChild">
-                                  <dgm:param type="linDir" val="fromL"/>
-                                </dgm:alg>
-                              </dgm:if>
-                              <dgm:else name="Name21">
-                                <dgm:alg type="hierChild">
-                                  <dgm:param type="linDir" val="fromR"/>
-                                </dgm:alg>
-                              </dgm:else>
-                            </dgm:choose>
-                            <dgm:shape xmlns:r="http://schemas.openxmlformats.org/officeDocument/2006/relationships" r:blip="">
-                              <dgm:adjLst/>
-                            </dgm:shape>
-                            <dgm:presOf/>
-                            <dgm:constrLst/>
-                            <dgm:ruleLst/>
-                            <dgm:forEach name="repeat" axis="ch">
-                              <dgm:forEach name="Name22" axis="self" ptType="parTrans" cnt="1">
-                                <dgm:layoutNode name="Name23">
-                                  <dgm:choose name="Name24">
-                                    <dgm:if name="Name25" axis="self" func="depth" op="lte" val="4">
-                                      <dgm:alg type="conn">
-                                        <dgm:param type="dim" val="1D"/>
-                                        <dgm:param type="endSty" val="noArr"/>
-                                        <dgm:param type="connRout" val="bend"/>
-                                        <dgm:param type="bendPt" val="end"/>
-                                        <dgm:param type="begPts" val="bCtr"/>
-                                        <dgm:param type="endPts" val="tCtr"/>
-                                        <dgm:param type="srcNode" val="background3"/>
-                                        <dgm:param type="dstNode" val="background4"/>
-                                      </dgm:alg>
-                                    </dgm:if>
-                                    <dgm:else name="Name26">
-                                      <dgm:alg type="conn">
-                                        <dgm:param type="dim" val="1D"/>
-                                        <dgm:param type="endSty" val="noArr"/>
-                                        <dgm:param type="connRout" val="bend"/>
-                                        <dgm:param type="bendPt" val="end"/>
-                                        <dgm:param type="begPts" val="bCtr"/>
-                                        <dgm:param type="endPts" val="tCtr"/>
-                                        <dgm:param type="srcNode" val="background4"/>
-                                        <dgm:param type="dstNode" val="background4"/>
-                                      </dgm:alg>
-                                    </dgm:else>
-                                  </dgm:choose>
-                                  <dgm:shape xmlns:r="http://schemas.openxmlformats.org/officeDocument/2006/relationships" type="conn" r:blip="" zOrderOff="-999">
-                                    <dgm:adjLst/>
-                                  </dgm:shape>
-                                  <dgm:presOf axis="self"/>
-                                  <dgm:constrLst>
-                                    <dgm:constr type="begPad"/>
-                                    <dgm:constr type="endPad"/>
-                                  </dgm:constrLst>
-                                  <dgm:ruleLst/>
-                                </dgm:layoutNode>
-                              </dgm:forEach>
-                              <dgm:forEach name="Name27" axis="self" ptType="node">
-                                <dgm:layoutNode name="hierRoot4">
-                                  <dgm:alg type="hierRoot"/>
-                                  <dgm:shape xmlns:r="http://schemas.openxmlformats.org/officeDocument/2006/relationships" r:blip="">
-                                    <dgm:adjLst/>
-                                  </dgm:shape>
-                                  <dgm:presOf/>
-                                  <dgm:constrLst>
-                                    <dgm:constr type="bendDist" for="des" ptType="parTrans" refType="sp" fact="0.5"/>
-                                  </dgm:constrLst>
-                                  <dgm:ruleLst/>
-                                  <dgm:layoutNode name="composite4">
-                                    <dgm:alg type="composite"/>
-                                    <dgm:shape xmlns:r="http://schemas.openxmlformats.org/officeDocument/2006/relationships" r:blip="">
-                                      <dgm:adjLst/>
-                                    </dgm:shape>
-                                    <dgm:presOf/>
-                                    <dgm:constrLst>
-                                      <dgm:constr type="w" for="ch" forName="background4" refType="w" fact="0.9"/>
-                                      <dgm:constr type="h" for="ch" forName="background4" refType="w" refFor="ch" refForName="background4" fact="0.635"/>
-                                      <dgm:constr type="t" for="ch" forName="background4"/>
-                                      <dgm:constr type="l" for="ch" forName="background4"/>
-                                      <dgm:constr type="w" for="ch" forName="text4" refType="w" fact="0.9"/>
-                                      <dgm:constr type="h" for="ch" forName="text4" refType="w" refFor="ch" refForName="text4" fact="0.635"/>
-                                      <dgm:constr type="t" for="ch" forName="text4" refType="w" fact="0.095"/>
-                                      <dgm:constr type="l" for="ch" forName="text4" refType="w" fact="0.1"/>
-                                    </dgm:constrLst>
-                                    <dgm:ruleLst/>
-                                    <dgm:layoutNode name="background4" moveWith="text4">
-                                      <dgm:alg type="sp"/>
-                                      <dgm:shape xmlns:r="http://schemas.openxmlformats.org/officeDocument/2006/relationships" type="roundRect" r:blip="">
-                                        <dgm:adjLst>
-                                          <dgm:adj idx="1" val="0.1"/>
-                                        </dgm:adjLst>
-                                      </dgm:shape>
-                                      <dgm:presOf/>
-                                      <dgm:constrLst/>
-                                      <dgm:ruleLst/>
-                                    </dgm:layoutNode>
-                                    <dgm:layoutNode name="text4" styleLbl="fgAcc4">
-                                      <dgm:varLst>
-                                        <dgm:chPref val="3"/>
-                                      </dgm:varLst>
-                                      <dgm:alg type="tx"/>
-                                      <dgm:shape xmlns:r="http://schemas.openxmlformats.org/officeDocument/2006/relationships" type="roundRect" r:blip="">
-                                        <dgm:adjLst>
-                                          <dgm:adj idx="1" val="0.1"/>
-                                        </dgm:adjLst>
-                                      </dgm:shape>
-                                      <dgm:presOf axis="self"/>
-                                      <dgm:constrLst>
-                                        <dgm:constr type="tMarg" refType="primFontSz" fact="0.3"/>
-                                        <dgm:constr type="bMarg" refType="primFontSz" fact="0.3"/>
-                                        <dgm:constr type="lMarg" refType="primFontSz" fact="0.3"/>
-                                        <dgm:constr type="rMarg" refType="primFontSz" fact="0.3"/>
-                                      </dgm:constrLst>
-                                      <dgm:ruleLst>
-                                        <dgm:rule type="primFontSz" val="5" fact="NaN" max="NaN"/>
-                                      </dgm:ruleLst>
-                                    </dgm:layoutNode>
-                                  </dgm:layoutNode>
-                                  <dgm:layoutNode name="hierChild5">
-                                    <dgm:choose name="Name28">
-                                      <dgm:if name="Name29" func="var" arg="dir" op="equ" val="norm">
-                                        <dgm:alg type="hierChild">
-                                          <dgm:param type="linDir" val="fromL"/>
-                                        </dgm:alg>
-                                      </dgm:if>
-                                      <dgm:else name="Name30">
-                                        <dgm:alg type="hierChild">
-                                          <dgm:param type="linDir" val="fromR"/>
-                                        </dgm:alg>
-                                      </dgm:else>
-                                    </dgm:choose>
-                                    <dgm:shape xmlns:r="http://schemas.openxmlformats.org/officeDocument/2006/relationships" r:blip="">
-                                      <dgm:adjLst/>
-                                    </dgm:shape>
-                                    <dgm:presOf/>
-                                    <dgm:constrLst/>
-                                    <dgm:ruleLst/>
-                                    <dgm:forEach name="Name31" ref="repeat"/>
-                                  </dgm:layoutNode>
-                                </dgm:layoutNode>
-                              </dgm:forEach>
-                            </dgm:forEach>
-                          </dgm:layoutNode>
-                        </dgm:layoutNode>
-                      </dgm:forEach>
-                    </dgm:forEach>
-                  </dgm:layoutNode>
-                </dgm:layoutNode>
-              </dgm:forEach>
-            </dgm:forEach>
-          </dgm:layoutNode>
-        </dgm:layoutNode>
-      </dgm:forEach>
-    </dgm:forEach>
-  </dgm:layoutNode>
-</dgm:layoutDef>
-</file>
-
-<file path=ppt/diagrams/quickStyle1.xml><?xml version="1.0" encoding="utf-8"?>
-<dgm:styleDef xmlns:dgm="http://schemas.openxmlformats.org/drawingml/2006/diagram" xmlns:a="http://schemas.openxmlformats.org/drawingml/2006/main" uniqueId="urn:microsoft.com/office/officeart/2005/8/quickstyle/simple1">
-  <dgm:title val=""/>
-  <dgm:desc val=""/>
-  <dgm:catLst>
-    <dgm:cat type="simple" pri="10100"/>
-  </dgm:catLst>
-  <dgm:scene3d>
-    <a:camera prst="orthographicFront"/>
-    <a:lightRig rig="threePt" dir="t"/>
-  </dgm:scene3d>
-  <dgm:styleLbl name="node0">
-    <dgm:scene3d>
-      <a:camera prst="orthographicFront"/>
-      <a:lightRig rig="threePt" dir="t"/>
-    </dgm:scene3d>
-    <dgm:sp3d/>
-    <dgm:txPr/>
-    <dgm:style>
-      <a:lnRef idx="2">
-        <a:scrgbClr r="0" g="0" b="0"/>
-      </a:lnRef>
-      <a:fillRef idx="1">
-        <a:scrgbClr r="0" g="0" b="0"/>
-      </a:fillRef>
-      <a:effectRef idx="0">
-        <a:scrgbClr r="0" g="0" b="0"/>
-      </a:effectRef>
-      <a:fontRef idx="minor">
-        <a:schemeClr val="lt1"/>
-      </a:fontRef>
-    </dgm:style>
-  </dgm:styleLbl>
-  <dgm:styleLbl name="lnNode1">
-    <dgm:scene3d>
-      <a:camera prst="orthographicFront"/>
-      <a:lightRig rig="threePt" dir="t"/>
-    </dgm:scene3d>
-    <dgm:sp3d/>
-    <dgm:txPr/>
-    <dgm:style>
-      <a:lnRef idx="2">
-        <a:scrgbClr r="0" g="0" b="0"/>
-      </a:lnRef>
-      <a:fillRef idx="1">
-        <a:scrgbClr r="0" g="0" b="0"/>
-      </a:fillRef>
-      <a:effectRef idx="0">
-        <a:scrgbClr r="0" g="0" b="0"/>
-      </a:effectRef>
-      <a:fontRef idx="minor">
-        <a:schemeClr val="lt1"/>
-      </a:fontRef>
-    </dgm:style>
-  </dgm:styleLbl>
-  <dgm:styleLbl name="vennNode1">
-    <dgm:scene3d>
-      <a:camera prst="orthographicFront"/>
-      <a:lightRig rig="threePt" dir="t"/>
-    </dgm:scene3d>
-    <dgm:sp3d/>
-    <dgm:txPr/>
-    <dgm:style>
-      <a:lnRef idx="2">
-        <a:scrgbClr r="0" g="0" b="0"/>
-      </a:lnRef>
-      <a:fillRef idx="1">
-        <a:scrgbClr r="0" g="0" b="0"/>
-      </a:fillRef>
-      <a:effectRef idx="0">
-        <a:scrgbClr r="0" g="0" b="0"/>
-      </a:effectRef>
-      <a:fontRef idx="minor">
-        <a:schemeClr val="tx1"/>
-      </a:fontRef>
-    </dgm:style>
-  </dgm:styleLbl>
-  <dgm:styleLbl name="alignNode1">
-    <dgm:scene3d>
-      <a:camera prst="orthographicFront"/>
-      <a:lightRig rig="threePt" dir="t"/>
-    </dgm:scene3d>
-    <dgm:sp3d/>
-    <dgm:txPr/>
-    <dgm:style>
-      <a:lnRef idx="2">
-        <a:scrgbClr r="0" g="0" b="0"/>
-      </a:lnRef>
-      <a:fillRef idx="1">
-        <a:scrgbClr r="0" g="0" b="0"/>
-      </a:fillRef>
-      <a:effectRef idx="0">
-        <a:scrgbClr r="0" g="0" b="0"/>
-      </a:effectRef>
-      <a:fontRef idx="minor">
-        <a:schemeClr val="lt1"/>
-      </a:fontRef>
-    </dgm:style>
-  </dgm:styleLbl>
-  <dgm:styleLbl name="node1">
-    <dgm:scene3d>
-      <a:camera prst="orthographicFront"/>
-      <a:lightRig rig="threePt" dir="t"/>
-    </dgm:scene3d>
-    <dgm:sp3d/>
-    <dgm:txPr/>
-    <dgm:style>
-      <a:lnRef idx="2">
-        <a:scrgbClr r="0" g="0" b="0"/>
-      </a:lnRef>
-      <a:fillRef idx="1">
-        <a:scrgbClr r="0" g="0" b="0"/>
-      </a:fillRef>
-      <a:effectRef idx="0">
-        <a:scrgbClr r="0" g="0" b="0"/>
-      </a:effectRef>
-      <a:fontRef idx="minor">
-        <a:schemeClr val="lt1"/>
-      </a:fontRef>
-    </dgm:style>
-  </dgm:styleLbl>
-  <dgm:styleLbl name="node2">
-    <dgm:scene3d>
-      <a:camera prst="orthographicFront"/>
-      <a:lightRig rig="threePt" dir="t"/>
-    </dgm:scene3d>
-    <dgm:sp3d/>
-    <dgm:txPr/>
-    <dgm:style>
-      <a:lnRef idx="2">
-        <a:scrgbClr r="0" g="0" b="0"/>
-      </a:lnRef>
-      <a:fillRef idx="1">
-        <a:scrgbClr r="0" g="0" b="0"/>
-      </a:fillRef>
-      <a:effectRef idx="0">
-        <a:scrgbClr r="0" g="0" b="0"/>
-      </a:effectRef>
-      <a:fontRef idx="minor">
-        <a:schemeClr val="lt1"/>
-      </a:fontRef>
-    </dgm:style>
-  </dgm:styleLbl>
-  <dgm:styleLbl name="node3">
-    <dgm:scene3d>
-      <a:camera prst="orthographicFront"/>
-      <a:lightRig rig="threePt" dir="t"/>
-    </dgm:scene3d>
-    <dgm:sp3d/>
-    <dgm:txPr/>
-    <dgm:style>
-      <a:lnRef idx="2">
-        <a:scrgbClr r="0" g="0" b="0"/>
-      </a:lnRef>
-      <a:fillRef idx="1">
-        <a:scrgbClr r="0" g="0" b="0"/>
-      </a:fillRef>
-      <a:effectRef idx="0">
-        <a:scrgbClr r="0" g="0" b="0"/>
-      </a:effectRef>
-      <a:fontRef idx="minor">
-        <a:schemeClr val="lt1"/>
-      </a:fontRef>
-    </dgm:style>
-  </dgm:styleLbl>
-  <dgm:styleLbl name="node4">
-    <dgm:scene3d>
-      <a:camera prst="orthographicFront"/>
-      <a:lightRig rig="threePt" dir="t"/>
-    </dgm:scene3d>
-    <dgm:sp3d/>
-    <dgm:txPr/>
-    <dgm:style>
-      <a:lnRef idx="2">
-        <a:scrgbClr r="0" g="0" b="0"/>
-      </a:lnRef>
-      <a:fillRef idx="1">
-        <a:scrgbClr r="0" g="0" b="0"/>
-      </a:fillRef>
-      <a:effectRef idx="0">
-        <a:scrgbClr r="0" g="0" b="0"/>
-      </a:effectRef>
-      <a:fontRef idx="minor">
-        <a:schemeClr val="lt1"/>
-      </a:fontRef>
-    </dgm:style>
-  </dgm:styleLbl>
-  <dgm:styleLbl name="fgImgPlace1">
-    <dgm:scene3d>
-      <a:camera prst="orthographicFront"/>
-      <a:lightRig rig="threePt" dir="t"/>
-    </dgm:scene3d>
-    <dgm:sp3d/>
-    <dgm:txPr/>
-    <dgm:style>
-      <a:lnRef idx="2">
-        <a:scrgbClr r="0" g="0" b="0"/>
-      </a:lnRef>
-      <a:fillRef idx="1">
-        <a:scrgbClr r="0" g="0" b="0"/>
-      </a:fillRef>
-      <a:effectRef idx="0">
-        <a:scrgbClr r="0" g="0" b="0"/>
-      </a:effectRef>
-      <a:fontRef idx="minor"/>
-    </dgm:style>
-  </dgm:styleLbl>
-  <dgm:styleLbl name="alignImgPlace1">
-    <dgm:scene3d>
-      <a:camera prst="orthographicFront"/>
-      <a:lightRig rig="threePt" dir="t"/>
-    </dgm:scene3d>
-    <dgm:sp3d/>
-    <dgm:txPr/>
-    <dgm:style>
-      <a:lnRef idx="2">
-        <a:scrgbClr r="0" g="0" b="0"/>
-      </a:lnRef>
-      <a:fillRef idx="1">
-        <a:scrgbClr r="0" g="0" b="0"/>
-      </a:fillRef>
-      <a:effectRef idx="0">
-        <a:scrgbClr r="0" g="0" b="0"/>
-      </a:effectRef>
-      <a:fontRef idx="minor"/>
-    </dgm:style>
-  </dgm:styleLbl>
-  <dgm:styleLbl name="bgImgPlace1">
-    <dgm:scene3d>
-      <a:camera prst="orthographicFront"/>
-      <a:lightRig rig="threePt" dir="t"/>
-    </dgm:scene3d>
-    <dgm:sp3d/>
-    <dgm:txPr/>
-    <dgm:style>
-      <a:lnRef idx="2">
-        <a:scrgbClr r="0" g="0" b="0"/>
-      </a:lnRef>
-      <a:fillRef idx="1">
-        <a:scrgbClr r="0" g="0" b="0"/>
-      </a:fillRef>
-      <a:effectRef idx="0">
-        <a:scrgbClr r="0" g="0" b="0"/>
-      </a:effectRef>
-      <a:fontRef idx="minor"/>
-    </dgm:style>
-  </dgm:styleLbl>
-  <dgm:styleLbl name="sibTrans2D1">
-    <dgm:scene3d>
-      <a:camera prst="orthographicFront"/>
-      <a:lightRig rig="threePt" dir="t"/>
-    </dgm:scene3d>
-    <dgm:sp3d/>
-    <dgm:txPr/>
-    <dgm:style>
-      <a:lnRef idx="0">
-        <a:scrgbClr r="0" g="0" b="0"/>
-      </a:lnRef>
-      <a:fillRef idx="1">
-        <a:scrgbClr r="0" g="0" b="0"/>
-      </a:fillRef>
-      <a:effectRef idx="0">
-        <a:scrgbClr r="0" g="0" b="0"/>
-      </a:effectRef>
-      <a:fontRef idx="minor">
-        <a:schemeClr val="lt1"/>
-      </a:fontRef>
-    </dgm:style>
-  </dgm:styleLbl>
-  <dgm:styleLbl name="fgSibTrans2D1">
-    <dgm:scene3d>
-      <a:camera prst="orthographicFront"/>
-      <a:lightRig rig="threePt" dir="t"/>
-    </dgm:scene3d>
-    <dgm:sp3d/>
-    <dgm:txPr/>
-    <dgm:style>
-      <a:lnRef idx="0">
-        <a:scrgbClr r="0" g="0" b="0"/>
-      </a:lnRef>
-      <a:fillRef idx="1">
-        <a:scrgbClr r="0" g="0" b="0"/>
-      </a:fillRef>
-      <a:effectRef idx="0">
-        <a:scrgbClr r="0" g="0" b="0"/>
-      </a:effectRef>
-      <a:fontRef idx="minor">
-        <a:schemeClr val="lt1"/>
-      </a:fontRef>
-    </dgm:style>
-  </dgm:styleLbl>
-  <dgm:styleLbl name="bgSibTrans2D1">
-    <dgm:scene3d>
-      <a:camera prst="orthographicFront"/>
-      <a:lightRig rig="threePt" dir="t"/>
-    </dgm:scene3d>
-    <dgm:sp3d/>
-    <dgm:txPr/>
-    <dgm:style>
-      <a:lnRef idx="0">
-        <a:scrgbClr r="0" g="0" b="0"/>
-      </a:lnRef>
-      <a:fillRef idx="1">
-        <a:scrgbClr r="0" g="0" b="0"/>
-      </a:fillRef>
-      <a:effectRef idx="0">
-        <a:scrgbClr r="0" g="0" b="0"/>
-      </a:effectRef>
-      <a:fontRef idx="minor">
-        <a:schemeClr val="lt1"/>
-      </a:fontRef>
-    </dgm:style>
-  </dgm:styleLbl>
-  <dgm:styleLbl name="sibTrans1D1">
-    <dgm:scene3d>
-      <a:camera prst="orthographicFront"/>
-      <a:lightRig rig="threePt" dir="t"/>
-    </dgm:scene3d>
-    <dgm:sp3d/>
-    <dgm:txPr/>
-    <dgm:style>
-      <a:lnRef idx="1">
-        <a:scrgbClr r="0" g="0" b="0"/>
-      </a:lnRef>
-      <a:fillRef idx="0">
-        <a:scrgbClr r="0" g="0" b="0"/>
-      </a:fillRef>
-      <a:effectRef idx="0">
-        <a:scrgbClr r="0" g="0" b="0"/>
-      </a:effectRef>
-      <a:fontRef idx="minor"/>
-    </dgm:style>
-  </dgm:styleLbl>
-  <dgm:styleLbl name="callout">
-    <dgm:scene3d>
-      <a:camera prst="orthographicFront"/>
-      <a:lightRig rig="threePt" dir="t"/>
-    </dgm:scene3d>
-    <dgm:sp3d/>
-    <dgm:txPr/>
-    <dgm:style>
-      <a:lnRef idx="2">
-        <a:scrgbClr r="0" g="0" b="0"/>
-      </a:lnRef>
-      <a:fillRef idx="1">
-        <a:scrgbClr r="0" g="0" b="0"/>
-      </a:fillRef>
-      <a:effectRef idx="0">
-        <a:scrgbClr r="0" g="0" b="0"/>
-      </a:effectRef>
-      <a:fontRef idx="minor"/>
-    </dgm:style>
-  </dgm:styleLbl>
-  <dgm:styleLbl name="asst0">
-    <dgm:scene3d>
-      <a:camera prst="orthographicFront"/>
-      <a:lightRig rig="threePt" dir="t"/>
-    </dgm:scene3d>
-    <dgm:sp3d/>
-    <dgm:txPr/>
-    <dgm:style>
-      <a:lnRef idx="2">
-        <a:scrgbClr r="0" g="0" b="0"/>
-      </a:lnRef>
-      <a:fillRef idx="1">
-        <a:scrgbClr r="0" g="0" b="0"/>
-      </a:fillRef>
-      <a:effectRef idx="0">
-        <a:scrgbClr r="0" g="0" b="0"/>
-      </a:effectRef>
-      <a:fontRef idx="minor">
-        <a:schemeClr val="lt1"/>
-      </a:fontRef>
-    </dgm:style>
-  </dgm:styleLbl>
-  <dgm:styleLbl name="asst1">
-    <dgm:scene3d>
-      <a:camera prst="orthographicFront"/>
-      <a:lightRig rig="threePt" dir="t"/>
-    </dgm:scene3d>
-    <dgm:sp3d/>
-    <dgm:txPr/>
-    <dgm:style>
-      <a:lnRef idx="2">
-        <a:scrgbClr r="0" g="0" b="0"/>
-      </a:lnRef>
-      <a:fillRef idx="1">
-        <a:scrgbClr r="0" g="0" b="0"/>
-      </a:fillRef>
-      <a:effectRef idx="0">
-        <a:scrgbClr r="0" g="0" b="0"/>
-      </a:effectRef>
-      <a:fontRef idx="minor">
-        <a:schemeClr val="lt1"/>
-      </a:fontRef>
-    </dgm:style>
-  </dgm:styleLbl>
-  <dgm:styleLbl name="asst2">
-    <dgm:scene3d>
-      <a:camera prst="orthographicFront"/>
-      <a:lightRig rig="threePt" dir="t"/>
-    </dgm:scene3d>
-    <dgm:sp3d/>
-    <dgm:txPr/>
-    <dgm:style>
-      <a:lnRef idx="2">
-        <a:scrgbClr r="0" g="0" b="0"/>
-      </a:lnRef>
-      <a:fillRef idx="1">
-        <a:scrgbClr r="0" g="0" b="0"/>
-      </a:fillRef>
-      <a:effectRef idx="0">
-        <a:scrgbClr r="0" g="0" b="0"/>
-      </a:effectRef>
-      <a:fontRef idx="minor">
-        <a:schemeClr val="lt1"/>
-      </a:fontRef>
-    </dgm:style>
-  </dgm:styleLbl>
-  <dgm:styleLbl name="asst3">
-    <dgm:scene3d>
-      <a:camera prst="orthographicFront"/>
-      <a:lightRig rig="threePt" dir="t"/>
-    </dgm:scene3d>
-    <dgm:sp3d/>
-    <dgm:txPr/>
-    <dgm:style>
-      <a:lnRef idx="2">
-        <a:scrgbClr r="0" g="0" b="0"/>
-      </a:lnRef>
-      <a:fillRef idx="1">
-        <a:scrgbClr r="0" g="0" b="0"/>
-      </a:fillRef>
-      <a:effectRef idx="0">
-        <a:scrgbClr r="0" g="0" b="0"/>
-      </a:effectRef>
-      <a:fontRef idx="minor">
-        <a:schemeClr val="lt1"/>
-      </a:fontRef>
-    </dgm:style>
-  </dgm:styleLbl>
-  <dgm:styleLbl name="asst4">
-    <dgm:scene3d>
-      <a:camera prst="orthographicFront"/>
-      <a:lightRig rig="threePt" dir="t"/>
-    </dgm:scene3d>
-    <dgm:sp3d/>
-    <dgm:txPr/>
-    <dgm:style>
-      <a:lnRef idx="2">
-        <a:scrgbClr r="0" g="0" b="0"/>
-      </a:lnRef>
-      <a:fillRef idx="1">
-        <a:scrgbClr r="0" g="0" b="0"/>
-      </a:fillRef>
-      <a:effectRef idx="0">
-        <a:scrgbClr r="0" g="0" b="0"/>
-      </a:effectRef>
-      <a:fontRef idx="minor">
-        <a:schemeClr val="lt1"/>
-      </a:fontRef>
-    </dgm:style>
-  </dgm:styleLbl>
-  <dgm:styleLbl name="parChTrans2D1">
-    <dgm:scene3d>
-      <a:camera prst="orthographicFront"/>
-      <a:lightRig rig="threePt" dir="t"/>
-    </dgm:scene3d>
-    <dgm:sp3d/>
-    <dgm:txPr/>
-    <dgm:style>
-      <a:lnRef idx="2">
-        <a:scrgbClr r="0" g="0" b="0"/>
-      </a:lnRef>
-      <a:fillRef idx="1">
-        <a:scrgbClr r="0" g="0" b="0"/>
-      </a:fillRef>
-      <a:effectRef idx="0">
-        <a:scrgbClr r="0" g="0" b="0"/>
-      </a:effectRef>
-      <a:fontRef idx="minor">
-        <a:schemeClr val="lt1"/>
-      </a:fontRef>
-    </dgm:style>
-  </dgm:styleLbl>
-  <dgm:styleLbl name="parChTrans2D2">
-    <dgm:scene3d>
-      <a:camera prst="orthographicFront"/>
-      <a:lightRig rig="threePt" dir="t"/>
-    </dgm:scene3d>
-    <dgm:sp3d/>
-    <dgm:txPr/>
-    <dgm:style>
-      <a:lnRef idx="2">
-        <a:scrgbClr r="0" g="0" b="0"/>
-      </a:lnRef>
-      <a:fillRef idx="1">
-        <a:scrgbClr r="0" g="0" b="0"/>
-      </a:fillRef>
-      <a:effectRef idx="0">
-        <a:scrgbClr r="0" g="0" b="0"/>
-      </a:effectRef>
-      <a:fontRef idx="minor">
-        <a:schemeClr val="lt1"/>
-      </a:fontRef>
-    </dgm:style>
-  </dgm:styleLbl>
-  <dgm:styleLbl name="parChTrans2D3">
-    <dgm:scene3d>
-      <a:camera prst="orthographicFront"/>
-      <a:lightRig rig="threePt" dir="t"/>
-    </dgm:scene3d>
-    <dgm:sp3d/>
-    <dgm:txPr/>
-    <dgm:style>
-      <a:lnRef idx="2">
-        <a:scrgbClr r="0" g="0" b="0"/>
-      </a:lnRef>
-      <a:fillRef idx="1">
-        <a:scrgbClr r="0" g="0" b="0"/>
-      </a:fillRef>
-      <a:effectRef idx="0">
-        <a:scrgbClr r="0" g="0" b="0"/>
-      </a:effectRef>
-      <a:fontRef idx="minor">
-        <a:schemeClr val="lt1"/>
-      </a:fontRef>
-    </dgm:style>
-  </dgm:styleLbl>
-  <dgm:styleLbl name="parChTrans2D4">
-    <dgm:scene3d>
-      <a:camera prst="orthographicFront"/>
-      <a:lightRig rig="threePt" dir="t"/>
-    </dgm:scene3d>
-    <dgm:sp3d/>
-    <dgm:txPr/>
-    <dgm:style>
-      <a:lnRef idx="2">
-        <a:scrgbClr r="0" g="0" b="0"/>
-      </a:lnRef>
-      <a:fillRef idx="1">
-        <a:scrgbClr r="0" g="0" b="0"/>
-      </a:fillRef>
-      <a:effectRef idx="0">
-        <a:scrgbClr r="0" g="0" b="0"/>
-      </a:effectRef>
-      <a:fontRef idx="minor">
-        <a:schemeClr val="lt1"/>
-      </a:fontRef>
-    </dgm:style>
-  </dgm:styleLbl>
-  <dgm:styleLbl name="parChTrans1D1">
-    <dgm:scene3d>
-      <a:camera prst="orthographicFront"/>
-      <a:lightRig rig="threePt" dir="t"/>
-    </dgm:scene3d>
-    <dgm:sp3d/>
-    <dgm:txPr/>
-    <dgm:style>
-      <a:lnRef idx="2">
-        <a:scrgbClr r="0" g="0" b="0"/>
-      </a:lnRef>
-      <a:fillRef idx="0">
-        <a:scrgbClr r="0" g="0" b="0"/>
-      </a:fillRef>
-      <a:effectRef idx="0">
-        <a:scrgbClr r="0" g="0" b="0"/>
-      </a:effectRef>
-      <a:fontRef idx="minor"/>
-    </dgm:style>
-  </dgm:styleLbl>
-  <dgm:styleLbl name="parChTrans1D2">
-    <dgm:scene3d>
-      <a:camera prst="orthographicFront"/>
-      <a:lightRig rig="threePt" dir="t"/>
-    </dgm:scene3d>
-    <dgm:sp3d/>
-    <dgm:txPr/>
-    <dgm:style>
-      <a:lnRef idx="2">
-        <a:scrgbClr r="0" g="0" b="0"/>
-      </a:lnRef>
-      <a:fillRef idx="0">
-        <a:scrgbClr r="0" g="0" b="0"/>
-      </a:fillRef>
-      <a:effectRef idx="0">
-        <a:scrgbClr r="0" g="0" b="0"/>
-      </a:effectRef>
-      <a:fontRef idx="minor"/>
-    </dgm:style>
-  </dgm:styleLbl>
-  <dgm:styleLbl name="parChTrans1D3">
-    <dgm:scene3d>
-      <a:camera prst="orthographicFront"/>
-      <a:lightRig rig="threePt" dir="t"/>
-    </dgm:scene3d>
-    <dgm:sp3d/>
-    <dgm:txPr/>
-    <dgm:style>
-      <a:lnRef idx="2">
-        <a:scrgbClr r="0" g="0" b="0"/>
-      </a:lnRef>
-      <a:fillRef idx="0">
-        <a:scrgbClr r="0" g="0" b="0"/>
-      </a:fillRef>
-      <a:effectRef idx="0">
-        <a:scrgbClr r="0" g="0" b="0"/>
-      </a:effectRef>
-      <a:fontRef idx="minor"/>
-    </dgm:style>
-  </dgm:styleLbl>
-  <dgm:styleLbl name="parChTrans1D4">
-    <dgm:scene3d>
-      <a:camera prst="orthographicFront"/>
-      <a:lightRig rig="threePt" dir="t"/>
-    </dgm:scene3d>
-    <dgm:sp3d/>
-    <dgm:txPr/>
-    <dgm:style>
-      <a:lnRef idx="2">
-        <a:scrgbClr r="0" g="0" b="0"/>
-      </a:lnRef>
-      <a:fillRef idx="0">
-        <a:scrgbClr r="0" g="0" b="0"/>
-      </a:fillRef>
-      <a:effectRef idx="0">
-        <a:scrgbClr r="0" g="0" b="0"/>
-      </a:effectRef>
-      <a:fontRef idx="minor"/>
-    </dgm:style>
-  </dgm:styleLbl>
-  <dgm:styleLbl name="fgAcc1">
-    <dgm:scene3d>
-      <a:camera prst="orthographicFront"/>
-      <a:lightRig rig="threePt" dir="t"/>
-    </dgm:scene3d>
-    <dgm:sp3d/>
-    <dgm:txPr/>
-    <dgm:style>
-      <a:lnRef idx="2">
-        <a:scrgbClr r="0" g="0" b="0"/>
-      </a:lnRef>
-      <a:fillRef idx="1">
-        <a:scrgbClr r="0" g="0" b="0"/>
-      </a:fillRef>
-      <a:effectRef idx="0">
-        <a:scrgbClr r="0" g="0" b="0"/>
-      </a:effectRef>
-      <a:fontRef idx="minor"/>
-    </dgm:style>
-  </dgm:styleLbl>
-  <dgm:styleLbl name="conFgAcc1">
-    <dgm:scene3d>
-      <a:camera prst="orthographicFront"/>
-      <a:lightRig rig="threePt" dir="t"/>
-    </dgm:scene3d>
-    <dgm:sp3d/>
-    <dgm:txPr/>
-    <dgm:style>
-      <a:lnRef idx="2">
-        <a:scrgbClr r="0" g="0" b="0"/>
-      </a:lnRef>
-      <a:fillRef idx="1">
-        <a:scrgbClr r="0" g="0" b="0"/>
-      </a:fillRef>
-      <a:effectRef idx="0">
-        <a:scrgbClr r="0" g="0" b="0"/>
-      </a:effectRef>
-      <a:fontRef idx="minor"/>
-    </dgm:style>
-  </dgm:styleLbl>
-  <dgm:styleLbl name="alignAcc1">
-    <dgm:scene3d>
-      <a:camera prst="orthographicFront"/>
-      <a:lightRig rig="threePt" dir="t"/>
-    </dgm:scene3d>
-    <dgm:sp3d/>
-    <dgm:txPr/>
-    <dgm:style>
-      <a:lnRef idx="2">
-        <a:scrgbClr r="0" g="0" b="0"/>
-      </a:lnRef>
-      <a:fillRef idx="1">
-        <a:scrgbClr r="0" g="0" b="0"/>
-      </a:fillRef>
-      <a:effectRef idx="0">
-        <a:scrgbClr r="0" g="0" b="0"/>
-      </a:effectRef>
-      <a:fontRef idx="minor"/>
-    </dgm:style>
-  </dgm:styleLbl>
-  <dgm:styleLbl name="trAlignAcc1">
-    <dgm:scene3d>
-      <a:camera prst="orthographicFront"/>
-      <a:lightRig rig="threePt" dir="t"/>
-    </dgm:scene3d>
-    <dgm:sp3d/>
-    <dgm:txPr/>
-    <dgm:style>
-      <a:lnRef idx="1">
-        <a:scrgbClr r="0" g="0" b="0"/>
-      </a:lnRef>
-      <a:fillRef idx="1">
-        <a:scrgbClr r="0" g="0" b="0"/>
-      </a:fillRef>
-      <a:effectRef idx="0">
-        <a:scrgbClr r="0" g="0" b="0"/>
-      </a:effectRef>
-      <a:fontRef idx="minor"/>
-    </dgm:style>
-  </dgm:styleLbl>
-  <dgm:styleLbl name="bgAcc1">
-    <dgm:scene3d>
-      <a:camera prst="orthographicFront"/>
-      <a:lightRig rig="threePt" dir="t"/>
-    </dgm:scene3d>
-    <dgm:sp3d/>
-    <dgm:txPr/>
-    <dgm:style>
-      <a:lnRef idx="2">
-        <a:scrgbClr r="0" g="0" b="0"/>
-      </a:lnRef>
-      <a:fillRef idx="1">
-        <a:scrgbClr r="0" g="0" b="0"/>
-      </a:fillRef>
-      <a:effectRef idx="0">
-        <a:scrgbClr r="0" g="0" b="0"/>
-      </a:effectRef>
-      <a:fontRef idx="minor"/>
-    </dgm:style>
-  </dgm:styleLbl>
-  <dgm:styleLbl name="solidFgAcc1">
-    <dgm:scene3d>
-      <a:camera prst="orthographicFront"/>
-      <a:lightRig rig="threePt" dir="t"/>
-    </dgm:scene3d>
-    <dgm:sp3d/>
-    <dgm:txPr/>
-    <dgm:style>
-      <a:lnRef idx="2">
-        <a:scrgbClr r="0" g="0" b="0"/>
-      </a:lnRef>
-      <a:fillRef idx="1">
-        <a:scrgbClr r="0" g="0" b="0"/>
-      </a:fillRef>
-      <a:effectRef idx="0">
-        <a:scrgbClr r="0" g="0" b="0"/>
-      </a:effectRef>
-      <a:fontRef idx="minor"/>
-    </dgm:style>
-  </dgm:styleLbl>
-  <dgm:styleLbl name="solidAlignAcc1">
-    <dgm:scene3d>
-      <a:camera prst="orthographicFront"/>
-      <a:lightRig rig="threePt" dir="t"/>
-    </dgm:scene3d>
-    <dgm:sp3d/>
-    <dgm:txPr/>
-    <dgm:style>
-      <a:lnRef idx="2">
-        <a:scrgbClr r="0" g="0" b="0"/>
-      </a:lnRef>
-      <a:fillRef idx="1">
-        <a:scrgbClr r="0" g="0" b="0"/>
-      </a:fillRef>
-      <a:effectRef idx="0">
-        <a:scrgbClr r="0" g="0" b="0"/>
-      </a:effectRef>
-      <a:fontRef idx="minor"/>
-    </dgm:style>
-  </dgm:styleLbl>
-  <dgm:styleLbl name="solidBgAcc1">
-    <dgm:scene3d>
-      <a:camera prst="orthographicFront"/>
-      <a:lightRig rig="threePt" dir="t"/>
-    </dgm:scene3d>
-    <dgm:sp3d/>
-    <dgm:txPr/>
-    <dgm:style>
-      <a:lnRef idx="2">
-        <a:scrgbClr r="0" g="0" b="0"/>
-      </a:lnRef>
-      <a:fillRef idx="1">
-        <a:scrgbClr r="0" g="0" b="0"/>
-      </a:fillRef>
-      <a:effectRef idx="0">
-        <a:scrgbClr r="0" g="0" b="0"/>
-      </a:effectRef>
-      <a:fontRef idx="minor"/>
-    </dgm:style>
-  </dgm:styleLbl>
-  <dgm:styleLbl name="fgAccFollowNode1">
-    <dgm:scene3d>
-      <a:camera prst="orthographicFront"/>
-      <a:lightRig rig="threePt" dir="t"/>
-    </dgm:scene3d>
-    <dgm:sp3d/>
-    <dgm:txPr/>
-    <dgm:style>
-      <a:lnRef idx="2">
-        <a:scrgbClr r="0" g="0" b="0"/>
-      </a:lnRef>
-      <a:fillRef idx="1">
-        <a:scrgbClr r="0" g="0" b="0"/>
-      </a:fillRef>
-      <a:effectRef idx="0">
-        <a:scrgbClr r="0" g="0" b="0"/>
-      </a:effectRef>
-      <a:fontRef idx="minor"/>
-    </dgm:style>
-  </dgm:styleLbl>
-  <dgm:styleLbl name="alignAccFollowNode1">
-    <dgm:scene3d>
-      <a:camera prst="orthographicFront"/>
-      <a:lightRig rig="threePt" dir="t"/>
-    </dgm:scene3d>
-    <dgm:sp3d/>
-    <dgm:txPr/>
-    <dgm:style>
-      <a:lnRef idx="2">
-        <a:scrgbClr r="0" g="0" b="0"/>
-      </a:lnRef>
-      <a:fillRef idx="1">
-        <a:scrgbClr r="0" g="0" b="0"/>
-      </a:fillRef>
-      <a:effectRef idx="0">
-        <a:scrgbClr r="0" g="0" b="0"/>
-      </a:effectRef>
-      <a:fontRef idx="minor"/>
-    </dgm:style>
-  </dgm:styleLbl>
-  <dgm:styleLbl name="bgAccFollowNode1">
-    <dgm:scene3d>
-      <a:camera prst="orthographicFront"/>
-      <a:lightRig rig="threePt" dir="t"/>
-    </dgm:scene3d>
-    <dgm:sp3d/>
-    <dgm:txPr/>
-    <dgm:style>
-      <a:lnRef idx="2">
-        <a:scrgbClr r="0" g="0" b="0"/>
-      </a:lnRef>
-      <a:fillRef idx="1">
-        <a:scrgbClr r="0" g="0" b="0"/>
-      </a:fillRef>
-      <a:effectRef idx="0">
-        <a:scrgbClr r="0" g="0" b="0"/>
-      </a:effectRef>
-      <a:fontRef idx="minor"/>
-    </dgm:style>
-  </dgm:styleLbl>
-  <dgm:styleLbl name="fgAcc0">
-    <dgm:scene3d>
-      <a:camera prst="orthographicFront"/>
-      <a:lightRig rig="threePt" dir="t"/>
-    </dgm:scene3d>
-    <dgm:sp3d/>
-    <dgm:txPr/>
-    <dgm:style>
-      <a:lnRef idx="2">
-        <a:scrgbClr r="0" g="0" b="0"/>
-      </a:lnRef>
-      <a:fillRef idx="1">
-        <a:scrgbClr r="0" g="0" b="0"/>
-      </a:fillRef>
-      <a:effectRef idx="0">
-        <a:scrgbClr r="0" g="0" b="0"/>
-      </a:effectRef>
-      <a:fontRef idx="minor"/>
-    </dgm:style>
-  </dgm:styleLbl>
-  <dgm:styleLbl name="fgAcc2">
-    <dgm:scene3d>
-      <a:camera prst="orthographicFront"/>
-      <a:lightRig rig="threePt" dir="t"/>
-    </dgm:scene3d>
-    <dgm:sp3d/>
-    <dgm:txPr/>
-    <dgm:style>
-      <a:lnRef idx="2">
-        <a:scrgbClr r="0" g="0" b="0"/>
-      </a:lnRef>
-      <a:fillRef idx="1">
-        <a:scrgbClr r="0" g="0" b="0"/>
-      </a:fillRef>
-      <a:effectRef idx="0">
-        <a:scrgbClr r="0" g="0" b="0"/>
-      </a:effectRef>
-      <a:fontRef idx="minor"/>
-    </dgm:style>
-  </dgm:styleLbl>
-  <dgm:styleLbl name="fgAcc3">
-    <dgm:scene3d>
-      <a:camera prst="orthographicFront"/>
-      <a:lightRig rig="threePt" dir="t"/>
-    </dgm:scene3d>
-    <dgm:sp3d/>
-    <dgm:txPr/>
-    <dgm:style>
-      <a:lnRef idx="2">
-        <a:scrgbClr r="0" g="0" b="0"/>
-      </a:lnRef>
-      <a:fillRef idx="1">
-        <a:scrgbClr r="0" g="0" b="0"/>
-      </a:fillRef>
-      <a:effectRef idx="0">
-        <a:scrgbClr r="0" g="0" b="0"/>
-      </a:effectRef>
-      <a:fontRef idx="minor"/>
-    </dgm:style>
-  </dgm:styleLbl>
-  <dgm:styleLbl name="fgAcc4">
-    <dgm:scene3d>
-      <a:camera prst="orthographicFront"/>
-      <a:lightRig rig="threePt" dir="t"/>
-    </dgm:scene3d>
-    <dgm:sp3d/>
-    <dgm:txPr/>
-    <dgm:style>
-      <a:lnRef idx="2">
-        <a:scrgbClr r="0" g="0" b="0"/>
-      </a:lnRef>
-      <a:fillRef idx="1">
-        <a:scrgbClr r="0" g="0" b="0"/>
-      </a:fillRef>
-      <a:effectRef idx="0">
-        <a:scrgbClr r="0" g="0" b="0"/>
-      </a:effectRef>
-      <a:fontRef idx="minor"/>
-    </dgm:style>
-  </dgm:styleLbl>
-  <dgm:styleLbl name="bgShp">
-    <dgm:scene3d>
-      <a:camera prst="orthographicFront"/>
-      <a:lightRig rig="threePt" dir="t"/>
-    </dgm:scene3d>
-    <dgm:sp3d/>
-    <dgm:txPr/>
-    <dgm:style>
-      <a:lnRef idx="0">
-        <a:scrgbClr r="0" g="0" b="0"/>
-      </a:lnRef>
-      <a:fillRef idx="1">
-        <a:scrgbClr r="0" g="0" b="0"/>
-      </a:fillRef>
-      <a:effectRef idx="0">
-        <a:scrgbClr r="0" g="0" b="0"/>
-      </a:effectRef>
-      <a:fontRef idx="minor"/>
-    </dgm:style>
-  </dgm:styleLbl>
-  <dgm:styleLbl name="dkBgShp">
-    <dgm:scene3d>
-      <a:camera prst="orthographicFront"/>
-      <a:lightRig rig="threePt" dir="t"/>
-    </dgm:scene3d>
-    <dgm:sp3d/>
-    <dgm:txPr/>
-    <dgm:style>
-      <a:lnRef idx="0">
-        <a:scrgbClr r="0" g="0" b="0"/>
-      </a:lnRef>
-      <a:fillRef idx="1">
-        <a:scrgbClr r="0" g="0" b="0"/>
-      </a:fillRef>
-      <a:effectRef idx="0">
-        <a:scrgbClr r="0" g="0" b="0"/>
-      </a:effectRef>
-      <a:fontRef idx="minor"/>
-    </dgm:style>
-  </dgm:styleLbl>
-  <dgm:styleLbl name="trBgShp">
-    <dgm:scene3d>
-      <a:camera prst="orthographicFront"/>
-      <a:lightRig rig="threePt" dir="t"/>
-    </dgm:scene3d>
-    <dgm:sp3d/>
-    <dgm:txPr/>
-    <dgm:style>
-      <a:lnRef idx="0">
-        <a:scrgbClr r="0" g="0" b="0"/>
-      </a:lnRef>
-      <a:fillRef idx="1">
-        <a:scrgbClr r="0" g="0" b="0"/>
-      </a:fillRef>
-      <a:effectRef idx="0">
-        <a:scrgbClr r="0" g="0" b="0"/>
-      </a:effectRef>
-      <a:fontRef idx="minor"/>
-    </dgm:style>
-  </dgm:styleLbl>
-  <dgm:styleLbl name="fgShp">
-    <dgm:scene3d>
-      <a:camera prst="orthographicFront"/>
-      <a:lightRig rig="threePt" dir="t"/>
-    </dgm:scene3d>
-    <dgm:sp3d/>
-    <dgm:txPr/>
-    <dgm:style>
-      <a:lnRef idx="2">
-        <a:scrgbClr r="0" g="0" b="0"/>
-      </a:lnRef>
-      <a:fillRef idx="1">
-        <a:scrgbClr r="0" g="0" b="0"/>
-      </a:fillRef>
-      <a:effectRef idx="0">
-        <a:scrgbClr r="0" g="0" b="0"/>
-      </a:effectRef>
-      <a:fontRef idx="minor"/>
-    </dgm:style>
-  </dgm:styleLbl>
-  <dgm:styleLbl name="revTx">
-    <dgm:scene3d>
-      <a:camera prst="orthographicFront"/>
-      <a:lightRig rig="threePt" dir="t"/>
-    </dgm:scene3d>
-    <dgm:sp3d/>
-    <dgm:txPr/>
-    <dgm:style>
-      <a:lnRef idx="0">
-        <a:scrgbClr r="0" g="0" b="0"/>
-      </a:lnRef>
-      <a:fillRef idx="0">
-        <a:scrgbClr r="0" g="0" b="0"/>
-      </a:fillRef>
-      <a:effectRef idx="0">
-        <a:scrgbClr r="0" g="0" b="0"/>
-      </a:effectRef>
-      <a:fontRef idx="minor"/>
-    </dgm:style>
-  </dgm:styleLbl>
-</dgm:styleDef>
-</file>
-
 <file path=ppt/notesMasters/notesMaster1.xml><?xml version="1.0" encoding="utf-8"?>
 <p:notesMaster xmlns:a="http://schemas.openxmlformats.org/drawingml/2006/main" xmlns:r="http://schemas.openxmlformats.org/officeDocument/2006/relationships" xmlns:p="http://schemas.openxmlformats.org/presentationml/2006/main">
   <p:cSld>
@@ -3998,7 +223,7 @@
           <a:p>
             <a:fld id="{2F3DCB6D-0B48-4A3D-B663-06C3F903A9D3}" type="datetimeFigureOut">
               <a:rPr lang="ru-RU" smtClean="0"/>
-              <a:t>14.11.2019</a:t>
+              <a:t>12.11.2020</a:t>
             </a:fld>
             <a:endParaRPr lang="ru-RU"/>
           </a:p>
@@ -5633,7 +1858,7 @@
           <a:p>
             <a:fld id="{2590F9C9-AB92-4E86-B698-DEC9BF4350FF}" type="datetimeFigureOut">
               <a:rPr lang="ru-RU" smtClean="0"/>
-              <a:t>14.11.2019</a:t>
+              <a:t>12.11.2020</a:t>
             </a:fld>
             <a:endParaRPr lang="ru-RU"/>
           </a:p>
@@ -5738,13 +1963,6 @@
   <p:clrMapOvr>
     <a:overrideClrMapping bg1="dk1" tx1="lt1" bg2="dk2" tx2="lt2" accent1="accent1" accent2="accent2" accent3="accent3" accent4="accent4" accent5="accent5" accent6="accent6" hlink="hlink" folHlink="folHlink"/>
   </p:clrMapOvr>
-  <p:timing>
-    <p:tnLst>
-      <p:par>
-        <p:cTn id="1" dur="indefinite" restart="never" nodeType="tmRoot"/>
-      </p:par>
-    </p:tnLst>
-  </p:timing>
 </p:sldLayout>
 </file>
 
@@ -5857,7 +2075,7 @@
           <a:p>
             <a:fld id="{2590F9C9-AB92-4E86-B698-DEC9BF4350FF}" type="datetimeFigureOut">
               <a:rPr lang="ru-RU" smtClean="0"/>
-              <a:t>14.11.2019</a:t>
+              <a:t>12.11.2020</a:t>
             </a:fld>
             <a:endParaRPr lang="ru-RU"/>
           </a:p>
@@ -6129,7 +2347,7 @@
           <a:p>
             <a:fld id="{2590F9C9-AB92-4E86-B698-DEC9BF4350FF}" type="datetimeFigureOut">
               <a:rPr lang="ru-RU" smtClean="0"/>
-              <a:t>14.11.2019</a:t>
+              <a:t>12.11.2020</a:t>
             </a:fld>
             <a:endParaRPr lang="ru-RU"/>
           </a:p>
@@ -6304,7 +2522,7 @@
           <a:p>
             <a:fld id="{2590F9C9-AB92-4E86-B698-DEC9BF4350FF}" type="datetimeFigureOut">
               <a:rPr lang="ru-RU" smtClean="0"/>
-              <a:t>14.11.2019</a:t>
+              <a:t>12.11.2020</a:t>
             </a:fld>
             <a:endParaRPr lang="ru-RU"/>
           </a:p>
@@ -6357,13 +2575,6 @@
   <p:clrMapOvr>
     <a:masterClrMapping/>
   </p:clrMapOvr>
-  <p:timing>
-    <p:tnLst>
-      <p:par>
-        <p:cTn id="1" dur="indefinite" restart="never" nodeType="tmRoot"/>
-      </p:par>
-    </p:tnLst>
-  </p:timing>
 </p:sldLayout>
 </file>
 
@@ -6665,7 +2876,7 @@
           <a:p>
             <a:fld id="{2590F9C9-AB92-4E86-B698-DEC9BF4350FF}" type="datetimeFigureOut">
               <a:rPr lang="ru-RU" smtClean="0"/>
-              <a:t>14.11.2019</a:t>
+              <a:t>12.11.2020</a:t>
             </a:fld>
             <a:endParaRPr lang="ru-RU"/>
           </a:p>
@@ -6950,7 +3161,7 @@
           <a:p>
             <a:fld id="{2590F9C9-AB92-4E86-B698-DEC9BF4350FF}" type="datetimeFigureOut">
               <a:rPr lang="ru-RU" smtClean="0"/>
-              <a:t>14.11.2019</a:t>
+              <a:t>12.11.2020</a:t>
             </a:fld>
             <a:endParaRPr lang="ru-RU"/>
           </a:p>
@@ -7372,7 +3583,7 @@
           <a:p>
             <a:fld id="{2590F9C9-AB92-4E86-B698-DEC9BF4350FF}" type="datetimeFigureOut">
               <a:rPr lang="ru-RU" smtClean="0"/>
-              <a:t>14.11.2019</a:t>
+              <a:t>12.11.2020</a:t>
             </a:fld>
             <a:endParaRPr lang="ru-RU"/>
           </a:p>
@@ -7485,7 +3696,7 @@
           <a:p>
             <a:fld id="{2590F9C9-AB92-4E86-B698-DEC9BF4350FF}" type="datetimeFigureOut">
               <a:rPr lang="ru-RU" smtClean="0"/>
-              <a:t>14.11.2019</a:t>
+              <a:t>12.11.2020</a:t>
             </a:fld>
             <a:endParaRPr lang="ru-RU"/>
           </a:p>
@@ -7538,13 +3749,6 @@
   <p:clrMapOvr>
     <a:masterClrMapping/>
   </p:clrMapOvr>
-  <p:timing>
-    <p:tnLst>
-      <p:par>
-        <p:cTn id="1" dur="indefinite" restart="never" nodeType="tmRoot"/>
-      </p:par>
-    </p:tnLst>
-  </p:timing>
 </p:sldLayout>
 </file>
 
@@ -7582,7 +3786,7 @@
           <a:p>
             <a:fld id="{2590F9C9-AB92-4E86-B698-DEC9BF4350FF}" type="datetimeFigureOut">
               <a:rPr lang="ru-RU" smtClean="0"/>
-              <a:t>14.11.2019</a:t>
+              <a:t>12.11.2020</a:t>
             </a:fld>
             <a:endParaRPr lang="ru-RU"/>
           </a:p>
@@ -7860,7 +4064,7 @@
           <a:p>
             <a:fld id="{2590F9C9-AB92-4E86-B698-DEC9BF4350FF}" type="datetimeFigureOut">
               <a:rPr lang="ru-RU" smtClean="0"/>
-              <a:t>14.11.2019</a:t>
+              <a:t>12.11.2020</a:t>
             </a:fld>
             <a:endParaRPr lang="ru-RU"/>
           </a:p>
@@ -8222,7 +4426,7 @@
           <a:p>
             <a:fld id="{2590F9C9-AB92-4E86-B698-DEC9BF4350FF}" type="datetimeFigureOut">
               <a:rPr lang="ru-RU" smtClean="0"/>
-              <a:t>14.11.2019</a:t>
+              <a:t>12.11.2020</a:t>
             </a:fld>
             <a:endParaRPr lang="ru-RU"/>
           </a:p>
@@ -8647,7 +4851,7 @@
           <a:p>
             <a:fld id="{2590F9C9-AB92-4E86-B698-DEC9BF4350FF}" type="datetimeFigureOut">
               <a:rPr lang="ru-RU" smtClean="0"/>
-              <a:t>14.11.2019</a:t>
+              <a:t>12.11.2020</a:t>
             </a:fld>
             <a:endParaRPr lang="ru-RU"/>
           </a:p>
@@ -8749,13 +4953,6 @@
     <p:sldLayoutId id="2147483682" r:id="rId10"/>
     <p:sldLayoutId id="2147483683" r:id="rId11"/>
   </p:sldLayoutIdLst>
-  <p:timing>
-    <p:tnLst>
-      <p:par>
-        <p:cTn id="1" dur="indefinite" restart="never" nodeType="tmRoot"/>
-      </p:par>
-    </p:tnLst>
-  </p:timing>
   <p:txStyles>
     <p:titleStyle>
       <a:lvl1pPr algn="l" rtl="0" eaLnBrk="1" latinLnBrk="0" hangingPunct="1">
@@ -9076,7 +5273,7 @@
           <a:lstStyle/>
           <a:p>
             <a:r>
-              <a:rPr lang="ru-RU" smtClean="0"/>
+              <a:rPr lang="ru-RU"/>
               <a:t>Строитель</a:t>
             </a:r>
             <a:endParaRPr lang="ru-RU" dirty="0"/>
@@ -9100,11 +5297,7 @@
           <a:p>
             <a:r>
               <a:rPr lang="ru-RU" dirty="0"/>
-              <a:t>Лекция </a:t>
-            </a:r>
-            <a:r>
-              <a:rPr lang="ru-RU" dirty="0" smtClean="0"/>
-              <a:t>1</a:t>
+              <a:t>Лекция 1</a:t>
             </a:r>
             <a:r>
               <a:rPr lang="en-US" dirty="0"/>
@@ -9124,13 +5317,6 @@
   <p:clrMapOvr>
     <a:masterClrMapping/>
   </p:clrMapOvr>
-  <p:timing>
-    <p:tnLst>
-      <p:par>
-        <p:cTn id="1" dur="indefinite" restart="never" nodeType="tmRoot"/>
-      </p:par>
-    </p:tnLst>
-  </p:timing>
 </p:sld>
 </file>
 
@@ -9169,10 +5355,9 @@
           <a:lstStyle/>
           <a:p>
             <a:r>
-              <a:rPr lang="ru-RU" dirty="0" smtClean="0"/>
+              <a:rPr lang="ru-RU" dirty="0"/>
               <a:t>Реализация сущности «Распорядитель»</a:t>
             </a:r>
-            <a:endParaRPr lang="ru-RU" dirty="0"/>
           </a:p>
         </p:txBody>
       </p:sp>
@@ -9213,20 +5398,20 @@
           <a:p>
             <a:pPr defTabSz="180975"/>
             <a:r>
-              <a:rPr lang="en-US" sz="1400" b="1" dirty="0" smtClean="0">
+              <a:rPr lang="en-US" sz="1400" b="1" dirty="0">
                 <a:latin typeface="Courier New" pitchFamily="49" charset="0"/>
                 <a:cs typeface="Courier New" pitchFamily="49" charset="0"/>
               </a:rPr>
               <a:t>class </a:t>
             </a:r>
             <a:r>
-              <a:rPr lang="en-US" sz="1400" b="1" dirty="0" err="1" smtClean="0">
-                <a:latin typeface="Courier New" pitchFamily="49" charset="0"/>
-                <a:cs typeface="Courier New" pitchFamily="49" charset="0"/>
-              </a:rPr>
-              <a:t>CFormattedTextReader</a:t>
-            </a:r>
-            <a:endParaRPr lang="en-US" sz="1400" b="1" dirty="0" smtClean="0">
+              <a:rPr lang="en-US" sz="1400" b="1" dirty="0" err="1">
+                <a:latin typeface="Courier New" pitchFamily="49" charset="0"/>
+                <a:cs typeface="Courier New" pitchFamily="49" charset="0"/>
+              </a:rPr>
+              <a:t>FormattedTextReader</a:t>
+            </a:r>
+            <a:endParaRPr lang="en-US" sz="1400" b="1" dirty="0">
               <a:latin typeface="Courier New" pitchFamily="49" charset="0"/>
               <a:cs typeface="Courier New" pitchFamily="49" charset="0"/>
             </a:endParaRPr>
@@ -9234,7 +5419,7 @@
           <a:p>
             <a:pPr defTabSz="180975"/>
             <a:r>
-              <a:rPr lang="ru-RU" sz="1400" b="1" dirty="0" smtClean="0">
+              <a:rPr lang="ru-RU" sz="1400" b="1" dirty="0">
                 <a:latin typeface="Courier New" pitchFamily="49" charset="0"/>
                 <a:cs typeface="Courier New" pitchFamily="49" charset="0"/>
               </a:rPr>
@@ -9244,7 +5429,7 @@
           <a:p>
             <a:pPr defTabSz="180975"/>
             <a:r>
-              <a:rPr lang="en-US" sz="1400" b="1" dirty="0" smtClean="0">
+              <a:rPr lang="en-US" sz="1400" b="1" dirty="0">
                 <a:latin typeface="Courier New" pitchFamily="49" charset="0"/>
                 <a:cs typeface="Courier New" pitchFamily="49" charset="0"/>
               </a:rPr>
@@ -9254,35 +5439,35 @@
           <a:p>
             <a:pPr defTabSz="180975"/>
             <a:r>
-              <a:rPr lang="en-US" sz="1400" b="1" dirty="0" smtClean="0">
+              <a:rPr lang="en-US" sz="1400" b="1" dirty="0">
                 <a:latin typeface="Courier New" pitchFamily="49" charset="0"/>
                 <a:cs typeface="Courier New" pitchFamily="49" charset="0"/>
               </a:rPr>
               <a:t>	void Read(</a:t>
             </a:r>
             <a:r>
-              <a:rPr lang="en-US" sz="1400" b="1" dirty="0" err="1" smtClean="0">
-                <a:latin typeface="Courier New" pitchFamily="49" charset="0"/>
-                <a:cs typeface="Courier New" pitchFamily="49" charset="0"/>
-              </a:rPr>
-              <a:t>CFormattedText</a:t>
-            </a:r>
-            <a:r>
-              <a:rPr lang="en-US" sz="1400" b="1" dirty="0" smtClean="0">
+              <a:rPr lang="en-US" sz="1400" b="1" dirty="0" err="1">
+                <a:latin typeface="Courier New" pitchFamily="49" charset="0"/>
+                <a:cs typeface="Courier New" pitchFamily="49" charset="0"/>
+              </a:rPr>
+              <a:t>FormattedText</a:t>
+            </a:r>
+            <a:r>
+              <a:rPr lang="en-US" sz="1400" b="1" dirty="0">
                 <a:latin typeface="Courier New" pitchFamily="49" charset="0"/>
                 <a:cs typeface="Courier New" pitchFamily="49" charset="0"/>
               </a:rPr>
               <a:t> const&amp; text, </a:t>
             </a:r>
             <a:r>
-              <a:rPr lang="en-US" sz="1400" b="1" dirty="0" err="1" smtClean="0">
-                <a:latin typeface="Courier New" pitchFamily="49" charset="0"/>
-                <a:cs typeface="Courier New" pitchFamily="49" charset="0"/>
-              </a:rPr>
-              <a:t>CTextConverter</a:t>
-            </a:r>
-            <a:r>
-              <a:rPr lang="en-US" sz="1400" b="1" dirty="0" smtClean="0">
+              <a:rPr lang="en-US" sz="1400" b="1" dirty="0" err="1">
+                <a:latin typeface="Courier New" pitchFamily="49" charset="0"/>
+                <a:cs typeface="Courier New" pitchFamily="49" charset="0"/>
+              </a:rPr>
+              <a:t>TextConverter</a:t>
+            </a:r>
+            <a:r>
+              <a:rPr lang="en-US" sz="1400" b="1" dirty="0">
                 <a:latin typeface="Courier New" pitchFamily="49" charset="0"/>
                 <a:cs typeface="Courier New" pitchFamily="49" charset="0"/>
               </a:rPr>
@@ -9292,7 +5477,7 @@
           <a:p>
             <a:pPr defTabSz="180975"/>
             <a:r>
-              <a:rPr lang="ru-RU" sz="1400" b="1" dirty="0" smtClean="0">
+              <a:rPr lang="ru-RU" sz="1400" b="1" dirty="0">
                 <a:latin typeface="Courier New" pitchFamily="49" charset="0"/>
                 <a:cs typeface="Courier New" pitchFamily="49" charset="0"/>
               </a:rPr>
@@ -9302,42 +5487,42 @@
           <a:p>
             <a:pPr defTabSz="180975"/>
             <a:r>
-              <a:rPr lang="ru-RU" sz="1400" b="1" dirty="0" smtClean="0">
+              <a:rPr lang="ru-RU" sz="1400" b="1" dirty="0">
                 <a:latin typeface="Courier New" pitchFamily="49" charset="0"/>
                 <a:cs typeface="Courier New" pitchFamily="49" charset="0"/>
               </a:rPr>
               <a:t>		</a:t>
             </a:r>
             <a:r>
-              <a:rPr lang="en-US" sz="1400" b="1" dirty="0" smtClean="0">
+              <a:rPr lang="en-US" sz="1400" b="1" dirty="0">
                 <a:latin typeface="Courier New" pitchFamily="49" charset="0"/>
                 <a:cs typeface="Courier New" pitchFamily="49" charset="0"/>
               </a:rPr>
               <a:t>for (</a:t>
             </a:r>
             <a:r>
-              <a:rPr lang="en-US" sz="1400" b="1" dirty="0" err="1" smtClean="0">
+              <a:rPr lang="en-US" sz="1400" b="1" dirty="0" err="1">
                 <a:latin typeface="Courier New" pitchFamily="49" charset="0"/>
                 <a:cs typeface="Courier New" pitchFamily="49" charset="0"/>
               </a:rPr>
               <a:t>size_t</a:t>
             </a:r>
             <a:r>
-              <a:rPr lang="en-US" sz="1400" b="1" dirty="0" smtClean="0">
+              <a:rPr lang="en-US" sz="1400" b="1" dirty="0">
                 <a:latin typeface="Courier New" pitchFamily="49" charset="0"/>
                 <a:cs typeface="Courier New" pitchFamily="49" charset="0"/>
               </a:rPr>
               <a:t> index = 0; index &lt; </a:t>
             </a:r>
             <a:r>
-              <a:rPr lang="en-US" sz="1400" b="1" dirty="0" err="1" smtClean="0">
+              <a:rPr lang="en-US" sz="1400" b="1" dirty="0" err="1">
                 <a:latin typeface="Courier New" pitchFamily="49" charset="0"/>
                 <a:cs typeface="Courier New" pitchFamily="49" charset="0"/>
               </a:rPr>
               <a:t>text.GetItems</a:t>
             </a:r>
             <a:r>
-              <a:rPr lang="en-US" sz="1400" b="1" dirty="0" smtClean="0">
+              <a:rPr lang="en-US" sz="1400" b="1" dirty="0">
                 <a:latin typeface="Courier New" pitchFamily="49" charset="0"/>
                 <a:cs typeface="Courier New" pitchFamily="49" charset="0"/>
               </a:rPr>
@@ -9347,7 +5532,7 @@
           <a:p>
             <a:pPr defTabSz="180975"/>
             <a:r>
-              <a:rPr lang="en-US" sz="1400" b="1" dirty="0" smtClean="0">
+              <a:rPr lang="en-US" sz="1400" b="1" dirty="0">
                 <a:latin typeface="Courier New" pitchFamily="49" charset="0"/>
                 <a:cs typeface="Courier New" pitchFamily="49" charset="0"/>
               </a:rPr>
@@ -9357,35 +5542,35 @@
           <a:p>
             <a:pPr defTabSz="180975"/>
             <a:r>
-              <a:rPr lang="en-US" sz="1400" b="1" dirty="0" smtClean="0">
+              <a:rPr lang="en-US" sz="1400" b="1" dirty="0">
                 <a:latin typeface="Courier New" pitchFamily="49" charset="0"/>
                 <a:cs typeface="Courier New" pitchFamily="49" charset="0"/>
               </a:rPr>
               <a:t>			</a:t>
             </a:r>
             <a:r>
-              <a:rPr lang="en-US" sz="1400" b="1" dirty="0" err="1" smtClean="0">
+              <a:rPr lang="en-US" sz="1400" b="1" dirty="0" err="1">
                 <a:latin typeface="Courier New" pitchFamily="49" charset="0"/>
                 <a:cs typeface="Courier New" pitchFamily="49" charset="0"/>
               </a:rPr>
               <a:t>CTextItem</a:t>
             </a:r>
             <a:r>
-              <a:rPr lang="en-US" sz="1400" b="1" dirty="0" smtClean="0">
+              <a:rPr lang="en-US" sz="1400" b="1" dirty="0">
                 <a:latin typeface="Courier New" pitchFamily="49" charset="0"/>
                 <a:cs typeface="Courier New" pitchFamily="49" charset="0"/>
               </a:rPr>
               <a:t> const &amp; item = </a:t>
             </a:r>
             <a:r>
-              <a:rPr lang="en-US" sz="1400" b="1" dirty="0" err="1" smtClean="0">
+              <a:rPr lang="en-US" sz="1400" b="1" dirty="0" err="1">
                 <a:latin typeface="Courier New" pitchFamily="49" charset="0"/>
                 <a:cs typeface="Courier New" pitchFamily="49" charset="0"/>
               </a:rPr>
               <a:t>text.GetItem</a:t>
             </a:r>
             <a:r>
-              <a:rPr lang="en-US" sz="1400" b="1" dirty="0" smtClean="0">
+              <a:rPr lang="en-US" sz="1400" b="1" dirty="0">
                 <a:latin typeface="Courier New" pitchFamily="49" charset="0"/>
                 <a:cs typeface="Courier New" pitchFamily="49" charset="0"/>
               </a:rPr>
@@ -9394,7 +5579,7 @@
           </a:p>
           <a:p>
             <a:pPr defTabSz="180975"/>
-            <a:endParaRPr lang="en-US" sz="1400" b="1" dirty="0" smtClean="0">
+            <a:endParaRPr lang="en-US" sz="1400" b="1" dirty="0">
               <a:latin typeface="Courier New" pitchFamily="49" charset="0"/>
               <a:cs typeface="Courier New" pitchFamily="49" charset="0"/>
             </a:endParaRPr>
@@ -9402,49 +5587,49 @@
           <a:p>
             <a:pPr defTabSz="180975"/>
             <a:r>
-              <a:rPr lang="en-US" sz="1400" b="1" dirty="0" smtClean="0">
+              <a:rPr lang="en-US" sz="1400" b="1" dirty="0">
                 <a:latin typeface="Courier New" pitchFamily="49" charset="0"/>
                 <a:cs typeface="Courier New" pitchFamily="49" charset="0"/>
               </a:rPr>
               <a:t>			if (auto </a:t>
             </a:r>
             <a:r>
-              <a:rPr lang="en-US" sz="1400" b="1" dirty="0" err="1" smtClean="0">
+              <a:rPr lang="en-US" sz="1400" b="1" dirty="0" err="1">
                 <a:latin typeface="Courier New" pitchFamily="49" charset="0"/>
                 <a:cs typeface="Courier New" pitchFamily="49" charset="0"/>
               </a:rPr>
               <a:t>textRange</a:t>
             </a:r>
             <a:r>
-              <a:rPr lang="en-US" sz="1400" b="1" dirty="0" smtClean="0">
+              <a:rPr lang="en-US" sz="1400" b="1" dirty="0">
                 <a:latin typeface="Courier New" pitchFamily="49" charset="0"/>
                 <a:cs typeface="Courier New" pitchFamily="49" charset="0"/>
               </a:rPr>
               <a:t> = </a:t>
             </a:r>
             <a:r>
-              <a:rPr lang="en-US" sz="1400" b="1" dirty="0" err="1" smtClean="0">
+              <a:rPr lang="en-US" sz="1400" b="1" dirty="0" err="1">
                 <a:latin typeface="Courier New" pitchFamily="49" charset="0"/>
                 <a:cs typeface="Courier New" pitchFamily="49" charset="0"/>
               </a:rPr>
               <a:t>dynamic_cast</a:t>
             </a:r>
             <a:r>
-              <a:rPr lang="en-US" sz="1400" b="1" dirty="0" smtClean="0">
+              <a:rPr lang="en-US" sz="1400" b="1" dirty="0">
                 <a:latin typeface="Courier New" pitchFamily="49" charset="0"/>
                 <a:cs typeface="Courier New" pitchFamily="49" charset="0"/>
               </a:rPr>
               <a:t>&lt;</a:t>
             </a:r>
             <a:r>
-              <a:rPr lang="en-US" sz="1400" b="1" dirty="0" err="1" smtClean="0">
+              <a:rPr lang="en-US" sz="1400" b="1" dirty="0" err="1">
                 <a:latin typeface="Courier New" pitchFamily="49" charset="0"/>
                 <a:cs typeface="Courier New" pitchFamily="49" charset="0"/>
               </a:rPr>
               <a:t>CTextRangeItem</a:t>
             </a:r>
             <a:r>
-              <a:rPr lang="en-US" sz="1400" b="1" dirty="0" smtClean="0">
+              <a:rPr lang="en-US" sz="1400" b="1" dirty="0">
                 <a:latin typeface="Courier New" pitchFamily="49" charset="0"/>
                 <a:cs typeface="Courier New" pitchFamily="49" charset="0"/>
               </a:rPr>
@@ -9454,7 +5639,7 @@
           <a:p>
             <a:pPr defTabSz="180975"/>
             <a:r>
-              <a:rPr lang="en-US" sz="1400" b="1" dirty="0" smtClean="0">
+              <a:rPr lang="en-US" sz="1400" b="1" dirty="0">
                 <a:latin typeface="Courier New" pitchFamily="49" charset="0"/>
                 <a:cs typeface="Courier New" pitchFamily="49" charset="0"/>
               </a:rPr>
@@ -9464,49 +5649,49 @@
           <a:p>
             <a:pPr defTabSz="180975"/>
             <a:r>
-              <a:rPr lang="en-US" sz="1400" b="1" dirty="0" smtClean="0">
+              <a:rPr lang="en-US" sz="1400" b="1" dirty="0">
                 <a:latin typeface="Courier New" pitchFamily="49" charset="0"/>
                 <a:cs typeface="Courier New" pitchFamily="49" charset="0"/>
               </a:rPr>
               <a:t>				</a:t>
             </a:r>
             <a:r>
-              <a:rPr lang="en-US" sz="1400" b="1" dirty="0" err="1" smtClean="0">
+              <a:rPr lang="en-US" sz="1400" b="1" dirty="0" err="1">
                 <a:latin typeface="Courier New" pitchFamily="49" charset="0"/>
                 <a:cs typeface="Courier New" pitchFamily="49" charset="0"/>
               </a:rPr>
               <a:t>converter.ConvertText</a:t>
             </a:r>
             <a:r>
-              <a:rPr lang="en-US" sz="1400" b="1" dirty="0" smtClean="0">
+              <a:rPr lang="en-US" sz="1400" b="1" dirty="0">
                 <a:latin typeface="Courier New" pitchFamily="49" charset="0"/>
                 <a:cs typeface="Courier New" pitchFamily="49" charset="0"/>
               </a:rPr>
               <a:t>(</a:t>
             </a:r>
             <a:r>
-              <a:rPr lang="en-US" sz="1400" b="1" dirty="0" err="1" smtClean="0">
+              <a:rPr lang="en-US" sz="1400" b="1" dirty="0" err="1">
                 <a:latin typeface="Courier New" pitchFamily="49" charset="0"/>
                 <a:cs typeface="Courier New" pitchFamily="49" charset="0"/>
               </a:rPr>
               <a:t>textRange</a:t>
             </a:r>
             <a:r>
-              <a:rPr lang="en-US" sz="1400" b="1" dirty="0" smtClean="0">
+              <a:rPr lang="en-US" sz="1400" b="1" dirty="0">
                 <a:latin typeface="Courier New" pitchFamily="49" charset="0"/>
                 <a:cs typeface="Courier New" pitchFamily="49" charset="0"/>
               </a:rPr>
               <a:t>-&gt;</a:t>
             </a:r>
             <a:r>
-              <a:rPr lang="en-US" sz="1400" b="1" dirty="0" err="1" smtClean="0">
+              <a:rPr lang="en-US" sz="1400" b="1" dirty="0" err="1">
                 <a:latin typeface="Courier New" pitchFamily="49" charset="0"/>
                 <a:cs typeface="Courier New" pitchFamily="49" charset="0"/>
               </a:rPr>
               <a:t>GetText</a:t>
             </a:r>
             <a:r>
-              <a:rPr lang="en-US" sz="1400" b="1" dirty="0" smtClean="0">
+              <a:rPr lang="en-US" sz="1400" b="1" dirty="0">
                 <a:latin typeface="Courier New" pitchFamily="49" charset="0"/>
                 <a:cs typeface="Courier New" pitchFamily="49" charset="0"/>
               </a:rPr>
@@ -9516,7 +5701,7 @@
           <a:p>
             <a:pPr defTabSz="180975"/>
             <a:r>
-              <a:rPr lang="en-US" sz="1400" b="1" dirty="0" smtClean="0">
+              <a:rPr lang="en-US" sz="1400" b="1" dirty="0">
                 <a:latin typeface="Courier New" pitchFamily="49" charset="0"/>
                 <a:cs typeface="Courier New" pitchFamily="49" charset="0"/>
               </a:rPr>
@@ -9526,49 +5711,49 @@
           <a:p>
             <a:pPr defTabSz="180975"/>
             <a:r>
-              <a:rPr lang="en-US" sz="1400" b="1" dirty="0" smtClean="0">
+              <a:rPr lang="en-US" sz="1400" b="1" dirty="0">
                 <a:latin typeface="Courier New" pitchFamily="49" charset="0"/>
                 <a:cs typeface="Courier New" pitchFamily="49" charset="0"/>
               </a:rPr>
               <a:t>			else if (</a:t>
             </a:r>
             <a:r>
-              <a:rPr lang="en-US" sz="1400" b="1" dirty="0" err="1" smtClean="0">
+              <a:rPr lang="en-US" sz="1400" b="1" dirty="0" err="1">
                 <a:latin typeface="Courier New" pitchFamily="49" charset="0"/>
                 <a:cs typeface="Courier New" pitchFamily="49" charset="0"/>
               </a:rPr>
               <a:t>fontCommand</a:t>
             </a:r>
             <a:r>
-              <a:rPr lang="en-US" sz="1400" b="1" dirty="0" smtClean="0">
+              <a:rPr lang="en-US" sz="1400" b="1" dirty="0">
                 <a:latin typeface="Courier New" pitchFamily="49" charset="0"/>
                 <a:cs typeface="Courier New" pitchFamily="49" charset="0"/>
               </a:rPr>
               <a:t> = </a:t>
             </a:r>
             <a:r>
-              <a:rPr lang="en-US" sz="1400" b="1" dirty="0" err="1" smtClean="0">
+              <a:rPr lang="en-US" sz="1400" b="1" dirty="0" err="1">
                 <a:latin typeface="Courier New" pitchFamily="49" charset="0"/>
                 <a:cs typeface="Courier New" pitchFamily="49" charset="0"/>
               </a:rPr>
               <a:t>dynamic_cast</a:t>
             </a:r>
             <a:r>
-              <a:rPr lang="en-US" sz="1400" b="1" dirty="0" smtClean="0">
+              <a:rPr lang="en-US" sz="1400" b="1" dirty="0">
                 <a:latin typeface="Courier New" pitchFamily="49" charset="0"/>
                 <a:cs typeface="Courier New" pitchFamily="49" charset="0"/>
               </a:rPr>
               <a:t>&lt;</a:t>
             </a:r>
             <a:r>
-              <a:rPr lang="en-US" sz="1400" b="1" dirty="0" err="1" smtClean="0">
+              <a:rPr lang="en-US" sz="1400" b="1" dirty="0" err="1">
                 <a:latin typeface="Courier New" pitchFamily="49" charset="0"/>
                 <a:cs typeface="Courier New" pitchFamily="49" charset="0"/>
               </a:rPr>
               <a:t>CFontChangeCommand</a:t>
             </a:r>
             <a:r>
-              <a:rPr lang="en-US" sz="1400" b="1" dirty="0" smtClean="0">
+              <a:rPr lang="en-US" sz="1400" b="1" dirty="0">
                 <a:latin typeface="Courier New" pitchFamily="49" charset="0"/>
                 <a:cs typeface="Courier New" pitchFamily="49" charset="0"/>
               </a:rPr>
@@ -9578,7 +5763,7 @@
           <a:p>
             <a:pPr defTabSz="180975"/>
             <a:r>
-              <a:rPr lang="en-US" sz="1400" b="1" dirty="0" smtClean="0">
+              <a:rPr lang="en-US" sz="1400" b="1" dirty="0">
                 <a:latin typeface="Courier New" pitchFamily="49" charset="0"/>
                 <a:cs typeface="Courier New" pitchFamily="49" charset="0"/>
               </a:rPr>
@@ -9588,49 +5773,49 @@
           <a:p>
             <a:pPr defTabSz="180975"/>
             <a:r>
-              <a:rPr lang="en-US" sz="1400" b="1" dirty="0" smtClean="0">
+              <a:rPr lang="en-US" sz="1400" b="1" dirty="0">
                 <a:latin typeface="Courier New" pitchFamily="49" charset="0"/>
                 <a:cs typeface="Courier New" pitchFamily="49" charset="0"/>
               </a:rPr>
               <a:t>				</a:t>
             </a:r>
             <a:r>
-              <a:rPr lang="en-US" sz="1400" b="1" dirty="0" err="1" smtClean="0">
+              <a:rPr lang="en-US" sz="1400" b="1" dirty="0" err="1">
                 <a:latin typeface="Courier New" pitchFamily="49" charset="0"/>
                 <a:cs typeface="Courier New" pitchFamily="49" charset="0"/>
               </a:rPr>
               <a:t>converter.ConvertFontChange</a:t>
             </a:r>
             <a:r>
-              <a:rPr lang="en-US" sz="1400" b="1" dirty="0" smtClean="0">
+              <a:rPr lang="en-US" sz="1400" b="1" dirty="0">
                 <a:latin typeface="Courier New" pitchFamily="49" charset="0"/>
                 <a:cs typeface="Courier New" pitchFamily="49" charset="0"/>
               </a:rPr>
               <a:t>(</a:t>
             </a:r>
             <a:r>
-              <a:rPr lang="en-US" sz="1400" b="1" dirty="0" err="1" smtClean="0">
+              <a:rPr lang="en-US" sz="1400" b="1" dirty="0" err="1">
                 <a:latin typeface="Courier New" pitchFamily="49" charset="0"/>
                 <a:cs typeface="Courier New" pitchFamily="49" charset="0"/>
               </a:rPr>
               <a:t>fontCommand</a:t>
             </a:r>
             <a:r>
-              <a:rPr lang="en-US" sz="1400" b="1" dirty="0" smtClean="0">
+              <a:rPr lang="en-US" sz="1400" b="1" dirty="0">
                 <a:latin typeface="Courier New" pitchFamily="49" charset="0"/>
                 <a:cs typeface="Courier New" pitchFamily="49" charset="0"/>
               </a:rPr>
               <a:t>-&gt;</a:t>
             </a:r>
             <a:r>
-              <a:rPr lang="en-US" sz="1400" b="1" dirty="0" err="1" smtClean="0">
+              <a:rPr lang="en-US" sz="1400" b="1" dirty="0" err="1">
                 <a:latin typeface="Courier New" pitchFamily="49" charset="0"/>
                 <a:cs typeface="Courier New" pitchFamily="49" charset="0"/>
               </a:rPr>
               <a:t>GetFont</a:t>
             </a:r>
             <a:r>
-              <a:rPr lang="en-US" sz="1400" b="1" dirty="0" smtClean="0">
+              <a:rPr lang="en-US" sz="1400" b="1" dirty="0">
                 <a:latin typeface="Courier New" pitchFamily="49" charset="0"/>
                 <a:cs typeface="Courier New" pitchFamily="49" charset="0"/>
               </a:rPr>
@@ -9640,7 +5825,7 @@
           <a:p>
             <a:pPr defTabSz="180975"/>
             <a:r>
-              <a:rPr lang="en-US" sz="1400" b="1" dirty="0" smtClean="0">
+              <a:rPr lang="en-US" sz="1400" b="1" dirty="0">
                 <a:latin typeface="Courier New" pitchFamily="49" charset="0"/>
                 <a:cs typeface="Courier New" pitchFamily="49" charset="0"/>
               </a:rPr>
@@ -9650,7 +5835,7 @@
           <a:p>
             <a:pPr defTabSz="180975"/>
             <a:r>
-              <a:rPr lang="en-US" sz="1400" b="1" dirty="0" smtClean="0">
+              <a:rPr lang="en-US" sz="1400" b="1" dirty="0">
                 <a:latin typeface="Courier New" pitchFamily="49" charset="0"/>
                 <a:cs typeface="Courier New" pitchFamily="49" charset="0"/>
               </a:rPr>
@@ -9660,13 +5845,13 @@
           <a:p>
             <a:pPr defTabSz="180975"/>
             <a:r>
-              <a:rPr lang="en-US" sz="1400" b="1" dirty="0" smtClean="0">
+              <a:rPr lang="en-US" sz="1400" b="1" dirty="0">
                 <a:latin typeface="Courier New" pitchFamily="49" charset="0"/>
                 <a:cs typeface="Courier New" pitchFamily="49" charset="0"/>
               </a:rPr>
               <a:t>		}</a:t>
             </a:r>
-            <a:endParaRPr lang="ru-RU" sz="1400" b="1" dirty="0" smtClean="0">
+            <a:endParaRPr lang="ru-RU" sz="1400" b="1" dirty="0">
               <a:latin typeface="Courier New" pitchFamily="49" charset="0"/>
               <a:cs typeface="Courier New" pitchFamily="49" charset="0"/>
             </a:endParaRPr>
@@ -9674,7 +5859,7 @@
           <a:p>
             <a:pPr defTabSz="180975"/>
             <a:r>
-              <a:rPr lang="ru-RU" sz="1400" b="1" dirty="0" smtClean="0">
+              <a:rPr lang="ru-RU" sz="1400" b="1" dirty="0">
                 <a:latin typeface="Courier New" pitchFamily="49" charset="0"/>
                 <a:cs typeface="Courier New" pitchFamily="49" charset="0"/>
               </a:rPr>
@@ -9684,7 +5869,7 @@
           <a:p>
             <a:pPr defTabSz="180975"/>
             <a:r>
-              <a:rPr lang="ru-RU" sz="1400" b="1" dirty="0" smtClean="0">
+              <a:rPr lang="ru-RU" sz="1400" b="1" dirty="0">
                 <a:latin typeface="Courier New" pitchFamily="49" charset="0"/>
                 <a:cs typeface="Courier New" pitchFamily="49" charset="0"/>
               </a:rPr>
@@ -10382,10 +6567,9 @@
           <a:lstStyle/>
           <a:p>
             <a:r>
-              <a:rPr lang="ru-RU" dirty="0" smtClean="0"/>
+              <a:rPr lang="ru-RU" dirty="0"/>
               <a:t>Реализация клиента</a:t>
             </a:r>
-            <a:endParaRPr lang="ru-RU" dirty="0"/>
           </a:p>
         </p:txBody>
       </p:sp>
@@ -10426,49 +6610,49 @@
           <a:p>
             <a:pPr defTabSz="266700"/>
             <a:r>
-              <a:rPr lang="en-US" sz="1400" b="1" dirty="0" smtClean="0">
+              <a:rPr lang="en-US" sz="1400" b="1" dirty="0">
                 <a:latin typeface="Courier New" pitchFamily="49" charset="0"/>
                 <a:cs typeface="Courier New" pitchFamily="49" charset="0"/>
               </a:rPr>
               <a:t>void </a:t>
             </a:r>
             <a:r>
-              <a:rPr lang="en-US" sz="1400" b="1" dirty="0" err="1" smtClean="0">
+              <a:rPr lang="en-US" sz="1400" b="1" dirty="0" err="1">
                 <a:latin typeface="Courier New" pitchFamily="49" charset="0"/>
                 <a:cs typeface="Courier New" pitchFamily="49" charset="0"/>
               </a:rPr>
               <a:t>ConvertToPDF</a:t>
             </a:r>
             <a:r>
-              <a:rPr lang="en-US" sz="1400" b="1" dirty="0" smtClean="0">
+              <a:rPr lang="en-US" sz="1400" b="1" dirty="0">
                 <a:latin typeface="Courier New" pitchFamily="49" charset="0"/>
                 <a:cs typeface="Courier New" pitchFamily="49" charset="0"/>
               </a:rPr>
               <a:t>(</a:t>
             </a:r>
             <a:r>
-              <a:rPr lang="en-US" sz="1400" b="1" dirty="0" err="1" smtClean="0">
-                <a:latin typeface="Courier New" pitchFamily="49" charset="0"/>
-                <a:cs typeface="Courier New" pitchFamily="49" charset="0"/>
-              </a:rPr>
-              <a:t>CFormattedText</a:t>
-            </a:r>
-            <a:r>
-              <a:rPr lang="en-US" sz="1400" b="1" dirty="0" smtClean="0">
+              <a:rPr lang="en-US" sz="1400" b="1" dirty="0" err="1">
+                <a:latin typeface="Courier New" pitchFamily="49" charset="0"/>
+                <a:cs typeface="Courier New" pitchFamily="49" charset="0"/>
+              </a:rPr>
+              <a:t>FormattedText</a:t>
+            </a:r>
+            <a:r>
+              <a:rPr lang="en-US" sz="1400" b="1" dirty="0">
                 <a:latin typeface="Courier New" pitchFamily="49" charset="0"/>
                 <a:cs typeface="Courier New" pitchFamily="49" charset="0"/>
               </a:rPr>
               <a:t> const&amp; text, std::string const&amp; </a:t>
             </a:r>
             <a:r>
-              <a:rPr lang="en-US" sz="1400" b="1" dirty="0" err="1" smtClean="0">
+              <a:rPr lang="en-US" sz="1400" b="1" dirty="0" err="1">
                 <a:latin typeface="Courier New" pitchFamily="49" charset="0"/>
                 <a:cs typeface="Courier New" pitchFamily="49" charset="0"/>
               </a:rPr>
               <a:t>outputFile</a:t>
             </a:r>
             <a:r>
-              <a:rPr lang="en-US" sz="1400" b="1" dirty="0" smtClean="0">
+              <a:rPr lang="en-US" sz="1400" b="1" dirty="0">
                 <a:latin typeface="Courier New" pitchFamily="49" charset="0"/>
                 <a:cs typeface="Courier New" pitchFamily="49" charset="0"/>
               </a:rPr>
@@ -10478,7 +6662,7 @@
           <a:p>
             <a:pPr defTabSz="266700"/>
             <a:r>
-              <a:rPr lang="ru-RU" sz="1400" b="1" dirty="0" smtClean="0">
+              <a:rPr lang="ru-RU" sz="1400" b="1" dirty="0">
                 <a:latin typeface="Courier New" pitchFamily="49" charset="0"/>
                 <a:cs typeface="Courier New" pitchFamily="49" charset="0"/>
               </a:rPr>
@@ -10488,21 +6672,21 @@
           <a:p>
             <a:pPr defTabSz="266700"/>
             <a:r>
-              <a:rPr lang="ru-RU" sz="1400" b="1" i="1" dirty="0" smtClean="0">
+              <a:rPr lang="ru-RU" sz="1400" b="1" i="1" dirty="0">
                 <a:latin typeface="Courier New" pitchFamily="49" charset="0"/>
                 <a:cs typeface="Courier New" pitchFamily="49" charset="0"/>
               </a:rPr>
               <a:t>	</a:t>
             </a:r>
             <a:r>
-              <a:rPr lang="en-US" sz="1400" b="1" i="1" dirty="0" smtClean="0">
+              <a:rPr lang="en-US" sz="1400" b="1" i="1" dirty="0">
                 <a:latin typeface="Courier New" pitchFamily="49" charset="0"/>
                 <a:cs typeface="Courier New" pitchFamily="49" charset="0"/>
               </a:rPr>
               <a:t>// </a:t>
             </a:r>
             <a:r>
-              <a:rPr lang="ru-RU" sz="1400" b="1" i="1" dirty="0" smtClean="0">
+              <a:rPr lang="ru-RU" sz="1400" b="1" i="1" dirty="0">
                 <a:latin typeface="Courier New" pitchFamily="49" charset="0"/>
                 <a:cs typeface="Courier New" pitchFamily="49" charset="0"/>
               </a:rPr>
@@ -10512,34 +6696,34 @@
           <a:p>
             <a:pPr defTabSz="266700"/>
             <a:r>
-              <a:rPr lang="en-US" sz="1400" b="1" dirty="0" smtClean="0">
+              <a:rPr lang="en-US" sz="1400" b="1" dirty="0">
                 <a:latin typeface="Courier New" pitchFamily="49" charset="0"/>
                 <a:cs typeface="Courier New" pitchFamily="49" charset="0"/>
               </a:rPr>
               <a:t>	</a:t>
             </a:r>
             <a:r>
-              <a:rPr lang="en-US" sz="1400" b="1" dirty="0" err="1" smtClean="0">
-                <a:latin typeface="Courier New" pitchFamily="49" charset="0"/>
-                <a:cs typeface="Courier New" pitchFamily="49" charset="0"/>
-              </a:rPr>
-              <a:t>CPDFConverter</a:t>
-            </a:r>
-            <a:r>
-              <a:rPr lang="en-US" sz="1400" b="1" dirty="0" smtClean="0">
+              <a:rPr lang="en-US" sz="1400" b="1" dirty="0" err="1">
+                <a:latin typeface="Courier New" pitchFamily="49" charset="0"/>
+                <a:cs typeface="Courier New" pitchFamily="49" charset="0"/>
+              </a:rPr>
+              <a:t>PDFConverter</a:t>
+            </a:r>
+            <a:r>
+              <a:rPr lang="en-US" sz="1400" b="1" dirty="0">
                 <a:latin typeface="Courier New" pitchFamily="49" charset="0"/>
                 <a:cs typeface="Courier New" pitchFamily="49" charset="0"/>
               </a:rPr>
               <a:t> converter;</a:t>
             </a:r>
-            <a:endParaRPr lang="ru-RU" sz="1400" b="1" dirty="0" smtClean="0">
+            <a:endParaRPr lang="ru-RU" sz="1400" b="1" dirty="0">
               <a:latin typeface="Courier New" pitchFamily="49" charset="0"/>
               <a:cs typeface="Courier New" pitchFamily="49" charset="0"/>
             </a:endParaRPr>
           </a:p>
           <a:p>
             <a:pPr defTabSz="266700"/>
-            <a:endParaRPr lang="ru-RU" sz="1400" b="1" dirty="0" smtClean="0">
+            <a:endParaRPr lang="ru-RU" sz="1400" b="1" dirty="0">
               <a:latin typeface="Courier New" pitchFamily="49" charset="0"/>
               <a:cs typeface="Courier New" pitchFamily="49" charset="0"/>
             </a:endParaRPr>
@@ -10547,13 +6731,13 @@
           <a:p>
             <a:pPr defTabSz="266700"/>
             <a:r>
-              <a:rPr lang="ru-RU" sz="1400" b="1" i="1" dirty="0" smtClean="0">
+              <a:rPr lang="ru-RU" sz="1400" b="1" i="1" dirty="0">
                 <a:latin typeface="Courier New" pitchFamily="49" charset="0"/>
                 <a:cs typeface="Courier New" pitchFamily="49" charset="0"/>
               </a:rPr>
               <a:t>	// создаем распорядителя</a:t>
             </a:r>
-            <a:endParaRPr lang="en-US" sz="1400" b="1" i="1" dirty="0" smtClean="0">
+            <a:endParaRPr lang="en-US" sz="1400" b="1" i="1" dirty="0">
               <a:latin typeface="Courier New" pitchFamily="49" charset="0"/>
               <a:cs typeface="Courier New" pitchFamily="49" charset="0"/>
             </a:endParaRPr>
@@ -10561,34 +6745,34 @@
           <a:p>
             <a:pPr defTabSz="266700"/>
             <a:r>
-              <a:rPr lang="en-US" sz="1400" b="1" dirty="0" smtClean="0">
+              <a:rPr lang="en-US" sz="1400" b="1" dirty="0">
                 <a:latin typeface="Courier New" pitchFamily="49" charset="0"/>
                 <a:cs typeface="Courier New" pitchFamily="49" charset="0"/>
               </a:rPr>
               <a:t>	</a:t>
             </a:r>
             <a:r>
-              <a:rPr lang="en-US" sz="1400" b="1" dirty="0" err="1" smtClean="0">
-                <a:latin typeface="Courier New" pitchFamily="49" charset="0"/>
-                <a:cs typeface="Courier New" pitchFamily="49" charset="0"/>
-              </a:rPr>
-              <a:t>CFormattedTextReader</a:t>
-            </a:r>
-            <a:r>
-              <a:rPr lang="en-US" sz="1400" b="1" dirty="0" smtClean="0">
+              <a:rPr lang="en-US" sz="1400" b="1" dirty="0" err="1">
+                <a:latin typeface="Courier New" pitchFamily="49" charset="0"/>
+                <a:cs typeface="Courier New" pitchFamily="49" charset="0"/>
+              </a:rPr>
+              <a:t>FormattedTextReader</a:t>
+            </a:r>
+            <a:r>
+              <a:rPr lang="en-US" sz="1400" b="1" dirty="0">
                 <a:latin typeface="Courier New" pitchFamily="49" charset="0"/>
                 <a:cs typeface="Courier New" pitchFamily="49" charset="0"/>
               </a:rPr>
               <a:t> reader;</a:t>
             </a:r>
-            <a:endParaRPr lang="ru-RU" sz="1400" b="1" dirty="0" smtClean="0">
+            <a:endParaRPr lang="ru-RU" sz="1400" b="1" dirty="0">
               <a:latin typeface="Courier New" pitchFamily="49" charset="0"/>
               <a:cs typeface="Courier New" pitchFamily="49" charset="0"/>
             </a:endParaRPr>
           </a:p>
           <a:p>
             <a:pPr defTabSz="266700"/>
-            <a:endParaRPr lang="ru-RU" sz="1400" b="1" i="1" dirty="0" smtClean="0">
+            <a:endParaRPr lang="ru-RU" sz="1400" b="1" i="1" dirty="0">
               <a:latin typeface="Courier New" pitchFamily="49" charset="0"/>
               <a:cs typeface="Courier New" pitchFamily="49" charset="0"/>
             </a:endParaRPr>
@@ -10596,13 +6780,13 @@
           <a:p>
             <a:pPr defTabSz="266700"/>
             <a:r>
-              <a:rPr lang="ru-RU" sz="1400" b="1" i="1" dirty="0" smtClean="0">
+              <a:rPr lang="ru-RU" sz="1400" b="1" i="1" dirty="0">
                 <a:latin typeface="Courier New" pitchFamily="49" charset="0"/>
                 <a:cs typeface="Courier New" pitchFamily="49" charset="0"/>
               </a:rPr>
               <a:t>	// и инициируем процесс построения продукта</a:t>
             </a:r>
-            <a:endParaRPr lang="en-US" sz="1400" b="1" i="1" dirty="0" smtClean="0">
+            <a:endParaRPr lang="en-US" sz="1400" b="1" i="1" dirty="0">
               <a:latin typeface="Courier New" pitchFamily="49" charset="0"/>
               <a:cs typeface="Courier New" pitchFamily="49" charset="0"/>
             </a:endParaRPr>
@@ -10610,34 +6794,34 @@
           <a:p>
             <a:pPr defTabSz="266700"/>
             <a:r>
-              <a:rPr lang="en-US" sz="1400" b="1" dirty="0" smtClean="0">
+              <a:rPr lang="en-US" sz="1400" b="1" dirty="0">
                 <a:latin typeface="Courier New" pitchFamily="49" charset="0"/>
                 <a:cs typeface="Courier New" pitchFamily="49" charset="0"/>
               </a:rPr>
               <a:t>	</a:t>
             </a:r>
             <a:r>
-              <a:rPr lang="en-US" sz="1400" b="1" dirty="0" err="1" smtClean="0">
+              <a:rPr lang="en-US" sz="1400" b="1" dirty="0" err="1">
                 <a:latin typeface="Courier New" pitchFamily="49" charset="0"/>
                 <a:cs typeface="Courier New" pitchFamily="49" charset="0"/>
               </a:rPr>
               <a:t>reader.Read</a:t>
             </a:r>
             <a:r>
-              <a:rPr lang="en-US" sz="1400" b="1" dirty="0" smtClean="0">
+              <a:rPr lang="en-US" sz="1400" b="1" dirty="0">
                 <a:latin typeface="Courier New" pitchFamily="49" charset="0"/>
                 <a:cs typeface="Courier New" pitchFamily="49" charset="0"/>
               </a:rPr>
               <a:t>(text, converter);</a:t>
             </a:r>
-            <a:endParaRPr lang="ru-RU" sz="1400" b="1" dirty="0" smtClean="0">
+            <a:endParaRPr lang="ru-RU" sz="1400" b="1" dirty="0">
               <a:latin typeface="Courier New" pitchFamily="49" charset="0"/>
               <a:cs typeface="Courier New" pitchFamily="49" charset="0"/>
             </a:endParaRPr>
           </a:p>
           <a:p>
             <a:pPr defTabSz="266700"/>
-            <a:endParaRPr lang="ru-RU" sz="1400" b="1" dirty="0" smtClean="0">
+            <a:endParaRPr lang="ru-RU" sz="1400" b="1" dirty="0">
               <a:latin typeface="Courier New" pitchFamily="49" charset="0"/>
               <a:cs typeface="Courier New" pitchFamily="49" charset="0"/>
             </a:endParaRPr>
@@ -10645,20 +6829,20 @@
           <a:p>
             <a:pPr defTabSz="266700"/>
             <a:r>
-              <a:rPr lang="ru-RU" sz="1400" b="1" dirty="0" smtClean="0">
+              <a:rPr lang="ru-RU" sz="1400" b="1" dirty="0">
                 <a:latin typeface="Courier New" pitchFamily="49" charset="0"/>
                 <a:cs typeface="Courier New" pitchFamily="49" charset="0"/>
               </a:rPr>
               <a:t>	</a:t>
             </a:r>
             <a:r>
-              <a:rPr lang="ru-RU" sz="1400" b="1" i="1" dirty="0" smtClean="0">
+              <a:rPr lang="ru-RU" sz="1400" b="1" i="1" dirty="0">
                 <a:latin typeface="Courier New" pitchFamily="49" charset="0"/>
                 <a:cs typeface="Courier New" pitchFamily="49" charset="0"/>
               </a:rPr>
               <a:t>// получаем конечный продукт</a:t>
             </a:r>
-            <a:endParaRPr lang="en-US" sz="1400" b="1" i="1" dirty="0" smtClean="0">
+            <a:endParaRPr lang="en-US" sz="1400" b="1" i="1" dirty="0">
               <a:latin typeface="Courier New" pitchFamily="49" charset="0"/>
               <a:cs typeface="Courier New" pitchFamily="49" charset="0"/>
             </a:endParaRPr>
@@ -10666,49 +6850,49 @@
           <a:p>
             <a:pPr defTabSz="266700"/>
             <a:r>
-              <a:rPr lang="en-US" sz="1400" b="1" dirty="0" smtClean="0">
+              <a:rPr lang="en-US" sz="1400" b="1" dirty="0">
                 <a:latin typeface="Courier New" pitchFamily="49" charset="0"/>
                 <a:cs typeface="Courier New" pitchFamily="49" charset="0"/>
               </a:rPr>
               <a:t>	</a:t>
             </a:r>
             <a:r>
-              <a:rPr lang="en-US" sz="1400" b="1" dirty="0" err="1" smtClean="0">
-                <a:latin typeface="Courier New" pitchFamily="49" charset="0"/>
-                <a:cs typeface="Courier New" pitchFamily="49" charset="0"/>
-              </a:rPr>
-              <a:t>CPDFDocument</a:t>
-            </a:r>
-            <a:r>
-              <a:rPr lang="en-US" sz="1400" b="1" dirty="0" smtClean="0">
+              <a:rPr lang="en-US" sz="1400" b="1" dirty="0" err="1">
+                <a:latin typeface="Courier New" pitchFamily="49" charset="0"/>
+                <a:cs typeface="Courier New" pitchFamily="49" charset="0"/>
+              </a:rPr>
+              <a:t>PDFDocument</a:t>
+            </a:r>
+            <a:r>
+              <a:rPr lang="en-US" sz="1400" b="1" dirty="0">
                 <a:latin typeface="Courier New" pitchFamily="49" charset="0"/>
                 <a:cs typeface="Courier New" pitchFamily="49" charset="0"/>
               </a:rPr>
               <a:t> const&amp; </a:t>
             </a:r>
             <a:r>
-              <a:rPr lang="en-US" sz="1400" b="1" dirty="0" err="1" smtClean="0">
+              <a:rPr lang="en-US" sz="1400" b="1" dirty="0" err="1">
                 <a:latin typeface="Courier New" pitchFamily="49" charset="0"/>
                 <a:cs typeface="Courier New" pitchFamily="49" charset="0"/>
               </a:rPr>
               <a:t>pdfDoc</a:t>
             </a:r>
             <a:r>
-              <a:rPr lang="en-US" sz="1400" b="1" dirty="0" smtClean="0">
+              <a:rPr lang="en-US" sz="1400" b="1" dirty="0">
                 <a:latin typeface="Courier New" pitchFamily="49" charset="0"/>
                 <a:cs typeface="Courier New" pitchFamily="49" charset="0"/>
               </a:rPr>
               <a:t> = </a:t>
             </a:r>
             <a:r>
-              <a:rPr lang="en-US" sz="1400" b="1" dirty="0" err="1" smtClean="0">
+              <a:rPr lang="en-US" sz="1400" b="1" dirty="0" err="1">
                 <a:latin typeface="Courier New" pitchFamily="49" charset="0"/>
                 <a:cs typeface="Courier New" pitchFamily="49" charset="0"/>
               </a:rPr>
               <a:t>converter.GetPDFDocument</a:t>
             </a:r>
             <a:r>
-              <a:rPr lang="en-US" sz="1400" b="1" dirty="0" smtClean="0">
+              <a:rPr lang="en-US" sz="1400" b="1" dirty="0">
                 <a:latin typeface="Courier New" pitchFamily="49" charset="0"/>
                 <a:cs typeface="Courier New" pitchFamily="49" charset="0"/>
               </a:rPr>
@@ -10718,41 +6902,41 @@
           <a:p>
             <a:pPr defTabSz="266700"/>
             <a:r>
-              <a:rPr lang="en-US" sz="1400" b="1" dirty="0" smtClean="0">
+              <a:rPr lang="en-US" sz="1400" b="1" dirty="0">
                 <a:latin typeface="Courier New" pitchFamily="49" charset="0"/>
                 <a:cs typeface="Courier New" pitchFamily="49" charset="0"/>
               </a:rPr>
               <a:t>	</a:t>
             </a:r>
             <a:r>
-              <a:rPr lang="en-US" sz="1400" b="1" dirty="0" err="1" smtClean="0">
+              <a:rPr lang="en-US" sz="1400" b="1" dirty="0" err="1">
                 <a:latin typeface="Courier New" pitchFamily="49" charset="0"/>
                 <a:cs typeface="Courier New" pitchFamily="49" charset="0"/>
               </a:rPr>
               <a:t>pdfDoc.SaveToFile</a:t>
             </a:r>
             <a:r>
-              <a:rPr lang="en-US" sz="1400" b="1" dirty="0" smtClean="0">
+              <a:rPr lang="en-US" sz="1400" b="1" dirty="0">
                 <a:latin typeface="Courier New" pitchFamily="49" charset="0"/>
                 <a:cs typeface="Courier New" pitchFamily="49" charset="0"/>
               </a:rPr>
               <a:t>(</a:t>
             </a:r>
             <a:r>
-              <a:rPr lang="en-US" sz="1400" b="1" dirty="0" err="1" smtClean="0">
+              <a:rPr lang="en-US" sz="1400" b="1" dirty="0" err="1">
                 <a:latin typeface="Courier New" pitchFamily="49" charset="0"/>
                 <a:cs typeface="Courier New" pitchFamily="49" charset="0"/>
               </a:rPr>
               <a:t>outputFile</a:t>
             </a:r>
             <a:r>
-              <a:rPr lang="en-US" sz="1400" b="1" dirty="0" smtClean="0">
+              <a:rPr lang="en-US" sz="1400" b="1" dirty="0">
                 <a:latin typeface="Courier New" pitchFamily="49" charset="0"/>
                 <a:cs typeface="Courier New" pitchFamily="49" charset="0"/>
               </a:rPr>
               <a:t>);</a:t>
             </a:r>
-            <a:endParaRPr lang="ru-RU" sz="1400" b="1" dirty="0" smtClean="0">
+            <a:endParaRPr lang="ru-RU" sz="1400" b="1" dirty="0">
               <a:latin typeface="Courier New" pitchFamily="49" charset="0"/>
               <a:cs typeface="Courier New" pitchFamily="49" charset="0"/>
             </a:endParaRPr>
@@ -10760,7 +6944,7 @@
           <a:p>
             <a:pPr defTabSz="266700"/>
             <a:r>
-              <a:rPr lang="ru-RU" sz="1400" b="1" dirty="0" smtClean="0">
+              <a:rPr lang="ru-RU" sz="1400" b="1" dirty="0">
                 <a:latin typeface="Courier New" pitchFamily="49" charset="0"/>
                 <a:cs typeface="Courier New" pitchFamily="49" charset="0"/>
               </a:rPr>
@@ -11306,10 +7490,9 @@
           <a:lstStyle/>
           <a:p>
             <a:r>
-              <a:rPr lang="ru-RU" dirty="0" smtClean="0"/>
+              <a:rPr lang="ru-RU" dirty="0"/>
               <a:t>Достоинства паттерна «Строитель»</a:t>
             </a:r>
-            <a:endParaRPr lang="ru-RU" dirty="0"/>
           </a:p>
         </p:txBody>
       </p:sp>
@@ -11332,57 +7515,48 @@
           <a:p>
             <a:r>
               <a:rPr lang="ru-RU" dirty="0"/>
-              <a:t>Позволяет изменять внутреннее представление </a:t>
-            </a:r>
-            <a:r>
-              <a:rPr lang="ru-RU" dirty="0" smtClean="0"/>
-              <a:t>продукта</a:t>
+              <a:t>Позволяет изменять внутреннее представление продукта</a:t>
             </a:r>
           </a:p>
           <a:p>
             <a:pPr lvl="1"/>
             <a:r>
-              <a:rPr lang="ru-RU" dirty="0" smtClean="0"/>
+              <a:rPr lang="ru-RU" dirty="0"/>
               <a:t>Распорядителю предоставляется абстрактный интерфейс Строителя, скрывающего структуру продукта и процесс сборки</a:t>
             </a:r>
           </a:p>
           <a:p>
             <a:pPr lvl="2"/>
             <a:r>
-              <a:rPr lang="ru-RU" dirty="0" smtClean="0"/>
+              <a:rPr lang="ru-RU" dirty="0"/>
               <a:t>Для изменения внутреннего представления достаточно определить новую реализацию Строителя</a:t>
             </a:r>
-            <a:endParaRPr lang="ru-RU" dirty="0"/>
           </a:p>
           <a:p>
             <a:r>
               <a:rPr lang="ru-RU" dirty="0"/>
               <a:t>Изолирует код, реализующий конструирование и представление </a:t>
             </a:r>
-            <a:endParaRPr lang="ru-RU" dirty="0" smtClean="0"/>
           </a:p>
           <a:p>
             <a:pPr lvl="1"/>
             <a:r>
-              <a:rPr lang="ru-RU" dirty="0" smtClean="0"/>
+              <a:rPr lang="ru-RU" dirty="0"/>
               <a:t>Клиенту не нужно знать о классах, задающих внутреннюю структуру продукта (в интерфейсе строителя они отсутствуют)</a:t>
             </a:r>
-            <a:endParaRPr lang="ru-RU" dirty="0"/>
           </a:p>
           <a:p>
             <a:r>
               <a:rPr lang="ru-RU" dirty="0"/>
               <a:t>Дает более тонкий контроль над процессом конструирования </a:t>
             </a:r>
-            <a:endParaRPr lang="ru-RU" dirty="0" smtClean="0"/>
           </a:p>
           <a:p>
             <a:pPr lvl="1"/>
             <a:r>
-              <a:rPr lang="ru-RU" dirty="0" smtClean="0"/>
+              <a:rPr lang="ru-RU" dirty="0"/>
               <a:t>Процесс построения продукта происходит не сразу, как в других порождающих паттернах, а шаг за шагом</a:t>
             </a:r>
-            <a:endParaRPr lang="ru-RU" dirty="0"/>
           </a:p>
         </p:txBody>
       </p:sp>
@@ -11820,10 +7994,9 @@
           <a:lstStyle/>
           <a:p>
             <a:r>
-              <a:rPr lang="ru-RU" dirty="0" smtClean="0"/>
+              <a:rPr lang="ru-RU" dirty="0"/>
               <a:t>Недостатки паттерна</a:t>
             </a:r>
-            <a:endParaRPr lang="ru-RU" dirty="0"/>
           </a:p>
         </p:txBody>
       </p:sp>
@@ -11843,11 +8016,11 @@
           <a:lstStyle/>
           <a:p>
             <a:r>
-              <a:rPr lang="ru-RU" dirty="0" smtClean="0"/>
+              <a:rPr lang="ru-RU" dirty="0"/>
               <a:t>Для каждого конкретного продукта требуется создание </a:t>
             </a:r>
             <a:r>
-              <a:rPr lang="en-US" dirty="0" err="1" smtClean="0"/>
+              <a:rPr lang="en-US" dirty="0" err="1"/>
               <a:t>ConcreteBuilder</a:t>
             </a:r>
             <a:endParaRPr lang="ru-RU" dirty="0"/>
@@ -11864,13 +8037,6 @@
   <p:clrMapOvr>
     <a:masterClrMapping/>
   </p:clrMapOvr>
-  <p:timing>
-    <p:tnLst>
-      <p:par>
-        <p:cTn id="1" dur="indefinite" restart="never" nodeType="tmRoot"/>
-      </p:par>
-    </p:tnLst>
-  </p:timing>
 </p:sld>
 </file>
 
@@ -11909,10 +8075,9 @@
           <a:lstStyle/>
           <a:p>
             <a:r>
-              <a:rPr lang="ru-RU" dirty="0" smtClean="0"/>
+              <a:rPr lang="ru-RU" dirty="0"/>
               <a:t>Задача – создание сложного объекта</a:t>
             </a:r>
-            <a:endParaRPr lang="ru-RU" dirty="0"/>
           </a:p>
         </p:txBody>
       </p:sp>
@@ -11932,23 +8097,22 @@
           <a:lstStyle/>
           <a:p>
             <a:r>
-              <a:rPr lang="ru-RU" dirty="0" smtClean="0"/>
+              <a:rPr lang="ru-RU" dirty="0"/>
               <a:t>Создание сложного объекта может потребовать большого количества параметров в конструкторе</a:t>
             </a:r>
           </a:p>
           <a:p>
             <a:pPr lvl="1"/>
             <a:r>
-              <a:rPr lang="ru-RU" dirty="0" smtClean="0"/>
+              <a:rPr lang="ru-RU" dirty="0"/>
               <a:t>Многие параметры могут простаивать в подавляющем количестве конфигураций</a:t>
             </a:r>
           </a:p>
           <a:p>
             <a:r>
-              <a:rPr lang="ru-RU" dirty="0" smtClean="0"/>
+              <a:rPr lang="ru-RU" dirty="0"/>
               <a:t>Код будет привязан к конкретной реализации</a:t>
             </a:r>
-            <a:endParaRPr lang="ru-RU" dirty="0"/>
           </a:p>
         </p:txBody>
       </p:sp>
@@ -12198,7 +8362,7 @@
           <a:lstStyle/>
           <a:p>
             <a:r>
-              <a:rPr lang="ru-RU" dirty="0" smtClean="0"/>
+              <a:rPr lang="ru-RU" dirty="0"/>
               <a:t>Назначение паттерна «Строитель»</a:t>
             </a:r>
             <a:endParaRPr lang="ru-RU" b="1" dirty="0"/>
@@ -12221,10 +8385,9 @@
           <a:lstStyle/>
           <a:p>
             <a:r>
-              <a:rPr lang="ru-RU" dirty="0" smtClean="0"/>
+              <a:rPr lang="ru-RU" dirty="0"/>
               <a:t>Отделяет конструирование сложного объекта от его представления, так что в результате одного и того же процесса конструирования могут получаться разные представления</a:t>
             </a:r>
-            <a:endParaRPr lang="ru-RU" dirty="0"/>
           </a:p>
         </p:txBody>
       </p:sp>
@@ -12238,13 +8401,6 @@
   <p:clrMapOvr>
     <a:masterClrMapping/>
   </p:clrMapOvr>
-  <p:timing>
-    <p:tnLst>
-      <p:par>
-        <p:cTn id="1" dur="indefinite" restart="never" nodeType="tmRoot"/>
-      </p:par>
-    </p:tnLst>
-  </p:timing>
 </p:sld>
 </file>
 
@@ -12283,10 +8439,9 @@
           <a:lstStyle/>
           <a:p>
             <a:r>
-              <a:rPr lang="ru-RU" dirty="0" smtClean="0"/>
+              <a:rPr lang="ru-RU" dirty="0"/>
               <a:t>Область применения паттерна «Строитель»</a:t>
             </a:r>
-            <a:endParaRPr lang="ru-RU" dirty="0"/>
           </a:p>
         </p:txBody>
       </p:sp>
@@ -12503,6 +8658,36 @@
           <a:chExt cx="0" cy="0"/>
         </a:xfrm>
       </p:grpSpPr>
+      <p:pic>
+        <p:nvPicPr>
+          <p:cNvPr id="2" name="Picture 1">
+            <a:extLst>
+              <a:ext uri="{FF2B5EF4-FFF2-40B4-BE49-F238E27FC236}">
+                <a16:creationId xmlns:a16="http://schemas.microsoft.com/office/drawing/2014/main" id="{BF9B6FD2-B005-497A-8906-6ADA42D557D7}"/>
+              </a:ext>
+            </a:extLst>
+          </p:cNvPr>
+          <p:cNvPicPr>
+            <a:picLocks noChangeAspect="1"/>
+          </p:cNvPicPr>
+          <p:nvPr/>
+        </p:nvPicPr>
+        <p:blipFill>
+          <a:blip r:embed="rId3"/>
+          <a:stretch>
+            <a:fillRect/>
+          </a:stretch>
+        </p:blipFill>
+        <p:spPr>
+          <a:xfrm>
+            <a:off x="395536" y="2734172"/>
+            <a:ext cx="7960398" cy="2869446"/>
+          </a:xfrm>
+          <a:prstGeom prst="rect">
+            <a:avLst/>
+          </a:prstGeom>
+        </p:spPr>
+      </p:pic>
       <p:sp>
         <p:nvSpPr>
           <p:cNvPr id="41991" name="Rectangle 7"/>
@@ -12519,906 +8704,12 @@
           <a:lstStyle/>
           <a:p>
             <a:r>
-              <a:rPr lang="ru-RU" dirty="0" smtClean="0"/>
+              <a:rPr lang="ru-RU" dirty="0"/>
               <a:t>Структура</a:t>
             </a:r>
-            <a:endParaRPr lang="ru-RU" dirty="0"/>
           </a:p>
         </p:txBody>
       </p:sp>
-      <p:grpSp>
-        <p:nvGrpSpPr>
-          <p:cNvPr id="42" name="Группа 41"/>
-          <p:cNvGrpSpPr/>
-          <p:nvPr/>
-        </p:nvGrpSpPr>
-        <p:grpSpPr>
-          <a:xfrm>
-            <a:off x="500034" y="2000240"/>
-            <a:ext cx="7858180" cy="3214710"/>
-            <a:chOff x="571472" y="2571744"/>
-            <a:chExt cx="7858180" cy="3214710"/>
-          </a:xfrm>
-        </p:grpSpPr>
-        <p:grpSp>
-          <p:nvGrpSpPr>
-            <p:cNvPr id="7" name="Группа 6"/>
-            <p:cNvGrpSpPr/>
-            <p:nvPr/>
-          </p:nvGrpSpPr>
-          <p:grpSpPr>
-            <a:xfrm>
-              <a:off x="571472" y="2571744"/>
-              <a:ext cx="1500198" cy="1071570"/>
-              <a:chOff x="571472" y="2571744"/>
-              <a:chExt cx="1500198" cy="1071570"/>
-            </a:xfrm>
-          </p:grpSpPr>
-          <p:sp>
-            <p:nvSpPr>
-              <p:cNvPr id="4" name="Прямоугольник 3"/>
-              <p:cNvSpPr/>
-              <p:nvPr/>
-            </p:nvSpPr>
-            <p:spPr>
-              <a:xfrm>
-                <a:off x="571472" y="2571744"/>
-                <a:ext cx="1500198" cy="357190"/>
-              </a:xfrm>
-              <a:prstGeom prst="rect">
-                <a:avLst/>
-              </a:prstGeom>
-            </p:spPr>
-            <p:style>
-              <a:lnRef idx="2">
-                <a:schemeClr val="accent1"/>
-              </a:lnRef>
-              <a:fillRef idx="1">
-                <a:schemeClr val="lt1"/>
-              </a:fillRef>
-              <a:effectRef idx="0">
-                <a:schemeClr val="accent1"/>
-              </a:effectRef>
-              <a:fontRef idx="minor">
-                <a:schemeClr val="dk1"/>
-              </a:fontRef>
-            </p:style>
-            <p:txBody>
-              <a:bodyPr rtlCol="0" anchor="ctr"/>
-              <a:lstStyle/>
-              <a:p>
-                <a:pPr algn="ctr"/>
-                <a:r>
-                  <a:rPr lang="en-US" b="1" dirty="0" smtClean="0"/>
-                  <a:t>Director</a:t>
-                </a:r>
-                <a:endParaRPr lang="ru-RU" b="1" dirty="0"/>
-              </a:p>
-            </p:txBody>
-          </p:sp>
-          <p:sp>
-            <p:nvSpPr>
-              <p:cNvPr id="5" name="Прямоугольник 4"/>
-              <p:cNvSpPr/>
-              <p:nvPr/>
-            </p:nvSpPr>
-            <p:spPr>
-              <a:xfrm>
-                <a:off x="571472" y="2928934"/>
-                <a:ext cx="1500198" cy="357190"/>
-              </a:xfrm>
-              <a:prstGeom prst="rect">
-                <a:avLst/>
-              </a:prstGeom>
-            </p:spPr>
-            <p:style>
-              <a:lnRef idx="2">
-                <a:schemeClr val="accent1"/>
-              </a:lnRef>
-              <a:fillRef idx="1">
-                <a:schemeClr val="lt1"/>
-              </a:fillRef>
-              <a:effectRef idx="0">
-                <a:schemeClr val="accent1"/>
-              </a:effectRef>
-              <a:fontRef idx="minor">
-                <a:schemeClr val="dk1"/>
-              </a:fontRef>
-            </p:style>
-            <p:txBody>
-              <a:bodyPr rtlCol="0" anchor="ctr"/>
-              <a:lstStyle/>
-              <a:p>
-                <a:pPr algn="ctr"/>
-                <a:endParaRPr lang="ru-RU" b="1" dirty="0"/>
-              </a:p>
-            </p:txBody>
-          </p:sp>
-          <p:sp>
-            <p:nvSpPr>
-              <p:cNvPr id="6" name="Прямоугольник 5"/>
-              <p:cNvSpPr/>
-              <p:nvPr/>
-            </p:nvSpPr>
-            <p:spPr>
-              <a:xfrm>
-                <a:off x="571472" y="3286124"/>
-                <a:ext cx="1500198" cy="357190"/>
-              </a:xfrm>
-              <a:prstGeom prst="rect">
-                <a:avLst/>
-              </a:prstGeom>
-            </p:spPr>
-            <p:style>
-              <a:lnRef idx="2">
-                <a:schemeClr val="accent1"/>
-              </a:lnRef>
-              <a:fillRef idx="1">
-                <a:schemeClr val="lt1"/>
-              </a:fillRef>
-              <a:effectRef idx="0">
-                <a:schemeClr val="accent1"/>
-              </a:effectRef>
-              <a:fontRef idx="minor">
-                <a:schemeClr val="dk1"/>
-              </a:fontRef>
-            </p:style>
-            <p:txBody>
-              <a:bodyPr rtlCol="0" anchor="ctr"/>
-              <a:lstStyle/>
-              <a:p>
-                <a:r>
-                  <a:rPr lang="en-US" dirty="0" smtClean="0"/>
-                  <a:t>+Construct()</a:t>
-                </a:r>
-                <a:endParaRPr lang="ru-RU" dirty="0"/>
-              </a:p>
-            </p:txBody>
-          </p:sp>
-        </p:grpSp>
-        <p:sp>
-          <p:nvSpPr>
-            <p:cNvPr id="8" name="Загнутый угол 7"/>
-            <p:cNvSpPr/>
-            <p:nvPr/>
-          </p:nvSpPr>
-          <p:spPr>
-            <a:xfrm>
-              <a:off x="571472" y="4357694"/>
-              <a:ext cx="2571768" cy="857256"/>
-            </a:xfrm>
-            <a:prstGeom prst="foldedCorner">
-              <a:avLst>
-                <a:gd name="adj" fmla="val 40370"/>
-              </a:avLst>
-            </a:prstGeom>
-          </p:spPr>
-          <p:style>
-            <a:lnRef idx="2">
-              <a:schemeClr val="accent1"/>
-            </a:lnRef>
-            <a:fillRef idx="1">
-              <a:schemeClr val="lt1"/>
-            </a:fillRef>
-            <a:effectRef idx="0">
-              <a:schemeClr val="accent1"/>
-            </a:effectRef>
-            <a:fontRef idx="minor">
-              <a:schemeClr val="dk1"/>
-            </a:fontRef>
-          </p:style>
-          <p:txBody>
-            <a:bodyPr vert="horz" rtlCol="0" anchor="t"/>
-            <a:lstStyle/>
-            <a:p>
-              <a:r>
-                <a:rPr lang="en-US" sz="1600" dirty="0" smtClean="0"/>
-                <a:t>for  each item in structure</a:t>
-              </a:r>
-            </a:p>
-            <a:p>
-              <a:r>
-                <a:rPr lang="en-US" sz="1600" dirty="0" smtClean="0"/>
-                <a:t>{</a:t>
-              </a:r>
-              <a:r>
-                <a:rPr lang="en-US" sz="1600" dirty="0" err="1" smtClean="0"/>
-                <a:t>builder.BuildPart</a:t>
-              </a:r>
-              <a:r>
-                <a:rPr lang="en-US" sz="1600" dirty="0" smtClean="0"/>
-                <a:t>()}</a:t>
-              </a:r>
-              <a:endParaRPr lang="ru-RU" sz="1600" dirty="0"/>
-            </a:p>
-          </p:txBody>
-        </p:sp>
-        <p:grpSp>
-          <p:nvGrpSpPr>
-            <p:cNvPr id="10" name="Группа 9"/>
-            <p:cNvGrpSpPr/>
-            <p:nvPr/>
-          </p:nvGrpSpPr>
-          <p:grpSpPr>
-            <a:xfrm>
-              <a:off x="3643306" y="2571744"/>
-              <a:ext cx="2357454" cy="1071570"/>
-              <a:chOff x="571472" y="2571744"/>
-              <a:chExt cx="1500198" cy="1071570"/>
-            </a:xfrm>
-          </p:grpSpPr>
-          <p:sp>
-            <p:nvSpPr>
-              <p:cNvPr id="11" name="Прямоугольник 10"/>
-              <p:cNvSpPr/>
-              <p:nvPr/>
-            </p:nvSpPr>
-            <p:spPr>
-              <a:xfrm>
-                <a:off x="571472" y="2571744"/>
-                <a:ext cx="1500198" cy="357190"/>
-              </a:xfrm>
-              <a:prstGeom prst="rect">
-                <a:avLst/>
-              </a:prstGeom>
-            </p:spPr>
-            <p:style>
-              <a:lnRef idx="2">
-                <a:schemeClr val="accent1"/>
-              </a:lnRef>
-              <a:fillRef idx="1">
-                <a:schemeClr val="lt1"/>
-              </a:fillRef>
-              <a:effectRef idx="0">
-                <a:schemeClr val="accent1"/>
-              </a:effectRef>
-              <a:fontRef idx="minor">
-                <a:schemeClr val="dk1"/>
-              </a:fontRef>
-            </p:style>
-            <p:txBody>
-              <a:bodyPr rtlCol="0" anchor="ctr"/>
-              <a:lstStyle/>
-              <a:p>
-                <a:pPr algn="ctr"/>
-                <a:r>
-                  <a:rPr lang="en-US" b="1" dirty="0" smtClean="0"/>
-                  <a:t>Builder</a:t>
-                </a:r>
-                <a:endParaRPr lang="ru-RU" b="1" dirty="0"/>
-              </a:p>
-            </p:txBody>
-          </p:sp>
-          <p:sp>
-            <p:nvSpPr>
-              <p:cNvPr id="12" name="Прямоугольник 11"/>
-              <p:cNvSpPr/>
-              <p:nvPr/>
-            </p:nvSpPr>
-            <p:spPr>
-              <a:xfrm>
-                <a:off x="571472" y="2928934"/>
-                <a:ext cx="1500198" cy="357190"/>
-              </a:xfrm>
-              <a:prstGeom prst="rect">
-                <a:avLst/>
-              </a:prstGeom>
-            </p:spPr>
-            <p:style>
-              <a:lnRef idx="2">
-                <a:schemeClr val="accent1"/>
-              </a:lnRef>
-              <a:fillRef idx="1">
-                <a:schemeClr val="lt1"/>
-              </a:fillRef>
-              <a:effectRef idx="0">
-                <a:schemeClr val="accent1"/>
-              </a:effectRef>
-              <a:fontRef idx="minor">
-                <a:schemeClr val="dk1"/>
-              </a:fontRef>
-            </p:style>
-            <p:txBody>
-              <a:bodyPr rtlCol="0" anchor="ctr"/>
-              <a:lstStyle/>
-              <a:p>
-                <a:pPr algn="ctr"/>
-                <a:endParaRPr lang="ru-RU" b="1" dirty="0"/>
-              </a:p>
-            </p:txBody>
-          </p:sp>
-          <p:sp>
-            <p:nvSpPr>
-              <p:cNvPr id="13" name="Прямоугольник 12"/>
-              <p:cNvSpPr/>
-              <p:nvPr/>
-            </p:nvSpPr>
-            <p:spPr>
-              <a:xfrm>
-                <a:off x="571472" y="3286124"/>
-                <a:ext cx="1500198" cy="357190"/>
-              </a:xfrm>
-              <a:prstGeom prst="rect">
-                <a:avLst/>
-              </a:prstGeom>
-            </p:spPr>
-            <p:style>
-              <a:lnRef idx="2">
-                <a:schemeClr val="accent1"/>
-              </a:lnRef>
-              <a:fillRef idx="1">
-                <a:schemeClr val="lt1"/>
-              </a:fillRef>
-              <a:effectRef idx="0">
-                <a:schemeClr val="accent1"/>
-              </a:effectRef>
-              <a:fontRef idx="minor">
-                <a:schemeClr val="dk1"/>
-              </a:fontRef>
-            </p:style>
-            <p:txBody>
-              <a:bodyPr rtlCol="0" anchor="ctr"/>
-              <a:lstStyle/>
-              <a:p>
-                <a:r>
-                  <a:rPr lang="en-US" dirty="0" smtClean="0"/>
-                  <a:t>+</a:t>
-                </a:r>
-                <a:r>
-                  <a:rPr lang="en-US" dirty="0" err="1" smtClean="0"/>
-                  <a:t>BuildPart</a:t>
-                </a:r>
-                <a:r>
-                  <a:rPr lang="en-US" dirty="0" smtClean="0"/>
-                  <a:t>()</a:t>
-                </a:r>
-                <a:endParaRPr lang="ru-RU" dirty="0"/>
-              </a:p>
-            </p:txBody>
-          </p:sp>
-        </p:grpSp>
-        <p:grpSp>
-          <p:nvGrpSpPr>
-            <p:cNvPr id="14" name="Группа 13"/>
-            <p:cNvGrpSpPr/>
-            <p:nvPr/>
-          </p:nvGrpSpPr>
-          <p:grpSpPr>
-            <a:xfrm>
-              <a:off x="3643306" y="4500570"/>
-              <a:ext cx="2357454" cy="1285884"/>
-              <a:chOff x="571472" y="2571744"/>
-              <a:chExt cx="1500198" cy="1285884"/>
-            </a:xfrm>
-          </p:grpSpPr>
-          <p:sp>
-            <p:nvSpPr>
-              <p:cNvPr id="15" name="Прямоугольник 14"/>
-              <p:cNvSpPr/>
-              <p:nvPr/>
-            </p:nvSpPr>
-            <p:spPr>
-              <a:xfrm>
-                <a:off x="571472" y="2571744"/>
-                <a:ext cx="1500198" cy="357190"/>
-              </a:xfrm>
-              <a:prstGeom prst="rect">
-                <a:avLst/>
-              </a:prstGeom>
-            </p:spPr>
-            <p:style>
-              <a:lnRef idx="2">
-                <a:schemeClr val="accent1"/>
-              </a:lnRef>
-              <a:fillRef idx="1">
-                <a:schemeClr val="lt1"/>
-              </a:fillRef>
-              <a:effectRef idx="0">
-                <a:schemeClr val="accent1"/>
-              </a:effectRef>
-              <a:fontRef idx="minor">
-                <a:schemeClr val="dk1"/>
-              </a:fontRef>
-            </p:style>
-            <p:txBody>
-              <a:bodyPr rtlCol="0" anchor="ctr"/>
-              <a:lstStyle/>
-              <a:p>
-                <a:pPr algn="ctr"/>
-                <a:r>
-                  <a:rPr lang="en-US" b="1" dirty="0" err="1" smtClean="0"/>
-                  <a:t>ConcreteBuilder</a:t>
-                </a:r>
-                <a:endParaRPr lang="ru-RU" b="1" dirty="0"/>
-              </a:p>
-            </p:txBody>
-          </p:sp>
-          <p:sp>
-            <p:nvSpPr>
-              <p:cNvPr id="16" name="Прямоугольник 15"/>
-              <p:cNvSpPr/>
-              <p:nvPr/>
-            </p:nvSpPr>
-            <p:spPr>
-              <a:xfrm>
-                <a:off x="571472" y="2928934"/>
-                <a:ext cx="1500198" cy="357190"/>
-              </a:xfrm>
-              <a:prstGeom prst="rect">
-                <a:avLst/>
-              </a:prstGeom>
-            </p:spPr>
-            <p:style>
-              <a:lnRef idx="2">
-                <a:schemeClr val="accent1"/>
-              </a:lnRef>
-              <a:fillRef idx="1">
-                <a:schemeClr val="lt1"/>
-              </a:fillRef>
-              <a:effectRef idx="0">
-                <a:schemeClr val="accent1"/>
-              </a:effectRef>
-              <a:fontRef idx="minor">
-                <a:schemeClr val="dk1"/>
-              </a:fontRef>
-            </p:style>
-            <p:txBody>
-              <a:bodyPr rtlCol="0" anchor="ctr"/>
-              <a:lstStyle/>
-              <a:p>
-                <a:pPr algn="ctr"/>
-                <a:endParaRPr lang="ru-RU" b="1" dirty="0"/>
-              </a:p>
-            </p:txBody>
-          </p:sp>
-          <p:sp>
-            <p:nvSpPr>
-              <p:cNvPr id="17" name="Прямоугольник 16"/>
-              <p:cNvSpPr/>
-              <p:nvPr/>
-            </p:nvSpPr>
-            <p:spPr>
-              <a:xfrm>
-                <a:off x="571472" y="3286124"/>
-                <a:ext cx="1500198" cy="571504"/>
-              </a:xfrm>
-              <a:prstGeom prst="rect">
-                <a:avLst/>
-              </a:prstGeom>
-            </p:spPr>
-            <p:style>
-              <a:lnRef idx="2">
-                <a:schemeClr val="accent1"/>
-              </a:lnRef>
-              <a:fillRef idx="1">
-                <a:schemeClr val="lt1"/>
-              </a:fillRef>
-              <a:effectRef idx="0">
-                <a:schemeClr val="accent1"/>
-              </a:effectRef>
-              <a:fontRef idx="minor">
-                <a:schemeClr val="dk1"/>
-              </a:fontRef>
-            </p:style>
-            <p:txBody>
-              <a:bodyPr rtlCol="0" anchor="ctr"/>
-              <a:lstStyle/>
-              <a:p>
-                <a:r>
-                  <a:rPr lang="en-US" dirty="0" smtClean="0"/>
-                  <a:t>+</a:t>
-                </a:r>
-                <a:r>
-                  <a:rPr lang="en-US" dirty="0" err="1" smtClean="0"/>
-                  <a:t>BuildPart</a:t>
-                </a:r>
-                <a:r>
-                  <a:rPr lang="en-US" dirty="0" smtClean="0"/>
-                  <a:t>()</a:t>
-                </a:r>
-                <a:br>
-                  <a:rPr lang="en-US" dirty="0" smtClean="0"/>
-                </a:br>
-                <a:r>
-                  <a:rPr lang="en-US" dirty="0" smtClean="0"/>
-                  <a:t>+</a:t>
-                </a:r>
-                <a:r>
-                  <a:rPr lang="en-US" dirty="0" err="1" smtClean="0"/>
-                  <a:t>GetResult</a:t>
-                </a:r>
-                <a:r>
-                  <a:rPr lang="en-US" dirty="0" smtClean="0"/>
-                  <a:t>()</a:t>
-                </a:r>
-                <a:endParaRPr lang="ru-RU" dirty="0"/>
-              </a:p>
-            </p:txBody>
-          </p:sp>
-        </p:grpSp>
-        <p:grpSp>
-          <p:nvGrpSpPr>
-            <p:cNvPr id="18" name="Группа 17"/>
-            <p:cNvGrpSpPr/>
-            <p:nvPr/>
-          </p:nvGrpSpPr>
-          <p:grpSpPr>
-            <a:xfrm>
-              <a:off x="6929454" y="4500570"/>
-              <a:ext cx="1500198" cy="1071570"/>
-              <a:chOff x="571472" y="2571744"/>
-              <a:chExt cx="1500198" cy="1071570"/>
-            </a:xfrm>
-          </p:grpSpPr>
-          <p:sp>
-            <p:nvSpPr>
-              <p:cNvPr id="19" name="Прямоугольник 18"/>
-              <p:cNvSpPr/>
-              <p:nvPr/>
-            </p:nvSpPr>
-            <p:spPr>
-              <a:xfrm>
-                <a:off x="571472" y="2571744"/>
-                <a:ext cx="1500198" cy="357190"/>
-              </a:xfrm>
-              <a:prstGeom prst="rect">
-                <a:avLst/>
-              </a:prstGeom>
-            </p:spPr>
-            <p:style>
-              <a:lnRef idx="2">
-                <a:schemeClr val="accent1"/>
-              </a:lnRef>
-              <a:fillRef idx="1">
-                <a:schemeClr val="lt1"/>
-              </a:fillRef>
-              <a:effectRef idx="0">
-                <a:schemeClr val="accent1"/>
-              </a:effectRef>
-              <a:fontRef idx="minor">
-                <a:schemeClr val="dk1"/>
-              </a:fontRef>
-            </p:style>
-            <p:txBody>
-              <a:bodyPr rtlCol="0" anchor="ctr"/>
-              <a:lstStyle/>
-              <a:p>
-                <a:pPr algn="ctr"/>
-                <a:r>
-                  <a:rPr lang="en-US" b="1" dirty="0" smtClean="0"/>
-                  <a:t>Product</a:t>
-                </a:r>
-                <a:endParaRPr lang="ru-RU" b="1" dirty="0"/>
-              </a:p>
-            </p:txBody>
-          </p:sp>
-          <p:sp>
-            <p:nvSpPr>
-              <p:cNvPr id="20" name="Прямоугольник 19"/>
-              <p:cNvSpPr/>
-              <p:nvPr/>
-            </p:nvSpPr>
-            <p:spPr>
-              <a:xfrm>
-                <a:off x="571472" y="2928934"/>
-                <a:ext cx="1500198" cy="357190"/>
-              </a:xfrm>
-              <a:prstGeom prst="rect">
-                <a:avLst/>
-              </a:prstGeom>
-            </p:spPr>
-            <p:style>
-              <a:lnRef idx="2">
-                <a:schemeClr val="accent1"/>
-              </a:lnRef>
-              <a:fillRef idx="1">
-                <a:schemeClr val="lt1"/>
-              </a:fillRef>
-              <a:effectRef idx="0">
-                <a:schemeClr val="accent1"/>
-              </a:effectRef>
-              <a:fontRef idx="minor">
-                <a:schemeClr val="dk1"/>
-              </a:fontRef>
-            </p:style>
-            <p:txBody>
-              <a:bodyPr rtlCol="0" anchor="ctr"/>
-              <a:lstStyle/>
-              <a:p>
-                <a:pPr algn="ctr"/>
-                <a:endParaRPr lang="ru-RU" b="1" dirty="0"/>
-              </a:p>
-            </p:txBody>
-          </p:sp>
-          <p:sp>
-            <p:nvSpPr>
-              <p:cNvPr id="21" name="Прямоугольник 20"/>
-              <p:cNvSpPr/>
-              <p:nvPr/>
-            </p:nvSpPr>
-            <p:spPr>
-              <a:xfrm>
-                <a:off x="571472" y="3286124"/>
-                <a:ext cx="1500198" cy="357190"/>
-              </a:xfrm>
-              <a:prstGeom prst="rect">
-                <a:avLst/>
-              </a:prstGeom>
-            </p:spPr>
-            <p:style>
-              <a:lnRef idx="2">
-                <a:schemeClr val="accent1"/>
-              </a:lnRef>
-              <a:fillRef idx="1">
-                <a:schemeClr val="lt1"/>
-              </a:fillRef>
-              <a:effectRef idx="0">
-                <a:schemeClr val="accent1"/>
-              </a:effectRef>
-              <a:fontRef idx="minor">
-                <a:schemeClr val="dk1"/>
-              </a:fontRef>
-            </p:style>
-            <p:txBody>
-              <a:bodyPr rtlCol="0" anchor="ctr"/>
-              <a:lstStyle/>
-              <a:p>
-                <a:endParaRPr lang="ru-RU" dirty="0"/>
-              </a:p>
-            </p:txBody>
-          </p:sp>
-        </p:grpSp>
-        <p:sp>
-          <p:nvSpPr>
-            <p:cNvPr id="22" name="Ромб 21"/>
-            <p:cNvSpPr/>
-            <p:nvPr/>
-          </p:nvSpPr>
-          <p:spPr>
-            <a:xfrm>
-              <a:off x="2071670" y="2928934"/>
-              <a:ext cx="428628" cy="357190"/>
-            </a:xfrm>
-            <a:prstGeom prst="diamond">
-              <a:avLst/>
-            </a:prstGeom>
-          </p:spPr>
-          <p:style>
-            <a:lnRef idx="2">
-              <a:schemeClr val="accent1"/>
-            </a:lnRef>
-            <a:fillRef idx="1">
-              <a:schemeClr val="lt1"/>
-            </a:fillRef>
-            <a:effectRef idx="0">
-              <a:schemeClr val="accent1"/>
-            </a:effectRef>
-            <a:fontRef idx="minor">
-              <a:schemeClr val="dk1"/>
-            </a:fontRef>
-          </p:style>
-          <p:txBody>
-            <a:bodyPr rtlCol="0" anchor="ctr"/>
-            <a:lstStyle/>
-            <a:p>
-              <a:pPr algn="ctr"/>
-              <a:endParaRPr lang="ru-RU"/>
-            </a:p>
-          </p:txBody>
-        </p:sp>
-        <p:cxnSp>
-          <p:nvCxnSpPr>
-            <p:cNvPr id="24" name="Прямая со стрелкой 23"/>
-            <p:cNvCxnSpPr>
-              <a:stCxn id="22" idx="3"/>
-              <a:endCxn id="12" idx="1"/>
-            </p:cNvCxnSpPr>
-            <p:nvPr/>
-          </p:nvCxnSpPr>
-          <p:spPr>
-            <a:xfrm>
-              <a:off x="2500298" y="3107529"/>
-              <a:ext cx="1143008" cy="1588"/>
-            </a:xfrm>
-            <a:prstGeom prst="straightConnector1">
-              <a:avLst/>
-            </a:prstGeom>
-            <a:ln w="19050">
-              <a:tailEnd type="arrow" w="lg" len="lg"/>
-            </a:ln>
-          </p:spPr>
-          <p:style>
-            <a:lnRef idx="1">
-              <a:schemeClr val="accent1"/>
-            </a:lnRef>
-            <a:fillRef idx="0">
-              <a:schemeClr val="accent1"/>
-            </a:fillRef>
-            <a:effectRef idx="0">
-              <a:schemeClr val="accent1"/>
-            </a:effectRef>
-            <a:fontRef idx="minor">
-              <a:schemeClr val="tx1"/>
-            </a:fontRef>
-          </p:style>
-        </p:cxnSp>
-        <p:cxnSp>
-          <p:nvCxnSpPr>
-            <p:cNvPr id="30" name="Прямая соединительная линия 29"/>
-            <p:cNvCxnSpPr>
-              <a:stCxn id="8" idx="0"/>
-            </p:cNvCxnSpPr>
-            <p:nvPr/>
-          </p:nvCxnSpPr>
-          <p:spPr>
-            <a:xfrm rot="5400000" flipH="1" flipV="1">
-              <a:off x="1500166" y="4000504"/>
-              <a:ext cx="714380" cy="0"/>
-            </a:xfrm>
-            <a:prstGeom prst="line">
-              <a:avLst/>
-            </a:prstGeom>
-            <a:ln w="28575">
-              <a:prstDash val="dash"/>
-            </a:ln>
-          </p:spPr>
-          <p:style>
-            <a:lnRef idx="1">
-              <a:schemeClr val="accent1"/>
-            </a:lnRef>
-            <a:fillRef idx="0">
-              <a:schemeClr val="accent1"/>
-            </a:fillRef>
-            <a:effectRef idx="0">
-              <a:schemeClr val="accent1"/>
-            </a:effectRef>
-            <a:fontRef idx="minor">
-              <a:schemeClr val="tx1"/>
-            </a:fontRef>
-          </p:style>
-        </p:cxnSp>
-        <p:sp>
-          <p:nvSpPr>
-            <p:cNvPr id="35" name="Равнобедренный треугольник 34"/>
-            <p:cNvSpPr/>
-            <p:nvPr/>
-          </p:nvSpPr>
-          <p:spPr>
-            <a:xfrm>
-              <a:off x="4643438" y="3643314"/>
-              <a:ext cx="357190" cy="214314"/>
-            </a:xfrm>
-            <a:prstGeom prst="triangle">
-              <a:avLst/>
-            </a:prstGeom>
-          </p:spPr>
-          <p:style>
-            <a:lnRef idx="2">
-              <a:schemeClr val="accent1">
-                <a:shade val="50000"/>
-              </a:schemeClr>
-            </a:lnRef>
-            <a:fillRef idx="1">
-              <a:schemeClr val="accent1"/>
-            </a:fillRef>
-            <a:effectRef idx="0">
-              <a:schemeClr val="accent1"/>
-            </a:effectRef>
-            <a:fontRef idx="minor">
-              <a:schemeClr val="lt1"/>
-            </a:fontRef>
-          </p:style>
-          <p:txBody>
-            <a:bodyPr rtlCol="0" anchor="ctr"/>
-            <a:lstStyle/>
-            <a:p>
-              <a:pPr algn="ctr"/>
-              <a:endParaRPr lang="ru-RU"/>
-            </a:p>
-          </p:txBody>
-        </p:sp>
-        <p:cxnSp>
-          <p:nvCxnSpPr>
-            <p:cNvPr id="37" name="Прямая соединительная линия 36"/>
-            <p:cNvCxnSpPr>
-              <a:stCxn id="35" idx="3"/>
-              <a:endCxn id="15" idx="0"/>
-            </p:cNvCxnSpPr>
-            <p:nvPr/>
-          </p:nvCxnSpPr>
-          <p:spPr>
-            <a:xfrm rot="5400000">
-              <a:off x="4500562" y="4179099"/>
-              <a:ext cx="642942" cy="0"/>
-            </a:xfrm>
-            <a:prstGeom prst="line">
-              <a:avLst/>
-            </a:prstGeom>
-            <a:ln w="28575"/>
-          </p:spPr>
-          <p:style>
-            <a:lnRef idx="1">
-              <a:schemeClr val="accent1"/>
-            </a:lnRef>
-            <a:fillRef idx="0">
-              <a:schemeClr val="accent1"/>
-            </a:fillRef>
-            <a:effectRef idx="0">
-              <a:schemeClr val="accent1"/>
-            </a:effectRef>
-            <a:fontRef idx="minor">
-              <a:schemeClr val="tx1"/>
-            </a:fontRef>
-          </p:style>
-        </p:cxnSp>
-        <p:cxnSp>
-          <p:nvCxnSpPr>
-            <p:cNvPr id="38" name="Прямая со стрелкой 37"/>
-            <p:cNvCxnSpPr>
-              <a:stCxn id="15" idx="3"/>
-              <a:endCxn id="19" idx="1"/>
-            </p:cNvCxnSpPr>
-            <p:nvPr/>
-          </p:nvCxnSpPr>
-          <p:spPr>
-            <a:xfrm>
-              <a:off x="6000760" y="4679165"/>
-              <a:ext cx="928694" cy="1588"/>
-            </a:xfrm>
-            <a:prstGeom prst="straightConnector1">
-              <a:avLst/>
-            </a:prstGeom>
-            <a:ln w="19050">
-              <a:prstDash val="dash"/>
-              <a:tailEnd type="arrow" w="lg" len="lg"/>
-            </a:ln>
-          </p:spPr>
-          <p:style>
-            <a:lnRef idx="1">
-              <a:schemeClr val="accent1"/>
-            </a:lnRef>
-            <a:fillRef idx="0">
-              <a:schemeClr val="accent1"/>
-            </a:fillRef>
-            <a:effectRef idx="0">
-              <a:schemeClr val="accent1"/>
-            </a:effectRef>
-            <a:fontRef idx="minor">
-              <a:schemeClr val="tx1"/>
-            </a:fontRef>
-          </p:style>
-        </p:cxnSp>
-        <p:sp>
-          <p:nvSpPr>
-            <p:cNvPr id="41" name="TextBox 40"/>
-            <p:cNvSpPr txBox="1"/>
-            <p:nvPr/>
-          </p:nvSpPr>
-          <p:spPr>
-            <a:xfrm>
-              <a:off x="2143108" y="2643182"/>
-              <a:ext cx="857256" cy="338554"/>
-            </a:xfrm>
-            <a:prstGeom prst="rect">
-              <a:avLst/>
-            </a:prstGeom>
-            <a:noFill/>
-          </p:spPr>
-          <p:txBody>
-            <a:bodyPr wrap="square" rtlCol="0">
-              <a:spAutoFit/>
-            </a:bodyPr>
-            <a:lstStyle/>
-            <a:p>
-              <a:r>
-                <a:rPr lang="en-US" sz="1600" dirty="0" smtClean="0"/>
-                <a:t>builder</a:t>
-              </a:r>
-              <a:endParaRPr lang="ru-RU" sz="1600" dirty="0"/>
-            </a:p>
-          </p:txBody>
-        </p:sp>
-      </p:grpSp>
       <p:sp>
         <p:nvSpPr>
           <p:cNvPr id="43" name="Выноска 1 42"/>
@@ -13432,10 +8723,10 @@
           </a:xfrm>
           <a:prstGeom prst="borderCallout1">
             <a:avLst>
-              <a:gd name="adj1" fmla="val 20020"/>
-              <a:gd name="adj2" fmla="val -3254"/>
-              <a:gd name="adj3" fmla="val 45834"/>
-              <a:gd name="adj4" fmla="val -24619"/>
+              <a:gd name="adj1" fmla="val 87745"/>
+              <a:gd name="adj2" fmla="val -2674"/>
+              <a:gd name="adj3" fmla="val 126257"/>
+              <a:gd name="adj4" fmla="val -49000"/>
             </a:avLst>
           </a:prstGeom>
           <a:ln w="28575"/>
@@ -13460,11 +8751,11 @@
           <a:p>
             <a:pPr algn="ctr"/>
             <a:r>
-              <a:rPr lang="ru-RU" sz="1400" dirty="0" smtClean="0"/>
+              <a:rPr lang="ru-RU" sz="1400" dirty="0"/>
               <a:t>Задает абстрактный интерфейс для создания частей объекта </a:t>
             </a:r>
             <a:r>
-              <a:rPr lang="en-US" sz="1400" dirty="0" smtClean="0"/>
+              <a:rPr lang="en-US" sz="1400" dirty="0"/>
               <a:t>Product</a:t>
             </a:r>
             <a:endParaRPr lang="ru-RU" sz="1400" dirty="0"/>
@@ -13479,15 +8770,15 @@
         </p:nvSpPr>
         <p:spPr>
           <a:xfrm>
-            <a:off x="2500298" y="5500702"/>
-            <a:ext cx="3786214" cy="1285860"/>
+            <a:off x="788066" y="5805264"/>
+            <a:ext cx="5498446" cy="981298"/>
           </a:xfrm>
           <a:prstGeom prst="borderCallout1">
             <a:avLst>
-              <a:gd name="adj1" fmla="val -4671"/>
-              <a:gd name="adj2" fmla="val 9895"/>
-              <a:gd name="adj3" fmla="val -102118"/>
-              <a:gd name="adj4" fmla="val 32280"/>
+              <a:gd name="adj1" fmla="val -9848"/>
+              <a:gd name="adj2" fmla="val 50085"/>
+              <a:gd name="adj3" fmla="val -77528"/>
+              <a:gd name="adj4" fmla="val 55839"/>
             </a:avLst>
           </a:prstGeom>
           <a:ln w="28575"/>
@@ -13511,30 +8802,29 @@
           <a:lstStyle/>
           <a:p>
             <a:r>
-              <a:rPr lang="ru-RU" sz="1400" dirty="0" smtClean="0"/>
+              <a:rPr lang="ru-RU" sz="1400" dirty="0"/>
               <a:t>Реализует интерфейс </a:t>
             </a:r>
             <a:r>
-              <a:rPr lang="en-US" sz="1400" dirty="0" smtClean="0"/>
+              <a:rPr lang="en-US" sz="1400" dirty="0"/>
               <a:t>Builder, </a:t>
             </a:r>
             <a:r>
-              <a:rPr lang="ru-RU" sz="1400" dirty="0" smtClean="0"/>
+              <a:rPr lang="ru-RU" sz="1400" dirty="0"/>
               <a:t>конструирует и собирает вместе части продукта</a:t>
             </a:r>
           </a:p>
           <a:p>
             <a:r>
-              <a:rPr lang="ru-RU" sz="1400" dirty="0" smtClean="0"/>
+              <a:rPr lang="ru-RU" sz="1400" dirty="0"/>
               <a:t>Определяет создаваемое представление продукта и следит за ним</a:t>
             </a:r>
           </a:p>
           <a:p>
             <a:r>
-              <a:rPr lang="ru-RU" sz="1400" dirty="0" smtClean="0"/>
+              <a:rPr lang="ru-RU" sz="1400" dirty="0"/>
               <a:t>Предоставляет интерфейс для доступа к продукту</a:t>
             </a:r>
-            <a:endParaRPr lang="ru-RU" sz="1400" dirty="0"/>
           </a:p>
         </p:txBody>
       </p:sp>
@@ -13546,15 +8836,15 @@
         </p:nvSpPr>
         <p:spPr>
           <a:xfrm>
-            <a:off x="0" y="4786322"/>
+            <a:off x="1187624" y="1783065"/>
             <a:ext cx="2714612" cy="571504"/>
           </a:xfrm>
           <a:prstGeom prst="borderCallout1">
             <a:avLst>
-              <a:gd name="adj1" fmla="val -9609"/>
-              <a:gd name="adj2" fmla="val 3857"/>
-              <a:gd name="adj3" fmla="val -439600"/>
-              <a:gd name="adj4" fmla="val 22618"/>
+              <a:gd name="adj1" fmla="val 109756"/>
+              <a:gd name="adj2" fmla="val 14283"/>
+              <a:gd name="adj3" fmla="val 194047"/>
+              <a:gd name="adj4" fmla="val -9462"/>
             </a:avLst>
           </a:prstGeom>
           <a:ln w="28575"/>
@@ -13578,11 +8868,11 @@
           <a:lstStyle/>
           <a:p>
             <a:r>
-              <a:rPr lang="ru-RU" sz="1400" dirty="0" smtClean="0"/>
+              <a:rPr lang="ru-RU" sz="1400" dirty="0"/>
               <a:t>Конструирует продукт при помощи интерфейса </a:t>
             </a:r>
             <a:r>
-              <a:rPr lang="en-US" sz="1400" dirty="0" smtClean="0"/>
+              <a:rPr lang="en-US" sz="1400" dirty="0"/>
               <a:t>Builder</a:t>
             </a:r>
             <a:endParaRPr lang="ru-RU" sz="1400" dirty="0"/>
@@ -13597,8 +8887,8 @@
         </p:nvSpPr>
         <p:spPr>
           <a:xfrm>
-            <a:off x="6429388" y="5072074"/>
-            <a:ext cx="2643206" cy="1714488"/>
+            <a:off x="6429388" y="5373216"/>
+            <a:ext cx="2643206" cy="1413346"/>
           </a:xfrm>
           <a:prstGeom prst="borderCallout1">
             <a:avLst>
@@ -13629,16 +8919,15 @@
           <a:lstStyle/>
           <a:p>
             <a:r>
-              <a:rPr lang="ru-RU" sz="1400" dirty="0" smtClean="0"/>
+              <a:rPr lang="ru-RU" sz="1400" dirty="0"/>
               <a:t>Представляет сложный конструируемый объект</a:t>
             </a:r>
           </a:p>
           <a:p>
             <a:r>
-              <a:rPr lang="ru-RU" sz="1400" dirty="0" smtClean="0"/>
+              <a:rPr lang="ru-RU" sz="1400" dirty="0"/>
               <a:t>Включает классы, которые определяют составные части и интерфейсы для сборки конечного результата из частей </a:t>
             </a:r>
-            <a:endParaRPr lang="ru-RU" sz="1400" dirty="0"/>
           </a:p>
         </p:txBody>
       </p:sp>
@@ -14154,10 +9443,9 @@
           <a:lstStyle/>
           <a:p>
             <a:r>
-              <a:rPr lang="ru-RU" dirty="0" smtClean="0"/>
+              <a:rPr lang="ru-RU" dirty="0"/>
               <a:t>Отношения между участниками паттерна</a:t>
             </a:r>
-            <a:endParaRPr lang="ru-RU" dirty="0"/>
           </a:p>
         </p:txBody>
       </p:sp>
@@ -14179,48 +9467,47 @@
           <a:lstStyle/>
           <a:p>
             <a:r>
-              <a:rPr lang="ru-RU" dirty="0" smtClean="0"/>
+              <a:rPr lang="ru-RU" dirty="0"/>
               <a:t>Клиент создает новый  объект «Распорядитель» (</a:t>
             </a:r>
             <a:r>
-              <a:rPr lang="en-US" dirty="0" smtClean="0"/>
+              <a:rPr lang="en-US" dirty="0"/>
               <a:t>Director)</a:t>
             </a:r>
             <a:r>
-              <a:rPr lang="ru-RU" dirty="0" smtClean="0"/>
+              <a:rPr lang="ru-RU" dirty="0"/>
               <a:t> и конфигурирует его новым объектом-строителем </a:t>
             </a:r>
             <a:r>
-              <a:rPr lang="en-US" dirty="0" smtClean="0"/>
+              <a:rPr lang="en-US" dirty="0"/>
               <a:t>Builder</a:t>
             </a:r>
           </a:p>
           <a:p>
             <a:r>
-              <a:rPr lang="ru-RU" dirty="0" smtClean="0"/>
+              <a:rPr lang="ru-RU" dirty="0"/>
               <a:t>Распорядитель уведомляет строителя о необходимости построения очередной части продукта</a:t>
             </a:r>
           </a:p>
           <a:p>
             <a:r>
-              <a:rPr lang="ru-RU" dirty="0" smtClean="0"/>
+              <a:rPr lang="ru-RU" dirty="0"/>
               <a:t>Строитель</a:t>
             </a:r>
             <a:r>
-              <a:rPr lang="en-US" dirty="0" smtClean="0"/>
+              <a:rPr lang="en-US" dirty="0"/>
               <a:t> </a:t>
             </a:r>
             <a:r>
-              <a:rPr lang="ru-RU" dirty="0" smtClean="0"/>
+              <a:rPr lang="ru-RU" dirty="0"/>
               <a:t>обрабатывает запросы распорядителя и добавляет новые части к продукту</a:t>
             </a:r>
           </a:p>
           <a:p>
             <a:r>
-              <a:rPr lang="ru-RU" dirty="0" smtClean="0"/>
+              <a:rPr lang="ru-RU" dirty="0"/>
               <a:t>Клиент забирает продукт у строителя</a:t>
             </a:r>
-            <a:endParaRPr lang="ru-RU" dirty="0"/>
           </a:p>
         </p:txBody>
       </p:sp>
@@ -14547,10 +9834,9 @@
           <a:lstStyle/>
           <a:p>
             <a:r>
-              <a:rPr lang="ru-RU" dirty="0" smtClean="0"/>
+              <a:rPr lang="ru-RU" dirty="0"/>
               <a:t>Пример использования</a:t>
             </a:r>
-            <a:endParaRPr lang="ru-RU" dirty="0"/>
           </a:p>
         </p:txBody>
       </p:sp>
@@ -14572,135 +9858,135 @@
           <a:lstStyle/>
           <a:p>
             <a:r>
-              <a:rPr lang="ru-RU" dirty="0" smtClean="0"/>
+              <a:rPr lang="ru-RU" dirty="0"/>
               <a:t>В редакторе форматированного текстового документа необходимо реализовать возможность преобразования его в различные форматы</a:t>
             </a:r>
           </a:p>
           <a:p>
             <a:pPr lvl="1"/>
             <a:r>
-              <a:rPr lang="en-US" dirty="0" smtClean="0"/>
+              <a:rPr lang="en-US" dirty="0"/>
               <a:t>Plain text, HTML, RTF, PDF, DOC, DOCX</a:t>
             </a:r>
-            <a:endParaRPr lang="ru-RU" dirty="0" smtClean="0"/>
+            <a:endParaRPr lang="ru-RU" dirty="0"/>
           </a:p>
           <a:p>
             <a:pPr lvl="2"/>
             <a:r>
-              <a:rPr lang="ru-RU" dirty="0" smtClean="0"/>
+              <a:rPr lang="ru-RU" dirty="0"/>
               <a:t>Список можно продолжить</a:t>
             </a:r>
-            <a:endParaRPr lang="en-US" dirty="0" smtClean="0"/>
-          </a:p>
-          <a:p>
-            <a:r>
-              <a:rPr lang="ru-RU" dirty="0" smtClean="0"/>
+            <a:endParaRPr lang="en-US" dirty="0"/>
+          </a:p>
+          <a:p>
+            <a:r>
+              <a:rPr lang="ru-RU" dirty="0"/>
               <a:t>Задача решается путем введения сущностей</a:t>
             </a:r>
           </a:p>
           <a:p>
             <a:pPr lvl="1"/>
             <a:r>
-              <a:rPr lang="ru-RU" dirty="0" smtClean="0"/>
+              <a:rPr lang="ru-RU" dirty="0"/>
               <a:t>Распорядитель - </a:t>
             </a:r>
             <a:r>
-              <a:rPr lang="en-US" dirty="0" err="1" smtClean="0"/>
+              <a:rPr lang="en-US" dirty="0" err="1"/>
               <a:t>CFormattedTextReader</a:t>
             </a:r>
-            <a:endParaRPr lang="ru-RU" dirty="0" smtClean="0"/>
+            <a:endParaRPr lang="ru-RU" dirty="0"/>
           </a:p>
           <a:p>
             <a:pPr lvl="1"/>
             <a:r>
-              <a:rPr lang="ru-RU" dirty="0" smtClean="0"/>
+              <a:rPr lang="ru-RU" dirty="0"/>
               <a:t>Строитель – </a:t>
             </a:r>
             <a:r>
-              <a:rPr lang="en-US" dirty="0" err="1" smtClean="0"/>
+              <a:rPr lang="en-US" dirty="0" err="1"/>
               <a:t>CTextConverter</a:t>
             </a:r>
-            <a:endParaRPr lang="ru-RU" dirty="0" smtClean="0"/>
+            <a:endParaRPr lang="ru-RU" dirty="0"/>
           </a:p>
           <a:p>
             <a:pPr lvl="1"/>
             <a:r>
-              <a:rPr lang="ru-RU" dirty="0" smtClean="0"/>
+              <a:rPr lang="ru-RU" dirty="0"/>
               <a:t>Конкретный Строитель – </a:t>
             </a:r>
             <a:r>
-              <a:rPr lang="en-US" dirty="0" err="1" smtClean="0"/>
+              <a:rPr lang="en-US" dirty="0" err="1"/>
               <a:t>CHtmlConverter</a:t>
             </a:r>
             <a:r>
-              <a:rPr lang="en-US" dirty="0" smtClean="0"/>
+              <a:rPr lang="en-US" dirty="0"/>
               <a:t>, </a:t>
             </a:r>
             <a:r>
-              <a:rPr lang="en-US" dirty="0" err="1" smtClean="0"/>
+              <a:rPr lang="en-US" dirty="0" err="1"/>
               <a:t>CRTFConverter</a:t>
             </a:r>
             <a:r>
-              <a:rPr lang="en-US" dirty="0" smtClean="0"/>
+              <a:rPr lang="en-US" dirty="0"/>
               <a:t>, </a:t>
             </a:r>
             <a:r>
-              <a:rPr lang="en-US" dirty="0" err="1" smtClean="0"/>
+              <a:rPr lang="en-US" dirty="0" err="1"/>
               <a:t>CPlainTextConverter</a:t>
             </a:r>
             <a:r>
-              <a:rPr lang="en-US" dirty="0" smtClean="0"/>
+              <a:rPr lang="en-US" dirty="0"/>
               <a:t>, </a:t>
             </a:r>
             <a:r>
-              <a:rPr lang="en-US" dirty="0" err="1" smtClean="0"/>
+              <a:rPr lang="en-US" dirty="0" err="1"/>
               <a:t>CPDFConverter</a:t>
             </a:r>
             <a:r>
-              <a:rPr lang="en-US" dirty="0" smtClean="0"/>
+              <a:rPr lang="en-US" dirty="0"/>
               <a:t>, …</a:t>
             </a:r>
           </a:p>
           <a:p>
             <a:pPr lvl="1"/>
             <a:r>
-              <a:rPr lang="ru-RU" dirty="0" smtClean="0"/>
+              <a:rPr lang="ru-RU" dirty="0"/>
               <a:t>Продукт –</a:t>
             </a:r>
             <a:r>
-              <a:rPr lang="en-US" dirty="0" smtClean="0"/>
+              <a:rPr lang="en-US" dirty="0"/>
               <a:t> </a:t>
             </a:r>
             <a:r>
-              <a:rPr lang="en-US" dirty="0" err="1" smtClean="0"/>
+              <a:rPr lang="en-US" dirty="0" err="1"/>
               <a:t>CPlainTextDocument</a:t>
             </a:r>
             <a:r>
-              <a:rPr lang="en-US" dirty="0" smtClean="0"/>
+              <a:rPr lang="en-US" dirty="0"/>
               <a:t>, </a:t>
             </a:r>
             <a:r>
-              <a:rPr lang="en-US" dirty="0" err="1" smtClean="0"/>
+              <a:rPr lang="en-US" dirty="0" err="1"/>
               <a:t>CHtmlDocument</a:t>
             </a:r>
             <a:r>
-              <a:rPr lang="en-US" dirty="0" smtClean="0"/>
+              <a:rPr lang="en-US" dirty="0"/>
               <a:t>, </a:t>
             </a:r>
             <a:r>
-              <a:rPr lang="en-US" dirty="0" err="1" smtClean="0"/>
+              <a:rPr lang="en-US" dirty="0" err="1"/>
               <a:t>CRTFDocument</a:t>
             </a:r>
             <a:r>
-              <a:rPr lang="en-US" dirty="0" smtClean="0"/>
+              <a:rPr lang="en-US" dirty="0"/>
               <a:t>, </a:t>
             </a:r>
             <a:r>
-              <a:rPr lang="en-US" dirty="0" err="1" smtClean="0"/>
+              <a:rPr lang="en-US" dirty="0" err="1"/>
               <a:t>CPDFDocument</a:t>
             </a:r>
             <a:r>
-              <a:rPr lang="en-US" dirty="0" smtClean="0"/>
+              <a:rPr lang="en-US" dirty="0"/>
               <a:t>, …</a:t>
             </a:r>
             <a:endParaRPr lang="ru-RU" dirty="0"/>
@@ -15166,38 +10452,12 @@
           <a:lstStyle/>
           <a:p>
             <a:r>
-              <a:rPr lang="ru-RU" dirty="0" smtClean="0"/>
+              <a:rPr lang="ru-RU" dirty="0"/>
               <a:t>Иерархия классов</a:t>
             </a:r>
-            <a:endParaRPr lang="ru-RU" dirty="0"/>
           </a:p>
         </p:txBody>
       </p:sp>
-      <p:graphicFrame>
-        <p:nvGraphicFramePr>
-          <p:cNvPr id="4" name="Содержимое 3"/>
-          <p:cNvGraphicFramePr>
-            <a:graphicFrameLocks noGrp="1"/>
-          </p:cNvGraphicFramePr>
-          <p:nvPr>
-            <p:ph idx="1"/>
-            <p:extLst>
-              <p:ext uri="{D42A27DB-BD31-4B8C-83A1-F6EECF244321}">
-                <p14:modId xmlns:p14="http://schemas.microsoft.com/office/powerpoint/2010/main" val="3086345045"/>
-              </p:ext>
-            </p:extLst>
-          </p:nvPr>
-        </p:nvGraphicFramePr>
-        <p:xfrm>
-          <a:off x="457200" y="1935163"/>
-          <a:ext cx="8229600" cy="4389437"/>
-        </p:xfrm>
-        <a:graphic>
-          <a:graphicData uri="http://schemas.openxmlformats.org/drawingml/2006/diagram">
-            <dgm:relIds xmlns:dgm="http://schemas.openxmlformats.org/drawingml/2006/diagram" xmlns:r="http://schemas.openxmlformats.org/officeDocument/2006/relationships" r:dm="rId3" r:lo="rId4" r:qs="rId5" r:cs="rId6"/>
-          </a:graphicData>
-        </a:graphic>
-      </p:graphicFrame>
       <p:sp>
         <p:nvSpPr>
           <p:cNvPr id="5" name="Выноска 1 4"/>
@@ -15206,15 +10466,15 @@
         </p:nvSpPr>
         <p:spPr>
           <a:xfrm>
-            <a:off x="142844" y="6143644"/>
+            <a:off x="2195736" y="1586682"/>
             <a:ext cx="1785950" cy="571504"/>
           </a:xfrm>
           <a:prstGeom prst="borderCallout1">
             <a:avLst>
-              <a:gd name="adj1" fmla="val -6435"/>
-              <a:gd name="adj2" fmla="val 13711"/>
-              <a:gd name="adj3" fmla="val -428276"/>
-              <a:gd name="adj4" fmla="val 45755"/>
+              <a:gd name="adj1" fmla="val 88009"/>
+              <a:gd name="adj2" fmla="val -3711"/>
+              <a:gd name="adj3" fmla="val 211720"/>
+              <a:gd name="adj4" fmla="val -86511"/>
             </a:avLst>
           </a:prstGeom>
           <a:ln w="19050"/>
@@ -15239,10 +10499,9 @@
           <a:p>
             <a:pPr algn="ctr"/>
             <a:r>
-              <a:rPr lang="ru-RU" dirty="0" smtClean="0"/>
+              <a:rPr lang="ru-RU" dirty="0"/>
               <a:t>Распорядитель</a:t>
             </a:r>
-            <a:endParaRPr lang="ru-RU" dirty="0"/>
           </a:p>
         </p:txBody>
       </p:sp>
@@ -15254,15 +10513,15 @@
         </p:nvSpPr>
         <p:spPr>
           <a:xfrm>
-            <a:off x="7215206" y="6143644"/>
+            <a:off x="7000892" y="6195944"/>
             <a:ext cx="1785950" cy="571504"/>
           </a:xfrm>
           <a:prstGeom prst="borderCallout1">
             <a:avLst>
               <a:gd name="adj1" fmla="val -15324"/>
               <a:gd name="adj2" fmla="val 62066"/>
-              <a:gd name="adj3" fmla="val -438435"/>
-              <a:gd name="adj4" fmla="val -23324"/>
+              <a:gd name="adj3" fmla="val -339547"/>
+              <a:gd name="adj4" fmla="val 36053"/>
             </a:avLst>
           </a:prstGeom>
           <a:ln w="19050"/>
@@ -15287,10 +10546,9 @@
           <a:p>
             <a:pPr algn="ctr"/>
             <a:r>
-              <a:rPr lang="ru-RU" dirty="0" smtClean="0"/>
-              <a:t>Продукты</a:t>
-            </a:r>
-            <a:endParaRPr lang="ru-RU" dirty="0"/>
+              <a:rPr lang="ru-RU" dirty="0"/>
+              <a:t>Продукт</a:t>
+            </a:r>
           </a:p>
         </p:txBody>
       </p:sp>
@@ -15302,15 +10560,15 @@
         </p:nvSpPr>
         <p:spPr>
           <a:xfrm>
-            <a:off x="3571868" y="6143644"/>
+            <a:off x="7092280" y="1790154"/>
             <a:ext cx="1785950" cy="571504"/>
           </a:xfrm>
           <a:prstGeom prst="borderCallout1">
             <a:avLst>
-              <a:gd name="adj1" fmla="val -13102"/>
-              <a:gd name="adj2" fmla="val 54244"/>
-              <a:gd name="adj3" fmla="val -428911"/>
-              <a:gd name="adj4" fmla="val 40472"/>
+              <a:gd name="adj1" fmla="val 63564"/>
+              <a:gd name="adj2" fmla="val -5844"/>
+              <a:gd name="adj3" fmla="val 183307"/>
+              <a:gd name="adj4" fmla="val -87883"/>
             </a:avLst>
           </a:prstGeom>
           <a:ln w="19050"/>
@@ -15335,13 +10593,100 @@
           <a:p>
             <a:pPr algn="ctr"/>
             <a:r>
-              <a:rPr lang="ru-RU" dirty="0" smtClean="0"/>
+              <a:rPr lang="ru-RU" dirty="0"/>
               <a:t>Строитель</a:t>
             </a:r>
-            <a:endParaRPr lang="ru-RU" dirty="0"/>
           </a:p>
         </p:txBody>
       </p:sp>
+      <p:sp>
+        <p:nvSpPr>
+          <p:cNvPr id="12" name="Выноска 1 5">
+            <a:extLst>
+              <a:ext uri="{FF2B5EF4-FFF2-40B4-BE49-F238E27FC236}">
+                <a16:creationId xmlns:a16="http://schemas.microsoft.com/office/drawing/2014/main" id="{B5DF5E5D-68F3-4EAF-9C60-332777D4557C}"/>
+              </a:ext>
+            </a:extLst>
+          </p:cNvPr>
+          <p:cNvSpPr/>
+          <p:nvPr/>
+        </p:nvSpPr>
+        <p:spPr>
+          <a:xfrm>
+            <a:off x="899592" y="6131048"/>
+            <a:ext cx="1785950" cy="571504"/>
+          </a:xfrm>
+          <a:prstGeom prst="borderCallout1">
+            <a:avLst>
+              <a:gd name="adj1" fmla="val -15324"/>
+              <a:gd name="adj2" fmla="val 62066"/>
+              <a:gd name="adj3" fmla="val -261769"/>
+              <a:gd name="adj4" fmla="val 26454"/>
+            </a:avLst>
+          </a:prstGeom>
+          <a:ln w="19050"/>
+        </p:spPr>
+        <p:style>
+          <a:lnRef idx="1">
+            <a:schemeClr val="accent2"/>
+          </a:lnRef>
+          <a:fillRef idx="2">
+            <a:schemeClr val="accent2"/>
+          </a:fillRef>
+          <a:effectRef idx="1">
+            <a:schemeClr val="accent2"/>
+          </a:effectRef>
+          <a:fontRef idx="minor">
+            <a:schemeClr val="dk1"/>
+          </a:fontRef>
+        </p:style>
+        <p:txBody>
+          <a:bodyPr rtlCol="0" anchor="ctr"/>
+          <a:lstStyle/>
+          <a:p>
+            <a:pPr algn="ctr"/>
+            <a:r>
+              <a:rPr lang="ru-RU" dirty="0"/>
+              <a:t>Продукт</a:t>
+            </a:r>
+          </a:p>
+        </p:txBody>
+      </p:sp>
+      <p:pic>
+        <p:nvPicPr>
+          <p:cNvPr id="16" name="Content Placeholder 15">
+            <a:extLst>
+              <a:ext uri="{FF2B5EF4-FFF2-40B4-BE49-F238E27FC236}">
+                <a16:creationId xmlns:a16="http://schemas.microsoft.com/office/drawing/2014/main" id="{86419AB5-7400-4D31-B69A-2E5B58315918}"/>
+              </a:ext>
+            </a:extLst>
+          </p:cNvPr>
+          <p:cNvPicPr>
+            <a:picLocks noGrp="1" noChangeAspect="1"/>
+          </p:cNvPicPr>
+          <p:nvPr>
+            <p:ph idx="1"/>
+          </p:nvPr>
+        </p:nvPicPr>
+        <p:blipFill>
+          <a:blip r:embed="rId3" cstate="print">
+            <a:extLst>
+              <a:ext uri="{28A0092B-C50C-407E-A947-70E740481C1C}">
+                <a14:useLocalDpi xmlns:a14="http://schemas.microsoft.com/office/drawing/2010/main" val="0"/>
+              </a:ext>
+            </a:extLst>
+          </a:blip>
+          <a:stretch>
+            <a:fillRect/>
+          </a:stretch>
+        </p:blipFill>
+        <p:spPr>
+          <a:xfrm>
+            <a:off x="457200" y="2737560"/>
+            <a:ext cx="8229600" cy="2700504"/>
+          </a:xfrm>
+        </p:spPr>
+      </p:pic>
     </p:spTree>
     <p:extLst>
       <p:ext uri="{BB962C8B-B14F-4D97-AF65-F5344CB8AC3E}">
@@ -15352,13 +10697,6 @@
   <p:clrMapOvr>
     <a:masterClrMapping/>
   </p:clrMapOvr>
-  <p:timing>
-    <p:tnLst>
-      <p:par>
-        <p:cTn id="1" dur="indefinite" restart="never" nodeType="tmRoot"/>
-      </p:par>
-    </p:tnLst>
-  </p:timing>
 </p:sld>
 </file>
 
@@ -15397,10 +10735,9 @@
           <a:lstStyle/>
           <a:p>
             <a:r>
-              <a:rPr lang="ru-RU" dirty="0" smtClean="0"/>
+              <a:rPr lang="ru-RU" dirty="0"/>
               <a:t>Реализация сущности «Строитель»</a:t>
             </a:r>
-            <a:endParaRPr lang="ru-RU" dirty="0"/>
           </a:p>
         </p:txBody>
       </p:sp>
@@ -15441,20 +10778,20 @@
           <a:p>
             <a:pPr defTabSz="90488"/>
             <a:r>
-              <a:rPr lang="en-US" sz="1300" b="1" dirty="0" smtClean="0">
+              <a:rPr lang="en-US" sz="1300" b="1" dirty="0">
                 <a:latin typeface="Courier New" pitchFamily="49" charset="0"/>
                 <a:cs typeface="Courier New" pitchFamily="49" charset="0"/>
               </a:rPr>
               <a:t>class </a:t>
             </a:r>
             <a:r>
-              <a:rPr lang="en-US" sz="1300" b="1" dirty="0" err="1" smtClean="0">
-                <a:latin typeface="Courier New" pitchFamily="49" charset="0"/>
-                <a:cs typeface="Courier New" pitchFamily="49" charset="0"/>
-              </a:rPr>
-              <a:t>CTextConverter</a:t>
-            </a:r>
-            <a:endParaRPr lang="en-US" sz="1300" b="1" dirty="0" smtClean="0">
+              <a:rPr lang="en-US" sz="1300" b="1" dirty="0" err="1">
+                <a:latin typeface="Courier New" pitchFamily="49" charset="0"/>
+                <a:cs typeface="Courier New" pitchFamily="49" charset="0"/>
+              </a:rPr>
+              <a:t>TextConverter</a:t>
+            </a:r>
+            <a:endParaRPr lang="en-US" sz="1300" b="1" dirty="0">
               <a:latin typeface="Courier New" pitchFamily="49" charset="0"/>
               <a:cs typeface="Courier New" pitchFamily="49" charset="0"/>
             </a:endParaRPr>
@@ -15462,7 +10799,7 @@
           <a:p>
             <a:pPr defTabSz="90488"/>
             <a:r>
-              <a:rPr lang="ru-RU" sz="1300" b="1" dirty="0" smtClean="0">
+              <a:rPr lang="ru-RU" sz="1300" b="1" dirty="0">
                 <a:latin typeface="Courier New" pitchFamily="49" charset="0"/>
                 <a:cs typeface="Courier New" pitchFamily="49" charset="0"/>
               </a:rPr>
@@ -15472,7 +10809,7 @@
           <a:p>
             <a:pPr defTabSz="90488"/>
             <a:r>
-              <a:rPr lang="en-US" sz="1300" b="1" dirty="0" smtClean="0">
+              <a:rPr lang="en-US" sz="1300" b="1" dirty="0">
                 <a:latin typeface="Courier New" pitchFamily="49" charset="0"/>
                 <a:cs typeface="Courier New" pitchFamily="49" charset="0"/>
               </a:rPr>
@@ -15482,20 +10819,20 @@
           <a:p>
             <a:pPr defTabSz="90488"/>
             <a:r>
-              <a:rPr lang="en-US" sz="1300" b="1" dirty="0" smtClean="0">
+              <a:rPr lang="en-US" sz="1300" b="1" dirty="0">
                 <a:latin typeface="Courier New" pitchFamily="49" charset="0"/>
                 <a:cs typeface="Courier New" pitchFamily="49" charset="0"/>
               </a:rPr>
               <a:t>	virtual void </a:t>
             </a:r>
             <a:r>
-              <a:rPr lang="en-US" sz="1300" b="1" dirty="0" err="1" smtClean="0">
+              <a:rPr lang="en-US" sz="1300" b="1" dirty="0" err="1">
                 <a:latin typeface="Courier New" pitchFamily="49" charset="0"/>
                 <a:cs typeface="Courier New" pitchFamily="49" charset="0"/>
               </a:rPr>
               <a:t>ConvertText</a:t>
             </a:r>
-            <a:endParaRPr lang="en-US" sz="1300" b="1" dirty="0" smtClean="0">
+            <a:endParaRPr lang="en-US" sz="1300" b="1" dirty="0">
               <a:latin typeface="Courier New" pitchFamily="49" charset="0"/>
               <a:cs typeface="Courier New" pitchFamily="49" charset="0"/>
             </a:endParaRPr>
@@ -15503,7 +10840,7 @@
           <a:p>
             <a:pPr defTabSz="90488"/>
             <a:r>
-              <a:rPr lang="en-US" sz="1300" b="1" dirty="0" smtClean="0">
+              <a:rPr lang="en-US" sz="1300" b="1" dirty="0">
                 <a:latin typeface="Courier New" pitchFamily="49" charset="0"/>
                 <a:cs typeface="Courier New" pitchFamily="49" charset="0"/>
               </a:rPr>
@@ -15513,20 +10850,20 @@
           <a:p>
             <a:pPr defTabSz="90488"/>
             <a:r>
-              <a:rPr lang="en-US" sz="1300" b="1" dirty="0" smtClean="0">
+              <a:rPr lang="en-US" sz="1300" b="1" dirty="0">
                 <a:latin typeface="Courier New" pitchFamily="49" charset="0"/>
                 <a:cs typeface="Courier New" pitchFamily="49" charset="0"/>
               </a:rPr>
               <a:t>	virtual void </a:t>
             </a:r>
             <a:r>
-              <a:rPr lang="en-US" sz="1300" b="1" dirty="0" err="1" smtClean="0">
+              <a:rPr lang="en-US" sz="1300" b="1" dirty="0" err="1">
                 <a:latin typeface="Courier New" pitchFamily="49" charset="0"/>
                 <a:cs typeface="Courier New" pitchFamily="49" charset="0"/>
               </a:rPr>
               <a:t>ConvertFontChange</a:t>
             </a:r>
-            <a:endParaRPr lang="en-US" sz="1300" b="1" dirty="0" smtClean="0">
+            <a:endParaRPr lang="en-US" sz="1300" b="1" dirty="0">
               <a:latin typeface="Courier New" pitchFamily="49" charset="0"/>
               <a:cs typeface="Courier New" pitchFamily="49" charset="0"/>
             </a:endParaRPr>
@@ -15534,35 +10871,35 @@
           <a:p>
             <a:pPr defTabSz="90488"/>
             <a:r>
-              <a:rPr lang="en-US" sz="1300" b="1" dirty="0" smtClean="0">
+              <a:rPr lang="en-US" sz="1300" b="1" dirty="0">
                 <a:latin typeface="Courier New" pitchFamily="49" charset="0"/>
                 <a:cs typeface="Courier New" pitchFamily="49" charset="0"/>
               </a:rPr>
               <a:t>			(</a:t>
             </a:r>
             <a:r>
-              <a:rPr lang="en-US" sz="1300" b="1" dirty="0" err="1" smtClean="0">
+              <a:rPr lang="en-US" sz="1300" b="1" dirty="0" err="1">
                 <a:latin typeface="Courier New" pitchFamily="49" charset="0"/>
                 <a:cs typeface="Courier New" pitchFamily="49" charset="0"/>
               </a:rPr>
               <a:t>CFont</a:t>
             </a:r>
             <a:r>
-              <a:rPr lang="en-US" sz="1300" b="1" dirty="0" smtClean="0">
+              <a:rPr lang="en-US" sz="1300" b="1" dirty="0">
                 <a:latin typeface="Courier New" pitchFamily="49" charset="0"/>
                 <a:cs typeface="Courier New" pitchFamily="49" charset="0"/>
               </a:rPr>
               <a:t> const&amp; </a:t>
             </a:r>
             <a:r>
-              <a:rPr lang="en-US" sz="1300" b="1" dirty="0" err="1" smtClean="0">
+              <a:rPr lang="en-US" sz="1300" b="1" dirty="0" err="1">
                 <a:latin typeface="Courier New" pitchFamily="49" charset="0"/>
                 <a:cs typeface="Courier New" pitchFamily="49" charset="0"/>
               </a:rPr>
               <a:t>fnt</a:t>
             </a:r>
             <a:r>
-              <a:rPr lang="en-US" sz="1300" b="1" dirty="0" smtClean="0">
+              <a:rPr lang="en-US" sz="1300" b="1" dirty="0">
                 <a:latin typeface="Courier New" pitchFamily="49" charset="0"/>
                 <a:cs typeface="Courier New" pitchFamily="49" charset="0"/>
               </a:rPr>
@@ -15572,20 +10909,20 @@
           <a:p>
             <a:pPr defTabSz="90488"/>
             <a:r>
-              <a:rPr lang="ru-RU" sz="1300" b="1" dirty="0" smtClean="0">
+              <a:rPr lang="ru-RU" sz="1300" b="1" dirty="0">
                 <a:latin typeface="Courier New" pitchFamily="49" charset="0"/>
                 <a:cs typeface="Courier New" pitchFamily="49" charset="0"/>
               </a:rPr>
               <a:t>	// </a:t>
             </a:r>
             <a:r>
-              <a:rPr lang="en-US" sz="1300" b="1" dirty="0" smtClean="0">
+              <a:rPr lang="en-US" sz="1300" b="1" dirty="0">
                 <a:latin typeface="Courier New" pitchFamily="49" charset="0"/>
                 <a:cs typeface="Courier New" pitchFamily="49" charset="0"/>
               </a:rPr>
               <a:t>…</a:t>
             </a:r>
-            <a:endParaRPr lang="ru-RU" sz="1300" b="1" dirty="0" smtClean="0">
+            <a:endParaRPr lang="ru-RU" sz="1300" b="1" dirty="0">
               <a:latin typeface="Courier New" pitchFamily="49" charset="0"/>
               <a:cs typeface="Courier New" pitchFamily="49" charset="0"/>
             </a:endParaRPr>
@@ -15593,7 +10930,7 @@
           <a:p>
             <a:pPr defTabSz="90488"/>
             <a:r>
-              <a:rPr lang="ru-RU" sz="1300" b="1" dirty="0" smtClean="0">
+              <a:rPr lang="ru-RU" sz="1300" b="1" dirty="0">
                 <a:latin typeface="Courier New" pitchFamily="49" charset="0"/>
                 <a:cs typeface="Courier New" pitchFamily="49" charset="0"/>
               </a:rPr>
@@ -15602,7 +10939,7 @@
           </a:p>
           <a:p>
             <a:pPr defTabSz="90488"/>
-            <a:endParaRPr lang="ru-RU" sz="1300" b="1" dirty="0" smtClean="0">
+            <a:endParaRPr lang="ru-RU" sz="1300" b="1" dirty="0">
               <a:latin typeface="Courier New" pitchFamily="49" charset="0"/>
               <a:cs typeface="Courier New" pitchFamily="49" charset="0"/>
             </a:endParaRPr>
@@ -15610,21 +10947,21 @@
           <a:p>
             <a:pPr defTabSz="90488"/>
             <a:r>
-              <a:rPr lang="en-US" sz="1300" b="1" dirty="0" smtClean="0">
+              <a:rPr lang="en-US" sz="1300" b="1" dirty="0">
                 <a:latin typeface="Courier New" pitchFamily="49" charset="0"/>
                 <a:cs typeface="Courier New" pitchFamily="49" charset="0"/>
               </a:rPr>
               <a:t>class </a:t>
             </a:r>
             <a:r>
-              <a:rPr lang="en-US" sz="1300" b="1" dirty="0" err="1" smtClean="0">
-                <a:latin typeface="Courier New" pitchFamily="49" charset="0"/>
-                <a:cs typeface="Courier New" pitchFamily="49" charset="0"/>
-              </a:rPr>
-              <a:t>CPlainTextConverter</a:t>
-            </a:r>
-            <a:r>
-              <a:rPr lang="en-US" sz="1300" b="1" dirty="0" smtClean="0">
+              <a:rPr lang="en-US" sz="1300" b="1" dirty="0" err="1">
+                <a:latin typeface="Courier New" pitchFamily="49" charset="0"/>
+                <a:cs typeface="Courier New" pitchFamily="49" charset="0"/>
+              </a:rPr>
+              <a:t>PlainTextConverter</a:t>
+            </a:r>
+            <a:r>
+              <a:rPr lang="en-US" sz="1300" b="1" dirty="0">
                 <a:latin typeface="Courier New" pitchFamily="49" charset="0"/>
                 <a:cs typeface="Courier New" pitchFamily="49" charset="0"/>
               </a:rPr>
@@ -15634,20 +10971,20 @@
           <a:p>
             <a:pPr defTabSz="90488"/>
             <a:r>
-              <a:rPr lang="en-US" sz="1300" b="1" dirty="0" smtClean="0">
+              <a:rPr lang="en-US" sz="1300" b="1" dirty="0">
                 <a:latin typeface="Courier New" pitchFamily="49" charset="0"/>
                 <a:cs typeface="Courier New" pitchFamily="49" charset="0"/>
               </a:rPr>
               <a:t>	: public </a:t>
             </a:r>
             <a:r>
-              <a:rPr lang="en-US" sz="1300" b="1" dirty="0" err="1" smtClean="0">
-                <a:latin typeface="Courier New" pitchFamily="49" charset="0"/>
-                <a:cs typeface="Courier New" pitchFamily="49" charset="0"/>
-              </a:rPr>
-              <a:t>CTextConverter</a:t>
-            </a:r>
-            <a:endParaRPr lang="en-US" sz="1300" b="1" dirty="0" smtClean="0">
+              <a:rPr lang="en-US" sz="1300" b="1" dirty="0" err="1">
+                <a:latin typeface="Courier New" pitchFamily="49" charset="0"/>
+                <a:cs typeface="Courier New" pitchFamily="49" charset="0"/>
+              </a:rPr>
+              <a:t>TextConverter</a:t>
+            </a:r>
+            <a:endParaRPr lang="en-US" sz="1300" b="1" dirty="0">
               <a:latin typeface="Courier New" pitchFamily="49" charset="0"/>
               <a:cs typeface="Courier New" pitchFamily="49" charset="0"/>
             </a:endParaRPr>
@@ -15655,7 +10992,7 @@
           <a:p>
             <a:pPr defTabSz="90488"/>
             <a:r>
-              <a:rPr lang="ru-RU" sz="1300" b="1" dirty="0" smtClean="0">
+              <a:rPr lang="ru-RU" sz="1300" b="1" dirty="0">
                 <a:latin typeface="Courier New" pitchFamily="49" charset="0"/>
                 <a:cs typeface="Courier New" pitchFamily="49" charset="0"/>
               </a:rPr>
@@ -15665,7 +11002,7 @@
           <a:p>
             <a:pPr defTabSz="90488"/>
             <a:r>
-              <a:rPr lang="en-US" sz="1300" b="1" dirty="0" smtClean="0">
+              <a:rPr lang="en-US" sz="1300" b="1" dirty="0">
                 <a:latin typeface="Courier New" pitchFamily="49" charset="0"/>
                 <a:cs typeface="Courier New" pitchFamily="49" charset="0"/>
               </a:rPr>
@@ -15675,21 +11012,21 @@
           <a:p>
             <a:pPr defTabSz="90488"/>
             <a:r>
-              <a:rPr lang="en-US" sz="1300" b="1" dirty="0" smtClean="0">
+              <a:rPr lang="en-US" sz="1300" b="1" dirty="0">
                 <a:latin typeface="Courier New" pitchFamily="49" charset="0"/>
                 <a:cs typeface="Courier New" pitchFamily="49" charset="0"/>
               </a:rPr>
               <a:t>	void </a:t>
             </a:r>
             <a:r>
-              <a:rPr lang="en-US" sz="1300" b="1" dirty="0" err="1" smtClean="0">
+              <a:rPr lang="en-US" sz="1300" b="1" dirty="0" err="1">
                 <a:latin typeface="Courier New" pitchFamily="49" charset="0"/>
                 <a:cs typeface="Courier New" pitchFamily="49" charset="0"/>
               </a:rPr>
               <a:t>ConvertText</a:t>
             </a:r>
             <a:r>
-              <a:rPr lang="en-US" sz="1300" b="1" dirty="0" smtClean="0">
+              <a:rPr lang="en-US" sz="1300" b="1" dirty="0">
                 <a:latin typeface="Courier New" pitchFamily="49" charset="0"/>
                 <a:cs typeface="Courier New" pitchFamily="49" charset="0"/>
               </a:rPr>
@@ -15699,7 +11036,7 @@
           <a:p>
             <a:pPr defTabSz="90488"/>
             <a:r>
-              <a:rPr lang="ru-RU" sz="1300" b="1" dirty="0" smtClean="0">
+              <a:rPr lang="ru-RU" sz="1300" b="1" dirty="0">
                 <a:latin typeface="Courier New" pitchFamily="49" charset="0"/>
                 <a:cs typeface="Courier New" pitchFamily="49" charset="0"/>
               </a:rPr>
@@ -15709,20 +11046,20 @@
           <a:p>
             <a:pPr defTabSz="90488"/>
             <a:r>
-              <a:rPr lang="ru-RU" sz="1300" b="1" dirty="0" smtClean="0">
+              <a:rPr lang="ru-RU" sz="1300" b="1" dirty="0">
                 <a:latin typeface="Courier New" pitchFamily="49" charset="0"/>
                 <a:cs typeface="Courier New" pitchFamily="49" charset="0"/>
               </a:rPr>
               <a:t>		// </a:t>
             </a:r>
             <a:r>
-              <a:rPr lang="en-US" sz="1300" b="1" dirty="0" smtClean="0">
+              <a:rPr lang="en-US" sz="1300" b="1" dirty="0">
                 <a:latin typeface="Courier New" pitchFamily="49" charset="0"/>
                 <a:cs typeface="Courier New" pitchFamily="49" charset="0"/>
               </a:rPr>
               <a:t>…</a:t>
             </a:r>
-            <a:endParaRPr lang="ru-RU" sz="1300" b="1" dirty="0" smtClean="0">
+            <a:endParaRPr lang="ru-RU" sz="1300" b="1" dirty="0">
               <a:latin typeface="Courier New" pitchFamily="49" charset="0"/>
               <a:cs typeface="Courier New" pitchFamily="49" charset="0"/>
             </a:endParaRPr>
@@ -15730,7 +11067,7 @@
           <a:p>
             <a:pPr defTabSz="90488"/>
             <a:r>
-              <a:rPr lang="ru-RU" sz="1300" b="1" dirty="0" smtClean="0">
+              <a:rPr lang="ru-RU" sz="1300" b="1" dirty="0">
                 <a:latin typeface="Courier New" pitchFamily="49" charset="0"/>
                 <a:cs typeface="Courier New" pitchFamily="49" charset="0"/>
               </a:rPr>
@@ -15740,21 +11077,21 @@
           <a:p>
             <a:pPr defTabSz="90488"/>
             <a:r>
-              <a:rPr lang="en-US" sz="1300" b="1" dirty="0" smtClean="0">
+              <a:rPr lang="en-US" sz="1300" b="1" dirty="0">
                 <a:latin typeface="Courier New" pitchFamily="49" charset="0"/>
                 <a:cs typeface="Courier New" pitchFamily="49" charset="0"/>
               </a:rPr>
               <a:t>	std::string const &amp; </a:t>
             </a:r>
             <a:r>
-              <a:rPr lang="en-US" sz="1300" b="1" dirty="0" err="1" smtClean="0">
+              <a:rPr lang="en-US" sz="1300" b="1" dirty="0" err="1">
                 <a:latin typeface="Courier New" pitchFamily="49" charset="0"/>
                 <a:cs typeface="Courier New" pitchFamily="49" charset="0"/>
               </a:rPr>
               <a:t>GetPlainText</a:t>
             </a:r>
             <a:r>
-              <a:rPr lang="en-US" sz="1300" b="1" dirty="0" smtClean="0">
+              <a:rPr lang="en-US" sz="1300" b="1" dirty="0">
                 <a:latin typeface="Courier New" pitchFamily="49" charset="0"/>
                 <a:cs typeface="Courier New" pitchFamily="49" charset="0"/>
               </a:rPr>
@@ -15764,7 +11101,7 @@
           <a:p>
             <a:pPr defTabSz="90488"/>
             <a:r>
-              <a:rPr lang="ru-RU" sz="1300" b="1" dirty="0" smtClean="0">
+              <a:rPr lang="ru-RU" sz="1300" b="1" dirty="0">
                 <a:latin typeface="Courier New" pitchFamily="49" charset="0"/>
                 <a:cs typeface="Courier New" pitchFamily="49" charset="0"/>
               </a:rPr>
@@ -15774,27 +11111,27 @@
           <a:p>
             <a:pPr defTabSz="90488"/>
             <a:r>
-              <a:rPr lang="en-US" sz="1300" b="1" dirty="0" smtClean="0">
+              <a:rPr lang="en-US" sz="1300" b="1" dirty="0">
                 <a:latin typeface="Courier New" pitchFamily="49" charset="0"/>
                 <a:cs typeface="Courier New" pitchFamily="49" charset="0"/>
               </a:rPr>
               <a:t>		return </a:t>
             </a:r>
             <a:r>
-              <a:rPr lang="en-US" sz="1300" b="1" dirty="0" err="1" smtClean="0">
+              <a:rPr lang="en-US" sz="1300" b="1" dirty="0" err="1">
                 <a:latin typeface="Courier New" pitchFamily="49" charset="0"/>
                 <a:cs typeface="Courier New" pitchFamily="49" charset="0"/>
               </a:rPr>
               <a:t>m_plainText</a:t>
             </a:r>
             <a:r>
-              <a:rPr lang="en-US" sz="1300" b="1" dirty="0" smtClean="0">
+              <a:rPr lang="en-US" sz="1300" b="1" dirty="0">
                 <a:latin typeface="Courier New" pitchFamily="49" charset="0"/>
                 <a:cs typeface="Courier New" pitchFamily="49" charset="0"/>
               </a:rPr>
               <a:t>;</a:t>
             </a:r>
-            <a:endParaRPr lang="ru-RU" sz="1300" b="1" dirty="0" smtClean="0">
+            <a:endParaRPr lang="ru-RU" sz="1300" b="1" dirty="0">
               <a:latin typeface="Courier New" pitchFamily="49" charset="0"/>
               <a:cs typeface="Courier New" pitchFamily="49" charset="0"/>
             </a:endParaRPr>
@@ -15802,13 +11139,13 @@
           <a:p>
             <a:pPr defTabSz="90488"/>
             <a:r>
-              <a:rPr lang="ru-RU" sz="1300" b="1" dirty="0" smtClean="0">
+              <a:rPr lang="ru-RU" sz="1300" b="1" dirty="0">
                 <a:latin typeface="Courier New" pitchFamily="49" charset="0"/>
                 <a:cs typeface="Courier New" pitchFamily="49" charset="0"/>
               </a:rPr>
               <a:t>	}</a:t>
             </a:r>
-            <a:endParaRPr lang="en-US" sz="1300" b="1" dirty="0" smtClean="0">
+            <a:endParaRPr lang="en-US" sz="1300" b="1" dirty="0">
               <a:latin typeface="Courier New" pitchFamily="49" charset="0"/>
               <a:cs typeface="Courier New" pitchFamily="49" charset="0"/>
             </a:endParaRPr>
@@ -15816,7 +11153,7 @@
           <a:p>
             <a:pPr defTabSz="90488"/>
             <a:r>
-              <a:rPr lang="en-US" sz="1300" b="1" dirty="0" smtClean="0">
+              <a:rPr lang="en-US" sz="1300" b="1" dirty="0">
                 <a:latin typeface="Courier New" pitchFamily="49" charset="0"/>
                 <a:cs typeface="Courier New" pitchFamily="49" charset="0"/>
               </a:rPr>
@@ -15826,27 +11163,27 @@
           <a:p>
             <a:pPr defTabSz="90488"/>
             <a:r>
-              <a:rPr lang="en-US" sz="1300" b="1" dirty="0" smtClean="0">
+              <a:rPr lang="en-US" sz="1300" b="1" dirty="0">
                 <a:latin typeface="Courier New" pitchFamily="49" charset="0"/>
                 <a:cs typeface="Courier New" pitchFamily="49" charset="0"/>
               </a:rPr>
               <a:t>	std::string </a:t>
             </a:r>
             <a:r>
-              <a:rPr lang="en-US" sz="1300" b="1" dirty="0" err="1" smtClean="0">
+              <a:rPr lang="en-US" sz="1300" b="1" dirty="0" err="1">
                 <a:latin typeface="Courier New" pitchFamily="49" charset="0"/>
                 <a:cs typeface="Courier New" pitchFamily="49" charset="0"/>
               </a:rPr>
               <a:t>m_plainText</a:t>
             </a:r>
             <a:r>
-              <a:rPr lang="en-US" sz="1300" b="1" dirty="0" smtClean="0">
+              <a:rPr lang="en-US" sz="1300" b="1" dirty="0">
                 <a:latin typeface="Courier New" pitchFamily="49" charset="0"/>
                 <a:cs typeface="Courier New" pitchFamily="49" charset="0"/>
               </a:rPr>
               <a:t>;</a:t>
             </a:r>
-            <a:endParaRPr lang="ru-RU" sz="1300" b="1" dirty="0" smtClean="0">
+            <a:endParaRPr lang="ru-RU" sz="1300" b="1" dirty="0">
               <a:latin typeface="Courier New" pitchFamily="49" charset="0"/>
               <a:cs typeface="Courier New" pitchFamily="49" charset="0"/>
             </a:endParaRPr>
@@ -15854,7 +11191,7 @@
           <a:p>
             <a:pPr defTabSz="90488"/>
             <a:r>
-              <a:rPr lang="ru-RU" sz="1300" b="1" dirty="0" smtClean="0">
+              <a:rPr lang="ru-RU" sz="1300" b="1" dirty="0">
                 <a:latin typeface="Courier New" pitchFamily="49" charset="0"/>
                 <a:cs typeface="Courier New" pitchFamily="49" charset="0"/>
               </a:rPr>
@@ -15900,20 +11237,20 @@
           <a:p>
             <a:pPr defTabSz="88900"/>
             <a:r>
-              <a:rPr lang="en-US" sz="1300" b="1" dirty="0" smtClean="0">
+              <a:rPr lang="en-US" sz="1300" b="1" dirty="0">
                 <a:latin typeface="Courier New" pitchFamily="49" charset="0"/>
                 <a:cs typeface="Courier New" pitchFamily="49" charset="0"/>
               </a:rPr>
               <a:t>class </a:t>
             </a:r>
             <a:r>
-              <a:rPr lang="en-US" sz="1300" b="1" dirty="0" err="1" smtClean="0">
-                <a:latin typeface="Courier New" pitchFamily="49" charset="0"/>
-                <a:cs typeface="Courier New" pitchFamily="49" charset="0"/>
-              </a:rPr>
-              <a:t>CPDFConverter</a:t>
-            </a:r>
-            <a:endParaRPr lang="en-US" sz="1300" b="1" dirty="0" smtClean="0">
+              <a:rPr lang="en-US" sz="1300" b="1" dirty="0" err="1">
+                <a:latin typeface="Courier New" pitchFamily="49" charset="0"/>
+                <a:cs typeface="Courier New" pitchFamily="49" charset="0"/>
+              </a:rPr>
+              <a:t>PDFConverter</a:t>
+            </a:r>
+            <a:endParaRPr lang="en-US" sz="1300" b="1" dirty="0">
               <a:latin typeface="Courier New" pitchFamily="49" charset="0"/>
               <a:cs typeface="Courier New" pitchFamily="49" charset="0"/>
             </a:endParaRPr>
@@ -15921,20 +11258,20 @@
           <a:p>
             <a:pPr defTabSz="88900"/>
             <a:r>
-              <a:rPr lang="en-US" sz="1300" b="1" dirty="0" smtClean="0">
+              <a:rPr lang="en-US" sz="1300" b="1" dirty="0">
                 <a:latin typeface="Courier New" pitchFamily="49" charset="0"/>
                 <a:cs typeface="Courier New" pitchFamily="49" charset="0"/>
               </a:rPr>
               <a:t>	: public </a:t>
             </a:r>
             <a:r>
-              <a:rPr lang="en-US" sz="1300" b="1" dirty="0" err="1" smtClean="0">
-                <a:latin typeface="Courier New" pitchFamily="49" charset="0"/>
-                <a:cs typeface="Courier New" pitchFamily="49" charset="0"/>
-              </a:rPr>
-              <a:t>CTextConverter</a:t>
-            </a:r>
-            <a:endParaRPr lang="en-US" sz="1300" b="1" dirty="0" smtClean="0">
+              <a:rPr lang="en-US" sz="1300" b="1" dirty="0" err="1">
+                <a:latin typeface="Courier New" pitchFamily="49" charset="0"/>
+                <a:cs typeface="Courier New" pitchFamily="49" charset="0"/>
+              </a:rPr>
+              <a:t>TextConverter</a:t>
+            </a:r>
+            <a:endParaRPr lang="en-US" sz="1300" b="1" dirty="0">
               <a:latin typeface="Courier New" pitchFamily="49" charset="0"/>
               <a:cs typeface="Courier New" pitchFamily="49" charset="0"/>
             </a:endParaRPr>
@@ -15942,7 +11279,7 @@
           <a:p>
             <a:pPr defTabSz="88900"/>
             <a:r>
-              <a:rPr lang="ru-RU" sz="1300" b="1" dirty="0" smtClean="0">
+              <a:rPr lang="ru-RU" sz="1300" b="1" dirty="0">
                 <a:latin typeface="Courier New" pitchFamily="49" charset="0"/>
                 <a:cs typeface="Courier New" pitchFamily="49" charset="0"/>
               </a:rPr>
@@ -15952,7 +11289,7 @@
           <a:p>
             <a:pPr defTabSz="88900"/>
             <a:r>
-              <a:rPr lang="en-US" sz="1300" b="1" dirty="0" smtClean="0">
+              <a:rPr lang="en-US" sz="1300" b="1" dirty="0">
                 <a:latin typeface="Courier New" pitchFamily="49" charset="0"/>
                 <a:cs typeface="Courier New" pitchFamily="49" charset="0"/>
               </a:rPr>
@@ -15962,21 +11299,21 @@
           <a:p>
             <a:pPr defTabSz="88900"/>
             <a:r>
-              <a:rPr lang="en-US" sz="1300" b="1" dirty="0" smtClean="0">
+              <a:rPr lang="en-US" sz="1300" b="1" dirty="0">
                 <a:latin typeface="Courier New" pitchFamily="49" charset="0"/>
                 <a:cs typeface="Courier New" pitchFamily="49" charset="0"/>
               </a:rPr>
               <a:t>	void </a:t>
             </a:r>
             <a:r>
-              <a:rPr lang="en-US" sz="1300" b="1" dirty="0" err="1" smtClean="0">
+              <a:rPr lang="en-US" sz="1300" b="1" dirty="0" err="1">
                 <a:latin typeface="Courier New" pitchFamily="49" charset="0"/>
                 <a:cs typeface="Courier New" pitchFamily="49" charset="0"/>
               </a:rPr>
               <a:t>ConvertText</a:t>
             </a:r>
             <a:r>
-              <a:rPr lang="en-US" sz="1300" b="1" dirty="0" smtClean="0">
+              <a:rPr lang="en-US" sz="1300" b="1" dirty="0">
                 <a:latin typeface="Courier New" pitchFamily="49" charset="0"/>
                 <a:cs typeface="Courier New" pitchFamily="49" charset="0"/>
               </a:rPr>
@@ -15986,7 +11323,7 @@
           <a:p>
             <a:pPr defTabSz="88900"/>
             <a:r>
-              <a:rPr lang="ru-RU" sz="1300" b="1" dirty="0" smtClean="0">
+              <a:rPr lang="ru-RU" sz="1300" b="1" dirty="0">
                 <a:latin typeface="Courier New" pitchFamily="49" charset="0"/>
                 <a:cs typeface="Courier New" pitchFamily="49" charset="0"/>
               </a:rPr>
@@ -15996,7 +11333,7 @@
           <a:p>
             <a:pPr defTabSz="88900"/>
             <a:r>
-              <a:rPr lang="ru-RU" sz="1300" b="1" dirty="0" smtClean="0">
+              <a:rPr lang="ru-RU" sz="1300" b="1" dirty="0">
                 <a:latin typeface="Courier New" pitchFamily="49" charset="0"/>
                 <a:cs typeface="Courier New" pitchFamily="49" charset="0"/>
               </a:rPr>
@@ -16006,7 +11343,7 @@
           <a:p>
             <a:pPr defTabSz="88900"/>
             <a:r>
-              <a:rPr lang="ru-RU" sz="1300" b="1" dirty="0" smtClean="0">
+              <a:rPr lang="ru-RU" sz="1300" b="1" dirty="0">
                 <a:latin typeface="Courier New" pitchFamily="49" charset="0"/>
                 <a:cs typeface="Courier New" pitchFamily="49" charset="0"/>
               </a:rPr>
@@ -16016,49 +11353,49 @@
           <a:p>
             <a:pPr defTabSz="88900"/>
             <a:r>
-              <a:rPr lang="en-US" sz="1300" b="1" dirty="0" smtClean="0">
+              <a:rPr lang="en-US" sz="1300" b="1" dirty="0">
                 <a:latin typeface="Courier New" pitchFamily="49" charset="0"/>
                 <a:cs typeface="Courier New" pitchFamily="49" charset="0"/>
               </a:rPr>
               <a:t>	void </a:t>
             </a:r>
             <a:r>
-              <a:rPr lang="en-US" sz="1300" b="1" dirty="0" err="1" smtClean="0">
+              <a:rPr lang="en-US" sz="1300" b="1" dirty="0" err="1">
                 <a:latin typeface="Courier New" pitchFamily="49" charset="0"/>
                 <a:cs typeface="Courier New" pitchFamily="49" charset="0"/>
               </a:rPr>
               <a:t>ConvertFontChange</a:t>
             </a:r>
             <a:r>
-              <a:rPr lang="en-US" sz="1300" b="1" dirty="0" smtClean="0">
+              <a:rPr lang="en-US" sz="1300" b="1" dirty="0">
                 <a:latin typeface="Courier New" pitchFamily="49" charset="0"/>
                 <a:cs typeface="Courier New" pitchFamily="49" charset="0"/>
               </a:rPr>
               <a:t>(</a:t>
             </a:r>
             <a:r>
-              <a:rPr lang="en-US" sz="1300" b="1" dirty="0" err="1" smtClean="0">
+              <a:rPr lang="en-US" sz="1300" b="1" dirty="0" err="1">
                 <a:latin typeface="Courier New" pitchFamily="49" charset="0"/>
                 <a:cs typeface="Courier New" pitchFamily="49" charset="0"/>
               </a:rPr>
               <a:t>CFont</a:t>
             </a:r>
             <a:r>
-              <a:rPr lang="en-US" sz="1300" b="1" dirty="0" smtClean="0">
+              <a:rPr lang="en-US" sz="1300" b="1" dirty="0">
                 <a:latin typeface="Courier New" pitchFamily="49" charset="0"/>
                 <a:cs typeface="Courier New" pitchFamily="49" charset="0"/>
               </a:rPr>
               <a:t> const&amp; </a:t>
             </a:r>
             <a:r>
-              <a:rPr lang="en-US" sz="1300" b="1" dirty="0" err="1" smtClean="0">
+              <a:rPr lang="en-US" sz="1300" b="1" dirty="0" err="1">
                 <a:latin typeface="Courier New" pitchFamily="49" charset="0"/>
                 <a:cs typeface="Courier New" pitchFamily="49" charset="0"/>
               </a:rPr>
               <a:t>fnt</a:t>
             </a:r>
             <a:r>
-              <a:rPr lang="en-US" sz="1300" b="1" dirty="0" smtClean="0">
+              <a:rPr lang="en-US" sz="1300" b="1" dirty="0">
                 <a:latin typeface="Courier New" pitchFamily="49" charset="0"/>
                 <a:cs typeface="Courier New" pitchFamily="49" charset="0"/>
               </a:rPr>
@@ -16068,7 +11405,7 @@
           <a:p>
             <a:pPr defTabSz="88900"/>
             <a:r>
-              <a:rPr lang="ru-RU" sz="1300" b="1" dirty="0" smtClean="0">
+              <a:rPr lang="ru-RU" sz="1300" b="1" dirty="0">
                 <a:latin typeface="Courier New" pitchFamily="49" charset="0"/>
                 <a:cs typeface="Courier New" pitchFamily="49" charset="0"/>
               </a:rPr>
@@ -16078,7 +11415,7 @@
           <a:p>
             <a:pPr defTabSz="88900"/>
             <a:r>
-              <a:rPr lang="ru-RU" sz="1300" b="1" dirty="0" smtClean="0">
+              <a:rPr lang="ru-RU" sz="1300" b="1" dirty="0">
                 <a:latin typeface="Courier New" pitchFamily="49" charset="0"/>
                 <a:cs typeface="Courier New" pitchFamily="49" charset="0"/>
               </a:rPr>
@@ -16088,20 +11425,20 @@
           <a:p>
             <a:pPr defTabSz="88900"/>
             <a:r>
-              <a:rPr lang="ru-RU" sz="1300" b="1" dirty="0" smtClean="0">
+              <a:rPr lang="ru-RU" sz="1300" b="1" dirty="0">
                 <a:latin typeface="Courier New" pitchFamily="49" charset="0"/>
                 <a:cs typeface="Courier New" pitchFamily="49" charset="0"/>
               </a:rPr>
               <a:t>	}</a:t>
             </a:r>
-            <a:endParaRPr lang="en-US" sz="1300" b="1" dirty="0" smtClean="0">
+            <a:endParaRPr lang="en-US" sz="1300" b="1" dirty="0">
               <a:latin typeface="Courier New" pitchFamily="49" charset="0"/>
               <a:cs typeface="Courier New" pitchFamily="49" charset="0"/>
             </a:endParaRPr>
           </a:p>
           <a:p>
             <a:pPr defTabSz="88900"/>
-            <a:endParaRPr lang="ru-RU" sz="1300" b="1" dirty="0" smtClean="0">
+            <a:endParaRPr lang="ru-RU" sz="1300" b="1" dirty="0">
               <a:latin typeface="Courier New" pitchFamily="49" charset="0"/>
               <a:cs typeface="Courier New" pitchFamily="49" charset="0"/>
             </a:endParaRPr>
@@ -16109,49 +11446,49 @@
           <a:p>
             <a:pPr defTabSz="88900"/>
             <a:r>
-              <a:rPr lang="en-US" sz="1300" b="1" dirty="0" smtClean="0">
+              <a:rPr lang="en-US" sz="1300" b="1" dirty="0">
                 <a:latin typeface="Courier New" pitchFamily="49" charset="0"/>
                 <a:cs typeface="Courier New" pitchFamily="49" charset="0"/>
               </a:rPr>
               <a:t>	</a:t>
             </a:r>
             <a:r>
-              <a:rPr lang="en-US" sz="1300" b="1" dirty="0" err="1" smtClean="0">
+              <a:rPr lang="en-US" sz="1300" b="1" dirty="0" err="1">
                 <a:latin typeface="Courier New" pitchFamily="49" charset="0"/>
                 <a:cs typeface="Courier New" pitchFamily="49" charset="0"/>
               </a:rPr>
               <a:t>CPDFDocument</a:t>
             </a:r>
             <a:r>
-              <a:rPr lang="en-US" sz="1300" b="1" dirty="0" smtClean="0">
+              <a:rPr lang="en-US" sz="1300" b="1" dirty="0">
                 <a:latin typeface="Courier New" pitchFamily="49" charset="0"/>
                 <a:cs typeface="Courier New" pitchFamily="49" charset="0"/>
               </a:rPr>
               <a:t> const&amp; </a:t>
             </a:r>
             <a:r>
-              <a:rPr lang="en-US" sz="1300" b="1" dirty="0" err="1" smtClean="0">
+              <a:rPr lang="en-US" sz="1300" b="1" dirty="0" err="1">
                 <a:latin typeface="Courier New" pitchFamily="49" charset="0"/>
                 <a:cs typeface="Courier New" pitchFamily="49" charset="0"/>
               </a:rPr>
               <a:t>GetPDFDocument</a:t>
             </a:r>
             <a:r>
-              <a:rPr lang="en-US" sz="1300" b="1" dirty="0" smtClean="0">
+              <a:rPr lang="en-US" sz="1300" b="1" dirty="0">
                 <a:latin typeface="Courier New" pitchFamily="49" charset="0"/>
                 <a:cs typeface="Courier New" pitchFamily="49" charset="0"/>
               </a:rPr>
               <a:t>()</a:t>
             </a:r>
             <a:r>
-              <a:rPr lang="ru-RU" sz="1300" b="1" dirty="0" smtClean="0">
+              <a:rPr lang="ru-RU" sz="1300" b="1" dirty="0">
                 <a:latin typeface="Courier New" pitchFamily="49" charset="0"/>
                 <a:cs typeface="Courier New" pitchFamily="49" charset="0"/>
               </a:rPr>
               <a:t> </a:t>
             </a:r>
             <a:r>
-              <a:rPr lang="en-US" sz="1300" b="1" dirty="0" smtClean="0">
+              <a:rPr lang="en-US" sz="1300" b="1" dirty="0">
                 <a:latin typeface="Courier New" pitchFamily="49" charset="0"/>
                 <a:cs typeface="Courier New" pitchFamily="49" charset="0"/>
               </a:rPr>
@@ -16161,7 +11498,7 @@
           <a:p>
             <a:pPr defTabSz="88900"/>
             <a:r>
-              <a:rPr lang="ru-RU" sz="1300" b="1" dirty="0" smtClean="0">
+              <a:rPr lang="ru-RU" sz="1300" b="1" dirty="0">
                 <a:latin typeface="Courier New" pitchFamily="49" charset="0"/>
                 <a:cs typeface="Courier New" pitchFamily="49" charset="0"/>
               </a:rPr>
@@ -16171,34 +11508,34 @@
           <a:p>
             <a:pPr defTabSz="88900"/>
             <a:r>
-              <a:rPr lang="ru-RU" sz="1300" b="1" dirty="0" smtClean="0">
+              <a:rPr lang="ru-RU" sz="1300" b="1" dirty="0">
                 <a:latin typeface="Courier New" pitchFamily="49" charset="0"/>
                 <a:cs typeface="Courier New" pitchFamily="49" charset="0"/>
               </a:rPr>
               <a:t>		</a:t>
             </a:r>
             <a:r>
-              <a:rPr lang="en-US" sz="1300" b="1" dirty="0" smtClean="0">
+              <a:rPr lang="en-US" sz="1300" b="1" dirty="0">
                 <a:latin typeface="Courier New" pitchFamily="49" charset="0"/>
                 <a:cs typeface="Courier New" pitchFamily="49" charset="0"/>
               </a:rPr>
               <a:t>return </a:t>
             </a:r>
             <a:r>
-              <a:rPr lang="en-US" sz="1300" b="1" dirty="0" err="1" smtClean="0">
+              <a:rPr lang="en-US" sz="1300" b="1" dirty="0" err="1">
                 <a:latin typeface="Courier New" pitchFamily="49" charset="0"/>
                 <a:cs typeface="Courier New" pitchFamily="49" charset="0"/>
               </a:rPr>
               <a:t>m_pdfDocument</a:t>
             </a:r>
             <a:r>
-              <a:rPr lang="en-US" sz="1300" b="1" dirty="0" smtClean="0">
+              <a:rPr lang="en-US" sz="1300" b="1" dirty="0">
                 <a:latin typeface="Courier New" pitchFamily="49" charset="0"/>
                 <a:cs typeface="Courier New" pitchFamily="49" charset="0"/>
               </a:rPr>
               <a:t>;</a:t>
             </a:r>
-            <a:endParaRPr lang="ru-RU" sz="1300" b="1" dirty="0" smtClean="0">
+            <a:endParaRPr lang="ru-RU" sz="1300" b="1" dirty="0">
               <a:latin typeface="Courier New" pitchFamily="49" charset="0"/>
               <a:cs typeface="Courier New" pitchFamily="49" charset="0"/>
             </a:endParaRPr>
@@ -16206,13 +11543,13 @@
           <a:p>
             <a:pPr defTabSz="88900"/>
             <a:r>
-              <a:rPr lang="ru-RU" sz="1300" b="1" dirty="0" smtClean="0">
+              <a:rPr lang="ru-RU" sz="1300" b="1" dirty="0">
                 <a:latin typeface="Courier New" pitchFamily="49" charset="0"/>
                 <a:cs typeface="Courier New" pitchFamily="49" charset="0"/>
               </a:rPr>
               <a:t>	}</a:t>
             </a:r>
-            <a:endParaRPr lang="en-US" sz="1300" b="1" dirty="0" smtClean="0">
+            <a:endParaRPr lang="en-US" sz="1300" b="1" dirty="0">
               <a:latin typeface="Courier New" pitchFamily="49" charset="0"/>
               <a:cs typeface="Courier New" pitchFamily="49" charset="0"/>
             </a:endParaRPr>
@@ -16220,7 +11557,7 @@
           <a:p>
             <a:pPr defTabSz="88900"/>
             <a:r>
-              <a:rPr lang="en-US" sz="1300" b="1" dirty="0" smtClean="0">
+              <a:rPr lang="en-US" sz="1300" b="1" dirty="0">
                 <a:latin typeface="Courier New" pitchFamily="49" charset="0"/>
                 <a:cs typeface="Courier New" pitchFamily="49" charset="0"/>
               </a:rPr>
@@ -16230,41 +11567,41 @@
           <a:p>
             <a:pPr defTabSz="88900"/>
             <a:r>
-              <a:rPr lang="en-US" sz="1300" b="1" dirty="0" smtClean="0">
+              <a:rPr lang="en-US" sz="1300" b="1" dirty="0">
                 <a:latin typeface="Courier New" pitchFamily="49" charset="0"/>
                 <a:cs typeface="Courier New" pitchFamily="49" charset="0"/>
               </a:rPr>
               <a:t>	</a:t>
             </a:r>
             <a:r>
-              <a:rPr lang="en-US" sz="1300" b="1" dirty="0" err="1" smtClean="0">
+              <a:rPr lang="en-US" sz="1300" b="1" dirty="0" err="1">
                 <a:latin typeface="Courier New" pitchFamily="49" charset="0"/>
                 <a:cs typeface="Courier New" pitchFamily="49" charset="0"/>
               </a:rPr>
               <a:t>CPDFDocument</a:t>
             </a:r>
             <a:r>
-              <a:rPr lang="en-US" sz="1300" b="1" dirty="0" smtClean="0">
+              <a:rPr lang="en-US" sz="1300" b="1" dirty="0">
                 <a:latin typeface="Courier New" pitchFamily="49" charset="0"/>
                 <a:cs typeface="Courier New" pitchFamily="49" charset="0"/>
               </a:rPr>
               <a:t> </a:t>
             </a:r>
             <a:r>
-              <a:rPr lang="en-US" sz="1300" b="1" dirty="0" err="1" smtClean="0">
+              <a:rPr lang="en-US" sz="1300" b="1" dirty="0" err="1">
                 <a:latin typeface="Courier New" pitchFamily="49" charset="0"/>
                 <a:cs typeface="Courier New" pitchFamily="49" charset="0"/>
               </a:rPr>
               <a:t>m_pdfDocument</a:t>
             </a:r>
             <a:r>
-              <a:rPr lang="en-US" sz="1300" b="1" dirty="0" smtClean="0">
+              <a:rPr lang="en-US" sz="1300" b="1" dirty="0">
                 <a:latin typeface="Courier New" pitchFamily="49" charset="0"/>
                 <a:cs typeface="Courier New" pitchFamily="49" charset="0"/>
               </a:rPr>
               <a:t>;</a:t>
             </a:r>
-            <a:endParaRPr lang="ru-RU" sz="1300" b="1" dirty="0" smtClean="0">
+            <a:endParaRPr lang="ru-RU" sz="1300" b="1" dirty="0">
               <a:latin typeface="Courier New" pitchFamily="49" charset="0"/>
               <a:cs typeface="Courier New" pitchFamily="49" charset="0"/>
             </a:endParaRPr>
@@ -16272,7 +11609,7 @@
           <a:p>
             <a:pPr defTabSz="88900"/>
             <a:r>
-              <a:rPr lang="ru-RU" sz="1300" b="1" dirty="0" smtClean="0">
+              <a:rPr lang="ru-RU" sz="1300" b="1" dirty="0">
                 <a:latin typeface="Courier New" pitchFamily="49" charset="0"/>
                 <a:cs typeface="Courier New" pitchFamily="49" charset="0"/>
               </a:rPr>

--- a/lectures/15.builder/builder.pptx
+++ b/lectures/15.builder/builder.pptx
@@ -5,7 +5,7 @@
     <p:sldMasterId id="2147483672" r:id="rId1"/>
   </p:sldMasterIdLst>
   <p:notesMasterIdLst>
-    <p:notesMasterId r:id="rId15"/>
+    <p:notesMasterId r:id="rId18"/>
   </p:notesMasterIdLst>
   <p:sldIdLst>
     <p:sldId id="256" r:id="rId2"/>
@@ -14,18 +14,21 @@
     <p:sldId id="259" r:id="rId5"/>
     <p:sldId id="260" r:id="rId6"/>
     <p:sldId id="261" r:id="rId7"/>
-    <p:sldId id="263" r:id="rId8"/>
-    <p:sldId id="264" r:id="rId9"/>
-    <p:sldId id="265" r:id="rId10"/>
-    <p:sldId id="266" r:id="rId11"/>
-    <p:sldId id="267" r:id="rId12"/>
-    <p:sldId id="262" r:id="rId13"/>
-    <p:sldId id="268" r:id="rId14"/>
+    <p:sldId id="270" r:id="rId8"/>
+    <p:sldId id="263" r:id="rId9"/>
+    <p:sldId id="264" r:id="rId10"/>
+    <p:sldId id="265" r:id="rId11"/>
+    <p:sldId id="266" r:id="rId12"/>
+    <p:sldId id="267" r:id="rId13"/>
+    <p:sldId id="262" r:id="rId14"/>
+    <p:sldId id="268" r:id="rId15"/>
+    <p:sldId id="271" r:id="rId16"/>
+    <p:sldId id="272" r:id="rId17"/>
   </p:sldIdLst>
   <p:sldSz cx="9144000" cy="6858000" type="screen4x3"/>
   <p:notesSz cx="6858000" cy="9144000"/>
   <p:custDataLst>
-    <p:tags r:id="rId16"/>
+    <p:tags r:id="rId19"/>
   </p:custDataLst>
   <p:defaultTextStyle>
     <a:defPPr>
@@ -223,7 +226,7 @@
           <a:p>
             <a:fld id="{2F3DCB6D-0B48-4A3D-B663-06C3F903A9D3}" type="datetimeFigureOut">
               <a:rPr lang="ru-RU" smtClean="0"/>
-              <a:t>12.11.2020</a:t>
+              <a:t>08.12.2023</a:t>
             </a:fld>
             <a:endParaRPr lang="ru-RU"/>
           </a:p>
@@ -642,7 +645,7 @@
             <a:fld id="{2BA51D53-1D63-4A9F-8701-A073A0EC8030}" type="slidenum">
               <a:rPr lang="ru-RU" smtClean="0"/>
               <a:pPr/>
-              <a:t>10</a:t>
+              <a:t>11</a:t>
             </a:fld>
             <a:endParaRPr lang="ru-RU"/>
           </a:p>
@@ -729,7 +732,7 @@
             <a:fld id="{2BA51D53-1D63-4A9F-8701-A073A0EC8030}" type="slidenum">
               <a:rPr lang="ru-RU" smtClean="0"/>
               <a:pPr/>
-              <a:t>11</a:t>
+              <a:t>12</a:t>
             </a:fld>
             <a:endParaRPr lang="ru-RU"/>
           </a:p>
@@ -816,7 +819,7 @@
             <a:fld id="{2BA51D53-1D63-4A9F-8701-A073A0EC8030}" type="slidenum">
               <a:rPr lang="ru-RU" smtClean="0"/>
               <a:pPr/>
-              <a:t>12</a:t>
+              <a:t>13</a:t>
             </a:fld>
             <a:endParaRPr lang="ru-RU"/>
           </a:p>
@@ -900,7 +903,7 @@
           <a:p>
             <a:fld id="{C72A1285-F988-4153-B7C5-B887A867730D}" type="slidenum">
               <a:rPr lang="ru-RU" smtClean="0"/>
-              <a:t>13</a:t>
+              <a:t>14</a:t>
             </a:fld>
             <a:endParaRPr lang="ru-RU"/>
           </a:p>
@@ -910,6 +913,286 @@
     <p:extLst>
       <p:ext uri="{BB962C8B-B14F-4D97-AF65-F5344CB8AC3E}">
         <p14:creationId xmlns:p14="http://schemas.microsoft.com/office/powerpoint/2010/main" val="3578103086"/>
+      </p:ext>
+    </p:extLst>
+  </p:cSld>
+  <p:clrMapOvr>
+    <a:masterClrMapping/>
+  </p:clrMapOvr>
+</p:notes>
+</file>
+
+<file path=ppt/notesSlides/notesSlide14.xml><?xml version="1.0" encoding="utf-8"?>
+<p:notes xmlns:a="http://schemas.openxmlformats.org/drawingml/2006/main" xmlns:r="http://schemas.openxmlformats.org/officeDocument/2006/relationships" xmlns:p="http://schemas.openxmlformats.org/presentationml/2006/main">
+  <p:cSld>
+    <p:spTree>
+      <p:nvGrpSpPr>
+        <p:cNvPr id="1" name=""/>
+        <p:cNvGrpSpPr/>
+        <p:nvPr/>
+      </p:nvGrpSpPr>
+      <p:grpSpPr>
+        <a:xfrm>
+          <a:off x="0" y="0"/>
+          <a:ext cx="0" cy="0"/>
+          <a:chOff x="0" y="0"/>
+          <a:chExt cx="0" cy="0"/>
+        </a:xfrm>
+      </p:grpSpPr>
+      <p:sp>
+        <p:nvSpPr>
+          <p:cNvPr id="2" name="Slide Image Placeholder 1"/>
+          <p:cNvSpPr>
+            <a:spLocks noGrp="1" noRot="1" noChangeAspect="1"/>
+          </p:cNvSpPr>
+          <p:nvPr>
+            <p:ph type="sldImg"/>
+          </p:nvPr>
+        </p:nvSpPr>
+        <p:spPr/>
+      </p:sp>
+      <p:sp>
+        <p:nvSpPr>
+          <p:cNvPr id="3" name="Notes Placeholder 2"/>
+          <p:cNvSpPr>
+            <a:spLocks noGrp="1"/>
+          </p:cNvSpPr>
+          <p:nvPr>
+            <p:ph type="body" idx="1"/>
+          </p:nvPr>
+        </p:nvSpPr>
+        <p:spPr/>
+        <p:txBody>
+          <a:bodyPr/>
+          <a:lstStyle/>
+          <a:p>
+            <a:r>
+              <a:rPr lang="ru-RU" dirty="0"/>
+              <a:t>Строители конструируют свои продукты шаг за шагом, поэтому интерфейс класса </a:t>
+            </a:r>
+            <a:r>
+              <a:rPr lang="ru-RU" dirty="0" err="1"/>
+              <a:t>Builder</a:t>
+            </a:r>
+            <a:r>
+              <a:rPr lang="ru-RU" dirty="0"/>
+              <a:t> должен быть достаточно общим, чтобы обеспечить конструирование при любом виде конкретного строителя.</a:t>
+            </a:r>
+          </a:p>
+          <a:p>
+            <a:r>
+              <a:rPr lang="ru-RU" dirty="0"/>
+              <a:t>Ключевой аспект проектирования связан с выбором модели процесса конструирования и сборки. Обычно бывает достаточно модели, в которой результаты выполнения запросов на конструирование просто присоединяются к продукту. В примере с RTF-документами строитель преобразует и добавляет очередную лексему к уже конвертированному тексту</a:t>
+            </a:r>
+          </a:p>
+          <a:p>
+            <a:endParaRPr lang="ru-RU" dirty="0"/>
+          </a:p>
+          <a:p>
+            <a:r>
+              <a:rPr lang="ru-RU" dirty="0"/>
+              <a:t>Иногда может потребоваться доступ к отдельным частям сконструированного к данному моменту продукта. </a:t>
+            </a:r>
+          </a:p>
+          <a:p>
+            <a:r>
+              <a:rPr lang="ru-RU" dirty="0"/>
+              <a:t>Пример с лабиринтом. Интерфейс класса </a:t>
+            </a:r>
+            <a:r>
+              <a:rPr lang="ru-RU" dirty="0" err="1"/>
+              <a:t>MazeBuilder</a:t>
+            </a:r>
+            <a:r>
+              <a:rPr lang="ru-RU" dirty="0"/>
+              <a:t> позволяет добавлять дверь между уже существующими комнатами. Другим примером являются древовидные структуры — скажем, деревья синтаксического разбора, которые строятся снизу вверх. В этом случае строитель возвращает узлы-потомки распорядителю, который затем передает их обратно строителю, чтобы тот мог построить родительские узлы;</a:t>
+            </a:r>
+          </a:p>
+        </p:txBody>
+      </p:sp>
+      <p:sp>
+        <p:nvSpPr>
+          <p:cNvPr id="4" name="Slide Number Placeholder 3"/>
+          <p:cNvSpPr>
+            <a:spLocks noGrp="1"/>
+          </p:cNvSpPr>
+          <p:nvPr>
+            <p:ph type="sldNum" sz="quarter" idx="5"/>
+          </p:nvPr>
+        </p:nvSpPr>
+        <p:spPr/>
+        <p:txBody>
+          <a:bodyPr/>
+          <a:lstStyle/>
+          <a:p>
+            <a:fld id="{C72A1285-F988-4153-B7C5-B887A867730D}" type="slidenum">
+              <a:rPr lang="ru-RU" smtClean="0"/>
+              <a:t>15</a:t>
+            </a:fld>
+            <a:endParaRPr lang="ru-RU"/>
+          </a:p>
+        </p:txBody>
+      </p:sp>
+    </p:spTree>
+    <p:extLst>
+      <p:ext uri="{BB962C8B-B14F-4D97-AF65-F5344CB8AC3E}">
+        <p14:creationId xmlns:p14="http://schemas.microsoft.com/office/powerpoint/2010/main" val="3762412874"/>
+      </p:ext>
+    </p:extLst>
+  </p:cSld>
+  <p:clrMapOvr>
+    <a:masterClrMapping/>
+  </p:clrMapOvr>
+</p:notes>
+</file>
+
+<file path=ppt/notesSlides/notesSlide15.xml><?xml version="1.0" encoding="utf-8"?>
+<p:notes xmlns:a="http://schemas.openxmlformats.org/drawingml/2006/main" xmlns:r="http://schemas.openxmlformats.org/officeDocument/2006/relationships" xmlns:p="http://schemas.openxmlformats.org/presentationml/2006/main">
+  <p:cSld>
+    <p:spTree>
+      <p:nvGrpSpPr>
+        <p:cNvPr id="1" name=""/>
+        <p:cNvGrpSpPr/>
+        <p:nvPr/>
+      </p:nvGrpSpPr>
+      <p:grpSpPr>
+        <a:xfrm>
+          <a:off x="0" y="0"/>
+          <a:ext cx="0" cy="0"/>
+          <a:chOff x="0" y="0"/>
+          <a:chExt cx="0" cy="0"/>
+        </a:xfrm>
+      </p:grpSpPr>
+      <p:sp>
+        <p:nvSpPr>
+          <p:cNvPr id="2" name="Slide Image Placeholder 1"/>
+          <p:cNvSpPr>
+            <a:spLocks noGrp="1" noRot="1" noChangeAspect="1"/>
+          </p:cNvSpPr>
+          <p:nvPr>
+            <p:ph type="sldImg"/>
+          </p:nvPr>
+        </p:nvSpPr>
+        <p:spPr/>
+      </p:sp>
+      <p:sp>
+        <p:nvSpPr>
+          <p:cNvPr id="3" name="Notes Placeholder 2"/>
+          <p:cNvSpPr>
+            <a:spLocks noGrp="1"/>
+          </p:cNvSpPr>
+          <p:nvPr>
+            <p:ph type="body" idx="1"/>
+          </p:nvPr>
+        </p:nvSpPr>
+        <p:spPr/>
+        <p:txBody>
+          <a:bodyPr/>
+          <a:lstStyle/>
+          <a:p>
+            <a:r>
+              <a:rPr lang="ru-RU" dirty="0"/>
+              <a:t>В типичном случае продукты, изготавливаемые различными строителями, имеют настолько разные представления, что изобретение для них общего родительского класса ничего не дает.</a:t>
+            </a:r>
+            <a:endParaRPr lang="en-US" dirty="0"/>
+          </a:p>
+          <a:p>
+            <a:r>
+              <a:rPr lang="ru-RU" dirty="0"/>
+              <a:t>В примере с RTF-документами трудно представить себе общий интерфейс у объектов </a:t>
+            </a:r>
+            <a:r>
+              <a:rPr lang="en-US" dirty="0" err="1"/>
+              <a:t>PDFDocument</a:t>
+            </a:r>
+            <a:r>
+              <a:rPr lang="ru-RU" dirty="0"/>
+              <a:t> и</a:t>
+            </a:r>
+            <a:r>
+              <a:rPr lang="en-US" dirty="0"/>
+              <a:t> string</a:t>
+            </a:r>
+            <a:r>
+              <a:rPr lang="ru-RU" dirty="0"/>
+              <a:t>, да он и не нужен. Поскольку клиент обычно конфигурирует распорядителя подходящим конкретным строителем, то, надо полагать, ему известно, какой именно подкласс класса </a:t>
+            </a:r>
+            <a:r>
+              <a:rPr lang="ru-RU" dirty="0" err="1"/>
+              <a:t>Builder</a:t>
+            </a:r>
+            <a:r>
+              <a:rPr lang="ru-RU" dirty="0"/>
+              <a:t> используется и как нужно обращаться с произведенными продуктам</a:t>
+            </a:r>
+            <a:r>
+              <a:rPr lang="en-US" dirty="0"/>
+              <a:t>.</a:t>
+            </a:r>
+            <a:endParaRPr lang="ru-RU" dirty="0"/>
+          </a:p>
+          <a:p>
+            <a:endParaRPr lang="ru-RU" dirty="0"/>
+          </a:p>
+          <a:p>
+            <a:r>
+              <a:rPr lang="ru-RU" dirty="0"/>
+              <a:t>Пустые методы класса </a:t>
+            </a:r>
+            <a:r>
+              <a:rPr lang="ru-RU" dirty="0" err="1"/>
+              <a:t>Builder</a:t>
+            </a:r>
+            <a:r>
+              <a:rPr lang="ru-RU" dirty="0"/>
+              <a:t> по умолчанию. В C++ методы строителя намеренно не объявлены чисто виртуальными функциями. Вместо </a:t>
+            </a:r>
+            <a:r>
+              <a:rPr lang="ru-RU" dirty="0" err="1"/>
+              <a:t>этого</a:t>
+            </a:r>
+            <a:r>
+              <a:rPr lang="ru-RU" dirty="0"/>
+              <a:t> они определены как пустые функции, что позволяет подклассу </a:t>
+            </a:r>
+            <a:r>
+              <a:rPr lang="ru-RU" dirty="0" err="1"/>
+              <a:t>замещать</a:t>
+            </a:r>
+            <a:r>
+              <a:rPr lang="ru-RU" dirty="0"/>
+              <a:t> только те операции, которые представляют для него интерес.</a:t>
+            </a:r>
+          </a:p>
+        </p:txBody>
+      </p:sp>
+      <p:sp>
+        <p:nvSpPr>
+          <p:cNvPr id="4" name="Slide Number Placeholder 3"/>
+          <p:cNvSpPr>
+            <a:spLocks noGrp="1"/>
+          </p:cNvSpPr>
+          <p:nvPr>
+            <p:ph type="sldNum" sz="quarter" idx="5"/>
+          </p:nvPr>
+        </p:nvSpPr>
+        <p:spPr/>
+        <p:txBody>
+          <a:bodyPr/>
+          <a:lstStyle/>
+          <a:p>
+            <a:fld id="{C72A1285-F988-4153-B7C5-B887A867730D}" type="slidenum">
+              <a:rPr lang="ru-RU" smtClean="0"/>
+              <a:t>16</a:t>
+            </a:fld>
+            <a:endParaRPr lang="ru-RU"/>
+          </a:p>
+        </p:txBody>
+      </p:sp>
+    </p:spTree>
+    <p:extLst>
+      <p:ext uri="{BB962C8B-B14F-4D97-AF65-F5344CB8AC3E}">
+        <p14:creationId xmlns:p14="http://schemas.microsoft.com/office/powerpoint/2010/main" val="135479231"/>
       </p:ext>
     </p:extLst>
   </p:cSld>
@@ -1419,7 +1702,7 @@
             <a:fld id="{2BA51D53-1D63-4A9F-8701-A073A0EC8030}" type="slidenum">
               <a:rPr lang="ru-RU" smtClean="0"/>
               <a:pPr/>
-              <a:t>7</a:t>
+              <a:t>8</a:t>
             </a:fld>
             <a:endParaRPr lang="ru-RU"/>
           </a:p>
@@ -1506,7 +1789,7 @@
             <a:fld id="{2BA51D53-1D63-4A9F-8701-A073A0EC8030}" type="slidenum">
               <a:rPr lang="ru-RU" smtClean="0"/>
               <a:pPr/>
-              <a:t>8</a:t>
+              <a:t>9</a:t>
             </a:fld>
             <a:endParaRPr lang="ru-RU"/>
           </a:p>
@@ -1593,7 +1876,7 @@
             <a:fld id="{2BA51D53-1D63-4A9F-8701-A073A0EC8030}" type="slidenum">
               <a:rPr lang="ru-RU" smtClean="0"/>
               <a:pPr/>
-              <a:t>9</a:t>
+              <a:t>10</a:t>
             </a:fld>
             <a:endParaRPr lang="ru-RU"/>
           </a:p>
@@ -1858,7 +2141,7 @@
           <a:p>
             <a:fld id="{2590F9C9-AB92-4E86-B698-DEC9BF4350FF}" type="datetimeFigureOut">
               <a:rPr lang="ru-RU" smtClean="0"/>
-              <a:t>12.11.2020</a:t>
+              <a:t>08.12.2023</a:t>
             </a:fld>
             <a:endParaRPr lang="ru-RU"/>
           </a:p>
@@ -2075,7 +2358,7 @@
           <a:p>
             <a:fld id="{2590F9C9-AB92-4E86-B698-DEC9BF4350FF}" type="datetimeFigureOut">
               <a:rPr lang="ru-RU" smtClean="0"/>
-              <a:t>12.11.2020</a:t>
+              <a:t>08.12.2023</a:t>
             </a:fld>
             <a:endParaRPr lang="ru-RU"/>
           </a:p>
@@ -2347,7 +2630,7 @@
           <a:p>
             <a:fld id="{2590F9C9-AB92-4E86-B698-DEC9BF4350FF}" type="datetimeFigureOut">
               <a:rPr lang="ru-RU" smtClean="0"/>
-              <a:t>12.11.2020</a:t>
+              <a:t>08.12.2023</a:t>
             </a:fld>
             <a:endParaRPr lang="ru-RU"/>
           </a:p>
@@ -2522,7 +2805,7 @@
           <a:p>
             <a:fld id="{2590F9C9-AB92-4E86-B698-DEC9BF4350FF}" type="datetimeFigureOut">
               <a:rPr lang="ru-RU" smtClean="0"/>
-              <a:t>12.11.2020</a:t>
+              <a:t>08.12.2023</a:t>
             </a:fld>
             <a:endParaRPr lang="ru-RU"/>
           </a:p>
@@ -2876,7 +3159,7 @@
           <a:p>
             <a:fld id="{2590F9C9-AB92-4E86-B698-DEC9BF4350FF}" type="datetimeFigureOut">
               <a:rPr lang="ru-RU" smtClean="0"/>
-              <a:t>12.11.2020</a:t>
+              <a:t>08.12.2023</a:t>
             </a:fld>
             <a:endParaRPr lang="ru-RU"/>
           </a:p>
@@ -3161,7 +3444,7 @@
           <a:p>
             <a:fld id="{2590F9C9-AB92-4E86-B698-DEC9BF4350FF}" type="datetimeFigureOut">
               <a:rPr lang="ru-RU" smtClean="0"/>
-              <a:t>12.11.2020</a:t>
+              <a:t>08.12.2023</a:t>
             </a:fld>
             <a:endParaRPr lang="ru-RU"/>
           </a:p>
@@ -3583,7 +3866,7 @@
           <a:p>
             <a:fld id="{2590F9C9-AB92-4E86-B698-DEC9BF4350FF}" type="datetimeFigureOut">
               <a:rPr lang="ru-RU" smtClean="0"/>
-              <a:t>12.11.2020</a:t>
+              <a:t>08.12.2023</a:t>
             </a:fld>
             <a:endParaRPr lang="ru-RU"/>
           </a:p>
@@ -3696,7 +3979,7 @@
           <a:p>
             <a:fld id="{2590F9C9-AB92-4E86-B698-DEC9BF4350FF}" type="datetimeFigureOut">
               <a:rPr lang="ru-RU" smtClean="0"/>
-              <a:t>12.11.2020</a:t>
+              <a:t>08.12.2023</a:t>
             </a:fld>
             <a:endParaRPr lang="ru-RU"/>
           </a:p>
@@ -3786,7 +4069,7 @@
           <a:p>
             <a:fld id="{2590F9C9-AB92-4E86-B698-DEC9BF4350FF}" type="datetimeFigureOut">
               <a:rPr lang="ru-RU" smtClean="0"/>
-              <a:t>12.11.2020</a:t>
+              <a:t>08.12.2023</a:t>
             </a:fld>
             <a:endParaRPr lang="ru-RU"/>
           </a:p>
@@ -4064,7 +4347,7 @@
           <a:p>
             <a:fld id="{2590F9C9-AB92-4E86-B698-DEC9BF4350FF}" type="datetimeFigureOut">
               <a:rPr lang="ru-RU" smtClean="0"/>
-              <a:t>12.11.2020</a:t>
+              <a:t>08.12.2023</a:t>
             </a:fld>
             <a:endParaRPr lang="ru-RU"/>
           </a:p>
@@ -4426,7 +4709,7 @@
           <a:p>
             <a:fld id="{2590F9C9-AB92-4E86-B698-DEC9BF4350FF}" type="datetimeFigureOut">
               <a:rPr lang="ru-RU" smtClean="0"/>
-              <a:t>12.11.2020</a:t>
+              <a:t>08.12.2023</a:t>
             </a:fld>
             <a:endParaRPr lang="ru-RU"/>
           </a:p>
@@ -4851,7 +5134,7 @@
           <a:p>
             <a:fld id="{2590F9C9-AB92-4E86-B698-DEC9BF4350FF}" type="datetimeFigureOut">
               <a:rPr lang="ru-RU" smtClean="0"/>
-              <a:t>12.11.2020</a:t>
+              <a:t>08.12.2023</a:t>
             </a:fld>
             <a:endParaRPr lang="ru-RU"/>
           </a:p>
@@ -5356,21 +5639,21 @@
           <a:p>
             <a:r>
               <a:rPr lang="ru-RU" dirty="0"/>
-              <a:t>Реализация сущности «Распорядитель»</a:t>
+              <a:t>Реализация сущности «Строитель»</a:t>
             </a:r>
           </a:p>
         </p:txBody>
       </p:sp>
       <p:sp>
         <p:nvSpPr>
-          <p:cNvPr id="3" name="Прямоугольник 2"/>
+          <p:cNvPr id="4" name="Прямоугольник 3"/>
           <p:cNvSpPr/>
           <p:nvPr/>
         </p:nvSpPr>
         <p:spPr>
           <a:xfrm>
-            <a:off x="214282" y="1835760"/>
-            <a:ext cx="8286808" cy="4616648"/>
+            <a:off x="71406" y="1810488"/>
+            <a:ext cx="4357718" cy="5093702"/>
           </a:xfrm>
           <a:prstGeom prst="rect">
             <a:avLst/>
@@ -5396,30 +5679,30 @@
           </a:bodyPr>
           <a:lstStyle/>
           <a:p>
-            <a:pPr defTabSz="180975"/>
-            <a:r>
-              <a:rPr lang="en-US" sz="1400" b="1" dirty="0">
+            <a:pPr defTabSz="90488"/>
+            <a:r>
+              <a:rPr lang="en-US" sz="1300" b="1" dirty="0">
                 <a:latin typeface="Courier New" pitchFamily="49" charset="0"/>
                 <a:cs typeface="Courier New" pitchFamily="49" charset="0"/>
               </a:rPr>
               <a:t>class </a:t>
             </a:r>
             <a:r>
-              <a:rPr lang="en-US" sz="1400" b="1" dirty="0" err="1">
-                <a:latin typeface="Courier New" pitchFamily="49" charset="0"/>
-                <a:cs typeface="Courier New" pitchFamily="49" charset="0"/>
-              </a:rPr>
-              <a:t>FormattedTextReader</a:t>
-            </a:r>
-            <a:endParaRPr lang="en-US" sz="1400" b="1" dirty="0">
+              <a:rPr lang="en-US" sz="1300" b="1" dirty="0" err="1">
+                <a:latin typeface="Courier New" pitchFamily="49" charset="0"/>
+                <a:cs typeface="Courier New" pitchFamily="49" charset="0"/>
+              </a:rPr>
+              <a:t>TextConverter</a:t>
+            </a:r>
+            <a:endParaRPr lang="en-US" sz="1300" b="1" dirty="0">
               <a:latin typeface="Courier New" pitchFamily="49" charset="0"/>
               <a:cs typeface="Courier New" pitchFamily="49" charset="0"/>
             </a:endParaRPr>
           </a:p>
           <a:p>
-            <a:pPr defTabSz="180975"/>
-            <a:r>
-              <a:rPr lang="ru-RU" sz="1400" b="1" dirty="0">
+            <a:pPr defTabSz="90488"/>
+            <a:r>
+              <a:rPr lang="ru-RU" sz="1300" b="1" dirty="0">
                 <a:latin typeface="Courier New" pitchFamily="49" charset="0"/>
                 <a:cs typeface="Courier New" pitchFamily="49" charset="0"/>
               </a:rPr>
@@ -5427,9 +5710,9 @@
             </a:r>
           </a:p>
           <a:p>
-            <a:pPr defTabSz="180975"/>
-            <a:r>
-              <a:rPr lang="en-US" sz="1400" b="1" dirty="0">
+            <a:pPr defTabSz="90488"/>
+            <a:r>
+              <a:rPr lang="en-US" sz="1300" b="1" dirty="0">
                 <a:latin typeface="Courier New" pitchFamily="49" charset="0"/>
                 <a:cs typeface="Courier New" pitchFamily="49" charset="0"/>
               </a:rPr>
@@ -5437,429 +5720,257 @@
             </a:r>
           </a:p>
           <a:p>
-            <a:pPr defTabSz="180975"/>
-            <a:r>
-              <a:rPr lang="en-US" sz="1400" b="1" dirty="0">
-                <a:latin typeface="Courier New" pitchFamily="49" charset="0"/>
-                <a:cs typeface="Courier New" pitchFamily="49" charset="0"/>
-              </a:rPr>
-              <a:t>	void Read(</a:t>
-            </a:r>
-            <a:r>
-              <a:rPr lang="en-US" sz="1400" b="1" dirty="0" err="1">
-                <a:latin typeface="Courier New" pitchFamily="49" charset="0"/>
-                <a:cs typeface="Courier New" pitchFamily="49" charset="0"/>
-              </a:rPr>
-              <a:t>FormattedText</a:t>
-            </a:r>
-            <a:r>
-              <a:rPr lang="en-US" sz="1400" b="1" dirty="0">
-                <a:latin typeface="Courier New" pitchFamily="49" charset="0"/>
-                <a:cs typeface="Courier New" pitchFamily="49" charset="0"/>
-              </a:rPr>
-              <a:t> const&amp; text, </a:t>
-            </a:r>
-            <a:r>
-              <a:rPr lang="en-US" sz="1400" b="1" dirty="0" err="1">
-                <a:latin typeface="Courier New" pitchFamily="49" charset="0"/>
-                <a:cs typeface="Courier New" pitchFamily="49" charset="0"/>
-              </a:rPr>
-              <a:t>TextConverter</a:t>
-            </a:r>
-            <a:r>
-              <a:rPr lang="en-US" sz="1400" b="1" dirty="0">
-                <a:latin typeface="Courier New" pitchFamily="49" charset="0"/>
-                <a:cs typeface="Courier New" pitchFamily="49" charset="0"/>
-              </a:rPr>
-              <a:t> &amp; converter)</a:t>
-            </a:r>
-          </a:p>
-          <a:p>
-            <a:pPr defTabSz="180975"/>
-            <a:r>
-              <a:rPr lang="ru-RU" sz="1400" b="1" dirty="0">
-                <a:latin typeface="Courier New" pitchFamily="49" charset="0"/>
-                <a:cs typeface="Courier New" pitchFamily="49" charset="0"/>
-              </a:rPr>
-              <a:t>	{</a:t>
-            </a:r>
-          </a:p>
-          <a:p>
-            <a:pPr defTabSz="180975"/>
-            <a:r>
-              <a:rPr lang="ru-RU" sz="1400" b="1" dirty="0">
-                <a:latin typeface="Courier New" pitchFamily="49" charset="0"/>
-                <a:cs typeface="Courier New" pitchFamily="49" charset="0"/>
-              </a:rPr>
-              <a:t>		</a:t>
-            </a:r>
-            <a:r>
-              <a:rPr lang="en-US" sz="1400" b="1" dirty="0">
-                <a:latin typeface="Courier New" pitchFamily="49" charset="0"/>
-                <a:cs typeface="Courier New" pitchFamily="49" charset="0"/>
-              </a:rPr>
-              <a:t>for (</a:t>
-            </a:r>
-            <a:r>
-              <a:rPr lang="en-US" sz="1400" b="1" dirty="0" err="1">
-                <a:latin typeface="Courier New" pitchFamily="49" charset="0"/>
-                <a:cs typeface="Courier New" pitchFamily="49" charset="0"/>
-              </a:rPr>
-              <a:t>size_t</a:t>
-            </a:r>
-            <a:r>
-              <a:rPr lang="en-US" sz="1400" b="1" dirty="0">
-                <a:latin typeface="Courier New" pitchFamily="49" charset="0"/>
-                <a:cs typeface="Courier New" pitchFamily="49" charset="0"/>
-              </a:rPr>
-              <a:t> index = 0; index &lt; </a:t>
-            </a:r>
-            <a:r>
-              <a:rPr lang="en-US" sz="1400" b="1" dirty="0" err="1">
-                <a:latin typeface="Courier New" pitchFamily="49" charset="0"/>
-                <a:cs typeface="Courier New" pitchFamily="49" charset="0"/>
-              </a:rPr>
-              <a:t>text.GetItems</a:t>
-            </a:r>
-            <a:r>
-              <a:rPr lang="en-US" sz="1400" b="1" dirty="0">
-                <a:latin typeface="Courier New" pitchFamily="49" charset="0"/>
-                <a:cs typeface="Courier New" pitchFamily="49" charset="0"/>
-              </a:rPr>
-              <a:t>(); ++index)</a:t>
-            </a:r>
-          </a:p>
-          <a:p>
-            <a:pPr defTabSz="180975"/>
-            <a:r>
-              <a:rPr lang="en-US" sz="1400" b="1" dirty="0">
-                <a:latin typeface="Courier New" pitchFamily="49" charset="0"/>
-                <a:cs typeface="Courier New" pitchFamily="49" charset="0"/>
-              </a:rPr>
-              <a:t>		{</a:t>
-            </a:r>
-          </a:p>
-          <a:p>
-            <a:pPr defTabSz="180975"/>
-            <a:r>
-              <a:rPr lang="en-US" sz="1400" b="1" dirty="0">
-                <a:latin typeface="Courier New" pitchFamily="49" charset="0"/>
-                <a:cs typeface="Courier New" pitchFamily="49" charset="0"/>
-              </a:rPr>
-              <a:t>			</a:t>
-            </a:r>
-            <a:r>
-              <a:rPr lang="en-US" sz="1400" b="1" dirty="0" err="1">
-                <a:latin typeface="Courier New" pitchFamily="49" charset="0"/>
-                <a:cs typeface="Courier New" pitchFamily="49" charset="0"/>
-              </a:rPr>
-              <a:t>CTextItem</a:t>
-            </a:r>
-            <a:r>
-              <a:rPr lang="en-US" sz="1400" b="1" dirty="0">
-                <a:latin typeface="Courier New" pitchFamily="49" charset="0"/>
-                <a:cs typeface="Courier New" pitchFamily="49" charset="0"/>
-              </a:rPr>
-              <a:t> const &amp; item = </a:t>
-            </a:r>
-            <a:r>
-              <a:rPr lang="en-US" sz="1400" b="1" dirty="0" err="1">
-                <a:latin typeface="Courier New" pitchFamily="49" charset="0"/>
-                <a:cs typeface="Courier New" pitchFamily="49" charset="0"/>
-              </a:rPr>
-              <a:t>text.GetItem</a:t>
-            </a:r>
-            <a:r>
-              <a:rPr lang="en-US" sz="1400" b="1" dirty="0">
-                <a:latin typeface="Courier New" pitchFamily="49" charset="0"/>
-                <a:cs typeface="Courier New" pitchFamily="49" charset="0"/>
-              </a:rPr>
-              <a:t>(index);</a:t>
-            </a:r>
-          </a:p>
-          <a:p>
-            <a:pPr defTabSz="180975"/>
-            <a:endParaRPr lang="en-US" sz="1400" b="1" dirty="0">
+            <a:pPr defTabSz="90488"/>
+            <a:r>
+              <a:rPr lang="en-US" sz="1300" b="1" dirty="0">
+                <a:latin typeface="Courier New" pitchFamily="49" charset="0"/>
+                <a:cs typeface="Courier New" pitchFamily="49" charset="0"/>
+              </a:rPr>
+              <a:t>	virtual void </a:t>
+            </a:r>
+            <a:r>
+              <a:rPr lang="en-US" sz="1300" b="1" dirty="0" err="1">
+                <a:latin typeface="Courier New" pitchFamily="49" charset="0"/>
+                <a:cs typeface="Courier New" pitchFamily="49" charset="0"/>
+              </a:rPr>
+              <a:t>ConvertText</a:t>
+            </a:r>
+            <a:endParaRPr lang="en-US" sz="1300" b="1" dirty="0">
               <a:latin typeface="Courier New" pitchFamily="49" charset="0"/>
               <a:cs typeface="Courier New" pitchFamily="49" charset="0"/>
             </a:endParaRPr>
           </a:p>
           <a:p>
-            <a:pPr defTabSz="180975"/>
-            <a:r>
-              <a:rPr lang="en-US" sz="1400" b="1" dirty="0">
-                <a:latin typeface="Courier New" pitchFamily="49" charset="0"/>
-                <a:cs typeface="Courier New" pitchFamily="49" charset="0"/>
-              </a:rPr>
-              <a:t>			if (auto </a:t>
-            </a:r>
-            <a:r>
-              <a:rPr lang="en-US" sz="1400" b="1" dirty="0" err="1">
-                <a:latin typeface="Courier New" pitchFamily="49" charset="0"/>
-                <a:cs typeface="Courier New" pitchFamily="49" charset="0"/>
-              </a:rPr>
-              <a:t>textRange</a:t>
-            </a:r>
-            <a:r>
-              <a:rPr lang="en-US" sz="1400" b="1" dirty="0">
-                <a:latin typeface="Courier New" pitchFamily="49" charset="0"/>
-                <a:cs typeface="Courier New" pitchFamily="49" charset="0"/>
-              </a:rPr>
-              <a:t> = </a:t>
-            </a:r>
-            <a:r>
-              <a:rPr lang="en-US" sz="1400" b="1" dirty="0" err="1">
-                <a:latin typeface="Courier New" pitchFamily="49" charset="0"/>
-                <a:cs typeface="Courier New" pitchFamily="49" charset="0"/>
-              </a:rPr>
-              <a:t>dynamic_cast</a:t>
-            </a:r>
-            <a:r>
-              <a:rPr lang="en-US" sz="1400" b="1" dirty="0">
-                <a:latin typeface="Courier New" pitchFamily="49" charset="0"/>
-                <a:cs typeface="Courier New" pitchFamily="49" charset="0"/>
-              </a:rPr>
-              <a:t>&lt;</a:t>
-            </a:r>
-            <a:r>
-              <a:rPr lang="en-US" sz="1400" b="1" dirty="0" err="1">
-                <a:latin typeface="Courier New" pitchFamily="49" charset="0"/>
-                <a:cs typeface="Courier New" pitchFamily="49" charset="0"/>
-              </a:rPr>
-              <a:t>CTextRangeItem</a:t>
-            </a:r>
-            <a:r>
-              <a:rPr lang="en-US" sz="1400" b="1" dirty="0">
-                <a:latin typeface="Courier New" pitchFamily="49" charset="0"/>
-                <a:cs typeface="Courier New" pitchFamily="49" charset="0"/>
-              </a:rPr>
-              <a:t> const*&gt;(&amp;item))</a:t>
-            </a:r>
-          </a:p>
-          <a:p>
-            <a:pPr defTabSz="180975"/>
-            <a:r>
-              <a:rPr lang="en-US" sz="1400" b="1" dirty="0">
-                <a:latin typeface="Courier New" pitchFamily="49" charset="0"/>
-                <a:cs typeface="Courier New" pitchFamily="49" charset="0"/>
-              </a:rPr>
-              <a:t>			{</a:t>
-            </a:r>
-          </a:p>
-          <a:p>
-            <a:pPr defTabSz="180975"/>
-            <a:r>
-              <a:rPr lang="en-US" sz="1400" b="1" dirty="0">
-                <a:latin typeface="Courier New" pitchFamily="49" charset="0"/>
-                <a:cs typeface="Courier New" pitchFamily="49" charset="0"/>
-              </a:rPr>
-              <a:t>				</a:t>
-            </a:r>
-            <a:r>
-              <a:rPr lang="en-US" sz="1400" b="1" dirty="0" err="1">
-                <a:latin typeface="Courier New" pitchFamily="49" charset="0"/>
-                <a:cs typeface="Courier New" pitchFamily="49" charset="0"/>
-              </a:rPr>
-              <a:t>converter.ConvertText</a:t>
-            </a:r>
-            <a:r>
-              <a:rPr lang="en-US" sz="1400" b="1" dirty="0">
-                <a:latin typeface="Courier New" pitchFamily="49" charset="0"/>
-                <a:cs typeface="Courier New" pitchFamily="49" charset="0"/>
-              </a:rPr>
-              <a:t>(</a:t>
-            </a:r>
-            <a:r>
-              <a:rPr lang="en-US" sz="1400" b="1" dirty="0" err="1">
-                <a:latin typeface="Courier New" pitchFamily="49" charset="0"/>
-                <a:cs typeface="Courier New" pitchFamily="49" charset="0"/>
-              </a:rPr>
-              <a:t>textRange</a:t>
-            </a:r>
-            <a:r>
-              <a:rPr lang="en-US" sz="1400" b="1" dirty="0">
-                <a:latin typeface="Courier New" pitchFamily="49" charset="0"/>
-                <a:cs typeface="Courier New" pitchFamily="49" charset="0"/>
-              </a:rPr>
-              <a:t>-&gt;</a:t>
-            </a:r>
-            <a:r>
-              <a:rPr lang="en-US" sz="1400" b="1" dirty="0" err="1">
-                <a:latin typeface="Courier New" pitchFamily="49" charset="0"/>
-                <a:cs typeface="Courier New" pitchFamily="49" charset="0"/>
-              </a:rPr>
-              <a:t>GetText</a:t>
-            </a:r>
-            <a:r>
-              <a:rPr lang="en-US" sz="1400" b="1" dirty="0">
-                <a:latin typeface="Courier New" pitchFamily="49" charset="0"/>
-                <a:cs typeface="Courier New" pitchFamily="49" charset="0"/>
-              </a:rPr>
-              <a:t>());</a:t>
-            </a:r>
-          </a:p>
-          <a:p>
-            <a:pPr defTabSz="180975"/>
-            <a:r>
-              <a:rPr lang="en-US" sz="1400" b="1" dirty="0">
-                <a:latin typeface="Courier New" pitchFamily="49" charset="0"/>
-                <a:cs typeface="Courier New" pitchFamily="49" charset="0"/>
-              </a:rPr>
-              <a:t>			}</a:t>
-            </a:r>
-          </a:p>
-          <a:p>
-            <a:pPr defTabSz="180975"/>
-            <a:r>
-              <a:rPr lang="en-US" sz="1400" b="1" dirty="0">
-                <a:latin typeface="Courier New" pitchFamily="49" charset="0"/>
-                <a:cs typeface="Courier New" pitchFamily="49" charset="0"/>
-              </a:rPr>
-              <a:t>			else if (</a:t>
-            </a:r>
-            <a:r>
-              <a:rPr lang="en-US" sz="1400" b="1" dirty="0" err="1">
-                <a:latin typeface="Courier New" pitchFamily="49" charset="0"/>
-                <a:cs typeface="Courier New" pitchFamily="49" charset="0"/>
-              </a:rPr>
-              <a:t>fontCommand</a:t>
-            </a:r>
-            <a:r>
-              <a:rPr lang="en-US" sz="1400" b="1" dirty="0">
-                <a:latin typeface="Courier New" pitchFamily="49" charset="0"/>
-                <a:cs typeface="Courier New" pitchFamily="49" charset="0"/>
-              </a:rPr>
-              <a:t> = </a:t>
-            </a:r>
-            <a:r>
-              <a:rPr lang="en-US" sz="1400" b="1" dirty="0" err="1">
-                <a:latin typeface="Courier New" pitchFamily="49" charset="0"/>
-                <a:cs typeface="Courier New" pitchFamily="49" charset="0"/>
-              </a:rPr>
-              <a:t>dynamic_cast</a:t>
-            </a:r>
-            <a:r>
-              <a:rPr lang="en-US" sz="1400" b="1" dirty="0">
-                <a:latin typeface="Courier New" pitchFamily="49" charset="0"/>
-                <a:cs typeface="Courier New" pitchFamily="49" charset="0"/>
-              </a:rPr>
-              <a:t>&lt;</a:t>
-            </a:r>
-            <a:r>
-              <a:rPr lang="en-US" sz="1400" b="1" dirty="0" err="1">
-                <a:latin typeface="Courier New" pitchFamily="49" charset="0"/>
-                <a:cs typeface="Courier New" pitchFamily="49" charset="0"/>
-              </a:rPr>
-              <a:t>CFontChangeCommand</a:t>
-            </a:r>
-            <a:r>
-              <a:rPr lang="en-US" sz="1400" b="1" dirty="0">
-                <a:latin typeface="Courier New" pitchFamily="49" charset="0"/>
-                <a:cs typeface="Courier New" pitchFamily="49" charset="0"/>
-              </a:rPr>
-              <a:t> const*&gt;(&amp;item))</a:t>
-            </a:r>
-          </a:p>
-          <a:p>
-            <a:pPr defTabSz="180975"/>
-            <a:r>
-              <a:rPr lang="en-US" sz="1400" b="1" dirty="0">
-                <a:latin typeface="Courier New" pitchFamily="49" charset="0"/>
-                <a:cs typeface="Courier New" pitchFamily="49" charset="0"/>
-              </a:rPr>
-              <a:t>			{</a:t>
-            </a:r>
-          </a:p>
-          <a:p>
-            <a:pPr defTabSz="180975"/>
-            <a:r>
-              <a:rPr lang="en-US" sz="1400" b="1" dirty="0">
-                <a:latin typeface="Courier New" pitchFamily="49" charset="0"/>
-                <a:cs typeface="Courier New" pitchFamily="49" charset="0"/>
-              </a:rPr>
-              <a:t>				</a:t>
-            </a:r>
-            <a:r>
-              <a:rPr lang="en-US" sz="1400" b="1" dirty="0" err="1">
-                <a:latin typeface="Courier New" pitchFamily="49" charset="0"/>
-                <a:cs typeface="Courier New" pitchFamily="49" charset="0"/>
-              </a:rPr>
-              <a:t>converter.ConvertFontChange</a:t>
-            </a:r>
-            <a:r>
-              <a:rPr lang="en-US" sz="1400" b="1" dirty="0">
-                <a:latin typeface="Courier New" pitchFamily="49" charset="0"/>
-                <a:cs typeface="Courier New" pitchFamily="49" charset="0"/>
-              </a:rPr>
-              <a:t>(</a:t>
-            </a:r>
-            <a:r>
-              <a:rPr lang="en-US" sz="1400" b="1" dirty="0" err="1">
-                <a:latin typeface="Courier New" pitchFamily="49" charset="0"/>
-                <a:cs typeface="Courier New" pitchFamily="49" charset="0"/>
-              </a:rPr>
-              <a:t>fontCommand</a:t>
-            </a:r>
-            <a:r>
-              <a:rPr lang="en-US" sz="1400" b="1" dirty="0">
-                <a:latin typeface="Courier New" pitchFamily="49" charset="0"/>
-                <a:cs typeface="Courier New" pitchFamily="49" charset="0"/>
-              </a:rPr>
-              <a:t>-&gt;</a:t>
-            </a:r>
-            <a:r>
-              <a:rPr lang="en-US" sz="1400" b="1" dirty="0" err="1">
-                <a:latin typeface="Courier New" pitchFamily="49" charset="0"/>
-                <a:cs typeface="Courier New" pitchFamily="49" charset="0"/>
-              </a:rPr>
-              <a:t>GetFont</a:t>
-            </a:r>
-            <a:r>
-              <a:rPr lang="en-US" sz="1400" b="1" dirty="0">
-                <a:latin typeface="Courier New" pitchFamily="49" charset="0"/>
-                <a:cs typeface="Courier New" pitchFamily="49" charset="0"/>
-              </a:rPr>
-              <a:t>());</a:t>
-            </a:r>
-          </a:p>
-          <a:p>
-            <a:pPr defTabSz="180975"/>
-            <a:r>
-              <a:rPr lang="en-US" sz="1400" b="1" dirty="0">
-                <a:latin typeface="Courier New" pitchFamily="49" charset="0"/>
-                <a:cs typeface="Courier New" pitchFamily="49" charset="0"/>
-              </a:rPr>
-              <a:t>			}</a:t>
-            </a:r>
-          </a:p>
-          <a:p>
-            <a:pPr defTabSz="180975"/>
-            <a:r>
-              <a:rPr lang="en-US" sz="1400" b="1" dirty="0">
-                <a:latin typeface="Courier New" pitchFamily="49" charset="0"/>
-                <a:cs typeface="Courier New" pitchFamily="49" charset="0"/>
-              </a:rPr>
-              <a:t>			else if (…) { … } …</a:t>
-            </a:r>
-          </a:p>
-          <a:p>
-            <a:pPr defTabSz="180975"/>
-            <a:r>
-              <a:rPr lang="en-US" sz="1400" b="1" dirty="0">
-                <a:latin typeface="Courier New" pitchFamily="49" charset="0"/>
-                <a:cs typeface="Courier New" pitchFamily="49" charset="0"/>
-              </a:rPr>
-              <a:t>		}</a:t>
-            </a:r>
-            <a:endParaRPr lang="ru-RU" sz="1400" b="1" dirty="0">
+            <a:pPr defTabSz="90488"/>
+            <a:r>
+              <a:rPr lang="en-US" sz="1300" b="1" dirty="0">
+                <a:latin typeface="Courier New" pitchFamily="49" charset="0"/>
+                <a:cs typeface="Courier New" pitchFamily="49" charset="0"/>
+              </a:rPr>
+              <a:t>			(std::string const&amp; s){}</a:t>
+            </a:r>
+          </a:p>
+          <a:p>
+            <a:pPr defTabSz="90488"/>
+            <a:r>
+              <a:rPr lang="en-US" sz="1300" b="1" dirty="0">
+                <a:latin typeface="Courier New" pitchFamily="49" charset="0"/>
+                <a:cs typeface="Courier New" pitchFamily="49" charset="0"/>
+              </a:rPr>
+              <a:t>	virtual void </a:t>
+            </a:r>
+            <a:r>
+              <a:rPr lang="en-US" sz="1300" b="1" dirty="0" err="1">
+                <a:latin typeface="Courier New" pitchFamily="49" charset="0"/>
+                <a:cs typeface="Courier New" pitchFamily="49" charset="0"/>
+              </a:rPr>
+              <a:t>ConvertFontChange</a:t>
+            </a:r>
+            <a:endParaRPr lang="en-US" sz="1300" b="1" dirty="0">
               <a:latin typeface="Courier New" pitchFamily="49" charset="0"/>
               <a:cs typeface="Courier New" pitchFamily="49" charset="0"/>
             </a:endParaRPr>
           </a:p>
           <a:p>
-            <a:pPr defTabSz="180975"/>
-            <a:r>
-              <a:rPr lang="ru-RU" sz="1400" b="1" dirty="0">
+            <a:pPr defTabSz="90488"/>
+            <a:r>
+              <a:rPr lang="en-US" sz="1300" b="1" dirty="0">
+                <a:latin typeface="Courier New" pitchFamily="49" charset="0"/>
+                <a:cs typeface="Courier New" pitchFamily="49" charset="0"/>
+              </a:rPr>
+              <a:t>			(</a:t>
+            </a:r>
+            <a:r>
+              <a:rPr lang="en-US" sz="1300" b="1" dirty="0" err="1">
+                <a:latin typeface="Courier New" pitchFamily="49" charset="0"/>
+                <a:cs typeface="Courier New" pitchFamily="49" charset="0"/>
+              </a:rPr>
+              <a:t>CFont</a:t>
+            </a:r>
+            <a:r>
+              <a:rPr lang="en-US" sz="1300" b="1" dirty="0">
+                <a:latin typeface="Courier New" pitchFamily="49" charset="0"/>
+                <a:cs typeface="Courier New" pitchFamily="49" charset="0"/>
+              </a:rPr>
+              <a:t> const&amp; </a:t>
+            </a:r>
+            <a:r>
+              <a:rPr lang="en-US" sz="1300" b="1" dirty="0" err="1">
+                <a:latin typeface="Courier New" pitchFamily="49" charset="0"/>
+                <a:cs typeface="Courier New" pitchFamily="49" charset="0"/>
+              </a:rPr>
+              <a:t>fnt</a:t>
+            </a:r>
+            <a:r>
+              <a:rPr lang="en-US" sz="1300" b="1" dirty="0">
+                <a:latin typeface="Courier New" pitchFamily="49" charset="0"/>
+                <a:cs typeface="Courier New" pitchFamily="49" charset="0"/>
+              </a:rPr>
+              <a:t>){}</a:t>
+            </a:r>
+          </a:p>
+          <a:p>
+            <a:pPr defTabSz="90488"/>
+            <a:r>
+              <a:rPr lang="ru-RU" sz="1300" b="1" dirty="0">
+                <a:latin typeface="Courier New" pitchFamily="49" charset="0"/>
+                <a:cs typeface="Courier New" pitchFamily="49" charset="0"/>
+              </a:rPr>
+              <a:t>	// </a:t>
+            </a:r>
+            <a:r>
+              <a:rPr lang="en-US" sz="1300" b="1" dirty="0">
+                <a:latin typeface="Courier New" pitchFamily="49" charset="0"/>
+                <a:cs typeface="Courier New" pitchFamily="49" charset="0"/>
+              </a:rPr>
+              <a:t>…</a:t>
+            </a:r>
+            <a:endParaRPr lang="ru-RU" sz="1300" b="1" dirty="0">
+              <a:latin typeface="Courier New" pitchFamily="49" charset="0"/>
+              <a:cs typeface="Courier New" pitchFamily="49" charset="0"/>
+            </a:endParaRPr>
+          </a:p>
+          <a:p>
+            <a:pPr defTabSz="90488"/>
+            <a:r>
+              <a:rPr lang="ru-RU" sz="1300" b="1" dirty="0">
+                <a:latin typeface="Courier New" pitchFamily="49" charset="0"/>
+                <a:cs typeface="Courier New" pitchFamily="49" charset="0"/>
+              </a:rPr>
+              <a:t>};</a:t>
+            </a:r>
+          </a:p>
+          <a:p>
+            <a:pPr defTabSz="90488"/>
+            <a:endParaRPr lang="ru-RU" sz="1300" b="1" dirty="0">
+              <a:latin typeface="Courier New" pitchFamily="49" charset="0"/>
+              <a:cs typeface="Courier New" pitchFamily="49" charset="0"/>
+            </a:endParaRPr>
+          </a:p>
+          <a:p>
+            <a:pPr defTabSz="90488"/>
+            <a:r>
+              <a:rPr lang="en-US" sz="1300" b="1" dirty="0">
+                <a:latin typeface="Courier New" pitchFamily="49" charset="0"/>
+                <a:cs typeface="Courier New" pitchFamily="49" charset="0"/>
+              </a:rPr>
+              <a:t>class </a:t>
+            </a:r>
+            <a:r>
+              <a:rPr lang="en-US" sz="1300" b="1" dirty="0" err="1">
+                <a:latin typeface="Courier New" pitchFamily="49" charset="0"/>
+                <a:cs typeface="Courier New" pitchFamily="49" charset="0"/>
+              </a:rPr>
+              <a:t>PlainTextConverter</a:t>
+            </a:r>
+            <a:r>
+              <a:rPr lang="en-US" sz="1300" b="1" dirty="0">
+                <a:latin typeface="Courier New" pitchFamily="49" charset="0"/>
+                <a:cs typeface="Courier New" pitchFamily="49" charset="0"/>
+              </a:rPr>
+              <a:t> </a:t>
+            </a:r>
+          </a:p>
+          <a:p>
+            <a:pPr defTabSz="90488"/>
+            <a:r>
+              <a:rPr lang="en-US" sz="1300" b="1" dirty="0">
+                <a:latin typeface="Courier New" pitchFamily="49" charset="0"/>
+                <a:cs typeface="Courier New" pitchFamily="49" charset="0"/>
+              </a:rPr>
+              <a:t>	: public </a:t>
+            </a:r>
+            <a:r>
+              <a:rPr lang="en-US" sz="1300" b="1" dirty="0" err="1">
+                <a:latin typeface="Courier New" pitchFamily="49" charset="0"/>
+                <a:cs typeface="Courier New" pitchFamily="49" charset="0"/>
+              </a:rPr>
+              <a:t>TextConverter</a:t>
+            </a:r>
+            <a:endParaRPr lang="en-US" sz="1300" b="1" dirty="0">
+              <a:latin typeface="Courier New" pitchFamily="49" charset="0"/>
+              <a:cs typeface="Courier New" pitchFamily="49" charset="0"/>
+            </a:endParaRPr>
+          </a:p>
+          <a:p>
+            <a:pPr defTabSz="90488"/>
+            <a:r>
+              <a:rPr lang="ru-RU" sz="1300" b="1" dirty="0">
+                <a:latin typeface="Courier New" pitchFamily="49" charset="0"/>
+                <a:cs typeface="Courier New" pitchFamily="49" charset="0"/>
+              </a:rPr>
+              <a:t>{</a:t>
+            </a:r>
+          </a:p>
+          <a:p>
+            <a:pPr defTabSz="90488"/>
+            <a:r>
+              <a:rPr lang="en-US" sz="1300" b="1" dirty="0">
+                <a:latin typeface="Courier New" pitchFamily="49" charset="0"/>
+                <a:cs typeface="Courier New" pitchFamily="49" charset="0"/>
+              </a:rPr>
+              <a:t>public:</a:t>
+            </a:r>
+          </a:p>
+          <a:p>
+            <a:pPr defTabSz="90488"/>
+            <a:r>
+              <a:rPr lang="en-US" sz="1300" b="1" dirty="0">
+                <a:latin typeface="Courier New" pitchFamily="49" charset="0"/>
+                <a:cs typeface="Courier New" pitchFamily="49" charset="0"/>
+              </a:rPr>
+              <a:t>	void </a:t>
+            </a:r>
+            <a:r>
+              <a:rPr lang="en-US" sz="1300" b="1" dirty="0" err="1">
+                <a:latin typeface="Courier New" pitchFamily="49" charset="0"/>
+                <a:cs typeface="Courier New" pitchFamily="49" charset="0"/>
+              </a:rPr>
+              <a:t>ConvertText</a:t>
+            </a:r>
+            <a:r>
+              <a:rPr lang="en-US" sz="1300" b="1" dirty="0">
+                <a:latin typeface="Courier New" pitchFamily="49" charset="0"/>
+                <a:cs typeface="Courier New" pitchFamily="49" charset="0"/>
+              </a:rPr>
+              <a:t>(std::string const&amp; s)</a:t>
+            </a:r>
+          </a:p>
+          <a:p>
+            <a:pPr defTabSz="90488"/>
+            <a:r>
+              <a:rPr lang="ru-RU" sz="1300" b="1" dirty="0">
+                <a:latin typeface="Courier New" pitchFamily="49" charset="0"/>
+                <a:cs typeface="Courier New" pitchFamily="49" charset="0"/>
+              </a:rPr>
+              <a:t>	{</a:t>
+            </a:r>
+          </a:p>
+          <a:p>
+            <a:pPr defTabSz="90488"/>
+            <a:r>
+              <a:rPr lang="ru-RU" sz="1300" b="1" dirty="0">
+                <a:latin typeface="Courier New" pitchFamily="49" charset="0"/>
+                <a:cs typeface="Courier New" pitchFamily="49" charset="0"/>
+              </a:rPr>
+              <a:t>		// </a:t>
+            </a:r>
+            <a:r>
+              <a:rPr lang="en-US" sz="1300" b="1" dirty="0">
+                <a:latin typeface="Courier New" pitchFamily="49" charset="0"/>
+                <a:cs typeface="Courier New" pitchFamily="49" charset="0"/>
+              </a:rPr>
+              <a:t>…</a:t>
+            </a:r>
+            <a:endParaRPr lang="ru-RU" sz="1300" b="1" dirty="0">
+              <a:latin typeface="Courier New" pitchFamily="49" charset="0"/>
+              <a:cs typeface="Courier New" pitchFamily="49" charset="0"/>
+            </a:endParaRPr>
+          </a:p>
+          <a:p>
+            <a:pPr defTabSz="90488"/>
+            <a:r>
+              <a:rPr lang="ru-RU" sz="1300" b="1" dirty="0">
                 <a:latin typeface="Courier New" pitchFamily="49" charset="0"/>
                 <a:cs typeface="Courier New" pitchFamily="49" charset="0"/>
               </a:rPr>
@@ -5867,9 +5978,541 @@
             </a:r>
           </a:p>
           <a:p>
-            <a:pPr defTabSz="180975"/>
-            <a:r>
-              <a:rPr lang="ru-RU" sz="1400" b="1" dirty="0">
+            <a:pPr defTabSz="90488"/>
+            <a:r>
+              <a:rPr lang="en-US" sz="1300" b="1" dirty="0">
+                <a:latin typeface="Courier New" pitchFamily="49" charset="0"/>
+                <a:cs typeface="Courier New" pitchFamily="49" charset="0"/>
+              </a:rPr>
+              <a:t>	std::string const &amp; </a:t>
+            </a:r>
+            <a:r>
+              <a:rPr lang="en-US" sz="1300" b="1" dirty="0" err="1">
+                <a:latin typeface="Courier New" pitchFamily="49" charset="0"/>
+                <a:cs typeface="Courier New" pitchFamily="49" charset="0"/>
+              </a:rPr>
+              <a:t>GetPlainText</a:t>
+            </a:r>
+            <a:r>
+              <a:rPr lang="en-US" sz="1300" b="1" dirty="0">
+                <a:latin typeface="Courier New" pitchFamily="49" charset="0"/>
+                <a:cs typeface="Courier New" pitchFamily="49" charset="0"/>
+              </a:rPr>
+              <a:t>()const</a:t>
+            </a:r>
+          </a:p>
+          <a:p>
+            <a:pPr defTabSz="90488"/>
+            <a:r>
+              <a:rPr lang="ru-RU" sz="1300" b="1" dirty="0">
+                <a:latin typeface="Courier New" pitchFamily="49" charset="0"/>
+                <a:cs typeface="Courier New" pitchFamily="49" charset="0"/>
+              </a:rPr>
+              <a:t>	{</a:t>
+            </a:r>
+          </a:p>
+          <a:p>
+            <a:pPr defTabSz="90488"/>
+            <a:r>
+              <a:rPr lang="en-US" sz="1300" b="1" dirty="0">
+                <a:latin typeface="Courier New" pitchFamily="49" charset="0"/>
+                <a:cs typeface="Courier New" pitchFamily="49" charset="0"/>
+              </a:rPr>
+              <a:t>		return </a:t>
+            </a:r>
+            <a:r>
+              <a:rPr lang="en-US" sz="1300" b="1" dirty="0" err="1">
+                <a:latin typeface="Courier New" pitchFamily="49" charset="0"/>
+                <a:cs typeface="Courier New" pitchFamily="49" charset="0"/>
+              </a:rPr>
+              <a:t>m_plainText</a:t>
+            </a:r>
+            <a:r>
+              <a:rPr lang="en-US" sz="1300" b="1" dirty="0">
+                <a:latin typeface="Courier New" pitchFamily="49" charset="0"/>
+                <a:cs typeface="Courier New" pitchFamily="49" charset="0"/>
+              </a:rPr>
+              <a:t>;</a:t>
+            </a:r>
+            <a:endParaRPr lang="ru-RU" sz="1300" b="1" dirty="0">
+              <a:latin typeface="Courier New" pitchFamily="49" charset="0"/>
+              <a:cs typeface="Courier New" pitchFamily="49" charset="0"/>
+            </a:endParaRPr>
+          </a:p>
+          <a:p>
+            <a:pPr defTabSz="90488"/>
+            <a:r>
+              <a:rPr lang="ru-RU" sz="1300" b="1" dirty="0">
+                <a:latin typeface="Courier New" pitchFamily="49" charset="0"/>
+                <a:cs typeface="Courier New" pitchFamily="49" charset="0"/>
+              </a:rPr>
+              <a:t>	}</a:t>
+            </a:r>
+            <a:endParaRPr lang="en-US" sz="1300" b="1" dirty="0">
+              <a:latin typeface="Courier New" pitchFamily="49" charset="0"/>
+              <a:cs typeface="Courier New" pitchFamily="49" charset="0"/>
+            </a:endParaRPr>
+          </a:p>
+          <a:p>
+            <a:pPr defTabSz="90488"/>
+            <a:r>
+              <a:rPr lang="en-US" sz="1300" b="1" dirty="0">
+                <a:latin typeface="Courier New" pitchFamily="49" charset="0"/>
+                <a:cs typeface="Courier New" pitchFamily="49" charset="0"/>
+              </a:rPr>
+              <a:t>private:</a:t>
+            </a:r>
+          </a:p>
+          <a:p>
+            <a:pPr defTabSz="90488"/>
+            <a:r>
+              <a:rPr lang="en-US" sz="1300" b="1" dirty="0">
+                <a:latin typeface="Courier New" pitchFamily="49" charset="0"/>
+                <a:cs typeface="Courier New" pitchFamily="49" charset="0"/>
+              </a:rPr>
+              <a:t>	std::string </a:t>
+            </a:r>
+            <a:r>
+              <a:rPr lang="en-US" sz="1300" b="1" dirty="0" err="1">
+                <a:latin typeface="Courier New" pitchFamily="49" charset="0"/>
+                <a:cs typeface="Courier New" pitchFamily="49" charset="0"/>
+              </a:rPr>
+              <a:t>m_plainText</a:t>
+            </a:r>
+            <a:r>
+              <a:rPr lang="en-US" sz="1300" b="1" dirty="0">
+                <a:latin typeface="Courier New" pitchFamily="49" charset="0"/>
+                <a:cs typeface="Courier New" pitchFamily="49" charset="0"/>
+              </a:rPr>
+              <a:t>;</a:t>
+            </a:r>
+            <a:endParaRPr lang="ru-RU" sz="1300" b="1" dirty="0">
+              <a:latin typeface="Courier New" pitchFamily="49" charset="0"/>
+              <a:cs typeface="Courier New" pitchFamily="49" charset="0"/>
+            </a:endParaRPr>
+          </a:p>
+          <a:p>
+            <a:pPr defTabSz="90488"/>
+            <a:r>
+              <a:rPr lang="ru-RU" sz="1300" b="1" dirty="0">
+                <a:latin typeface="Courier New" pitchFamily="49" charset="0"/>
+                <a:cs typeface="Courier New" pitchFamily="49" charset="0"/>
+              </a:rPr>
+              <a:t>};</a:t>
+            </a:r>
+          </a:p>
+        </p:txBody>
+      </p:sp>
+      <p:sp>
+        <p:nvSpPr>
+          <p:cNvPr id="5" name="Прямоугольник 4"/>
+          <p:cNvSpPr/>
+          <p:nvPr/>
+        </p:nvSpPr>
+        <p:spPr>
+          <a:xfrm>
+            <a:off x="4500562" y="1810488"/>
+            <a:ext cx="4500594" cy="4093428"/>
+          </a:xfrm>
+          <a:prstGeom prst="rect">
+            <a:avLst/>
+          </a:prstGeom>
+        </p:spPr>
+        <p:style>
+          <a:lnRef idx="2">
+            <a:schemeClr val="accent1"/>
+          </a:lnRef>
+          <a:fillRef idx="1">
+            <a:schemeClr val="lt1"/>
+          </a:fillRef>
+          <a:effectRef idx="0">
+            <a:schemeClr val="accent1"/>
+          </a:effectRef>
+          <a:fontRef idx="minor">
+            <a:schemeClr val="dk1"/>
+          </a:fontRef>
+        </p:style>
+        <p:txBody>
+          <a:bodyPr wrap="square">
+            <a:spAutoFit/>
+          </a:bodyPr>
+          <a:lstStyle/>
+          <a:p>
+            <a:pPr defTabSz="88900"/>
+            <a:r>
+              <a:rPr lang="en-US" sz="1300" b="1" dirty="0">
+                <a:latin typeface="Courier New" pitchFamily="49" charset="0"/>
+                <a:cs typeface="Courier New" pitchFamily="49" charset="0"/>
+              </a:rPr>
+              <a:t>class </a:t>
+            </a:r>
+            <a:r>
+              <a:rPr lang="en-US" sz="1300" b="1" dirty="0" err="1">
+                <a:latin typeface="Courier New" pitchFamily="49" charset="0"/>
+                <a:cs typeface="Courier New" pitchFamily="49" charset="0"/>
+              </a:rPr>
+              <a:t>PDFConverter</a:t>
+            </a:r>
+            <a:endParaRPr lang="en-US" sz="1300" b="1" dirty="0">
+              <a:latin typeface="Courier New" pitchFamily="49" charset="0"/>
+              <a:cs typeface="Courier New" pitchFamily="49" charset="0"/>
+            </a:endParaRPr>
+          </a:p>
+          <a:p>
+            <a:pPr defTabSz="88900"/>
+            <a:r>
+              <a:rPr lang="en-US" sz="1300" b="1" dirty="0">
+                <a:latin typeface="Courier New" pitchFamily="49" charset="0"/>
+                <a:cs typeface="Courier New" pitchFamily="49" charset="0"/>
+              </a:rPr>
+              <a:t>	: public </a:t>
+            </a:r>
+            <a:r>
+              <a:rPr lang="en-US" sz="1300" b="1" dirty="0" err="1">
+                <a:latin typeface="Courier New" pitchFamily="49" charset="0"/>
+                <a:cs typeface="Courier New" pitchFamily="49" charset="0"/>
+              </a:rPr>
+              <a:t>TextConverter</a:t>
+            </a:r>
+            <a:endParaRPr lang="en-US" sz="1300" b="1" dirty="0">
+              <a:latin typeface="Courier New" pitchFamily="49" charset="0"/>
+              <a:cs typeface="Courier New" pitchFamily="49" charset="0"/>
+            </a:endParaRPr>
+          </a:p>
+          <a:p>
+            <a:pPr defTabSz="88900"/>
+            <a:r>
+              <a:rPr lang="ru-RU" sz="1300" b="1" dirty="0">
+                <a:latin typeface="Courier New" pitchFamily="49" charset="0"/>
+                <a:cs typeface="Courier New" pitchFamily="49" charset="0"/>
+              </a:rPr>
+              <a:t>{</a:t>
+            </a:r>
+          </a:p>
+          <a:p>
+            <a:pPr defTabSz="88900"/>
+            <a:r>
+              <a:rPr lang="en-US" sz="1300" b="1" dirty="0">
+                <a:latin typeface="Courier New" pitchFamily="49" charset="0"/>
+                <a:cs typeface="Courier New" pitchFamily="49" charset="0"/>
+              </a:rPr>
+              <a:t>public:</a:t>
+            </a:r>
+          </a:p>
+          <a:p>
+            <a:pPr defTabSz="88900"/>
+            <a:r>
+              <a:rPr lang="en-US" sz="1300" b="1" dirty="0">
+                <a:latin typeface="Courier New" pitchFamily="49" charset="0"/>
+                <a:cs typeface="Courier New" pitchFamily="49" charset="0"/>
+              </a:rPr>
+              <a:t>	void </a:t>
+            </a:r>
+            <a:r>
+              <a:rPr lang="en-US" sz="1300" b="1" dirty="0" err="1">
+                <a:latin typeface="Courier New" pitchFamily="49" charset="0"/>
+                <a:cs typeface="Courier New" pitchFamily="49" charset="0"/>
+              </a:rPr>
+              <a:t>ConvertText</a:t>
+            </a:r>
+            <a:r>
+              <a:rPr lang="en-US" sz="1300" b="1" dirty="0">
+                <a:latin typeface="Courier New" pitchFamily="49" charset="0"/>
+                <a:cs typeface="Courier New" pitchFamily="49" charset="0"/>
+              </a:rPr>
+              <a:t>(std::string const&amp; w)</a:t>
+            </a:r>
+          </a:p>
+          <a:p>
+            <a:pPr defTabSz="88900"/>
+            <a:r>
+              <a:rPr lang="ru-RU" sz="1300" b="1" dirty="0">
+                <a:latin typeface="Courier New" pitchFamily="49" charset="0"/>
+                <a:cs typeface="Courier New" pitchFamily="49" charset="0"/>
+              </a:rPr>
+              <a:t>	{</a:t>
+            </a:r>
+          </a:p>
+          <a:p>
+            <a:pPr defTabSz="88900"/>
+            <a:r>
+              <a:rPr lang="ru-RU" sz="1300" b="1" dirty="0">
+                <a:latin typeface="Courier New" pitchFamily="49" charset="0"/>
+                <a:cs typeface="Courier New" pitchFamily="49" charset="0"/>
+              </a:rPr>
+              <a:t>		// ...</a:t>
+            </a:r>
+          </a:p>
+          <a:p>
+            <a:pPr defTabSz="88900"/>
+            <a:r>
+              <a:rPr lang="ru-RU" sz="1300" b="1" dirty="0">
+                <a:latin typeface="Courier New" pitchFamily="49" charset="0"/>
+                <a:cs typeface="Courier New" pitchFamily="49" charset="0"/>
+              </a:rPr>
+              <a:t>	}</a:t>
+            </a:r>
+          </a:p>
+          <a:p>
+            <a:pPr defTabSz="88900"/>
+            <a:r>
+              <a:rPr lang="en-US" sz="1300" b="1" dirty="0">
+                <a:latin typeface="Courier New" pitchFamily="49" charset="0"/>
+                <a:cs typeface="Courier New" pitchFamily="49" charset="0"/>
+              </a:rPr>
+              <a:t>	void </a:t>
+            </a:r>
+            <a:r>
+              <a:rPr lang="en-US" sz="1300" b="1" dirty="0" err="1">
+                <a:latin typeface="Courier New" pitchFamily="49" charset="0"/>
+                <a:cs typeface="Courier New" pitchFamily="49" charset="0"/>
+              </a:rPr>
+              <a:t>ConvertFontChange</a:t>
+            </a:r>
+            <a:r>
+              <a:rPr lang="en-US" sz="1300" b="1" dirty="0">
+                <a:latin typeface="Courier New" pitchFamily="49" charset="0"/>
+                <a:cs typeface="Courier New" pitchFamily="49" charset="0"/>
+              </a:rPr>
+              <a:t>(</a:t>
+            </a:r>
+            <a:r>
+              <a:rPr lang="en-US" sz="1300" b="1" dirty="0" err="1">
+                <a:latin typeface="Courier New" pitchFamily="49" charset="0"/>
+                <a:cs typeface="Courier New" pitchFamily="49" charset="0"/>
+              </a:rPr>
+              <a:t>CFont</a:t>
+            </a:r>
+            <a:r>
+              <a:rPr lang="en-US" sz="1300" b="1" dirty="0">
+                <a:latin typeface="Courier New" pitchFamily="49" charset="0"/>
+                <a:cs typeface="Courier New" pitchFamily="49" charset="0"/>
+              </a:rPr>
+              <a:t> const&amp; </a:t>
+            </a:r>
+            <a:r>
+              <a:rPr lang="en-US" sz="1300" b="1" dirty="0" err="1">
+                <a:latin typeface="Courier New" pitchFamily="49" charset="0"/>
+                <a:cs typeface="Courier New" pitchFamily="49" charset="0"/>
+              </a:rPr>
+              <a:t>fnt</a:t>
+            </a:r>
+            <a:r>
+              <a:rPr lang="en-US" sz="1300" b="1" dirty="0">
+                <a:latin typeface="Courier New" pitchFamily="49" charset="0"/>
+                <a:cs typeface="Courier New" pitchFamily="49" charset="0"/>
+              </a:rPr>
+              <a:t>)</a:t>
+            </a:r>
+          </a:p>
+          <a:p>
+            <a:pPr defTabSz="88900"/>
+            <a:r>
+              <a:rPr lang="ru-RU" sz="1300" b="1" dirty="0">
+                <a:latin typeface="Courier New" pitchFamily="49" charset="0"/>
+                <a:cs typeface="Courier New" pitchFamily="49" charset="0"/>
+              </a:rPr>
+              <a:t>	{</a:t>
+            </a:r>
+          </a:p>
+          <a:p>
+            <a:pPr defTabSz="88900"/>
+            <a:r>
+              <a:rPr lang="ru-RU" sz="1300" b="1" dirty="0">
+                <a:latin typeface="Courier New" pitchFamily="49" charset="0"/>
+                <a:cs typeface="Courier New" pitchFamily="49" charset="0"/>
+              </a:rPr>
+              <a:t>		// ...</a:t>
+            </a:r>
+          </a:p>
+          <a:p>
+            <a:pPr defTabSz="88900"/>
+            <a:r>
+              <a:rPr lang="ru-RU" sz="1300" b="1" dirty="0">
+                <a:latin typeface="Courier New" pitchFamily="49" charset="0"/>
+                <a:cs typeface="Courier New" pitchFamily="49" charset="0"/>
+              </a:rPr>
+              <a:t>	}</a:t>
+            </a:r>
+            <a:endParaRPr lang="en-US" sz="1300" b="1" dirty="0">
+              <a:latin typeface="Courier New" pitchFamily="49" charset="0"/>
+              <a:cs typeface="Courier New" pitchFamily="49" charset="0"/>
+            </a:endParaRPr>
+          </a:p>
+          <a:p>
+            <a:pPr defTabSz="88900"/>
+            <a:endParaRPr lang="ru-RU" sz="1300" b="1" dirty="0">
+              <a:latin typeface="Courier New" pitchFamily="49" charset="0"/>
+              <a:cs typeface="Courier New" pitchFamily="49" charset="0"/>
+            </a:endParaRPr>
+          </a:p>
+          <a:p>
+            <a:pPr defTabSz="88900"/>
+            <a:r>
+              <a:rPr lang="en-US" sz="1300" b="1" dirty="0">
+                <a:latin typeface="Courier New" pitchFamily="49" charset="0"/>
+                <a:cs typeface="Courier New" pitchFamily="49" charset="0"/>
+              </a:rPr>
+              <a:t>	</a:t>
+            </a:r>
+            <a:r>
+              <a:rPr lang="en-US" sz="1300" b="1" dirty="0" err="1">
+                <a:latin typeface="Courier New" pitchFamily="49" charset="0"/>
+                <a:cs typeface="Courier New" pitchFamily="49" charset="0"/>
+              </a:rPr>
+              <a:t>CPDFDocument</a:t>
+            </a:r>
+            <a:r>
+              <a:rPr lang="en-US" sz="1300" b="1" dirty="0">
+                <a:latin typeface="Courier New" pitchFamily="49" charset="0"/>
+                <a:cs typeface="Courier New" pitchFamily="49" charset="0"/>
+              </a:rPr>
+              <a:t> const&amp; </a:t>
+            </a:r>
+            <a:r>
+              <a:rPr lang="en-US" sz="1300" b="1" dirty="0" err="1">
+                <a:latin typeface="Courier New" pitchFamily="49" charset="0"/>
+                <a:cs typeface="Courier New" pitchFamily="49" charset="0"/>
+              </a:rPr>
+              <a:t>GetPDFDocument</a:t>
+            </a:r>
+            <a:r>
+              <a:rPr lang="en-US" sz="1300" b="1" dirty="0">
+                <a:latin typeface="Courier New" pitchFamily="49" charset="0"/>
+                <a:cs typeface="Courier New" pitchFamily="49" charset="0"/>
+              </a:rPr>
+              <a:t>()</a:t>
+            </a:r>
+            <a:r>
+              <a:rPr lang="ru-RU" sz="1300" b="1" dirty="0">
+                <a:latin typeface="Courier New" pitchFamily="49" charset="0"/>
+                <a:cs typeface="Courier New" pitchFamily="49" charset="0"/>
+              </a:rPr>
+              <a:t> </a:t>
+            </a:r>
+            <a:r>
+              <a:rPr lang="en-US" sz="1300" b="1" dirty="0">
+                <a:latin typeface="Courier New" pitchFamily="49" charset="0"/>
+                <a:cs typeface="Courier New" pitchFamily="49" charset="0"/>
+              </a:rPr>
+              <a:t>const</a:t>
+            </a:r>
+          </a:p>
+          <a:p>
+            <a:pPr defTabSz="88900"/>
+            <a:r>
+              <a:rPr lang="ru-RU" sz="1300" b="1" dirty="0">
+                <a:latin typeface="Courier New" pitchFamily="49" charset="0"/>
+                <a:cs typeface="Courier New" pitchFamily="49" charset="0"/>
+              </a:rPr>
+              <a:t>	{</a:t>
+            </a:r>
+          </a:p>
+          <a:p>
+            <a:pPr defTabSz="88900"/>
+            <a:r>
+              <a:rPr lang="ru-RU" sz="1300" b="1" dirty="0">
+                <a:latin typeface="Courier New" pitchFamily="49" charset="0"/>
+                <a:cs typeface="Courier New" pitchFamily="49" charset="0"/>
+              </a:rPr>
+              <a:t>		</a:t>
+            </a:r>
+            <a:r>
+              <a:rPr lang="en-US" sz="1300" b="1" dirty="0">
+                <a:latin typeface="Courier New" pitchFamily="49" charset="0"/>
+                <a:cs typeface="Courier New" pitchFamily="49" charset="0"/>
+              </a:rPr>
+              <a:t>return </a:t>
+            </a:r>
+            <a:r>
+              <a:rPr lang="en-US" sz="1300" b="1" dirty="0" err="1">
+                <a:latin typeface="Courier New" pitchFamily="49" charset="0"/>
+                <a:cs typeface="Courier New" pitchFamily="49" charset="0"/>
+              </a:rPr>
+              <a:t>m_pdfDocument</a:t>
+            </a:r>
+            <a:r>
+              <a:rPr lang="en-US" sz="1300" b="1" dirty="0">
+                <a:latin typeface="Courier New" pitchFamily="49" charset="0"/>
+                <a:cs typeface="Courier New" pitchFamily="49" charset="0"/>
+              </a:rPr>
+              <a:t>;</a:t>
+            </a:r>
+            <a:endParaRPr lang="ru-RU" sz="1300" b="1" dirty="0">
+              <a:latin typeface="Courier New" pitchFamily="49" charset="0"/>
+              <a:cs typeface="Courier New" pitchFamily="49" charset="0"/>
+            </a:endParaRPr>
+          </a:p>
+          <a:p>
+            <a:pPr defTabSz="88900"/>
+            <a:r>
+              <a:rPr lang="ru-RU" sz="1300" b="1" dirty="0">
+                <a:latin typeface="Courier New" pitchFamily="49" charset="0"/>
+                <a:cs typeface="Courier New" pitchFamily="49" charset="0"/>
+              </a:rPr>
+              <a:t>	}</a:t>
+            </a:r>
+            <a:endParaRPr lang="en-US" sz="1300" b="1" dirty="0">
+              <a:latin typeface="Courier New" pitchFamily="49" charset="0"/>
+              <a:cs typeface="Courier New" pitchFamily="49" charset="0"/>
+            </a:endParaRPr>
+          </a:p>
+          <a:p>
+            <a:pPr defTabSz="88900"/>
+            <a:r>
+              <a:rPr lang="en-US" sz="1300" b="1" dirty="0">
+                <a:latin typeface="Courier New" pitchFamily="49" charset="0"/>
+                <a:cs typeface="Courier New" pitchFamily="49" charset="0"/>
+              </a:rPr>
+              <a:t>private:</a:t>
+            </a:r>
+          </a:p>
+          <a:p>
+            <a:pPr defTabSz="88900"/>
+            <a:r>
+              <a:rPr lang="en-US" sz="1300" b="1" dirty="0">
+                <a:latin typeface="Courier New" pitchFamily="49" charset="0"/>
+                <a:cs typeface="Courier New" pitchFamily="49" charset="0"/>
+              </a:rPr>
+              <a:t>	</a:t>
+            </a:r>
+            <a:r>
+              <a:rPr lang="en-US" sz="1300" b="1" dirty="0" err="1">
+                <a:latin typeface="Courier New" pitchFamily="49" charset="0"/>
+                <a:cs typeface="Courier New" pitchFamily="49" charset="0"/>
+              </a:rPr>
+              <a:t>CPDFDocument</a:t>
+            </a:r>
+            <a:r>
+              <a:rPr lang="en-US" sz="1300" b="1" dirty="0">
+                <a:latin typeface="Courier New" pitchFamily="49" charset="0"/>
+                <a:cs typeface="Courier New" pitchFamily="49" charset="0"/>
+              </a:rPr>
+              <a:t> </a:t>
+            </a:r>
+            <a:r>
+              <a:rPr lang="en-US" sz="1300" b="1" dirty="0" err="1">
+                <a:latin typeface="Courier New" pitchFamily="49" charset="0"/>
+                <a:cs typeface="Courier New" pitchFamily="49" charset="0"/>
+              </a:rPr>
+              <a:t>m_pdfDocument</a:t>
+            </a:r>
+            <a:r>
+              <a:rPr lang="en-US" sz="1300" b="1" dirty="0">
+                <a:latin typeface="Courier New" pitchFamily="49" charset="0"/>
+                <a:cs typeface="Courier New" pitchFamily="49" charset="0"/>
+              </a:rPr>
+              <a:t>;</a:t>
+            </a:r>
+            <a:endParaRPr lang="ru-RU" sz="1300" b="1" dirty="0">
+              <a:latin typeface="Courier New" pitchFamily="49" charset="0"/>
+              <a:cs typeface="Courier New" pitchFamily="49" charset="0"/>
+            </a:endParaRPr>
+          </a:p>
+          <a:p>
+            <a:pPr defTabSz="88900"/>
+            <a:r>
+              <a:rPr lang="ru-RU" sz="1300" b="1" dirty="0">
                 <a:latin typeface="Courier New" pitchFamily="49" charset="0"/>
                 <a:cs typeface="Courier New" pitchFamily="49" charset="0"/>
               </a:rPr>
@@ -5881,7 +6524,7 @@
     </p:spTree>
     <p:extLst>
       <p:ext uri="{BB962C8B-B14F-4D97-AF65-F5344CB8AC3E}">
-        <p14:creationId xmlns:p14="http://schemas.microsoft.com/office/powerpoint/2010/main" val="3897446812"/>
+        <p14:creationId xmlns:p14="http://schemas.microsoft.com/office/powerpoint/2010/main" val="1089138899"/>
       </p:ext>
     </p:extLst>
   </p:cSld>
@@ -5922,9 +6565,9 @@
                                           </p:stCondLst>
                                         </p:cTn>
                                         <p:tgtEl>
-                                          <p:spTgt spid="3">
-                                            <p:txEl>
-                                              <p:pRg st="5" end="5"/>
+                                          <p:spTgt spid="4">
+                                            <p:txEl>
+                                              <p:pRg st="0" end="0"/>
                                             </p:txEl>
                                           </p:spTgt>
                                         </p:tgtEl>
@@ -5940,9 +6583,9 @@
                                       <p:cBhvr>
                                         <p:cTn id="7" dur="500"/>
                                         <p:tgtEl>
-                                          <p:spTgt spid="3">
-                                            <p:txEl>
-                                              <p:pRg st="5" end="5"/>
+                                          <p:spTgt spid="4">
+                                            <p:txEl>
+                                              <p:pRg st="0" end="0"/>
                                             </p:txEl>
                                           </p:spTgt>
                                         </p:tgtEl>
@@ -5965,9 +6608,9 @@
                                           </p:stCondLst>
                                         </p:cTn>
                                         <p:tgtEl>
-                                          <p:spTgt spid="3">
-                                            <p:txEl>
-                                              <p:pRg st="6" end="6"/>
+                                          <p:spTgt spid="4">
+                                            <p:txEl>
+                                              <p:pRg st="1" end="1"/>
                                             </p:txEl>
                                           </p:spTgt>
                                         </p:tgtEl>
@@ -5983,9 +6626,9 @@
                                       <p:cBhvr>
                                         <p:cTn id="10" dur="500"/>
                                         <p:tgtEl>
-                                          <p:spTgt spid="3">
-                                            <p:txEl>
-                                              <p:pRg st="6" end="6"/>
+                                          <p:spTgt spid="4">
+                                            <p:txEl>
+                                              <p:pRg st="1" end="1"/>
                                             </p:txEl>
                                           </p:spTgt>
                                         </p:tgtEl>
@@ -6008,9 +6651,9 @@
                                           </p:stCondLst>
                                         </p:cTn>
                                         <p:tgtEl>
-                                          <p:spTgt spid="3">
-                                            <p:txEl>
-                                              <p:pRg st="18" end="18"/>
+                                          <p:spTgt spid="4">
+                                            <p:txEl>
+                                              <p:pRg st="2" end="2"/>
                                             </p:txEl>
                                           </p:spTgt>
                                         </p:tgtEl>
@@ -6026,9 +6669,267 @@
                                       <p:cBhvr>
                                         <p:cTn id="13" dur="500"/>
                                         <p:tgtEl>
-                                          <p:spTgt spid="3">
-                                            <p:txEl>
-                                              <p:pRg st="18" end="18"/>
+                                          <p:spTgt spid="4">
+                                            <p:txEl>
+                                              <p:pRg st="2" end="2"/>
+                                            </p:txEl>
+                                          </p:spTgt>
+                                        </p:tgtEl>
+                                      </p:cBhvr>
+                                    </p:animEffect>
+                                  </p:childTnLst>
+                                </p:cTn>
+                              </p:par>
+                              <p:par>
+                                <p:cTn id="14" presetID="10" presetClass="entr" presetSubtype="0" fill="hold" nodeType="withEffect">
+                                  <p:stCondLst>
+                                    <p:cond delay="0"/>
+                                  </p:stCondLst>
+                                  <p:childTnLst>
+                                    <p:set>
+                                      <p:cBhvr>
+                                        <p:cTn id="15" dur="1" fill="hold">
+                                          <p:stCondLst>
+                                            <p:cond delay="0"/>
+                                          </p:stCondLst>
+                                        </p:cTn>
+                                        <p:tgtEl>
+                                          <p:spTgt spid="4">
+                                            <p:txEl>
+                                              <p:pRg st="3" end="3"/>
+                                            </p:txEl>
+                                          </p:spTgt>
+                                        </p:tgtEl>
+                                        <p:attrNameLst>
+                                          <p:attrName>style.visibility</p:attrName>
+                                        </p:attrNameLst>
+                                      </p:cBhvr>
+                                      <p:to>
+                                        <p:strVal val="visible"/>
+                                      </p:to>
+                                    </p:set>
+                                    <p:animEffect transition="in" filter="fade">
+                                      <p:cBhvr>
+                                        <p:cTn id="16" dur="500"/>
+                                        <p:tgtEl>
+                                          <p:spTgt spid="4">
+                                            <p:txEl>
+                                              <p:pRg st="3" end="3"/>
+                                            </p:txEl>
+                                          </p:spTgt>
+                                        </p:tgtEl>
+                                      </p:cBhvr>
+                                    </p:animEffect>
+                                  </p:childTnLst>
+                                </p:cTn>
+                              </p:par>
+                              <p:par>
+                                <p:cTn id="17" presetID="10" presetClass="entr" presetSubtype="0" fill="hold" nodeType="withEffect">
+                                  <p:stCondLst>
+                                    <p:cond delay="0"/>
+                                  </p:stCondLst>
+                                  <p:childTnLst>
+                                    <p:set>
+                                      <p:cBhvr>
+                                        <p:cTn id="18" dur="1" fill="hold">
+                                          <p:stCondLst>
+                                            <p:cond delay="0"/>
+                                          </p:stCondLst>
+                                        </p:cTn>
+                                        <p:tgtEl>
+                                          <p:spTgt spid="4">
+                                            <p:txEl>
+                                              <p:pRg st="4" end="4"/>
+                                            </p:txEl>
+                                          </p:spTgt>
+                                        </p:tgtEl>
+                                        <p:attrNameLst>
+                                          <p:attrName>style.visibility</p:attrName>
+                                        </p:attrNameLst>
+                                      </p:cBhvr>
+                                      <p:to>
+                                        <p:strVal val="visible"/>
+                                      </p:to>
+                                    </p:set>
+                                    <p:animEffect transition="in" filter="fade">
+                                      <p:cBhvr>
+                                        <p:cTn id="19" dur="500"/>
+                                        <p:tgtEl>
+                                          <p:spTgt spid="4">
+                                            <p:txEl>
+                                              <p:pRg st="4" end="4"/>
+                                            </p:txEl>
+                                          </p:spTgt>
+                                        </p:tgtEl>
+                                      </p:cBhvr>
+                                    </p:animEffect>
+                                  </p:childTnLst>
+                                </p:cTn>
+                              </p:par>
+                              <p:par>
+                                <p:cTn id="20" presetID="10" presetClass="entr" presetSubtype="0" fill="hold" nodeType="withEffect">
+                                  <p:stCondLst>
+                                    <p:cond delay="0"/>
+                                  </p:stCondLst>
+                                  <p:childTnLst>
+                                    <p:set>
+                                      <p:cBhvr>
+                                        <p:cTn id="21" dur="1" fill="hold">
+                                          <p:stCondLst>
+                                            <p:cond delay="0"/>
+                                          </p:stCondLst>
+                                        </p:cTn>
+                                        <p:tgtEl>
+                                          <p:spTgt spid="4">
+                                            <p:txEl>
+                                              <p:pRg st="5" end="5"/>
+                                            </p:txEl>
+                                          </p:spTgt>
+                                        </p:tgtEl>
+                                        <p:attrNameLst>
+                                          <p:attrName>style.visibility</p:attrName>
+                                        </p:attrNameLst>
+                                      </p:cBhvr>
+                                      <p:to>
+                                        <p:strVal val="visible"/>
+                                      </p:to>
+                                    </p:set>
+                                    <p:animEffect transition="in" filter="fade">
+                                      <p:cBhvr>
+                                        <p:cTn id="22" dur="500"/>
+                                        <p:tgtEl>
+                                          <p:spTgt spid="4">
+                                            <p:txEl>
+                                              <p:pRg st="5" end="5"/>
+                                            </p:txEl>
+                                          </p:spTgt>
+                                        </p:tgtEl>
+                                      </p:cBhvr>
+                                    </p:animEffect>
+                                  </p:childTnLst>
+                                </p:cTn>
+                              </p:par>
+                              <p:par>
+                                <p:cTn id="23" presetID="10" presetClass="entr" presetSubtype="0" fill="hold" nodeType="withEffect">
+                                  <p:stCondLst>
+                                    <p:cond delay="0"/>
+                                  </p:stCondLst>
+                                  <p:childTnLst>
+                                    <p:set>
+                                      <p:cBhvr>
+                                        <p:cTn id="24" dur="1" fill="hold">
+                                          <p:stCondLst>
+                                            <p:cond delay="0"/>
+                                          </p:stCondLst>
+                                        </p:cTn>
+                                        <p:tgtEl>
+                                          <p:spTgt spid="4">
+                                            <p:txEl>
+                                              <p:pRg st="6" end="6"/>
+                                            </p:txEl>
+                                          </p:spTgt>
+                                        </p:tgtEl>
+                                        <p:attrNameLst>
+                                          <p:attrName>style.visibility</p:attrName>
+                                        </p:attrNameLst>
+                                      </p:cBhvr>
+                                      <p:to>
+                                        <p:strVal val="visible"/>
+                                      </p:to>
+                                    </p:set>
+                                    <p:animEffect transition="in" filter="fade">
+                                      <p:cBhvr>
+                                        <p:cTn id="25" dur="500"/>
+                                        <p:tgtEl>
+                                          <p:spTgt spid="4">
+                                            <p:txEl>
+                                              <p:pRg st="6" end="6"/>
+                                            </p:txEl>
+                                          </p:spTgt>
+                                        </p:tgtEl>
+                                      </p:cBhvr>
+                                    </p:animEffect>
+                                  </p:childTnLst>
+                                </p:cTn>
+                              </p:par>
+                              <p:par>
+                                <p:cTn id="26" presetID="10" presetClass="entr" presetSubtype="0" fill="hold" nodeType="withEffect">
+                                  <p:stCondLst>
+                                    <p:cond delay="0"/>
+                                  </p:stCondLst>
+                                  <p:childTnLst>
+                                    <p:set>
+                                      <p:cBhvr>
+                                        <p:cTn id="27" dur="1" fill="hold">
+                                          <p:stCondLst>
+                                            <p:cond delay="0"/>
+                                          </p:stCondLst>
+                                        </p:cTn>
+                                        <p:tgtEl>
+                                          <p:spTgt spid="4">
+                                            <p:txEl>
+                                              <p:pRg st="7" end="7"/>
+                                            </p:txEl>
+                                          </p:spTgt>
+                                        </p:tgtEl>
+                                        <p:attrNameLst>
+                                          <p:attrName>style.visibility</p:attrName>
+                                        </p:attrNameLst>
+                                      </p:cBhvr>
+                                      <p:to>
+                                        <p:strVal val="visible"/>
+                                      </p:to>
+                                    </p:set>
+                                    <p:animEffect transition="in" filter="fade">
+                                      <p:cBhvr>
+                                        <p:cTn id="28" dur="500"/>
+                                        <p:tgtEl>
+                                          <p:spTgt spid="4">
+                                            <p:txEl>
+                                              <p:pRg st="7" end="7"/>
+                                            </p:txEl>
+                                          </p:spTgt>
+                                        </p:tgtEl>
+                                      </p:cBhvr>
+                                    </p:animEffect>
+                                  </p:childTnLst>
+                                </p:cTn>
+                              </p:par>
+                              <p:par>
+                                <p:cTn id="29" presetID="10" presetClass="entr" presetSubtype="0" fill="hold" nodeType="withEffect">
+                                  <p:stCondLst>
+                                    <p:cond delay="0"/>
+                                  </p:stCondLst>
+                                  <p:childTnLst>
+                                    <p:set>
+                                      <p:cBhvr>
+                                        <p:cTn id="30" dur="1" fill="hold">
+                                          <p:stCondLst>
+                                            <p:cond delay="0"/>
+                                          </p:stCondLst>
+                                        </p:cTn>
+                                        <p:tgtEl>
+                                          <p:spTgt spid="4">
+                                            <p:txEl>
+                                              <p:pRg st="8" end="8"/>
+                                            </p:txEl>
+                                          </p:spTgt>
+                                        </p:tgtEl>
+                                        <p:attrNameLst>
+                                          <p:attrName>style.visibility</p:attrName>
+                                        </p:attrNameLst>
+                                      </p:cBhvr>
+                                      <p:to>
+                                        <p:strVal val="visible"/>
+                                      </p:to>
+                                    </p:set>
+                                    <p:animEffect transition="in" filter="fade">
+                                      <p:cBhvr>
+                                        <p:cTn id="31" dur="500"/>
+                                        <p:tgtEl>
+                                          <p:spTgt spid="4">
+                                            <p:txEl>
+                                              <p:pRg st="8" end="8"/>
                                             </p:txEl>
                                           </p:spTgt>
                                         </p:tgtEl>
@@ -6044,34 +6945,34 @@
                     </p:cTn>
                   </p:par>
                   <p:par>
-                    <p:cTn id="14" fill="hold">
+                    <p:cTn id="32" fill="hold">
                       <p:stCondLst>
                         <p:cond delay="indefinite"/>
                       </p:stCondLst>
                       <p:childTnLst>
                         <p:par>
-                          <p:cTn id="15" fill="hold">
+                          <p:cTn id="33" fill="hold">
                             <p:stCondLst>
                               <p:cond delay="0"/>
                             </p:stCondLst>
                             <p:childTnLst>
                               <p:par>
-                                <p:cTn id="16" presetID="10" presetClass="entr" presetSubtype="0" fill="hold" nodeType="clickEffect">
+                                <p:cTn id="34" presetID="10" presetClass="entr" presetSubtype="0" fill="hold" nodeType="clickEffect">
                                   <p:stCondLst>
                                     <p:cond delay="0"/>
                                   </p:stCondLst>
                                   <p:childTnLst>
                                     <p:set>
                                       <p:cBhvr>
-                                        <p:cTn id="17" dur="1" fill="hold">
+                                        <p:cTn id="35" dur="1" fill="hold">
                                           <p:stCondLst>
                                             <p:cond delay="0"/>
                                           </p:stCondLst>
                                         </p:cTn>
                                         <p:tgtEl>
-                                          <p:spTgt spid="3">
-                                            <p:txEl>
-                                              <p:pRg st="7" end="7"/>
+                                          <p:spTgt spid="4">
+                                            <p:txEl>
+                                              <p:pRg st="10" end="10"/>
                                             </p:txEl>
                                           </p:spTgt>
                                         </p:tgtEl>
@@ -6085,11 +6986,11 @@
                                     </p:set>
                                     <p:animEffect transition="in" filter="fade">
                                       <p:cBhvr>
-                                        <p:cTn id="18" dur="500"/>
-                                        <p:tgtEl>
-                                          <p:spTgt spid="3">
-                                            <p:txEl>
-                                              <p:pRg st="7" end="7"/>
+                                        <p:cTn id="36" dur="500"/>
+                                        <p:tgtEl>
+                                          <p:spTgt spid="4">
+                                            <p:txEl>
+                                              <p:pRg st="10" end="10"/>
                                             </p:txEl>
                                           </p:spTgt>
                                         </p:tgtEl>
@@ -6099,22 +7000,22 @@
                                 </p:cTn>
                               </p:par>
                               <p:par>
-                                <p:cTn id="19" presetID="10" presetClass="entr" presetSubtype="0" fill="hold" nodeType="withEffect">
+                                <p:cTn id="37" presetID="10" presetClass="entr" presetSubtype="0" fill="hold" nodeType="withEffect">
                                   <p:stCondLst>
                                     <p:cond delay="0"/>
                                   </p:stCondLst>
                                   <p:childTnLst>
                                     <p:set>
                                       <p:cBhvr>
-                                        <p:cTn id="20" dur="1" fill="hold">
+                                        <p:cTn id="38" dur="1" fill="hold">
                                           <p:stCondLst>
                                             <p:cond delay="0"/>
                                           </p:stCondLst>
                                         </p:cTn>
                                         <p:tgtEl>
-                                          <p:spTgt spid="3">
-                                            <p:txEl>
-                                              <p:pRg st="9" end="9"/>
+                                          <p:spTgt spid="4">
+                                            <p:txEl>
+                                              <p:pRg st="11" end="11"/>
                                             </p:txEl>
                                           </p:spTgt>
                                         </p:tgtEl>
@@ -6128,11 +7029,11 @@
                                     </p:set>
                                     <p:animEffect transition="in" filter="fade">
                                       <p:cBhvr>
-                                        <p:cTn id="21" dur="500"/>
-                                        <p:tgtEl>
-                                          <p:spTgt spid="3">
-                                            <p:txEl>
-                                              <p:pRg st="9" end="9"/>
+                                        <p:cTn id="39" dur="500"/>
+                                        <p:tgtEl>
+                                          <p:spTgt spid="4">
+                                            <p:txEl>
+                                              <p:pRg st="11" end="11"/>
                                             </p:txEl>
                                           </p:spTgt>
                                         </p:tgtEl>
@@ -6142,22 +7043,22 @@
                                 </p:cTn>
                               </p:par>
                               <p:par>
-                                <p:cTn id="22" presetID="10" presetClass="entr" presetSubtype="0" fill="hold" nodeType="withEffect">
+                                <p:cTn id="40" presetID="10" presetClass="entr" presetSubtype="0" fill="hold" nodeType="withEffect">
                                   <p:stCondLst>
                                     <p:cond delay="0"/>
                                   </p:stCondLst>
                                   <p:childTnLst>
                                     <p:set>
                                       <p:cBhvr>
-                                        <p:cTn id="23" dur="1" fill="hold">
+                                        <p:cTn id="41" dur="1" fill="hold">
                                           <p:stCondLst>
                                             <p:cond delay="0"/>
                                           </p:stCondLst>
                                         </p:cTn>
                                         <p:tgtEl>
-                                          <p:spTgt spid="3">
-                                            <p:txEl>
-                                              <p:pRg st="10" end="10"/>
+                                          <p:spTgt spid="4">
+                                            <p:txEl>
+                                              <p:pRg st="12" end="12"/>
                                             </p:txEl>
                                           </p:spTgt>
                                         </p:tgtEl>
@@ -6171,11 +7072,11 @@
                                     </p:set>
                                     <p:animEffect transition="in" filter="fade">
                                       <p:cBhvr>
-                                        <p:cTn id="24" dur="500"/>
-                                        <p:tgtEl>
-                                          <p:spTgt spid="3">
-                                            <p:txEl>
-                                              <p:pRg st="10" end="10"/>
+                                        <p:cTn id="42" dur="500"/>
+                                        <p:tgtEl>
+                                          <p:spTgt spid="4">
+                                            <p:txEl>
+                                              <p:pRg st="12" end="12"/>
                                             </p:txEl>
                                           </p:spTgt>
                                         </p:tgtEl>
@@ -6185,22 +7086,22 @@
                                 </p:cTn>
                               </p:par>
                               <p:par>
-                                <p:cTn id="25" presetID="10" presetClass="entr" presetSubtype="0" fill="hold" nodeType="withEffect">
+                                <p:cTn id="43" presetID="10" presetClass="entr" presetSubtype="0" fill="hold" nodeType="withEffect">
                                   <p:stCondLst>
                                     <p:cond delay="0"/>
                                   </p:stCondLst>
                                   <p:childTnLst>
                                     <p:set>
                                       <p:cBhvr>
-                                        <p:cTn id="26" dur="1" fill="hold">
+                                        <p:cTn id="44" dur="1" fill="hold">
                                           <p:stCondLst>
                                             <p:cond delay="0"/>
                                           </p:stCondLst>
                                         </p:cTn>
                                         <p:tgtEl>
-                                          <p:spTgt spid="3">
-                                            <p:txEl>
-                                              <p:pRg st="11" end="11"/>
+                                          <p:spTgt spid="4">
+                                            <p:txEl>
+                                              <p:pRg st="13" end="13"/>
                                             </p:txEl>
                                           </p:spTgt>
                                         </p:tgtEl>
@@ -6214,11 +7115,11 @@
                                     </p:set>
                                     <p:animEffect transition="in" filter="fade">
                                       <p:cBhvr>
-                                        <p:cTn id="27" dur="500"/>
-                                        <p:tgtEl>
-                                          <p:spTgt spid="3">
-                                            <p:txEl>
-                                              <p:pRg st="11" end="11"/>
+                                        <p:cTn id="45" dur="500"/>
+                                        <p:tgtEl>
+                                          <p:spTgt spid="4">
+                                            <p:txEl>
+                                              <p:pRg st="13" end="13"/>
                                             </p:txEl>
                                           </p:spTgt>
                                         </p:tgtEl>
@@ -6228,22 +7129,22 @@
                                 </p:cTn>
                               </p:par>
                               <p:par>
-                                <p:cTn id="28" presetID="10" presetClass="entr" presetSubtype="0" fill="hold" nodeType="withEffect">
+                                <p:cTn id="46" presetID="10" presetClass="entr" presetSubtype="0" fill="hold" nodeType="withEffect">
                                   <p:stCondLst>
                                     <p:cond delay="0"/>
                                   </p:stCondLst>
                                   <p:childTnLst>
                                     <p:set>
                                       <p:cBhvr>
-                                        <p:cTn id="29" dur="1" fill="hold">
+                                        <p:cTn id="47" dur="1" fill="hold">
                                           <p:stCondLst>
                                             <p:cond delay="0"/>
                                           </p:stCondLst>
                                         </p:cTn>
                                         <p:tgtEl>
-                                          <p:spTgt spid="3">
-                                            <p:txEl>
-                                              <p:pRg st="12" end="12"/>
+                                          <p:spTgt spid="4">
+                                            <p:txEl>
+                                              <p:pRg st="14" end="14"/>
                                             </p:txEl>
                                           </p:spTgt>
                                         </p:tgtEl>
@@ -6257,11 +7158,441 @@
                                     </p:set>
                                     <p:animEffect transition="in" filter="fade">
                                       <p:cBhvr>
-                                        <p:cTn id="30" dur="500"/>
-                                        <p:tgtEl>
-                                          <p:spTgt spid="3">
-                                            <p:txEl>
-                                              <p:pRg st="12" end="12"/>
+                                        <p:cTn id="48" dur="500"/>
+                                        <p:tgtEl>
+                                          <p:spTgt spid="4">
+                                            <p:txEl>
+                                              <p:pRg st="14" end="14"/>
+                                            </p:txEl>
+                                          </p:spTgt>
+                                        </p:tgtEl>
+                                      </p:cBhvr>
+                                    </p:animEffect>
+                                  </p:childTnLst>
+                                </p:cTn>
+                              </p:par>
+                              <p:par>
+                                <p:cTn id="49" presetID="10" presetClass="entr" presetSubtype="0" fill="hold" nodeType="withEffect">
+                                  <p:stCondLst>
+                                    <p:cond delay="0"/>
+                                  </p:stCondLst>
+                                  <p:childTnLst>
+                                    <p:set>
+                                      <p:cBhvr>
+                                        <p:cTn id="50" dur="1" fill="hold">
+                                          <p:stCondLst>
+                                            <p:cond delay="0"/>
+                                          </p:stCondLst>
+                                        </p:cTn>
+                                        <p:tgtEl>
+                                          <p:spTgt spid="4">
+                                            <p:txEl>
+                                              <p:pRg st="15" end="15"/>
+                                            </p:txEl>
+                                          </p:spTgt>
+                                        </p:tgtEl>
+                                        <p:attrNameLst>
+                                          <p:attrName>style.visibility</p:attrName>
+                                        </p:attrNameLst>
+                                      </p:cBhvr>
+                                      <p:to>
+                                        <p:strVal val="visible"/>
+                                      </p:to>
+                                    </p:set>
+                                    <p:animEffect transition="in" filter="fade">
+                                      <p:cBhvr>
+                                        <p:cTn id="51" dur="500"/>
+                                        <p:tgtEl>
+                                          <p:spTgt spid="4">
+                                            <p:txEl>
+                                              <p:pRg st="15" end="15"/>
+                                            </p:txEl>
+                                          </p:spTgt>
+                                        </p:tgtEl>
+                                      </p:cBhvr>
+                                    </p:animEffect>
+                                  </p:childTnLst>
+                                </p:cTn>
+                              </p:par>
+                              <p:par>
+                                <p:cTn id="52" presetID="10" presetClass="entr" presetSubtype="0" fill="hold" nodeType="withEffect">
+                                  <p:stCondLst>
+                                    <p:cond delay="0"/>
+                                  </p:stCondLst>
+                                  <p:childTnLst>
+                                    <p:set>
+                                      <p:cBhvr>
+                                        <p:cTn id="53" dur="1" fill="hold">
+                                          <p:stCondLst>
+                                            <p:cond delay="0"/>
+                                          </p:stCondLst>
+                                        </p:cTn>
+                                        <p:tgtEl>
+                                          <p:spTgt spid="4">
+                                            <p:txEl>
+                                              <p:pRg st="16" end="16"/>
+                                            </p:txEl>
+                                          </p:spTgt>
+                                        </p:tgtEl>
+                                        <p:attrNameLst>
+                                          <p:attrName>style.visibility</p:attrName>
+                                        </p:attrNameLst>
+                                      </p:cBhvr>
+                                      <p:to>
+                                        <p:strVal val="visible"/>
+                                      </p:to>
+                                    </p:set>
+                                    <p:animEffect transition="in" filter="fade">
+                                      <p:cBhvr>
+                                        <p:cTn id="54" dur="500"/>
+                                        <p:tgtEl>
+                                          <p:spTgt spid="4">
+                                            <p:txEl>
+                                              <p:pRg st="16" end="16"/>
+                                            </p:txEl>
+                                          </p:spTgt>
+                                        </p:tgtEl>
+                                      </p:cBhvr>
+                                    </p:animEffect>
+                                  </p:childTnLst>
+                                </p:cTn>
+                              </p:par>
+                              <p:par>
+                                <p:cTn id="55" presetID="10" presetClass="entr" presetSubtype="0" fill="hold" nodeType="withEffect">
+                                  <p:stCondLst>
+                                    <p:cond delay="0"/>
+                                  </p:stCondLst>
+                                  <p:childTnLst>
+                                    <p:set>
+                                      <p:cBhvr>
+                                        <p:cTn id="56" dur="1" fill="hold">
+                                          <p:stCondLst>
+                                            <p:cond delay="0"/>
+                                          </p:stCondLst>
+                                        </p:cTn>
+                                        <p:tgtEl>
+                                          <p:spTgt spid="4">
+                                            <p:txEl>
+                                              <p:pRg st="17" end="17"/>
+                                            </p:txEl>
+                                          </p:spTgt>
+                                        </p:tgtEl>
+                                        <p:attrNameLst>
+                                          <p:attrName>style.visibility</p:attrName>
+                                        </p:attrNameLst>
+                                      </p:cBhvr>
+                                      <p:to>
+                                        <p:strVal val="visible"/>
+                                      </p:to>
+                                    </p:set>
+                                    <p:animEffect transition="in" filter="fade">
+                                      <p:cBhvr>
+                                        <p:cTn id="57" dur="500"/>
+                                        <p:tgtEl>
+                                          <p:spTgt spid="4">
+                                            <p:txEl>
+                                              <p:pRg st="17" end="17"/>
+                                            </p:txEl>
+                                          </p:spTgt>
+                                        </p:tgtEl>
+                                      </p:cBhvr>
+                                    </p:animEffect>
+                                  </p:childTnLst>
+                                </p:cTn>
+                              </p:par>
+                              <p:par>
+                                <p:cTn id="58" presetID="10" presetClass="entr" presetSubtype="0" fill="hold" nodeType="withEffect">
+                                  <p:stCondLst>
+                                    <p:cond delay="0"/>
+                                  </p:stCondLst>
+                                  <p:childTnLst>
+                                    <p:set>
+                                      <p:cBhvr>
+                                        <p:cTn id="59" dur="1" fill="hold">
+                                          <p:stCondLst>
+                                            <p:cond delay="0"/>
+                                          </p:stCondLst>
+                                        </p:cTn>
+                                        <p:tgtEl>
+                                          <p:spTgt spid="4">
+                                            <p:txEl>
+                                              <p:pRg st="18" end="18"/>
+                                            </p:txEl>
+                                          </p:spTgt>
+                                        </p:tgtEl>
+                                        <p:attrNameLst>
+                                          <p:attrName>style.visibility</p:attrName>
+                                        </p:attrNameLst>
+                                      </p:cBhvr>
+                                      <p:to>
+                                        <p:strVal val="visible"/>
+                                      </p:to>
+                                    </p:set>
+                                    <p:animEffect transition="in" filter="fade">
+                                      <p:cBhvr>
+                                        <p:cTn id="60" dur="500"/>
+                                        <p:tgtEl>
+                                          <p:spTgt spid="4">
+                                            <p:txEl>
+                                              <p:pRg st="18" end="18"/>
+                                            </p:txEl>
+                                          </p:spTgt>
+                                        </p:tgtEl>
+                                      </p:cBhvr>
+                                    </p:animEffect>
+                                  </p:childTnLst>
+                                </p:cTn>
+                              </p:par>
+                              <p:par>
+                                <p:cTn id="61" presetID="10" presetClass="entr" presetSubtype="0" fill="hold" nodeType="withEffect">
+                                  <p:stCondLst>
+                                    <p:cond delay="0"/>
+                                  </p:stCondLst>
+                                  <p:childTnLst>
+                                    <p:set>
+                                      <p:cBhvr>
+                                        <p:cTn id="62" dur="1" fill="hold">
+                                          <p:stCondLst>
+                                            <p:cond delay="0"/>
+                                          </p:stCondLst>
+                                        </p:cTn>
+                                        <p:tgtEl>
+                                          <p:spTgt spid="4">
+                                            <p:txEl>
+                                              <p:pRg st="19" end="19"/>
+                                            </p:txEl>
+                                          </p:spTgt>
+                                        </p:tgtEl>
+                                        <p:attrNameLst>
+                                          <p:attrName>style.visibility</p:attrName>
+                                        </p:attrNameLst>
+                                      </p:cBhvr>
+                                      <p:to>
+                                        <p:strVal val="visible"/>
+                                      </p:to>
+                                    </p:set>
+                                    <p:animEffect transition="in" filter="fade">
+                                      <p:cBhvr>
+                                        <p:cTn id="63" dur="500"/>
+                                        <p:tgtEl>
+                                          <p:spTgt spid="4">
+                                            <p:txEl>
+                                              <p:pRg st="19" end="19"/>
+                                            </p:txEl>
+                                          </p:spTgt>
+                                        </p:tgtEl>
+                                      </p:cBhvr>
+                                    </p:animEffect>
+                                  </p:childTnLst>
+                                </p:cTn>
+                              </p:par>
+                              <p:par>
+                                <p:cTn id="64" presetID="10" presetClass="entr" presetSubtype="0" fill="hold" nodeType="withEffect">
+                                  <p:stCondLst>
+                                    <p:cond delay="0"/>
+                                  </p:stCondLst>
+                                  <p:childTnLst>
+                                    <p:set>
+                                      <p:cBhvr>
+                                        <p:cTn id="65" dur="1" fill="hold">
+                                          <p:stCondLst>
+                                            <p:cond delay="0"/>
+                                          </p:stCondLst>
+                                        </p:cTn>
+                                        <p:tgtEl>
+                                          <p:spTgt spid="4">
+                                            <p:txEl>
+                                              <p:pRg st="20" end="20"/>
+                                            </p:txEl>
+                                          </p:spTgt>
+                                        </p:tgtEl>
+                                        <p:attrNameLst>
+                                          <p:attrName>style.visibility</p:attrName>
+                                        </p:attrNameLst>
+                                      </p:cBhvr>
+                                      <p:to>
+                                        <p:strVal val="visible"/>
+                                      </p:to>
+                                    </p:set>
+                                    <p:animEffect transition="in" filter="fade">
+                                      <p:cBhvr>
+                                        <p:cTn id="66" dur="500"/>
+                                        <p:tgtEl>
+                                          <p:spTgt spid="4">
+                                            <p:txEl>
+                                              <p:pRg st="20" end="20"/>
+                                            </p:txEl>
+                                          </p:spTgt>
+                                        </p:tgtEl>
+                                      </p:cBhvr>
+                                    </p:animEffect>
+                                  </p:childTnLst>
+                                </p:cTn>
+                              </p:par>
+                              <p:par>
+                                <p:cTn id="67" presetID="10" presetClass="entr" presetSubtype="0" fill="hold" nodeType="withEffect">
+                                  <p:stCondLst>
+                                    <p:cond delay="0"/>
+                                  </p:stCondLst>
+                                  <p:childTnLst>
+                                    <p:set>
+                                      <p:cBhvr>
+                                        <p:cTn id="68" dur="1" fill="hold">
+                                          <p:stCondLst>
+                                            <p:cond delay="0"/>
+                                          </p:stCondLst>
+                                        </p:cTn>
+                                        <p:tgtEl>
+                                          <p:spTgt spid="4">
+                                            <p:txEl>
+                                              <p:pRg st="21" end="21"/>
+                                            </p:txEl>
+                                          </p:spTgt>
+                                        </p:tgtEl>
+                                        <p:attrNameLst>
+                                          <p:attrName>style.visibility</p:attrName>
+                                        </p:attrNameLst>
+                                      </p:cBhvr>
+                                      <p:to>
+                                        <p:strVal val="visible"/>
+                                      </p:to>
+                                    </p:set>
+                                    <p:animEffect transition="in" filter="fade">
+                                      <p:cBhvr>
+                                        <p:cTn id="69" dur="500"/>
+                                        <p:tgtEl>
+                                          <p:spTgt spid="4">
+                                            <p:txEl>
+                                              <p:pRg st="21" end="21"/>
+                                            </p:txEl>
+                                          </p:spTgt>
+                                        </p:tgtEl>
+                                      </p:cBhvr>
+                                    </p:animEffect>
+                                  </p:childTnLst>
+                                </p:cTn>
+                              </p:par>
+                              <p:par>
+                                <p:cTn id="70" presetID="10" presetClass="entr" presetSubtype="0" fill="hold" nodeType="withEffect">
+                                  <p:stCondLst>
+                                    <p:cond delay="0"/>
+                                  </p:stCondLst>
+                                  <p:childTnLst>
+                                    <p:set>
+                                      <p:cBhvr>
+                                        <p:cTn id="71" dur="1" fill="hold">
+                                          <p:stCondLst>
+                                            <p:cond delay="0"/>
+                                          </p:stCondLst>
+                                        </p:cTn>
+                                        <p:tgtEl>
+                                          <p:spTgt spid="4">
+                                            <p:txEl>
+                                              <p:pRg st="22" end="22"/>
+                                            </p:txEl>
+                                          </p:spTgt>
+                                        </p:tgtEl>
+                                        <p:attrNameLst>
+                                          <p:attrName>style.visibility</p:attrName>
+                                        </p:attrNameLst>
+                                      </p:cBhvr>
+                                      <p:to>
+                                        <p:strVal val="visible"/>
+                                      </p:to>
+                                    </p:set>
+                                    <p:animEffect transition="in" filter="fade">
+                                      <p:cBhvr>
+                                        <p:cTn id="72" dur="500"/>
+                                        <p:tgtEl>
+                                          <p:spTgt spid="4">
+                                            <p:txEl>
+                                              <p:pRg st="22" end="22"/>
+                                            </p:txEl>
+                                          </p:spTgt>
+                                        </p:tgtEl>
+                                      </p:cBhvr>
+                                    </p:animEffect>
+                                  </p:childTnLst>
+                                </p:cTn>
+                              </p:par>
+                              <p:par>
+                                <p:cTn id="73" presetID="10" presetClass="entr" presetSubtype="0" fill="hold" nodeType="withEffect">
+                                  <p:stCondLst>
+                                    <p:cond delay="0"/>
+                                  </p:stCondLst>
+                                  <p:childTnLst>
+                                    <p:set>
+                                      <p:cBhvr>
+                                        <p:cTn id="74" dur="1" fill="hold">
+                                          <p:stCondLst>
+                                            <p:cond delay="0"/>
+                                          </p:stCondLst>
+                                        </p:cTn>
+                                        <p:tgtEl>
+                                          <p:spTgt spid="4">
+                                            <p:txEl>
+                                              <p:pRg st="23" end="23"/>
+                                            </p:txEl>
+                                          </p:spTgt>
+                                        </p:tgtEl>
+                                        <p:attrNameLst>
+                                          <p:attrName>style.visibility</p:attrName>
+                                        </p:attrNameLst>
+                                      </p:cBhvr>
+                                      <p:to>
+                                        <p:strVal val="visible"/>
+                                      </p:to>
+                                    </p:set>
+                                    <p:animEffect transition="in" filter="fade">
+                                      <p:cBhvr>
+                                        <p:cTn id="75" dur="500"/>
+                                        <p:tgtEl>
+                                          <p:spTgt spid="4">
+                                            <p:txEl>
+                                              <p:pRg st="23" end="23"/>
+                                            </p:txEl>
+                                          </p:spTgt>
+                                        </p:tgtEl>
+                                      </p:cBhvr>
+                                    </p:animEffect>
+                                  </p:childTnLst>
+                                </p:cTn>
+                              </p:par>
+                              <p:par>
+                                <p:cTn id="76" presetID="10" presetClass="entr" presetSubtype="0" fill="hold" nodeType="withEffect">
+                                  <p:stCondLst>
+                                    <p:cond delay="0"/>
+                                  </p:stCondLst>
+                                  <p:childTnLst>
+                                    <p:set>
+                                      <p:cBhvr>
+                                        <p:cTn id="77" dur="1" fill="hold">
+                                          <p:stCondLst>
+                                            <p:cond delay="0"/>
+                                          </p:stCondLst>
+                                        </p:cTn>
+                                        <p:tgtEl>
+                                          <p:spTgt spid="4">
+                                            <p:txEl>
+                                              <p:pRg st="24" end="24"/>
+                                            </p:txEl>
+                                          </p:spTgt>
+                                        </p:tgtEl>
+                                        <p:attrNameLst>
+                                          <p:attrName>style.visibility</p:attrName>
+                                        </p:attrNameLst>
+                                      </p:cBhvr>
+                                      <p:to>
+                                        <p:strVal val="visible"/>
+                                      </p:to>
+                                    </p:set>
+                                    <p:animEffect transition="in" filter="fade">
+                                      <p:cBhvr>
+                                        <p:cTn id="78" dur="500"/>
+                                        <p:tgtEl>
+                                          <p:spTgt spid="4">
+                                            <p:txEl>
+                                              <p:pRg st="24" end="24"/>
                                             </p:txEl>
                                           </p:spTgt>
                                         </p:tgtEl>
@@ -6277,34 +7608,34 @@
                     </p:cTn>
                   </p:par>
                   <p:par>
-                    <p:cTn id="31" fill="hold">
+                    <p:cTn id="79" fill="hold">
                       <p:stCondLst>
                         <p:cond delay="indefinite"/>
                       </p:stCondLst>
                       <p:childTnLst>
                         <p:par>
-                          <p:cTn id="32" fill="hold">
+                          <p:cTn id="80" fill="hold">
                             <p:stCondLst>
                               <p:cond delay="0"/>
                             </p:stCondLst>
                             <p:childTnLst>
                               <p:par>
-                                <p:cTn id="33" presetID="10" presetClass="entr" presetSubtype="0" fill="hold" nodeType="clickEffect">
+                                <p:cTn id="81" presetID="10" presetClass="entr" presetSubtype="0" fill="hold" nodeType="clickEffect">
                                   <p:stCondLst>
                                     <p:cond delay="0"/>
                                   </p:stCondLst>
                                   <p:childTnLst>
                                     <p:set>
                                       <p:cBhvr>
-                                        <p:cTn id="34" dur="1" fill="hold">
+                                        <p:cTn id="82" dur="1" fill="hold">
                                           <p:stCondLst>
                                             <p:cond delay="0"/>
                                           </p:stCondLst>
                                         </p:cTn>
                                         <p:tgtEl>
-                                          <p:spTgt spid="3">
-                                            <p:txEl>
-                                              <p:pRg st="13" end="13"/>
+                                          <p:spTgt spid="5">
+                                            <p:txEl>
+                                              <p:pRg st="0" end="0"/>
                                             </p:txEl>
                                           </p:spTgt>
                                         </p:tgtEl>
@@ -6318,11 +7649,11 @@
                                     </p:set>
                                     <p:animEffect transition="in" filter="fade">
                                       <p:cBhvr>
-                                        <p:cTn id="35" dur="500"/>
-                                        <p:tgtEl>
-                                          <p:spTgt spid="3">
-                                            <p:txEl>
-                                              <p:pRg st="13" end="13"/>
+                                        <p:cTn id="83" dur="500"/>
+                                        <p:tgtEl>
+                                          <p:spTgt spid="5">
+                                            <p:txEl>
+                                              <p:pRg st="0" end="0"/>
                                             </p:txEl>
                                           </p:spTgt>
                                         </p:tgtEl>
@@ -6332,22 +7663,22 @@
                                 </p:cTn>
                               </p:par>
                               <p:par>
-                                <p:cTn id="36" presetID="10" presetClass="entr" presetSubtype="0" fill="hold" nodeType="withEffect">
+                                <p:cTn id="84" presetID="10" presetClass="entr" presetSubtype="0" fill="hold" nodeType="withEffect">
                                   <p:stCondLst>
                                     <p:cond delay="0"/>
                                   </p:stCondLst>
                                   <p:childTnLst>
                                     <p:set>
                                       <p:cBhvr>
-                                        <p:cTn id="37" dur="1" fill="hold">
+                                        <p:cTn id="85" dur="1" fill="hold">
                                           <p:stCondLst>
                                             <p:cond delay="0"/>
                                           </p:stCondLst>
                                         </p:cTn>
                                         <p:tgtEl>
-                                          <p:spTgt spid="3">
-                                            <p:txEl>
-                                              <p:pRg st="14" end="14"/>
+                                          <p:spTgt spid="5">
+                                            <p:txEl>
+                                              <p:pRg st="1" end="1"/>
                                             </p:txEl>
                                           </p:spTgt>
                                         </p:tgtEl>
@@ -6361,11 +7692,11 @@
                                     </p:set>
                                     <p:animEffect transition="in" filter="fade">
                                       <p:cBhvr>
-                                        <p:cTn id="38" dur="500"/>
-                                        <p:tgtEl>
-                                          <p:spTgt spid="3">
-                                            <p:txEl>
-                                              <p:pRg st="14" end="14"/>
+                                        <p:cTn id="86" dur="500"/>
+                                        <p:tgtEl>
+                                          <p:spTgt spid="5">
+                                            <p:txEl>
+                                              <p:pRg st="1" end="1"/>
                                             </p:txEl>
                                           </p:spTgt>
                                         </p:tgtEl>
@@ -6375,22 +7706,22 @@
                                 </p:cTn>
                               </p:par>
                               <p:par>
-                                <p:cTn id="39" presetID="10" presetClass="entr" presetSubtype="0" fill="hold" nodeType="withEffect">
+                                <p:cTn id="87" presetID="10" presetClass="entr" presetSubtype="0" fill="hold" nodeType="withEffect">
                                   <p:stCondLst>
                                     <p:cond delay="0"/>
                                   </p:stCondLst>
                                   <p:childTnLst>
                                     <p:set>
                                       <p:cBhvr>
-                                        <p:cTn id="40" dur="1" fill="hold">
+                                        <p:cTn id="88" dur="1" fill="hold">
                                           <p:stCondLst>
                                             <p:cond delay="0"/>
                                           </p:stCondLst>
                                         </p:cTn>
                                         <p:tgtEl>
-                                          <p:spTgt spid="3">
-                                            <p:txEl>
-                                              <p:pRg st="15" end="15"/>
+                                          <p:spTgt spid="5">
+                                            <p:txEl>
+                                              <p:pRg st="2" end="2"/>
                                             </p:txEl>
                                           </p:spTgt>
                                         </p:tgtEl>
@@ -6404,11 +7735,11 @@
                                     </p:set>
                                     <p:animEffect transition="in" filter="fade">
                                       <p:cBhvr>
-                                        <p:cTn id="41" dur="500"/>
-                                        <p:tgtEl>
-                                          <p:spTgt spid="3">
-                                            <p:txEl>
-                                              <p:pRg st="15" end="15"/>
+                                        <p:cTn id="89" dur="500"/>
+                                        <p:tgtEl>
+                                          <p:spTgt spid="5">
+                                            <p:txEl>
+                                              <p:pRg st="2" end="2"/>
                                             </p:txEl>
                                           </p:spTgt>
                                         </p:tgtEl>
@@ -6418,22 +7749,22 @@
                                 </p:cTn>
                               </p:par>
                               <p:par>
-                                <p:cTn id="42" presetID="10" presetClass="entr" presetSubtype="0" fill="hold" nodeType="withEffect">
+                                <p:cTn id="90" presetID="10" presetClass="entr" presetSubtype="0" fill="hold" nodeType="withEffect">
                                   <p:stCondLst>
                                     <p:cond delay="0"/>
                                   </p:stCondLst>
                                   <p:childTnLst>
                                     <p:set>
                                       <p:cBhvr>
-                                        <p:cTn id="43" dur="1" fill="hold">
+                                        <p:cTn id="91" dur="1" fill="hold">
                                           <p:stCondLst>
                                             <p:cond delay="0"/>
                                           </p:stCondLst>
                                         </p:cTn>
                                         <p:tgtEl>
-                                          <p:spTgt spid="3">
-                                            <p:txEl>
-                                              <p:pRg st="16" end="16"/>
+                                          <p:spTgt spid="5">
+                                            <p:txEl>
+                                              <p:pRg st="3" end="3"/>
                                             </p:txEl>
                                           </p:spTgt>
                                         </p:tgtEl>
@@ -6447,11 +7778,11 @@
                                     </p:set>
                                     <p:animEffect transition="in" filter="fade">
                                       <p:cBhvr>
-                                        <p:cTn id="44" dur="500"/>
-                                        <p:tgtEl>
-                                          <p:spTgt spid="3">
-                                            <p:txEl>
-                                              <p:pRg st="16" end="16"/>
+                                        <p:cTn id="92" dur="500"/>
+                                        <p:tgtEl>
+                                          <p:spTgt spid="5">
+                                            <p:txEl>
+                                              <p:pRg st="3" end="3"/>
                                             </p:txEl>
                                           </p:spTgt>
                                         </p:tgtEl>
@@ -6461,22 +7792,22 @@
                                 </p:cTn>
                               </p:par>
                               <p:par>
-                                <p:cTn id="45" presetID="10" presetClass="entr" presetSubtype="0" fill="hold" nodeType="withEffect">
+                                <p:cTn id="93" presetID="10" presetClass="entr" presetSubtype="0" fill="hold" nodeType="withEffect">
                                   <p:stCondLst>
                                     <p:cond delay="0"/>
                                   </p:stCondLst>
                                   <p:childTnLst>
                                     <p:set>
                                       <p:cBhvr>
-                                        <p:cTn id="46" dur="1" fill="hold">
+                                        <p:cTn id="94" dur="1" fill="hold">
                                           <p:stCondLst>
                                             <p:cond delay="0"/>
                                           </p:stCondLst>
                                         </p:cTn>
                                         <p:tgtEl>
-                                          <p:spTgt spid="3">
-                                            <p:txEl>
-                                              <p:pRg st="17" end="17"/>
+                                          <p:spTgt spid="5">
+                                            <p:txEl>
+                                              <p:pRg st="4" end="4"/>
                                             </p:txEl>
                                           </p:spTgt>
                                         </p:tgtEl>
@@ -6490,11 +7821,613 @@
                                     </p:set>
                                     <p:animEffect transition="in" filter="fade">
                                       <p:cBhvr>
-                                        <p:cTn id="47" dur="500"/>
-                                        <p:tgtEl>
-                                          <p:spTgt spid="3">
+                                        <p:cTn id="95" dur="500"/>
+                                        <p:tgtEl>
+                                          <p:spTgt spid="5">
+                                            <p:txEl>
+                                              <p:pRg st="4" end="4"/>
+                                            </p:txEl>
+                                          </p:spTgt>
+                                        </p:tgtEl>
+                                      </p:cBhvr>
+                                    </p:animEffect>
+                                  </p:childTnLst>
+                                </p:cTn>
+                              </p:par>
+                              <p:par>
+                                <p:cTn id="96" presetID="10" presetClass="entr" presetSubtype="0" fill="hold" nodeType="withEffect">
+                                  <p:stCondLst>
+                                    <p:cond delay="0"/>
+                                  </p:stCondLst>
+                                  <p:childTnLst>
+                                    <p:set>
+                                      <p:cBhvr>
+                                        <p:cTn id="97" dur="1" fill="hold">
+                                          <p:stCondLst>
+                                            <p:cond delay="0"/>
+                                          </p:stCondLst>
+                                        </p:cTn>
+                                        <p:tgtEl>
+                                          <p:spTgt spid="5">
+                                            <p:txEl>
+                                              <p:pRg st="5" end="5"/>
+                                            </p:txEl>
+                                          </p:spTgt>
+                                        </p:tgtEl>
+                                        <p:attrNameLst>
+                                          <p:attrName>style.visibility</p:attrName>
+                                        </p:attrNameLst>
+                                      </p:cBhvr>
+                                      <p:to>
+                                        <p:strVal val="visible"/>
+                                      </p:to>
+                                    </p:set>
+                                    <p:animEffect transition="in" filter="fade">
+                                      <p:cBhvr>
+                                        <p:cTn id="98" dur="500"/>
+                                        <p:tgtEl>
+                                          <p:spTgt spid="5">
+                                            <p:txEl>
+                                              <p:pRg st="5" end="5"/>
+                                            </p:txEl>
+                                          </p:spTgt>
+                                        </p:tgtEl>
+                                      </p:cBhvr>
+                                    </p:animEffect>
+                                  </p:childTnLst>
+                                </p:cTn>
+                              </p:par>
+                              <p:par>
+                                <p:cTn id="99" presetID="10" presetClass="entr" presetSubtype="0" fill="hold" nodeType="withEffect">
+                                  <p:stCondLst>
+                                    <p:cond delay="0"/>
+                                  </p:stCondLst>
+                                  <p:childTnLst>
+                                    <p:set>
+                                      <p:cBhvr>
+                                        <p:cTn id="100" dur="1" fill="hold">
+                                          <p:stCondLst>
+                                            <p:cond delay="0"/>
+                                          </p:stCondLst>
+                                        </p:cTn>
+                                        <p:tgtEl>
+                                          <p:spTgt spid="5">
+                                            <p:txEl>
+                                              <p:pRg st="6" end="6"/>
+                                            </p:txEl>
+                                          </p:spTgt>
+                                        </p:tgtEl>
+                                        <p:attrNameLst>
+                                          <p:attrName>style.visibility</p:attrName>
+                                        </p:attrNameLst>
+                                      </p:cBhvr>
+                                      <p:to>
+                                        <p:strVal val="visible"/>
+                                      </p:to>
+                                    </p:set>
+                                    <p:animEffect transition="in" filter="fade">
+                                      <p:cBhvr>
+                                        <p:cTn id="101" dur="500"/>
+                                        <p:tgtEl>
+                                          <p:spTgt spid="5">
+                                            <p:txEl>
+                                              <p:pRg st="6" end="6"/>
+                                            </p:txEl>
+                                          </p:spTgt>
+                                        </p:tgtEl>
+                                      </p:cBhvr>
+                                    </p:animEffect>
+                                  </p:childTnLst>
+                                </p:cTn>
+                              </p:par>
+                              <p:par>
+                                <p:cTn id="102" presetID="10" presetClass="entr" presetSubtype="0" fill="hold" nodeType="withEffect">
+                                  <p:stCondLst>
+                                    <p:cond delay="0"/>
+                                  </p:stCondLst>
+                                  <p:childTnLst>
+                                    <p:set>
+                                      <p:cBhvr>
+                                        <p:cTn id="103" dur="1" fill="hold">
+                                          <p:stCondLst>
+                                            <p:cond delay="0"/>
+                                          </p:stCondLst>
+                                        </p:cTn>
+                                        <p:tgtEl>
+                                          <p:spTgt spid="5">
+                                            <p:txEl>
+                                              <p:pRg st="7" end="7"/>
+                                            </p:txEl>
+                                          </p:spTgt>
+                                        </p:tgtEl>
+                                        <p:attrNameLst>
+                                          <p:attrName>style.visibility</p:attrName>
+                                        </p:attrNameLst>
+                                      </p:cBhvr>
+                                      <p:to>
+                                        <p:strVal val="visible"/>
+                                      </p:to>
+                                    </p:set>
+                                    <p:animEffect transition="in" filter="fade">
+                                      <p:cBhvr>
+                                        <p:cTn id="104" dur="500"/>
+                                        <p:tgtEl>
+                                          <p:spTgt spid="5">
+                                            <p:txEl>
+                                              <p:pRg st="7" end="7"/>
+                                            </p:txEl>
+                                          </p:spTgt>
+                                        </p:tgtEl>
+                                      </p:cBhvr>
+                                    </p:animEffect>
+                                  </p:childTnLst>
+                                </p:cTn>
+                              </p:par>
+                              <p:par>
+                                <p:cTn id="105" presetID="10" presetClass="entr" presetSubtype="0" fill="hold" nodeType="withEffect">
+                                  <p:stCondLst>
+                                    <p:cond delay="0"/>
+                                  </p:stCondLst>
+                                  <p:childTnLst>
+                                    <p:set>
+                                      <p:cBhvr>
+                                        <p:cTn id="106" dur="1" fill="hold">
+                                          <p:stCondLst>
+                                            <p:cond delay="0"/>
+                                          </p:stCondLst>
+                                        </p:cTn>
+                                        <p:tgtEl>
+                                          <p:spTgt spid="5">
+                                            <p:txEl>
+                                              <p:pRg st="8" end="8"/>
+                                            </p:txEl>
+                                          </p:spTgt>
+                                        </p:tgtEl>
+                                        <p:attrNameLst>
+                                          <p:attrName>style.visibility</p:attrName>
+                                        </p:attrNameLst>
+                                      </p:cBhvr>
+                                      <p:to>
+                                        <p:strVal val="visible"/>
+                                      </p:to>
+                                    </p:set>
+                                    <p:animEffect transition="in" filter="fade">
+                                      <p:cBhvr>
+                                        <p:cTn id="107" dur="500"/>
+                                        <p:tgtEl>
+                                          <p:spTgt spid="5">
+                                            <p:txEl>
+                                              <p:pRg st="8" end="8"/>
+                                            </p:txEl>
+                                          </p:spTgt>
+                                        </p:tgtEl>
+                                      </p:cBhvr>
+                                    </p:animEffect>
+                                  </p:childTnLst>
+                                </p:cTn>
+                              </p:par>
+                              <p:par>
+                                <p:cTn id="108" presetID="10" presetClass="entr" presetSubtype="0" fill="hold" nodeType="withEffect">
+                                  <p:stCondLst>
+                                    <p:cond delay="0"/>
+                                  </p:stCondLst>
+                                  <p:childTnLst>
+                                    <p:set>
+                                      <p:cBhvr>
+                                        <p:cTn id="109" dur="1" fill="hold">
+                                          <p:stCondLst>
+                                            <p:cond delay="0"/>
+                                          </p:stCondLst>
+                                        </p:cTn>
+                                        <p:tgtEl>
+                                          <p:spTgt spid="5">
+                                            <p:txEl>
+                                              <p:pRg st="9" end="9"/>
+                                            </p:txEl>
+                                          </p:spTgt>
+                                        </p:tgtEl>
+                                        <p:attrNameLst>
+                                          <p:attrName>style.visibility</p:attrName>
+                                        </p:attrNameLst>
+                                      </p:cBhvr>
+                                      <p:to>
+                                        <p:strVal val="visible"/>
+                                      </p:to>
+                                    </p:set>
+                                    <p:animEffect transition="in" filter="fade">
+                                      <p:cBhvr>
+                                        <p:cTn id="110" dur="500"/>
+                                        <p:tgtEl>
+                                          <p:spTgt spid="5">
+                                            <p:txEl>
+                                              <p:pRg st="9" end="9"/>
+                                            </p:txEl>
+                                          </p:spTgt>
+                                        </p:tgtEl>
+                                      </p:cBhvr>
+                                    </p:animEffect>
+                                  </p:childTnLst>
+                                </p:cTn>
+                              </p:par>
+                              <p:par>
+                                <p:cTn id="111" presetID="10" presetClass="entr" presetSubtype="0" fill="hold" nodeType="withEffect">
+                                  <p:stCondLst>
+                                    <p:cond delay="0"/>
+                                  </p:stCondLst>
+                                  <p:childTnLst>
+                                    <p:set>
+                                      <p:cBhvr>
+                                        <p:cTn id="112" dur="1" fill="hold">
+                                          <p:stCondLst>
+                                            <p:cond delay="0"/>
+                                          </p:stCondLst>
+                                        </p:cTn>
+                                        <p:tgtEl>
+                                          <p:spTgt spid="5">
+                                            <p:txEl>
+                                              <p:pRg st="10" end="10"/>
+                                            </p:txEl>
+                                          </p:spTgt>
+                                        </p:tgtEl>
+                                        <p:attrNameLst>
+                                          <p:attrName>style.visibility</p:attrName>
+                                        </p:attrNameLst>
+                                      </p:cBhvr>
+                                      <p:to>
+                                        <p:strVal val="visible"/>
+                                      </p:to>
+                                    </p:set>
+                                    <p:animEffect transition="in" filter="fade">
+                                      <p:cBhvr>
+                                        <p:cTn id="113" dur="500"/>
+                                        <p:tgtEl>
+                                          <p:spTgt spid="5">
+                                            <p:txEl>
+                                              <p:pRg st="10" end="10"/>
+                                            </p:txEl>
+                                          </p:spTgt>
+                                        </p:tgtEl>
+                                      </p:cBhvr>
+                                    </p:animEffect>
+                                  </p:childTnLst>
+                                </p:cTn>
+                              </p:par>
+                              <p:par>
+                                <p:cTn id="114" presetID="10" presetClass="entr" presetSubtype="0" fill="hold" nodeType="withEffect">
+                                  <p:stCondLst>
+                                    <p:cond delay="0"/>
+                                  </p:stCondLst>
+                                  <p:childTnLst>
+                                    <p:set>
+                                      <p:cBhvr>
+                                        <p:cTn id="115" dur="1" fill="hold">
+                                          <p:stCondLst>
+                                            <p:cond delay="0"/>
+                                          </p:stCondLst>
+                                        </p:cTn>
+                                        <p:tgtEl>
+                                          <p:spTgt spid="5">
+                                            <p:txEl>
+                                              <p:pRg st="11" end="11"/>
+                                            </p:txEl>
+                                          </p:spTgt>
+                                        </p:tgtEl>
+                                        <p:attrNameLst>
+                                          <p:attrName>style.visibility</p:attrName>
+                                        </p:attrNameLst>
+                                      </p:cBhvr>
+                                      <p:to>
+                                        <p:strVal val="visible"/>
+                                      </p:to>
+                                    </p:set>
+                                    <p:animEffect transition="in" filter="fade">
+                                      <p:cBhvr>
+                                        <p:cTn id="116" dur="500"/>
+                                        <p:tgtEl>
+                                          <p:spTgt spid="5">
+                                            <p:txEl>
+                                              <p:pRg st="11" end="11"/>
+                                            </p:txEl>
+                                          </p:spTgt>
+                                        </p:tgtEl>
+                                      </p:cBhvr>
+                                    </p:animEffect>
+                                  </p:childTnLst>
+                                </p:cTn>
+                              </p:par>
+                              <p:par>
+                                <p:cTn id="117" presetID="10" presetClass="entr" presetSubtype="0" fill="hold" nodeType="withEffect">
+                                  <p:stCondLst>
+                                    <p:cond delay="0"/>
+                                  </p:stCondLst>
+                                  <p:childTnLst>
+                                    <p:set>
+                                      <p:cBhvr>
+                                        <p:cTn id="118" dur="1" fill="hold">
+                                          <p:stCondLst>
+                                            <p:cond delay="0"/>
+                                          </p:stCondLst>
+                                        </p:cTn>
+                                        <p:tgtEl>
+                                          <p:spTgt spid="5">
+                                            <p:txEl>
+                                              <p:pRg st="13" end="13"/>
+                                            </p:txEl>
+                                          </p:spTgt>
+                                        </p:tgtEl>
+                                        <p:attrNameLst>
+                                          <p:attrName>style.visibility</p:attrName>
+                                        </p:attrNameLst>
+                                      </p:cBhvr>
+                                      <p:to>
+                                        <p:strVal val="visible"/>
+                                      </p:to>
+                                    </p:set>
+                                    <p:animEffect transition="in" filter="fade">
+                                      <p:cBhvr>
+                                        <p:cTn id="119" dur="500"/>
+                                        <p:tgtEl>
+                                          <p:spTgt spid="5">
+                                            <p:txEl>
+                                              <p:pRg st="13" end="13"/>
+                                            </p:txEl>
+                                          </p:spTgt>
+                                        </p:tgtEl>
+                                      </p:cBhvr>
+                                    </p:animEffect>
+                                  </p:childTnLst>
+                                </p:cTn>
+                              </p:par>
+                              <p:par>
+                                <p:cTn id="120" presetID="10" presetClass="entr" presetSubtype="0" fill="hold" nodeType="withEffect">
+                                  <p:stCondLst>
+                                    <p:cond delay="0"/>
+                                  </p:stCondLst>
+                                  <p:childTnLst>
+                                    <p:set>
+                                      <p:cBhvr>
+                                        <p:cTn id="121" dur="1" fill="hold">
+                                          <p:stCondLst>
+                                            <p:cond delay="0"/>
+                                          </p:stCondLst>
+                                        </p:cTn>
+                                        <p:tgtEl>
+                                          <p:spTgt spid="5">
+                                            <p:txEl>
+                                              <p:pRg st="14" end="14"/>
+                                            </p:txEl>
+                                          </p:spTgt>
+                                        </p:tgtEl>
+                                        <p:attrNameLst>
+                                          <p:attrName>style.visibility</p:attrName>
+                                        </p:attrNameLst>
+                                      </p:cBhvr>
+                                      <p:to>
+                                        <p:strVal val="visible"/>
+                                      </p:to>
+                                    </p:set>
+                                    <p:animEffect transition="in" filter="fade">
+                                      <p:cBhvr>
+                                        <p:cTn id="122" dur="500"/>
+                                        <p:tgtEl>
+                                          <p:spTgt spid="5">
+                                            <p:txEl>
+                                              <p:pRg st="14" end="14"/>
+                                            </p:txEl>
+                                          </p:spTgt>
+                                        </p:tgtEl>
+                                      </p:cBhvr>
+                                    </p:animEffect>
+                                  </p:childTnLst>
+                                </p:cTn>
+                              </p:par>
+                              <p:par>
+                                <p:cTn id="123" presetID="10" presetClass="entr" presetSubtype="0" fill="hold" nodeType="withEffect">
+                                  <p:stCondLst>
+                                    <p:cond delay="0"/>
+                                  </p:stCondLst>
+                                  <p:childTnLst>
+                                    <p:set>
+                                      <p:cBhvr>
+                                        <p:cTn id="124" dur="1" fill="hold">
+                                          <p:stCondLst>
+                                            <p:cond delay="0"/>
+                                          </p:stCondLst>
+                                        </p:cTn>
+                                        <p:tgtEl>
+                                          <p:spTgt spid="5">
+                                            <p:txEl>
+                                              <p:pRg st="15" end="15"/>
+                                            </p:txEl>
+                                          </p:spTgt>
+                                        </p:tgtEl>
+                                        <p:attrNameLst>
+                                          <p:attrName>style.visibility</p:attrName>
+                                        </p:attrNameLst>
+                                      </p:cBhvr>
+                                      <p:to>
+                                        <p:strVal val="visible"/>
+                                      </p:to>
+                                    </p:set>
+                                    <p:animEffect transition="in" filter="fade">
+                                      <p:cBhvr>
+                                        <p:cTn id="125" dur="500"/>
+                                        <p:tgtEl>
+                                          <p:spTgt spid="5">
+                                            <p:txEl>
+                                              <p:pRg st="15" end="15"/>
+                                            </p:txEl>
+                                          </p:spTgt>
+                                        </p:tgtEl>
+                                      </p:cBhvr>
+                                    </p:animEffect>
+                                  </p:childTnLst>
+                                </p:cTn>
+                              </p:par>
+                              <p:par>
+                                <p:cTn id="126" presetID="10" presetClass="entr" presetSubtype="0" fill="hold" nodeType="withEffect">
+                                  <p:stCondLst>
+                                    <p:cond delay="0"/>
+                                  </p:stCondLst>
+                                  <p:childTnLst>
+                                    <p:set>
+                                      <p:cBhvr>
+                                        <p:cTn id="127" dur="1" fill="hold">
+                                          <p:stCondLst>
+                                            <p:cond delay="0"/>
+                                          </p:stCondLst>
+                                        </p:cTn>
+                                        <p:tgtEl>
+                                          <p:spTgt spid="5">
+                                            <p:txEl>
+                                              <p:pRg st="16" end="16"/>
+                                            </p:txEl>
+                                          </p:spTgt>
+                                        </p:tgtEl>
+                                        <p:attrNameLst>
+                                          <p:attrName>style.visibility</p:attrName>
+                                        </p:attrNameLst>
+                                      </p:cBhvr>
+                                      <p:to>
+                                        <p:strVal val="visible"/>
+                                      </p:to>
+                                    </p:set>
+                                    <p:animEffect transition="in" filter="fade">
+                                      <p:cBhvr>
+                                        <p:cTn id="128" dur="500"/>
+                                        <p:tgtEl>
+                                          <p:spTgt spid="5">
+                                            <p:txEl>
+                                              <p:pRg st="16" end="16"/>
+                                            </p:txEl>
+                                          </p:spTgt>
+                                        </p:tgtEl>
+                                      </p:cBhvr>
+                                    </p:animEffect>
+                                  </p:childTnLst>
+                                </p:cTn>
+                              </p:par>
+                              <p:par>
+                                <p:cTn id="129" presetID="10" presetClass="entr" presetSubtype="0" fill="hold" nodeType="withEffect">
+                                  <p:stCondLst>
+                                    <p:cond delay="0"/>
+                                  </p:stCondLst>
+                                  <p:childTnLst>
+                                    <p:set>
+                                      <p:cBhvr>
+                                        <p:cTn id="130" dur="1" fill="hold">
+                                          <p:stCondLst>
+                                            <p:cond delay="0"/>
+                                          </p:stCondLst>
+                                        </p:cTn>
+                                        <p:tgtEl>
+                                          <p:spTgt spid="5">
                                             <p:txEl>
                                               <p:pRg st="17" end="17"/>
+                                            </p:txEl>
+                                          </p:spTgt>
+                                        </p:tgtEl>
+                                        <p:attrNameLst>
+                                          <p:attrName>style.visibility</p:attrName>
+                                        </p:attrNameLst>
+                                      </p:cBhvr>
+                                      <p:to>
+                                        <p:strVal val="visible"/>
+                                      </p:to>
+                                    </p:set>
+                                    <p:animEffect transition="in" filter="fade">
+                                      <p:cBhvr>
+                                        <p:cTn id="131" dur="500"/>
+                                        <p:tgtEl>
+                                          <p:spTgt spid="5">
+                                            <p:txEl>
+                                              <p:pRg st="17" end="17"/>
+                                            </p:txEl>
+                                          </p:spTgt>
+                                        </p:tgtEl>
+                                      </p:cBhvr>
+                                    </p:animEffect>
+                                  </p:childTnLst>
+                                </p:cTn>
+                              </p:par>
+                              <p:par>
+                                <p:cTn id="132" presetID="10" presetClass="entr" presetSubtype="0" fill="hold" nodeType="withEffect">
+                                  <p:stCondLst>
+                                    <p:cond delay="0"/>
+                                  </p:stCondLst>
+                                  <p:childTnLst>
+                                    <p:set>
+                                      <p:cBhvr>
+                                        <p:cTn id="133" dur="1" fill="hold">
+                                          <p:stCondLst>
+                                            <p:cond delay="0"/>
+                                          </p:stCondLst>
+                                        </p:cTn>
+                                        <p:tgtEl>
+                                          <p:spTgt spid="5">
+                                            <p:txEl>
+                                              <p:pRg st="18" end="18"/>
+                                            </p:txEl>
+                                          </p:spTgt>
+                                        </p:tgtEl>
+                                        <p:attrNameLst>
+                                          <p:attrName>style.visibility</p:attrName>
+                                        </p:attrNameLst>
+                                      </p:cBhvr>
+                                      <p:to>
+                                        <p:strVal val="visible"/>
+                                      </p:to>
+                                    </p:set>
+                                    <p:animEffect transition="in" filter="fade">
+                                      <p:cBhvr>
+                                        <p:cTn id="134" dur="500"/>
+                                        <p:tgtEl>
+                                          <p:spTgt spid="5">
+                                            <p:txEl>
+                                              <p:pRg st="18" end="18"/>
+                                            </p:txEl>
+                                          </p:spTgt>
+                                        </p:tgtEl>
+                                      </p:cBhvr>
+                                    </p:animEffect>
+                                  </p:childTnLst>
+                                </p:cTn>
+                              </p:par>
+                              <p:par>
+                                <p:cTn id="135" presetID="10" presetClass="entr" presetSubtype="0" fill="hold" nodeType="withEffect">
+                                  <p:stCondLst>
+                                    <p:cond delay="0"/>
+                                  </p:stCondLst>
+                                  <p:childTnLst>
+                                    <p:set>
+                                      <p:cBhvr>
+                                        <p:cTn id="136" dur="1" fill="hold">
+                                          <p:stCondLst>
+                                            <p:cond delay="0"/>
+                                          </p:stCondLst>
+                                        </p:cTn>
+                                        <p:tgtEl>
+                                          <p:spTgt spid="5">
+                                            <p:txEl>
+                                              <p:pRg st="19" end="19"/>
+                                            </p:txEl>
+                                          </p:spTgt>
+                                        </p:tgtEl>
+                                        <p:attrNameLst>
+                                          <p:attrName>style.visibility</p:attrName>
+                                        </p:attrNameLst>
+                                      </p:cBhvr>
+                                      <p:to>
+                                        <p:strVal val="visible"/>
+                                      </p:to>
+                                    </p:set>
+                                    <p:animEffect transition="in" filter="fade">
+                                      <p:cBhvr>
+                                        <p:cTn id="137" dur="500"/>
+                                        <p:tgtEl>
+                                          <p:spTgt spid="5">
+                                            <p:txEl>
+                                              <p:pRg st="19" end="19"/>
                                             </p:txEl>
                                           </p:spTgt>
                                         </p:tgtEl>
@@ -6563,12 +8496,14 @@
         </p:nvSpPr>
         <p:spPr/>
         <p:txBody>
-          <a:bodyPr/>
+          <a:bodyPr>
+            <a:normAutofit fontScale="90000"/>
+          </a:bodyPr>
           <a:lstStyle/>
           <a:p>
             <a:r>
               <a:rPr lang="ru-RU" dirty="0"/>
-              <a:t>Реализация клиента</a:t>
+              <a:t>Реализация сущности «Распорядитель»</a:t>
             </a:r>
           </a:p>
         </p:txBody>
@@ -6582,7 +8517,7 @@
         <p:spPr>
           <a:xfrm>
             <a:off x="214282" y="1835760"/>
-            <a:ext cx="8501122" cy="3323987"/>
+            <a:ext cx="8286808" cy="4616648"/>
           </a:xfrm>
           <a:prstGeom prst="rect">
             <a:avLst/>
@@ -6608,26 +8543,277 @@
           </a:bodyPr>
           <a:lstStyle/>
           <a:p>
-            <a:pPr defTabSz="266700"/>
+            <a:pPr defTabSz="180975"/>
             <a:r>
               <a:rPr lang="en-US" sz="1400" b="1" dirty="0">
                 <a:latin typeface="Courier New" pitchFamily="49" charset="0"/>
                 <a:cs typeface="Courier New" pitchFamily="49" charset="0"/>
               </a:rPr>
-              <a:t>void </a:t>
+              <a:t>class </a:t>
             </a:r>
             <a:r>
               <a:rPr lang="en-US" sz="1400" b="1" dirty="0" err="1">
                 <a:latin typeface="Courier New" pitchFamily="49" charset="0"/>
                 <a:cs typeface="Courier New" pitchFamily="49" charset="0"/>
               </a:rPr>
-              <a:t>ConvertToPDF</a:t>
-            </a:r>
+              <a:t>FormattedTextReader</a:t>
+            </a:r>
+            <a:endParaRPr lang="en-US" sz="1400" b="1" dirty="0">
+              <a:latin typeface="Courier New" pitchFamily="49" charset="0"/>
+              <a:cs typeface="Courier New" pitchFamily="49" charset="0"/>
+            </a:endParaRPr>
+          </a:p>
+          <a:p>
+            <a:pPr defTabSz="180975"/>
+            <a:r>
+              <a:rPr lang="ru-RU" sz="1400" b="1" dirty="0">
+                <a:latin typeface="Courier New" pitchFamily="49" charset="0"/>
+                <a:cs typeface="Courier New" pitchFamily="49" charset="0"/>
+              </a:rPr>
+              <a:t>{</a:t>
+            </a:r>
+          </a:p>
+          <a:p>
+            <a:pPr defTabSz="180975"/>
             <a:r>
               <a:rPr lang="en-US" sz="1400" b="1" dirty="0">
                 <a:latin typeface="Courier New" pitchFamily="49" charset="0"/>
                 <a:cs typeface="Courier New" pitchFamily="49" charset="0"/>
               </a:rPr>
+              <a:t>public:</a:t>
+            </a:r>
+          </a:p>
+          <a:p>
+            <a:pPr defTabSz="180975"/>
+            <a:r>
+              <a:rPr lang="en-US" sz="1400" b="1" dirty="0">
+                <a:latin typeface="Courier New" pitchFamily="49" charset="0"/>
+                <a:cs typeface="Courier New" pitchFamily="49" charset="0"/>
+              </a:rPr>
+              <a:t>	void Read(</a:t>
+            </a:r>
+            <a:r>
+              <a:rPr lang="en-US" sz="1400" b="1" dirty="0" err="1">
+                <a:latin typeface="Courier New" pitchFamily="49" charset="0"/>
+                <a:cs typeface="Courier New" pitchFamily="49" charset="0"/>
+              </a:rPr>
+              <a:t>FormattedText</a:t>
+            </a:r>
+            <a:r>
+              <a:rPr lang="en-US" sz="1400" b="1" dirty="0">
+                <a:latin typeface="Courier New" pitchFamily="49" charset="0"/>
+                <a:cs typeface="Courier New" pitchFamily="49" charset="0"/>
+              </a:rPr>
+              <a:t> const&amp; text, </a:t>
+            </a:r>
+            <a:r>
+              <a:rPr lang="en-US" sz="1400" b="1" dirty="0" err="1">
+                <a:latin typeface="Courier New" pitchFamily="49" charset="0"/>
+                <a:cs typeface="Courier New" pitchFamily="49" charset="0"/>
+              </a:rPr>
+              <a:t>TextConverter</a:t>
+            </a:r>
+            <a:r>
+              <a:rPr lang="en-US" sz="1400" b="1" dirty="0">
+                <a:latin typeface="Courier New" pitchFamily="49" charset="0"/>
+                <a:cs typeface="Courier New" pitchFamily="49" charset="0"/>
+              </a:rPr>
+              <a:t> &amp; converter)</a:t>
+            </a:r>
+          </a:p>
+          <a:p>
+            <a:pPr defTabSz="180975"/>
+            <a:r>
+              <a:rPr lang="ru-RU" sz="1400" b="1" dirty="0">
+                <a:latin typeface="Courier New" pitchFamily="49" charset="0"/>
+                <a:cs typeface="Courier New" pitchFamily="49" charset="0"/>
+              </a:rPr>
+              <a:t>	{</a:t>
+            </a:r>
+          </a:p>
+          <a:p>
+            <a:pPr defTabSz="180975"/>
+            <a:r>
+              <a:rPr lang="ru-RU" sz="1400" b="1" dirty="0">
+                <a:latin typeface="Courier New" pitchFamily="49" charset="0"/>
+                <a:cs typeface="Courier New" pitchFamily="49" charset="0"/>
+              </a:rPr>
+              <a:t>		</a:t>
+            </a:r>
+            <a:r>
+              <a:rPr lang="en-US" sz="1400" b="1" dirty="0">
+                <a:latin typeface="Courier New" pitchFamily="49" charset="0"/>
+                <a:cs typeface="Courier New" pitchFamily="49" charset="0"/>
+              </a:rPr>
+              <a:t>for (</a:t>
+            </a:r>
+            <a:r>
+              <a:rPr lang="en-US" sz="1400" b="1" dirty="0" err="1">
+                <a:latin typeface="Courier New" pitchFamily="49" charset="0"/>
+                <a:cs typeface="Courier New" pitchFamily="49" charset="0"/>
+              </a:rPr>
+              <a:t>size_t</a:t>
+            </a:r>
+            <a:r>
+              <a:rPr lang="en-US" sz="1400" b="1" dirty="0">
+                <a:latin typeface="Courier New" pitchFamily="49" charset="0"/>
+                <a:cs typeface="Courier New" pitchFamily="49" charset="0"/>
+              </a:rPr>
+              <a:t> index = 0; index &lt; </a:t>
+            </a:r>
+            <a:r>
+              <a:rPr lang="en-US" sz="1400" b="1" dirty="0" err="1">
+                <a:latin typeface="Courier New" pitchFamily="49" charset="0"/>
+                <a:cs typeface="Courier New" pitchFamily="49" charset="0"/>
+              </a:rPr>
+              <a:t>text.GetItems</a:t>
+            </a:r>
+            <a:r>
+              <a:rPr lang="en-US" sz="1400" b="1" dirty="0">
+                <a:latin typeface="Courier New" pitchFamily="49" charset="0"/>
+                <a:cs typeface="Courier New" pitchFamily="49" charset="0"/>
+              </a:rPr>
+              <a:t>(); ++index)</a:t>
+            </a:r>
+          </a:p>
+          <a:p>
+            <a:pPr defTabSz="180975"/>
+            <a:r>
+              <a:rPr lang="en-US" sz="1400" b="1" dirty="0">
+                <a:latin typeface="Courier New" pitchFamily="49" charset="0"/>
+                <a:cs typeface="Courier New" pitchFamily="49" charset="0"/>
+              </a:rPr>
+              <a:t>		{</a:t>
+            </a:r>
+          </a:p>
+          <a:p>
+            <a:pPr defTabSz="180975"/>
+            <a:r>
+              <a:rPr lang="en-US" sz="1400" b="1" dirty="0">
+                <a:latin typeface="Courier New" pitchFamily="49" charset="0"/>
+                <a:cs typeface="Courier New" pitchFamily="49" charset="0"/>
+              </a:rPr>
+              <a:t>			</a:t>
+            </a:r>
+            <a:r>
+              <a:rPr lang="en-US" sz="1400" b="1" dirty="0" err="1">
+                <a:latin typeface="Courier New" pitchFamily="49" charset="0"/>
+                <a:cs typeface="Courier New" pitchFamily="49" charset="0"/>
+              </a:rPr>
+              <a:t>CTextItem</a:t>
+            </a:r>
+            <a:r>
+              <a:rPr lang="en-US" sz="1400" b="1" dirty="0">
+                <a:latin typeface="Courier New" pitchFamily="49" charset="0"/>
+                <a:cs typeface="Courier New" pitchFamily="49" charset="0"/>
+              </a:rPr>
+              <a:t> const &amp; item = </a:t>
+            </a:r>
+            <a:r>
+              <a:rPr lang="en-US" sz="1400" b="1" dirty="0" err="1">
+                <a:latin typeface="Courier New" pitchFamily="49" charset="0"/>
+                <a:cs typeface="Courier New" pitchFamily="49" charset="0"/>
+              </a:rPr>
+              <a:t>text.GetItem</a:t>
+            </a:r>
+            <a:r>
+              <a:rPr lang="en-US" sz="1400" b="1" dirty="0">
+                <a:latin typeface="Courier New" pitchFamily="49" charset="0"/>
+                <a:cs typeface="Courier New" pitchFamily="49" charset="0"/>
+              </a:rPr>
+              <a:t>(index);</a:t>
+            </a:r>
+          </a:p>
+          <a:p>
+            <a:pPr defTabSz="180975"/>
+            <a:endParaRPr lang="en-US" sz="1400" b="1" dirty="0">
+              <a:latin typeface="Courier New" pitchFamily="49" charset="0"/>
+              <a:cs typeface="Courier New" pitchFamily="49" charset="0"/>
+            </a:endParaRPr>
+          </a:p>
+          <a:p>
+            <a:pPr defTabSz="180975"/>
+            <a:r>
+              <a:rPr lang="en-US" sz="1400" b="1" dirty="0">
+                <a:latin typeface="Courier New" pitchFamily="49" charset="0"/>
+                <a:cs typeface="Courier New" pitchFamily="49" charset="0"/>
+              </a:rPr>
+              <a:t>			if (auto </a:t>
+            </a:r>
+            <a:r>
+              <a:rPr lang="en-US" sz="1400" b="1" dirty="0" err="1">
+                <a:latin typeface="Courier New" pitchFamily="49" charset="0"/>
+                <a:cs typeface="Courier New" pitchFamily="49" charset="0"/>
+              </a:rPr>
+              <a:t>textRange</a:t>
+            </a:r>
+            <a:r>
+              <a:rPr lang="en-US" sz="1400" b="1" dirty="0">
+                <a:latin typeface="Courier New" pitchFamily="49" charset="0"/>
+                <a:cs typeface="Courier New" pitchFamily="49" charset="0"/>
+              </a:rPr>
+              <a:t> = </a:t>
+            </a:r>
+            <a:r>
+              <a:rPr lang="en-US" sz="1400" b="1" dirty="0" err="1">
+                <a:latin typeface="Courier New" pitchFamily="49" charset="0"/>
+                <a:cs typeface="Courier New" pitchFamily="49" charset="0"/>
+              </a:rPr>
+              <a:t>dynamic_cast</a:t>
+            </a:r>
+            <a:r>
+              <a:rPr lang="en-US" sz="1400" b="1" dirty="0">
+                <a:latin typeface="Courier New" pitchFamily="49" charset="0"/>
+                <a:cs typeface="Courier New" pitchFamily="49" charset="0"/>
+              </a:rPr>
+              <a:t>&lt;</a:t>
+            </a:r>
+            <a:r>
+              <a:rPr lang="en-US" sz="1400" b="1" dirty="0" err="1">
+                <a:latin typeface="Courier New" pitchFamily="49" charset="0"/>
+                <a:cs typeface="Courier New" pitchFamily="49" charset="0"/>
+              </a:rPr>
+              <a:t>CTextRangeItem</a:t>
+            </a:r>
+            <a:r>
+              <a:rPr lang="en-US" sz="1400" b="1" dirty="0">
+                <a:latin typeface="Courier New" pitchFamily="49" charset="0"/>
+                <a:cs typeface="Courier New" pitchFamily="49" charset="0"/>
+              </a:rPr>
+              <a:t> const*&gt;(&amp;item))</a:t>
+            </a:r>
+          </a:p>
+          <a:p>
+            <a:pPr defTabSz="180975"/>
+            <a:r>
+              <a:rPr lang="en-US" sz="1400" b="1" dirty="0">
+                <a:latin typeface="Courier New" pitchFamily="49" charset="0"/>
+                <a:cs typeface="Courier New" pitchFamily="49" charset="0"/>
+              </a:rPr>
+              <a:t>			{</a:t>
+            </a:r>
+          </a:p>
+          <a:p>
+            <a:pPr defTabSz="180975"/>
+            <a:r>
+              <a:rPr lang="en-US" sz="1400" b="1" dirty="0">
+                <a:latin typeface="Courier New" pitchFamily="49" charset="0"/>
+                <a:cs typeface="Courier New" pitchFamily="49" charset="0"/>
+              </a:rPr>
+              <a:t>				</a:t>
+            </a:r>
+            <a:r>
+              <a:rPr lang="en-US" sz="1400" b="1" dirty="0" err="1">
+                <a:latin typeface="Courier New" pitchFamily="49" charset="0"/>
+                <a:cs typeface="Courier New" pitchFamily="49" charset="0"/>
+              </a:rPr>
+              <a:t>converter.ConvertText</a:t>
+            </a:r>
+            <a:r>
+              <a:rPr lang="en-US" sz="1400" b="1" dirty="0">
+                <a:latin typeface="Courier New" pitchFamily="49" charset="0"/>
+                <a:cs typeface="Courier New" pitchFamily="49" charset="0"/>
+              </a:rPr>
               <a:t>(</a:t>
             </a:r>
             <a:r>
@@ -6635,86 +8821,182 @@
                 <a:latin typeface="Courier New" pitchFamily="49" charset="0"/>
                 <a:cs typeface="Courier New" pitchFamily="49" charset="0"/>
               </a:rPr>
-              <a:t>FormattedText</a:t>
+              <a:t>textRange</a:t>
             </a:r>
             <a:r>
               <a:rPr lang="en-US" sz="1400" b="1" dirty="0">
                 <a:latin typeface="Courier New" pitchFamily="49" charset="0"/>
                 <a:cs typeface="Courier New" pitchFamily="49" charset="0"/>
               </a:rPr>
-              <a:t> const&amp; text, std::string const&amp; </a:t>
+              <a:t>-&gt;</a:t>
             </a:r>
             <a:r>
               <a:rPr lang="en-US" sz="1400" b="1" dirty="0" err="1">
                 <a:latin typeface="Courier New" pitchFamily="49" charset="0"/>
                 <a:cs typeface="Courier New" pitchFamily="49" charset="0"/>
               </a:rPr>
-              <a:t>outputFile</a:t>
+              <a:t>GetText</a:t>
             </a:r>
             <a:r>
               <a:rPr lang="en-US" sz="1400" b="1" dirty="0">
                 <a:latin typeface="Courier New" pitchFamily="49" charset="0"/>
                 <a:cs typeface="Courier New" pitchFamily="49" charset="0"/>
               </a:rPr>
-              <a:t>)</a:t>
-            </a:r>
-          </a:p>
-          <a:p>
-            <a:pPr defTabSz="266700"/>
-            <a:r>
-              <a:rPr lang="ru-RU" sz="1400" b="1" dirty="0">
-                <a:latin typeface="Courier New" pitchFamily="49" charset="0"/>
-                <a:cs typeface="Courier New" pitchFamily="49" charset="0"/>
-              </a:rPr>
-              <a:t>{</a:t>
-            </a:r>
-          </a:p>
-          <a:p>
-            <a:pPr defTabSz="266700"/>
-            <a:r>
-              <a:rPr lang="ru-RU" sz="1400" b="1" i="1" dirty="0">
-                <a:latin typeface="Courier New" pitchFamily="49" charset="0"/>
-                <a:cs typeface="Courier New" pitchFamily="49" charset="0"/>
-              </a:rPr>
-              <a:t>	</a:t>
-            </a:r>
-            <a:r>
-              <a:rPr lang="en-US" sz="1400" b="1" i="1" dirty="0">
-                <a:latin typeface="Courier New" pitchFamily="49" charset="0"/>
-                <a:cs typeface="Courier New" pitchFamily="49" charset="0"/>
-              </a:rPr>
-              <a:t>// </a:t>
-            </a:r>
-            <a:r>
-              <a:rPr lang="ru-RU" sz="1400" b="1" i="1" dirty="0">
-                <a:latin typeface="Courier New" pitchFamily="49" charset="0"/>
-                <a:cs typeface="Courier New" pitchFamily="49" charset="0"/>
-              </a:rPr>
-              <a:t>создаем строителя</a:t>
-            </a:r>
-          </a:p>
-          <a:p>
-            <a:pPr defTabSz="266700"/>
+              <a:t>());</a:t>
+            </a:r>
+          </a:p>
+          <a:p>
+            <a:pPr defTabSz="180975"/>
             <a:r>
               <a:rPr lang="en-US" sz="1400" b="1" dirty="0">
                 <a:latin typeface="Courier New" pitchFamily="49" charset="0"/>
                 <a:cs typeface="Courier New" pitchFamily="49" charset="0"/>
               </a:rPr>
-              <a:t>	</a:t>
+              <a:t>			}</a:t>
+            </a:r>
+          </a:p>
+          <a:p>
+            <a:pPr defTabSz="180975"/>
+            <a:r>
+              <a:rPr lang="en-US" sz="1400" b="1" dirty="0">
+                <a:latin typeface="Courier New" pitchFamily="49" charset="0"/>
+                <a:cs typeface="Courier New" pitchFamily="49" charset="0"/>
+              </a:rPr>
+              <a:t>			else if (</a:t>
             </a:r>
             <a:r>
               <a:rPr lang="en-US" sz="1400" b="1" dirty="0" err="1">
                 <a:latin typeface="Courier New" pitchFamily="49" charset="0"/>
                 <a:cs typeface="Courier New" pitchFamily="49" charset="0"/>
               </a:rPr>
-              <a:t>PDFConverter</a:t>
+              <a:t>fontCommand</a:t>
             </a:r>
             <a:r>
               <a:rPr lang="en-US" sz="1400" b="1" dirty="0">
                 <a:latin typeface="Courier New" pitchFamily="49" charset="0"/>
                 <a:cs typeface="Courier New" pitchFamily="49" charset="0"/>
               </a:rPr>
-              <a:t> converter;</a:t>
+              <a:t> = </a:t>
+            </a:r>
+            <a:r>
+              <a:rPr lang="en-US" sz="1400" b="1" dirty="0" err="1">
+                <a:latin typeface="Courier New" pitchFamily="49" charset="0"/>
+                <a:cs typeface="Courier New" pitchFamily="49" charset="0"/>
+              </a:rPr>
+              <a:t>dynamic_cast</a:t>
+            </a:r>
+            <a:r>
+              <a:rPr lang="en-US" sz="1400" b="1" dirty="0">
+                <a:latin typeface="Courier New" pitchFamily="49" charset="0"/>
+                <a:cs typeface="Courier New" pitchFamily="49" charset="0"/>
+              </a:rPr>
+              <a:t>&lt;</a:t>
+            </a:r>
+            <a:r>
+              <a:rPr lang="en-US" sz="1400" b="1" dirty="0" err="1">
+                <a:latin typeface="Courier New" pitchFamily="49" charset="0"/>
+                <a:cs typeface="Courier New" pitchFamily="49" charset="0"/>
+              </a:rPr>
+              <a:t>CFontChangeCommand</a:t>
+            </a:r>
+            <a:r>
+              <a:rPr lang="en-US" sz="1400" b="1" dirty="0">
+                <a:latin typeface="Courier New" pitchFamily="49" charset="0"/>
+                <a:cs typeface="Courier New" pitchFamily="49" charset="0"/>
+              </a:rPr>
+              <a:t> const*&gt;(&amp;item))</a:t>
+            </a:r>
+          </a:p>
+          <a:p>
+            <a:pPr defTabSz="180975"/>
+            <a:r>
+              <a:rPr lang="en-US" sz="1400" b="1" dirty="0">
+                <a:latin typeface="Courier New" pitchFamily="49" charset="0"/>
+                <a:cs typeface="Courier New" pitchFamily="49" charset="0"/>
+              </a:rPr>
+              <a:t>			{</a:t>
+            </a:r>
+          </a:p>
+          <a:p>
+            <a:pPr defTabSz="180975"/>
+            <a:r>
+              <a:rPr lang="en-US" sz="1400" b="1" dirty="0">
+                <a:latin typeface="Courier New" pitchFamily="49" charset="0"/>
+                <a:cs typeface="Courier New" pitchFamily="49" charset="0"/>
+              </a:rPr>
+              <a:t>				</a:t>
+            </a:r>
+            <a:r>
+              <a:rPr lang="en-US" sz="1400" b="1" dirty="0" err="1">
+                <a:latin typeface="Courier New" pitchFamily="49" charset="0"/>
+                <a:cs typeface="Courier New" pitchFamily="49" charset="0"/>
+              </a:rPr>
+              <a:t>converter.ConvertFontChange</a:t>
+            </a:r>
+            <a:r>
+              <a:rPr lang="en-US" sz="1400" b="1" dirty="0">
+                <a:latin typeface="Courier New" pitchFamily="49" charset="0"/>
+                <a:cs typeface="Courier New" pitchFamily="49" charset="0"/>
+              </a:rPr>
+              <a:t>(</a:t>
+            </a:r>
+            <a:r>
+              <a:rPr lang="en-US" sz="1400" b="1" dirty="0" err="1">
+                <a:latin typeface="Courier New" pitchFamily="49" charset="0"/>
+                <a:cs typeface="Courier New" pitchFamily="49" charset="0"/>
+              </a:rPr>
+              <a:t>fontCommand</a:t>
+            </a:r>
+            <a:r>
+              <a:rPr lang="en-US" sz="1400" b="1" dirty="0">
+                <a:latin typeface="Courier New" pitchFamily="49" charset="0"/>
+                <a:cs typeface="Courier New" pitchFamily="49" charset="0"/>
+              </a:rPr>
+              <a:t>-&gt;</a:t>
+            </a:r>
+            <a:r>
+              <a:rPr lang="en-US" sz="1400" b="1" dirty="0" err="1">
+                <a:latin typeface="Courier New" pitchFamily="49" charset="0"/>
+                <a:cs typeface="Courier New" pitchFamily="49" charset="0"/>
+              </a:rPr>
+              <a:t>GetFont</a:t>
+            </a:r>
+            <a:r>
+              <a:rPr lang="en-US" sz="1400" b="1" dirty="0">
+                <a:latin typeface="Courier New" pitchFamily="49" charset="0"/>
+                <a:cs typeface="Courier New" pitchFamily="49" charset="0"/>
+              </a:rPr>
+              <a:t>());</a:t>
+            </a:r>
+          </a:p>
+          <a:p>
+            <a:pPr defTabSz="180975"/>
+            <a:r>
+              <a:rPr lang="en-US" sz="1400" b="1" dirty="0">
+                <a:latin typeface="Courier New" pitchFamily="49" charset="0"/>
+                <a:cs typeface="Courier New" pitchFamily="49" charset="0"/>
+              </a:rPr>
+              <a:t>			}</a:t>
+            </a:r>
+          </a:p>
+          <a:p>
+            <a:pPr defTabSz="180975"/>
+            <a:r>
+              <a:rPr lang="en-US" sz="1400" b="1" dirty="0">
+                <a:latin typeface="Courier New" pitchFamily="49" charset="0"/>
+                <a:cs typeface="Courier New" pitchFamily="49" charset="0"/>
+              </a:rPr>
+              <a:t>			else if (…) { … } …</a:t>
+            </a:r>
+          </a:p>
+          <a:p>
+            <a:pPr defTabSz="180975"/>
+            <a:r>
+              <a:rPr lang="en-US" sz="1400" b="1" dirty="0">
+                <a:latin typeface="Courier New" pitchFamily="49" charset="0"/>
+                <a:cs typeface="Courier New" pitchFamily="49" charset="0"/>
+              </a:rPr>
+              <a:t>		}</a:t>
             </a:r>
             <a:endParaRPr lang="ru-RU" sz="1400" b="1" dirty="0">
               <a:latin typeface="Courier New" pitchFamily="49" charset="0"/>
@@ -6722,233 +9004,23 @@
             </a:endParaRPr>
           </a:p>
           <a:p>
-            <a:pPr defTabSz="266700"/>
-            <a:endParaRPr lang="ru-RU" sz="1400" b="1" dirty="0">
-              <a:latin typeface="Courier New" pitchFamily="49" charset="0"/>
-              <a:cs typeface="Courier New" pitchFamily="49" charset="0"/>
-            </a:endParaRPr>
-          </a:p>
-          <a:p>
-            <a:pPr defTabSz="266700"/>
-            <a:r>
-              <a:rPr lang="ru-RU" sz="1400" b="1" i="1" dirty="0">
-                <a:latin typeface="Courier New" pitchFamily="49" charset="0"/>
-                <a:cs typeface="Courier New" pitchFamily="49" charset="0"/>
-              </a:rPr>
-              <a:t>	// создаем распорядителя</a:t>
-            </a:r>
-            <a:endParaRPr lang="en-US" sz="1400" b="1" i="1" dirty="0">
-              <a:latin typeface="Courier New" pitchFamily="49" charset="0"/>
-              <a:cs typeface="Courier New" pitchFamily="49" charset="0"/>
-            </a:endParaRPr>
-          </a:p>
-          <a:p>
-            <a:pPr defTabSz="266700"/>
-            <a:r>
-              <a:rPr lang="en-US" sz="1400" b="1" dirty="0">
-                <a:latin typeface="Courier New" pitchFamily="49" charset="0"/>
-                <a:cs typeface="Courier New" pitchFamily="49" charset="0"/>
-              </a:rPr>
-              <a:t>	</a:t>
-            </a:r>
-            <a:r>
-              <a:rPr lang="en-US" sz="1400" b="1" dirty="0" err="1">
-                <a:latin typeface="Courier New" pitchFamily="49" charset="0"/>
-                <a:cs typeface="Courier New" pitchFamily="49" charset="0"/>
-              </a:rPr>
-              <a:t>FormattedTextReader</a:t>
-            </a:r>
-            <a:r>
-              <a:rPr lang="en-US" sz="1400" b="1" dirty="0">
-                <a:latin typeface="Courier New" pitchFamily="49" charset="0"/>
-                <a:cs typeface="Courier New" pitchFamily="49" charset="0"/>
-              </a:rPr>
-              <a:t> reader;</a:t>
-            </a:r>
-            <a:endParaRPr lang="ru-RU" sz="1400" b="1" dirty="0">
-              <a:latin typeface="Courier New" pitchFamily="49" charset="0"/>
-              <a:cs typeface="Courier New" pitchFamily="49" charset="0"/>
-            </a:endParaRPr>
-          </a:p>
-          <a:p>
-            <a:pPr defTabSz="266700"/>
-            <a:endParaRPr lang="ru-RU" sz="1400" b="1" i="1" dirty="0">
-              <a:latin typeface="Courier New" pitchFamily="49" charset="0"/>
-              <a:cs typeface="Courier New" pitchFamily="49" charset="0"/>
-            </a:endParaRPr>
-          </a:p>
-          <a:p>
-            <a:pPr defTabSz="266700"/>
-            <a:r>
-              <a:rPr lang="ru-RU" sz="1400" b="1" i="1" dirty="0">
-                <a:latin typeface="Courier New" pitchFamily="49" charset="0"/>
-                <a:cs typeface="Courier New" pitchFamily="49" charset="0"/>
-              </a:rPr>
-              <a:t>	// и инициируем процесс построения продукта</a:t>
-            </a:r>
-            <a:endParaRPr lang="en-US" sz="1400" b="1" i="1" dirty="0">
-              <a:latin typeface="Courier New" pitchFamily="49" charset="0"/>
-              <a:cs typeface="Courier New" pitchFamily="49" charset="0"/>
-            </a:endParaRPr>
-          </a:p>
-          <a:p>
-            <a:pPr defTabSz="266700"/>
-            <a:r>
-              <a:rPr lang="en-US" sz="1400" b="1" dirty="0">
-                <a:latin typeface="Courier New" pitchFamily="49" charset="0"/>
-                <a:cs typeface="Courier New" pitchFamily="49" charset="0"/>
-              </a:rPr>
-              <a:t>	</a:t>
-            </a:r>
-            <a:r>
-              <a:rPr lang="en-US" sz="1400" b="1" dirty="0" err="1">
-                <a:latin typeface="Courier New" pitchFamily="49" charset="0"/>
-                <a:cs typeface="Courier New" pitchFamily="49" charset="0"/>
-              </a:rPr>
-              <a:t>reader.Read</a:t>
-            </a:r>
-            <a:r>
-              <a:rPr lang="en-US" sz="1400" b="1" dirty="0">
-                <a:latin typeface="Courier New" pitchFamily="49" charset="0"/>
-                <a:cs typeface="Courier New" pitchFamily="49" charset="0"/>
-              </a:rPr>
-              <a:t>(text, converter);</a:t>
-            </a:r>
-            <a:endParaRPr lang="ru-RU" sz="1400" b="1" dirty="0">
-              <a:latin typeface="Courier New" pitchFamily="49" charset="0"/>
-              <a:cs typeface="Courier New" pitchFamily="49" charset="0"/>
-            </a:endParaRPr>
-          </a:p>
-          <a:p>
-            <a:pPr defTabSz="266700"/>
-            <a:endParaRPr lang="ru-RU" sz="1400" b="1" dirty="0">
-              <a:latin typeface="Courier New" pitchFamily="49" charset="0"/>
-              <a:cs typeface="Courier New" pitchFamily="49" charset="0"/>
-            </a:endParaRPr>
-          </a:p>
-          <a:p>
-            <a:pPr defTabSz="266700"/>
+            <a:pPr defTabSz="180975"/>
             <a:r>
               <a:rPr lang="ru-RU" sz="1400" b="1" dirty="0">
                 <a:latin typeface="Courier New" pitchFamily="49" charset="0"/>
                 <a:cs typeface="Courier New" pitchFamily="49" charset="0"/>
               </a:rPr>
-              <a:t>	</a:t>
-            </a:r>
-            <a:r>
-              <a:rPr lang="ru-RU" sz="1400" b="1" i="1" dirty="0">
-                <a:latin typeface="Courier New" pitchFamily="49" charset="0"/>
-                <a:cs typeface="Courier New" pitchFamily="49" charset="0"/>
-              </a:rPr>
-              <a:t>// получаем конечный продукт</a:t>
-            </a:r>
-            <a:endParaRPr lang="en-US" sz="1400" b="1" i="1" dirty="0">
-              <a:latin typeface="Courier New" pitchFamily="49" charset="0"/>
-              <a:cs typeface="Courier New" pitchFamily="49" charset="0"/>
-            </a:endParaRPr>
-          </a:p>
-          <a:p>
-            <a:pPr defTabSz="266700"/>
-            <a:r>
-              <a:rPr lang="en-US" sz="1400" b="1" dirty="0">
-                <a:latin typeface="Courier New" pitchFamily="49" charset="0"/>
-                <a:cs typeface="Courier New" pitchFamily="49" charset="0"/>
-              </a:rPr>
-              <a:t>	</a:t>
-            </a:r>
-            <a:r>
-              <a:rPr lang="en-US" sz="1400" b="1" dirty="0" err="1">
-                <a:latin typeface="Courier New" pitchFamily="49" charset="0"/>
-                <a:cs typeface="Courier New" pitchFamily="49" charset="0"/>
-              </a:rPr>
-              <a:t>PDFDocument</a:t>
-            </a:r>
-            <a:r>
-              <a:rPr lang="en-US" sz="1400" b="1" dirty="0">
-                <a:latin typeface="Courier New" pitchFamily="49" charset="0"/>
-                <a:cs typeface="Courier New" pitchFamily="49" charset="0"/>
-              </a:rPr>
-              <a:t> const&amp; </a:t>
-            </a:r>
-            <a:r>
-              <a:rPr lang="en-US" sz="1400" b="1" dirty="0" err="1">
-                <a:latin typeface="Courier New" pitchFamily="49" charset="0"/>
-                <a:cs typeface="Courier New" pitchFamily="49" charset="0"/>
-              </a:rPr>
-              <a:t>pdfDoc</a:t>
-            </a:r>
-            <a:r>
-              <a:rPr lang="en-US" sz="1400" b="1" dirty="0">
-                <a:latin typeface="Courier New" pitchFamily="49" charset="0"/>
-                <a:cs typeface="Courier New" pitchFamily="49" charset="0"/>
-              </a:rPr>
-              <a:t> = </a:t>
-            </a:r>
-            <a:r>
-              <a:rPr lang="en-US" sz="1400" b="1" dirty="0" err="1">
-                <a:latin typeface="Courier New" pitchFamily="49" charset="0"/>
-                <a:cs typeface="Courier New" pitchFamily="49" charset="0"/>
-              </a:rPr>
-              <a:t>converter.GetPDFDocument</a:t>
-            </a:r>
-            <a:r>
-              <a:rPr lang="en-US" sz="1400" b="1" dirty="0">
-                <a:latin typeface="Courier New" pitchFamily="49" charset="0"/>
-                <a:cs typeface="Courier New" pitchFamily="49" charset="0"/>
-              </a:rPr>
-              <a:t>();</a:t>
-            </a:r>
-          </a:p>
-          <a:p>
-            <a:pPr defTabSz="266700"/>
-            <a:r>
-              <a:rPr lang="en-US" sz="1400" b="1" dirty="0">
-                <a:latin typeface="Courier New" pitchFamily="49" charset="0"/>
-                <a:cs typeface="Courier New" pitchFamily="49" charset="0"/>
-              </a:rPr>
-              <a:t>	</a:t>
-            </a:r>
-            <a:r>
-              <a:rPr lang="en-US" sz="1400" b="1" dirty="0" err="1">
-                <a:latin typeface="Courier New" pitchFamily="49" charset="0"/>
-                <a:cs typeface="Courier New" pitchFamily="49" charset="0"/>
-              </a:rPr>
-              <a:t>pdfDoc.SaveToFile</a:t>
-            </a:r>
-            <a:r>
-              <a:rPr lang="en-US" sz="1400" b="1" dirty="0">
-                <a:latin typeface="Courier New" pitchFamily="49" charset="0"/>
-                <a:cs typeface="Courier New" pitchFamily="49" charset="0"/>
-              </a:rPr>
-              <a:t>(</a:t>
-            </a:r>
-            <a:r>
-              <a:rPr lang="en-US" sz="1400" b="1" dirty="0" err="1">
-                <a:latin typeface="Courier New" pitchFamily="49" charset="0"/>
-                <a:cs typeface="Courier New" pitchFamily="49" charset="0"/>
-              </a:rPr>
-              <a:t>outputFile</a:t>
-            </a:r>
-            <a:r>
-              <a:rPr lang="en-US" sz="1400" b="1" dirty="0">
-                <a:latin typeface="Courier New" pitchFamily="49" charset="0"/>
-                <a:cs typeface="Courier New" pitchFamily="49" charset="0"/>
-              </a:rPr>
-              <a:t>);</a:t>
-            </a:r>
-            <a:endParaRPr lang="ru-RU" sz="1400" b="1" dirty="0">
-              <a:latin typeface="Courier New" pitchFamily="49" charset="0"/>
-              <a:cs typeface="Courier New" pitchFamily="49" charset="0"/>
-            </a:endParaRPr>
-          </a:p>
-          <a:p>
-            <a:pPr defTabSz="266700"/>
+              <a:t>	}</a:t>
+            </a:r>
+          </a:p>
+          <a:p>
+            <a:pPr defTabSz="180975"/>
             <a:r>
               <a:rPr lang="ru-RU" sz="1400" b="1" dirty="0">
                 <a:latin typeface="Courier New" pitchFamily="49" charset="0"/>
                 <a:cs typeface="Courier New" pitchFamily="49" charset="0"/>
               </a:rPr>
-              <a:t>}</a:t>
+              <a:t>};</a:t>
             </a:r>
           </a:p>
         </p:txBody>
@@ -6956,7 +9028,7 @@
     </p:spTree>
     <p:extLst>
       <p:ext uri="{BB962C8B-B14F-4D97-AF65-F5344CB8AC3E}">
-        <p14:creationId xmlns:p14="http://schemas.microsoft.com/office/powerpoint/2010/main" val="2413822295"/>
+        <p14:creationId xmlns:p14="http://schemas.microsoft.com/office/powerpoint/2010/main" val="3897446812"/>
       </p:ext>
     </p:extLst>
   </p:cSld>
@@ -6999,7 +9071,7 @@
                                         <p:tgtEl>
                                           <p:spTgt spid="3">
                                             <p:txEl>
-                                              <p:pRg st="2" end="2"/>
+                                              <p:pRg st="5" end="5"/>
                                             </p:txEl>
                                           </p:spTgt>
                                         </p:tgtEl>
@@ -7017,7 +9089,7 @@
                                         <p:tgtEl>
                                           <p:spTgt spid="3">
                                             <p:txEl>
-                                              <p:pRg st="2" end="2"/>
+                                              <p:pRg st="5" end="5"/>
                                             </p:txEl>
                                           </p:spTgt>
                                         </p:tgtEl>
@@ -7042,7 +9114,7 @@
                                         <p:tgtEl>
                                           <p:spTgt spid="3">
                                             <p:txEl>
-                                              <p:pRg st="3" end="3"/>
+                                              <p:pRg st="6" end="6"/>
                                             </p:txEl>
                                           </p:spTgt>
                                         </p:tgtEl>
@@ -7060,7 +9132,50 @@
                                         <p:tgtEl>
                                           <p:spTgt spid="3">
                                             <p:txEl>
-                                              <p:pRg st="3" end="3"/>
+                                              <p:pRg st="6" end="6"/>
+                                            </p:txEl>
+                                          </p:spTgt>
+                                        </p:tgtEl>
+                                      </p:cBhvr>
+                                    </p:animEffect>
+                                  </p:childTnLst>
+                                </p:cTn>
+                              </p:par>
+                              <p:par>
+                                <p:cTn id="11" presetID="10" presetClass="entr" presetSubtype="0" fill="hold" nodeType="withEffect">
+                                  <p:stCondLst>
+                                    <p:cond delay="0"/>
+                                  </p:stCondLst>
+                                  <p:childTnLst>
+                                    <p:set>
+                                      <p:cBhvr>
+                                        <p:cTn id="12" dur="1" fill="hold">
+                                          <p:stCondLst>
+                                            <p:cond delay="0"/>
+                                          </p:stCondLst>
+                                        </p:cTn>
+                                        <p:tgtEl>
+                                          <p:spTgt spid="3">
+                                            <p:txEl>
+                                              <p:pRg st="18" end="18"/>
+                                            </p:txEl>
+                                          </p:spTgt>
+                                        </p:tgtEl>
+                                        <p:attrNameLst>
+                                          <p:attrName>style.visibility</p:attrName>
+                                        </p:attrNameLst>
+                                      </p:cBhvr>
+                                      <p:to>
+                                        <p:strVal val="visible"/>
+                                      </p:to>
+                                    </p:set>
+                                    <p:animEffect transition="in" filter="fade">
+                                      <p:cBhvr>
+                                        <p:cTn id="13" dur="500"/>
+                                        <p:tgtEl>
+                                          <p:spTgt spid="3">
+                                            <p:txEl>
+                                              <p:pRg st="18" end="18"/>
                                             </p:txEl>
                                           </p:spTgt>
                                         </p:tgtEl>
@@ -7076,26 +9191,26 @@
                     </p:cTn>
                   </p:par>
                   <p:par>
-                    <p:cTn id="11" fill="hold">
+                    <p:cTn id="14" fill="hold">
                       <p:stCondLst>
                         <p:cond delay="indefinite"/>
                       </p:stCondLst>
                       <p:childTnLst>
                         <p:par>
-                          <p:cTn id="12" fill="hold">
+                          <p:cTn id="15" fill="hold">
                             <p:stCondLst>
                               <p:cond delay="0"/>
                             </p:stCondLst>
                             <p:childTnLst>
                               <p:par>
-                                <p:cTn id="13" presetID="10" presetClass="entr" presetSubtype="0" fill="hold" nodeType="clickEffect">
+                                <p:cTn id="16" presetID="10" presetClass="entr" presetSubtype="0" fill="hold" nodeType="clickEffect">
                                   <p:stCondLst>
                                     <p:cond delay="0"/>
                                   </p:stCondLst>
                                   <p:childTnLst>
                                     <p:set>
                                       <p:cBhvr>
-                                        <p:cTn id="14" dur="1" fill="hold">
+                                        <p:cTn id="17" dur="1" fill="hold">
                                           <p:stCondLst>
                                             <p:cond delay="0"/>
                                           </p:stCondLst>
@@ -7103,7 +9218,7 @@
                                         <p:tgtEl>
                                           <p:spTgt spid="3">
                                             <p:txEl>
-                                              <p:pRg st="5" end="5"/>
+                                              <p:pRg st="7" end="7"/>
                                             </p:txEl>
                                           </p:spTgt>
                                         </p:tgtEl>
@@ -7117,11 +9232,11 @@
                                     </p:set>
                                     <p:animEffect transition="in" filter="fade">
                                       <p:cBhvr>
-                                        <p:cTn id="15" dur="500"/>
+                                        <p:cTn id="18" dur="500"/>
                                         <p:tgtEl>
                                           <p:spTgt spid="3">
                                             <p:txEl>
-                                              <p:pRg st="5" end="5"/>
+                                              <p:pRg st="7" end="7"/>
                                             </p:txEl>
                                           </p:spTgt>
                                         </p:tgtEl>
@@ -7131,14 +9246,14 @@
                                 </p:cTn>
                               </p:par>
                               <p:par>
-                                <p:cTn id="16" presetID="10" presetClass="entr" presetSubtype="0" fill="hold" nodeType="withEffect">
+                                <p:cTn id="19" presetID="10" presetClass="entr" presetSubtype="0" fill="hold" nodeType="withEffect">
                                   <p:stCondLst>
                                     <p:cond delay="0"/>
                                   </p:stCondLst>
                                   <p:childTnLst>
                                     <p:set>
                                       <p:cBhvr>
-                                        <p:cTn id="17" dur="1" fill="hold">
+                                        <p:cTn id="20" dur="1" fill="hold">
                                           <p:stCondLst>
                                             <p:cond delay="0"/>
                                           </p:stCondLst>
@@ -7146,7 +9261,7 @@
                                         <p:tgtEl>
                                           <p:spTgt spid="3">
                                             <p:txEl>
-                                              <p:pRg st="6" end="6"/>
+                                              <p:pRg st="9" end="9"/>
                                             </p:txEl>
                                           </p:spTgt>
                                         </p:tgtEl>
@@ -7160,11 +9275,140 @@
                                     </p:set>
                                     <p:animEffect transition="in" filter="fade">
                                       <p:cBhvr>
-                                        <p:cTn id="18" dur="500"/>
+                                        <p:cTn id="21" dur="500"/>
                                         <p:tgtEl>
                                           <p:spTgt spid="3">
                                             <p:txEl>
-                                              <p:pRg st="6" end="6"/>
+                                              <p:pRg st="9" end="9"/>
+                                            </p:txEl>
+                                          </p:spTgt>
+                                        </p:tgtEl>
+                                      </p:cBhvr>
+                                    </p:animEffect>
+                                  </p:childTnLst>
+                                </p:cTn>
+                              </p:par>
+                              <p:par>
+                                <p:cTn id="22" presetID="10" presetClass="entr" presetSubtype="0" fill="hold" nodeType="withEffect">
+                                  <p:stCondLst>
+                                    <p:cond delay="0"/>
+                                  </p:stCondLst>
+                                  <p:childTnLst>
+                                    <p:set>
+                                      <p:cBhvr>
+                                        <p:cTn id="23" dur="1" fill="hold">
+                                          <p:stCondLst>
+                                            <p:cond delay="0"/>
+                                          </p:stCondLst>
+                                        </p:cTn>
+                                        <p:tgtEl>
+                                          <p:spTgt spid="3">
+                                            <p:txEl>
+                                              <p:pRg st="10" end="10"/>
+                                            </p:txEl>
+                                          </p:spTgt>
+                                        </p:tgtEl>
+                                        <p:attrNameLst>
+                                          <p:attrName>style.visibility</p:attrName>
+                                        </p:attrNameLst>
+                                      </p:cBhvr>
+                                      <p:to>
+                                        <p:strVal val="visible"/>
+                                      </p:to>
+                                    </p:set>
+                                    <p:animEffect transition="in" filter="fade">
+                                      <p:cBhvr>
+                                        <p:cTn id="24" dur="500"/>
+                                        <p:tgtEl>
+                                          <p:spTgt spid="3">
+                                            <p:txEl>
+                                              <p:pRg st="10" end="10"/>
+                                            </p:txEl>
+                                          </p:spTgt>
+                                        </p:tgtEl>
+                                      </p:cBhvr>
+                                    </p:animEffect>
+                                  </p:childTnLst>
+                                </p:cTn>
+                              </p:par>
+                              <p:par>
+                                <p:cTn id="25" presetID="10" presetClass="entr" presetSubtype="0" fill="hold" nodeType="withEffect">
+                                  <p:stCondLst>
+                                    <p:cond delay="0"/>
+                                  </p:stCondLst>
+                                  <p:childTnLst>
+                                    <p:set>
+                                      <p:cBhvr>
+                                        <p:cTn id="26" dur="1" fill="hold">
+                                          <p:stCondLst>
+                                            <p:cond delay="0"/>
+                                          </p:stCondLst>
+                                        </p:cTn>
+                                        <p:tgtEl>
+                                          <p:spTgt spid="3">
+                                            <p:txEl>
+                                              <p:pRg st="11" end="11"/>
+                                            </p:txEl>
+                                          </p:spTgt>
+                                        </p:tgtEl>
+                                        <p:attrNameLst>
+                                          <p:attrName>style.visibility</p:attrName>
+                                        </p:attrNameLst>
+                                      </p:cBhvr>
+                                      <p:to>
+                                        <p:strVal val="visible"/>
+                                      </p:to>
+                                    </p:set>
+                                    <p:animEffect transition="in" filter="fade">
+                                      <p:cBhvr>
+                                        <p:cTn id="27" dur="500"/>
+                                        <p:tgtEl>
+                                          <p:spTgt spid="3">
+                                            <p:txEl>
+                                              <p:pRg st="11" end="11"/>
+                                            </p:txEl>
+                                          </p:spTgt>
+                                        </p:tgtEl>
+                                      </p:cBhvr>
+                                    </p:animEffect>
+                                  </p:childTnLst>
+                                </p:cTn>
+                              </p:par>
+                              <p:par>
+                                <p:cTn id="28" presetID="10" presetClass="entr" presetSubtype="0" fill="hold" nodeType="withEffect">
+                                  <p:stCondLst>
+                                    <p:cond delay="0"/>
+                                  </p:stCondLst>
+                                  <p:childTnLst>
+                                    <p:set>
+                                      <p:cBhvr>
+                                        <p:cTn id="29" dur="1" fill="hold">
+                                          <p:stCondLst>
+                                            <p:cond delay="0"/>
+                                          </p:stCondLst>
+                                        </p:cTn>
+                                        <p:tgtEl>
+                                          <p:spTgt spid="3">
+                                            <p:txEl>
+                                              <p:pRg st="12" end="12"/>
+                                            </p:txEl>
+                                          </p:spTgt>
+                                        </p:tgtEl>
+                                        <p:attrNameLst>
+                                          <p:attrName>style.visibility</p:attrName>
+                                        </p:attrNameLst>
+                                      </p:cBhvr>
+                                      <p:to>
+                                        <p:strVal val="visible"/>
+                                      </p:to>
+                                    </p:set>
+                                    <p:animEffect transition="in" filter="fade">
+                                      <p:cBhvr>
+                                        <p:cTn id="30" dur="500"/>
+                                        <p:tgtEl>
+                                          <p:spTgt spid="3">
+                                            <p:txEl>
+                                              <p:pRg st="12" end="12"/>
                                             </p:txEl>
                                           </p:spTgt>
                                         </p:tgtEl>
@@ -7180,26 +9424,26 @@
                     </p:cTn>
                   </p:par>
                   <p:par>
-                    <p:cTn id="19" fill="hold">
+                    <p:cTn id="31" fill="hold">
                       <p:stCondLst>
                         <p:cond delay="indefinite"/>
                       </p:stCondLst>
                       <p:childTnLst>
                         <p:par>
-                          <p:cTn id="20" fill="hold">
+                          <p:cTn id="32" fill="hold">
                             <p:stCondLst>
                               <p:cond delay="0"/>
                             </p:stCondLst>
                             <p:childTnLst>
                               <p:par>
-                                <p:cTn id="21" presetID="10" presetClass="entr" presetSubtype="0" fill="hold" nodeType="clickEffect">
+                                <p:cTn id="33" presetID="10" presetClass="entr" presetSubtype="0" fill="hold" nodeType="clickEffect">
                                   <p:stCondLst>
                                     <p:cond delay="0"/>
                                   </p:stCondLst>
                                   <p:childTnLst>
                                     <p:set>
                                       <p:cBhvr>
-                                        <p:cTn id="22" dur="1" fill="hold">
+                                        <p:cTn id="34" dur="1" fill="hold">
                                           <p:stCondLst>
                                             <p:cond delay="0"/>
                                           </p:stCondLst>
@@ -7207,7 +9451,7 @@
                                         <p:tgtEl>
                                           <p:spTgt spid="3">
                                             <p:txEl>
-                                              <p:pRg st="8" end="8"/>
+                                              <p:pRg st="13" end="13"/>
                                             </p:txEl>
                                           </p:spTgt>
                                         </p:tgtEl>
@@ -7221,11 +9465,11 @@
                                     </p:set>
                                     <p:animEffect transition="in" filter="fade">
                                       <p:cBhvr>
-                                        <p:cTn id="23" dur="500"/>
+                                        <p:cTn id="35" dur="500"/>
                                         <p:tgtEl>
                                           <p:spTgt spid="3">
                                             <p:txEl>
-                                              <p:pRg st="8" end="8"/>
+                                              <p:pRg st="13" end="13"/>
                                             </p:txEl>
                                           </p:spTgt>
                                         </p:tgtEl>
@@ -7235,14 +9479,14 @@
                                 </p:cTn>
                               </p:par>
                               <p:par>
-                                <p:cTn id="24" presetID="10" presetClass="entr" presetSubtype="0" fill="hold" nodeType="withEffect">
+                                <p:cTn id="36" presetID="10" presetClass="entr" presetSubtype="0" fill="hold" nodeType="withEffect">
                                   <p:stCondLst>
                                     <p:cond delay="0"/>
                                   </p:stCondLst>
                                   <p:childTnLst>
                                     <p:set>
                                       <p:cBhvr>
-                                        <p:cTn id="25" dur="1" fill="hold">
+                                        <p:cTn id="37" dur="1" fill="hold">
                                           <p:stCondLst>
                                             <p:cond delay="0"/>
                                           </p:stCondLst>
@@ -7250,7 +9494,7 @@
                                         <p:tgtEl>
                                           <p:spTgt spid="3">
                                             <p:txEl>
-                                              <p:pRg st="9" end="9"/>
+                                              <p:pRg st="14" end="14"/>
                                             </p:txEl>
                                           </p:spTgt>
                                         </p:tgtEl>
@@ -7264,11 +9508,11 @@
                                     </p:set>
                                     <p:animEffect transition="in" filter="fade">
                                       <p:cBhvr>
-                                        <p:cTn id="26" dur="500"/>
+                                        <p:cTn id="38" dur="500"/>
                                         <p:tgtEl>
                                           <p:spTgt spid="3">
                                             <p:txEl>
-                                              <p:pRg st="9" end="9"/>
+                                              <p:pRg st="14" end="14"/>
                                             </p:txEl>
                                           </p:spTgt>
                                         </p:tgtEl>
@@ -7277,33 +9521,15 @@
                                   </p:childTnLst>
                                 </p:cTn>
                               </p:par>
-                            </p:childTnLst>
-                          </p:cTn>
-                        </p:par>
-                      </p:childTnLst>
-                    </p:cTn>
-                  </p:par>
-                  <p:par>
-                    <p:cTn id="27" fill="hold">
-                      <p:stCondLst>
-                        <p:cond delay="indefinite"/>
-                      </p:stCondLst>
-                      <p:childTnLst>
-                        <p:par>
-                          <p:cTn id="28" fill="hold">
-                            <p:stCondLst>
-                              <p:cond delay="0"/>
-                            </p:stCondLst>
-                            <p:childTnLst>
                               <p:par>
-                                <p:cTn id="29" presetID="10" presetClass="entr" presetSubtype="0" fill="hold" nodeType="clickEffect">
+                                <p:cTn id="39" presetID="10" presetClass="entr" presetSubtype="0" fill="hold" nodeType="withEffect">
                                   <p:stCondLst>
                                     <p:cond delay="0"/>
                                   </p:stCondLst>
                                   <p:childTnLst>
                                     <p:set>
                                       <p:cBhvr>
-                                        <p:cTn id="30" dur="1" fill="hold">
+                                        <p:cTn id="40" dur="1" fill="hold">
                                           <p:stCondLst>
                                             <p:cond delay="0"/>
                                           </p:stCondLst>
@@ -7311,7 +9537,7 @@
                                         <p:tgtEl>
                                           <p:spTgt spid="3">
                                             <p:txEl>
-                                              <p:pRg st="11" end="11"/>
+                                              <p:pRg st="15" end="15"/>
                                             </p:txEl>
                                           </p:spTgt>
                                         </p:tgtEl>
@@ -7325,11 +9551,11 @@
                                     </p:set>
                                     <p:animEffect transition="in" filter="fade">
                                       <p:cBhvr>
-                                        <p:cTn id="31" dur="500"/>
+                                        <p:cTn id="41" dur="500"/>
                                         <p:tgtEl>
                                           <p:spTgt spid="3">
                                             <p:txEl>
-                                              <p:pRg st="11" end="11"/>
+                                              <p:pRg st="15" end="15"/>
                                             </p:txEl>
                                           </p:spTgt>
                                         </p:tgtEl>
@@ -7339,14 +9565,14 @@
                                 </p:cTn>
                               </p:par>
                               <p:par>
-                                <p:cTn id="32" presetID="10" presetClass="entr" presetSubtype="0" fill="hold" nodeType="withEffect">
+                                <p:cTn id="42" presetID="10" presetClass="entr" presetSubtype="0" fill="hold" nodeType="withEffect">
                                   <p:stCondLst>
                                     <p:cond delay="0"/>
                                   </p:stCondLst>
                                   <p:childTnLst>
                                     <p:set>
                                       <p:cBhvr>
-                                        <p:cTn id="33" dur="1" fill="hold">
+                                        <p:cTn id="43" dur="1" fill="hold">
                                           <p:stCondLst>
                                             <p:cond delay="0"/>
                                           </p:stCondLst>
@@ -7354,7 +9580,7 @@
                                         <p:tgtEl>
                                           <p:spTgt spid="3">
                                             <p:txEl>
-                                              <p:pRg st="12" end="12"/>
+                                              <p:pRg st="16" end="16"/>
                                             </p:txEl>
                                           </p:spTgt>
                                         </p:tgtEl>
@@ -7368,11 +9594,11 @@
                                     </p:set>
                                     <p:animEffect transition="in" filter="fade">
                                       <p:cBhvr>
-                                        <p:cTn id="34" dur="500"/>
+                                        <p:cTn id="44" dur="500"/>
                                         <p:tgtEl>
                                           <p:spTgt spid="3">
                                             <p:txEl>
-                                              <p:pRg st="12" end="12"/>
+                                              <p:pRg st="16" end="16"/>
                                             </p:txEl>
                                           </p:spTgt>
                                         </p:tgtEl>
@@ -7382,14 +9608,14 @@
                                 </p:cTn>
                               </p:par>
                               <p:par>
-                                <p:cTn id="35" presetID="10" presetClass="entr" presetSubtype="0" fill="hold" nodeType="withEffect">
+                                <p:cTn id="45" presetID="10" presetClass="entr" presetSubtype="0" fill="hold" nodeType="withEffect">
                                   <p:stCondLst>
                                     <p:cond delay="0"/>
                                   </p:stCondLst>
                                   <p:childTnLst>
                                     <p:set>
                                       <p:cBhvr>
-                                        <p:cTn id="36" dur="1" fill="hold">
+                                        <p:cTn id="46" dur="1" fill="hold">
                                           <p:stCondLst>
                                             <p:cond delay="0"/>
                                           </p:stCondLst>
@@ -7397,7 +9623,7 @@
                                         <p:tgtEl>
                                           <p:spTgt spid="3">
                                             <p:txEl>
-                                              <p:pRg st="13" end="13"/>
+                                              <p:pRg st="17" end="17"/>
                                             </p:txEl>
                                           </p:spTgt>
                                         </p:tgtEl>
@@ -7411,11 +9637,11 @@
                                     </p:set>
                                     <p:animEffect transition="in" filter="fade">
                                       <p:cBhvr>
-                                        <p:cTn id="37" dur="500"/>
+                                        <p:cTn id="47" dur="500"/>
                                         <p:tgtEl>
                                           <p:spTgt spid="3">
                                             <p:txEl>
-                                              <p:pRg st="13" end="13"/>
+                                              <p:pRg st="17" end="17"/>
                                             </p:txEl>
                                           </p:spTgt>
                                         </p:tgtEl>
@@ -7474,6 +9700,927 @@
       </p:grpSpPr>
       <p:sp>
         <p:nvSpPr>
+          <p:cNvPr id="2" name="Заголовок 1"/>
+          <p:cNvSpPr>
+            <a:spLocks noGrp="1"/>
+          </p:cNvSpPr>
+          <p:nvPr>
+            <p:ph type="title"/>
+          </p:nvPr>
+        </p:nvSpPr>
+        <p:spPr/>
+        <p:txBody>
+          <a:bodyPr/>
+          <a:lstStyle/>
+          <a:p>
+            <a:r>
+              <a:rPr lang="ru-RU" dirty="0"/>
+              <a:t>Реализация клиента</a:t>
+            </a:r>
+          </a:p>
+        </p:txBody>
+      </p:sp>
+      <p:sp>
+        <p:nvSpPr>
+          <p:cNvPr id="3" name="Прямоугольник 2"/>
+          <p:cNvSpPr/>
+          <p:nvPr/>
+        </p:nvSpPr>
+        <p:spPr>
+          <a:xfrm>
+            <a:off x="214282" y="1835760"/>
+            <a:ext cx="8501122" cy="3323987"/>
+          </a:xfrm>
+          <a:prstGeom prst="rect">
+            <a:avLst/>
+          </a:prstGeom>
+        </p:spPr>
+        <p:style>
+          <a:lnRef idx="2">
+            <a:schemeClr val="accent1"/>
+          </a:lnRef>
+          <a:fillRef idx="1">
+            <a:schemeClr val="lt1"/>
+          </a:fillRef>
+          <a:effectRef idx="0">
+            <a:schemeClr val="accent1"/>
+          </a:effectRef>
+          <a:fontRef idx="minor">
+            <a:schemeClr val="dk1"/>
+          </a:fontRef>
+        </p:style>
+        <p:txBody>
+          <a:bodyPr wrap="square">
+            <a:spAutoFit/>
+          </a:bodyPr>
+          <a:lstStyle/>
+          <a:p>
+            <a:pPr defTabSz="266700"/>
+            <a:r>
+              <a:rPr lang="en-US" sz="1400" b="1" dirty="0">
+                <a:latin typeface="Courier New" pitchFamily="49" charset="0"/>
+                <a:cs typeface="Courier New" pitchFamily="49" charset="0"/>
+              </a:rPr>
+              <a:t>void </a:t>
+            </a:r>
+            <a:r>
+              <a:rPr lang="en-US" sz="1400" b="1" dirty="0" err="1">
+                <a:latin typeface="Courier New" pitchFamily="49" charset="0"/>
+                <a:cs typeface="Courier New" pitchFamily="49" charset="0"/>
+              </a:rPr>
+              <a:t>ConvertToPDF</a:t>
+            </a:r>
+            <a:r>
+              <a:rPr lang="en-US" sz="1400" b="1" dirty="0">
+                <a:latin typeface="Courier New" pitchFamily="49" charset="0"/>
+                <a:cs typeface="Courier New" pitchFamily="49" charset="0"/>
+              </a:rPr>
+              <a:t>(</a:t>
+            </a:r>
+            <a:r>
+              <a:rPr lang="en-US" sz="1400" b="1" dirty="0" err="1">
+                <a:latin typeface="Courier New" pitchFamily="49" charset="0"/>
+                <a:cs typeface="Courier New" pitchFamily="49" charset="0"/>
+              </a:rPr>
+              <a:t>FormattedText</a:t>
+            </a:r>
+            <a:r>
+              <a:rPr lang="en-US" sz="1400" b="1" dirty="0">
+                <a:latin typeface="Courier New" pitchFamily="49" charset="0"/>
+                <a:cs typeface="Courier New" pitchFamily="49" charset="0"/>
+              </a:rPr>
+              <a:t> const&amp; text, std::string const&amp; </a:t>
+            </a:r>
+            <a:r>
+              <a:rPr lang="en-US" sz="1400" b="1" dirty="0" err="1">
+                <a:latin typeface="Courier New" pitchFamily="49" charset="0"/>
+                <a:cs typeface="Courier New" pitchFamily="49" charset="0"/>
+              </a:rPr>
+              <a:t>outputFile</a:t>
+            </a:r>
+            <a:r>
+              <a:rPr lang="en-US" sz="1400" b="1" dirty="0">
+                <a:latin typeface="Courier New" pitchFamily="49" charset="0"/>
+                <a:cs typeface="Courier New" pitchFamily="49" charset="0"/>
+              </a:rPr>
+              <a:t>)</a:t>
+            </a:r>
+          </a:p>
+          <a:p>
+            <a:pPr defTabSz="266700"/>
+            <a:r>
+              <a:rPr lang="ru-RU" sz="1400" b="1" dirty="0">
+                <a:latin typeface="Courier New" pitchFamily="49" charset="0"/>
+                <a:cs typeface="Courier New" pitchFamily="49" charset="0"/>
+              </a:rPr>
+              <a:t>{</a:t>
+            </a:r>
+          </a:p>
+          <a:p>
+            <a:pPr defTabSz="266700"/>
+            <a:r>
+              <a:rPr lang="ru-RU" sz="1400" b="1" i="1" dirty="0">
+                <a:latin typeface="Courier New" pitchFamily="49" charset="0"/>
+                <a:cs typeface="Courier New" pitchFamily="49" charset="0"/>
+              </a:rPr>
+              <a:t>	</a:t>
+            </a:r>
+            <a:r>
+              <a:rPr lang="en-US" sz="1400" b="1" i="1" dirty="0">
+                <a:latin typeface="Courier New" pitchFamily="49" charset="0"/>
+                <a:cs typeface="Courier New" pitchFamily="49" charset="0"/>
+              </a:rPr>
+              <a:t>// </a:t>
+            </a:r>
+            <a:r>
+              <a:rPr lang="ru-RU" sz="1400" b="1" i="1" dirty="0">
+                <a:latin typeface="Courier New" pitchFamily="49" charset="0"/>
+                <a:cs typeface="Courier New" pitchFamily="49" charset="0"/>
+              </a:rPr>
+              <a:t>создаем строителя</a:t>
+            </a:r>
+          </a:p>
+          <a:p>
+            <a:pPr defTabSz="266700"/>
+            <a:r>
+              <a:rPr lang="en-US" sz="1400" b="1" dirty="0">
+                <a:latin typeface="Courier New" pitchFamily="49" charset="0"/>
+                <a:cs typeface="Courier New" pitchFamily="49" charset="0"/>
+              </a:rPr>
+              <a:t>	</a:t>
+            </a:r>
+            <a:r>
+              <a:rPr lang="en-US" sz="1400" b="1" dirty="0" err="1">
+                <a:latin typeface="Courier New" pitchFamily="49" charset="0"/>
+                <a:cs typeface="Courier New" pitchFamily="49" charset="0"/>
+              </a:rPr>
+              <a:t>PDFConverter</a:t>
+            </a:r>
+            <a:r>
+              <a:rPr lang="en-US" sz="1400" b="1" dirty="0">
+                <a:latin typeface="Courier New" pitchFamily="49" charset="0"/>
+                <a:cs typeface="Courier New" pitchFamily="49" charset="0"/>
+              </a:rPr>
+              <a:t> converter;</a:t>
+            </a:r>
+            <a:endParaRPr lang="ru-RU" sz="1400" b="1" dirty="0">
+              <a:latin typeface="Courier New" pitchFamily="49" charset="0"/>
+              <a:cs typeface="Courier New" pitchFamily="49" charset="0"/>
+            </a:endParaRPr>
+          </a:p>
+          <a:p>
+            <a:pPr defTabSz="266700"/>
+            <a:endParaRPr lang="ru-RU" sz="1400" b="1" dirty="0">
+              <a:latin typeface="Courier New" pitchFamily="49" charset="0"/>
+              <a:cs typeface="Courier New" pitchFamily="49" charset="0"/>
+            </a:endParaRPr>
+          </a:p>
+          <a:p>
+            <a:pPr defTabSz="266700"/>
+            <a:r>
+              <a:rPr lang="ru-RU" sz="1400" b="1" i="1" dirty="0">
+                <a:latin typeface="Courier New" pitchFamily="49" charset="0"/>
+                <a:cs typeface="Courier New" pitchFamily="49" charset="0"/>
+              </a:rPr>
+              <a:t>	// создаем распорядителя</a:t>
+            </a:r>
+            <a:endParaRPr lang="en-US" sz="1400" b="1" i="1" dirty="0">
+              <a:latin typeface="Courier New" pitchFamily="49" charset="0"/>
+              <a:cs typeface="Courier New" pitchFamily="49" charset="0"/>
+            </a:endParaRPr>
+          </a:p>
+          <a:p>
+            <a:pPr defTabSz="266700"/>
+            <a:r>
+              <a:rPr lang="en-US" sz="1400" b="1" dirty="0">
+                <a:latin typeface="Courier New" pitchFamily="49" charset="0"/>
+                <a:cs typeface="Courier New" pitchFamily="49" charset="0"/>
+              </a:rPr>
+              <a:t>	</a:t>
+            </a:r>
+            <a:r>
+              <a:rPr lang="en-US" sz="1400" b="1" dirty="0" err="1">
+                <a:latin typeface="Courier New" pitchFamily="49" charset="0"/>
+                <a:cs typeface="Courier New" pitchFamily="49" charset="0"/>
+              </a:rPr>
+              <a:t>FormattedTextReader</a:t>
+            </a:r>
+            <a:r>
+              <a:rPr lang="en-US" sz="1400" b="1" dirty="0">
+                <a:latin typeface="Courier New" pitchFamily="49" charset="0"/>
+                <a:cs typeface="Courier New" pitchFamily="49" charset="0"/>
+              </a:rPr>
+              <a:t> reader;</a:t>
+            </a:r>
+            <a:endParaRPr lang="ru-RU" sz="1400" b="1" dirty="0">
+              <a:latin typeface="Courier New" pitchFamily="49" charset="0"/>
+              <a:cs typeface="Courier New" pitchFamily="49" charset="0"/>
+            </a:endParaRPr>
+          </a:p>
+          <a:p>
+            <a:pPr defTabSz="266700"/>
+            <a:endParaRPr lang="ru-RU" sz="1400" b="1" i="1" dirty="0">
+              <a:latin typeface="Courier New" pitchFamily="49" charset="0"/>
+              <a:cs typeface="Courier New" pitchFamily="49" charset="0"/>
+            </a:endParaRPr>
+          </a:p>
+          <a:p>
+            <a:pPr defTabSz="266700"/>
+            <a:r>
+              <a:rPr lang="ru-RU" sz="1400" b="1" i="1" dirty="0">
+                <a:latin typeface="Courier New" pitchFamily="49" charset="0"/>
+                <a:cs typeface="Courier New" pitchFamily="49" charset="0"/>
+              </a:rPr>
+              <a:t>	// и инициируем процесс построения продукта</a:t>
+            </a:r>
+            <a:endParaRPr lang="en-US" sz="1400" b="1" i="1" dirty="0">
+              <a:latin typeface="Courier New" pitchFamily="49" charset="0"/>
+              <a:cs typeface="Courier New" pitchFamily="49" charset="0"/>
+            </a:endParaRPr>
+          </a:p>
+          <a:p>
+            <a:pPr defTabSz="266700"/>
+            <a:r>
+              <a:rPr lang="en-US" sz="1400" b="1" dirty="0">
+                <a:latin typeface="Courier New" pitchFamily="49" charset="0"/>
+                <a:cs typeface="Courier New" pitchFamily="49" charset="0"/>
+              </a:rPr>
+              <a:t>	</a:t>
+            </a:r>
+            <a:r>
+              <a:rPr lang="en-US" sz="1400" b="1" dirty="0" err="1">
+                <a:latin typeface="Courier New" pitchFamily="49" charset="0"/>
+                <a:cs typeface="Courier New" pitchFamily="49" charset="0"/>
+              </a:rPr>
+              <a:t>reader.Read</a:t>
+            </a:r>
+            <a:r>
+              <a:rPr lang="en-US" sz="1400" b="1" dirty="0">
+                <a:latin typeface="Courier New" pitchFamily="49" charset="0"/>
+                <a:cs typeface="Courier New" pitchFamily="49" charset="0"/>
+              </a:rPr>
+              <a:t>(text, converter);</a:t>
+            </a:r>
+            <a:endParaRPr lang="ru-RU" sz="1400" b="1" dirty="0">
+              <a:latin typeface="Courier New" pitchFamily="49" charset="0"/>
+              <a:cs typeface="Courier New" pitchFamily="49" charset="0"/>
+            </a:endParaRPr>
+          </a:p>
+          <a:p>
+            <a:pPr defTabSz="266700"/>
+            <a:endParaRPr lang="ru-RU" sz="1400" b="1" dirty="0">
+              <a:latin typeface="Courier New" pitchFamily="49" charset="0"/>
+              <a:cs typeface="Courier New" pitchFamily="49" charset="0"/>
+            </a:endParaRPr>
+          </a:p>
+          <a:p>
+            <a:pPr defTabSz="266700"/>
+            <a:r>
+              <a:rPr lang="ru-RU" sz="1400" b="1" dirty="0">
+                <a:latin typeface="Courier New" pitchFamily="49" charset="0"/>
+                <a:cs typeface="Courier New" pitchFamily="49" charset="0"/>
+              </a:rPr>
+              <a:t>	</a:t>
+            </a:r>
+            <a:r>
+              <a:rPr lang="ru-RU" sz="1400" b="1" i="1" dirty="0">
+                <a:latin typeface="Courier New" pitchFamily="49" charset="0"/>
+                <a:cs typeface="Courier New" pitchFamily="49" charset="0"/>
+              </a:rPr>
+              <a:t>// получаем конечный продукт</a:t>
+            </a:r>
+            <a:endParaRPr lang="en-US" sz="1400" b="1" i="1" dirty="0">
+              <a:latin typeface="Courier New" pitchFamily="49" charset="0"/>
+              <a:cs typeface="Courier New" pitchFamily="49" charset="0"/>
+            </a:endParaRPr>
+          </a:p>
+          <a:p>
+            <a:pPr defTabSz="266700"/>
+            <a:r>
+              <a:rPr lang="en-US" sz="1400" b="1" dirty="0">
+                <a:latin typeface="Courier New" pitchFamily="49" charset="0"/>
+                <a:cs typeface="Courier New" pitchFamily="49" charset="0"/>
+              </a:rPr>
+              <a:t>	</a:t>
+            </a:r>
+            <a:r>
+              <a:rPr lang="en-US" sz="1400" b="1" dirty="0" err="1">
+                <a:latin typeface="Courier New" pitchFamily="49" charset="0"/>
+                <a:cs typeface="Courier New" pitchFamily="49" charset="0"/>
+              </a:rPr>
+              <a:t>PDFDocument</a:t>
+            </a:r>
+            <a:r>
+              <a:rPr lang="en-US" sz="1400" b="1" dirty="0">
+                <a:latin typeface="Courier New" pitchFamily="49" charset="0"/>
+                <a:cs typeface="Courier New" pitchFamily="49" charset="0"/>
+              </a:rPr>
+              <a:t> const&amp; </a:t>
+            </a:r>
+            <a:r>
+              <a:rPr lang="en-US" sz="1400" b="1" dirty="0" err="1">
+                <a:latin typeface="Courier New" pitchFamily="49" charset="0"/>
+                <a:cs typeface="Courier New" pitchFamily="49" charset="0"/>
+              </a:rPr>
+              <a:t>pdfDoc</a:t>
+            </a:r>
+            <a:r>
+              <a:rPr lang="en-US" sz="1400" b="1" dirty="0">
+                <a:latin typeface="Courier New" pitchFamily="49" charset="0"/>
+                <a:cs typeface="Courier New" pitchFamily="49" charset="0"/>
+              </a:rPr>
+              <a:t> = </a:t>
+            </a:r>
+            <a:r>
+              <a:rPr lang="en-US" sz="1400" b="1" dirty="0" err="1">
+                <a:latin typeface="Courier New" pitchFamily="49" charset="0"/>
+                <a:cs typeface="Courier New" pitchFamily="49" charset="0"/>
+              </a:rPr>
+              <a:t>converter.GetPDFDocument</a:t>
+            </a:r>
+            <a:r>
+              <a:rPr lang="en-US" sz="1400" b="1" dirty="0">
+                <a:latin typeface="Courier New" pitchFamily="49" charset="0"/>
+                <a:cs typeface="Courier New" pitchFamily="49" charset="0"/>
+              </a:rPr>
+              <a:t>();</a:t>
+            </a:r>
+          </a:p>
+          <a:p>
+            <a:pPr defTabSz="266700"/>
+            <a:r>
+              <a:rPr lang="en-US" sz="1400" b="1" dirty="0">
+                <a:latin typeface="Courier New" pitchFamily="49" charset="0"/>
+                <a:cs typeface="Courier New" pitchFamily="49" charset="0"/>
+              </a:rPr>
+              <a:t>	</a:t>
+            </a:r>
+            <a:r>
+              <a:rPr lang="en-US" sz="1400" b="1" dirty="0" err="1">
+                <a:latin typeface="Courier New" pitchFamily="49" charset="0"/>
+                <a:cs typeface="Courier New" pitchFamily="49" charset="0"/>
+              </a:rPr>
+              <a:t>pdfDoc.SaveToFile</a:t>
+            </a:r>
+            <a:r>
+              <a:rPr lang="en-US" sz="1400" b="1" dirty="0">
+                <a:latin typeface="Courier New" pitchFamily="49" charset="0"/>
+                <a:cs typeface="Courier New" pitchFamily="49" charset="0"/>
+              </a:rPr>
+              <a:t>(</a:t>
+            </a:r>
+            <a:r>
+              <a:rPr lang="en-US" sz="1400" b="1" dirty="0" err="1">
+                <a:latin typeface="Courier New" pitchFamily="49" charset="0"/>
+                <a:cs typeface="Courier New" pitchFamily="49" charset="0"/>
+              </a:rPr>
+              <a:t>outputFile</a:t>
+            </a:r>
+            <a:r>
+              <a:rPr lang="en-US" sz="1400" b="1" dirty="0">
+                <a:latin typeface="Courier New" pitchFamily="49" charset="0"/>
+                <a:cs typeface="Courier New" pitchFamily="49" charset="0"/>
+              </a:rPr>
+              <a:t>);</a:t>
+            </a:r>
+            <a:endParaRPr lang="ru-RU" sz="1400" b="1" dirty="0">
+              <a:latin typeface="Courier New" pitchFamily="49" charset="0"/>
+              <a:cs typeface="Courier New" pitchFamily="49" charset="0"/>
+            </a:endParaRPr>
+          </a:p>
+          <a:p>
+            <a:pPr defTabSz="266700"/>
+            <a:r>
+              <a:rPr lang="ru-RU" sz="1400" b="1" dirty="0">
+                <a:latin typeface="Courier New" pitchFamily="49" charset="0"/>
+                <a:cs typeface="Courier New" pitchFamily="49" charset="0"/>
+              </a:rPr>
+              <a:t>}</a:t>
+            </a:r>
+          </a:p>
+        </p:txBody>
+      </p:sp>
+    </p:spTree>
+    <p:extLst>
+      <p:ext uri="{BB962C8B-B14F-4D97-AF65-F5344CB8AC3E}">
+        <p14:creationId xmlns:p14="http://schemas.microsoft.com/office/powerpoint/2010/main" val="2413822295"/>
+      </p:ext>
+    </p:extLst>
+  </p:cSld>
+  <p:clrMapOvr>
+    <a:masterClrMapping/>
+  </p:clrMapOvr>
+  <p:timing>
+    <p:tnLst>
+      <p:par>
+        <p:cTn id="1" dur="indefinite" restart="never" nodeType="tmRoot">
+          <p:childTnLst>
+            <p:seq concurrent="1" nextAc="seek">
+              <p:cTn id="2" dur="indefinite" nodeType="mainSeq">
+                <p:childTnLst>
+                  <p:par>
+                    <p:cTn id="3" fill="hold">
+                      <p:stCondLst>
+                        <p:cond delay="indefinite"/>
+                      </p:stCondLst>
+                      <p:childTnLst>
+                        <p:par>
+                          <p:cTn id="4" fill="hold">
+                            <p:stCondLst>
+                              <p:cond delay="0"/>
+                            </p:stCondLst>
+                            <p:childTnLst>
+                              <p:par>
+                                <p:cTn id="5" presetID="10" presetClass="entr" presetSubtype="0" fill="hold" nodeType="clickEffect">
+                                  <p:stCondLst>
+                                    <p:cond delay="0"/>
+                                  </p:stCondLst>
+                                  <p:childTnLst>
+                                    <p:set>
+                                      <p:cBhvr>
+                                        <p:cTn id="6" dur="1" fill="hold">
+                                          <p:stCondLst>
+                                            <p:cond delay="0"/>
+                                          </p:stCondLst>
+                                        </p:cTn>
+                                        <p:tgtEl>
+                                          <p:spTgt spid="3">
+                                            <p:txEl>
+                                              <p:pRg st="2" end="2"/>
+                                            </p:txEl>
+                                          </p:spTgt>
+                                        </p:tgtEl>
+                                        <p:attrNameLst>
+                                          <p:attrName>style.visibility</p:attrName>
+                                        </p:attrNameLst>
+                                      </p:cBhvr>
+                                      <p:to>
+                                        <p:strVal val="visible"/>
+                                      </p:to>
+                                    </p:set>
+                                    <p:animEffect transition="in" filter="fade">
+                                      <p:cBhvr>
+                                        <p:cTn id="7" dur="500"/>
+                                        <p:tgtEl>
+                                          <p:spTgt spid="3">
+                                            <p:txEl>
+                                              <p:pRg st="2" end="2"/>
+                                            </p:txEl>
+                                          </p:spTgt>
+                                        </p:tgtEl>
+                                      </p:cBhvr>
+                                    </p:animEffect>
+                                  </p:childTnLst>
+                                </p:cTn>
+                              </p:par>
+                              <p:par>
+                                <p:cTn id="8" presetID="10" presetClass="entr" presetSubtype="0" fill="hold" nodeType="withEffect">
+                                  <p:stCondLst>
+                                    <p:cond delay="0"/>
+                                  </p:stCondLst>
+                                  <p:childTnLst>
+                                    <p:set>
+                                      <p:cBhvr>
+                                        <p:cTn id="9" dur="1" fill="hold">
+                                          <p:stCondLst>
+                                            <p:cond delay="0"/>
+                                          </p:stCondLst>
+                                        </p:cTn>
+                                        <p:tgtEl>
+                                          <p:spTgt spid="3">
+                                            <p:txEl>
+                                              <p:pRg st="3" end="3"/>
+                                            </p:txEl>
+                                          </p:spTgt>
+                                        </p:tgtEl>
+                                        <p:attrNameLst>
+                                          <p:attrName>style.visibility</p:attrName>
+                                        </p:attrNameLst>
+                                      </p:cBhvr>
+                                      <p:to>
+                                        <p:strVal val="visible"/>
+                                      </p:to>
+                                    </p:set>
+                                    <p:animEffect transition="in" filter="fade">
+                                      <p:cBhvr>
+                                        <p:cTn id="10" dur="500"/>
+                                        <p:tgtEl>
+                                          <p:spTgt spid="3">
+                                            <p:txEl>
+                                              <p:pRg st="3" end="3"/>
+                                            </p:txEl>
+                                          </p:spTgt>
+                                        </p:tgtEl>
+                                      </p:cBhvr>
+                                    </p:animEffect>
+                                  </p:childTnLst>
+                                </p:cTn>
+                              </p:par>
+                            </p:childTnLst>
+                          </p:cTn>
+                        </p:par>
+                      </p:childTnLst>
+                    </p:cTn>
+                  </p:par>
+                  <p:par>
+                    <p:cTn id="11" fill="hold">
+                      <p:stCondLst>
+                        <p:cond delay="indefinite"/>
+                      </p:stCondLst>
+                      <p:childTnLst>
+                        <p:par>
+                          <p:cTn id="12" fill="hold">
+                            <p:stCondLst>
+                              <p:cond delay="0"/>
+                            </p:stCondLst>
+                            <p:childTnLst>
+                              <p:par>
+                                <p:cTn id="13" presetID="10" presetClass="entr" presetSubtype="0" fill="hold" nodeType="clickEffect">
+                                  <p:stCondLst>
+                                    <p:cond delay="0"/>
+                                  </p:stCondLst>
+                                  <p:childTnLst>
+                                    <p:set>
+                                      <p:cBhvr>
+                                        <p:cTn id="14" dur="1" fill="hold">
+                                          <p:stCondLst>
+                                            <p:cond delay="0"/>
+                                          </p:stCondLst>
+                                        </p:cTn>
+                                        <p:tgtEl>
+                                          <p:spTgt spid="3">
+                                            <p:txEl>
+                                              <p:pRg st="5" end="5"/>
+                                            </p:txEl>
+                                          </p:spTgt>
+                                        </p:tgtEl>
+                                        <p:attrNameLst>
+                                          <p:attrName>style.visibility</p:attrName>
+                                        </p:attrNameLst>
+                                      </p:cBhvr>
+                                      <p:to>
+                                        <p:strVal val="visible"/>
+                                      </p:to>
+                                    </p:set>
+                                    <p:animEffect transition="in" filter="fade">
+                                      <p:cBhvr>
+                                        <p:cTn id="15" dur="500"/>
+                                        <p:tgtEl>
+                                          <p:spTgt spid="3">
+                                            <p:txEl>
+                                              <p:pRg st="5" end="5"/>
+                                            </p:txEl>
+                                          </p:spTgt>
+                                        </p:tgtEl>
+                                      </p:cBhvr>
+                                    </p:animEffect>
+                                  </p:childTnLst>
+                                </p:cTn>
+                              </p:par>
+                              <p:par>
+                                <p:cTn id="16" presetID="10" presetClass="entr" presetSubtype="0" fill="hold" nodeType="withEffect">
+                                  <p:stCondLst>
+                                    <p:cond delay="0"/>
+                                  </p:stCondLst>
+                                  <p:childTnLst>
+                                    <p:set>
+                                      <p:cBhvr>
+                                        <p:cTn id="17" dur="1" fill="hold">
+                                          <p:stCondLst>
+                                            <p:cond delay="0"/>
+                                          </p:stCondLst>
+                                        </p:cTn>
+                                        <p:tgtEl>
+                                          <p:spTgt spid="3">
+                                            <p:txEl>
+                                              <p:pRg st="6" end="6"/>
+                                            </p:txEl>
+                                          </p:spTgt>
+                                        </p:tgtEl>
+                                        <p:attrNameLst>
+                                          <p:attrName>style.visibility</p:attrName>
+                                        </p:attrNameLst>
+                                      </p:cBhvr>
+                                      <p:to>
+                                        <p:strVal val="visible"/>
+                                      </p:to>
+                                    </p:set>
+                                    <p:animEffect transition="in" filter="fade">
+                                      <p:cBhvr>
+                                        <p:cTn id="18" dur="500"/>
+                                        <p:tgtEl>
+                                          <p:spTgt spid="3">
+                                            <p:txEl>
+                                              <p:pRg st="6" end="6"/>
+                                            </p:txEl>
+                                          </p:spTgt>
+                                        </p:tgtEl>
+                                      </p:cBhvr>
+                                    </p:animEffect>
+                                  </p:childTnLst>
+                                </p:cTn>
+                              </p:par>
+                            </p:childTnLst>
+                          </p:cTn>
+                        </p:par>
+                      </p:childTnLst>
+                    </p:cTn>
+                  </p:par>
+                  <p:par>
+                    <p:cTn id="19" fill="hold">
+                      <p:stCondLst>
+                        <p:cond delay="indefinite"/>
+                      </p:stCondLst>
+                      <p:childTnLst>
+                        <p:par>
+                          <p:cTn id="20" fill="hold">
+                            <p:stCondLst>
+                              <p:cond delay="0"/>
+                            </p:stCondLst>
+                            <p:childTnLst>
+                              <p:par>
+                                <p:cTn id="21" presetID="10" presetClass="entr" presetSubtype="0" fill="hold" nodeType="clickEffect">
+                                  <p:stCondLst>
+                                    <p:cond delay="0"/>
+                                  </p:stCondLst>
+                                  <p:childTnLst>
+                                    <p:set>
+                                      <p:cBhvr>
+                                        <p:cTn id="22" dur="1" fill="hold">
+                                          <p:stCondLst>
+                                            <p:cond delay="0"/>
+                                          </p:stCondLst>
+                                        </p:cTn>
+                                        <p:tgtEl>
+                                          <p:spTgt spid="3">
+                                            <p:txEl>
+                                              <p:pRg st="8" end="8"/>
+                                            </p:txEl>
+                                          </p:spTgt>
+                                        </p:tgtEl>
+                                        <p:attrNameLst>
+                                          <p:attrName>style.visibility</p:attrName>
+                                        </p:attrNameLst>
+                                      </p:cBhvr>
+                                      <p:to>
+                                        <p:strVal val="visible"/>
+                                      </p:to>
+                                    </p:set>
+                                    <p:animEffect transition="in" filter="fade">
+                                      <p:cBhvr>
+                                        <p:cTn id="23" dur="500"/>
+                                        <p:tgtEl>
+                                          <p:spTgt spid="3">
+                                            <p:txEl>
+                                              <p:pRg st="8" end="8"/>
+                                            </p:txEl>
+                                          </p:spTgt>
+                                        </p:tgtEl>
+                                      </p:cBhvr>
+                                    </p:animEffect>
+                                  </p:childTnLst>
+                                </p:cTn>
+                              </p:par>
+                              <p:par>
+                                <p:cTn id="24" presetID="10" presetClass="entr" presetSubtype="0" fill="hold" nodeType="withEffect">
+                                  <p:stCondLst>
+                                    <p:cond delay="0"/>
+                                  </p:stCondLst>
+                                  <p:childTnLst>
+                                    <p:set>
+                                      <p:cBhvr>
+                                        <p:cTn id="25" dur="1" fill="hold">
+                                          <p:stCondLst>
+                                            <p:cond delay="0"/>
+                                          </p:stCondLst>
+                                        </p:cTn>
+                                        <p:tgtEl>
+                                          <p:spTgt spid="3">
+                                            <p:txEl>
+                                              <p:pRg st="9" end="9"/>
+                                            </p:txEl>
+                                          </p:spTgt>
+                                        </p:tgtEl>
+                                        <p:attrNameLst>
+                                          <p:attrName>style.visibility</p:attrName>
+                                        </p:attrNameLst>
+                                      </p:cBhvr>
+                                      <p:to>
+                                        <p:strVal val="visible"/>
+                                      </p:to>
+                                    </p:set>
+                                    <p:animEffect transition="in" filter="fade">
+                                      <p:cBhvr>
+                                        <p:cTn id="26" dur="500"/>
+                                        <p:tgtEl>
+                                          <p:spTgt spid="3">
+                                            <p:txEl>
+                                              <p:pRg st="9" end="9"/>
+                                            </p:txEl>
+                                          </p:spTgt>
+                                        </p:tgtEl>
+                                      </p:cBhvr>
+                                    </p:animEffect>
+                                  </p:childTnLst>
+                                </p:cTn>
+                              </p:par>
+                            </p:childTnLst>
+                          </p:cTn>
+                        </p:par>
+                      </p:childTnLst>
+                    </p:cTn>
+                  </p:par>
+                  <p:par>
+                    <p:cTn id="27" fill="hold">
+                      <p:stCondLst>
+                        <p:cond delay="indefinite"/>
+                      </p:stCondLst>
+                      <p:childTnLst>
+                        <p:par>
+                          <p:cTn id="28" fill="hold">
+                            <p:stCondLst>
+                              <p:cond delay="0"/>
+                            </p:stCondLst>
+                            <p:childTnLst>
+                              <p:par>
+                                <p:cTn id="29" presetID="10" presetClass="entr" presetSubtype="0" fill="hold" nodeType="clickEffect">
+                                  <p:stCondLst>
+                                    <p:cond delay="0"/>
+                                  </p:stCondLst>
+                                  <p:childTnLst>
+                                    <p:set>
+                                      <p:cBhvr>
+                                        <p:cTn id="30" dur="1" fill="hold">
+                                          <p:stCondLst>
+                                            <p:cond delay="0"/>
+                                          </p:stCondLst>
+                                        </p:cTn>
+                                        <p:tgtEl>
+                                          <p:spTgt spid="3">
+                                            <p:txEl>
+                                              <p:pRg st="11" end="11"/>
+                                            </p:txEl>
+                                          </p:spTgt>
+                                        </p:tgtEl>
+                                        <p:attrNameLst>
+                                          <p:attrName>style.visibility</p:attrName>
+                                        </p:attrNameLst>
+                                      </p:cBhvr>
+                                      <p:to>
+                                        <p:strVal val="visible"/>
+                                      </p:to>
+                                    </p:set>
+                                    <p:animEffect transition="in" filter="fade">
+                                      <p:cBhvr>
+                                        <p:cTn id="31" dur="500"/>
+                                        <p:tgtEl>
+                                          <p:spTgt spid="3">
+                                            <p:txEl>
+                                              <p:pRg st="11" end="11"/>
+                                            </p:txEl>
+                                          </p:spTgt>
+                                        </p:tgtEl>
+                                      </p:cBhvr>
+                                    </p:animEffect>
+                                  </p:childTnLst>
+                                </p:cTn>
+                              </p:par>
+                              <p:par>
+                                <p:cTn id="32" presetID="10" presetClass="entr" presetSubtype="0" fill="hold" nodeType="withEffect">
+                                  <p:stCondLst>
+                                    <p:cond delay="0"/>
+                                  </p:stCondLst>
+                                  <p:childTnLst>
+                                    <p:set>
+                                      <p:cBhvr>
+                                        <p:cTn id="33" dur="1" fill="hold">
+                                          <p:stCondLst>
+                                            <p:cond delay="0"/>
+                                          </p:stCondLst>
+                                        </p:cTn>
+                                        <p:tgtEl>
+                                          <p:spTgt spid="3">
+                                            <p:txEl>
+                                              <p:pRg st="12" end="12"/>
+                                            </p:txEl>
+                                          </p:spTgt>
+                                        </p:tgtEl>
+                                        <p:attrNameLst>
+                                          <p:attrName>style.visibility</p:attrName>
+                                        </p:attrNameLst>
+                                      </p:cBhvr>
+                                      <p:to>
+                                        <p:strVal val="visible"/>
+                                      </p:to>
+                                    </p:set>
+                                    <p:animEffect transition="in" filter="fade">
+                                      <p:cBhvr>
+                                        <p:cTn id="34" dur="500"/>
+                                        <p:tgtEl>
+                                          <p:spTgt spid="3">
+                                            <p:txEl>
+                                              <p:pRg st="12" end="12"/>
+                                            </p:txEl>
+                                          </p:spTgt>
+                                        </p:tgtEl>
+                                      </p:cBhvr>
+                                    </p:animEffect>
+                                  </p:childTnLst>
+                                </p:cTn>
+                              </p:par>
+                              <p:par>
+                                <p:cTn id="35" presetID="10" presetClass="entr" presetSubtype="0" fill="hold" nodeType="withEffect">
+                                  <p:stCondLst>
+                                    <p:cond delay="0"/>
+                                  </p:stCondLst>
+                                  <p:childTnLst>
+                                    <p:set>
+                                      <p:cBhvr>
+                                        <p:cTn id="36" dur="1" fill="hold">
+                                          <p:stCondLst>
+                                            <p:cond delay="0"/>
+                                          </p:stCondLst>
+                                        </p:cTn>
+                                        <p:tgtEl>
+                                          <p:spTgt spid="3">
+                                            <p:txEl>
+                                              <p:pRg st="13" end="13"/>
+                                            </p:txEl>
+                                          </p:spTgt>
+                                        </p:tgtEl>
+                                        <p:attrNameLst>
+                                          <p:attrName>style.visibility</p:attrName>
+                                        </p:attrNameLst>
+                                      </p:cBhvr>
+                                      <p:to>
+                                        <p:strVal val="visible"/>
+                                      </p:to>
+                                    </p:set>
+                                    <p:animEffect transition="in" filter="fade">
+                                      <p:cBhvr>
+                                        <p:cTn id="37" dur="500"/>
+                                        <p:tgtEl>
+                                          <p:spTgt spid="3">
+                                            <p:txEl>
+                                              <p:pRg st="13" end="13"/>
+                                            </p:txEl>
+                                          </p:spTgt>
+                                        </p:tgtEl>
+                                      </p:cBhvr>
+                                    </p:animEffect>
+                                  </p:childTnLst>
+                                </p:cTn>
+                              </p:par>
+                            </p:childTnLst>
+                          </p:cTn>
+                        </p:par>
+                      </p:childTnLst>
+                    </p:cTn>
+                  </p:par>
+                </p:childTnLst>
+              </p:cTn>
+              <p:prevCondLst>
+                <p:cond evt="onPrev" delay="0">
+                  <p:tgtEl>
+                    <p:sldTgt/>
+                  </p:tgtEl>
+                </p:cond>
+              </p:prevCondLst>
+              <p:nextCondLst>
+                <p:cond evt="onNext" delay="0">
+                  <p:tgtEl>
+                    <p:sldTgt/>
+                  </p:tgtEl>
+                </p:cond>
+              </p:nextCondLst>
+            </p:seq>
+          </p:childTnLst>
+        </p:cTn>
+      </p:par>
+    </p:tnLst>
+  </p:timing>
+</p:sld>
+</file>
+
+<file path=ppt/slides/slide13.xml><?xml version="1.0" encoding="utf-8"?>
+<p:sld xmlns:a="http://schemas.openxmlformats.org/drawingml/2006/main" xmlns:r="http://schemas.openxmlformats.org/officeDocument/2006/relationships" xmlns:p="http://schemas.openxmlformats.org/presentationml/2006/main">
+  <p:cSld>
+    <p:spTree>
+      <p:nvGrpSpPr>
+        <p:cNvPr id="1" name=""/>
+        <p:cNvGrpSpPr/>
+        <p:nvPr/>
+      </p:nvGrpSpPr>
+      <p:grpSpPr>
+        <a:xfrm>
+          <a:off x="0" y="0"/>
+          <a:ext cx="0" cy="0"/>
+          <a:chOff x="0" y="0"/>
+          <a:chExt cx="0" cy="0"/>
+        </a:xfrm>
+      </p:grpSpPr>
+      <p:sp>
+        <p:nvSpPr>
           <p:cNvPr id="39938" name="Rectangle 2"/>
           <p:cNvSpPr>
             <a:spLocks noGrp="1" noChangeArrowheads="1"/>
@@ -7542,20 +10689,20 @@
             <a:pPr lvl="1"/>
             <a:r>
               <a:rPr lang="ru-RU" dirty="0"/>
-              <a:t>Клиенту не нужно знать о классах, задающих внутреннюю структуру продукта (в интерфейсе строителя они отсутствуют)</a:t>
+              <a:t>Клиенту не знает о классах, задающих внутреннюю структуру продукта (в интерфейсе строителя они отсутствуют)</a:t>
             </a:r>
           </a:p>
           <a:p>
             <a:r>
               <a:rPr lang="ru-RU" dirty="0"/>
-              <a:t>Дает более тонкий контроль над процессом конструирования </a:t>
+              <a:t>Дает тонкий контроль над процессом конструирования </a:t>
             </a:r>
           </a:p>
           <a:p>
             <a:pPr lvl="1"/>
             <a:r>
               <a:rPr lang="ru-RU" dirty="0"/>
-              <a:t>Процесс построения продукта происходит не сразу, как в других порождающих паттернах, а шаг за шагом</a:t>
+              <a:t>Продукт создаётся шаг за шагом под управлением распорядителя</a:t>
             </a:r>
           </a:p>
         </p:txBody>
@@ -7961,7 +11108,7 @@
 </p:sld>
 </file>
 
-<file path=ppt/slides/slide13.xml><?xml version="1.0" encoding="utf-8"?>
+<file path=ppt/slides/slide14.xml><?xml version="1.0" encoding="utf-8"?>
 <p:sld xmlns:a="http://schemas.openxmlformats.org/drawingml/2006/main" xmlns:r="http://schemas.openxmlformats.org/officeDocument/2006/relationships" xmlns:p="http://schemas.openxmlformats.org/presentationml/2006/main">
   <p:cSld>
     <p:spTree>
@@ -8031,6 +11178,417 @@
     <p:extLst>
       <p:ext uri="{BB962C8B-B14F-4D97-AF65-F5344CB8AC3E}">
         <p14:creationId xmlns:p14="http://schemas.microsoft.com/office/powerpoint/2010/main" val="4160294452"/>
+      </p:ext>
+    </p:extLst>
+  </p:cSld>
+  <p:clrMapOvr>
+    <a:masterClrMapping/>
+  </p:clrMapOvr>
+</p:sld>
+</file>
+
+<file path=ppt/slides/slide15.xml><?xml version="1.0" encoding="utf-8"?>
+<p:sld xmlns:a="http://schemas.openxmlformats.org/drawingml/2006/main" xmlns:r="http://schemas.openxmlformats.org/officeDocument/2006/relationships" xmlns:p="http://schemas.openxmlformats.org/presentationml/2006/main">
+  <p:cSld>
+    <p:spTree>
+      <p:nvGrpSpPr>
+        <p:cNvPr id="1" name=""/>
+        <p:cNvGrpSpPr/>
+        <p:nvPr/>
+      </p:nvGrpSpPr>
+      <p:grpSpPr>
+        <a:xfrm>
+          <a:off x="0" y="0"/>
+          <a:ext cx="0" cy="0"/>
+          <a:chOff x="0" y="0"/>
+          <a:chExt cx="0" cy="0"/>
+        </a:xfrm>
+      </p:grpSpPr>
+      <p:sp>
+        <p:nvSpPr>
+          <p:cNvPr id="2" name="Title 1">
+            <a:extLst>
+              <a:ext uri="{FF2B5EF4-FFF2-40B4-BE49-F238E27FC236}">
+                <a16:creationId xmlns:a16="http://schemas.microsoft.com/office/drawing/2014/main" id="{B7A2FFB4-54CF-41B0-8669-45A9A7ACF081}"/>
+              </a:ext>
+            </a:extLst>
+          </p:cNvPr>
+          <p:cNvSpPr>
+            <a:spLocks noGrp="1"/>
+          </p:cNvSpPr>
+          <p:nvPr>
+            <p:ph type="title"/>
+          </p:nvPr>
+        </p:nvSpPr>
+        <p:spPr/>
+        <p:txBody>
+          <a:bodyPr>
+            <a:normAutofit fontScale="90000"/>
+          </a:bodyPr>
+          <a:lstStyle/>
+          <a:p>
+            <a:r>
+              <a:rPr lang="ru-RU" dirty="0"/>
+              <a:t>Интерфейс сборки и конструирования</a:t>
+            </a:r>
+          </a:p>
+        </p:txBody>
+      </p:sp>
+      <p:sp>
+        <p:nvSpPr>
+          <p:cNvPr id="3" name="Content Placeholder 2">
+            <a:extLst>
+              <a:ext uri="{FF2B5EF4-FFF2-40B4-BE49-F238E27FC236}">
+                <a16:creationId xmlns:a16="http://schemas.microsoft.com/office/drawing/2014/main" id="{0D6009FC-A8F2-482B-9D81-D6F9386DD5E0}"/>
+              </a:ext>
+            </a:extLst>
+          </p:cNvPr>
+          <p:cNvSpPr>
+            <a:spLocks noGrp="1"/>
+          </p:cNvSpPr>
+          <p:nvPr>
+            <p:ph idx="1"/>
+          </p:nvPr>
+        </p:nvSpPr>
+        <p:spPr/>
+        <p:txBody>
+          <a:bodyPr/>
+          <a:lstStyle/>
+          <a:p>
+            <a:r>
+              <a:rPr lang="ru-RU" dirty="0"/>
+              <a:t>Должен быть общим, чтобы можно было создать разные виды строителей</a:t>
+            </a:r>
+          </a:p>
+          <a:p>
+            <a:pPr lvl="1"/>
+            <a:r>
+              <a:rPr lang="ru-RU" dirty="0"/>
+              <a:t>Обычно достаточно методов, которые присоединяют очередную деталь к проекту</a:t>
+            </a:r>
+          </a:p>
+          <a:p>
+            <a:r>
+              <a:rPr lang="ru-RU" dirty="0"/>
+              <a:t>Может понадобиться доступ к отдельным частям продукта</a:t>
+            </a:r>
+          </a:p>
+        </p:txBody>
+      </p:sp>
+    </p:spTree>
+    <p:extLst>
+      <p:ext uri="{BB962C8B-B14F-4D97-AF65-F5344CB8AC3E}">
+        <p14:creationId xmlns:p14="http://schemas.microsoft.com/office/powerpoint/2010/main" val="4090465954"/>
+      </p:ext>
+    </p:extLst>
+  </p:cSld>
+  <p:clrMapOvr>
+    <a:masterClrMapping/>
+  </p:clrMapOvr>
+  <p:timing>
+    <p:tnLst>
+      <p:par>
+        <p:cTn id="1" dur="indefinite" restart="never" nodeType="tmRoot">
+          <p:childTnLst>
+            <p:seq concurrent="1" nextAc="seek">
+              <p:cTn id="2" dur="indefinite" nodeType="mainSeq">
+                <p:childTnLst>
+                  <p:par>
+                    <p:cTn id="3" fill="hold">
+                      <p:stCondLst>
+                        <p:cond delay="indefinite"/>
+                      </p:stCondLst>
+                      <p:childTnLst>
+                        <p:par>
+                          <p:cTn id="4" fill="hold">
+                            <p:stCondLst>
+                              <p:cond delay="0"/>
+                            </p:stCondLst>
+                            <p:childTnLst>
+                              <p:par>
+                                <p:cTn id="5" presetID="10" presetClass="entr" presetSubtype="0" fill="hold" grpId="0" nodeType="clickEffect">
+                                  <p:stCondLst>
+                                    <p:cond delay="0"/>
+                                  </p:stCondLst>
+                                  <p:childTnLst>
+                                    <p:set>
+                                      <p:cBhvr>
+                                        <p:cTn id="6" dur="1" fill="hold">
+                                          <p:stCondLst>
+                                            <p:cond delay="0"/>
+                                          </p:stCondLst>
+                                        </p:cTn>
+                                        <p:tgtEl>
+                                          <p:spTgt spid="3">
+                                            <p:txEl>
+                                              <p:pRg st="0" end="0"/>
+                                            </p:txEl>
+                                          </p:spTgt>
+                                        </p:tgtEl>
+                                        <p:attrNameLst>
+                                          <p:attrName>style.visibility</p:attrName>
+                                        </p:attrNameLst>
+                                      </p:cBhvr>
+                                      <p:to>
+                                        <p:strVal val="visible"/>
+                                      </p:to>
+                                    </p:set>
+                                    <p:animEffect transition="in" filter="fade">
+                                      <p:cBhvr>
+                                        <p:cTn id="7" dur="500"/>
+                                        <p:tgtEl>
+                                          <p:spTgt spid="3">
+                                            <p:txEl>
+                                              <p:pRg st="0" end="0"/>
+                                            </p:txEl>
+                                          </p:spTgt>
+                                        </p:tgtEl>
+                                      </p:cBhvr>
+                                    </p:animEffect>
+                                  </p:childTnLst>
+                                </p:cTn>
+                              </p:par>
+                              <p:par>
+                                <p:cTn id="8" presetID="10" presetClass="entr" presetSubtype="0" fill="hold" grpId="0" nodeType="withEffect">
+                                  <p:stCondLst>
+                                    <p:cond delay="0"/>
+                                  </p:stCondLst>
+                                  <p:childTnLst>
+                                    <p:set>
+                                      <p:cBhvr>
+                                        <p:cTn id="9" dur="1" fill="hold">
+                                          <p:stCondLst>
+                                            <p:cond delay="0"/>
+                                          </p:stCondLst>
+                                        </p:cTn>
+                                        <p:tgtEl>
+                                          <p:spTgt spid="3">
+                                            <p:txEl>
+                                              <p:pRg st="1" end="1"/>
+                                            </p:txEl>
+                                          </p:spTgt>
+                                        </p:tgtEl>
+                                        <p:attrNameLst>
+                                          <p:attrName>style.visibility</p:attrName>
+                                        </p:attrNameLst>
+                                      </p:cBhvr>
+                                      <p:to>
+                                        <p:strVal val="visible"/>
+                                      </p:to>
+                                    </p:set>
+                                    <p:animEffect transition="in" filter="fade">
+                                      <p:cBhvr>
+                                        <p:cTn id="10" dur="500"/>
+                                        <p:tgtEl>
+                                          <p:spTgt spid="3">
+                                            <p:txEl>
+                                              <p:pRg st="1" end="1"/>
+                                            </p:txEl>
+                                          </p:spTgt>
+                                        </p:tgtEl>
+                                      </p:cBhvr>
+                                    </p:animEffect>
+                                  </p:childTnLst>
+                                </p:cTn>
+                              </p:par>
+                            </p:childTnLst>
+                          </p:cTn>
+                        </p:par>
+                      </p:childTnLst>
+                    </p:cTn>
+                  </p:par>
+                  <p:par>
+                    <p:cTn id="11" fill="hold">
+                      <p:stCondLst>
+                        <p:cond delay="indefinite"/>
+                      </p:stCondLst>
+                      <p:childTnLst>
+                        <p:par>
+                          <p:cTn id="12" fill="hold">
+                            <p:stCondLst>
+                              <p:cond delay="0"/>
+                            </p:stCondLst>
+                            <p:childTnLst>
+                              <p:par>
+                                <p:cTn id="13" presetID="10" presetClass="entr" presetSubtype="0" fill="hold" grpId="0" nodeType="clickEffect">
+                                  <p:stCondLst>
+                                    <p:cond delay="0"/>
+                                  </p:stCondLst>
+                                  <p:childTnLst>
+                                    <p:set>
+                                      <p:cBhvr>
+                                        <p:cTn id="14" dur="1" fill="hold">
+                                          <p:stCondLst>
+                                            <p:cond delay="0"/>
+                                          </p:stCondLst>
+                                        </p:cTn>
+                                        <p:tgtEl>
+                                          <p:spTgt spid="3">
+                                            <p:txEl>
+                                              <p:pRg st="2" end="2"/>
+                                            </p:txEl>
+                                          </p:spTgt>
+                                        </p:tgtEl>
+                                        <p:attrNameLst>
+                                          <p:attrName>style.visibility</p:attrName>
+                                        </p:attrNameLst>
+                                      </p:cBhvr>
+                                      <p:to>
+                                        <p:strVal val="visible"/>
+                                      </p:to>
+                                    </p:set>
+                                    <p:animEffect transition="in" filter="fade">
+                                      <p:cBhvr>
+                                        <p:cTn id="15" dur="500"/>
+                                        <p:tgtEl>
+                                          <p:spTgt spid="3">
+                                            <p:txEl>
+                                              <p:pRg st="2" end="2"/>
+                                            </p:txEl>
+                                          </p:spTgt>
+                                        </p:tgtEl>
+                                      </p:cBhvr>
+                                    </p:animEffect>
+                                  </p:childTnLst>
+                                </p:cTn>
+                              </p:par>
+                            </p:childTnLst>
+                          </p:cTn>
+                        </p:par>
+                      </p:childTnLst>
+                    </p:cTn>
+                  </p:par>
+                </p:childTnLst>
+              </p:cTn>
+              <p:prevCondLst>
+                <p:cond evt="onPrev" delay="0">
+                  <p:tgtEl>
+                    <p:sldTgt/>
+                  </p:tgtEl>
+                </p:cond>
+              </p:prevCondLst>
+              <p:nextCondLst>
+                <p:cond evt="onNext" delay="0">
+                  <p:tgtEl>
+                    <p:sldTgt/>
+                  </p:tgtEl>
+                </p:cond>
+              </p:nextCondLst>
+            </p:seq>
+          </p:childTnLst>
+        </p:cTn>
+      </p:par>
+    </p:tnLst>
+    <p:bldLst>
+      <p:bldP spid="3" grpId="0" build="p"/>
+    </p:bldLst>
+  </p:timing>
+</p:sld>
+</file>
+
+<file path=ppt/slides/slide16.xml><?xml version="1.0" encoding="utf-8"?>
+<p:sld xmlns:a="http://schemas.openxmlformats.org/drawingml/2006/main" xmlns:r="http://schemas.openxmlformats.org/officeDocument/2006/relationships" xmlns:p="http://schemas.openxmlformats.org/presentationml/2006/main">
+  <p:cSld>
+    <p:spTree>
+      <p:nvGrpSpPr>
+        <p:cNvPr id="1" name=""/>
+        <p:cNvGrpSpPr/>
+        <p:nvPr/>
+      </p:nvGrpSpPr>
+      <p:grpSpPr>
+        <a:xfrm>
+          <a:off x="0" y="0"/>
+          <a:ext cx="0" cy="0"/>
+          <a:chOff x="0" y="0"/>
+          <a:chExt cx="0" cy="0"/>
+        </a:xfrm>
+      </p:grpSpPr>
+      <p:sp>
+        <p:nvSpPr>
+          <p:cNvPr id="2" name="Title 1">
+            <a:extLst>
+              <a:ext uri="{FF2B5EF4-FFF2-40B4-BE49-F238E27FC236}">
+                <a16:creationId xmlns:a16="http://schemas.microsoft.com/office/drawing/2014/main" id="{FF662C74-75BB-4F75-88AE-DA02849A1291}"/>
+              </a:ext>
+            </a:extLst>
+          </p:cNvPr>
+          <p:cNvSpPr>
+            <a:spLocks noGrp="1"/>
+          </p:cNvSpPr>
+          <p:nvPr>
+            <p:ph type="title"/>
+          </p:nvPr>
+        </p:nvSpPr>
+        <p:spPr/>
+        <p:txBody>
+          <a:bodyPr>
+            <a:normAutofit/>
+          </a:bodyPr>
+          <a:lstStyle/>
+          <a:p>
+            <a:r>
+              <a:rPr lang="ru-RU" dirty="0"/>
+              <a:t>Прочее</a:t>
+            </a:r>
+          </a:p>
+        </p:txBody>
+      </p:sp>
+      <p:sp>
+        <p:nvSpPr>
+          <p:cNvPr id="3" name="Content Placeholder 2">
+            <a:extLst>
+              <a:ext uri="{FF2B5EF4-FFF2-40B4-BE49-F238E27FC236}">
+                <a16:creationId xmlns:a16="http://schemas.microsoft.com/office/drawing/2014/main" id="{C659BEE4-CBC5-4069-B16A-BAD3F92E80F9}"/>
+              </a:ext>
+            </a:extLst>
+          </p:cNvPr>
+          <p:cNvSpPr>
+            <a:spLocks noGrp="1"/>
+          </p:cNvSpPr>
+          <p:nvPr>
+            <p:ph idx="1"/>
+          </p:nvPr>
+        </p:nvSpPr>
+        <p:spPr/>
+        <p:txBody>
+          <a:bodyPr/>
+          <a:lstStyle/>
+          <a:p>
+            <a:r>
+              <a:rPr lang="ru-RU" dirty="0"/>
+              <a:t>Должен ли у продукта быть абстрактный класс или общий интерфейс</a:t>
+            </a:r>
+            <a:r>
+              <a:rPr lang="en-US" dirty="0"/>
+              <a:t>?</a:t>
+            </a:r>
+            <a:endParaRPr lang="ru-RU" dirty="0"/>
+          </a:p>
+          <a:p>
+            <a:r>
+              <a:rPr lang="ru-RU" dirty="0"/>
+              <a:t>Часто в базовом классе </a:t>
+            </a:r>
+            <a:r>
+              <a:rPr lang="en-US" dirty="0"/>
+              <a:t>Builder</a:t>
+            </a:r>
+            <a:r>
+              <a:rPr lang="ru-RU" dirty="0"/>
+              <a:t> можно сделать пустые виртуальные операции, чтобы подклассы переопределили только то, </a:t>
+            </a:r>
+            <a:r>
+              <a:rPr lang="ru-RU"/>
+              <a:t>что хотят</a:t>
+            </a:r>
+            <a:endParaRPr lang="ru-RU" dirty="0"/>
+          </a:p>
+        </p:txBody>
+      </p:sp>
+    </p:spTree>
+    <p:extLst>
+      <p:ext uri="{BB962C8B-B14F-4D97-AF65-F5344CB8AC3E}">
+        <p14:creationId xmlns:p14="http://schemas.microsoft.com/office/powerpoint/2010/main" val="1861585388"/>
       </p:ext>
     </p:extLst>
   </p:cSld>
@@ -8386,7 +11944,13 @@
           <a:p>
             <a:r>
               <a:rPr lang="ru-RU" dirty="0"/>
-              <a:t>Отделяет конструирование сложного объекта от его представления, так что в результате одного и того же процесса конструирования могут получаться разные представления</a:t>
+              <a:t>Отделяет конструирование сложного объекта от его представления</a:t>
+            </a:r>
+          </a:p>
+          <a:p>
+            <a:r>
+              <a:rPr lang="ru-RU" dirty="0"/>
+              <a:t>В ходе одного и того же процесса конструирования получить представления разного типа</a:t>
             </a:r>
           </a:p>
         </p:txBody>
@@ -9462,13 +13026,13 @@
         <p:spPr/>
         <p:txBody>
           <a:bodyPr>
-            <a:normAutofit fontScale="92500" lnSpcReduction="10000"/>
+            <a:normAutofit lnSpcReduction="10000"/>
           </a:bodyPr>
           <a:lstStyle/>
           <a:p>
             <a:r>
               <a:rPr lang="ru-RU" dirty="0"/>
-              <a:t>Клиент создает новый  объект «Распорядитель» (</a:t>
+              <a:t>Клиент создает объект-распорядитель (</a:t>
             </a:r>
             <a:r>
               <a:rPr lang="en-US" dirty="0"/>
@@ -9476,7 +13040,7 @@
             </a:r>
             <a:r>
               <a:rPr lang="ru-RU" dirty="0"/>
-              <a:t> и конфигурирует его новым объектом-строителем </a:t>
+              <a:t> и настраивает его новым строителем </a:t>
             </a:r>
             <a:r>
               <a:rPr lang="en-US" dirty="0"/>
@@ -9820,6 +13384,96 @@
       </p:grpSpPr>
       <p:sp>
         <p:nvSpPr>
+          <p:cNvPr id="5" name="Title 4">
+            <a:extLst>
+              <a:ext uri="{FF2B5EF4-FFF2-40B4-BE49-F238E27FC236}">
+                <a16:creationId xmlns:a16="http://schemas.microsoft.com/office/drawing/2014/main" id="{24E76234-2E9C-4DA1-B09A-40E976CCB78C}"/>
+              </a:ext>
+            </a:extLst>
+          </p:cNvPr>
+          <p:cNvSpPr>
+            <a:spLocks noGrp="1"/>
+          </p:cNvSpPr>
+          <p:nvPr>
+            <p:ph type="title"/>
+          </p:nvPr>
+        </p:nvSpPr>
+        <p:spPr/>
+        <p:txBody>
+          <a:bodyPr>
+            <a:normAutofit fontScale="90000"/>
+          </a:bodyPr>
+          <a:lstStyle/>
+          <a:p>
+            <a:r>
+              <a:rPr lang="ru-RU" dirty="0"/>
+              <a:t>Схема взаимодействия объектов</a:t>
+            </a:r>
+          </a:p>
+        </p:txBody>
+      </p:sp>
+      <p:pic>
+        <p:nvPicPr>
+          <p:cNvPr id="6" name="Picture 5">
+            <a:extLst>
+              <a:ext uri="{FF2B5EF4-FFF2-40B4-BE49-F238E27FC236}">
+                <a16:creationId xmlns:a16="http://schemas.microsoft.com/office/drawing/2014/main" id="{25C482E5-21B2-463F-8DA7-BE9DDDCF53EF}"/>
+              </a:ext>
+            </a:extLst>
+          </p:cNvPr>
+          <p:cNvPicPr>
+            <a:picLocks noChangeAspect="1"/>
+          </p:cNvPicPr>
+          <p:nvPr/>
+        </p:nvPicPr>
+        <p:blipFill>
+          <a:blip r:embed="rId2"/>
+          <a:stretch>
+            <a:fillRect/>
+          </a:stretch>
+        </p:blipFill>
+        <p:spPr>
+          <a:xfrm>
+            <a:off x="1115616" y="1858983"/>
+            <a:ext cx="7023054" cy="4863753"/>
+          </a:xfrm>
+          <a:prstGeom prst="rect">
+            <a:avLst/>
+          </a:prstGeom>
+        </p:spPr>
+      </p:pic>
+    </p:spTree>
+    <p:extLst>
+      <p:ext uri="{BB962C8B-B14F-4D97-AF65-F5344CB8AC3E}">
+        <p14:creationId xmlns:p14="http://schemas.microsoft.com/office/powerpoint/2010/main" val="1827001044"/>
+      </p:ext>
+    </p:extLst>
+  </p:cSld>
+  <p:clrMapOvr>
+    <a:masterClrMapping/>
+  </p:clrMapOvr>
+</p:sld>
+</file>
+
+<file path=ppt/slides/slide8.xml><?xml version="1.0" encoding="utf-8"?>
+<p:sld xmlns:a="http://schemas.openxmlformats.org/drawingml/2006/main" xmlns:r="http://schemas.openxmlformats.org/officeDocument/2006/relationships" xmlns:p="http://schemas.openxmlformats.org/presentationml/2006/main">
+  <p:cSld>
+    <p:spTree>
+      <p:nvGrpSpPr>
+        <p:cNvPr id="1" name=""/>
+        <p:cNvGrpSpPr/>
+        <p:nvPr/>
+      </p:nvGrpSpPr>
+      <p:grpSpPr>
+        <a:xfrm>
+          <a:off x="0" y="0"/>
+          <a:ext cx="0" cy="0"/>
+          <a:chOff x="0" y="0"/>
+          <a:chExt cx="0" cy="0"/>
+        </a:xfrm>
+      </p:grpSpPr>
+      <p:sp>
+        <p:nvSpPr>
           <p:cNvPr id="2" name="Заголовок 1"/>
           <p:cNvSpPr>
             <a:spLocks noGrp="1"/>
@@ -10419,7 +14073,7 @@
 </p:sld>
 </file>
 
-<file path=ppt/slides/slide8.xml><?xml version="1.0" encoding="utf-8"?>
+<file path=ppt/slides/slide9.xml><?xml version="1.0" encoding="utf-8"?>
 <p:sld xmlns:a="http://schemas.openxmlformats.org/drawingml/2006/main" xmlns:r="http://schemas.openxmlformats.org/officeDocument/2006/relationships" xmlns:p="http://schemas.openxmlformats.org/presentationml/2006/main">
   <p:cSld>
     <p:spTree>
@@ -10697,2870 +14351,6 @@
   <p:clrMapOvr>
     <a:masterClrMapping/>
   </p:clrMapOvr>
-</p:sld>
-</file>
-
-<file path=ppt/slides/slide9.xml><?xml version="1.0" encoding="utf-8"?>
-<p:sld xmlns:a="http://schemas.openxmlformats.org/drawingml/2006/main" xmlns:r="http://schemas.openxmlformats.org/officeDocument/2006/relationships" xmlns:p="http://schemas.openxmlformats.org/presentationml/2006/main">
-  <p:cSld>
-    <p:spTree>
-      <p:nvGrpSpPr>
-        <p:cNvPr id="1" name=""/>
-        <p:cNvGrpSpPr/>
-        <p:nvPr/>
-      </p:nvGrpSpPr>
-      <p:grpSpPr>
-        <a:xfrm>
-          <a:off x="0" y="0"/>
-          <a:ext cx="0" cy="0"/>
-          <a:chOff x="0" y="0"/>
-          <a:chExt cx="0" cy="0"/>
-        </a:xfrm>
-      </p:grpSpPr>
-      <p:sp>
-        <p:nvSpPr>
-          <p:cNvPr id="2" name="Заголовок 1"/>
-          <p:cNvSpPr>
-            <a:spLocks noGrp="1"/>
-          </p:cNvSpPr>
-          <p:nvPr>
-            <p:ph type="title"/>
-          </p:nvPr>
-        </p:nvSpPr>
-        <p:spPr/>
-        <p:txBody>
-          <a:bodyPr>
-            <a:normAutofit fontScale="90000"/>
-          </a:bodyPr>
-          <a:lstStyle/>
-          <a:p>
-            <a:r>
-              <a:rPr lang="ru-RU" dirty="0"/>
-              <a:t>Реализация сущности «Строитель»</a:t>
-            </a:r>
-          </a:p>
-        </p:txBody>
-      </p:sp>
-      <p:sp>
-        <p:nvSpPr>
-          <p:cNvPr id="4" name="Прямоугольник 3"/>
-          <p:cNvSpPr/>
-          <p:nvPr/>
-        </p:nvSpPr>
-        <p:spPr>
-          <a:xfrm>
-            <a:off x="71406" y="1810488"/>
-            <a:ext cx="4357718" cy="5093702"/>
-          </a:xfrm>
-          <a:prstGeom prst="rect">
-            <a:avLst/>
-          </a:prstGeom>
-        </p:spPr>
-        <p:style>
-          <a:lnRef idx="2">
-            <a:schemeClr val="accent1"/>
-          </a:lnRef>
-          <a:fillRef idx="1">
-            <a:schemeClr val="lt1"/>
-          </a:fillRef>
-          <a:effectRef idx="0">
-            <a:schemeClr val="accent1"/>
-          </a:effectRef>
-          <a:fontRef idx="minor">
-            <a:schemeClr val="dk1"/>
-          </a:fontRef>
-        </p:style>
-        <p:txBody>
-          <a:bodyPr wrap="square">
-            <a:spAutoFit/>
-          </a:bodyPr>
-          <a:lstStyle/>
-          <a:p>
-            <a:pPr defTabSz="90488"/>
-            <a:r>
-              <a:rPr lang="en-US" sz="1300" b="1" dirty="0">
-                <a:latin typeface="Courier New" pitchFamily="49" charset="0"/>
-                <a:cs typeface="Courier New" pitchFamily="49" charset="0"/>
-              </a:rPr>
-              <a:t>class </a:t>
-            </a:r>
-            <a:r>
-              <a:rPr lang="en-US" sz="1300" b="1" dirty="0" err="1">
-                <a:latin typeface="Courier New" pitchFamily="49" charset="0"/>
-                <a:cs typeface="Courier New" pitchFamily="49" charset="0"/>
-              </a:rPr>
-              <a:t>TextConverter</a:t>
-            </a:r>
-            <a:endParaRPr lang="en-US" sz="1300" b="1" dirty="0">
-              <a:latin typeface="Courier New" pitchFamily="49" charset="0"/>
-              <a:cs typeface="Courier New" pitchFamily="49" charset="0"/>
-            </a:endParaRPr>
-          </a:p>
-          <a:p>
-            <a:pPr defTabSz="90488"/>
-            <a:r>
-              <a:rPr lang="ru-RU" sz="1300" b="1" dirty="0">
-                <a:latin typeface="Courier New" pitchFamily="49" charset="0"/>
-                <a:cs typeface="Courier New" pitchFamily="49" charset="0"/>
-              </a:rPr>
-              <a:t>{</a:t>
-            </a:r>
-          </a:p>
-          <a:p>
-            <a:pPr defTabSz="90488"/>
-            <a:r>
-              <a:rPr lang="en-US" sz="1300" b="1" dirty="0">
-                <a:latin typeface="Courier New" pitchFamily="49" charset="0"/>
-                <a:cs typeface="Courier New" pitchFamily="49" charset="0"/>
-              </a:rPr>
-              <a:t>public:</a:t>
-            </a:r>
-          </a:p>
-          <a:p>
-            <a:pPr defTabSz="90488"/>
-            <a:r>
-              <a:rPr lang="en-US" sz="1300" b="1" dirty="0">
-                <a:latin typeface="Courier New" pitchFamily="49" charset="0"/>
-                <a:cs typeface="Courier New" pitchFamily="49" charset="0"/>
-              </a:rPr>
-              <a:t>	virtual void </a:t>
-            </a:r>
-            <a:r>
-              <a:rPr lang="en-US" sz="1300" b="1" dirty="0" err="1">
-                <a:latin typeface="Courier New" pitchFamily="49" charset="0"/>
-                <a:cs typeface="Courier New" pitchFamily="49" charset="0"/>
-              </a:rPr>
-              <a:t>ConvertText</a:t>
-            </a:r>
-            <a:endParaRPr lang="en-US" sz="1300" b="1" dirty="0">
-              <a:latin typeface="Courier New" pitchFamily="49" charset="0"/>
-              <a:cs typeface="Courier New" pitchFamily="49" charset="0"/>
-            </a:endParaRPr>
-          </a:p>
-          <a:p>
-            <a:pPr defTabSz="90488"/>
-            <a:r>
-              <a:rPr lang="en-US" sz="1300" b="1" dirty="0">
-                <a:latin typeface="Courier New" pitchFamily="49" charset="0"/>
-                <a:cs typeface="Courier New" pitchFamily="49" charset="0"/>
-              </a:rPr>
-              <a:t>			(std::string const&amp; s){}</a:t>
-            </a:r>
-          </a:p>
-          <a:p>
-            <a:pPr defTabSz="90488"/>
-            <a:r>
-              <a:rPr lang="en-US" sz="1300" b="1" dirty="0">
-                <a:latin typeface="Courier New" pitchFamily="49" charset="0"/>
-                <a:cs typeface="Courier New" pitchFamily="49" charset="0"/>
-              </a:rPr>
-              <a:t>	virtual void </a:t>
-            </a:r>
-            <a:r>
-              <a:rPr lang="en-US" sz="1300" b="1" dirty="0" err="1">
-                <a:latin typeface="Courier New" pitchFamily="49" charset="0"/>
-                <a:cs typeface="Courier New" pitchFamily="49" charset="0"/>
-              </a:rPr>
-              <a:t>ConvertFontChange</a:t>
-            </a:r>
-            <a:endParaRPr lang="en-US" sz="1300" b="1" dirty="0">
-              <a:latin typeface="Courier New" pitchFamily="49" charset="0"/>
-              <a:cs typeface="Courier New" pitchFamily="49" charset="0"/>
-            </a:endParaRPr>
-          </a:p>
-          <a:p>
-            <a:pPr defTabSz="90488"/>
-            <a:r>
-              <a:rPr lang="en-US" sz="1300" b="1" dirty="0">
-                <a:latin typeface="Courier New" pitchFamily="49" charset="0"/>
-                <a:cs typeface="Courier New" pitchFamily="49" charset="0"/>
-              </a:rPr>
-              <a:t>			(</a:t>
-            </a:r>
-            <a:r>
-              <a:rPr lang="en-US" sz="1300" b="1" dirty="0" err="1">
-                <a:latin typeface="Courier New" pitchFamily="49" charset="0"/>
-                <a:cs typeface="Courier New" pitchFamily="49" charset="0"/>
-              </a:rPr>
-              <a:t>CFont</a:t>
-            </a:r>
-            <a:r>
-              <a:rPr lang="en-US" sz="1300" b="1" dirty="0">
-                <a:latin typeface="Courier New" pitchFamily="49" charset="0"/>
-                <a:cs typeface="Courier New" pitchFamily="49" charset="0"/>
-              </a:rPr>
-              <a:t> const&amp; </a:t>
-            </a:r>
-            <a:r>
-              <a:rPr lang="en-US" sz="1300" b="1" dirty="0" err="1">
-                <a:latin typeface="Courier New" pitchFamily="49" charset="0"/>
-                <a:cs typeface="Courier New" pitchFamily="49" charset="0"/>
-              </a:rPr>
-              <a:t>fnt</a:t>
-            </a:r>
-            <a:r>
-              <a:rPr lang="en-US" sz="1300" b="1" dirty="0">
-                <a:latin typeface="Courier New" pitchFamily="49" charset="0"/>
-                <a:cs typeface="Courier New" pitchFamily="49" charset="0"/>
-              </a:rPr>
-              <a:t>){}</a:t>
-            </a:r>
-          </a:p>
-          <a:p>
-            <a:pPr defTabSz="90488"/>
-            <a:r>
-              <a:rPr lang="ru-RU" sz="1300" b="1" dirty="0">
-                <a:latin typeface="Courier New" pitchFamily="49" charset="0"/>
-                <a:cs typeface="Courier New" pitchFamily="49" charset="0"/>
-              </a:rPr>
-              <a:t>	// </a:t>
-            </a:r>
-            <a:r>
-              <a:rPr lang="en-US" sz="1300" b="1" dirty="0">
-                <a:latin typeface="Courier New" pitchFamily="49" charset="0"/>
-                <a:cs typeface="Courier New" pitchFamily="49" charset="0"/>
-              </a:rPr>
-              <a:t>…</a:t>
-            </a:r>
-            <a:endParaRPr lang="ru-RU" sz="1300" b="1" dirty="0">
-              <a:latin typeface="Courier New" pitchFamily="49" charset="0"/>
-              <a:cs typeface="Courier New" pitchFamily="49" charset="0"/>
-            </a:endParaRPr>
-          </a:p>
-          <a:p>
-            <a:pPr defTabSz="90488"/>
-            <a:r>
-              <a:rPr lang="ru-RU" sz="1300" b="1" dirty="0">
-                <a:latin typeface="Courier New" pitchFamily="49" charset="0"/>
-                <a:cs typeface="Courier New" pitchFamily="49" charset="0"/>
-              </a:rPr>
-              <a:t>};</a:t>
-            </a:r>
-          </a:p>
-          <a:p>
-            <a:pPr defTabSz="90488"/>
-            <a:endParaRPr lang="ru-RU" sz="1300" b="1" dirty="0">
-              <a:latin typeface="Courier New" pitchFamily="49" charset="0"/>
-              <a:cs typeface="Courier New" pitchFamily="49" charset="0"/>
-            </a:endParaRPr>
-          </a:p>
-          <a:p>
-            <a:pPr defTabSz="90488"/>
-            <a:r>
-              <a:rPr lang="en-US" sz="1300" b="1" dirty="0">
-                <a:latin typeface="Courier New" pitchFamily="49" charset="0"/>
-                <a:cs typeface="Courier New" pitchFamily="49" charset="0"/>
-              </a:rPr>
-              <a:t>class </a:t>
-            </a:r>
-            <a:r>
-              <a:rPr lang="en-US" sz="1300" b="1" dirty="0" err="1">
-                <a:latin typeface="Courier New" pitchFamily="49" charset="0"/>
-                <a:cs typeface="Courier New" pitchFamily="49" charset="0"/>
-              </a:rPr>
-              <a:t>PlainTextConverter</a:t>
-            </a:r>
-            <a:r>
-              <a:rPr lang="en-US" sz="1300" b="1" dirty="0">
-                <a:latin typeface="Courier New" pitchFamily="49" charset="0"/>
-                <a:cs typeface="Courier New" pitchFamily="49" charset="0"/>
-              </a:rPr>
-              <a:t> </a:t>
-            </a:r>
-          </a:p>
-          <a:p>
-            <a:pPr defTabSz="90488"/>
-            <a:r>
-              <a:rPr lang="en-US" sz="1300" b="1" dirty="0">
-                <a:latin typeface="Courier New" pitchFamily="49" charset="0"/>
-                <a:cs typeface="Courier New" pitchFamily="49" charset="0"/>
-              </a:rPr>
-              <a:t>	: public </a:t>
-            </a:r>
-            <a:r>
-              <a:rPr lang="en-US" sz="1300" b="1" dirty="0" err="1">
-                <a:latin typeface="Courier New" pitchFamily="49" charset="0"/>
-                <a:cs typeface="Courier New" pitchFamily="49" charset="0"/>
-              </a:rPr>
-              <a:t>TextConverter</a:t>
-            </a:r>
-            <a:endParaRPr lang="en-US" sz="1300" b="1" dirty="0">
-              <a:latin typeface="Courier New" pitchFamily="49" charset="0"/>
-              <a:cs typeface="Courier New" pitchFamily="49" charset="0"/>
-            </a:endParaRPr>
-          </a:p>
-          <a:p>
-            <a:pPr defTabSz="90488"/>
-            <a:r>
-              <a:rPr lang="ru-RU" sz="1300" b="1" dirty="0">
-                <a:latin typeface="Courier New" pitchFamily="49" charset="0"/>
-                <a:cs typeface="Courier New" pitchFamily="49" charset="0"/>
-              </a:rPr>
-              <a:t>{</a:t>
-            </a:r>
-          </a:p>
-          <a:p>
-            <a:pPr defTabSz="90488"/>
-            <a:r>
-              <a:rPr lang="en-US" sz="1300" b="1" dirty="0">
-                <a:latin typeface="Courier New" pitchFamily="49" charset="0"/>
-                <a:cs typeface="Courier New" pitchFamily="49" charset="0"/>
-              </a:rPr>
-              <a:t>public:</a:t>
-            </a:r>
-          </a:p>
-          <a:p>
-            <a:pPr defTabSz="90488"/>
-            <a:r>
-              <a:rPr lang="en-US" sz="1300" b="1" dirty="0">
-                <a:latin typeface="Courier New" pitchFamily="49" charset="0"/>
-                <a:cs typeface="Courier New" pitchFamily="49" charset="0"/>
-              </a:rPr>
-              <a:t>	void </a:t>
-            </a:r>
-            <a:r>
-              <a:rPr lang="en-US" sz="1300" b="1" dirty="0" err="1">
-                <a:latin typeface="Courier New" pitchFamily="49" charset="0"/>
-                <a:cs typeface="Courier New" pitchFamily="49" charset="0"/>
-              </a:rPr>
-              <a:t>ConvertText</a:t>
-            </a:r>
-            <a:r>
-              <a:rPr lang="en-US" sz="1300" b="1" dirty="0">
-                <a:latin typeface="Courier New" pitchFamily="49" charset="0"/>
-                <a:cs typeface="Courier New" pitchFamily="49" charset="0"/>
-              </a:rPr>
-              <a:t>(std::string const&amp; s)</a:t>
-            </a:r>
-          </a:p>
-          <a:p>
-            <a:pPr defTabSz="90488"/>
-            <a:r>
-              <a:rPr lang="ru-RU" sz="1300" b="1" dirty="0">
-                <a:latin typeface="Courier New" pitchFamily="49" charset="0"/>
-                <a:cs typeface="Courier New" pitchFamily="49" charset="0"/>
-              </a:rPr>
-              <a:t>	{</a:t>
-            </a:r>
-          </a:p>
-          <a:p>
-            <a:pPr defTabSz="90488"/>
-            <a:r>
-              <a:rPr lang="ru-RU" sz="1300" b="1" dirty="0">
-                <a:latin typeface="Courier New" pitchFamily="49" charset="0"/>
-                <a:cs typeface="Courier New" pitchFamily="49" charset="0"/>
-              </a:rPr>
-              <a:t>		// </a:t>
-            </a:r>
-            <a:r>
-              <a:rPr lang="en-US" sz="1300" b="1" dirty="0">
-                <a:latin typeface="Courier New" pitchFamily="49" charset="0"/>
-                <a:cs typeface="Courier New" pitchFamily="49" charset="0"/>
-              </a:rPr>
-              <a:t>…</a:t>
-            </a:r>
-            <a:endParaRPr lang="ru-RU" sz="1300" b="1" dirty="0">
-              <a:latin typeface="Courier New" pitchFamily="49" charset="0"/>
-              <a:cs typeface="Courier New" pitchFamily="49" charset="0"/>
-            </a:endParaRPr>
-          </a:p>
-          <a:p>
-            <a:pPr defTabSz="90488"/>
-            <a:r>
-              <a:rPr lang="ru-RU" sz="1300" b="1" dirty="0">
-                <a:latin typeface="Courier New" pitchFamily="49" charset="0"/>
-                <a:cs typeface="Courier New" pitchFamily="49" charset="0"/>
-              </a:rPr>
-              <a:t>	}</a:t>
-            </a:r>
-          </a:p>
-          <a:p>
-            <a:pPr defTabSz="90488"/>
-            <a:r>
-              <a:rPr lang="en-US" sz="1300" b="1" dirty="0">
-                <a:latin typeface="Courier New" pitchFamily="49" charset="0"/>
-                <a:cs typeface="Courier New" pitchFamily="49" charset="0"/>
-              </a:rPr>
-              <a:t>	std::string const &amp; </a:t>
-            </a:r>
-            <a:r>
-              <a:rPr lang="en-US" sz="1300" b="1" dirty="0" err="1">
-                <a:latin typeface="Courier New" pitchFamily="49" charset="0"/>
-                <a:cs typeface="Courier New" pitchFamily="49" charset="0"/>
-              </a:rPr>
-              <a:t>GetPlainText</a:t>
-            </a:r>
-            <a:r>
-              <a:rPr lang="en-US" sz="1300" b="1" dirty="0">
-                <a:latin typeface="Courier New" pitchFamily="49" charset="0"/>
-                <a:cs typeface="Courier New" pitchFamily="49" charset="0"/>
-              </a:rPr>
-              <a:t>()const</a:t>
-            </a:r>
-          </a:p>
-          <a:p>
-            <a:pPr defTabSz="90488"/>
-            <a:r>
-              <a:rPr lang="ru-RU" sz="1300" b="1" dirty="0">
-                <a:latin typeface="Courier New" pitchFamily="49" charset="0"/>
-                <a:cs typeface="Courier New" pitchFamily="49" charset="0"/>
-              </a:rPr>
-              <a:t>	{</a:t>
-            </a:r>
-          </a:p>
-          <a:p>
-            <a:pPr defTabSz="90488"/>
-            <a:r>
-              <a:rPr lang="en-US" sz="1300" b="1" dirty="0">
-                <a:latin typeface="Courier New" pitchFamily="49" charset="0"/>
-                <a:cs typeface="Courier New" pitchFamily="49" charset="0"/>
-              </a:rPr>
-              <a:t>		return </a:t>
-            </a:r>
-            <a:r>
-              <a:rPr lang="en-US" sz="1300" b="1" dirty="0" err="1">
-                <a:latin typeface="Courier New" pitchFamily="49" charset="0"/>
-                <a:cs typeface="Courier New" pitchFamily="49" charset="0"/>
-              </a:rPr>
-              <a:t>m_plainText</a:t>
-            </a:r>
-            <a:r>
-              <a:rPr lang="en-US" sz="1300" b="1" dirty="0">
-                <a:latin typeface="Courier New" pitchFamily="49" charset="0"/>
-                <a:cs typeface="Courier New" pitchFamily="49" charset="0"/>
-              </a:rPr>
-              <a:t>;</a:t>
-            </a:r>
-            <a:endParaRPr lang="ru-RU" sz="1300" b="1" dirty="0">
-              <a:latin typeface="Courier New" pitchFamily="49" charset="0"/>
-              <a:cs typeface="Courier New" pitchFamily="49" charset="0"/>
-            </a:endParaRPr>
-          </a:p>
-          <a:p>
-            <a:pPr defTabSz="90488"/>
-            <a:r>
-              <a:rPr lang="ru-RU" sz="1300" b="1" dirty="0">
-                <a:latin typeface="Courier New" pitchFamily="49" charset="0"/>
-                <a:cs typeface="Courier New" pitchFamily="49" charset="0"/>
-              </a:rPr>
-              <a:t>	}</a:t>
-            </a:r>
-            <a:endParaRPr lang="en-US" sz="1300" b="1" dirty="0">
-              <a:latin typeface="Courier New" pitchFamily="49" charset="0"/>
-              <a:cs typeface="Courier New" pitchFamily="49" charset="0"/>
-            </a:endParaRPr>
-          </a:p>
-          <a:p>
-            <a:pPr defTabSz="90488"/>
-            <a:r>
-              <a:rPr lang="en-US" sz="1300" b="1" dirty="0">
-                <a:latin typeface="Courier New" pitchFamily="49" charset="0"/>
-                <a:cs typeface="Courier New" pitchFamily="49" charset="0"/>
-              </a:rPr>
-              <a:t>private:</a:t>
-            </a:r>
-          </a:p>
-          <a:p>
-            <a:pPr defTabSz="90488"/>
-            <a:r>
-              <a:rPr lang="en-US" sz="1300" b="1" dirty="0">
-                <a:latin typeface="Courier New" pitchFamily="49" charset="0"/>
-                <a:cs typeface="Courier New" pitchFamily="49" charset="0"/>
-              </a:rPr>
-              <a:t>	std::string </a:t>
-            </a:r>
-            <a:r>
-              <a:rPr lang="en-US" sz="1300" b="1" dirty="0" err="1">
-                <a:latin typeface="Courier New" pitchFamily="49" charset="0"/>
-                <a:cs typeface="Courier New" pitchFamily="49" charset="0"/>
-              </a:rPr>
-              <a:t>m_plainText</a:t>
-            </a:r>
-            <a:r>
-              <a:rPr lang="en-US" sz="1300" b="1" dirty="0">
-                <a:latin typeface="Courier New" pitchFamily="49" charset="0"/>
-                <a:cs typeface="Courier New" pitchFamily="49" charset="0"/>
-              </a:rPr>
-              <a:t>;</a:t>
-            </a:r>
-            <a:endParaRPr lang="ru-RU" sz="1300" b="1" dirty="0">
-              <a:latin typeface="Courier New" pitchFamily="49" charset="0"/>
-              <a:cs typeface="Courier New" pitchFamily="49" charset="0"/>
-            </a:endParaRPr>
-          </a:p>
-          <a:p>
-            <a:pPr defTabSz="90488"/>
-            <a:r>
-              <a:rPr lang="ru-RU" sz="1300" b="1" dirty="0">
-                <a:latin typeface="Courier New" pitchFamily="49" charset="0"/>
-                <a:cs typeface="Courier New" pitchFamily="49" charset="0"/>
-              </a:rPr>
-              <a:t>};</a:t>
-            </a:r>
-          </a:p>
-        </p:txBody>
-      </p:sp>
-      <p:sp>
-        <p:nvSpPr>
-          <p:cNvPr id="5" name="Прямоугольник 4"/>
-          <p:cNvSpPr/>
-          <p:nvPr/>
-        </p:nvSpPr>
-        <p:spPr>
-          <a:xfrm>
-            <a:off x="4500562" y="1810488"/>
-            <a:ext cx="4500594" cy="4093428"/>
-          </a:xfrm>
-          <a:prstGeom prst="rect">
-            <a:avLst/>
-          </a:prstGeom>
-        </p:spPr>
-        <p:style>
-          <a:lnRef idx="2">
-            <a:schemeClr val="accent1"/>
-          </a:lnRef>
-          <a:fillRef idx="1">
-            <a:schemeClr val="lt1"/>
-          </a:fillRef>
-          <a:effectRef idx="0">
-            <a:schemeClr val="accent1"/>
-          </a:effectRef>
-          <a:fontRef idx="minor">
-            <a:schemeClr val="dk1"/>
-          </a:fontRef>
-        </p:style>
-        <p:txBody>
-          <a:bodyPr wrap="square">
-            <a:spAutoFit/>
-          </a:bodyPr>
-          <a:lstStyle/>
-          <a:p>
-            <a:pPr defTabSz="88900"/>
-            <a:r>
-              <a:rPr lang="en-US" sz="1300" b="1" dirty="0">
-                <a:latin typeface="Courier New" pitchFamily="49" charset="0"/>
-                <a:cs typeface="Courier New" pitchFamily="49" charset="0"/>
-              </a:rPr>
-              <a:t>class </a:t>
-            </a:r>
-            <a:r>
-              <a:rPr lang="en-US" sz="1300" b="1" dirty="0" err="1">
-                <a:latin typeface="Courier New" pitchFamily="49" charset="0"/>
-                <a:cs typeface="Courier New" pitchFamily="49" charset="0"/>
-              </a:rPr>
-              <a:t>PDFConverter</a:t>
-            </a:r>
-            <a:endParaRPr lang="en-US" sz="1300" b="1" dirty="0">
-              <a:latin typeface="Courier New" pitchFamily="49" charset="0"/>
-              <a:cs typeface="Courier New" pitchFamily="49" charset="0"/>
-            </a:endParaRPr>
-          </a:p>
-          <a:p>
-            <a:pPr defTabSz="88900"/>
-            <a:r>
-              <a:rPr lang="en-US" sz="1300" b="1" dirty="0">
-                <a:latin typeface="Courier New" pitchFamily="49" charset="0"/>
-                <a:cs typeface="Courier New" pitchFamily="49" charset="0"/>
-              </a:rPr>
-              <a:t>	: public </a:t>
-            </a:r>
-            <a:r>
-              <a:rPr lang="en-US" sz="1300" b="1" dirty="0" err="1">
-                <a:latin typeface="Courier New" pitchFamily="49" charset="0"/>
-                <a:cs typeface="Courier New" pitchFamily="49" charset="0"/>
-              </a:rPr>
-              <a:t>TextConverter</a:t>
-            </a:r>
-            <a:endParaRPr lang="en-US" sz="1300" b="1" dirty="0">
-              <a:latin typeface="Courier New" pitchFamily="49" charset="0"/>
-              <a:cs typeface="Courier New" pitchFamily="49" charset="0"/>
-            </a:endParaRPr>
-          </a:p>
-          <a:p>
-            <a:pPr defTabSz="88900"/>
-            <a:r>
-              <a:rPr lang="ru-RU" sz="1300" b="1" dirty="0">
-                <a:latin typeface="Courier New" pitchFamily="49" charset="0"/>
-                <a:cs typeface="Courier New" pitchFamily="49" charset="0"/>
-              </a:rPr>
-              <a:t>{</a:t>
-            </a:r>
-          </a:p>
-          <a:p>
-            <a:pPr defTabSz="88900"/>
-            <a:r>
-              <a:rPr lang="en-US" sz="1300" b="1" dirty="0">
-                <a:latin typeface="Courier New" pitchFamily="49" charset="0"/>
-                <a:cs typeface="Courier New" pitchFamily="49" charset="0"/>
-              </a:rPr>
-              <a:t>public:</a:t>
-            </a:r>
-          </a:p>
-          <a:p>
-            <a:pPr defTabSz="88900"/>
-            <a:r>
-              <a:rPr lang="en-US" sz="1300" b="1" dirty="0">
-                <a:latin typeface="Courier New" pitchFamily="49" charset="0"/>
-                <a:cs typeface="Courier New" pitchFamily="49" charset="0"/>
-              </a:rPr>
-              <a:t>	void </a:t>
-            </a:r>
-            <a:r>
-              <a:rPr lang="en-US" sz="1300" b="1" dirty="0" err="1">
-                <a:latin typeface="Courier New" pitchFamily="49" charset="0"/>
-                <a:cs typeface="Courier New" pitchFamily="49" charset="0"/>
-              </a:rPr>
-              <a:t>ConvertText</a:t>
-            </a:r>
-            <a:r>
-              <a:rPr lang="en-US" sz="1300" b="1" dirty="0">
-                <a:latin typeface="Courier New" pitchFamily="49" charset="0"/>
-                <a:cs typeface="Courier New" pitchFamily="49" charset="0"/>
-              </a:rPr>
-              <a:t>(std::string const&amp; w)</a:t>
-            </a:r>
-          </a:p>
-          <a:p>
-            <a:pPr defTabSz="88900"/>
-            <a:r>
-              <a:rPr lang="ru-RU" sz="1300" b="1" dirty="0">
-                <a:latin typeface="Courier New" pitchFamily="49" charset="0"/>
-                <a:cs typeface="Courier New" pitchFamily="49" charset="0"/>
-              </a:rPr>
-              <a:t>	{</a:t>
-            </a:r>
-          </a:p>
-          <a:p>
-            <a:pPr defTabSz="88900"/>
-            <a:r>
-              <a:rPr lang="ru-RU" sz="1300" b="1" dirty="0">
-                <a:latin typeface="Courier New" pitchFamily="49" charset="0"/>
-                <a:cs typeface="Courier New" pitchFamily="49" charset="0"/>
-              </a:rPr>
-              <a:t>		// ...</a:t>
-            </a:r>
-          </a:p>
-          <a:p>
-            <a:pPr defTabSz="88900"/>
-            <a:r>
-              <a:rPr lang="ru-RU" sz="1300" b="1" dirty="0">
-                <a:latin typeface="Courier New" pitchFamily="49" charset="0"/>
-                <a:cs typeface="Courier New" pitchFamily="49" charset="0"/>
-              </a:rPr>
-              <a:t>	}</a:t>
-            </a:r>
-          </a:p>
-          <a:p>
-            <a:pPr defTabSz="88900"/>
-            <a:r>
-              <a:rPr lang="en-US" sz="1300" b="1" dirty="0">
-                <a:latin typeface="Courier New" pitchFamily="49" charset="0"/>
-                <a:cs typeface="Courier New" pitchFamily="49" charset="0"/>
-              </a:rPr>
-              <a:t>	void </a:t>
-            </a:r>
-            <a:r>
-              <a:rPr lang="en-US" sz="1300" b="1" dirty="0" err="1">
-                <a:latin typeface="Courier New" pitchFamily="49" charset="0"/>
-                <a:cs typeface="Courier New" pitchFamily="49" charset="0"/>
-              </a:rPr>
-              <a:t>ConvertFontChange</a:t>
-            </a:r>
-            <a:r>
-              <a:rPr lang="en-US" sz="1300" b="1" dirty="0">
-                <a:latin typeface="Courier New" pitchFamily="49" charset="0"/>
-                <a:cs typeface="Courier New" pitchFamily="49" charset="0"/>
-              </a:rPr>
-              <a:t>(</a:t>
-            </a:r>
-            <a:r>
-              <a:rPr lang="en-US" sz="1300" b="1" dirty="0" err="1">
-                <a:latin typeface="Courier New" pitchFamily="49" charset="0"/>
-                <a:cs typeface="Courier New" pitchFamily="49" charset="0"/>
-              </a:rPr>
-              <a:t>CFont</a:t>
-            </a:r>
-            <a:r>
-              <a:rPr lang="en-US" sz="1300" b="1" dirty="0">
-                <a:latin typeface="Courier New" pitchFamily="49" charset="0"/>
-                <a:cs typeface="Courier New" pitchFamily="49" charset="0"/>
-              </a:rPr>
-              <a:t> const&amp; </a:t>
-            </a:r>
-            <a:r>
-              <a:rPr lang="en-US" sz="1300" b="1" dirty="0" err="1">
-                <a:latin typeface="Courier New" pitchFamily="49" charset="0"/>
-                <a:cs typeface="Courier New" pitchFamily="49" charset="0"/>
-              </a:rPr>
-              <a:t>fnt</a:t>
-            </a:r>
-            <a:r>
-              <a:rPr lang="en-US" sz="1300" b="1" dirty="0">
-                <a:latin typeface="Courier New" pitchFamily="49" charset="0"/>
-                <a:cs typeface="Courier New" pitchFamily="49" charset="0"/>
-              </a:rPr>
-              <a:t>)</a:t>
-            </a:r>
-          </a:p>
-          <a:p>
-            <a:pPr defTabSz="88900"/>
-            <a:r>
-              <a:rPr lang="ru-RU" sz="1300" b="1" dirty="0">
-                <a:latin typeface="Courier New" pitchFamily="49" charset="0"/>
-                <a:cs typeface="Courier New" pitchFamily="49" charset="0"/>
-              </a:rPr>
-              <a:t>	{</a:t>
-            </a:r>
-          </a:p>
-          <a:p>
-            <a:pPr defTabSz="88900"/>
-            <a:r>
-              <a:rPr lang="ru-RU" sz="1300" b="1" dirty="0">
-                <a:latin typeface="Courier New" pitchFamily="49" charset="0"/>
-                <a:cs typeface="Courier New" pitchFamily="49" charset="0"/>
-              </a:rPr>
-              <a:t>		// ...</a:t>
-            </a:r>
-          </a:p>
-          <a:p>
-            <a:pPr defTabSz="88900"/>
-            <a:r>
-              <a:rPr lang="ru-RU" sz="1300" b="1" dirty="0">
-                <a:latin typeface="Courier New" pitchFamily="49" charset="0"/>
-                <a:cs typeface="Courier New" pitchFamily="49" charset="0"/>
-              </a:rPr>
-              <a:t>	}</a:t>
-            </a:r>
-            <a:endParaRPr lang="en-US" sz="1300" b="1" dirty="0">
-              <a:latin typeface="Courier New" pitchFamily="49" charset="0"/>
-              <a:cs typeface="Courier New" pitchFamily="49" charset="0"/>
-            </a:endParaRPr>
-          </a:p>
-          <a:p>
-            <a:pPr defTabSz="88900"/>
-            <a:endParaRPr lang="ru-RU" sz="1300" b="1" dirty="0">
-              <a:latin typeface="Courier New" pitchFamily="49" charset="0"/>
-              <a:cs typeface="Courier New" pitchFamily="49" charset="0"/>
-            </a:endParaRPr>
-          </a:p>
-          <a:p>
-            <a:pPr defTabSz="88900"/>
-            <a:r>
-              <a:rPr lang="en-US" sz="1300" b="1" dirty="0">
-                <a:latin typeface="Courier New" pitchFamily="49" charset="0"/>
-                <a:cs typeface="Courier New" pitchFamily="49" charset="0"/>
-              </a:rPr>
-              <a:t>	</a:t>
-            </a:r>
-            <a:r>
-              <a:rPr lang="en-US" sz="1300" b="1" dirty="0" err="1">
-                <a:latin typeface="Courier New" pitchFamily="49" charset="0"/>
-                <a:cs typeface="Courier New" pitchFamily="49" charset="0"/>
-              </a:rPr>
-              <a:t>CPDFDocument</a:t>
-            </a:r>
-            <a:r>
-              <a:rPr lang="en-US" sz="1300" b="1" dirty="0">
-                <a:latin typeface="Courier New" pitchFamily="49" charset="0"/>
-                <a:cs typeface="Courier New" pitchFamily="49" charset="0"/>
-              </a:rPr>
-              <a:t> const&amp; </a:t>
-            </a:r>
-            <a:r>
-              <a:rPr lang="en-US" sz="1300" b="1" dirty="0" err="1">
-                <a:latin typeface="Courier New" pitchFamily="49" charset="0"/>
-                <a:cs typeface="Courier New" pitchFamily="49" charset="0"/>
-              </a:rPr>
-              <a:t>GetPDFDocument</a:t>
-            </a:r>
-            <a:r>
-              <a:rPr lang="en-US" sz="1300" b="1" dirty="0">
-                <a:latin typeface="Courier New" pitchFamily="49" charset="0"/>
-                <a:cs typeface="Courier New" pitchFamily="49" charset="0"/>
-              </a:rPr>
-              <a:t>()</a:t>
-            </a:r>
-            <a:r>
-              <a:rPr lang="ru-RU" sz="1300" b="1" dirty="0">
-                <a:latin typeface="Courier New" pitchFamily="49" charset="0"/>
-                <a:cs typeface="Courier New" pitchFamily="49" charset="0"/>
-              </a:rPr>
-              <a:t> </a:t>
-            </a:r>
-            <a:r>
-              <a:rPr lang="en-US" sz="1300" b="1" dirty="0">
-                <a:latin typeface="Courier New" pitchFamily="49" charset="0"/>
-                <a:cs typeface="Courier New" pitchFamily="49" charset="0"/>
-              </a:rPr>
-              <a:t>const</a:t>
-            </a:r>
-          </a:p>
-          <a:p>
-            <a:pPr defTabSz="88900"/>
-            <a:r>
-              <a:rPr lang="ru-RU" sz="1300" b="1" dirty="0">
-                <a:latin typeface="Courier New" pitchFamily="49" charset="0"/>
-                <a:cs typeface="Courier New" pitchFamily="49" charset="0"/>
-              </a:rPr>
-              <a:t>	{</a:t>
-            </a:r>
-          </a:p>
-          <a:p>
-            <a:pPr defTabSz="88900"/>
-            <a:r>
-              <a:rPr lang="ru-RU" sz="1300" b="1" dirty="0">
-                <a:latin typeface="Courier New" pitchFamily="49" charset="0"/>
-                <a:cs typeface="Courier New" pitchFamily="49" charset="0"/>
-              </a:rPr>
-              <a:t>		</a:t>
-            </a:r>
-            <a:r>
-              <a:rPr lang="en-US" sz="1300" b="1" dirty="0">
-                <a:latin typeface="Courier New" pitchFamily="49" charset="0"/>
-                <a:cs typeface="Courier New" pitchFamily="49" charset="0"/>
-              </a:rPr>
-              <a:t>return </a:t>
-            </a:r>
-            <a:r>
-              <a:rPr lang="en-US" sz="1300" b="1" dirty="0" err="1">
-                <a:latin typeface="Courier New" pitchFamily="49" charset="0"/>
-                <a:cs typeface="Courier New" pitchFamily="49" charset="0"/>
-              </a:rPr>
-              <a:t>m_pdfDocument</a:t>
-            </a:r>
-            <a:r>
-              <a:rPr lang="en-US" sz="1300" b="1" dirty="0">
-                <a:latin typeface="Courier New" pitchFamily="49" charset="0"/>
-                <a:cs typeface="Courier New" pitchFamily="49" charset="0"/>
-              </a:rPr>
-              <a:t>;</a:t>
-            </a:r>
-            <a:endParaRPr lang="ru-RU" sz="1300" b="1" dirty="0">
-              <a:latin typeface="Courier New" pitchFamily="49" charset="0"/>
-              <a:cs typeface="Courier New" pitchFamily="49" charset="0"/>
-            </a:endParaRPr>
-          </a:p>
-          <a:p>
-            <a:pPr defTabSz="88900"/>
-            <a:r>
-              <a:rPr lang="ru-RU" sz="1300" b="1" dirty="0">
-                <a:latin typeface="Courier New" pitchFamily="49" charset="0"/>
-                <a:cs typeface="Courier New" pitchFamily="49" charset="0"/>
-              </a:rPr>
-              <a:t>	}</a:t>
-            </a:r>
-            <a:endParaRPr lang="en-US" sz="1300" b="1" dirty="0">
-              <a:latin typeface="Courier New" pitchFamily="49" charset="0"/>
-              <a:cs typeface="Courier New" pitchFamily="49" charset="0"/>
-            </a:endParaRPr>
-          </a:p>
-          <a:p>
-            <a:pPr defTabSz="88900"/>
-            <a:r>
-              <a:rPr lang="en-US" sz="1300" b="1" dirty="0">
-                <a:latin typeface="Courier New" pitchFamily="49" charset="0"/>
-                <a:cs typeface="Courier New" pitchFamily="49" charset="0"/>
-              </a:rPr>
-              <a:t>private:</a:t>
-            </a:r>
-          </a:p>
-          <a:p>
-            <a:pPr defTabSz="88900"/>
-            <a:r>
-              <a:rPr lang="en-US" sz="1300" b="1" dirty="0">
-                <a:latin typeface="Courier New" pitchFamily="49" charset="0"/>
-                <a:cs typeface="Courier New" pitchFamily="49" charset="0"/>
-              </a:rPr>
-              <a:t>	</a:t>
-            </a:r>
-            <a:r>
-              <a:rPr lang="en-US" sz="1300" b="1" dirty="0" err="1">
-                <a:latin typeface="Courier New" pitchFamily="49" charset="0"/>
-                <a:cs typeface="Courier New" pitchFamily="49" charset="0"/>
-              </a:rPr>
-              <a:t>CPDFDocument</a:t>
-            </a:r>
-            <a:r>
-              <a:rPr lang="en-US" sz="1300" b="1" dirty="0">
-                <a:latin typeface="Courier New" pitchFamily="49" charset="0"/>
-                <a:cs typeface="Courier New" pitchFamily="49" charset="0"/>
-              </a:rPr>
-              <a:t> </a:t>
-            </a:r>
-            <a:r>
-              <a:rPr lang="en-US" sz="1300" b="1" dirty="0" err="1">
-                <a:latin typeface="Courier New" pitchFamily="49" charset="0"/>
-                <a:cs typeface="Courier New" pitchFamily="49" charset="0"/>
-              </a:rPr>
-              <a:t>m_pdfDocument</a:t>
-            </a:r>
-            <a:r>
-              <a:rPr lang="en-US" sz="1300" b="1" dirty="0">
-                <a:latin typeface="Courier New" pitchFamily="49" charset="0"/>
-                <a:cs typeface="Courier New" pitchFamily="49" charset="0"/>
-              </a:rPr>
-              <a:t>;</a:t>
-            </a:r>
-            <a:endParaRPr lang="ru-RU" sz="1300" b="1" dirty="0">
-              <a:latin typeface="Courier New" pitchFamily="49" charset="0"/>
-              <a:cs typeface="Courier New" pitchFamily="49" charset="0"/>
-            </a:endParaRPr>
-          </a:p>
-          <a:p>
-            <a:pPr defTabSz="88900"/>
-            <a:r>
-              <a:rPr lang="ru-RU" sz="1300" b="1" dirty="0">
-                <a:latin typeface="Courier New" pitchFamily="49" charset="0"/>
-                <a:cs typeface="Courier New" pitchFamily="49" charset="0"/>
-              </a:rPr>
-              <a:t>};</a:t>
-            </a:r>
-          </a:p>
-        </p:txBody>
-      </p:sp>
-    </p:spTree>
-    <p:extLst>
-      <p:ext uri="{BB962C8B-B14F-4D97-AF65-F5344CB8AC3E}">
-        <p14:creationId xmlns:p14="http://schemas.microsoft.com/office/powerpoint/2010/main" val="1089138899"/>
-      </p:ext>
-    </p:extLst>
-  </p:cSld>
-  <p:clrMapOvr>
-    <a:masterClrMapping/>
-  </p:clrMapOvr>
-  <p:timing>
-    <p:tnLst>
-      <p:par>
-        <p:cTn id="1" dur="indefinite" restart="never" nodeType="tmRoot">
-          <p:childTnLst>
-            <p:seq concurrent="1" nextAc="seek">
-              <p:cTn id="2" dur="indefinite" nodeType="mainSeq">
-                <p:childTnLst>
-                  <p:par>
-                    <p:cTn id="3" fill="hold">
-                      <p:stCondLst>
-                        <p:cond delay="indefinite"/>
-                      </p:stCondLst>
-                      <p:childTnLst>
-                        <p:par>
-                          <p:cTn id="4" fill="hold">
-                            <p:stCondLst>
-                              <p:cond delay="0"/>
-                            </p:stCondLst>
-                            <p:childTnLst>
-                              <p:par>
-                                <p:cTn id="5" presetID="10" presetClass="entr" presetSubtype="0" fill="hold" nodeType="clickEffect">
-                                  <p:stCondLst>
-                                    <p:cond delay="0"/>
-                                  </p:stCondLst>
-                                  <p:childTnLst>
-                                    <p:set>
-                                      <p:cBhvr>
-                                        <p:cTn id="6" dur="1" fill="hold">
-                                          <p:stCondLst>
-                                            <p:cond delay="0"/>
-                                          </p:stCondLst>
-                                        </p:cTn>
-                                        <p:tgtEl>
-                                          <p:spTgt spid="4">
-                                            <p:txEl>
-                                              <p:pRg st="0" end="0"/>
-                                            </p:txEl>
-                                          </p:spTgt>
-                                        </p:tgtEl>
-                                        <p:attrNameLst>
-                                          <p:attrName>style.visibility</p:attrName>
-                                        </p:attrNameLst>
-                                      </p:cBhvr>
-                                      <p:to>
-                                        <p:strVal val="visible"/>
-                                      </p:to>
-                                    </p:set>
-                                    <p:animEffect transition="in" filter="fade">
-                                      <p:cBhvr>
-                                        <p:cTn id="7" dur="500"/>
-                                        <p:tgtEl>
-                                          <p:spTgt spid="4">
-                                            <p:txEl>
-                                              <p:pRg st="0" end="0"/>
-                                            </p:txEl>
-                                          </p:spTgt>
-                                        </p:tgtEl>
-                                      </p:cBhvr>
-                                    </p:animEffect>
-                                  </p:childTnLst>
-                                </p:cTn>
-                              </p:par>
-                              <p:par>
-                                <p:cTn id="8" presetID="10" presetClass="entr" presetSubtype="0" fill="hold" nodeType="withEffect">
-                                  <p:stCondLst>
-                                    <p:cond delay="0"/>
-                                  </p:stCondLst>
-                                  <p:childTnLst>
-                                    <p:set>
-                                      <p:cBhvr>
-                                        <p:cTn id="9" dur="1" fill="hold">
-                                          <p:stCondLst>
-                                            <p:cond delay="0"/>
-                                          </p:stCondLst>
-                                        </p:cTn>
-                                        <p:tgtEl>
-                                          <p:spTgt spid="4">
-                                            <p:txEl>
-                                              <p:pRg st="1" end="1"/>
-                                            </p:txEl>
-                                          </p:spTgt>
-                                        </p:tgtEl>
-                                        <p:attrNameLst>
-                                          <p:attrName>style.visibility</p:attrName>
-                                        </p:attrNameLst>
-                                      </p:cBhvr>
-                                      <p:to>
-                                        <p:strVal val="visible"/>
-                                      </p:to>
-                                    </p:set>
-                                    <p:animEffect transition="in" filter="fade">
-                                      <p:cBhvr>
-                                        <p:cTn id="10" dur="500"/>
-                                        <p:tgtEl>
-                                          <p:spTgt spid="4">
-                                            <p:txEl>
-                                              <p:pRg st="1" end="1"/>
-                                            </p:txEl>
-                                          </p:spTgt>
-                                        </p:tgtEl>
-                                      </p:cBhvr>
-                                    </p:animEffect>
-                                  </p:childTnLst>
-                                </p:cTn>
-                              </p:par>
-                              <p:par>
-                                <p:cTn id="11" presetID="10" presetClass="entr" presetSubtype="0" fill="hold" nodeType="withEffect">
-                                  <p:stCondLst>
-                                    <p:cond delay="0"/>
-                                  </p:stCondLst>
-                                  <p:childTnLst>
-                                    <p:set>
-                                      <p:cBhvr>
-                                        <p:cTn id="12" dur="1" fill="hold">
-                                          <p:stCondLst>
-                                            <p:cond delay="0"/>
-                                          </p:stCondLst>
-                                        </p:cTn>
-                                        <p:tgtEl>
-                                          <p:spTgt spid="4">
-                                            <p:txEl>
-                                              <p:pRg st="2" end="2"/>
-                                            </p:txEl>
-                                          </p:spTgt>
-                                        </p:tgtEl>
-                                        <p:attrNameLst>
-                                          <p:attrName>style.visibility</p:attrName>
-                                        </p:attrNameLst>
-                                      </p:cBhvr>
-                                      <p:to>
-                                        <p:strVal val="visible"/>
-                                      </p:to>
-                                    </p:set>
-                                    <p:animEffect transition="in" filter="fade">
-                                      <p:cBhvr>
-                                        <p:cTn id="13" dur="500"/>
-                                        <p:tgtEl>
-                                          <p:spTgt spid="4">
-                                            <p:txEl>
-                                              <p:pRg st="2" end="2"/>
-                                            </p:txEl>
-                                          </p:spTgt>
-                                        </p:tgtEl>
-                                      </p:cBhvr>
-                                    </p:animEffect>
-                                  </p:childTnLst>
-                                </p:cTn>
-                              </p:par>
-                              <p:par>
-                                <p:cTn id="14" presetID="10" presetClass="entr" presetSubtype="0" fill="hold" nodeType="withEffect">
-                                  <p:stCondLst>
-                                    <p:cond delay="0"/>
-                                  </p:stCondLst>
-                                  <p:childTnLst>
-                                    <p:set>
-                                      <p:cBhvr>
-                                        <p:cTn id="15" dur="1" fill="hold">
-                                          <p:stCondLst>
-                                            <p:cond delay="0"/>
-                                          </p:stCondLst>
-                                        </p:cTn>
-                                        <p:tgtEl>
-                                          <p:spTgt spid="4">
-                                            <p:txEl>
-                                              <p:pRg st="3" end="3"/>
-                                            </p:txEl>
-                                          </p:spTgt>
-                                        </p:tgtEl>
-                                        <p:attrNameLst>
-                                          <p:attrName>style.visibility</p:attrName>
-                                        </p:attrNameLst>
-                                      </p:cBhvr>
-                                      <p:to>
-                                        <p:strVal val="visible"/>
-                                      </p:to>
-                                    </p:set>
-                                    <p:animEffect transition="in" filter="fade">
-                                      <p:cBhvr>
-                                        <p:cTn id="16" dur="500"/>
-                                        <p:tgtEl>
-                                          <p:spTgt spid="4">
-                                            <p:txEl>
-                                              <p:pRg st="3" end="3"/>
-                                            </p:txEl>
-                                          </p:spTgt>
-                                        </p:tgtEl>
-                                      </p:cBhvr>
-                                    </p:animEffect>
-                                  </p:childTnLst>
-                                </p:cTn>
-                              </p:par>
-                              <p:par>
-                                <p:cTn id="17" presetID="10" presetClass="entr" presetSubtype="0" fill="hold" nodeType="withEffect">
-                                  <p:stCondLst>
-                                    <p:cond delay="0"/>
-                                  </p:stCondLst>
-                                  <p:childTnLst>
-                                    <p:set>
-                                      <p:cBhvr>
-                                        <p:cTn id="18" dur="1" fill="hold">
-                                          <p:stCondLst>
-                                            <p:cond delay="0"/>
-                                          </p:stCondLst>
-                                        </p:cTn>
-                                        <p:tgtEl>
-                                          <p:spTgt spid="4">
-                                            <p:txEl>
-                                              <p:pRg st="4" end="4"/>
-                                            </p:txEl>
-                                          </p:spTgt>
-                                        </p:tgtEl>
-                                        <p:attrNameLst>
-                                          <p:attrName>style.visibility</p:attrName>
-                                        </p:attrNameLst>
-                                      </p:cBhvr>
-                                      <p:to>
-                                        <p:strVal val="visible"/>
-                                      </p:to>
-                                    </p:set>
-                                    <p:animEffect transition="in" filter="fade">
-                                      <p:cBhvr>
-                                        <p:cTn id="19" dur="500"/>
-                                        <p:tgtEl>
-                                          <p:spTgt spid="4">
-                                            <p:txEl>
-                                              <p:pRg st="4" end="4"/>
-                                            </p:txEl>
-                                          </p:spTgt>
-                                        </p:tgtEl>
-                                      </p:cBhvr>
-                                    </p:animEffect>
-                                  </p:childTnLst>
-                                </p:cTn>
-                              </p:par>
-                              <p:par>
-                                <p:cTn id="20" presetID="10" presetClass="entr" presetSubtype="0" fill="hold" nodeType="withEffect">
-                                  <p:stCondLst>
-                                    <p:cond delay="0"/>
-                                  </p:stCondLst>
-                                  <p:childTnLst>
-                                    <p:set>
-                                      <p:cBhvr>
-                                        <p:cTn id="21" dur="1" fill="hold">
-                                          <p:stCondLst>
-                                            <p:cond delay="0"/>
-                                          </p:stCondLst>
-                                        </p:cTn>
-                                        <p:tgtEl>
-                                          <p:spTgt spid="4">
-                                            <p:txEl>
-                                              <p:pRg st="5" end="5"/>
-                                            </p:txEl>
-                                          </p:spTgt>
-                                        </p:tgtEl>
-                                        <p:attrNameLst>
-                                          <p:attrName>style.visibility</p:attrName>
-                                        </p:attrNameLst>
-                                      </p:cBhvr>
-                                      <p:to>
-                                        <p:strVal val="visible"/>
-                                      </p:to>
-                                    </p:set>
-                                    <p:animEffect transition="in" filter="fade">
-                                      <p:cBhvr>
-                                        <p:cTn id="22" dur="500"/>
-                                        <p:tgtEl>
-                                          <p:spTgt spid="4">
-                                            <p:txEl>
-                                              <p:pRg st="5" end="5"/>
-                                            </p:txEl>
-                                          </p:spTgt>
-                                        </p:tgtEl>
-                                      </p:cBhvr>
-                                    </p:animEffect>
-                                  </p:childTnLst>
-                                </p:cTn>
-                              </p:par>
-                              <p:par>
-                                <p:cTn id="23" presetID="10" presetClass="entr" presetSubtype="0" fill="hold" nodeType="withEffect">
-                                  <p:stCondLst>
-                                    <p:cond delay="0"/>
-                                  </p:stCondLst>
-                                  <p:childTnLst>
-                                    <p:set>
-                                      <p:cBhvr>
-                                        <p:cTn id="24" dur="1" fill="hold">
-                                          <p:stCondLst>
-                                            <p:cond delay="0"/>
-                                          </p:stCondLst>
-                                        </p:cTn>
-                                        <p:tgtEl>
-                                          <p:spTgt spid="4">
-                                            <p:txEl>
-                                              <p:pRg st="6" end="6"/>
-                                            </p:txEl>
-                                          </p:spTgt>
-                                        </p:tgtEl>
-                                        <p:attrNameLst>
-                                          <p:attrName>style.visibility</p:attrName>
-                                        </p:attrNameLst>
-                                      </p:cBhvr>
-                                      <p:to>
-                                        <p:strVal val="visible"/>
-                                      </p:to>
-                                    </p:set>
-                                    <p:animEffect transition="in" filter="fade">
-                                      <p:cBhvr>
-                                        <p:cTn id="25" dur="500"/>
-                                        <p:tgtEl>
-                                          <p:spTgt spid="4">
-                                            <p:txEl>
-                                              <p:pRg st="6" end="6"/>
-                                            </p:txEl>
-                                          </p:spTgt>
-                                        </p:tgtEl>
-                                      </p:cBhvr>
-                                    </p:animEffect>
-                                  </p:childTnLst>
-                                </p:cTn>
-                              </p:par>
-                              <p:par>
-                                <p:cTn id="26" presetID="10" presetClass="entr" presetSubtype="0" fill="hold" nodeType="withEffect">
-                                  <p:stCondLst>
-                                    <p:cond delay="0"/>
-                                  </p:stCondLst>
-                                  <p:childTnLst>
-                                    <p:set>
-                                      <p:cBhvr>
-                                        <p:cTn id="27" dur="1" fill="hold">
-                                          <p:stCondLst>
-                                            <p:cond delay="0"/>
-                                          </p:stCondLst>
-                                        </p:cTn>
-                                        <p:tgtEl>
-                                          <p:spTgt spid="4">
-                                            <p:txEl>
-                                              <p:pRg st="7" end="7"/>
-                                            </p:txEl>
-                                          </p:spTgt>
-                                        </p:tgtEl>
-                                        <p:attrNameLst>
-                                          <p:attrName>style.visibility</p:attrName>
-                                        </p:attrNameLst>
-                                      </p:cBhvr>
-                                      <p:to>
-                                        <p:strVal val="visible"/>
-                                      </p:to>
-                                    </p:set>
-                                    <p:animEffect transition="in" filter="fade">
-                                      <p:cBhvr>
-                                        <p:cTn id="28" dur="500"/>
-                                        <p:tgtEl>
-                                          <p:spTgt spid="4">
-                                            <p:txEl>
-                                              <p:pRg st="7" end="7"/>
-                                            </p:txEl>
-                                          </p:spTgt>
-                                        </p:tgtEl>
-                                      </p:cBhvr>
-                                    </p:animEffect>
-                                  </p:childTnLst>
-                                </p:cTn>
-                              </p:par>
-                              <p:par>
-                                <p:cTn id="29" presetID="10" presetClass="entr" presetSubtype="0" fill="hold" nodeType="withEffect">
-                                  <p:stCondLst>
-                                    <p:cond delay="0"/>
-                                  </p:stCondLst>
-                                  <p:childTnLst>
-                                    <p:set>
-                                      <p:cBhvr>
-                                        <p:cTn id="30" dur="1" fill="hold">
-                                          <p:stCondLst>
-                                            <p:cond delay="0"/>
-                                          </p:stCondLst>
-                                        </p:cTn>
-                                        <p:tgtEl>
-                                          <p:spTgt spid="4">
-                                            <p:txEl>
-                                              <p:pRg st="8" end="8"/>
-                                            </p:txEl>
-                                          </p:spTgt>
-                                        </p:tgtEl>
-                                        <p:attrNameLst>
-                                          <p:attrName>style.visibility</p:attrName>
-                                        </p:attrNameLst>
-                                      </p:cBhvr>
-                                      <p:to>
-                                        <p:strVal val="visible"/>
-                                      </p:to>
-                                    </p:set>
-                                    <p:animEffect transition="in" filter="fade">
-                                      <p:cBhvr>
-                                        <p:cTn id="31" dur="500"/>
-                                        <p:tgtEl>
-                                          <p:spTgt spid="4">
-                                            <p:txEl>
-                                              <p:pRg st="8" end="8"/>
-                                            </p:txEl>
-                                          </p:spTgt>
-                                        </p:tgtEl>
-                                      </p:cBhvr>
-                                    </p:animEffect>
-                                  </p:childTnLst>
-                                </p:cTn>
-                              </p:par>
-                            </p:childTnLst>
-                          </p:cTn>
-                        </p:par>
-                      </p:childTnLst>
-                    </p:cTn>
-                  </p:par>
-                  <p:par>
-                    <p:cTn id="32" fill="hold">
-                      <p:stCondLst>
-                        <p:cond delay="indefinite"/>
-                      </p:stCondLst>
-                      <p:childTnLst>
-                        <p:par>
-                          <p:cTn id="33" fill="hold">
-                            <p:stCondLst>
-                              <p:cond delay="0"/>
-                            </p:stCondLst>
-                            <p:childTnLst>
-                              <p:par>
-                                <p:cTn id="34" presetID="10" presetClass="entr" presetSubtype="0" fill="hold" nodeType="clickEffect">
-                                  <p:stCondLst>
-                                    <p:cond delay="0"/>
-                                  </p:stCondLst>
-                                  <p:childTnLst>
-                                    <p:set>
-                                      <p:cBhvr>
-                                        <p:cTn id="35" dur="1" fill="hold">
-                                          <p:stCondLst>
-                                            <p:cond delay="0"/>
-                                          </p:stCondLst>
-                                        </p:cTn>
-                                        <p:tgtEl>
-                                          <p:spTgt spid="4">
-                                            <p:txEl>
-                                              <p:pRg st="10" end="10"/>
-                                            </p:txEl>
-                                          </p:spTgt>
-                                        </p:tgtEl>
-                                        <p:attrNameLst>
-                                          <p:attrName>style.visibility</p:attrName>
-                                        </p:attrNameLst>
-                                      </p:cBhvr>
-                                      <p:to>
-                                        <p:strVal val="visible"/>
-                                      </p:to>
-                                    </p:set>
-                                    <p:animEffect transition="in" filter="fade">
-                                      <p:cBhvr>
-                                        <p:cTn id="36" dur="500"/>
-                                        <p:tgtEl>
-                                          <p:spTgt spid="4">
-                                            <p:txEl>
-                                              <p:pRg st="10" end="10"/>
-                                            </p:txEl>
-                                          </p:spTgt>
-                                        </p:tgtEl>
-                                      </p:cBhvr>
-                                    </p:animEffect>
-                                  </p:childTnLst>
-                                </p:cTn>
-                              </p:par>
-                              <p:par>
-                                <p:cTn id="37" presetID="10" presetClass="entr" presetSubtype="0" fill="hold" nodeType="withEffect">
-                                  <p:stCondLst>
-                                    <p:cond delay="0"/>
-                                  </p:stCondLst>
-                                  <p:childTnLst>
-                                    <p:set>
-                                      <p:cBhvr>
-                                        <p:cTn id="38" dur="1" fill="hold">
-                                          <p:stCondLst>
-                                            <p:cond delay="0"/>
-                                          </p:stCondLst>
-                                        </p:cTn>
-                                        <p:tgtEl>
-                                          <p:spTgt spid="4">
-                                            <p:txEl>
-                                              <p:pRg st="11" end="11"/>
-                                            </p:txEl>
-                                          </p:spTgt>
-                                        </p:tgtEl>
-                                        <p:attrNameLst>
-                                          <p:attrName>style.visibility</p:attrName>
-                                        </p:attrNameLst>
-                                      </p:cBhvr>
-                                      <p:to>
-                                        <p:strVal val="visible"/>
-                                      </p:to>
-                                    </p:set>
-                                    <p:animEffect transition="in" filter="fade">
-                                      <p:cBhvr>
-                                        <p:cTn id="39" dur="500"/>
-                                        <p:tgtEl>
-                                          <p:spTgt spid="4">
-                                            <p:txEl>
-                                              <p:pRg st="11" end="11"/>
-                                            </p:txEl>
-                                          </p:spTgt>
-                                        </p:tgtEl>
-                                      </p:cBhvr>
-                                    </p:animEffect>
-                                  </p:childTnLst>
-                                </p:cTn>
-                              </p:par>
-                              <p:par>
-                                <p:cTn id="40" presetID="10" presetClass="entr" presetSubtype="0" fill="hold" nodeType="withEffect">
-                                  <p:stCondLst>
-                                    <p:cond delay="0"/>
-                                  </p:stCondLst>
-                                  <p:childTnLst>
-                                    <p:set>
-                                      <p:cBhvr>
-                                        <p:cTn id="41" dur="1" fill="hold">
-                                          <p:stCondLst>
-                                            <p:cond delay="0"/>
-                                          </p:stCondLst>
-                                        </p:cTn>
-                                        <p:tgtEl>
-                                          <p:spTgt spid="4">
-                                            <p:txEl>
-                                              <p:pRg st="12" end="12"/>
-                                            </p:txEl>
-                                          </p:spTgt>
-                                        </p:tgtEl>
-                                        <p:attrNameLst>
-                                          <p:attrName>style.visibility</p:attrName>
-                                        </p:attrNameLst>
-                                      </p:cBhvr>
-                                      <p:to>
-                                        <p:strVal val="visible"/>
-                                      </p:to>
-                                    </p:set>
-                                    <p:animEffect transition="in" filter="fade">
-                                      <p:cBhvr>
-                                        <p:cTn id="42" dur="500"/>
-                                        <p:tgtEl>
-                                          <p:spTgt spid="4">
-                                            <p:txEl>
-                                              <p:pRg st="12" end="12"/>
-                                            </p:txEl>
-                                          </p:spTgt>
-                                        </p:tgtEl>
-                                      </p:cBhvr>
-                                    </p:animEffect>
-                                  </p:childTnLst>
-                                </p:cTn>
-                              </p:par>
-                              <p:par>
-                                <p:cTn id="43" presetID="10" presetClass="entr" presetSubtype="0" fill="hold" nodeType="withEffect">
-                                  <p:stCondLst>
-                                    <p:cond delay="0"/>
-                                  </p:stCondLst>
-                                  <p:childTnLst>
-                                    <p:set>
-                                      <p:cBhvr>
-                                        <p:cTn id="44" dur="1" fill="hold">
-                                          <p:stCondLst>
-                                            <p:cond delay="0"/>
-                                          </p:stCondLst>
-                                        </p:cTn>
-                                        <p:tgtEl>
-                                          <p:spTgt spid="4">
-                                            <p:txEl>
-                                              <p:pRg st="13" end="13"/>
-                                            </p:txEl>
-                                          </p:spTgt>
-                                        </p:tgtEl>
-                                        <p:attrNameLst>
-                                          <p:attrName>style.visibility</p:attrName>
-                                        </p:attrNameLst>
-                                      </p:cBhvr>
-                                      <p:to>
-                                        <p:strVal val="visible"/>
-                                      </p:to>
-                                    </p:set>
-                                    <p:animEffect transition="in" filter="fade">
-                                      <p:cBhvr>
-                                        <p:cTn id="45" dur="500"/>
-                                        <p:tgtEl>
-                                          <p:spTgt spid="4">
-                                            <p:txEl>
-                                              <p:pRg st="13" end="13"/>
-                                            </p:txEl>
-                                          </p:spTgt>
-                                        </p:tgtEl>
-                                      </p:cBhvr>
-                                    </p:animEffect>
-                                  </p:childTnLst>
-                                </p:cTn>
-                              </p:par>
-                              <p:par>
-                                <p:cTn id="46" presetID="10" presetClass="entr" presetSubtype="0" fill="hold" nodeType="withEffect">
-                                  <p:stCondLst>
-                                    <p:cond delay="0"/>
-                                  </p:stCondLst>
-                                  <p:childTnLst>
-                                    <p:set>
-                                      <p:cBhvr>
-                                        <p:cTn id="47" dur="1" fill="hold">
-                                          <p:stCondLst>
-                                            <p:cond delay="0"/>
-                                          </p:stCondLst>
-                                        </p:cTn>
-                                        <p:tgtEl>
-                                          <p:spTgt spid="4">
-                                            <p:txEl>
-                                              <p:pRg st="14" end="14"/>
-                                            </p:txEl>
-                                          </p:spTgt>
-                                        </p:tgtEl>
-                                        <p:attrNameLst>
-                                          <p:attrName>style.visibility</p:attrName>
-                                        </p:attrNameLst>
-                                      </p:cBhvr>
-                                      <p:to>
-                                        <p:strVal val="visible"/>
-                                      </p:to>
-                                    </p:set>
-                                    <p:animEffect transition="in" filter="fade">
-                                      <p:cBhvr>
-                                        <p:cTn id="48" dur="500"/>
-                                        <p:tgtEl>
-                                          <p:spTgt spid="4">
-                                            <p:txEl>
-                                              <p:pRg st="14" end="14"/>
-                                            </p:txEl>
-                                          </p:spTgt>
-                                        </p:tgtEl>
-                                      </p:cBhvr>
-                                    </p:animEffect>
-                                  </p:childTnLst>
-                                </p:cTn>
-                              </p:par>
-                              <p:par>
-                                <p:cTn id="49" presetID="10" presetClass="entr" presetSubtype="0" fill="hold" nodeType="withEffect">
-                                  <p:stCondLst>
-                                    <p:cond delay="0"/>
-                                  </p:stCondLst>
-                                  <p:childTnLst>
-                                    <p:set>
-                                      <p:cBhvr>
-                                        <p:cTn id="50" dur="1" fill="hold">
-                                          <p:stCondLst>
-                                            <p:cond delay="0"/>
-                                          </p:stCondLst>
-                                        </p:cTn>
-                                        <p:tgtEl>
-                                          <p:spTgt spid="4">
-                                            <p:txEl>
-                                              <p:pRg st="15" end="15"/>
-                                            </p:txEl>
-                                          </p:spTgt>
-                                        </p:tgtEl>
-                                        <p:attrNameLst>
-                                          <p:attrName>style.visibility</p:attrName>
-                                        </p:attrNameLst>
-                                      </p:cBhvr>
-                                      <p:to>
-                                        <p:strVal val="visible"/>
-                                      </p:to>
-                                    </p:set>
-                                    <p:animEffect transition="in" filter="fade">
-                                      <p:cBhvr>
-                                        <p:cTn id="51" dur="500"/>
-                                        <p:tgtEl>
-                                          <p:spTgt spid="4">
-                                            <p:txEl>
-                                              <p:pRg st="15" end="15"/>
-                                            </p:txEl>
-                                          </p:spTgt>
-                                        </p:tgtEl>
-                                      </p:cBhvr>
-                                    </p:animEffect>
-                                  </p:childTnLst>
-                                </p:cTn>
-                              </p:par>
-                              <p:par>
-                                <p:cTn id="52" presetID="10" presetClass="entr" presetSubtype="0" fill="hold" nodeType="withEffect">
-                                  <p:stCondLst>
-                                    <p:cond delay="0"/>
-                                  </p:stCondLst>
-                                  <p:childTnLst>
-                                    <p:set>
-                                      <p:cBhvr>
-                                        <p:cTn id="53" dur="1" fill="hold">
-                                          <p:stCondLst>
-                                            <p:cond delay="0"/>
-                                          </p:stCondLst>
-                                        </p:cTn>
-                                        <p:tgtEl>
-                                          <p:spTgt spid="4">
-                                            <p:txEl>
-                                              <p:pRg st="16" end="16"/>
-                                            </p:txEl>
-                                          </p:spTgt>
-                                        </p:tgtEl>
-                                        <p:attrNameLst>
-                                          <p:attrName>style.visibility</p:attrName>
-                                        </p:attrNameLst>
-                                      </p:cBhvr>
-                                      <p:to>
-                                        <p:strVal val="visible"/>
-                                      </p:to>
-                                    </p:set>
-                                    <p:animEffect transition="in" filter="fade">
-                                      <p:cBhvr>
-                                        <p:cTn id="54" dur="500"/>
-                                        <p:tgtEl>
-                                          <p:spTgt spid="4">
-                                            <p:txEl>
-                                              <p:pRg st="16" end="16"/>
-                                            </p:txEl>
-                                          </p:spTgt>
-                                        </p:tgtEl>
-                                      </p:cBhvr>
-                                    </p:animEffect>
-                                  </p:childTnLst>
-                                </p:cTn>
-                              </p:par>
-                              <p:par>
-                                <p:cTn id="55" presetID="10" presetClass="entr" presetSubtype="0" fill="hold" nodeType="withEffect">
-                                  <p:stCondLst>
-                                    <p:cond delay="0"/>
-                                  </p:stCondLst>
-                                  <p:childTnLst>
-                                    <p:set>
-                                      <p:cBhvr>
-                                        <p:cTn id="56" dur="1" fill="hold">
-                                          <p:stCondLst>
-                                            <p:cond delay="0"/>
-                                          </p:stCondLst>
-                                        </p:cTn>
-                                        <p:tgtEl>
-                                          <p:spTgt spid="4">
-                                            <p:txEl>
-                                              <p:pRg st="17" end="17"/>
-                                            </p:txEl>
-                                          </p:spTgt>
-                                        </p:tgtEl>
-                                        <p:attrNameLst>
-                                          <p:attrName>style.visibility</p:attrName>
-                                        </p:attrNameLst>
-                                      </p:cBhvr>
-                                      <p:to>
-                                        <p:strVal val="visible"/>
-                                      </p:to>
-                                    </p:set>
-                                    <p:animEffect transition="in" filter="fade">
-                                      <p:cBhvr>
-                                        <p:cTn id="57" dur="500"/>
-                                        <p:tgtEl>
-                                          <p:spTgt spid="4">
-                                            <p:txEl>
-                                              <p:pRg st="17" end="17"/>
-                                            </p:txEl>
-                                          </p:spTgt>
-                                        </p:tgtEl>
-                                      </p:cBhvr>
-                                    </p:animEffect>
-                                  </p:childTnLst>
-                                </p:cTn>
-                              </p:par>
-                              <p:par>
-                                <p:cTn id="58" presetID="10" presetClass="entr" presetSubtype="0" fill="hold" nodeType="withEffect">
-                                  <p:stCondLst>
-                                    <p:cond delay="0"/>
-                                  </p:stCondLst>
-                                  <p:childTnLst>
-                                    <p:set>
-                                      <p:cBhvr>
-                                        <p:cTn id="59" dur="1" fill="hold">
-                                          <p:stCondLst>
-                                            <p:cond delay="0"/>
-                                          </p:stCondLst>
-                                        </p:cTn>
-                                        <p:tgtEl>
-                                          <p:spTgt spid="4">
-                                            <p:txEl>
-                                              <p:pRg st="18" end="18"/>
-                                            </p:txEl>
-                                          </p:spTgt>
-                                        </p:tgtEl>
-                                        <p:attrNameLst>
-                                          <p:attrName>style.visibility</p:attrName>
-                                        </p:attrNameLst>
-                                      </p:cBhvr>
-                                      <p:to>
-                                        <p:strVal val="visible"/>
-                                      </p:to>
-                                    </p:set>
-                                    <p:animEffect transition="in" filter="fade">
-                                      <p:cBhvr>
-                                        <p:cTn id="60" dur="500"/>
-                                        <p:tgtEl>
-                                          <p:spTgt spid="4">
-                                            <p:txEl>
-                                              <p:pRg st="18" end="18"/>
-                                            </p:txEl>
-                                          </p:spTgt>
-                                        </p:tgtEl>
-                                      </p:cBhvr>
-                                    </p:animEffect>
-                                  </p:childTnLst>
-                                </p:cTn>
-                              </p:par>
-                              <p:par>
-                                <p:cTn id="61" presetID="10" presetClass="entr" presetSubtype="0" fill="hold" nodeType="withEffect">
-                                  <p:stCondLst>
-                                    <p:cond delay="0"/>
-                                  </p:stCondLst>
-                                  <p:childTnLst>
-                                    <p:set>
-                                      <p:cBhvr>
-                                        <p:cTn id="62" dur="1" fill="hold">
-                                          <p:stCondLst>
-                                            <p:cond delay="0"/>
-                                          </p:stCondLst>
-                                        </p:cTn>
-                                        <p:tgtEl>
-                                          <p:spTgt spid="4">
-                                            <p:txEl>
-                                              <p:pRg st="19" end="19"/>
-                                            </p:txEl>
-                                          </p:spTgt>
-                                        </p:tgtEl>
-                                        <p:attrNameLst>
-                                          <p:attrName>style.visibility</p:attrName>
-                                        </p:attrNameLst>
-                                      </p:cBhvr>
-                                      <p:to>
-                                        <p:strVal val="visible"/>
-                                      </p:to>
-                                    </p:set>
-                                    <p:animEffect transition="in" filter="fade">
-                                      <p:cBhvr>
-                                        <p:cTn id="63" dur="500"/>
-                                        <p:tgtEl>
-                                          <p:spTgt spid="4">
-                                            <p:txEl>
-                                              <p:pRg st="19" end="19"/>
-                                            </p:txEl>
-                                          </p:spTgt>
-                                        </p:tgtEl>
-                                      </p:cBhvr>
-                                    </p:animEffect>
-                                  </p:childTnLst>
-                                </p:cTn>
-                              </p:par>
-                              <p:par>
-                                <p:cTn id="64" presetID="10" presetClass="entr" presetSubtype="0" fill="hold" nodeType="withEffect">
-                                  <p:stCondLst>
-                                    <p:cond delay="0"/>
-                                  </p:stCondLst>
-                                  <p:childTnLst>
-                                    <p:set>
-                                      <p:cBhvr>
-                                        <p:cTn id="65" dur="1" fill="hold">
-                                          <p:stCondLst>
-                                            <p:cond delay="0"/>
-                                          </p:stCondLst>
-                                        </p:cTn>
-                                        <p:tgtEl>
-                                          <p:spTgt spid="4">
-                                            <p:txEl>
-                                              <p:pRg st="20" end="20"/>
-                                            </p:txEl>
-                                          </p:spTgt>
-                                        </p:tgtEl>
-                                        <p:attrNameLst>
-                                          <p:attrName>style.visibility</p:attrName>
-                                        </p:attrNameLst>
-                                      </p:cBhvr>
-                                      <p:to>
-                                        <p:strVal val="visible"/>
-                                      </p:to>
-                                    </p:set>
-                                    <p:animEffect transition="in" filter="fade">
-                                      <p:cBhvr>
-                                        <p:cTn id="66" dur="500"/>
-                                        <p:tgtEl>
-                                          <p:spTgt spid="4">
-                                            <p:txEl>
-                                              <p:pRg st="20" end="20"/>
-                                            </p:txEl>
-                                          </p:spTgt>
-                                        </p:tgtEl>
-                                      </p:cBhvr>
-                                    </p:animEffect>
-                                  </p:childTnLst>
-                                </p:cTn>
-                              </p:par>
-                              <p:par>
-                                <p:cTn id="67" presetID="10" presetClass="entr" presetSubtype="0" fill="hold" nodeType="withEffect">
-                                  <p:stCondLst>
-                                    <p:cond delay="0"/>
-                                  </p:stCondLst>
-                                  <p:childTnLst>
-                                    <p:set>
-                                      <p:cBhvr>
-                                        <p:cTn id="68" dur="1" fill="hold">
-                                          <p:stCondLst>
-                                            <p:cond delay="0"/>
-                                          </p:stCondLst>
-                                        </p:cTn>
-                                        <p:tgtEl>
-                                          <p:spTgt spid="4">
-                                            <p:txEl>
-                                              <p:pRg st="21" end="21"/>
-                                            </p:txEl>
-                                          </p:spTgt>
-                                        </p:tgtEl>
-                                        <p:attrNameLst>
-                                          <p:attrName>style.visibility</p:attrName>
-                                        </p:attrNameLst>
-                                      </p:cBhvr>
-                                      <p:to>
-                                        <p:strVal val="visible"/>
-                                      </p:to>
-                                    </p:set>
-                                    <p:animEffect transition="in" filter="fade">
-                                      <p:cBhvr>
-                                        <p:cTn id="69" dur="500"/>
-                                        <p:tgtEl>
-                                          <p:spTgt spid="4">
-                                            <p:txEl>
-                                              <p:pRg st="21" end="21"/>
-                                            </p:txEl>
-                                          </p:spTgt>
-                                        </p:tgtEl>
-                                      </p:cBhvr>
-                                    </p:animEffect>
-                                  </p:childTnLst>
-                                </p:cTn>
-                              </p:par>
-                              <p:par>
-                                <p:cTn id="70" presetID="10" presetClass="entr" presetSubtype="0" fill="hold" nodeType="withEffect">
-                                  <p:stCondLst>
-                                    <p:cond delay="0"/>
-                                  </p:stCondLst>
-                                  <p:childTnLst>
-                                    <p:set>
-                                      <p:cBhvr>
-                                        <p:cTn id="71" dur="1" fill="hold">
-                                          <p:stCondLst>
-                                            <p:cond delay="0"/>
-                                          </p:stCondLst>
-                                        </p:cTn>
-                                        <p:tgtEl>
-                                          <p:spTgt spid="4">
-                                            <p:txEl>
-                                              <p:pRg st="22" end="22"/>
-                                            </p:txEl>
-                                          </p:spTgt>
-                                        </p:tgtEl>
-                                        <p:attrNameLst>
-                                          <p:attrName>style.visibility</p:attrName>
-                                        </p:attrNameLst>
-                                      </p:cBhvr>
-                                      <p:to>
-                                        <p:strVal val="visible"/>
-                                      </p:to>
-                                    </p:set>
-                                    <p:animEffect transition="in" filter="fade">
-                                      <p:cBhvr>
-                                        <p:cTn id="72" dur="500"/>
-                                        <p:tgtEl>
-                                          <p:spTgt spid="4">
-                                            <p:txEl>
-                                              <p:pRg st="22" end="22"/>
-                                            </p:txEl>
-                                          </p:spTgt>
-                                        </p:tgtEl>
-                                      </p:cBhvr>
-                                    </p:animEffect>
-                                  </p:childTnLst>
-                                </p:cTn>
-                              </p:par>
-                              <p:par>
-                                <p:cTn id="73" presetID="10" presetClass="entr" presetSubtype="0" fill="hold" nodeType="withEffect">
-                                  <p:stCondLst>
-                                    <p:cond delay="0"/>
-                                  </p:stCondLst>
-                                  <p:childTnLst>
-                                    <p:set>
-                                      <p:cBhvr>
-                                        <p:cTn id="74" dur="1" fill="hold">
-                                          <p:stCondLst>
-                                            <p:cond delay="0"/>
-                                          </p:stCondLst>
-                                        </p:cTn>
-                                        <p:tgtEl>
-                                          <p:spTgt spid="4">
-                                            <p:txEl>
-                                              <p:pRg st="23" end="23"/>
-                                            </p:txEl>
-                                          </p:spTgt>
-                                        </p:tgtEl>
-                                        <p:attrNameLst>
-                                          <p:attrName>style.visibility</p:attrName>
-                                        </p:attrNameLst>
-                                      </p:cBhvr>
-                                      <p:to>
-                                        <p:strVal val="visible"/>
-                                      </p:to>
-                                    </p:set>
-                                    <p:animEffect transition="in" filter="fade">
-                                      <p:cBhvr>
-                                        <p:cTn id="75" dur="500"/>
-                                        <p:tgtEl>
-                                          <p:spTgt spid="4">
-                                            <p:txEl>
-                                              <p:pRg st="23" end="23"/>
-                                            </p:txEl>
-                                          </p:spTgt>
-                                        </p:tgtEl>
-                                      </p:cBhvr>
-                                    </p:animEffect>
-                                  </p:childTnLst>
-                                </p:cTn>
-                              </p:par>
-                              <p:par>
-                                <p:cTn id="76" presetID="10" presetClass="entr" presetSubtype="0" fill="hold" nodeType="withEffect">
-                                  <p:stCondLst>
-                                    <p:cond delay="0"/>
-                                  </p:stCondLst>
-                                  <p:childTnLst>
-                                    <p:set>
-                                      <p:cBhvr>
-                                        <p:cTn id="77" dur="1" fill="hold">
-                                          <p:stCondLst>
-                                            <p:cond delay="0"/>
-                                          </p:stCondLst>
-                                        </p:cTn>
-                                        <p:tgtEl>
-                                          <p:spTgt spid="4">
-                                            <p:txEl>
-                                              <p:pRg st="24" end="24"/>
-                                            </p:txEl>
-                                          </p:spTgt>
-                                        </p:tgtEl>
-                                        <p:attrNameLst>
-                                          <p:attrName>style.visibility</p:attrName>
-                                        </p:attrNameLst>
-                                      </p:cBhvr>
-                                      <p:to>
-                                        <p:strVal val="visible"/>
-                                      </p:to>
-                                    </p:set>
-                                    <p:animEffect transition="in" filter="fade">
-                                      <p:cBhvr>
-                                        <p:cTn id="78" dur="500"/>
-                                        <p:tgtEl>
-                                          <p:spTgt spid="4">
-                                            <p:txEl>
-                                              <p:pRg st="24" end="24"/>
-                                            </p:txEl>
-                                          </p:spTgt>
-                                        </p:tgtEl>
-                                      </p:cBhvr>
-                                    </p:animEffect>
-                                  </p:childTnLst>
-                                </p:cTn>
-                              </p:par>
-                            </p:childTnLst>
-                          </p:cTn>
-                        </p:par>
-                      </p:childTnLst>
-                    </p:cTn>
-                  </p:par>
-                  <p:par>
-                    <p:cTn id="79" fill="hold">
-                      <p:stCondLst>
-                        <p:cond delay="indefinite"/>
-                      </p:stCondLst>
-                      <p:childTnLst>
-                        <p:par>
-                          <p:cTn id="80" fill="hold">
-                            <p:stCondLst>
-                              <p:cond delay="0"/>
-                            </p:stCondLst>
-                            <p:childTnLst>
-                              <p:par>
-                                <p:cTn id="81" presetID="10" presetClass="entr" presetSubtype="0" fill="hold" nodeType="clickEffect">
-                                  <p:stCondLst>
-                                    <p:cond delay="0"/>
-                                  </p:stCondLst>
-                                  <p:childTnLst>
-                                    <p:set>
-                                      <p:cBhvr>
-                                        <p:cTn id="82" dur="1" fill="hold">
-                                          <p:stCondLst>
-                                            <p:cond delay="0"/>
-                                          </p:stCondLst>
-                                        </p:cTn>
-                                        <p:tgtEl>
-                                          <p:spTgt spid="5">
-                                            <p:txEl>
-                                              <p:pRg st="0" end="0"/>
-                                            </p:txEl>
-                                          </p:spTgt>
-                                        </p:tgtEl>
-                                        <p:attrNameLst>
-                                          <p:attrName>style.visibility</p:attrName>
-                                        </p:attrNameLst>
-                                      </p:cBhvr>
-                                      <p:to>
-                                        <p:strVal val="visible"/>
-                                      </p:to>
-                                    </p:set>
-                                    <p:animEffect transition="in" filter="fade">
-                                      <p:cBhvr>
-                                        <p:cTn id="83" dur="500"/>
-                                        <p:tgtEl>
-                                          <p:spTgt spid="5">
-                                            <p:txEl>
-                                              <p:pRg st="0" end="0"/>
-                                            </p:txEl>
-                                          </p:spTgt>
-                                        </p:tgtEl>
-                                      </p:cBhvr>
-                                    </p:animEffect>
-                                  </p:childTnLst>
-                                </p:cTn>
-                              </p:par>
-                              <p:par>
-                                <p:cTn id="84" presetID="10" presetClass="entr" presetSubtype="0" fill="hold" nodeType="withEffect">
-                                  <p:stCondLst>
-                                    <p:cond delay="0"/>
-                                  </p:stCondLst>
-                                  <p:childTnLst>
-                                    <p:set>
-                                      <p:cBhvr>
-                                        <p:cTn id="85" dur="1" fill="hold">
-                                          <p:stCondLst>
-                                            <p:cond delay="0"/>
-                                          </p:stCondLst>
-                                        </p:cTn>
-                                        <p:tgtEl>
-                                          <p:spTgt spid="5">
-                                            <p:txEl>
-                                              <p:pRg st="1" end="1"/>
-                                            </p:txEl>
-                                          </p:spTgt>
-                                        </p:tgtEl>
-                                        <p:attrNameLst>
-                                          <p:attrName>style.visibility</p:attrName>
-                                        </p:attrNameLst>
-                                      </p:cBhvr>
-                                      <p:to>
-                                        <p:strVal val="visible"/>
-                                      </p:to>
-                                    </p:set>
-                                    <p:animEffect transition="in" filter="fade">
-                                      <p:cBhvr>
-                                        <p:cTn id="86" dur="500"/>
-                                        <p:tgtEl>
-                                          <p:spTgt spid="5">
-                                            <p:txEl>
-                                              <p:pRg st="1" end="1"/>
-                                            </p:txEl>
-                                          </p:spTgt>
-                                        </p:tgtEl>
-                                      </p:cBhvr>
-                                    </p:animEffect>
-                                  </p:childTnLst>
-                                </p:cTn>
-                              </p:par>
-                              <p:par>
-                                <p:cTn id="87" presetID="10" presetClass="entr" presetSubtype="0" fill="hold" nodeType="withEffect">
-                                  <p:stCondLst>
-                                    <p:cond delay="0"/>
-                                  </p:stCondLst>
-                                  <p:childTnLst>
-                                    <p:set>
-                                      <p:cBhvr>
-                                        <p:cTn id="88" dur="1" fill="hold">
-                                          <p:stCondLst>
-                                            <p:cond delay="0"/>
-                                          </p:stCondLst>
-                                        </p:cTn>
-                                        <p:tgtEl>
-                                          <p:spTgt spid="5">
-                                            <p:txEl>
-                                              <p:pRg st="2" end="2"/>
-                                            </p:txEl>
-                                          </p:spTgt>
-                                        </p:tgtEl>
-                                        <p:attrNameLst>
-                                          <p:attrName>style.visibility</p:attrName>
-                                        </p:attrNameLst>
-                                      </p:cBhvr>
-                                      <p:to>
-                                        <p:strVal val="visible"/>
-                                      </p:to>
-                                    </p:set>
-                                    <p:animEffect transition="in" filter="fade">
-                                      <p:cBhvr>
-                                        <p:cTn id="89" dur="500"/>
-                                        <p:tgtEl>
-                                          <p:spTgt spid="5">
-                                            <p:txEl>
-                                              <p:pRg st="2" end="2"/>
-                                            </p:txEl>
-                                          </p:spTgt>
-                                        </p:tgtEl>
-                                      </p:cBhvr>
-                                    </p:animEffect>
-                                  </p:childTnLst>
-                                </p:cTn>
-                              </p:par>
-                              <p:par>
-                                <p:cTn id="90" presetID="10" presetClass="entr" presetSubtype="0" fill="hold" nodeType="withEffect">
-                                  <p:stCondLst>
-                                    <p:cond delay="0"/>
-                                  </p:stCondLst>
-                                  <p:childTnLst>
-                                    <p:set>
-                                      <p:cBhvr>
-                                        <p:cTn id="91" dur="1" fill="hold">
-                                          <p:stCondLst>
-                                            <p:cond delay="0"/>
-                                          </p:stCondLst>
-                                        </p:cTn>
-                                        <p:tgtEl>
-                                          <p:spTgt spid="5">
-                                            <p:txEl>
-                                              <p:pRg st="3" end="3"/>
-                                            </p:txEl>
-                                          </p:spTgt>
-                                        </p:tgtEl>
-                                        <p:attrNameLst>
-                                          <p:attrName>style.visibility</p:attrName>
-                                        </p:attrNameLst>
-                                      </p:cBhvr>
-                                      <p:to>
-                                        <p:strVal val="visible"/>
-                                      </p:to>
-                                    </p:set>
-                                    <p:animEffect transition="in" filter="fade">
-                                      <p:cBhvr>
-                                        <p:cTn id="92" dur="500"/>
-                                        <p:tgtEl>
-                                          <p:spTgt spid="5">
-                                            <p:txEl>
-                                              <p:pRg st="3" end="3"/>
-                                            </p:txEl>
-                                          </p:spTgt>
-                                        </p:tgtEl>
-                                      </p:cBhvr>
-                                    </p:animEffect>
-                                  </p:childTnLst>
-                                </p:cTn>
-                              </p:par>
-                              <p:par>
-                                <p:cTn id="93" presetID="10" presetClass="entr" presetSubtype="0" fill="hold" nodeType="withEffect">
-                                  <p:stCondLst>
-                                    <p:cond delay="0"/>
-                                  </p:stCondLst>
-                                  <p:childTnLst>
-                                    <p:set>
-                                      <p:cBhvr>
-                                        <p:cTn id="94" dur="1" fill="hold">
-                                          <p:stCondLst>
-                                            <p:cond delay="0"/>
-                                          </p:stCondLst>
-                                        </p:cTn>
-                                        <p:tgtEl>
-                                          <p:spTgt spid="5">
-                                            <p:txEl>
-                                              <p:pRg st="4" end="4"/>
-                                            </p:txEl>
-                                          </p:spTgt>
-                                        </p:tgtEl>
-                                        <p:attrNameLst>
-                                          <p:attrName>style.visibility</p:attrName>
-                                        </p:attrNameLst>
-                                      </p:cBhvr>
-                                      <p:to>
-                                        <p:strVal val="visible"/>
-                                      </p:to>
-                                    </p:set>
-                                    <p:animEffect transition="in" filter="fade">
-                                      <p:cBhvr>
-                                        <p:cTn id="95" dur="500"/>
-                                        <p:tgtEl>
-                                          <p:spTgt spid="5">
-                                            <p:txEl>
-                                              <p:pRg st="4" end="4"/>
-                                            </p:txEl>
-                                          </p:spTgt>
-                                        </p:tgtEl>
-                                      </p:cBhvr>
-                                    </p:animEffect>
-                                  </p:childTnLst>
-                                </p:cTn>
-                              </p:par>
-                              <p:par>
-                                <p:cTn id="96" presetID="10" presetClass="entr" presetSubtype="0" fill="hold" nodeType="withEffect">
-                                  <p:stCondLst>
-                                    <p:cond delay="0"/>
-                                  </p:stCondLst>
-                                  <p:childTnLst>
-                                    <p:set>
-                                      <p:cBhvr>
-                                        <p:cTn id="97" dur="1" fill="hold">
-                                          <p:stCondLst>
-                                            <p:cond delay="0"/>
-                                          </p:stCondLst>
-                                        </p:cTn>
-                                        <p:tgtEl>
-                                          <p:spTgt spid="5">
-                                            <p:txEl>
-                                              <p:pRg st="5" end="5"/>
-                                            </p:txEl>
-                                          </p:spTgt>
-                                        </p:tgtEl>
-                                        <p:attrNameLst>
-                                          <p:attrName>style.visibility</p:attrName>
-                                        </p:attrNameLst>
-                                      </p:cBhvr>
-                                      <p:to>
-                                        <p:strVal val="visible"/>
-                                      </p:to>
-                                    </p:set>
-                                    <p:animEffect transition="in" filter="fade">
-                                      <p:cBhvr>
-                                        <p:cTn id="98" dur="500"/>
-                                        <p:tgtEl>
-                                          <p:spTgt spid="5">
-                                            <p:txEl>
-                                              <p:pRg st="5" end="5"/>
-                                            </p:txEl>
-                                          </p:spTgt>
-                                        </p:tgtEl>
-                                      </p:cBhvr>
-                                    </p:animEffect>
-                                  </p:childTnLst>
-                                </p:cTn>
-                              </p:par>
-                              <p:par>
-                                <p:cTn id="99" presetID="10" presetClass="entr" presetSubtype="0" fill="hold" nodeType="withEffect">
-                                  <p:stCondLst>
-                                    <p:cond delay="0"/>
-                                  </p:stCondLst>
-                                  <p:childTnLst>
-                                    <p:set>
-                                      <p:cBhvr>
-                                        <p:cTn id="100" dur="1" fill="hold">
-                                          <p:stCondLst>
-                                            <p:cond delay="0"/>
-                                          </p:stCondLst>
-                                        </p:cTn>
-                                        <p:tgtEl>
-                                          <p:spTgt spid="5">
-                                            <p:txEl>
-                                              <p:pRg st="6" end="6"/>
-                                            </p:txEl>
-                                          </p:spTgt>
-                                        </p:tgtEl>
-                                        <p:attrNameLst>
-                                          <p:attrName>style.visibility</p:attrName>
-                                        </p:attrNameLst>
-                                      </p:cBhvr>
-                                      <p:to>
-                                        <p:strVal val="visible"/>
-                                      </p:to>
-                                    </p:set>
-                                    <p:animEffect transition="in" filter="fade">
-                                      <p:cBhvr>
-                                        <p:cTn id="101" dur="500"/>
-                                        <p:tgtEl>
-                                          <p:spTgt spid="5">
-                                            <p:txEl>
-                                              <p:pRg st="6" end="6"/>
-                                            </p:txEl>
-                                          </p:spTgt>
-                                        </p:tgtEl>
-                                      </p:cBhvr>
-                                    </p:animEffect>
-                                  </p:childTnLst>
-                                </p:cTn>
-                              </p:par>
-                              <p:par>
-                                <p:cTn id="102" presetID="10" presetClass="entr" presetSubtype="0" fill="hold" nodeType="withEffect">
-                                  <p:stCondLst>
-                                    <p:cond delay="0"/>
-                                  </p:stCondLst>
-                                  <p:childTnLst>
-                                    <p:set>
-                                      <p:cBhvr>
-                                        <p:cTn id="103" dur="1" fill="hold">
-                                          <p:stCondLst>
-                                            <p:cond delay="0"/>
-                                          </p:stCondLst>
-                                        </p:cTn>
-                                        <p:tgtEl>
-                                          <p:spTgt spid="5">
-                                            <p:txEl>
-                                              <p:pRg st="7" end="7"/>
-                                            </p:txEl>
-                                          </p:spTgt>
-                                        </p:tgtEl>
-                                        <p:attrNameLst>
-                                          <p:attrName>style.visibility</p:attrName>
-                                        </p:attrNameLst>
-                                      </p:cBhvr>
-                                      <p:to>
-                                        <p:strVal val="visible"/>
-                                      </p:to>
-                                    </p:set>
-                                    <p:animEffect transition="in" filter="fade">
-                                      <p:cBhvr>
-                                        <p:cTn id="104" dur="500"/>
-                                        <p:tgtEl>
-                                          <p:spTgt spid="5">
-                                            <p:txEl>
-                                              <p:pRg st="7" end="7"/>
-                                            </p:txEl>
-                                          </p:spTgt>
-                                        </p:tgtEl>
-                                      </p:cBhvr>
-                                    </p:animEffect>
-                                  </p:childTnLst>
-                                </p:cTn>
-                              </p:par>
-                              <p:par>
-                                <p:cTn id="105" presetID="10" presetClass="entr" presetSubtype="0" fill="hold" nodeType="withEffect">
-                                  <p:stCondLst>
-                                    <p:cond delay="0"/>
-                                  </p:stCondLst>
-                                  <p:childTnLst>
-                                    <p:set>
-                                      <p:cBhvr>
-                                        <p:cTn id="106" dur="1" fill="hold">
-                                          <p:stCondLst>
-                                            <p:cond delay="0"/>
-                                          </p:stCondLst>
-                                        </p:cTn>
-                                        <p:tgtEl>
-                                          <p:spTgt spid="5">
-                                            <p:txEl>
-                                              <p:pRg st="8" end="8"/>
-                                            </p:txEl>
-                                          </p:spTgt>
-                                        </p:tgtEl>
-                                        <p:attrNameLst>
-                                          <p:attrName>style.visibility</p:attrName>
-                                        </p:attrNameLst>
-                                      </p:cBhvr>
-                                      <p:to>
-                                        <p:strVal val="visible"/>
-                                      </p:to>
-                                    </p:set>
-                                    <p:animEffect transition="in" filter="fade">
-                                      <p:cBhvr>
-                                        <p:cTn id="107" dur="500"/>
-                                        <p:tgtEl>
-                                          <p:spTgt spid="5">
-                                            <p:txEl>
-                                              <p:pRg st="8" end="8"/>
-                                            </p:txEl>
-                                          </p:spTgt>
-                                        </p:tgtEl>
-                                      </p:cBhvr>
-                                    </p:animEffect>
-                                  </p:childTnLst>
-                                </p:cTn>
-                              </p:par>
-                              <p:par>
-                                <p:cTn id="108" presetID="10" presetClass="entr" presetSubtype="0" fill="hold" nodeType="withEffect">
-                                  <p:stCondLst>
-                                    <p:cond delay="0"/>
-                                  </p:stCondLst>
-                                  <p:childTnLst>
-                                    <p:set>
-                                      <p:cBhvr>
-                                        <p:cTn id="109" dur="1" fill="hold">
-                                          <p:stCondLst>
-                                            <p:cond delay="0"/>
-                                          </p:stCondLst>
-                                        </p:cTn>
-                                        <p:tgtEl>
-                                          <p:spTgt spid="5">
-                                            <p:txEl>
-                                              <p:pRg st="9" end="9"/>
-                                            </p:txEl>
-                                          </p:spTgt>
-                                        </p:tgtEl>
-                                        <p:attrNameLst>
-                                          <p:attrName>style.visibility</p:attrName>
-                                        </p:attrNameLst>
-                                      </p:cBhvr>
-                                      <p:to>
-                                        <p:strVal val="visible"/>
-                                      </p:to>
-                                    </p:set>
-                                    <p:animEffect transition="in" filter="fade">
-                                      <p:cBhvr>
-                                        <p:cTn id="110" dur="500"/>
-                                        <p:tgtEl>
-                                          <p:spTgt spid="5">
-                                            <p:txEl>
-                                              <p:pRg st="9" end="9"/>
-                                            </p:txEl>
-                                          </p:spTgt>
-                                        </p:tgtEl>
-                                      </p:cBhvr>
-                                    </p:animEffect>
-                                  </p:childTnLst>
-                                </p:cTn>
-                              </p:par>
-                              <p:par>
-                                <p:cTn id="111" presetID="10" presetClass="entr" presetSubtype="0" fill="hold" nodeType="withEffect">
-                                  <p:stCondLst>
-                                    <p:cond delay="0"/>
-                                  </p:stCondLst>
-                                  <p:childTnLst>
-                                    <p:set>
-                                      <p:cBhvr>
-                                        <p:cTn id="112" dur="1" fill="hold">
-                                          <p:stCondLst>
-                                            <p:cond delay="0"/>
-                                          </p:stCondLst>
-                                        </p:cTn>
-                                        <p:tgtEl>
-                                          <p:spTgt spid="5">
-                                            <p:txEl>
-                                              <p:pRg st="10" end="10"/>
-                                            </p:txEl>
-                                          </p:spTgt>
-                                        </p:tgtEl>
-                                        <p:attrNameLst>
-                                          <p:attrName>style.visibility</p:attrName>
-                                        </p:attrNameLst>
-                                      </p:cBhvr>
-                                      <p:to>
-                                        <p:strVal val="visible"/>
-                                      </p:to>
-                                    </p:set>
-                                    <p:animEffect transition="in" filter="fade">
-                                      <p:cBhvr>
-                                        <p:cTn id="113" dur="500"/>
-                                        <p:tgtEl>
-                                          <p:spTgt spid="5">
-                                            <p:txEl>
-                                              <p:pRg st="10" end="10"/>
-                                            </p:txEl>
-                                          </p:spTgt>
-                                        </p:tgtEl>
-                                      </p:cBhvr>
-                                    </p:animEffect>
-                                  </p:childTnLst>
-                                </p:cTn>
-                              </p:par>
-                              <p:par>
-                                <p:cTn id="114" presetID="10" presetClass="entr" presetSubtype="0" fill="hold" nodeType="withEffect">
-                                  <p:stCondLst>
-                                    <p:cond delay="0"/>
-                                  </p:stCondLst>
-                                  <p:childTnLst>
-                                    <p:set>
-                                      <p:cBhvr>
-                                        <p:cTn id="115" dur="1" fill="hold">
-                                          <p:stCondLst>
-                                            <p:cond delay="0"/>
-                                          </p:stCondLst>
-                                        </p:cTn>
-                                        <p:tgtEl>
-                                          <p:spTgt spid="5">
-                                            <p:txEl>
-                                              <p:pRg st="11" end="11"/>
-                                            </p:txEl>
-                                          </p:spTgt>
-                                        </p:tgtEl>
-                                        <p:attrNameLst>
-                                          <p:attrName>style.visibility</p:attrName>
-                                        </p:attrNameLst>
-                                      </p:cBhvr>
-                                      <p:to>
-                                        <p:strVal val="visible"/>
-                                      </p:to>
-                                    </p:set>
-                                    <p:animEffect transition="in" filter="fade">
-                                      <p:cBhvr>
-                                        <p:cTn id="116" dur="500"/>
-                                        <p:tgtEl>
-                                          <p:spTgt spid="5">
-                                            <p:txEl>
-                                              <p:pRg st="11" end="11"/>
-                                            </p:txEl>
-                                          </p:spTgt>
-                                        </p:tgtEl>
-                                      </p:cBhvr>
-                                    </p:animEffect>
-                                  </p:childTnLst>
-                                </p:cTn>
-                              </p:par>
-                              <p:par>
-                                <p:cTn id="117" presetID="10" presetClass="entr" presetSubtype="0" fill="hold" nodeType="withEffect">
-                                  <p:stCondLst>
-                                    <p:cond delay="0"/>
-                                  </p:stCondLst>
-                                  <p:childTnLst>
-                                    <p:set>
-                                      <p:cBhvr>
-                                        <p:cTn id="118" dur="1" fill="hold">
-                                          <p:stCondLst>
-                                            <p:cond delay="0"/>
-                                          </p:stCondLst>
-                                        </p:cTn>
-                                        <p:tgtEl>
-                                          <p:spTgt spid="5">
-                                            <p:txEl>
-                                              <p:pRg st="13" end="13"/>
-                                            </p:txEl>
-                                          </p:spTgt>
-                                        </p:tgtEl>
-                                        <p:attrNameLst>
-                                          <p:attrName>style.visibility</p:attrName>
-                                        </p:attrNameLst>
-                                      </p:cBhvr>
-                                      <p:to>
-                                        <p:strVal val="visible"/>
-                                      </p:to>
-                                    </p:set>
-                                    <p:animEffect transition="in" filter="fade">
-                                      <p:cBhvr>
-                                        <p:cTn id="119" dur="500"/>
-                                        <p:tgtEl>
-                                          <p:spTgt spid="5">
-                                            <p:txEl>
-                                              <p:pRg st="13" end="13"/>
-                                            </p:txEl>
-                                          </p:spTgt>
-                                        </p:tgtEl>
-                                      </p:cBhvr>
-                                    </p:animEffect>
-                                  </p:childTnLst>
-                                </p:cTn>
-                              </p:par>
-                              <p:par>
-                                <p:cTn id="120" presetID="10" presetClass="entr" presetSubtype="0" fill="hold" nodeType="withEffect">
-                                  <p:stCondLst>
-                                    <p:cond delay="0"/>
-                                  </p:stCondLst>
-                                  <p:childTnLst>
-                                    <p:set>
-                                      <p:cBhvr>
-                                        <p:cTn id="121" dur="1" fill="hold">
-                                          <p:stCondLst>
-                                            <p:cond delay="0"/>
-                                          </p:stCondLst>
-                                        </p:cTn>
-                                        <p:tgtEl>
-                                          <p:spTgt spid="5">
-                                            <p:txEl>
-                                              <p:pRg st="14" end="14"/>
-                                            </p:txEl>
-                                          </p:spTgt>
-                                        </p:tgtEl>
-                                        <p:attrNameLst>
-                                          <p:attrName>style.visibility</p:attrName>
-                                        </p:attrNameLst>
-                                      </p:cBhvr>
-                                      <p:to>
-                                        <p:strVal val="visible"/>
-                                      </p:to>
-                                    </p:set>
-                                    <p:animEffect transition="in" filter="fade">
-                                      <p:cBhvr>
-                                        <p:cTn id="122" dur="500"/>
-                                        <p:tgtEl>
-                                          <p:spTgt spid="5">
-                                            <p:txEl>
-                                              <p:pRg st="14" end="14"/>
-                                            </p:txEl>
-                                          </p:spTgt>
-                                        </p:tgtEl>
-                                      </p:cBhvr>
-                                    </p:animEffect>
-                                  </p:childTnLst>
-                                </p:cTn>
-                              </p:par>
-                              <p:par>
-                                <p:cTn id="123" presetID="10" presetClass="entr" presetSubtype="0" fill="hold" nodeType="withEffect">
-                                  <p:stCondLst>
-                                    <p:cond delay="0"/>
-                                  </p:stCondLst>
-                                  <p:childTnLst>
-                                    <p:set>
-                                      <p:cBhvr>
-                                        <p:cTn id="124" dur="1" fill="hold">
-                                          <p:stCondLst>
-                                            <p:cond delay="0"/>
-                                          </p:stCondLst>
-                                        </p:cTn>
-                                        <p:tgtEl>
-                                          <p:spTgt spid="5">
-                                            <p:txEl>
-                                              <p:pRg st="15" end="15"/>
-                                            </p:txEl>
-                                          </p:spTgt>
-                                        </p:tgtEl>
-                                        <p:attrNameLst>
-                                          <p:attrName>style.visibility</p:attrName>
-                                        </p:attrNameLst>
-                                      </p:cBhvr>
-                                      <p:to>
-                                        <p:strVal val="visible"/>
-                                      </p:to>
-                                    </p:set>
-                                    <p:animEffect transition="in" filter="fade">
-                                      <p:cBhvr>
-                                        <p:cTn id="125" dur="500"/>
-                                        <p:tgtEl>
-                                          <p:spTgt spid="5">
-                                            <p:txEl>
-                                              <p:pRg st="15" end="15"/>
-                                            </p:txEl>
-                                          </p:spTgt>
-                                        </p:tgtEl>
-                                      </p:cBhvr>
-                                    </p:animEffect>
-                                  </p:childTnLst>
-                                </p:cTn>
-                              </p:par>
-                              <p:par>
-                                <p:cTn id="126" presetID="10" presetClass="entr" presetSubtype="0" fill="hold" nodeType="withEffect">
-                                  <p:stCondLst>
-                                    <p:cond delay="0"/>
-                                  </p:stCondLst>
-                                  <p:childTnLst>
-                                    <p:set>
-                                      <p:cBhvr>
-                                        <p:cTn id="127" dur="1" fill="hold">
-                                          <p:stCondLst>
-                                            <p:cond delay="0"/>
-                                          </p:stCondLst>
-                                        </p:cTn>
-                                        <p:tgtEl>
-                                          <p:spTgt spid="5">
-                                            <p:txEl>
-                                              <p:pRg st="16" end="16"/>
-                                            </p:txEl>
-                                          </p:spTgt>
-                                        </p:tgtEl>
-                                        <p:attrNameLst>
-                                          <p:attrName>style.visibility</p:attrName>
-                                        </p:attrNameLst>
-                                      </p:cBhvr>
-                                      <p:to>
-                                        <p:strVal val="visible"/>
-                                      </p:to>
-                                    </p:set>
-                                    <p:animEffect transition="in" filter="fade">
-                                      <p:cBhvr>
-                                        <p:cTn id="128" dur="500"/>
-                                        <p:tgtEl>
-                                          <p:spTgt spid="5">
-                                            <p:txEl>
-                                              <p:pRg st="16" end="16"/>
-                                            </p:txEl>
-                                          </p:spTgt>
-                                        </p:tgtEl>
-                                      </p:cBhvr>
-                                    </p:animEffect>
-                                  </p:childTnLst>
-                                </p:cTn>
-                              </p:par>
-                              <p:par>
-                                <p:cTn id="129" presetID="10" presetClass="entr" presetSubtype="0" fill="hold" nodeType="withEffect">
-                                  <p:stCondLst>
-                                    <p:cond delay="0"/>
-                                  </p:stCondLst>
-                                  <p:childTnLst>
-                                    <p:set>
-                                      <p:cBhvr>
-                                        <p:cTn id="130" dur="1" fill="hold">
-                                          <p:stCondLst>
-                                            <p:cond delay="0"/>
-                                          </p:stCondLst>
-                                        </p:cTn>
-                                        <p:tgtEl>
-                                          <p:spTgt spid="5">
-                                            <p:txEl>
-                                              <p:pRg st="17" end="17"/>
-                                            </p:txEl>
-                                          </p:spTgt>
-                                        </p:tgtEl>
-                                        <p:attrNameLst>
-                                          <p:attrName>style.visibility</p:attrName>
-                                        </p:attrNameLst>
-                                      </p:cBhvr>
-                                      <p:to>
-                                        <p:strVal val="visible"/>
-                                      </p:to>
-                                    </p:set>
-                                    <p:animEffect transition="in" filter="fade">
-                                      <p:cBhvr>
-                                        <p:cTn id="131" dur="500"/>
-                                        <p:tgtEl>
-                                          <p:spTgt spid="5">
-                                            <p:txEl>
-                                              <p:pRg st="17" end="17"/>
-                                            </p:txEl>
-                                          </p:spTgt>
-                                        </p:tgtEl>
-                                      </p:cBhvr>
-                                    </p:animEffect>
-                                  </p:childTnLst>
-                                </p:cTn>
-                              </p:par>
-                              <p:par>
-                                <p:cTn id="132" presetID="10" presetClass="entr" presetSubtype="0" fill="hold" nodeType="withEffect">
-                                  <p:stCondLst>
-                                    <p:cond delay="0"/>
-                                  </p:stCondLst>
-                                  <p:childTnLst>
-                                    <p:set>
-                                      <p:cBhvr>
-                                        <p:cTn id="133" dur="1" fill="hold">
-                                          <p:stCondLst>
-                                            <p:cond delay="0"/>
-                                          </p:stCondLst>
-                                        </p:cTn>
-                                        <p:tgtEl>
-                                          <p:spTgt spid="5">
-                                            <p:txEl>
-                                              <p:pRg st="18" end="18"/>
-                                            </p:txEl>
-                                          </p:spTgt>
-                                        </p:tgtEl>
-                                        <p:attrNameLst>
-                                          <p:attrName>style.visibility</p:attrName>
-                                        </p:attrNameLst>
-                                      </p:cBhvr>
-                                      <p:to>
-                                        <p:strVal val="visible"/>
-                                      </p:to>
-                                    </p:set>
-                                    <p:animEffect transition="in" filter="fade">
-                                      <p:cBhvr>
-                                        <p:cTn id="134" dur="500"/>
-                                        <p:tgtEl>
-                                          <p:spTgt spid="5">
-                                            <p:txEl>
-                                              <p:pRg st="18" end="18"/>
-                                            </p:txEl>
-                                          </p:spTgt>
-                                        </p:tgtEl>
-                                      </p:cBhvr>
-                                    </p:animEffect>
-                                  </p:childTnLst>
-                                </p:cTn>
-                              </p:par>
-                              <p:par>
-                                <p:cTn id="135" presetID="10" presetClass="entr" presetSubtype="0" fill="hold" nodeType="withEffect">
-                                  <p:stCondLst>
-                                    <p:cond delay="0"/>
-                                  </p:stCondLst>
-                                  <p:childTnLst>
-                                    <p:set>
-                                      <p:cBhvr>
-                                        <p:cTn id="136" dur="1" fill="hold">
-                                          <p:stCondLst>
-                                            <p:cond delay="0"/>
-                                          </p:stCondLst>
-                                        </p:cTn>
-                                        <p:tgtEl>
-                                          <p:spTgt spid="5">
-                                            <p:txEl>
-                                              <p:pRg st="19" end="19"/>
-                                            </p:txEl>
-                                          </p:spTgt>
-                                        </p:tgtEl>
-                                        <p:attrNameLst>
-                                          <p:attrName>style.visibility</p:attrName>
-                                        </p:attrNameLst>
-                                      </p:cBhvr>
-                                      <p:to>
-                                        <p:strVal val="visible"/>
-                                      </p:to>
-                                    </p:set>
-                                    <p:animEffect transition="in" filter="fade">
-                                      <p:cBhvr>
-                                        <p:cTn id="137" dur="500"/>
-                                        <p:tgtEl>
-                                          <p:spTgt spid="5">
-                                            <p:txEl>
-                                              <p:pRg st="19" end="19"/>
-                                            </p:txEl>
-                                          </p:spTgt>
-                                        </p:tgtEl>
-                                      </p:cBhvr>
-                                    </p:animEffect>
-                                  </p:childTnLst>
-                                </p:cTn>
-                              </p:par>
-                            </p:childTnLst>
-                          </p:cTn>
-                        </p:par>
-                      </p:childTnLst>
-                    </p:cTn>
-                  </p:par>
-                </p:childTnLst>
-              </p:cTn>
-              <p:prevCondLst>
-                <p:cond evt="onPrev" delay="0">
-                  <p:tgtEl>
-                    <p:sldTgt/>
-                  </p:tgtEl>
-                </p:cond>
-              </p:prevCondLst>
-              <p:nextCondLst>
-                <p:cond evt="onNext" delay="0">
-                  <p:tgtEl>
-                    <p:sldTgt/>
-                  </p:tgtEl>
-                </p:cond>
-              </p:nextCondLst>
-            </p:seq>
-          </p:childTnLst>
-        </p:cTn>
-      </p:par>
-    </p:tnLst>
-  </p:timing>
 </p:sld>
 </file>
 

--- a/lectures/15.builder/builder.pptx
+++ b/lectures/15.builder/builder.pptx
@@ -226,7 +226,7 @@
           <a:p>
             <a:fld id="{2F3DCB6D-0B48-4A3D-B663-06C3F903A9D3}" type="datetimeFigureOut">
               <a:rPr lang="ru-RU" smtClean="0"/>
-              <a:t>08.12.2023</a:t>
+              <a:t>12.12.2023</a:t>
             </a:fld>
             <a:endParaRPr lang="ru-RU"/>
           </a:p>
@@ -2141,7 +2141,7 @@
           <a:p>
             <a:fld id="{2590F9C9-AB92-4E86-B698-DEC9BF4350FF}" type="datetimeFigureOut">
               <a:rPr lang="ru-RU" smtClean="0"/>
-              <a:t>08.12.2023</a:t>
+              <a:t>12.12.2023</a:t>
             </a:fld>
             <a:endParaRPr lang="ru-RU"/>
           </a:p>
@@ -2358,7 +2358,7 @@
           <a:p>
             <a:fld id="{2590F9C9-AB92-4E86-B698-DEC9BF4350FF}" type="datetimeFigureOut">
               <a:rPr lang="ru-RU" smtClean="0"/>
-              <a:t>08.12.2023</a:t>
+              <a:t>12.12.2023</a:t>
             </a:fld>
             <a:endParaRPr lang="ru-RU"/>
           </a:p>
@@ -2630,7 +2630,7 @@
           <a:p>
             <a:fld id="{2590F9C9-AB92-4E86-B698-DEC9BF4350FF}" type="datetimeFigureOut">
               <a:rPr lang="ru-RU" smtClean="0"/>
-              <a:t>08.12.2023</a:t>
+              <a:t>12.12.2023</a:t>
             </a:fld>
             <a:endParaRPr lang="ru-RU"/>
           </a:p>
@@ -2805,7 +2805,7 @@
           <a:p>
             <a:fld id="{2590F9C9-AB92-4E86-B698-DEC9BF4350FF}" type="datetimeFigureOut">
               <a:rPr lang="ru-RU" smtClean="0"/>
-              <a:t>08.12.2023</a:t>
+              <a:t>12.12.2023</a:t>
             </a:fld>
             <a:endParaRPr lang="ru-RU"/>
           </a:p>
@@ -3159,7 +3159,7 @@
           <a:p>
             <a:fld id="{2590F9C9-AB92-4E86-B698-DEC9BF4350FF}" type="datetimeFigureOut">
               <a:rPr lang="ru-RU" smtClean="0"/>
-              <a:t>08.12.2023</a:t>
+              <a:t>12.12.2023</a:t>
             </a:fld>
             <a:endParaRPr lang="ru-RU"/>
           </a:p>
@@ -3444,7 +3444,7 @@
           <a:p>
             <a:fld id="{2590F9C9-AB92-4E86-B698-DEC9BF4350FF}" type="datetimeFigureOut">
               <a:rPr lang="ru-RU" smtClean="0"/>
-              <a:t>08.12.2023</a:t>
+              <a:t>12.12.2023</a:t>
             </a:fld>
             <a:endParaRPr lang="ru-RU"/>
           </a:p>
@@ -3866,7 +3866,7 @@
           <a:p>
             <a:fld id="{2590F9C9-AB92-4E86-B698-DEC9BF4350FF}" type="datetimeFigureOut">
               <a:rPr lang="ru-RU" smtClean="0"/>
-              <a:t>08.12.2023</a:t>
+              <a:t>12.12.2023</a:t>
             </a:fld>
             <a:endParaRPr lang="ru-RU"/>
           </a:p>
@@ -3979,7 +3979,7 @@
           <a:p>
             <a:fld id="{2590F9C9-AB92-4E86-B698-DEC9BF4350FF}" type="datetimeFigureOut">
               <a:rPr lang="ru-RU" smtClean="0"/>
-              <a:t>08.12.2023</a:t>
+              <a:t>12.12.2023</a:t>
             </a:fld>
             <a:endParaRPr lang="ru-RU"/>
           </a:p>
@@ -4069,7 +4069,7 @@
           <a:p>
             <a:fld id="{2590F9C9-AB92-4E86-B698-DEC9BF4350FF}" type="datetimeFigureOut">
               <a:rPr lang="ru-RU" smtClean="0"/>
-              <a:t>08.12.2023</a:t>
+              <a:t>12.12.2023</a:t>
             </a:fld>
             <a:endParaRPr lang="ru-RU"/>
           </a:p>
@@ -4347,7 +4347,7 @@
           <a:p>
             <a:fld id="{2590F9C9-AB92-4E86-B698-DEC9BF4350FF}" type="datetimeFigureOut">
               <a:rPr lang="ru-RU" smtClean="0"/>
-              <a:t>08.12.2023</a:t>
+              <a:t>12.12.2023</a:t>
             </a:fld>
             <a:endParaRPr lang="ru-RU"/>
           </a:p>
@@ -4709,7 +4709,7 @@
           <a:p>
             <a:fld id="{2590F9C9-AB92-4E86-B698-DEC9BF4350FF}" type="datetimeFigureOut">
               <a:rPr lang="ru-RU" smtClean="0"/>
-              <a:t>08.12.2023</a:t>
+              <a:t>12.12.2023</a:t>
             </a:fld>
             <a:endParaRPr lang="ru-RU"/>
           </a:p>
@@ -5134,7 +5134,7 @@
           <a:p>
             <a:fld id="{2590F9C9-AB92-4E86-B698-DEC9BF4350FF}" type="datetimeFigureOut">
               <a:rPr lang="ru-RU" smtClean="0"/>
-              <a:t>08.12.2023</a:t>
+              <a:t>12.12.2023</a:t>
             </a:fld>
             <a:endParaRPr lang="ru-RU"/>
           </a:p>
@@ -5540,6 +5540,42 @@
           <a:chExt cx="0" cy="0"/>
         </a:xfrm>
       </p:grpSpPr>
+      <p:pic>
+        <p:nvPicPr>
+          <p:cNvPr id="7" name="Рисунок 6">
+            <a:extLst>
+              <a:ext uri="{FF2B5EF4-FFF2-40B4-BE49-F238E27FC236}">
+                <a16:creationId xmlns:a16="http://schemas.microsoft.com/office/drawing/2014/main" id="{2E544C0E-A7C8-4893-AA76-67B64E79BA14}"/>
+              </a:ext>
+            </a:extLst>
+          </p:cNvPr>
+          <p:cNvPicPr>
+            <a:picLocks noChangeAspect="1"/>
+          </p:cNvPicPr>
+          <p:nvPr/>
+        </p:nvPicPr>
+        <p:blipFill>
+          <a:blip r:embed="rId3">
+            <a:extLst>
+              <a:ext uri="{28A0092B-C50C-407E-A947-70E740481C1C}">
+                <a14:useLocalDpi xmlns:a14="http://schemas.microsoft.com/office/drawing/2010/main" val="0"/>
+              </a:ext>
+            </a:extLst>
+          </a:blip>
+          <a:stretch>
+            <a:fillRect/>
+          </a:stretch>
+        </p:blipFill>
+        <p:spPr>
+          <a:xfrm>
+            <a:off x="0" y="816428"/>
+            <a:ext cx="9144000" cy="5225143"/>
+          </a:xfrm>
+          <a:prstGeom prst="rect">
+            <a:avLst/>
+          </a:prstGeom>
+        </p:spPr>
+      </p:pic>
       <p:sp>
         <p:nvSpPr>
           <p:cNvPr id="2" name="Заголовок 1"/>
@@ -5580,13 +5616,8 @@
           <a:p>
             <a:r>
               <a:rPr lang="ru-RU" dirty="0"/>
-              <a:t>Лекция 1</a:t>
-            </a:r>
-            <a:r>
-              <a:rPr lang="en-US" dirty="0"/>
-              <a:t>5</a:t>
-            </a:r>
-            <a:endParaRPr lang="ru-RU" dirty="0"/>
+              <a:t>Паттерн проектирования</a:t>
+            </a:r>
           </a:p>
         </p:txBody>
       </p:sp>

--- a/lectures/15.builder/builder.pptx
+++ b/lectures/15.builder/builder.pptx
@@ -12429,10 +12429,10 @@
           </a:xfrm>
           <a:prstGeom prst="borderCallout1">
             <a:avLst>
-              <a:gd name="adj1" fmla="val -9848"/>
-              <a:gd name="adj2" fmla="val 50085"/>
-              <a:gd name="adj3" fmla="val -77528"/>
-              <a:gd name="adj4" fmla="val 55839"/>
+              <a:gd name="adj1" fmla="val -6480"/>
+              <a:gd name="adj2" fmla="val 69641"/>
+              <a:gd name="adj3" fmla="val -121313"/>
+              <a:gd name="adj4" fmla="val 91659"/>
             </a:avLst>
           </a:prstGeom>
           <a:ln w="28575"/>

--- a/lectures/15.builder/builder.pptx
+++ b/lectures/15.builder/builder.pptx
@@ -5,31 +5,33 @@
     <p:sldMasterId id="2147483684" r:id="rId1"/>
   </p:sldMasterIdLst>
   <p:notesMasterIdLst>
-    <p:notesMasterId r:id="rId19"/>
+    <p:notesMasterId r:id="rId21"/>
   </p:notesMasterIdLst>
   <p:sldIdLst>
     <p:sldId id="320" r:id="rId2"/>
-    <p:sldId id="321" r:id="rId3"/>
-    <p:sldId id="322" r:id="rId4"/>
-    <p:sldId id="260" r:id="rId5"/>
-    <p:sldId id="258" r:id="rId6"/>
-    <p:sldId id="261" r:id="rId7"/>
-    <p:sldId id="270" r:id="rId8"/>
-    <p:sldId id="323" r:id="rId9"/>
-    <p:sldId id="262" r:id="rId10"/>
-    <p:sldId id="268" r:id="rId11"/>
-    <p:sldId id="271" r:id="rId12"/>
-    <p:sldId id="272" r:id="rId13"/>
-    <p:sldId id="263" r:id="rId14"/>
-    <p:sldId id="264" r:id="rId15"/>
-    <p:sldId id="265" r:id="rId16"/>
-    <p:sldId id="266" r:id="rId17"/>
-    <p:sldId id="267" r:id="rId18"/>
+    <p:sldId id="324" r:id="rId3"/>
+    <p:sldId id="325" r:id="rId4"/>
+    <p:sldId id="321" r:id="rId5"/>
+    <p:sldId id="322" r:id="rId6"/>
+    <p:sldId id="260" r:id="rId7"/>
+    <p:sldId id="258" r:id="rId8"/>
+    <p:sldId id="261" r:id="rId9"/>
+    <p:sldId id="270" r:id="rId10"/>
+    <p:sldId id="323" r:id="rId11"/>
+    <p:sldId id="262" r:id="rId12"/>
+    <p:sldId id="268" r:id="rId13"/>
+    <p:sldId id="271" r:id="rId14"/>
+    <p:sldId id="272" r:id="rId15"/>
+    <p:sldId id="263" r:id="rId16"/>
+    <p:sldId id="264" r:id="rId17"/>
+    <p:sldId id="265" r:id="rId18"/>
+    <p:sldId id="266" r:id="rId19"/>
+    <p:sldId id="267" r:id="rId20"/>
   </p:sldIdLst>
   <p:sldSz cx="12192000" cy="6858000"/>
   <p:notesSz cx="6858000" cy="9144000"/>
   <p:custDataLst>
-    <p:tags r:id="rId20"/>
+    <p:tags r:id="rId22"/>
   </p:custDataLst>
   <p:defaultTextStyle>
     <a:defPPr>
@@ -227,7 +229,7 @@
           <a:p>
             <a:fld id="{2F3DCB6D-0B48-4A3D-B663-06C3F903A9D3}" type="datetimeFigureOut">
               <a:rPr lang="ru-RU" smtClean="0"/>
-              <a:t>13.12.2024</a:t>
+              <a:t>31.01.2025</a:t>
             </a:fld>
             <a:endParaRPr lang="ru-RU"/>
           </a:p>
@@ -567,7 +569,7 @@
             <a:fld id="{2BA51D53-1D63-4A9F-8701-A073A0EC8030}" type="slidenum">
               <a:rPr lang="ru-RU" smtClean="0"/>
               <a:pPr/>
-              <a:t>4</a:t>
+              <a:t>6</a:t>
             </a:fld>
             <a:endParaRPr lang="ru-RU"/>
           </a:p>
@@ -659,7 +661,7 @@
             <a:fld id="{2BA51D53-1D63-4A9F-8701-A073A0EC8030}" type="slidenum">
               <a:rPr lang="ru-RU" smtClean="0"/>
               <a:pPr/>
-              <a:t>15</a:t>
+              <a:t>17</a:t>
             </a:fld>
             <a:endParaRPr lang="ru-RU"/>
           </a:p>
@@ -751,7 +753,7 @@
             <a:fld id="{2BA51D53-1D63-4A9F-8701-A073A0EC8030}" type="slidenum">
               <a:rPr lang="ru-RU" smtClean="0"/>
               <a:pPr/>
-              <a:t>16</a:t>
+              <a:t>18</a:t>
             </a:fld>
             <a:endParaRPr lang="ru-RU"/>
           </a:p>
@@ -843,7 +845,7 @@
             <a:fld id="{2BA51D53-1D63-4A9F-8701-A073A0EC8030}" type="slidenum">
               <a:rPr lang="ru-RU" smtClean="0"/>
               <a:pPr/>
-              <a:t>17</a:t>
+              <a:t>19</a:t>
             </a:fld>
             <a:endParaRPr lang="ru-RU"/>
           </a:p>
@@ -935,7 +937,7 @@
             <a:fld id="{2BA51D53-1D63-4A9F-8701-A073A0EC8030}" type="slidenum">
               <a:rPr lang="ru-RU" smtClean="0"/>
               <a:pPr/>
-              <a:t>5</a:t>
+              <a:t>7</a:t>
             </a:fld>
             <a:endParaRPr lang="ru-RU"/>
           </a:p>
@@ -1027,7 +1029,7 @@
             <a:fld id="{2BA51D53-1D63-4A9F-8701-A073A0EC8030}" type="slidenum">
               <a:rPr lang="ru-RU" smtClean="0"/>
               <a:pPr/>
-              <a:t>6</a:t>
+              <a:t>8</a:t>
             </a:fld>
             <a:endParaRPr lang="ru-RU"/>
           </a:p>
@@ -1119,7 +1121,7 @@
             <a:fld id="{2BA51D53-1D63-4A9F-8701-A073A0EC8030}" type="slidenum">
               <a:rPr lang="ru-RU" smtClean="0"/>
               <a:pPr/>
-              <a:t>9</a:t>
+              <a:t>11</a:t>
             </a:fld>
             <a:endParaRPr lang="ru-RU"/>
           </a:p>
@@ -1208,7 +1210,7 @@
           <a:p>
             <a:fld id="{C72A1285-F988-4153-B7C5-B887A867730D}" type="slidenum">
               <a:rPr lang="ru-RU" smtClean="0"/>
-              <a:t>10</a:t>
+              <a:t>12</a:t>
             </a:fld>
             <a:endParaRPr lang="ru-RU"/>
           </a:p>
@@ -1337,7 +1339,7 @@
           <a:p>
             <a:fld id="{C72A1285-F988-4153-B7C5-B887A867730D}" type="slidenum">
               <a:rPr lang="ru-RU" smtClean="0"/>
-              <a:t>11</a:t>
+              <a:t>13</a:t>
             </a:fld>
             <a:endParaRPr lang="ru-RU"/>
           </a:p>
@@ -1498,7 +1500,7 @@
           <a:p>
             <a:fld id="{C72A1285-F988-4153-B7C5-B887A867730D}" type="slidenum">
               <a:rPr lang="ru-RU" smtClean="0"/>
-              <a:t>12</a:t>
+              <a:t>14</a:t>
             </a:fld>
             <a:endParaRPr lang="ru-RU"/>
           </a:p>
@@ -1590,7 +1592,7 @@
             <a:fld id="{2BA51D53-1D63-4A9F-8701-A073A0EC8030}" type="slidenum">
               <a:rPr lang="ru-RU" smtClean="0"/>
               <a:pPr/>
-              <a:t>13</a:t>
+              <a:t>15</a:t>
             </a:fld>
             <a:endParaRPr lang="ru-RU"/>
           </a:p>
@@ -1682,7 +1684,7 @@
             <a:fld id="{2BA51D53-1D63-4A9F-8701-A073A0EC8030}" type="slidenum">
               <a:rPr lang="ru-RU" smtClean="0"/>
               <a:pPr/>
-              <a:t>14</a:t>
+              <a:t>16</a:t>
             </a:fld>
             <a:endParaRPr lang="ru-RU"/>
           </a:p>
@@ -1850,7 +1852,7 @@
           <a:p>
             <a:fld id="{2590F9C9-AB92-4E86-B698-DEC9BF4350FF}" type="datetimeFigureOut">
               <a:rPr lang="ru-RU" smtClean="0"/>
-              <a:t>13.12.2024</a:t>
+              <a:t>31.01.2025</a:t>
             </a:fld>
             <a:endParaRPr lang="ru-RU"/>
           </a:p>
@@ -2050,7 +2052,7 @@
           <a:p>
             <a:fld id="{2590F9C9-AB92-4E86-B698-DEC9BF4350FF}" type="datetimeFigureOut">
               <a:rPr lang="ru-RU" smtClean="0"/>
-              <a:t>13.12.2024</a:t>
+              <a:t>31.01.2025</a:t>
             </a:fld>
             <a:endParaRPr lang="ru-RU"/>
           </a:p>
@@ -2260,7 +2262,7 @@
           <a:p>
             <a:fld id="{2590F9C9-AB92-4E86-B698-DEC9BF4350FF}" type="datetimeFigureOut">
               <a:rPr lang="ru-RU" smtClean="0"/>
-              <a:t>13.12.2024</a:t>
+              <a:t>31.01.2025</a:t>
             </a:fld>
             <a:endParaRPr lang="ru-RU"/>
           </a:p>
@@ -2460,7 +2462,7 @@
           <a:p>
             <a:fld id="{2590F9C9-AB92-4E86-B698-DEC9BF4350FF}" type="datetimeFigureOut">
               <a:rPr lang="ru-RU" smtClean="0"/>
-              <a:t>13.12.2024</a:t>
+              <a:t>31.01.2025</a:t>
             </a:fld>
             <a:endParaRPr lang="ru-RU"/>
           </a:p>
@@ -2736,7 +2738,7 @@
           <a:p>
             <a:fld id="{2590F9C9-AB92-4E86-B698-DEC9BF4350FF}" type="datetimeFigureOut">
               <a:rPr lang="ru-RU" smtClean="0"/>
-              <a:t>13.12.2024</a:t>
+              <a:t>31.01.2025</a:t>
             </a:fld>
             <a:endParaRPr lang="ru-RU"/>
           </a:p>
@@ -3004,7 +3006,7 @@
           <a:p>
             <a:fld id="{2590F9C9-AB92-4E86-B698-DEC9BF4350FF}" type="datetimeFigureOut">
               <a:rPr lang="ru-RU" smtClean="0"/>
-              <a:t>13.12.2024</a:t>
+              <a:t>31.01.2025</a:t>
             </a:fld>
             <a:endParaRPr lang="ru-RU"/>
           </a:p>
@@ -3419,7 +3421,7 @@
           <a:p>
             <a:fld id="{2590F9C9-AB92-4E86-B698-DEC9BF4350FF}" type="datetimeFigureOut">
               <a:rPr lang="ru-RU" smtClean="0"/>
-              <a:t>13.12.2024</a:t>
+              <a:t>31.01.2025</a:t>
             </a:fld>
             <a:endParaRPr lang="ru-RU"/>
           </a:p>
@@ -3561,7 +3563,7 @@
           <a:p>
             <a:fld id="{2590F9C9-AB92-4E86-B698-DEC9BF4350FF}" type="datetimeFigureOut">
               <a:rPr lang="ru-RU" smtClean="0"/>
-              <a:t>13.12.2024</a:t>
+              <a:t>31.01.2025</a:t>
             </a:fld>
             <a:endParaRPr lang="ru-RU"/>
           </a:p>
@@ -3674,7 +3676,7 @@
           <a:p>
             <a:fld id="{2590F9C9-AB92-4E86-B698-DEC9BF4350FF}" type="datetimeFigureOut">
               <a:rPr lang="ru-RU" smtClean="0"/>
-              <a:t>13.12.2024</a:t>
+              <a:t>31.01.2025</a:t>
             </a:fld>
             <a:endParaRPr lang="ru-RU"/>
           </a:p>
@@ -3987,7 +3989,7 @@
           <a:p>
             <a:fld id="{2590F9C9-AB92-4E86-B698-DEC9BF4350FF}" type="datetimeFigureOut">
               <a:rPr lang="ru-RU" smtClean="0"/>
-              <a:t>13.12.2024</a:t>
+              <a:t>31.01.2025</a:t>
             </a:fld>
             <a:endParaRPr lang="ru-RU"/>
           </a:p>
@@ -4276,7 +4278,7 @@
           <a:p>
             <a:fld id="{2590F9C9-AB92-4E86-B698-DEC9BF4350FF}" type="datetimeFigureOut">
               <a:rPr lang="ru-RU" smtClean="0"/>
-              <a:t>13.12.2024</a:t>
+              <a:t>31.01.2025</a:t>
             </a:fld>
             <a:endParaRPr lang="ru-RU"/>
           </a:p>
@@ -4519,7 +4521,7 @@
           <a:p>
             <a:fld id="{2590F9C9-AB92-4E86-B698-DEC9BF4350FF}" type="datetimeFigureOut">
               <a:rPr lang="ru-RU" smtClean="0"/>
-              <a:t>13.12.2024</a:t>
+              <a:t>31.01.2025</a:t>
             </a:fld>
             <a:endParaRPr lang="ru-RU"/>
           </a:p>
@@ -5081,6 +5083,587 @@
           <a:chExt cx="0" cy="0"/>
         </a:xfrm>
       </p:grpSpPr>
+      <p:pic>
+        <p:nvPicPr>
+          <p:cNvPr id="2050" name="Picture 2">
+            <a:extLst>
+              <a:ext uri="{FF2B5EF4-FFF2-40B4-BE49-F238E27FC236}">
+                <a16:creationId xmlns:a16="http://schemas.microsoft.com/office/drawing/2014/main" id="{2ADB545E-1290-4B04-AE51-5FDCF7BE6430}"/>
+              </a:ext>
+            </a:extLst>
+          </p:cNvPr>
+          <p:cNvPicPr>
+            <a:picLocks noChangeAspect="1" noChangeArrowheads="1"/>
+          </p:cNvPicPr>
+          <p:nvPr/>
+        </p:nvPicPr>
+        <p:blipFill>
+          <a:blip r:embed="rId2" cstate="print">
+            <a:extLst>
+              <a:ext uri="{28A0092B-C50C-407E-A947-70E740481C1C}">
+                <a14:useLocalDpi xmlns:a14="http://schemas.microsoft.com/office/drawing/2010/main" val="0"/>
+              </a:ext>
+            </a:extLst>
+          </a:blip>
+          <a:srcRect/>
+          <a:stretch/>
+        </p:blipFill>
+        <p:spPr bwMode="auto">
+          <a:xfrm>
+            <a:off x="491811" y="-2"/>
+            <a:ext cx="11206791" cy="6858002"/>
+          </a:xfrm>
+          <a:prstGeom prst="rect">
+            <a:avLst/>
+          </a:prstGeom>
+          <a:noFill/>
+          <a:extLst>
+            <a:ext uri="{909E8E84-426E-40DD-AFC4-6F175D3DCCD1}">
+              <a14:hiddenFill xmlns:a14="http://schemas.microsoft.com/office/drawing/2010/main">
+                <a:solidFill>
+                  <a:srgbClr val="FFFFFF"/>
+                </a:solidFill>
+              </a14:hiddenFill>
+            </a:ext>
+          </a:extLst>
+        </p:spPr>
+      </p:pic>
+    </p:spTree>
+    <p:extLst>
+      <p:ext uri="{BB962C8B-B14F-4D97-AF65-F5344CB8AC3E}">
+        <p14:creationId xmlns:p14="http://schemas.microsoft.com/office/powerpoint/2010/main" val="3309274227"/>
+      </p:ext>
+    </p:extLst>
+  </p:cSld>
+  <p:clrMapOvr>
+    <a:masterClrMapping/>
+  </p:clrMapOvr>
+</p:sld>
+</file>
+
+<file path=ppt/slides/slide11.xml><?xml version="1.0" encoding="utf-8"?>
+<p:sld xmlns:a="http://schemas.openxmlformats.org/drawingml/2006/main" xmlns:r="http://schemas.openxmlformats.org/officeDocument/2006/relationships" xmlns:p="http://schemas.openxmlformats.org/presentationml/2006/main">
+  <p:cSld>
+    <p:spTree>
+      <p:nvGrpSpPr>
+        <p:cNvPr id="1" name=""/>
+        <p:cNvGrpSpPr/>
+        <p:nvPr/>
+      </p:nvGrpSpPr>
+      <p:grpSpPr>
+        <a:xfrm>
+          <a:off x="0" y="0"/>
+          <a:ext cx="0" cy="0"/>
+          <a:chOff x="0" y="0"/>
+          <a:chExt cx="0" cy="0"/>
+        </a:xfrm>
+      </p:grpSpPr>
+      <p:sp>
+        <p:nvSpPr>
+          <p:cNvPr id="39938" name="Rectangle 2"/>
+          <p:cNvSpPr>
+            <a:spLocks noGrp="1" noChangeArrowheads="1"/>
+          </p:cNvSpPr>
+          <p:nvPr>
+            <p:ph type="title"/>
+          </p:nvPr>
+        </p:nvSpPr>
+        <p:spPr/>
+        <p:txBody>
+          <a:bodyPr>
+            <a:normAutofit/>
+          </a:bodyPr>
+          <a:lstStyle/>
+          <a:p>
+            <a:r>
+              <a:rPr lang="ru-RU" dirty="0"/>
+              <a:t>Достоинства паттерна «Строитель»</a:t>
+            </a:r>
+          </a:p>
+        </p:txBody>
+      </p:sp>
+      <p:sp>
+        <p:nvSpPr>
+          <p:cNvPr id="39939" name="Rectangle 3"/>
+          <p:cNvSpPr>
+            <a:spLocks noGrp="1" noChangeArrowheads="1"/>
+          </p:cNvSpPr>
+          <p:nvPr>
+            <p:ph idx="1"/>
+          </p:nvPr>
+        </p:nvSpPr>
+        <p:spPr/>
+        <p:txBody>
+          <a:bodyPr>
+            <a:normAutofit/>
+          </a:bodyPr>
+          <a:lstStyle/>
+          <a:p>
+            <a:r>
+              <a:rPr lang="ru-RU" dirty="0"/>
+              <a:t>Позволяет изменять внутреннее представление продукта</a:t>
+            </a:r>
+          </a:p>
+          <a:p>
+            <a:pPr lvl="1"/>
+            <a:r>
+              <a:rPr lang="ru-RU" dirty="0"/>
+              <a:t>Распорядителю предоставляется абстрактный интерфейс Строителя, который скрывает структуру продукта и процесс сборки</a:t>
+            </a:r>
+          </a:p>
+          <a:p>
+            <a:pPr lvl="2"/>
+            <a:r>
+              <a:rPr lang="ru-RU" dirty="0"/>
+              <a:t>Чтобы добавить новый продукт, нужно добавить новую реализацию Строителя</a:t>
+            </a:r>
+          </a:p>
+          <a:p>
+            <a:r>
+              <a:rPr lang="ru-RU" dirty="0"/>
+              <a:t>Изолирует код, реализующий конструирование и представление </a:t>
+            </a:r>
+          </a:p>
+          <a:p>
+            <a:pPr lvl="1"/>
+            <a:r>
+              <a:rPr lang="ru-RU" dirty="0"/>
+              <a:t>Распорядитель не знает о классах, задающих внутреннюю структуру продукта (их нет в интерфейсе строителя)</a:t>
+            </a:r>
+          </a:p>
+          <a:p>
+            <a:r>
+              <a:rPr lang="ru-RU" dirty="0"/>
+              <a:t>Дает тонкий контроль над процессом конструирования </a:t>
+            </a:r>
+          </a:p>
+          <a:p>
+            <a:pPr lvl="1"/>
+            <a:r>
+              <a:rPr lang="ru-RU" dirty="0"/>
+              <a:t>Продукт создаётся шаг за шагом под управлением распорядителя</a:t>
+            </a:r>
+          </a:p>
+        </p:txBody>
+      </p:sp>
+    </p:spTree>
+    <p:extLst>
+      <p:ext uri="{BB962C8B-B14F-4D97-AF65-F5344CB8AC3E}">
+        <p14:creationId xmlns:p14="http://schemas.microsoft.com/office/powerpoint/2010/main" val="1182191711"/>
+      </p:ext>
+    </p:extLst>
+  </p:cSld>
+  <p:clrMapOvr>
+    <a:masterClrMapping/>
+  </p:clrMapOvr>
+  <p:timing>
+    <p:tnLst>
+      <p:par>
+        <p:cTn id="1" dur="indefinite" restart="never" nodeType="tmRoot">
+          <p:childTnLst>
+            <p:seq concurrent="1" nextAc="seek">
+              <p:cTn id="2" dur="indefinite" nodeType="mainSeq">
+                <p:childTnLst>
+                  <p:par>
+                    <p:cTn id="3" fill="hold">
+                      <p:stCondLst>
+                        <p:cond delay="indefinite"/>
+                      </p:stCondLst>
+                      <p:childTnLst>
+                        <p:par>
+                          <p:cTn id="4" fill="hold">
+                            <p:stCondLst>
+                              <p:cond delay="0"/>
+                            </p:stCondLst>
+                            <p:childTnLst>
+                              <p:par>
+                                <p:cTn id="5" presetID="10" presetClass="entr" presetSubtype="0" fill="hold" grpId="0" nodeType="clickEffect">
+                                  <p:stCondLst>
+                                    <p:cond delay="0"/>
+                                  </p:stCondLst>
+                                  <p:childTnLst>
+                                    <p:set>
+                                      <p:cBhvr>
+                                        <p:cTn id="6" dur="1" fill="hold">
+                                          <p:stCondLst>
+                                            <p:cond delay="0"/>
+                                          </p:stCondLst>
+                                        </p:cTn>
+                                        <p:tgtEl>
+                                          <p:spTgt spid="39939">
+                                            <p:txEl>
+                                              <p:pRg st="0" end="0"/>
+                                            </p:txEl>
+                                          </p:spTgt>
+                                        </p:tgtEl>
+                                        <p:attrNameLst>
+                                          <p:attrName>style.visibility</p:attrName>
+                                        </p:attrNameLst>
+                                      </p:cBhvr>
+                                      <p:to>
+                                        <p:strVal val="visible"/>
+                                      </p:to>
+                                    </p:set>
+                                    <p:animEffect transition="in" filter="fade">
+                                      <p:cBhvr>
+                                        <p:cTn id="7" dur="500"/>
+                                        <p:tgtEl>
+                                          <p:spTgt spid="39939">
+                                            <p:txEl>
+                                              <p:pRg st="0" end="0"/>
+                                            </p:txEl>
+                                          </p:spTgt>
+                                        </p:tgtEl>
+                                      </p:cBhvr>
+                                    </p:animEffect>
+                                  </p:childTnLst>
+                                </p:cTn>
+                              </p:par>
+                              <p:par>
+                                <p:cTn id="8" presetID="10" presetClass="entr" presetSubtype="0" fill="hold" grpId="0" nodeType="withEffect">
+                                  <p:stCondLst>
+                                    <p:cond delay="0"/>
+                                  </p:stCondLst>
+                                  <p:childTnLst>
+                                    <p:set>
+                                      <p:cBhvr>
+                                        <p:cTn id="9" dur="1" fill="hold">
+                                          <p:stCondLst>
+                                            <p:cond delay="0"/>
+                                          </p:stCondLst>
+                                        </p:cTn>
+                                        <p:tgtEl>
+                                          <p:spTgt spid="39939">
+                                            <p:txEl>
+                                              <p:pRg st="1" end="1"/>
+                                            </p:txEl>
+                                          </p:spTgt>
+                                        </p:tgtEl>
+                                        <p:attrNameLst>
+                                          <p:attrName>style.visibility</p:attrName>
+                                        </p:attrNameLst>
+                                      </p:cBhvr>
+                                      <p:to>
+                                        <p:strVal val="visible"/>
+                                      </p:to>
+                                    </p:set>
+                                    <p:animEffect transition="in" filter="fade">
+                                      <p:cBhvr>
+                                        <p:cTn id="10" dur="500"/>
+                                        <p:tgtEl>
+                                          <p:spTgt spid="39939">
+                                            <p:txEl>
+                                              <p:pRg st="1" end="1"/>
+                                            </p:txEl>
+                                          </p:spTgt>
+                                        </p:tgtEl>
+                                      </p:cBhvr>
+                                    </p:animEffect>
+                                  </p:childTnLst>
+                                </p:cTn>
+                              </p:par>
+                              <p:par>
+                                <p:cTn id="11" presetID="10" presetClass="entr" presetSubtype="0" fill="hold" grpId="0" nodeType="withEffect">
+                                  <p:stCondLst>
+                                    <p:cond delay="0"/>
+                                  </p:stCondLst>
+                                  <p:childTnLst>
+                                    <p:set>
+                                      <p:cBhvr>
+                                        <p:cTn id="12" dur="1" fill="hold">
+                                          <p:stCondLst>
+                                            <p:cond delay="0"/>
+                                          </p:stCondLst>
+                                        </p:cTn>
+                                        <p:tgtEl>
+                                          <p:spTgt spid="39939">
+                                            <p:txEl>
+                                              <p:pRg st="2" end="2"/>
+                                            </p:txEl>
+                                          </p:spTgt>
+                                        </p:tgtEl>
+                                        <p:attrNameLst>
+                                          <p:attrName>style.visibility</p:attrName>
+                                        </p:attrNameLst>
+                                      </p:cBhvr>
+                                      <p:to>
+                                        <p:strVal val="visible"/>
+                                      </p:to>
+                                    </p:set>
+                                    <p:animEffect transition="in" filter="fade">
+                                      <p:cBhvr>
+                                        <p:cTn id="13" dur="500"/>
+                                        <p:tgtEl>
+                                          <p:spTgt spid="39939">
+                                            <p:txEl>
+                                              <p:pRg st="2" end="2"/>
+                                            </p:txEl>
+                                          </p:spTgt>
+                                        </p:tgtEl>
+                                      </p:cBhvr>
+                                    </p:animEffect>
+                                  </p:childTnLst>
+                                </p:cTn>
+                              </p:par>
+                            </p:childTnLst>
+                          </p:cTn>
+                        </p:par>
+                      </p:childTnLst>
+                    </p:cTn>
+                  </p:par>
+                  <p:par>
+                    <p:cTn id="14" fill="hold">
+                      <p:stCondLst>
+                        <p:cond delay="indefinite"/>
+                      </p:stCondLst>
+                      <p:childTnLst>
+                        <p:par>
+                          <p:cTn id="15" fill="hold">
+                            <p:stCondLst>
+                              <p:cond delay="0"/>
+                            </p:stCondLst>
+                            <p:childTnLst>
+                              <p:par>
+                                <p:cTn id="16" presetID="10" presetClass="entr" presetSubtype="0" fill="hold" grpId="0" nodeType="clickEffect">
+                                  <p:stCondLst>
+                                    <p:cond delay="0"/>
+                                  </p:stCondLst>
+                                  <p:childTnLst>
+                                    <p:set>
+                                      <p:cBhvr>
+                                        <p:cTn id="17" dur="1" fill="hold">
+                                          <p:stCondLst>
+                                            <p:cond delay="0"/>
+                                          </p:stCondLst>
+                                        </p:cTn>
+                                        <p:tgtEl>
+                                          <p:spTgt spid="39939">
+                                            <p:txEl>
+                                              <p:pRg st="3" end="3"/>
+                                            </p:txEl>
+                                          </p:spTgt>
+                                        </p:tgtEl>
+                                        <p:attrNameLst>
+                                          <p:attrName>style.visibility</p:attrName>
+                                        </p:attrNameLst>
+                                      </p:cBhvr>
+                                      <p:to>
+                                        <p:strVal val="visible"/>
+                                      </p:to>
+                                    </p:set>
+                                    <p:animEffect transition="in" filter="fade">
+                                      <p:cBhvr>
+                                        <p:cTn id="18" dur="500"/>
+                                        <p:tgtEl>
+                                          <p:spTgt spid="39939">
+                                            <p:txEl>
+                                              <p:pRg st="3" end="3"/>
+                                            </p:txEl>
+                                          </p:spTgt>
+                                        </p:tgtEl>
+                                      </p:cBhvr>
+                                    </p:animEffect>
+                                  </p:childTnLst>
+                                </p:cTn>
+                              </p:par>
+                              <p:par>
+                                <p:cTn id="19" presetID="10" presetClass="entr" presetSubtype="0" fill="hold" grpId="0" nodeType="withEffect">
+                                  <p:stCondLst>
+                                    <p:cond delay="0"/>
+                                  </p:stCondLst>
+                                  <p:childTnLst>
+                                    <p:set>
+                                      <p:cBhvr>
+                                        <p:cTn id="20" dur="1" fill="hold">
+                                          <p:stCondLst>
+                                            <p:cond delay="0"/>
+                                          </p:stCondLst>
+                                        </p:cTn>
+                                        <p:tgtEl>
+                                          <p:spTgt spid="39939">
+                                            <p:txEl>
+                                              <p:pRg st="4" end="4"/>
+                                            </p:txEl>
+                                          </p:spTgt>
+                                        </p:tgtEl>
+                                        <p:attrNameLst>
+                                          <p:attrName>style.visibility</p:attrName>
+                                        </p:attrNameLst>
+                                      </p:cBhvr>
+                                      <p:to>
+                                        <p:strVal val="visible"/>
+                                      </p:to>
+                                    </p:set>
+                                    <p:animEffect transition="in" filter="fade">
+                                      <p:cBhvr>
+                                        <p:cTn id="21" dur="500"/>
+                                        <p:tgtEl>
+                                          <p:spTgt spid="39939">
+                                            <p:txEl>
+                                              <p:pRg st="4" end="4"/>
+                                            </p:txEl>
+                                          </p:spTgt>
+                                        </p:tgtEl>
+                                      </p:cBhvr>
+                                    </p:animEffect>
+                                  </p:childTnLst>
+                                </p:cTn>
+                              </p:par>
+                            </p:childTnLst>
+                          </p:cTn>
+                        </p:par>
+                      </p:childTnLst>
+                    </p:cTn>
+                  </p:par>
+                  <p:par>
+                    <p:cTn id="22" fill="hold">
+                      <p:stCondLst>
+                        <p:cond delay="indefinite"/>
+                      </p:stCondLst>
+                      <p:childTnLst>
+                        <p:par>
+                          <p:cTn id="23" fill="hold">
+                            <p:stCondLst>
+                              <p:cond delay="0"/>
+                            </p:stCondLst>
+                            <p:childTnLst>
+                              <p:par>
+                                <p:cTn id="24" presetID="10" presetClass="entr" presetSubtype="0" fill="hold" grpId="0" nodeType="clickEffect">
+                                  <p:stCondLst>
+                                    <p:cond delay="0"/>
+                                  </p:stCondLst>
+                                  <p:childTnLst>
+                                    <p:set>
+                                      <p:cBhvr>
+                                        <p:cTn id="25" dur="1" fill="hold">
+                                          <p:stCondLst>
+                                            <p:cond delay="0"/>
+                                          </p:stCondLst>
+                                        </p:cTn>
+                                        <p:tgtEl>
+                                          <p:spTgt spid="39939">
+                                            <p:txEl>
+                                              <p:pRg st="5" end="5"/>
+                                            </p:txEl>
+                                          </p:spTgt>
+                                        </p:tgtEl>
+                                        <p:attrNameLst>
+                                          <p:attrName>style.visibility</p:attrName>
+                                        </p:attrNameLst>
+                                      </p:cBhvr>
+                                      <p:to>
+                                        <p:strVal val="visible"/>
+                                      </p:to>
+                                    </p:set>
+                                    <p:animEffect transition="in" filter="fade">
+                                      <p:cBhvr>
+                                        <p:cTn id="26" dur="500"/>
+                                        <p:tgtEl>
+                                          <p:spTgt spid="39939">
+                                            <p:txEl>
+                                              <p:pRg st="5" end="5"/>
+                                            </p:txEl>
+                                          </p:spTgt>
+                                        </p:tgtEl>
+                                      </p:cBhvr>
+                                    </p:animEffect>
+                                  </p:childTnLst>
+                                </p:cTn>
+                              </p:par>
+                              <p:par>
+                                <p:cTn id="27" presetID="10" presetClass="entr" presetSubtype="0" fill="hold" grpId="0" nodeType="withEffect">
+                                  <p:stCondLst>
+                                    <p:cond delay="0"/>
+                                  </p:stCondLst>
+                                  <p:childTnLst>
+                                    <p:set>
+                                      <p:cBhvr>
+                                        <p:cTn id="28" dur="1" fill="hold">
+                                          <p:stCondLst>
+                                            <p:cond delay="0"/>
+                                          </p:stCondLst>
+                                        </p:cTn>
+                                        <p:tgtEl>
+                                          <p:spTgt spid="39939">
+                                            <p:txEl>
+                                              <p:pRg st="6" end="6"/>
+                                            </p:txEl>
+                                          </p:spTgt>
+                                        </p:tgtEl>
+                                        <p:attrNameLst>
+                                          <p:attrName>style.visibility</p:attrName>
+                                        </p:attrNameLst>
+                                      </p:cBhvr>
+                                      <p:to>
+                                        <p:strVal val="visible"/>
+                                      </p:to>
+                                    </p:set>
+                                    <p:animEffect transition="in" filter="fade">
+                                      <p:cBhvr>
+                                        <p:cTn id="29" dur="500"/>
+                                        <p:tgtEl>
+                                          <p:spTgt spid="39939">
+                                            <p:txEl>
+                                              <p:pRg st="6" end="6"/>
+                                            </p:txEl>
+                                          </p:spTgt>
+                                        </p:tgtEl>
+                                      </p:cBhvr>
+                                    </p:animEffect>
+                                  </p:childTnLst>
+                                </p:cTn>
+                              </p:par>
+                            </p:childTnLst>
+                          </p:cTn>
+                        </p:par>
+                      </p:childTnLst>
+                    </p:cTn>
+                  </p:par>
+                </p:childTnLst>
+              </p:cTn>
+              <p:prevCondLst>
+                <p:cond evt="onPrev" delay="0">
+                  <p:tgtEl>
+                    <p:sldTgt/>
+                  </p:tgtEl>
+                </p:cond>
+              </p:prevCondLst>
+              <p:nextCondLst>
+                <p:cond evt="onNext" delay="0">
+                  <p:tgtEl>
+                    <p:sldTgt/>
+                  </p:tgtEl>
+                </p:cond>
+              </p:nextCondLst>
+            </p:seq>
+          </p:childTnLst>
+        </p:cTn>
+      </p:par>
+    </p:tnLst>
+    <p:bldLst>
+      <p:bldP spid="39939" grpId="0" build="p"/>
+    </p:bldLst>
+  </p:timing>
+</p:sld>
+</file>
+
+<file path=ppt/slides/slide12.xml><?xml version="1.0" encoding="utf-8"?>
+<p:sld xmlns:a="http://schemas.openxmlformats.org/drawingml/2006/main" xmlns:r="http://schemas.openxmlformats.org/officeDocument/2006/relationships" xmlns:p="http://schemas.openxmlformats.org/presentationml/2006/main">
+  <p:cSld>
+    <p:spTree>
+      <p:nvGrpSpPr>
+        <p:cNvPr id="1" name=""/>
+        <p:cNvGrpSpPr/>
+        <p:nvPr/>
+      </p:nvGrpSpPr>
+      <p:grpSpPr>
+        <a:xfrm>
+          <a:off x="0" y="0"/>
+          <a:ext cx="0" cy="0"/>
+          <a:chOff x="0" y="0"/>
+          <a:chExt cx="0" cy="0"/>
+        </a:xfrm>
+      </p:grpSpPr>
       <p:sp>
         <p:nvSpPr>
           <p:cNvPr id="2" name="Title 1"/>
@@ -5143,7 +5726,7 @@
 </p:sld>
 </file>
 
-<file path=ppt/slides/slide11.xml><?xml version="1.0" encoding="utf-8"?>
+<file path=ppt/slides/slide13.xml><?xml version="1.0" encoding="utf-8"?>
 <p:sld xmlns:a="http://schemas.openxmlformats.org/drawingml/2006/main" xmlns:r="http://schemas.openxmlformats.org/officeDocument/2006/relationships" xmlns:p="http://schemas.openxmlformats.org/presentationml/2006/main">
   <p:cSld>
     <p:spTree>
@@ -5220,17 +5803,13 @@
             <a:pPr lvl="1"/>
             <a:r>
               <a:rPr lang="ru-RU" dirty="0"/>
-              <a:t>Обычно достаточно методов, которые присоединяют очередную деталь к проекту</a:t>
-            </a:r>
-          </a:p>
-          <a:p>
-            <a:r>
-              <a:rPr lang="ru-RU" dirty="0" err="1"/>
-              <a:t>Итогда</a:t>
-            </a:r>
+              <a:t>Обычно достаточно методов, которые присоединяют очередную деталь к продукту</a:t>
+            </a:r>
+          </a:p>
+          <a:p>
             <a:r>
               <a:rPr lang="ru-RU" dirty="0"/>
-              <a:t> Может понадобиться доступ к отдельным частям продукта</a:t>
+              <a:t>Иногда может понадобиться доступ к отдельным частям продукта</a:t>
             </a:r>
           </a:p>
         </p:txBody>
@@ -5446,7 +6025,7 @@
 </p:sld>
 </file>
 
-<file path=ppt/slides/slide12.xml><?xml version="1.0" encoding="utf-8"?>
+<file path=ppt/slides/slide14.xml><?xml version="1.0" encoding="utf-8"?>
 <p:sld xmlns:a="http://schemas.openxmlformats.org/drawingml/2006/main" xmlns:r="http://schemas.openxmlformats.org/officeDocument/2006/relationships" xmlns:p="http://schemas.openxmlformats.org/presentationml/2006/main">
   <p:cSld>
     <p:spTree>
@@ -5558,7 +6137,7 @@
 </p:sld>
 </file>
 
-<file path=ppt/slides/slide13.xml><?xml version="1.0" encoding="utf-8"?>
+<file path=ppt/slides/slide15.xml><?xml version="1.0" encoding="utf-8"?>
 <p:sld xmlns:a="http://schemas.openxmlformats.org/drawingml/2006/main" xmlns:r="http://schemas.openxmlformats.org/officeDocument/2006/relationships" xmlns:p="http://schemas.openxmlformats.org/presentationml/2006/main" show="0">
   <p:cSld>
     <p:spTree>
@@ -6168,7 +6747,7 @@
 </p:sld>
 </file>
 
-<file path=ppt/slides/slide14.xml><?xml version="1.0" encoding="utf-8"?>
+<file path=ppt/slides/slide16.xml><?xml version="1.0" encoding="utf-8"?>
 <p:sld xmlns:a="http://schemas.openxmlformats.org/drawingml/2006/main" xmlns:r="http://schemas.openxmlformats.org/officeDocument/2006/relationships" xmlns:p="http://schemas.openxmlformats.org/presentationml/2006/main" show="0">
   <p:cSld>
     <p:spTree>
@@ -6449,7 +7028,7 @@
 </p:sld>
 </file>
 
-<file path=ppt/slides/slide15.xml><?xml version="1.0" encoding="utf-8"?>
+<file path=ppt/slides/slide17.xml><?xml version="1.0" encoding="utf-8"?>
 <p:sld xmlns:a="http://schemas.openxmlformats.org/drawingml/2006/main" xmlns:r="http://schemas.openxmlformats.org/officeDocument/2006/relationships" xmlns:p="http://schemas.openxmlformats.org/presentationml/2006/main" show="0">
   <p:cSld>
     <p:spTree>
@@ -9313,7 +9892,7 @@
 </p:sld>
 </file>
 
-<file path=ppt/slides/slide16.xml><?xml version="1.0" encoding="utf-8"?>
+<file path=ppt/slides/slide18.xml><?xml version="1.0" encoding="utf-8"?>
 <p:sld xmlns:a="http://schemas.openxmlformats.org/drawingml/2006/main" xmlns:r="http://schemas.openxmlformats.org/officeDocument/2006/relationships" xmlns:p="http://schemas.openxmlformats.org/presentationml/2006/main" show="0">
   <p:cSld>
     <p:spTree>
@@ -10527,7 +11106,7 @@
 </p:sld>
 </file>
 
-<file path=ppt/slides/slide17.xml><?xml version="1.0" encoding="utf-8"?>
+<file path=ppt/slides/slide19.xml><?xml version="1.0" encoding="utf-8"?>
 <p:sld xmlns:a="http://schemas.openxmlformats.org/drawingml/2006/main" xmlns:r="http://schemas.openxmlformats.org/officeDocument/2006/relationships" xmlns:p="http://schemas.openxmlformats.org/presentationml/2006/main" show="0">
   <p:cSld>
     <p:spTree>
@@ -11449,6 +12028,320 @@
 </file>
 
 <file path=ppt/slides/slide2.xml><?xml version="1.0" encoding="utf-8"?>
+<p:sld xmlns:a="http://schemas.openxmlformats.org/drawingml/2006/main" xmlns:r="http://schemas.openxmlformats.org/officeDocument/2006/relationships" xmlns:p="http://schemas.openxmlformats.org/presentationml/2006/main" show="0">
+  <p:cSld>
+    <p:spTree>
+      <p:nvGrpSpPr>
+        <p:cNvPr id="1" name="">
+          <a:extLst>
+            <a:ext uri="{FF2B5EF4-FFF2-40B4-BE49-F238E27FC236}">
+              <a16:creationId xmlns:a16="http://schemas.microsoft.com/office/drawing/2014/main" id="{049434BD-55C6-466A-1F8C-4A307742A6D1}"/>
+            </a:ext>
+          </a:extLst>
+        </p:cNvPr>
+        <p:cNvGrpSpPr/>
+        <p:nvPr/>
+      </p:nvGrpSpPr>
+      <p:grpSpPr>
+        <a:xfrm>
+          <a:off x="0" y="0"/>
+          <a:ext cx="0" cy="0"/>
+          <a:chOff x="0" y="0"/>
+          <a:chExt cx="0" cy="0"/>
+        </a:xfrm>
+      </p:grpSpPr>
+      <p:pic>
+        <p:nvPicPr>
+          <p:cNvPr id="5" name="Picture 4">
+            <a:extLst>
+              <a:ext uri="{FF2B5EF4-FFF2-40B4-BE49-F238E27FC236}">
+                <a16:creationId xmlns:a16="http://schemas.microsoft.com/office/drawing/2014/main" id="{16B57024-E4E7-E1C2-1387-D466303030B4}"/>
+              </a:ext>
+            </a:extLst>
+          </p:cNvPr>
+          <p:cNvPicPr>
+            <a:picLocks noChangeAspect="1"/>
+          </p:cNvPicPr>
+          <p:nvPr/>
+        </p:nvPicPr>
+        <p:blipFill>
+          <a:blip r:embed="rId2"/>
+          <a:stretch>
+            <a:fillRect/>
+          </a:stretch>
+        </p:blipFill>
+        <p:spPr>
+          <a:xfrm>
+            <a:off x="0" y="0"/>
+            <a:ext cx="12191999" cy="6858000"/>
+          </a:xfrm>
+          <a:prstGeom prst="rect">
+            <a:avLst/>
+          </a:prstGeom>
+        </p:spPr>
+      </p:pic>
+      <p:sp>
+        <p:nvSpPr>
+          <p:cNvPr id="2" name="Заголовок 1">
+            <a:extLst>
+              <a:ext uri="{FF2B5EF4-FFF2-40B4-BE49-F238E27FC236}">
+                <a16:creationId xmlns:a16="http://schemas.microsoft.com/office/drawing/2014/main" id="{62040FDE-1025-0D9B-BDDD-8D455AF3EB21}"/>
+              </a:ext>
+            </a:extLst>
+          </p:cNvPr>
+          <p:cNvSpPr>
+            <a:spLocks noGrp="1"/>
+          </p:cNvSpPr>
+          <p:nvPr>
+            <p:ph type="ctrTitle"/>
+          </p:nvPr>
+        </p:nvSpPr>
+        <p:spPr>
+          <a:xfrm>
+            <a:off x="335360" y="1122362"/>
+            <a:ext cx="11521280" cy="3962822"/>
+          </a:xfrm>
+        </p:spPr>
+        <p:txBody>
+          <a:bodyPr>
+            <a:noAutofit/>
+          </a:bodyPr>
+          <a:lstStyle/>
+          <a:p>
+            <a:r>
+              <a:rPr lang="ru-RU" sz="8800" dirty="0">
+                <a:solidFill>
+                  <a:schemeClr val="bg1"/>
+                </a:solidFill>
+                <a:effectLst>
+                  <a:outerShdw blurRad="38100" dist="38100" dir="2700000" algn="tl">
+                    <a:srgbClr val="000000">
+                      <a:alpha val="43137"/>
+                    </a:srgbClr>
+                  </a:outerShdw>
+                </a:effectLst>
+                <a:latin typeface="Impact" panose="020B0806030902050204" pitchFamily="34" charset="0"/>
+              </a:rPr>
+              <a:t>Паттерн проектирования</a:t>
+            </a:r>
+            <a:br>
+              <a:rPr lang="ru-RU" sz="8000" dirty="0">
+                <a:solidFill>
+                  <a:schemeClr val="bg1"/>
+                </a:solidFill>
+                <a:effectLst>
+                  <a:outerShdw blurRad="38100" dist="38100" dir="2700000" algn="tl">
+                    <a:srgbClr val="000000">
+                      <a:alpha val="43137"/>
+                    </a:srgbClr>
+                  </a:outerShdw>
+                </a:effectLst>
+                <a:latin typeface="Impact" panose="020B0806030902050204" pitchFamily="34" charset="0"/>
+              </a:rPr>
+            </a:br>
+            <a:r>
+              <a:rPr lang="ru-RU" sz="11500" dirty="0">
+                <a:solidFill>
+                  <a:schemeClr val="bg1"/>
+                </a:solidFill>
+                <a:effectLst>
+                  <a:outerShdw blurRad="38100" dist="38100" dir="2700000" algn="tl">
+                    <a:srgbClr val="000000">
+                      <a:alpha val="43137"/>
+                    </a:srgbClr>
+                  </a:outerShdw>
+                </a:effectLst>
+                <a:latin typeface="Impact" panose="020B0806030902050204" pitchFamily="34" charset="0"/>
+              </a:rPr>
+              <a:t> «Строитель»</a:t>
+            </a:r>
+            <a:endParaRPr lang="ru-RU" sz="9600" dirty="0">
+              <a:solidFill>
+                <a:schemeClr val="bg1"/>
+              </a:solidFill>
+              <a:effectLst>
+                <a:outerShdw blurRad="38100" dist="38100" dir="2700000" algn="tl">
+                  <a:srgbClr val="000000">
+                    <a:alpha val="43137"/>
+                  </a:srgbClr>
+                </a:outerShdw>
+              </a:effectLst>
+              <a:latin typeface="Impact" panose="020B0806030902050204" pitchFamily="34" charset="0"/>
+            </a:endParaRPr>
+          </a:p>
+        </p:txBody>
+      </p:sp>
+    </p:spTree>
+    <p:extLst>
+      <p:ext uri="{BB962C8B-B14F-4D97-AF65-F5344CB8AC3E}">
+        <p14:creationId xmlns:p14="http://schemas.microsoft.com/office/powerpoint/2010/main" val="3212708197"/>
+      </p:ext>
+    </p:extLst>
+  </p:cSld>
+  <p:clrMapOvr>
+    <a:masterClrMapping/>
+  </p:clrMapOvr>
+</p:sld>
+</file>
+
+<file path=ppt/slides/slide3.xml><?xml version="1.0" encoding="utf-8"?>
+<p:sld xmlns:a="http://schemas.openxmlformats.org/drawingml/2006/main" xmlns:r="http://schemas.openxmlformats.org/officeDocument/2006/relationships" xmlns:p="http://schemas.openxmlformats.org/presentationml/2006/main" show="0">
+  <p:cSld>
+    <p:spTree>
+      <p:nvGrpSpPr>
+        <p:cNvPr id="1" name="">
+          <a:extLst>
+            <a:ext uri="{FF2B5EF4-FFF2-40B4-BE49-F238E27FC236}">
+              <a16:creationId xmlns:a16="http://schemas.microsoft.com/office/drawing/2014/main" id="{8A88136D-87D7-EE62-025B-24E4753A1405}"/>
+            </a:ext>
+          </a:extLst>
+        </p:cNvPr>
+        <p:cNvGrpSpPr/>
+        <p:nvPr/>
+      </p:nvGrpSpPr>
+      <p:grpSpPr>
+        <a:xfrm>
+          <a:off x="0" y="0"/>
+          <a:ext cx="0" cy="0"/>
+          <a:chOff x="0" y="0"/>
+          <a:chExt cx="0" cy="0"/>
+        </a:xfrm>
+      </p:grpSpPr>
+      <p:pic>
+        <p:nvPicPr>
+          <p:cNvPr id="5" name="Picture 4">
+            <a:extLst>
+              <a:ext uri="{FF2B5EF4-FFF2-40B4-BE49-F238E27FC236}">
+                <a16:creationId xmlns:a16="http://schemas.microsoft.com/office/drawing/2014/main" id="{2EF5E380-B88A-5135-D822-07A5686DCA11}"/>
+              </a:ext>
+            </a:extLst>
+          </p:cNvPr>
+          <p:cNvPicPr>
+            <a:picLocks noChangeAspect="1"/>
+          </p:cNvPicPr>
+          <p:nvPr/>
+        </p:nvPicPr>
+        <p:blipFill>
+          <a:blip r:embed="rId2"/>
+          <a:stretch>
+            <a:fillRect/>
+          </a:stretch>
+        </p:blipFill>
+        <p:spPr>
+          <a:xfrm>
+            <a:off x="0" y="0"/>
+            <a:ext cx="12191999" cy="6858000"/>
+          </a:xfrm>
+          <a:prstGeom prst="rect">
+            <a:avLst/>
+          </a:prstGeom>
+        </p:spPr>
+      </p:pic>
+      <p:sp>
+        <p:nvSpPr>
+          <p:cNvPr id="2" name="Заголовок 1">
+            <a:extLst>
+              <a:ext uri="{FF2B5EF4-FFF2-40B4-BE49-F238E27FC236}">
+                <a16:creationId xmlns:a16="http://schemas.microsoft.com/office/drawing/2014/main" id="{5FA80C2E-CF91-F378-29AB-F92BB10647EA}"/>
+              </a:ext>
+            </a:extLst>
+          </p:cNvPr>
+          <p:cNvSpPr>
+            <a:spLocks noGrp="1"/>
+          </p:cNvSpPr>
+          <p:nvPr>
+            <p:ph type="ctrTitle"/>
+          </p:nvPr>
+        </p:nvSpPr>
+        <p:spPr>
+          <a:xfrm>
+            <a:off x="335360" y="1122362"/>
+            <a:ext cx="11521280" cy="3818806"/>
+          </a:xfrm>
+        </p:spPr>
+        <p:txBody>
+          <a:bodyPr>
+            <a:noAutofit/>
+          </a:bodyPr>
+          <a:lstStyle/>
+          <a:p>
+            <a:r>
+              <a:rPr lang="ru-RU" sz="9600" dirty="0">
+                <a:solidFill>
+                  <a:schemeClr val="bg1"/>
+                </a:solidFill>
+                <a:effectLst>
+                  <a:outerShdw blurRad="38100" dist="38100" dir="2700000" algn="tl">
+                    <a:srgbClr val="000000">
+                      <a:alpha val="43137"/>
+                    </a:srgbClr>
+                  </a:outerShdw>
+                </a:effectLst>
+                <a:latin typeface="Impact" panose="020B0806030902050204" pitchFamily="34" charset="0"/>
+              </a:rPr>
+              <a:t>Паттерн</a:t>
+            </a:r>
+            <a:br>
+              <a:rPr lang="ru-RU" sz="8000" dirty="0">
+                <a:solidFill>
+                  <a:schemeClr val="bg1"/>
+                </a:solidFill>
+                <a:effectLst>
+                  <a:outerShdw blurRad="38100" dist="38100" dir="2700000" algn="tl">
+                    <a:srgbClr val="000000">
+                      <a:alpha val="43137"/>
+                    </a:srgbClr>
+                  </a:outerShdw>
+                </a:effectLst>
+                <a:latin typeface="Impact" panose="020B0806030902050204" pitchFamily="34" charset="0"/>
+              </a:rPr>
+            </a:br>
+            <a:r>
+              <a:rPr lang="ru-RU" sz="11500" dirty="0">
+                <a:solidFill>
+                  <a:schemeClr val="bg1"/>
+                </a:solidFill>
+                <a:effectLst>
+                  <a:outerShdw blurRad="38100" dist="38100" dir="2700000" algn="tl">
+                    <a:srgbClr val="000000">
+                      <a:alpha val="43137"/>
+                    </a:srgbClr>
+                  </a:outerShdw>
+                </a:effectLst>
+                <a:latin typeface="Impact" panose="020B0806030902050204" pitchFamily="34" charset="0"/>
+              </a:rPr>
+              <a:t> «Строитель»</a:t>
+            </a:r>
+            <a:endParaRPr lang="ru-RU" sz="9600" dirty="0">
+              <a:solidFill>
+                <a:schemeClr val="bg1"/>
+              </a:solidFill>
+              <a:effectLst>
+                <a:outerShdw blurRad="38100" dist="38100" dir="2700000" algn="tl">
+                  <a:srgbClr val="000000">
+                    <a:alpha val="43137"/>
+                  </a:srgbClr>
+                </a:outerShdw>
+              </a:effectLst>
+              <a:latin typeface="Impact" panose="020B0806030902050204" pitchFamily="34" charset="0"/>
+            </a:endParaRPr>
+          </a:p>
+        </p:txBody>
+      </p:sp>
+    </p:spTree>
+    <p:extLst>
+      <p:ext uri="{BB962C8B-B14F-4D97-AF65-F5344CB8AC3E}">
+        <p14:creationId xmlns:p14="http://schemas.microsoft.com/office/powerpoint/2010/main" val="4100336363"/>
+      </p:ext>
+    </p:extLst>
+  </p:cSld>
+  <p:clrMapOvr>
+    <a:masterClrMapping/>
+  </p:clrMapOvr>
+</p:sld>
+</file>
+
+<file path=ppt/slides/slide4.xml><?xml version="1.0" encoding="utf-8"?>
 <p:sld xmlns:a="http://schemas.openxmlformats.org/drawingml/2006/main" xmlns:r="http://schemas.openxmlformats.org/officeDocument/2006/relationships" xmlns:p="http://schemas.openxmlformats.org/presentationml/2006/main">
   <p:cSld>
     <p:spTree>
@@ -11560,7 +12453,7 @@
 </p:sld>
 </file>
 
-<file path=ppt/slides/slide3.xml><?xml version="1.0" encoding="utf-8"?>
+<file path=ppt/slides/slide5.xml><?xml version="1.0" encoding="utf-8"?>
 <p:sld xmlns:a="http://schemas.openxmlformats.org/drawingml/2006/main" xmlns:r="http://schemas.openxmlformats.org/officeDocument/2006/relationships" xmlns:p="http://schemas.openxmlformats.org/presentationml/2006/main">
   <p:cSld>
     <p:spTree>
@@ -12290,7 +13183,7 @@
 </p:sld>
 </file>
 
-<file path=ppt/slides/slide4.xml><?xml version="1.0" encoding="utf-8"?>
+<file path=ppt/slides/slide6.xml><?xml version="1.0" encoding="utf-8"?>
 <p:sld xmlns:a="http://schemas.openxmlformats.org/drawingml/2006/main" xmlns:r="http://schemas.openxmlformats.org/officeDocument/2006/relationships" xmlns:p="http://schemas.openxmlformats.org/presentationml/2006/main">
   <p:cSld>
     <p:spTree>
@@ -12852,7 +13745,7 @@
 </p:sld>
 </file>
 
-<file path=ppt/slides/slide5.xml><?xml version="1.0" encoding="utf-8"?>
+<file path=ppt/slides/slide7.xml><?xml version="1.0" encoding="utf-8"?>
 <p:sld xmlns:a="http://schemas.openxmlformats.org/drawingml/2006/main" xmlns:r="http://schemas.openxmlformats.org/officeDocument/2006/relationships" xmlns:p="http://schemas.openxmlformats.org/presentationml/2006/main">
   <p:cSld>
     <p:spTree>
@@ -12938,7 +13831,7 @@
 </p:sld>
 </file>
 
-<file path=ppt/slides/slide6.xml><?xml version="1.0" encoding="utf-8"?>
+<file path=ppt/slides/slide8.xml><?xml version="1.0" encoding="utf-8"?>
 <p:sld xmlns:a="http://schemas.openxmlformats.org/drawingml/2006/main" xmlns:r="http://schemas.openxmlformats.org/officeDocument/2006/relationships" xmlns:p="http://schemas.openxmlformats.org/presentationml/2006/main">
   <p:cSld>
     <p:spTree>
@@ -13356,7 +14249,7 @@
 </p:sld>
 </file>
 
-<file path=ppt/slides/slide7.xml><?xml version="1.0" encoding="utf-8"?>
+<file path=ppt/slides/slide9.xml><?xml version="1.0" encoding="utf-8"?>
 <p:sld xmlns:a="http://schemas.openxmlformats.org/drawingml/2006/main" xmlns:r="http://schemas.openxmlformats.org/officeDocument/2006/relationships" xmlns:p="http://schemas.openxmlformats.org/presentationml/2006/main">
   <p:cSld>
     <p:spTree>
@@ -13443,588 +14336,6 @@
   <p:clrMapOvr>
     <a:masterClrMapping/>
   </p:clrMapOvr>
-</p:sld>
-</file>
-
-<file path=ppt/slides/slide8.xml><?xml version="1.0" encoding="utf-8"?>
-<p:sld xmlns:a="http://schemas.openxmlformats.org/drawingml/2006/main" xmlns:r="http://schemas.openxmlformats.org/officeDocument/2006/relationships" xmlns:p="http://schemas.openxmlformats.org/presentationml/2006/main">
-  <p:cSld>
-    <p:spTree>
-      <p:nvGrpSpPr>
-        <p:cNvPr id="1" name=""/>
-        <p:cNvGrpSpPr/>
-        <p:nvPr/>
-      </p:nvGrpSpPr>
-      <p:grpSpPr>
-        <a:xfrm>
-          <a:off x="0" y="0"/>
-          <a:ext cx="0" cy="0"/>
-          <a:chOff x="0" y="0"/>
-          <a:chExt cx="0" cy="0"/>
-        </a:xfrm>
-      </p:grpSpPr>
-      <p:pic>
-        <p:nvPicPr>
-          <p:cNvPr id="2050" name="Picture 2">
-            <a:extLst>
-              <a:ext uri="{FF2B5EF4-FFF2-40B4-BE49-F238E27FC236}">
-                <a16:creationId xmlns:a16="http://schemas.microsoft.com/office/drawing/2014/main" id="{2ADB545E-1290-4B04-AE51-5FDCF7BE6430}"/>
-              </a:ext>
-            </a:extLst>
-          </p:cNvPr>
-          <p:cNvPicPr>
-            <a:picLocks noChangeAspect="1" noChangeArrowheads="1"/>
-          </p:cNvPicPr>
-          <p:nvPr/>
-        </p:nvPicPr>
-        <p:blipFill>
-          <a:blip r:embed="rId2" cstate="print">
-            <a:extLst>
-              <a:ext uri="{28A0092B-C50C-407E-A947-70E740481C1C}">
-                <a14:useLocalDpi xmlns:a14="http://schemas.microsoft.com/office/drawing/2010/main" val="0"/>
-              </a:ext>
-            </a:extLst>
-          </a:blip>
-          <a:stretch>
-            <a:fillRect/>
-          </a:stretch>
-        </p:blipFill>
-        <p:spPr bwMode="auto">
-          <a:xfrm>
-            <a:off x="920952" y="0"/>
-            <a:ext cx="10348510" cy="6858000"/>
-          </a:xfrm>
-          <a:prstGeom prst="rect">
-            <a:avLst/>
-          </a:prstGeom>
-          <a:noFill/>
-          <a:extLst>
-            <a:ext uri="{909E8E84-426E-40DD-AFC4-6F175D3DCCD1}">
-              <a14:hiddenFill xmlns:a14="http://schemas.microsoft.com/office/drawing/2010/main">
-                <a:solidFill>
-                  <a:srgbClr val="FFFFFF"/>
-                </a:solidFill>
-              </a14:hiddenFill>
-            </a:ext>
-          </a:extLst>
-        </p:spPr>
-      </p:pic>
-    </p:spTree>
-    <p:extLst>
-      <p:ext uri="{BB962C8B-B14F-4D97-AF65-F5344CB8AC3E}">
-        <p14:creationId xmlns:p14="http://schemas.microsoft.com/office/powerpoint/2010/main" val="3309274227"/>
-      </p:ext>
-    </p:extLst>
-  </p:cSld>
-  <p:clrMapOvr>
-    <a:masterClrMapping/>
-  </p:clrMapOvr>
-</p:sld>
-</file>
-
-<file path=ppt/slides/slide9.xml><?xml version="1.0" encoding="utf-8"?>
-<p:sld xmlns:a="http://schemas.openxmlformats.org/drawingml/2006/main" xmlns:r="http://schemas.openxmlformats.org/officeDocument/2006/relationships" xmlns:p="http://schemas.openxmlformats.org/presentationml/2006/main">
-  <p:cSld>
-    <p:spTree>
-      <p:nvGrpSpPr>
-        <p:cNvPr id="1" name=""/>
-        <p:cNvGrpSpPr/>
-        <p:nvPr/>
-      </p:nvGrpSpPr>
-      <p:grpSpPr>
-        <a:xfrm>
-          <a:off x="0" y="0"/>
-          <a:ext cx="0" cy="0"/>
-          <a:chOff x="0" y="0"/>
-          <a:chExt cx="0" cy="0"/>
-        </a:xfrm>
-      </p:grpSpPr>
-      <p:sp>
-        <p:nvSpPr>
-          <p:cNvPr id="39938" name="Rectangle 2"/>
-          <p:cNvSpPr>
-            <a:spLocks noGrp="1" noChangeArrowheads="1"/>
-          </p:cNvSpPr>
-          <p:nvPr>
-            <p:ph type="title"/>
-          </p:nvPr>
-        </p:nvSpPr>
-        <p:spPr/>
-        <p:txBody>
-          <a:bodyPr>
-            <a:normAutofit/>
-          </a:bodyPr>
-          <a:lstStyle/>
-          <a:p>
-            <a:r>
-              <a:rPr lang="ru-RU" dirty="0"/>
-              <a:t>Достоинства паттерна «Строитель»</a:t>
-            </a:r>
-          </a:p>
-        </p:txBody>
-      </p:sp>
-      <p:sp>
-        <p:nvSpPr>
-          <p:cNvPr id="39939" name="Rectangle 3"/>
-          <p:cNvSpPr>
-            <a:spLocks noGrp="1" noChangeArrowheads="1"/>
-          </p:cNvSpPr>
-          <p:nvPr>
-            <p:ph idx="1"/>
-          </p:nvPr>
-        </p:nvSpPr>
-        <p:spPr/>
-        <p:txBody>
-          <a:bodyPr>
-            <a:normAutofit/>
-          </a:bodyPr>
-          <a:lstStyle/>
-          <a:p>
-            <a:r>
-              <a:rPr lang="ru-RU" dirty="0"/>
-              <a:t>Позволяет изменять внутреннее представление продукта</a:t>
-            </a:r>
-          </a:p>
-          <a:p>
-            <a:pPr lvl="1"/>
-            <a:r>
-              <a:rPr lang="ru-RU" dirty="0"/>
-              <a:t>Распорядителю предоставляется абстрактный интерфейс Строителя, который скрывает структуру продукта и процесс сборки</a:t>
-            </a:r>
-          </a:p>
-          <a:p>
-            <a:pPr lvl="2"/>
-            <a:r>
-              <a:rPr lang="ru-RU" dirty="0"/>
-              <a:t>Чтобы добавить новый продукт, нужно добавить новую реализацию Строителя</a:t>
-            </a:r>
-          </a:p>
-          <a:p>
-            <a:r>
-              <a:rPr lang="ru-RU" dirty="0"/>
-              <a:t>Изолирует код, реализующий конструирование и представление </a:t>
-            </a:r>
-          </a:p>
-          <a:p>
-            <a:pPr lvl="1"/>
-            <a:r>
-              <a:rPr lang="ru-RU" dirty="0"/>
-              <a:t>Клиент не знает о классах, задающих внутреннюю структуру продукта (их нет в интерфейсе строителя)</a:t>
-            </a:r>
-          </a:p>
-          <a:p>
-            <a:r>
-              <a:rPr lang="ru-RU" dirty="0"/>
-              <a:t>Дает тонкий контроль над процессом конструирования </a:t>
-            </a:r>
-          </a:p>
-          <a:p>
-            <a:pPr lvl="1"/>
-            <a:r>
-              <a:rPr lang="ru-RU" dirty="0"/>
-              <a:t>Продукт создаётся шаг за шагом под управлением распорядителя</a:t>
-            </a:r>
-          </a:p>
-        </p:txBody>
-      </p:sp>
-    </p:spTree>
-    <p:extLst>
-      <p:ext uri="{BB962C8B-B14F-4D97-AF65-F5344CB8AC3E}">
-        <p14:creationId xmlns:p14="http://schemas.microsoft.com/office/powerpoint/2010/main" val="1182191711"/>
-      </p:ext>
-    </p:extLst>
-  </p:cSld>
-  <p:clrMapOvr>
-    <a:masterClrMapping/>
-  </p:clrMapOvr>
-  <p:timing>
-    <p:tnLst>
-      <p:par>
-        <p:cTn id="1" dur="indefinite" restart="never" nodeType="tmRoot">
-          <p:childTnLst>
-            <p:seq concurrent="1" nextAc="seek">
-              <p:cTn id="2" dur="indefinite" nodeType="mainSeq">
-                <p:childTnLst>
-                  <p:par>
-                    <p:cTn id="3" fill="hold">
-                      <p:stCondLst>
-                        <p:cond delay="indefinite"/>
-                      </p:stCondLst>
-                      <p:childTnLst>
-                        <p:par>
-                          <p:cTn id="4" fill="hold">
-                            <p:stCondLst>
-                              <p:cond delay="0"/>
-                            </p:stCondLst>
-                            <p:childTnLst>
-                              <p:par>
-                                <p:cTn id="5" presetID="10" presetClass="entr" presetSubtype="0" fill="hold" grpId="0" nodeType="clickEffect">
-                                  <p:stCondLst>
-                                    <p:cond delay="0"/>
-                                  </p:stCondLst>
-                                  <p:childTnLst>
-                                    <p:set>
-                                      <p:cBhvr>
-                                        <p:cTn id="6" dur="1" fill="hold">
-                                          <p:stCondLst>
-                                            <p:cond delay="0"/>
-                                          </p:stCondLst>
-                                        </p:cTn>
-                                        <p:tgtEl>
-                                          <p:spTgt spid="39939">
-                                            <p:txEl>
-                                              <p:pRg st="0" end="0"/>
-                                            </p:txEl>
-                                          </p:spTgt>
-                                        </p:tgtEl>
-                                        <p:attrNameLst>
-                                          <p:attrName>style.visibility</p:attrName>
-                                        </p:attrNameLst>
-                                      </p:cBhvr>
-                                      <p:to>
-                                        <p:strVal val="visible"/>
-                                      </p:to>
-                                    </p:set>
-                                    <p:animEffect transition="in" filter="fade">
-                                      <p:cBhvr>
-                                        <p:cTn id="7" dur="500"/>
-                                        <p:tgtEl>
-                                          <p:spTgt spid="39939">
-                                            <p:txEl>
-                                              <p:pRg st="0" end="0"/>
-                                            </p:txEl>
-                                          </p:spTgt>
-                                        </p:tgtEl>
-                                      </p:cBhvr>
-                                    </p:animEffect>
-                                  </p:childTnLst>
-                                </p:cTn>
-                              </p:par>
-                              <p:par>
-                                <p:cTn id="8" presetID="10" presetClass="entr" presetSubtype="0" fill="hold" grpId="0" nodeType="withEffect">
-                                  <p:stCondLst>
-                                    <p:cond delay="0"/>
-                                  </p:stCondLst>
-                                  <p:childTnLst>
-                                    <p:set>
-                                      <p:cBhvr>
-                                        <p:cTn id="9" dur="1" fill="hold">
-                                          <p:stCondLst>
-                                            <p:cond delay="0"/>
-                                          </p:stCondLst>
-                                        </p:cTn>
-                                        <p:tgtEl>
-                                          <p:spTgt spid="39939">
-                                            <p:txEl>
-                                              <p:pRg st="1" end="1"/>
-                                            </p:txEl>
-                                          </p:spTgt>
-                                        </p:tgtEl>
-                                        <p:attrNameLst>
-                                          <p:attrName>style.visibility</p:attrName>
-                                        </p:attrNameLst>
-                                      </p:cBhvr>
-                                      <p:to>
-                                        <p:strVal val="visible"/>
-                                      </p:to>
-                                    </p:set>
-                                    <p:animEffect transition="in" filter="fade">
-                                      <p:cBhvr>
-                                        <p:cTn id="10" dur="500"/>
-                                        <p:tgtEl>
-                                          <p:spTgt spid="39939">
-                                            <p:txEl>
-                                              <p:pRg st="1" end="1"/>
-                                            </p:txEl>
-                                          </p:spTgt>
-                                        </p:tgtEl>
-                                      </p:cBhvr>
-                                    </p:animEffect>
-                                  </p:childTnLst>
-                                </p:cTn>
-                              </p:par>
-                              <p:par>
-                                <p:cTn id="11" presetID="10" presetClass="entr" presetSubtype="0" fill="hold" grpId="0" nodeType="withEffect">
-                                  <p:stCondLst>
-                                    <p:cond delay="0"/>
-                                  </p:stCondLst>
-                                  <p:childTnLst>
-                                    <p:set>
-                                      <p:cBhvr>
-                                        <p:cTn id="12" dur="1" fill="hold">
-                                          <p:stCondLst>
-                                            <p:cond delay="0"/>
-                                          </p:stCondLst>
-                                        </p:cTn>
-                                        <p:tgtEl>
-                                          <p:spTgt spid="39939">
-                                            <p:txEl>
-                                              <p:pRg st="2" end="2"/>
-                                            </p:txEl>
-                                          </p:spTgt>
-                                        </p:tgtEl>
-                                        <p:attrNameLst>
-                                          <p:attrName>style.visibility</p:attrName>
-                                        </p:attrNameLst>
-                                      </p:cBhvr>
-                                      <p:to>
-                                        <p:strVal val="visible"/>
-                                      </p:to>
-                                    </p:set>
-                                    <p:animEffect transition="in" filter="fade">
-                                      <p:cBhvr>
-                                        <p:cTn id="13" dur="500"/>
-                                        <p:tgtEl>
-                                          <p:spTgt spid="39939">
-                                            <p:txEl>
-                                              <p:pRg st="2" end="2"/>
-                                            </p:txEl>
-                                          </p:spTgt>
-                                        </p:tgtEl>
-                                      </p:cBhvr>
-                                    </p:animEffect>
-                                  </p:childTnLst>
-                                </p:cTn>
-                              </p:par>
-                            </p:childTnLst>
-                          </p:cTn>
-                        </p:par>
-                      </p:childTnLst>
-                    </p:cTn>
-                  </p:par>
-                  <p:par>
-                    <p:cTn id="14" fill="hold">
-                      <p:stCondLst>
-                        <p:cond delay="indefinite"/>
-                      </p:stCondLst>
-                      <p:childTnLst>
-                        <p:par>
-                          <p:cTn id="15" fill="hold">
-                            <p:stCondLst>
-                              <p:cond delay="0"/>
-                            </p:stCondLst>
-                            <p:childTnLst>
-                              <p:par>
-                                <p:cTn id="16" presetID="10" presetClass="entr" presetSubtype="0" fill="hold" grpId="0" nodeType="clickEffect">
-                                  <p:stCondLst>
-                                    <p:cond delay="0"/>
-                                  </p:stCondLst>
-                                  <p:childTnLst>
-                                    <p:set>
-                                      <p:cBhvr>
-                                        <p:cTn id="17" dur="1" fill="hold">
-                                          <p:stCondLst>
-                                            <p:cond delay="0"/>
-                                          </p:stCondLst>
-                                        </p:cTn>
-                                        <p:tgtEl>
-                                          <p:spTgt spid="39939">
-                                            <p:txEl>
-                                              <p:pRg st="3" end="3"/>
-                                            </p:txEl>
-                                          </p:spTgt>
-                                        </p:tgtEl>
-                                        <p:attrNameLst>
-                                          <p:attrName>style.visibility</p:attrName>
-                                        </p:attrNameLst>
-                                      </p:cBhvr>
-                                      <p:to>
-                                        <p:strVal val="visible"/>
-                                      </p:to>
-                                    </p:set>
-                                    <p:animEffect transition="in" filter="fade">
-                                      <p:cBhvr>
-                                        <p:cTn id="18" dur="500"/>
-                                        <p:tgtEl>
-                                          <p:spTgt spid="39939">
-                                            <p:txEl>
-                                              <p:pRg st="3" end="3"/>
-                                            </p:txEl>
-                                          </p:spTgt>
-                                        </p:tgtEl>
-                                      </p:cBhvr>
-                                    </p:animEffect>
-                                  </p:childTnLst>
-                                </p:cTn>
-                              </p:par>
-                              <p:par>
-                                <p:cTn id="19" presetID="10" presetClass="entr" presetSubtype="0" fill="hold" grpId="0" nodeType="withEffect">
-                                  <p:stCondLst>
-                                    <p:cond delay="0"/>
-                                  </p:stCondLst>
-                                  <p:childTnLst>
-                                    <p:set>
-                                      <p:cBhvr>
-                                        <p:cTn id="20" dur="1" fill="hold">
-                                          <p:stCondLst>
-                                            <p:cond delay="0"/>
-                                          </p:stCondLst>
-                                        </p:cTn>
-                                        <p:tgtEl>
-                                          <p:spTgt spid="39939">
-                                            <p:txEl>
-                                              <p:pRg st="4" end="4"/>
-                                            </p:txEl>
-                                          </p:spTgt>
-                                        </p:tgtEl>
-                                        <p:attrNameLst>
-                                          <p:attrName>style.visibility</p:attrName>
-                                        </p:attrNameLst>
-                                      </p:cBhvr>
-                                      <p:to>
-                                        <p:strVal val="visible"/>
-                                      </p:to>
-                                    </p:set>
-                                    <p:animEffect transition="in" filter="fade">
-                                      <p:cBhvr>
-                                        <p:cTn id="21" dur="500"/>
-                                        <p:tgtEl>
-                                          <p:spTgt spid="39939">
-                                            <p:txEl>
-                                              <p:pRg st="4" end="4"/>
-                                            </p:txEl>
-                                          </p:spTgt>
-                                        </p:tgtEl>
-                                      </p:cBhvr>
-                                    </p:animEffect>
-                                  </p:childTnLst>
-                                </p:cTn>
-                              </p:par>
-                            </p:childTnLst>
-                          </p:cTn>
-                        </p:par>
-                      </p:childTnLst>
-                    </p:cTn>
-                  </p:par>
-                  <p:par>
-                    <p:cTn id="22" fill="hold">
-                      <p:stCondLst>
-                        <p:cond delay="indefinite"/>
-                      </p:stCondLst>
-                      <p:childTnLst>
-                        <p:par>
-                          <p:cTn id="23" fill="hold">
-                            <p:stCondLst>
-                              <p:cond delay="0"/>
-                            </p:stCondLst>
-                            <p:childTnLst>
-                              <p:par>
-                                <p:cTn id="24" presetID="10" presetClass="entr" presetSubtype="0" fill="hold" grpId="0" nodeType="clickEffect">
-                                  <p:stCondLst>
-                                    <p:cond delay="0"/>
-                                  </p:stCondLst>
-                                  <p:childTnLst>
-                                    <p:set>
-                                      <p:cBhvr>
-                                        <p:cTn id="25" dur="1" fill="hold">
-                                          <p:stCondLst>
-                                            <p:cond delay="0"/>
-                                          </p:stCondLst>
-                                        </p:cTn>
-                                        <p:tgtEl>
-                                          <p:spTgt spid="39939">
-                                            <p:txEl>
-                                              <p:pRg st="5" end="5"/>
-                                            </p:txEl>
-                                          </p:spTgt>
-                                        </p:tgtEl>
-                                        <p:attrNameLst>
-                                          <p:attrName>style.visibility</p:attrName>
-                                        </p:attrNameLst>
-                                      </p:cBhvr>
-                                      <p:to>
-                                        <p:strVal val="visible"/>
-                                      </p:to>
-                                    </p:set>
-                                    <p:animEffect transition="in" filter="fade">
-                                      <p:cBhvr>
-                                        <p:cTn id="26" dur="500"/>
-                                        <p:tgtEl>
-                                          <p:spTgt spid="39939">
-                                            <p:txEl>
-                                              <p:pRg st="5" end="5"/>
-                                            </p:txEl>
-                                          </p:spTgt>
-                                        </p:tgtEl>
-                                      </p:cBhvr>
-                                    </p:animEffect>
-                                  </p:childTnLst>
-                                </p:cTn>
-                              </p:par>
-                              <p:par>
-                                <p:cTn id="27" presetID="10" presetClass="entr" presetSubtype="0" fill="hold" grpId="0" nodeType="withEffect">
-                                  <p:stCondLst>
-                                    <p:cond delay="0"/>
-                                  </p:stCondLst>
-                                  <p:childTnLst>
-                                    <p:set>
-                                      <p:cBhvr>
-                                        <p:cTn id="28" dur="1" fill="hold">
-                                          <p:stCondLst>
-                                            <p:cond delay="0"/>
-                                          </p:stCondLst>
-                                        </p:cTn>
-                                        <p:tgtEl>
-                                          <p:spTgt spid="39939">
-                                            <p:txEl>
-                                              <p:pRg st="6" end="6"/>
-                                            </p:txEl>
-                                          </p:spTgt>
-                                        </p:tgtEl>
-                                        <p:attrNameLst>
-                                          <p:attrName>style.visibility</p:attrName>
-                                        </p:attrNameLst>
-                                      </p:cBhvr>
-                                      <p:to>
-                                        <p:strVal val="visible"/>
-                                      </p:to>
-                                    </p:set>
-                                    <p:animEffect transition="in" filter="fade">
-                                      <p:cBhvr>
-                                        <p:cTn id="29" dur="500"/>
-                                        <p:tgtEl>
-                                          <p:spTgt spid="39939">
-                                            <p:txEl>
-                                              <p:pRg st="6" end="6"/>
-                                            </p:txEl>
-                                          </p:spTgt>
-                                        </p:tgtEl>
-                                      </p:cBhvr>
-                                    </p:animEffect>
-                                  </p:childTnLst>
-                                </p:cTn>
-                              </p:par>
-                            </p:childTnLst>
-                          </p:cTn>
-                        </p:par>
-                      </p:childTnLst>
-                    </p:cTn>
-                  </p:par>
-                </p:childTnLst>
-              </p:cTn>
-              <p:prevCondLst>
-                <p:cond evt="onPrev" delay="0">
-                  <p:tgtEl>
-                    <p:sldTgt/>
-                  </p:tgtEl>
-                </p:cond>
-              </p:prevCondLst>
-              <p:nextCondLst>
-                <p:cond evt="onNext" delay="0">
-                  <p:tgtEl>
-                    <p:sldTgt/>
-                  </p:tgtEl>
-                </p:cond>
-              </p:nextCondLst>
-            </p:seq>
-          </p:childTnLst>
-        </p:cTn>
-      </p:par>
-    </p:tnLst>
-    <p:bldLst>
-      <p:bldP spid="39939" grpId="0" build="p"/>
-    </p:bldLst>
-  </p:timing>
 </p:sld>
 </file>
 

--- a/lectures/15.builder/builder.pptx
+++ b/lectures/15.builder/builder.pptx
@@ -5,33 +5,32 @@
     <p:sldMasterId id="2147483684" r:id="rId1"/>
   </p:sldMasterIdLst>
   <p:notesMasterIdLst>
-    <p:notesMasterId r:id="rId21"/>
+    <p:notesMasterId r:id="rId20"/>
   </p:notesMasterIdLst>
   <p:sldIdLst>
-    <p:sldId id="320" r:id="rId2"/>
-    <p:sldId id="324" r:id="rId3"/>
-    <p:sldId id="325" r:id="rId4"/>
-    <p:sldId id="321" r:id="rId5"/>
-    <p:sldId id="322" r:id="rId6"/>
-    <p:sldId id="260" r:id="rId7"/>
-    <p:sldId id="258" r:id="rId8"/>
-    <p:sldId id="261" r:id="rId9"/>
-    <p:sldId id="270" r:id="rId10"/>
-    <p:sldId id="323" r:id="rId11"/>
-    <p:sldId id="262" r:id="rId12"/>
-    <p:sldId id="268" r:id="rId13"/>
-    <p:sldId id="271" r:id="rId14"/>
-    <p:sldId id="272" r:id="rId15"/>
-    <p:sldId id="263" r:id="rId16"/>
-    <p:sldId id="264" r:id="rId17"/>
-    <p:sldId id="265" r:id="rId18"/>
-    <p:sldId id="266" r:id="rId19"/>
-    <p:sldId id="267" r:id="rId20"/>
+    <p:sldId id="325" r:id="rId2"/>
+    <p:sldId id="321" r:id="rId3"/>
+    <p:sldId id="322" r:id="rId4"/>
+    <p:sldId id="260" r:id="rId5"/>
+    <p:sldId id="258" r:id="rId6"/>
+    <p:sldId id="261" r:id="rId7"/>
+    <p:sldId id="270" r:id="rId8"/>
+    <p:sldId id="323" r:id="rId9"/>
+    <p:sldId id="262" r:id="rId10"/>
+    <p:sldId id="268" r:id="rId11"/>
+    <p:sldId id="271" r:id="rId12"/>
+    <p:sldId id="272" r:id="rId13"/>
+    <p:sldId id="326" r:id="rId14"/>
+    <p:sldId id="263" r:id="rId15"/>
+    <p:sldId id="264" r:id="rId16"/>
+    <p:sldId id="265" r:id="rId17"/>
+    <p:sldId id="266" r:id="rId18"/>
+    <p:sldId id="267" r:id="rId19"/>
   </p:sldIdLst>
   <p:sldSz cx="12192000" cy="6858000"/>
   <p:notesSz cx="6858000" cy="9144000"/>
   <p:custDataLst>
-    <p:tags r:id="rId22"/>
+    <p:tags r:id="rId21"/>
   </p:custDataLst>
   <p:defaultTextStyle>
     <a:defPPr>
@@ -229,7 +228,7 @@
           <a:p>
             <a:fld id="{2F3DCB6D-0B48-4A3D-B663-06C3F903A9D3}" type="datetimeFigureOut">
               <a:rPr lang="ru-RU" smtClean="0"/>
-              <a:t>31.01.2025</a:t>
+              <a:t>26.11.2025</a:t>
             </a:fld>
             <a:endParaRPr lang="ru-RU"/>
           </a:p>
@@ -569,7 +568,7 @@
             <a:fld id="{2BA51D53-1D63-4A9F-8701-A073A0EC8030}" type="slidenum">
               <a:rPr lang="ru-RU" smtClean="0"/>
               <a:pPr/>
-              <a:t>6</a:t>
+              <a:t>4</a:t>
             </a:fld>
             <a:endParaRPr lang="ru-RU"/>
           </a:p>
@@ -661,7 +660,7 @@
             <a:fld id="{2BA51D53-1D63-4A9F-8701-A073A0EC8030}" type="slidenum">
               <a:rPr lang="ru-RU" smtClean="0"/>
               <a:pPr/>
-              <a:t>17</a:t>
+              <a:t>16</a:t>
             </a:fld>
             <a:endParaRPr lang="ru-RU"/>
           </a:p>
@@ -753,7 +752,7 @@
             <a:fld id="{2BA51D53-1D63-4A9F-8701-A073A0EC8030}" type="slidenum">
               <a:rPr lang="ru-RU" smtClean="0"/>
               <a:pPr/>
-              <a:t>18</a:t>
+              <a:t>17</a:t>
             </a:fld>
             <a:endParaRPr lang="ru-RU"/>
           </a:p>
@@ -845,7 +844,7 @@
             <a:fld id="{2BA51D53-1D63-4A9F-8701-A073A0EC8030}" type="slidenum">
               <a:rPr lang="ru-RU" smtClean="0"/>
               <a:pPr/>
-              <a:t>19</a:t>
+              <a:t>18</a:t>
             </a:fld>
             <a:endParaRPr lang="ru-RU"/>
           </a:p>
@@ -937,7 +936,7 @@
             <a:fld id="{2BA51D53-1D63-4A9F-8701-A073A0EC8030}" type="slidenum">
               <a:rPr lang="ru-RU" smtClean="0"/>
               <a:pPr/>
-              <a:t>7</a:t>
+              <a:t>5</a:t>
             </a:fld>
             <a:endParaRPr lang="ru-RU"/>
           </a:p>
@@ -1029,7 +1028,7 @@
             <a:fld id="{2BA51D53-1D63-4A9F-8701-A073A0EC8030}" type="slidenum">
               <a:rPr lang="ru-RU" smtClean="0"/>
               <a:pPr/>
-              <a:t>8</a:t>
+              <a:t>6</a:t>
             </a:fld>
             <a:endParaRPr lang="ru-RU"/>
           </a:p>
@@ -1121,7 +1120,7 @@
             <a:fld id="{2BA51D53-1D63-4A9F-8701-A073A0EC8030}" type="slidenum">
               <a:rPr lang="ru-RU" smtClean="0"/>
               <a:pPr/>
-              <a:t>11</a:t>
+              <a:t>9</a:t>
             </a:fld>
             <a:endParaRPr lang="ru-RU"/>
           </a:p>
@@ -1210,7 +1209,7 @@
           <a:p>
             <a:fld id="{C72A1285-F988-4153-B7C5-B887A867730D}" type="slidenum">
               <a:rPr lang="ru-RU" smtClean="0"/>
-              <a:t>12</a:t>
+              <a:t>10</a:t>
             </a:fld>
             <a:endParaRPr lang="ru-RU"/>
           </a:p>
@@ -1339,7 +1338,7 @@
           <a:p>
             <a:fld id="{C72A1285-F988-4153-B7C5-B887A867730D}" type="slidenum">
               <a:rPr lang="ru-RU" smtClean="0"/>
-              <a:t>13</a:t>
+              <a:t>11</a:t>
             </a:fld>
             <a:endParaRPr lang="ru-RU"/>
           </a:p>
@@ -1500,7 +1499,7 @@
           <a:p>
             <a:fld id="{C72A1285-F988-4153-B7C5-B887A867730D}" type="slidenum">
               <a:rPr lang="ru-RU" smtClean="0"/>
-              <a:t>14</a:t>
+              <a:t>12</a:t>
             </a:fld>
             <a:endParaRPr lang="ru-RU"/>
           </a:p>
@@ -1592,7 +1591,7 @@
             <a:fld id="{2BA51D53-1D63-4A9F-8701-A073A0EC8030}" type="slidenum">
               <a:rPr lang="ru-RU" smtClean="0"/>
               <a:pPr/>
-              <a:t>15</a:t>
+              <a:t>14</a:t>
             </a:fld>
             <a:endParaRPr lang="ru-RU"/>
           </a:p>
@@ -1684,7 +1683,7 @@
             <a:fld id="{2BA51D53-1D63-4A9F-8701-A073A0EC8030}" type="slidenum">
               <a:rPr lang="ru-RU" smtClean="0"/>
               <a:pPr/>
-              <a:t>16</a:t>
+              <a:t>15</a:t>
             </a:fld>
             <a:endParaRPr lang="ru-RU"/>
           </a:p>
@@ -1852,7 +1851,7 @@
           <a:p>
             <a:fld id="{2590F9C9-AB92-4E86-B698-DEC9BF4350FF}" type="datetimeFigureOut">
               <a:rPr lang="ru-RU" smtClean="0"/>
-              <a:t>31.01.2025</a:t>
+              <a:t>26.11.2025</a:t>
             </a:fld>
             <a:endParaRPr lang="ru-RU"/>
           </a:p>
@@ -2052,7 +2051,7 @@
           <a:p>
             <a:fld id="{2590F9C9-AB92-4E86-B698-DEC9BF4350FF}" type="datetimeFigureOut">
               <a:rPr lang="ru-RU" smtClean="0"/>
-              <a:t>31.01.2025</a:t>
+              <a:t>26.11.2025</a:t>
             </a:fld>
             <a:endParaRPr lang="ru-RU"/>
           </a:p>
@@ -2262,7 +2261,7 @@
           <a:p>
             <a:fld id="{2590F9C9-AB92-4E86-B698-DEC9BF4350FF}" type="datetimeFigureOut">
               <a:rPr lang="ru-RU" smtClean="0"/>
-              <a:t>31.01.2025</a:t>
+              <a:t>26.11.2025</a:t>
             </a:fld>
             <a:endParaRPr lang="ru-RU"/>
           </a:p>
@@ -2462,7 +2461,7 @@
           <a:p>
             <a:fld id="{2590F9C9-AB92-4E86-B698-DEC9BF4350FF}" type="datetimeFigureOut">
               <a:rPr lang="ru-RU" smtClean="0"/>
-              <a:t>31.01.2025</a:t>
+              <a:t>26.11.2025</a:t>
             </a:fld>
             <a:endParaRPr lang="ru-RU"/>
           </a:p>
@@ -2738,7 +2737,7 @@
           <a:p>
             <a:fld id="{2590F9C9-AB92-4E86-B698-DEC9BF4350FF}" type="datetimeFigureOut">
               <a:rPr lang="ru-RU" smtClean="0"/>
-              <a:t>31.01.2025</a:t>
+              <a:t>26.11.2025</a:t>
             </a:fld>
             <a:endParaRPr lang="ru-RU"/>
           </a:p>
@@ -3006,7 +3005,7 @@
           <a:p>
             <a:fld id="{2590F9C9-AB92-4E86-B698-DEC9BF4350FF}" type="datetimeFigureOut">
               <a:rPr lang="ru-RU" smtClean="0"/>
-              <a:t>31.01.2025</a:t>
+              <a:t>26.11.2025</a:t>
             </a:fld>
             <a:endParaRPr lang="ru-RU"/>
           </a:p>
@@ -3421,7 +3420,7 @@
           <a:p>
             <a:fld id="{2590F9C9-AB92-4E86-B698-DEC9BF4350FF}" type="datetimeFigureOut">
               <a:rPr lang="ru-RU" smtClean="0"/>
-              <a:t>31.01.2025</a:t>
+              <a:t>26.11.2025</a:t>
             </a:fld>
             <a:endParaRPr lang="ru-RU"/>
           </a:p>
@@ -3563,7 +3562,7 @@
           <a:p>
             <a:fld id="{2590F9C9-AB92-4E86-B698-DEC9BF4350FF}" type="datetimeFigureOut">
               <a:rPr lang="ru-RU" smtClean="0"/>
-              <a:t>31.01.2025</a:t>
+              <a:t>26.11.2025</a:t>
             </a:fld>
             <a:endParaRPr lang="ru-RU"/>
           </a:p>
@@ -3676,7 +3675,7 @@
           <a:p>
             <a:fld id="{2590F9C9-AB92-4E86-B698-DEC9BF4350FF}" type="datetimeFigureOut">
               <a:rPr lang="ru-RU" smtClean="0"/>
-              <a:t>31.01.2025</a:t>
+              <a:t>26.11.2025</a:t>
             </a:fld>
             <a:endParaRPr lang="ru-RU"/>
           </a:p>
@@ -3989,7 +3988,7 @@
           <a:p>
             <a:fld id="{2590F9C9-AB92-4E86-B698-DEC9BF4350FF}" type="datetimeFigureOut">
               <a:rPr lang="ru-RU" smtClean="0"/>
-              <a:t>31.01.2025</a:t>
+              <a:t>26.11.2025</a:t>
             </a:fld>
             <a:endParaRPr lang="ru-RU"/>
           </a:p>
@@ -4278,7 +4277,7 @@
           <a:p>
             <a:fld id="{2590F9C9-AB92-4E86-B698-DEC9BF4350FF}" type="datetimeFigureOut">
               <a:rPr lang="ru-RU" smtClean="0"/>
-              <a:t>31.01.2025</a:t>
+              <a:t>26.11.2025</a:t>
             </a:fld>
             <a:endParaRPr lang="ru-RU"/>
           </a:p>
@@ -4521,7 +4520,7 @@
           <a:p>
             <a:fld id="{2590F9C9-AB92-4E86-B698-DEC9BF4350FF}" type="datetimeFigureOut">
               <a:rPr lang="ru-RU" smtClean="0"/>
-              <a:t>31.01.2025</a:t>
+              <a:t>26.11.2025</a:t>
             </a:fld>
             <a:endParaRPr lang="ru-RU"/>
           </a:p>
@@ -4922,231 +4921,17 @@
 </file>
 
 <file path=ppt/slides/slide1.xml><?xml version="1.0" encoding="utf-8"?>
-<p:sld xmlns:a="http://schemas.openxmlformats.org/drawingml/2006/main" xmlns:r="http://schemas.openxmlformats.org/officeDocument/2006/relationships" xmlns:p="http://schemas.openxmlformats.org/presentationml/2006/main">
+<p:sld xmlns:a="http://schemas.openxmlformats.org/drawingml/2006/main" xmlns:r="http://schemas.openxmlformats.org/officeDocument/2006/relationships" xmlns:p="http://schemas.openxmlformats.org/presentationml/2006/main" show="0">
   <p:cSld>
     <p:spTree>
       <p:nvGrpSpPr>
-        <p:cNvPr id="1" name=""/>
-        <p:cNvGrpSpPr/>
-        <p:nvPr/>
-      </p:nvGrpSpPr>
-      <p:grpSpPr>
-        <a:xfrm>
-          <a:off x="0" y="0"/>
-          <a:ext cx="0" cy="0"/>
-          <a:chOff x="0" y="0"/>
-          <a:chExt cx="0" cy="0"/>
-        </a:xfrm>
-      </p:grpSpPr>
-      <p:pic>
-        <p:nvPicPr>
-          <p:cNvPr id="5" name="Picture 4">
-            <a:extLst>
-              <a:ext uri="{FF2B5EF4-FFF2-40B4-BE49-F238E27FC236}">
-                <a16:creationId xmlns:a16="http://schemas.microsoft.com/office/drawing/2014/main" id="{754E85F0-DCD6-42D1-0560-0E0070092A4A}"/>
-              </a:ext>
-            </a:extLst>
-          </p:cNvPr>
-          <p:cNvPicPr>
-            <a:picLocks noChangeAspect="1"/>
-          </p:cNvPicPr>
-          <p:nvPr/>
-        </p:nvPicPr>
-        <p:blipFill>
-          <a:blip r:embed="rId2"/>
-          <a:stretch>
-            <a:fillRect/>
-          </a:stretch>
-        </p:blipFill>
-        <p:spPr>
-          <a:xfrm>
-            <a:off x="0" y="0"/>
-            <a:ext cx="12191999" cy="6858000"/>
-          </a:xfrm>
-          <a:prstGeom prst="rect">
-            <a:avLst/>
-          </a:prstGeom>
-        </p:spPr>
-      </p:pic>
-      <p:sp>
-        <p:nvSpPr>
-          <p:cNvPr id="2" name="Заголовок 1"/>
-          <p:cNvSpPr>
-            <a:spLocks noGrp="1"/>
-          </p:cNvSpPr>
-          <p:nvPr>
-            <p:ph type="ctrTitle"/>
-          </p:nvPr>
-        </p:nvSpPr>
-        <p:spPr>
-          <a:xfrm>
-            <a:off x="335360" y="1122362"/>
-            <a:ext cx="11521280" cy="3818806"/>
-          </a:xfrm>
-        </p:spPr>
-        <p:txBody>
-          <a:bodyPr>
-            <a:noAutofit/>
-          </a:bodyPr>
-          <a:lstStyle/>
-          <a:p>
-            <a:r>
-              <a:rPr lang="ru-RU" sz="8800" dirty="0">
-                <a:solidFill>
-                  <a:schemeClr val="bg1"/>
-                </a:solidFill>
-                <a:effectLst>
-                  <a:outerShdw blurRad="38100" dist="38100" dir="2700000" algn="tl">
-                    <a:srgbClr val="000000">
-                      <a:alpha val="43137"/>
-                    </a:srgbClr>
-                  </a:outerShdw>
-                </a:effectLst>
-                <a:latin typeface="Impact" panose="020B0806030902050204" pitchFamily="34" charset="0"/>
-              </a:rPr>
-              <a:t>Паттерн</a:t>
-            </a:r>
-            <a:br>
-              <a:rPr lang="ru-RU" sz="8000" dirty="0">
-                <a:solidFill>
-                  <a:schemeClr val="bg1"/>
-                </a:solidFill>
-                <a:effectLst>
-                  <a:outerShdw blurRad="38100" dist="38100" dir="2700000" algn="tl">
-                    <a:srgbClr val="000000">
-                      <a:alpha val="43137"/>
-                    </a:srgbClr>
-                  </a:outerShdw>
-                </a:effectLst>
-                <a:latin typeface="Impact" panose="020B0806030902050204" pitchFamily="34" charset="0"/>
-              </a:rPr>
-            </a:br>
-            <a:r>
-              <a:rPr lang="ru-RU" sz="11500" dirty="0">
-                <a:solidFill>
-                  <a:schemeClr val="bg1"/>
-                </a:solidFill>
-                <a:effectLst>
-                  <a:outerShdw blurRad="38100" dist="38100" dir="2700000" algn="tl">
-                    <a:srgbClr val="000000">
-                      <a:alpha val="43137"/>
-                    </a:srgbClr>
-                  </a:outerShdw>
-                </a:effectLst>
-                <a:latin typeface="Impact" panose="020B0806030902050204" pitchFamily="34" charset="0"/>
-              </a:rPr>
-              <a:t> «Строитель»</a:t>
-            </a:r>
-            <a:endParaRPr lang="ru-RU" sz="9600" dirty="0">
-              <a:solidFill>
-                <a:schemeClr val="bg1"/>
-              </a:solidFill>
-              <a:effectLst>
-                <a:outerShdw blurRad="38100" dist="38100" dir="2700000" algn="tl">
-                  <a:srgbClr val="000000">
-                    <a:alpha val="43137"/>
-                  </a:srgbClr>
-                </a:outerShdw>
-              </a:effectLst>
-              <a:latin typeface="Impact" panose="020B0806030902050204" pitchFamily="34" charset="0"/>
-            </a:endParaRPr>
-          </a:p>
-        </p:txBody>
-      </p:sp>
-    </p:spTree>
-    <p:extLst>
-      <p:ext uri="{BB962C8B-B14F-4D97-AF65-F5344CB8AC3E}">
-        <p14:creationId xmlns:p14="http://schemas.microsoft.com/office/powerpoint/2010/main" val="1393050759"/>
-      </p:ext>
-    </p:extLst>
-  </p:cSld>
-  <p:clrMapOvr>
-    <a:masterClrMapping/>
-  </p:clrMapOvr>
-</p:sld>
-</file>
-
-<file path=ppt/slides/slide10.xml><?xml version="1.0" encoding="utf-8"?>
-<p:sld xmlns:a="http://schemas.openxmlformats.org/drawingml/2006/main" xmlns:r="http://schemas.openxmlformats.org/officeDocument/2006/relationships" xmlns:p="http://schemas.openxmlformats.org/presentationml/2006/main">
-  <p:cSld>
-    <p:spTree>
-      <p:nvGrpSpPr>
-        <p:cNvPr id="1" name=""/>
-        <p:cNvGrpSpPr/>
-        <p:nvPr/>
-      </p:nvGrpSpPr>
-      <p:grpSpPr>
-        <a:xfrm>
-          <a:off x="0" y="0"/>
-          <a:ext cx="0" cy="0"/>
-          <a:chOff x="0" y="0"/>
-          <a:chExt cx="0" cy="0"/>
-        </a:xfrm>
-      </p:grpSpPr>
-      <p:pic>
-        <p:nvPicPr>
-          <p:cNvPr id="2050" name="Picture 2">
-            <a:extLst>
-              <a:ext uri="{FF2B5EF4-FFF2-40B4-BE49-F238E27FC236}">
-                <a16:creationId xmlns:a16="http://schemas.microsoft.com/office/drawing/2014/main" id="{2ADB545E-1290-4B04-AE51-5FDCF7BE6430}"/>
-              </a:ext>
-            </a:extLst>
-          </p:cNvPr>
-          <p:cNvPicPr>
-            <a:picLocks noChangeAspect="1" noChangeArrowheads="1"/>
-          </p:cNvPicPr>
-          <p:nvPr/>
-        </p:nvPicPr>
-        <p:blipFill>
-          <a:blip r:embed="rId2" cstate="print">
-            <a:extLst>
-              <a:ext uri="{28A0092B-C50C-407E-A947-70E740481C1C}">
-                <a14:useLocalDpi xmlns:a14="http://schemas.microsoft.com/office/drawing/2010/main" val="0"/>
-              </a:ext>
-            </a:extLst>
-          </a:blip>
-          <a:srcRect/>
-          <a:stretch/>
-        </p:blipFill>
-        <p:spPr bwMode="auto">
-          <a:xfrm>
-            <a:off x="491811" y="-2"/>
-            <a:ext cx="11206791" cy="6858002"/>
-          </a:xfrm>
-          <a:prstGeom prst="rect">
-            <a:avLst/>
-          </a:prstGeom>
-          <a:noFill/>
+        <p:cNvPr id="1" name="">
           <a:extLst>
-            <a:ext uri="{909E8E84-426E-40DD-AFC4-6F175D3DCCD1}">
-              <a14:hiddenFill xmlns:a14="http://schemas.microsoft.com/office/drawing/2010/main">
-                <a:solidFill>
-                  <a:srgbClr val="FFFFFF"/>
-                </a:solidFill>
-              </a14:hiddenFill>
+            <a:ext uri="{FF2B5EF4-FFF2-40B4-BE49-F238E27FC236}">
+              <a16:creationId xmlns:a16="http://schemas.microsoft.com/office/drawing/2014/main" id="{8A88136D-87D7-EE62-025B-24E4753A1405}"/>
             </a:ext>
           </a:extLst>
-        </p:spPr>
-      </p:pic>
-    </p:spTree>
-    <p:extLst>
-      <p:ext uri="{BB962C8B-B14F-4D97-AF65-F5344CB8AC3E}">
-        <p14:creationId xmlns:p14="http://schemas.microsoft.com/office/powerpoint/2010/main" val="3309274227"/>
-      </p:ext>
-    </p:extLst>
-  </p:cSld>
-  <p:clrMapOvr>
-    <a:masterClrMapping/>
-  </p:clrMapOvr>
-</p:sld>
-</file>
-
-<file path=ppt/slides/slide11.xml><?xml version="1.0" encoding="utf-8"?>
-<p:sld xmlns:a="http://schemas.openxmlformats.org/drawingml/2006/main" xmlns:r="http://schemas.openxmlformats.org/officeDocument/2006/relationships" xmlns:p="http://schemas.openxmlformats.org/presentationml/2006/main">
-  <p:cSld>
-    <p:spTree>
-      <p:nvGrpSpPr>
-        <p:cNvPr id="1" name=""/>
+        </p:cNvPr>
         <p:cNvGrpSpPr/>
         <p:nvPr/>
       </p:nvGrpSpPr>
@@ -5160,494 +4945,86 @@
       </p:grpSpPr>
       <p:sp>
         <p:nvSpPr>
-          <p:cNvPr id="39938" name="Rectangle 2"/>
+          <p:cNvPr id="2" name="Заголовок 1">
+            <a:extLst>
+              <a:ext uri="{FF2B5EF4-FFF2-40B4-BE49-F238E27FC236}">
+                <a16:creationId xmlns:a16="http://schemas.microsoft.com/office/drawing/2014/main" id="{5FA80C2E-CF91-F378-29AB-F92BB10647EA}"/>
+              </a:ext>
+            </a:extLst>
+          </p:cNvPr>
           <p:cNvSpPr>
-            <a:spLocks noGrp="1" noChangeArrowheads="1"/>
+            <a:spLocks noGrp="1"/>
           </p:cNvSpPr>
           <p:nvPr>
-            <p:ph type="title"/>
+            <p:ph type="ctrTitle"/>
+          </p:nvPr>
+        </p:nvSpPr>
+        <p:spPr>
+          <a:xfrm>
+            <a:off x="1524000" y="1122363"/>
+            <a:ext cx="9144000" cy="2387600"/>
+          </a:xfrm>
+        </p:spPr>
+        <p:txBody>
+          <a:bodyPr>
+            <a:noAutofit/>
+          </a:bodyPr>
+          <a:lstStyle/>
+          <a:p>
+            <a:r>
+              <a:rPr lang="ru-RU" dirty="0"/>
+              <a:t>Паттерн</a:t>
+            </a:r>
+            <a:r>
+              <a:rPr lang="en-US" dirty="0"/>
+              <a:t> </a:t>
+            </a:r>
+            <a:r>
+              <a:rPr lang="ru-RU" dirty="0"/>
+              <a:t>«Строитель»</a:t>
+            </a:r>
+          </a:p>
+        </p:txBody>
+      </p:sp>
+      <p:sp>
+        <p:nvSpPr>
+          <p:cNvPr id="4" name="Subtitle 3">
+            <a:extLst>
+              <a:ext uri="{FF2B5EF4-FFF2-40B4-BE49-F238E27FC236}">
+                <a16:creationId xmlns:a16="http://schemas.microsoft.com/office/drawing/2014/main" id="{8200AC0E-6C16-85D7-9597-5A13B630896A}"/>
+              </a:ext>
+            </a:extLst>
+          </p:cNvPr>
+          <p:cNvSpPr>
+            <a:spLocks noGrp="1"/>
+          </p:cNvSpPr>
+          <p:nvPr>
+            <p:ph type="subTitle" idx="1"/>
           </p:nvPr>
         </p:nvSpPr>
         <p:spPr/>
         <p:txBody>
-          <a:bodyPr>
-            <a:normAutofit/>
-          </a:bodyPr>
+          <a:bodyPr/>
           <a:lstStyle/>
           <a:p>
-            <a:r>
-              <a:rPr lang="ru-RU" dirty="0"/>
-              <a:t>Достоинства паттерна «Строитель»</a:t>
-            </a:r>
-          </a:p>
-        </p:txBody>
-      </p:sp>
-      <p:sp>
-        <p:nvSpPr>
-          <p:cNvPr id="39939" name="Rectangle 3"/>
-          <p:cNvSpPr>
-            <a:spLocks noGrp="1" noChangeArrowheads="1"/>
-          </p:cNvSpPr>
-          <p:nvPr>
-            <p:ph idx="1"/>
-          </p:nvPr>
-        </p:nvSpPr>
-        <p:spPr/>
-        <p:txBody>
-          <a:bodyPr>
-            <a:normAutofit/>
-          </a:bodyPr>
-          <a:lstStyle/>
-          <a:p>
-            <a:r>
-              <a:rPr lang="ru-RU" dirty="0"/>
-              <a:t>Позволяет изменять внутреннее представление продукта</a:t>
-            </a:r>
-          </a:p>
-          <a:p>
-            <a:pPr lvl="1"/>
-            <a:r>
-              <a:rPr lang="ru-RU" dirty="0"/>
-              <a:t>Распорядителю предоставляется абстрактный интерфейс Строителя, который скрывает структуру продукта и процесс сборки</a:t>
-            </a:r>
-          </a:p>
-          <a:p>
-            <a:pPr lvl="2"/>
-            <a:r>
-              <a:rPr lang="ru-RU" dirty="0"/>
-              <a:t>Чтобы добавить новый продукт, нужно добавить новую реализацию Строителя</a:t>
-            </a:r>
-          </a:p>
-          <a:p>
-            <a:r>
-              <a:rPr lang="ru-RU" dirty="0"/>
-              <a:t>Изолирует код, реализующий конструирование и представление </a:t>
-            </a:r>
-          </a:p>
-          <a:p>
-            <a:pPr lvl="1"/>
-            <a:r>
-              <a:rPr lang="ru-RU" dirty="0"/>
-              <a:t>Распорядитель не знает о классах, задающих внутреннюю структуру продукта (их нет в интерфейсе строителя)</a:t>
-            </a:r>
-          </a:p>
-          <a:p>
-            <a:r>
-              <a:rPr lang="ru-RU" dirty="0"/>
-              <a:t>Дает тонкий контроль над процессом конструирования </a:t>
-            </a:r>
-          </a:p>
-          <a:p>
-            <a:pPr lvl="1"/>
-            <a:r>
-              <a:rPr lang="ru-RU" dirty="0"/>
-              <a:t>Продукт создаётся шаг за шагом под управлением распорядителя</a:t>
-            </a:r>
+            <a:endParaRPr lang="en-US"/>
           </a:p>
         </p:txBody>
       </p:sp>
     </p:spTree>
     <p:extLst>
       <p:ext uri="{BB962C8B-B14F-4D97-AF65-F5344CB8AC3E}">
-        <p14:creationId xmlns:p14="http://schemas.microsoft.com/office/powerpoint/2010/main" val="1182191711"/>
+        <p14:creationId xmlns:p14="http://schemas.microsoft.com/office/powerpoint/2010/main" val="4100336363"/>
       </p:ext>
     </p:extLst>
   </p:cSld>
   <p:clrMapOvr>
     <a:masterClrMapping/>
   </p:clrMapOvr>
-  <p:timing>
-    <p:tnLst>
-      <p:par>
-        <p:cTn id="1" dur="indefinite" restart="never" nodeType="tmRoot">
-          <p:childTnLst>
-            <p:seq concurrent="1" nextAc="seek">
-              <p:cTn id="2" dur="indefinite" nodeType="mainSeq">
-                <p:childTnLst>
-                  <p:par>
-                    <p:cTn id="3" fill="hold">
-                      <p:stCondLst>
-                        <p:cond delay="indefinite"/>
-                      </p:stCondLst>
-                      <p:childTnLst>
-                        <p:par>
-                          <p:cTn id="4" fill="hold">
-                            <p:stCondLst>
-                              <p:cond delay="0"/>
-                            </p:stCondLst>
-                            <p:childTnLst>
-                              <p:par>
-                                <p:cTn id="5" presetID="10" presetClass="entr" presetSubtype="0" fill="hold" grpId="0" nodeType="clickEffect">
-                                  <p:stCondLst>
-                                    <p:cond delay="0"/>
-                                  </p:stCondLst>
-                                  <p:childTnLst>
-                                    <p:set>
-                                      <p:cBhvr>
-                                        <p:cTn id="6" dur="1" fill="hold">
-                                          <p:stCondLst>
-                                            <p:cond delay="0"/>
-                                          </p:stCondLst>
-                                        </p:cTn>
-                                        <p:tgtEl>
-                                          <p:spTgt spid="39939">
-                                            <p:txEl>
-                                              <p:pRg st="0" end="0"/>
-                                            </p:txEl>
-                                          </p:spTgt>
-                                        </p:tgtEl>
-                                        <p:attrNameLst>
-                                          <p:attrName>style.visibility</p:attrName>
-                                        </p:attrNameLst>
-                                      </p:cBhvr>
-                                      <p:to>
-                                        <p:strVal val="visible"/>
-                                      </p:to>
-                                    </p:set>
-                                    <p:animEffect transition="in" filter="fade">
-                                      <p:cBhvr>
-                                        <p:cTn id="7" dur="500"/>
-                                        <p:tgtEl>
-                                          <p:spTgt spid="39939">
-                                            <p:txEl>
-                                              <p:pRg st="0" end="0"/>
-                                            </p:txEl>
-                                          </p:spTgt>
-                                        </p:tgtEl>
-                                      </p:cBhvr>
-                                    </p:animEffect>
-                                  </p:childTnLst>
-                                </p:cTn>
-                              </p:par>
-                              <p:par>
-                                <p:cTn id="8" presetID="10" presetClass="entr" presetSubtype="0" fill="hold" grpId="0" nodeType="withEffect">
-                                  <p:stCondLst>
-                                    <p:cond delay="0"/>
-                                  </p:stCondLst>
-                                  <p:childTnLst>
-                                    <p:set>
-                                      <p:cBhvr>
-                                        <p:cTn id="9" dur="1" fill="hold">
-                                          <p:stCondLst>
-                                            <p:cond delay="0"/>
-                                          </p:stCondLst>
-                                        </p:cTn>
-                                        <p:tgtEl>
-                                          <p:spTgt spid="39939">
-                                            <p:txEl>
-                                              <p:pRg st="1" end="1"/>
-                                            </p:txEl>
-                                          </p:spTgt>
-                                        </p:tgtEl>
-                                        <p:attrNameLst>
-                                          <p:attrName>style.visibility</p:attrName>
-                                        </p:attrNameLst>
-                                      </p:cBhvr>
-                                      <p:to>
-                                        <p:strVal val="visible"/>
-                                      </p:to>
-                                    </p:set>
-                                    <p:animEffect transition="in" filter="fade">
-                                      <p:cBhvr>
-                                        <p:cTn id="10" dur="500"/>
-                                        <p:tgtEl>
-                                          <p:spTgt spid="39939">
-                                            <p:txEl>
-                                              <p:pRg st="1" end="1"/>
-                                            </p:txEl>
-                                          </p:spTgt>
-                                        </p:tgtEl>
-                                      </p:cBhvr>
-                                    </p:animEffect>
-                                  </p:childTnLst>
-                                </p:cTn>
-                              </p:par>
-                              <p:par>
-                                <p:cTn id="11" presetID="10" presetClass="entr" presetSubtype="0" fill="hold" grpId="0" nodeType="withEffect">
-                                  <p:stCondLst>
-                                    <p:cond delay="0"/>
-                                  </p:stCondLst>
-                                  <p:childTnLst>
-                                    <p:set>
-                                      <p:cBhvr>
-                                        <p:cTn id="12" dur="1" fill="hold">
-                                          <p:stCondLst>
-                                            <p:cond delay="0"/>
-                                          </p:stCondLst>
-                                        </p:cTn>
-                                        <p:tgtEl>
-                                          <p:spTgt spid="39939">
-                                            <p:txEl>
-                                              <p:pRg st="2" end="2"/>
-                                            </p:txEl>
-                                          </p:spTgt>
-                                        </p:tgtEl>
-                                        <p:attrNameLst>
-                                          <p:attrName>style.visibility</p:attrName>
-                                        </p:attrNameLst>
-                                      </p:cBhvr>
-                                      <p:to>
-                                        <p:strVal val="visible"/>
-                                      </p:to>
-                                    </p:set>
-                                    <p:animEffect transition="in" filter="fade">
-                                      <p:cBhvr>
-                                        <p:cTn id="13" dur="500"/>
-                                        <p:tgtEl>
-                                          <p:spTgt spid="39939">
-                                            <p:txEl>
-                                              <p:pRg st="2" end="2"/>
-                                            </p:txEl>
-                                          </p:spTgt>
-                                        </p:tgtEl>
-                                      </p:cBhvr>
-                                    </p:animEffect>
-                                  </p:childTnLst>
-                                </p:cTn>
-                              </p:par>
-                            </p:childTnLst>
-                          </p:cTn>
-                        </p:par>
-                      </p:childTnLst>
-                    </p:cTn>
-                  </p:par>
-                  <p:par>
-                    <p:cTn id="14" fill="hold">
-                      <p:stCondLst>
-                        <p:cond delay="indefinite"/>
-                      </p:stCondLst>
-                      <p:childTnLst>
-                        <p:par>
-                          <p:cTn id="15" fill="hold">
-                            <p:stCondLst>
-                              <p:cond delay="0"/>
-                            </p:stCondLst>
-                            <p:childTnLst>
-                              <p:par>
-                                <p:cTn id="16" presetID="10" presetClass="entr" presetSubtype="0" fill="hold" grpId="0" nodeType="clickEffect">
-                                  <p:stCondLst>
-                                    <p:cond delay="0"/>
-                                  </p:stCondLst>
-                                  <p:childTnLst>
-                                    <p:set>
-                                      <p:cBhvr>
-                                        <p:cTn id="17" dur="1" fill="hold">
-                                          <p:stCondLst>
-                                            <p:cond delay="0"/>
-                                          </p:stCondLst>
-                                        </p:cTn>
-                                        <p:tgtEl>
-                                          <p:spTgt spid="39939">
-                                            <p:txEl>
-                                              <p:pRg st="3" end="3"/>
-                                            </p:txEl>
-                                          </p:spTgt>
-                                        </p:tgtEl>
-                                        <p:attrNameLst>
-                                          <p:attrName>style.visibility</p:attrName>
-                                        </p:attrNameLst>
-                                      </p:cBhvr>
-                                      <p:to>
-                                        <p:strVal val="visible"/>
-                                      </p:to>
-                                    </p:set>
-                                    <p:animEffect transition="in" filter="fade">
-                                      <p:cBhvr>
-                                        <p:cTn id="18" dur="500"/>
-                                        <p:tgtEl>
-                                          <p:spTgt spid="39939">
-                                            <p:txEl>
-                                              <p:pRg st="3" end="3"/>
-                                            </p:txEl>
-                                          </p:spTgt>
-                                        </p:tgtEl>
-                                      </p:cBhvr>
-                                    </p:animEffect>
-                                  </p:childTnLst>
-                                </p:cTn>
-                              </p:par>
-                              <p:par>
-                                <p:cTn id="19" presetID="10" presetClass="entr" presetSubtype="0" fill="hold" grpId="0" nodeType="withEffect">
-                                  <p:stCondLst>
-                                    <p:cond delay="0"/>
-                                  </p:stCondLst>
-                                  <p:childTnLst>
-                                    <p:set>
-                                      <p:cBhvr>
-                                        <p:cTn id="20" dur="1" fill="hold">
-                                          <p:stCondLst>
-                                            <p:cond delay="0"/>
-                                          </p:stCondLst>
-                                        </p:cTn>
-                                        <p:tgtEl>
-                                          <p:spTgt spid="39939">
-                                            <p:txEl>
-                                              <p:pRg st="4" end="4"/>
-                                            </p:txEl>
-                                          </p:spTgt>
-                                        </p:tgtEl>
-                                        <p:attrNameLst>
-                                          <p:attrName>style.visibility</p:attrName>
-                                        </p:attrNameLst>
-                                      </p:cBhvr>
-                                      <p:to>
-                                        <p:strVal val="visible"/>
-                                      </p:to>
-                                    </p:set>
-                                    <p:animEffect transition="in" filter="fade">
-                                      <p:cBhvr>
-                                        <p:cTn id="21" dur="500"/>
-                                        <p:tgtEl>
-                                          <p:spTgt spid="39939">
-                                            <p:txEl>
-                                              <p:pRg st="4" end="4"/>
-                                            </p:txEl>
-                                          </p:spTgt>
-                                        </p:tgtEl>
-                                      </p:cBhvr>
-                                    </p:animEffect>
-                                  </p:childTnLst>
-                                </p:cTn>
-                              </p:par>
-                            </p:childTnLst>
-                          </p:cTn>
-                        </p:par>
-                      </p:childTnLst>
-                    </p:cTn>
-                  </p:par>
-                  <p:par>
-                    <p:cTn id="22" fill="hold">
-                      <p:stCondLst>
-                        <p:cond delay="indefinite"/>
-                      </p:stCondLst>
-                      <p:childTnLst>
-                        <p:par>
-                          <p:cTn id="23" fill="hold">
-                            <p:stCondLst>
-                              <p:cond delay="0"/>
-                            </p:stCondLst>
-                            <p:childTnLst>
-                              <p:par>
-                                <p:cTn id="24" presetID="10" presetClass="entr" presetSubtype="0" fill="hold" grpId="0" nodeType="clickEffect">
-                                  <p:stCondLst>
-                                    <p:cond delay="0"/>
-                                  </p:stCondLst>
-                                  <p:childTnLst>
-                                    <p:set>
-                                      <p:cBhvr>
-                                        <p:cTn id="25" dur="1" fill="hold">
-                                          <p:stCondLst>
-                                            <p:cond delay="0"/>
-                                          </p:stCondLst>
-                                        </p:cTn>
-                                        <p:tgtEl>
-                                          <p:spTgt spid="39939">
-                                            <p:txEl>
-                                              <p:pRg st="5" end="5"/>
-                                            </p:txEl>
-                                          </p:spTgt>
-                                        </p:tgtEl>
-                                        <p:attrNameLst>
-                                          <p:attrName>style.visibility</p:attrName>
-                                        </p:attrNameLst>
-                                      </p:cBhvr>
-                                      <p:to>
-                                        <p:strVal val="visible"/>
-                                      </p:to>
-                                    </p:set>
-                                    <p:animEffect transition="in" filter="fade">
-                                      <p:cBhvr>
-                                        <p:cTn id="26" dur="500"/>
-                                        <p:tgtEl>
-                                          <p:spTgt spid="39939">
-                                            <p:txEl>
-                                              <p:pRg st="5" end="5"/>
-                                            </p:txEl>
-                                          </p:spTgt>
-                                        </p:tgtEl>
-                                      </p:cBhvr>
-                                    </p:animEffect>
-                                  </p:childTnLst>
-                                </p:cTn>
-                              </p:par>
-                              <p:par>
-                                <p:cTn id="27" presetID="10" presetClass="entr" presetSubtype="0" fill="hold" grpId="0" nodeType="withEffect">
-                                  <p:stCondLst>
-                                    <p:cond delay="0"/>
-                                  </p:stCondLst>
-                                  <p:childTnLst>
-                                    <p:set>
-                                      <p:cBhvr>
-                                        <p:cTn id="28" dur="1" fill="hold">
-                                          <p:stCondLst>
-                                            <p:cond delay="0"/>
-                                          </p:stCondLst>
-                                        </p:cTn>
-                                        <p:tgtEl>
-                                          <p:spTgt spid="39939">
-                                            <p:txEl>
-                                              <p:pRg st="6" end="6"/>
-                                            </p:txEl>
-                                          </p:spTgt>
-                                        </p:tgtEl>
-                                        <p:attrNameLst>
-                                          <p:attrName>style.visibility</p:attrName>
-                                        </p:attrNameLst>
-                                      </p:cBhvr>
-                                      <p:to>
-                                        <p:strVal val="visible"/>
-                                      </p:to>
-                                    </p:set>
-                                    <p:animEffect transition="in" filter="fade">
-                                      <p:cBhvr>
-                                        <p:cTn id="29" dur="500"/>
-                                        <p:tgtEl>
-                                          <p:spTgt spid="39939">
-                                            <p:txEl>
-                                              <p:pRg st="6" end="6"/>
-                                            </p:txEl>
-                                          </p:spTgt>
-                                        </p:tgtEl>
-                                      </p:cBhvr>
-                                    </p:animEffect>
-                                  </p:childTnLst>
-                                </p:cTn>
-                              </p:par>
-                            </p:childTnLst>
-                          </p:cTn>
-                        </p:par>
-                      </p:childTnLst>
-                    </p:cTn>
-                  </p:par>
-                </p:childTnLst>
-              </p:cTn>
-              <p:prevCondLst>
-                <p:cond evt="onPrev" delay="0">
-                  <p:tgtEl>
-                    <p:sldTgt/>
-                  </p:tgtEl>
-                </p:cond>
-              </p:prevCondLst>
-              <p:nextCondLst>
-                <p:cond evt="onNext" delay="0">
-                  <p:tgtEl>
-                    <p:sldTgt/>
-                  </p:tgtEl>
-                </p:cond>
-              </p:nextCondLst>
-            </p:seq>
-          </p:childTnLst>
-        </p:cTn>
-      </p:par>
-    </p:tnLst>
-    <p:bldLst>
-      <p:bldP spid="39939" grpId="0" build="p"/>
-    </p:bldLst>
-  </p:timing>
 </p:sld>
 </file>
 
-<file path=ppt/slides/slide12.xml><?xml version="1.0" encoding="utf-8"?>
+<file path=ppt/slides/slide10.xml><?xml version="1.0" encoding="utf-8"?>
 <p:sld xmlns:a="http://schemas.openxmlformats.org/drawingml/2006/main" xmlns:r="http://schemas.openxmlformats.org/officeDocument/2006/relationships" xmlns:p="http://schemas.openxmlformats.org/presentationml/2006/main">
   <p:cSld>
     <p:spTree>
@@ -5726,7 +5103,7 @@
 </p:sld>
 </file>
 
-<file path=ppt/slides/slide13.xml><?xml version="1.0" encoding="utf-8"?>
+<file path=ppt/slides/slide11.xml><?xml version="1.0" encoding="utf-8"?>
 <p:sld xmlns:a="http://schemas.openxmlformats.org/drawingml/2006/main" xmlns:r="http://schemas.openxmlformats.org/officeDocument/2006/relationships" xmlns:p="http://schemas.openxmlformats.org/presentationml/2006/main">
   <p:cSld>
     <p:spTree>
@@ -6025,7 +5402,7 @@
 </p:sld>
 </file>
 
-<file path=ppt/slides/slide14.xml><?xml version="1.0" encoding="utf-8"?>
+<file path=ppt/slides/slide12.xml><?xml version="1.0" encoding="utf-8"?>
 <p:sld xmlns:a="http://schemas.openxmlformats.org/drawingml/2006/main" xmlns:r="http://schemas.openxmlformats.org/officeDocument/2006/relationships" xmlns:p="http://schemas.openxmlformats.org/presentationml/2006/main">
   <p:cSld>
     <p:spTree>
@@ -6137,7 +5514,139 @@
 </p:sld>
 </file>
 
-<file path=ppt/slides/slide15.xml><?xml version="1.0" encoding="utf-8"?>
+<file path=ppt/slides/slide13.xml><?xml version="1.0" encoding="utf-8"?>
+<p:sld xmlns:a="http://schemas.openxmlformats.org/drawingml/2006/main" xmlns:r="http://schemas.openxmlformats.org/officeDocument/2006/relationships" xmlns:p="http://schemas.openxmlformats.org/presentationml/2006/main">
+  <p:cSld>
+    <p:spTree>
+      <p:nvGrpSpPr>
+        <p:cNvPr id="1" name=""/>
+        <p:cNvGrpSpPr/>
+        <p:nvPr/>
+      </p:nvGrpSpPr>
+      <p:grpSpPr>
+        <a:xfrm>
+          <a:off x="0" y="0"/>
+          <a:ext cx="0" cy="0"/>
+          <a:chOff x="0" y="0"/>
+          <a:chExt cx="0" cy="0"/>
+        </a:xfrm>
+      </p:grpSpPr>
+      <p:sp>
+        <p:nvSpPr>
+          <p:cNvPr id="2" name="Title 1">
+            <a:extLst>
+              <a:ext uri="{FF2B5EF4-FFF2-40B4-BE49-F238E27FC236}">
+                <a16:creationId xmlns:a16="http://schemas.microsoft.com/office/drawing/2014/main" id="{BEB9502C-A3F1-4652-BBFD-C5A2E429AA9D}"/>
+              </a:ext>
+            </a:extLst>
+          </p:cNvPr>
+          <p:cNvSpPr>
+            <a:spLocks noGrp="1"/>
+          </p:cNvSpPr>
+          <p:nvPr>
+            <p:ph type="title"/>
+          </p:nvPr>
+        </p:nvSpPr>
+        <p:spPr/>
+        <p:txBody>
+          <a:bodyPr/>
+          <a:lstStyle/>
+          <a:p>
+            <a:r>
+              <a:rPr lang="ru-RU" dirty="0"/>
+              <a:t>Примеры</a:t>
+            </a:r>
+            <a:endParaRPr lang="en-US" dirty="0"/>
+          </a:p>
+        </p:txBody>
+      </p:sp>
+      <p:sp>
+        <p:nvSpPr>
+          <p:cNvPr id="3" name="Content Placeholder 2">
+            <a:extLst>
+              <a:ext uri="{FF2B5EF4-FFF2-40B4-BE49-F238E27FC236}">
+                <a16:creationId xmlns:a16="http://schemas.microsoft.com/office/drawing/2014/main" id="{77798B80-26DD-A676-4A46-61523A254C85}"/>
+              </a:ext>
+            </a:extLst>
+          </p:cNvPr>
+          <p:cNvSpPr>
+            <a:spLocks noGrp="1"/>
+          </p:cNvSpPr>
+          <p:nvPr>
+            <p:ph idx="1"/>
+          </p:nvPr>
+        </p:nvSpPr>
+        <p:spPr/>
+        <p:txBody>
+          <a:bodyPr/>
+          <a:lstStyle/>
+          <a:p>
+            <a:r>
+              <a:rPr lang="ru-RU" dirty="0"/>
+              <a:t>Создание </a:t>
+            </a:r>
+            <a:r>
+              <a:rPr lang="en-US" dirty="0"/>
+              <a:t>HTTP-</a:t>
+            </a:r>
+            <a:r>
+              <a:rPr lang="ru-RU" dirty="0"/>
+              <a:t>запроса</a:t>
+            </a:r>
+          </a:p>
+          <a:p>
+            <a:r>
+              <a:rPr lang="ru-RU" dirty="0"/>
+              <a:t>Создание сложного </a:t>
+            </a:r>
+            <a:r>
+              <a:rPr lang="en-US" dirty="0"/>
+              <a:t>UI </a:t>
+            </a:r>
+            <a:r>
+              <a:rPr lang="ru-RU" dirty="0"/>
+              <a:t>элемента</a:t>
+            </a:r>
+          </a:p>
+          <a:p>
+            <a:r>
+              <a:rPr lang="ru-RU" dirty="0"/>
+              <a:t>Формирование отчёта</a:t>
+            </a:r>
+          </a:p>
+          <a:p>
+            <a:r>
+              <a:rPr lang="ru-RU" dirty="0" err="1"/>
+              <a:t>Иммутабельные</a:t>
+            </a:r>
+            <a:r>
+              <a:rPr lang="ru-RU" dirty="0"/>
+              <a:t> объекты</a:t>
+            </a:r>
+          </a:p>
+          <a:p>
+            <a:r>
+              <a:rPr lang="ru-RU" dirty="0"/>
+              <a:t>Создание графа фильтров обработки видео</a:t>
+            </a:r>
+            <a:endParaRPr lang="en-US" dirty="0"/>
+          </a:p>
+        </p:txBody>
+      </p:sp>
+    </p:spTree>
+    <p:extLst>
+      <p:ext uri="{BB962C8B-B14F-4D97-AF65-F5344CB8AC3E}">
+        <p14:creationId xmlns:p14="http://schemas.microsoft.com/office/powerpoint/2010/main" val="565733402"/>
+      </p:ext>
+    </p:extLst>
+  </p:cSld>
+  <p:clrMapOvr>
+    <a:masterClrMapping/>
+  </p:clrMapOvr>
+</p:sld>
+</file>
+
+<file path=ppt/slides/slide14.xml><?xml version="1.0" encoding="utf-8"?>
 <p:sld xmlns:a="http://schemas.openxmlformats.org/drawingml/2006/main" xmlns:r="http://schemas.openxmlformats.org/officeDocument/2006/relationships" xmlns:p="http://schemas.openxmlformats.org/presentationml/2006/main" show="0">
   <p:cSld>
     <p:spTree>
@@ -6747,7 +6256,7 @@
 </p:sld>
 </file>
 
-<file path=ppt/slides/slide16.xml><?xml version="1.0" encoding="utf-8"?>
+<file path=ppt/slides/slide15.xml><?xml version="1.0" encoding="utf-8"?>
 <p:sld xmlns:a="http://schemas.openxmlformats.org/drawingml/2006/main" xmlns:r="http://schemas.openxmlformats.org/officeDocument/2006/relationships" xmlns:p="http://schemas.openxmlformats.org/presentationml/2006/main" show="0">
   <p:cSld>
     <p:spTree>
@@ -7028,7 +6537,7 @@
 </p:sld>
 </file>
 
-<file path=ppt/slides/slide17.xml><?xml version="1.0" encoding="utf-8"?>
+<file path=ppt/slides/slide16.xml><?xml version="1.0" encoding="utf-8"?>
 <p:sld xmlns:a="http://schemas.openxmlformats.org/drawingml/2006/main" xmlns:r="http://schemas.openxmlformats.org/officeDocument/2006/relationships" xmlns:p="http://schemas.openxmlformats.org/presentationml/2006/main" show="0">
   <p:cSld>
     <p:spTree>
@@ -9853,6 +9362,1220 @@
                                           <p:spTgt spid="5">
                                             <p:txEl>
                                               <p:pRg st="19" end="19"/>
+                                            </p:txEl>
+                                          </p:spTgt>
+                                        </p:tgtEl>
+                                      </p:cBhvr>
+                                    </p:animEffect>
+                                  </p:childTnLst>
+                                </p:cTn>
+                              </p:par>
+                            </p:childTnLst>
+                          </p:cTn>
+                        </p:par>
+                      </p:childTnLst>
+                    </p:cTn>
+                  </p:par>
+                </p:childTnLst>
+              </p:cTn>
+              <p:prevCondLst>
+                <p:cond evt="onPrev" delay="0">
+                  <p:tgtEl>
+                    <p:sldTgt/>
+                  </p:tgtEl>
+                </p:cond>
+              </p:prevCondLst>
+              <p:nextCondLst>
+                <p:cond evt="onNext" delay="0">
+                  <p:tgtEl>
+                    <p:sldTgt/>
+                  </p:tgtEl>
+                </p:cond>
+              </p:nextCondLst>
+            </p:seq>
+          </p:childTnLst>
+        </p:cTn>
+      </p:par>
+    </p:tnLst>
+  </p:timing>
+</p:sld>
+</file>
+
+<file path=ppt/slides/slide17.xml><?xml version="1.0" encoding="utf-8"?>
+<p:sld xmlns:a="http://schemas.openxmlformats.org/drawingml/2006/main" xmlns:r="http://schemas.openxmlformats.org/officeDocument/2006/relationships" xmlns:p="http://schemas.openxmlformats.org/presentationml/2006/main" show="0">
+  <p:cSld>
+    <p:spTree>
+      <p:nvGrpSpPr>
+        <p:cNvPr id="1" name=""/>
+        <p:cNvGrpSpPr/>
+        <p:nvPr/>
+      </p:nvGrpSpPr>
+      <p:grpSpPr>
+        <a:xfrm>
+          <a:off x="0" y="0"/>
+          <a:ext cx="0" cy="0"/>
+          <a:chOff x="0" y="0"/>
+          <a:chExt cx="0" cy="0"/>
+        </a:xfrm>
+      </p:grpSpPr>
+      <p:sp>
+        <p:nvSpPr>
+          <p:cNvPr id="2" name="Заголовок 1"/>
+          <p:cNvSpPr>
+            <a:spLocks noGrp="1"/>
+          </p:cNvSpPr>
+          <p:nvPr>
+            <p:ph type="title"/>
+          </p:nvPr>
+        </p:nvSpPr>
+        <p:spPr/>
+        <p:txBody>
+          <a:bodyPr>
+            <a:normAutofit/>
+          </a:bodyPr>
+          <a:lstStyle/>
+          <a:p>
+            <a:r>
+              <a:rPr lang="ru-RU" dirty="0"/>
+              <a:t>Реализация сущности «Распорядитель»</a:t>
+            </a:r>
+          </a:p>
+        </p:txBody>
+      </p:sp>
+      <p:sp>
+        <p:nvSpPr>
+          <p:cNvPr id="3" name="Прямоугольник 2"/>
+          <p:cNvSpPr/>
+          <p:nvPr/>
+        </p:nvSpPr>
+        <p:spPr>
+          <a:xfrm>
+            <a:off x="1738282" y="1835760"/>
+            <a:ext cx="8286808" cy="4616648"/>
+          </a:xfrm>
+          <a:prstGeom prst="rect">
+            <a:avLst/>
+          </a:prstGeom>
+        </p:spPr>
+        <p:style>
+          <a:lnRef idx="2">
+            <a:schemeClr val="accent1"/>
+          </a:lnRef>
+          <a:fillRef idx="1">
+            <a:schemeClr val="lt1"/>
+          </a:fillRef>
+          <a:effectRef idx="0">
+            <a:schemeClr val="accent1"/>
+          </a:effectRef>
+          <a:fontRef idx="minor">
+            <a:schemeClr val="dk1"/>
+          </a:fontRef>
+        </p:style>
+        <p:txBody>
+          <a:bodyPr wrap="square">
+            <a:spAutoFit/>
+          </a:bodyPr>
+          <a:lstStyle/>
+          <a:p>
+            <a:pPr defTabSz="180975"/>
+            <a:r>
+              <a:rPr lang="en-US" sz="1400" b="1" dirty="0">
+                <a:latin typeface="Courier New" pitchFamily="49" charset="0"/>
+                <a:cs typeface="Courier New" pitchFamily="49" charset="0"/>
+              </a:rPr>
+              <a:t>class </a:t>
+            </a:r>
+            <a:r>
+              <a:rPr lang="en-US" sz="1400" b="1" dirty="0" err="1">
+                <a:latin typeface="Courier New" pitchFamily="49" charset="0"/>
+                <a:cs typeface="Courier New" pitchFamily="49" charset="0"/>
+              </a:rPr>
+              <a:t>FormattedTextReader</a:t>
+            </a:r>
+            <a:endParaRPr lang="en-US" sz="1400" b="1" dirty="0">
+              <a:latin typeface="Courier New" pitchFamily="49" charset="0"/>
+              <a:cs typeface="Courier New" pitchFamily="49" charset="0"/>
+            </a:endParaRPr>
+          </a:p>
+          <a:p>
+            <a:pPr defTabSz="180975"/>
+            <a:r>
+              <a:rPr lang="ru-RU" sz="1400" b="1" dirty="0">
+                <a:latin typeface="Courier New" pitchFamily="49" charset="0"/>
+                <a:cs typeface="Courier New" pitchFamily="49" charset="0"/>
+              </a:rPr>
+              <a:t>{</a:t>
+            </a:r>
+          </a:p>
+          <a:p>
+            <a:pPr defTabSz="180975"/>
+            <a:r>
+              <a:rPr lang="en-US" sz="1400" b="1" dirty="0">
+                <a:latin typeface="Courier New" pitchFamily="49" charset="0"/>
+                <a:cs typeface="Courier New" pitchFamily="49" charset="0"/>
+              </a:rPr>
+              <a:t>public:</a:t>
+            </a:r>
+          </a:p>
+          <a:p>
+            <a:pPr defTabSz="180975"/>
+            <a:r>
+              <a:rPr lang="en-US" sz="1400" b="1" dirty="0">
+                <a:latin typeface="Courier New" pitchFamily="49" charset="0"/>
+                <a:cs typeface="Courier New" pitchFamily="49" charset="0"/>
+              </a:rPr>
+              <a:t>	void Read(</a:t>
+            </a:r>
+            <a:r>
+              <a:rPr lang="en-US" sz="1400" b="1" dirty="0" err="1">
+                <a:latin typeface="Courier New" pitchFamily="49" charset="0"/>
+                <a:cs typeface="Courier New" pitchFamily="49" charset="0"/>
+              </a:rPr>
+              <a:t>FormattedText</a:t>
+            </a:r>
+            <a:r>
+              <a:rPr lang="en-US" sz="1400" b="1" dirty="0">
+                <a:latin typeface="Courier New" pitchFamily="49" charset="0"/>
+                <a:cs typeface="Courier New" pitchFamily="49" charset="0"/>
+              </a:rPr>
+              <a:t> const&amp; text, </a:t>
+            </a:r>
+            <a:r>
+              <a:rPr lang="en-US" sz="1400" b="1" dirty="0" err="1">
+                <a:latin typeface="Courier New" pitchFamily="49" charset="0"/>
+                <a:cs typeface="Courier New" pitchFamily="49" charset="0"/>
+              </a:rPr>
+              <a:t>TextConverter</a:t>
+            </a:r>
+            <a:r>
+              <a:rPr lang="en-US" sz="1400" b="1" dirty="0">
+                <a:latin typeface="Courier New" pitchFamily="49" charset="0"/>
+                <a:cs typeface="Courier New" pitchFamily="49" charset="0"/>
+              </a:rPr>
+              <a:t> &amp; converter)</a:t>
+            </a:r>
+          </a:p>
+          <a:p>
+            <a:pPr defTabSz="180975"/>
+            <a:r>
+              <a:rPr lang="ru-RU" sz="1400" b="1" dirty="0">
+                <a:latin typeface="Courier New" pitchFamily="49" charset="0"/>
+                <a:cs typeface="Courier New" pitchFamily="49" charset="0"/>
+              </a:rPr>
+              <a:t>	{</a:t>
+            </a:r>
+          </a:p>
+          <a:p>
+            <a:pPr defTabSz="180975"/>
+            <a:r>
+              <a:rPr lang="ru-RU" sz="1400" b="1" dirty="0">
+                <a:latin typeface="Courier New" pitchFamily="49" charset="0"/>
+                <a:cs typeface="Courier New" pitchFamily="49" charset="0"/>
+              </a:rPr>
+              <a:t>		</a:t>
+            </a:r>
+            <a:r>
+              <a:rPr lang="en-US" sz="1400" b="1" dirty="0">
+                <a:latin typeface="Courier New" pitchFamily="49" charset="0"/>
+                <a:cs typeface="Courier New" pitchFamily="49" charset="0"/>
+              </a:rPr>
+              <a:t>for (</a:t>
+            </a:r>
+            <a:r>
+              <a:rPr lang="en-US" sz="1400" b="1" dirty="0" err="1">
+                <a:latin typeface="Courier New" pitchFamily="49" charset="0"/>
+                <a:cs typeface="Courier New" pitchFamily="49" charset="0"/>
+              </a:rPr>
+              <a:t>size_t</a:t>
+            </a:r>
+            <a:r>
+              <a:rPr lang="en-US" sz="1400" b="1" dirty="0">
+                <a:latin typeface="Courier New" pitchFamily="49" charset="0"/>
+                <a:cs typeface="Courier New" pitchFamily="49" charset="0"/>
+              </a:rPr>
+              <a:t> index = 0; index &lt; </a:t>
+            </a:r>
+            <a:r>
+              <a:rPr lang="en-US" sz="1400" b="1" dirty="0" err="1">
+                <a:latin typeface="Courier New" pitchFamily="49" charset="0"/>
+                <a:cs typeface="Courier New" pitchFamily="49" charset="0"/>
+              </a:rPr>
+              <a:t>text.GetItems</a:t>
+            </a:r>
+            <a:r>
+              <a:rPr lang="en-US" sz="1400" b="1" dirty="0">
+                <a:latin typeface="Courier New" pitchFamily="49" charset="0"/>
+                <a:cs typeface="Courier New" pitchFamily="49" charset="0"/>
+              </a:rPr>
+              <a:t>(); ++index)</a:t>
+            </a:r>
+          </a:p>
+          <a:p>
+            <a:pPr defTabSz="180975"/>
+            <a:r>
+              <a:rPr lang="en-US" sz="1400" b="1" dirty="0">
+                <a:latin typeface="Courier New" pitchFamily="49" charset="0"/>
+                <a:cs typeface="Courier New" pitchFamily="49" charset="0"/>
+              </a:rPr>
+              <a:t>		{</a:t>
+            </a:r>
+          </a:p>
+          <a:p>
+            <a:pPr defTabSz="180975"/>
+            <a:r>
+              <a:rPr lang="en-US" sz="1400" b="1" dirty="0">
+                <a:latin typeface="Courier New" pitchFamily="49" charset="0"/>
+                <a:cs typeface="Courier New" pitchFamily="49" charset="0"/>
+              </a:rPr>
+              <a:t>			</a:t>
+            </a:r>
+            <a:r>
+              <a:rPr lang="en-US" sz="1400" b="1" dirty="0" err="1">
+                <a:latin typeface="Courier New" pitchFamily="49" charset="0"/>
+                <a:cs typeface="Courier New" pitchFamily="49" charset="0"/>
+              </a:rPr>
+              <a:t>CTextItem</a:t>
+            </a:r>
+            <a:r>
+              <a:rPr lang="en-US" sz="1400" b="1" dirty="0">
+                <a:latin typeface="Courier New" pitchFamily="49" charset="0"/>
+                <a:cs typeface="Courier New" pitchFamily="49" charset="0"/>
+              </a:rPr>
+              <a:t> const &amp; item = </a:t>
+            </a:r>
+            <a:r>
+              <a:rPr lang="en-US" sz="1400" b="1" dirty="0" err="1">
+                <a:latin typeface="Courier New" pitchFamily="49" charset="0"/>
+                <a:cs typeface="Courier New" pitchFamily="49" charset="0"/>
+              </a:rPr>
+              <a:t>text.GetItem</a:t>
+            </a:r>
+            <a:r>
+              <a:rPr lang="en-US" sz="1400" b="1" dirty="0">
+                <a:latin typeface="Courier New" pitchFamily="49" charset="0"/>
+                <a:cs typeface="Courier New" pitchFamily="49" charset="0"/>
+              </a:rPr>
+              <a:t>(index);</a:t>
+            </a:r>
+          </a:p>
+          <a:p>
+            <a:pPr defTabSz="180975"/>
+            <a:endParaRPr lang="en-US" sz="1400" b="1" dirty="0">
+              <a:latin typeface="Courier New" pitchFamily="49" charset="0"/>
+              <a:cs typeface="Courier New" pitchFamily="49" charset="0"/>
+            </a:endParaRPr>
+          </a:p>
+          <a:p>
+            <a:pPr defTabSz="180975"/>
+            <a:r>
+              <a:rPr lang="en-US" sz="1400" b="1" dirty="0">
+                <a:latin typeface="Courier New" pitchFamily="49" charset="0"/>
+                <a:cs typeface="Courier New" pitchFamily="49" charset="0"/>
+              </a:rPr>
+              <a:t>			if (auto </a:t>
+            </a:r>
+            <a:r>
+              <a:rPr lang="en-US" sz="1400" b="1" dirty="0" err="1">
+                <a:latin typeface="Courier New" pitchFamily="49" charset="0"/>
+                <a:cs typeface="Courier New" pitchFamily="49" charset="0"/>
+              </a:rPr>
+              <a:t>textRange</a:t>
+            </a:r>
+            <a:r>
+              <a:rPr lang="en-US" sz="1400" b="1" dirty="0">
+                <a:latin typeface="Courier New" pitchFamily="49" charset="0"/>
+                <a:cs typeface="Courier New" pitchFamily="49" charset="0"/>
+              </a:rPr>
+              <a:t> = </a:t>
+            </a:r>
+            <a:r>
+              <a:rPr lang="en-US" sz="1400" b="1" dirty="0" err="1">
+                <a:latin typeface="Courier New" pitchFamily="49" charset="0"/>
+                <a:cs typeface="Courier New" pitchFamily="49" charset="0"/>
+              </a:rPr>
+              <a:t>dynamic_cast</a:t>
+            </a:r>
+            <a:r>
+              <a:rPr lang="en-US" sz="1400" b="1" dirty="0">
+                <a:latin typeface="Courier New" pitchFamily="49" charset="0"/>
+                <a:cs typeface="Courier New" pitchFamily="49" charset="0"/>
+              </a:rPr>
+              <a:t>&lt;</a:t>
+            </a:r>
+            <a:r>
+              <a:rPr lang="en-US" sz="1400" b="1" dirty="0" err="1">
+                <a:latin typeface="Courier New" pitchFamily="49" charset="0"/>
+                <a:cs typeface="Courier New" pitchFamily="49" charset="0"/>
+              </a:rPr>
+              <a:t>CTextRangeItem</a:t>
+            </a:r>
+            <a:r>
+              <a:rPr lang="en-US" sz="1400" b="1" dirty="0">
+                <a:latin typeface="Courier New" pitchFamily="49" charset="0"/>
+                <a:cs typeface="Courier New" pitchFamily="49" charset="0"/>
+              </a:rPr>
+              <a:t> const*&gt;(&amp;item))</a:t>
+            </a:r>
+          </a:p>
+          <a:p>
+            <a:pPr defTabSz="180975"/>
+            <a:r>
+              <a:rPr lang="en-US" sz="1400" b="1" dirty="0">
+                <a:latin typeface="Courier New" pitchFamily="49" charset="0"/>
+                <a:cs typeface="Courier New" pitchFamily="49" charset="0"/>
+              </a:rPr>
+              <a:t>			{</a:t>
+            </a:r>
+          </a:p>
+          <a:p>
+            <a:pPr defTabSz="180975"/>
+            <a:r>
+              <a:rPr lang="en-US" sz="1400" b="1" dirty="0">
+                <a:latin typeface="Courier New" pitchFamily="49" charset="0"/>
+                <a:cs typeface="Courier New" pitchFamily="49" charset="0"/>
+              </a:rPr>
+              <a:t>				</a:t>
+            </a:r>
+            <a:r>
+              <a:rPr lang="en-US" sz="1400" b="1" dirty="0" err="1">
+                <a:latin typeface="Courier New" pitchFamily="49" charset="0"/>
+                <a:cs typeface="Courier New" pitchFamily="49" charset="0"/>
+              </a:rPr>
+              <a:t>converter.ConvertText</a:t>
+            </a:r>
+            <a:r>
+              <a:rPr lang="en-US" sz="1400" b="1" dirty="0">
+                <a:latin typeface="Courier New" pitchFamily="49" charset="0"/>
+                <a:cs typeface="Courier New" pitchFamily="49" charset="0"/>
+              </a:rPr>
+              <a:t>(</a:t>
+            </a:r>
+            <a:r>
+              <a:rPr lang="en-US" sz="1400" b="1" dirty="0" err="1">
+                <a:latin typeface="Courier New" pitchFamily="49" charset="0"/>
+                <a:cs typeface="Courier New" pitchFamily="49" charset="0"/>
+              </a:rPr>
+              <a:t>textRange</a:t>
+            </a:r>
+            <a:r>
+              <a:rPr lang="en-US" sz="1400" b="1" dirty="0">
+                <a:latin typeface="Courier New" pitchFamily="49" charset="0"/>
+                <a:cs typeface="Courier New" pitchFamily="49" charset="0"/>
+              </a:rPr>
+              <a:t>-&gt;</a:t>
+            </a:r>
+            <a:r>
+              <a:rPr lang="en-US" sz="1400" b="1" dirty="0" err="1">
+                <a:latin typeface="Courier New" pitchFamily="49" charset="0"/>
+                <a:cs typeface="Courier New" pitchFamily="49" charset="0"/>
+              </a:rPr>
+              <a:t>GetText</a:t>
+            </a:r>
+            <a:r>
+              <a:rPr lang="en-US" sz="1400" b="1" dirty="0">
+                <a:latin typeface="Courier New" pitchFamily="49" charset="0"/>
+                <a:cs typeface="Courier New" pitchFamily="49" charset="0"/>
+              </a:rPr>
+              <a:t>());</a:t>
+            </a:r>
+          </a:p>
+          <a:p>
+            <a:pPr defTabSz="180975"/>
+            <a:r>
+              <a:rPr lang="en-US" sz="1400" b="1" dirty="0">
+                <a:latin typeface="Courier New" pitchFamily="49" charset="0"/>
+                <a:cs typeface="Courier New" pitchFamily="49" charset="0"/>
+              </a:rPr>
+              <a:t>			}</a:t>
+            </a:r>
+          </a:p>
+          <a:p>
+            <a:pPr defTabSz="180975"/>
+            <a:r>
+              <a:rPr lang="en-US" sz="1400" b="1" dirty="0">
+                <a:latin typeface="Courier New" pitchFamily="49" charset="0"/>
+                <a:cs typeface="Courier New" pitchFamily="49" charset="0"/>
+              </a:rPr>
+              <a:t>			else if (</a:t>
+            </a:r>
+            <a:r>
+              <a:rPr lang="en-US" sz="1400" b="1" dirty="0" err="1">
+                <a:latin typeface="Courier New" pitchFamily="49" charset="0"/>
+                <a:cs typeface="Courier New" pitchFamily="49" charset="0"/>
+              </a:rPr>
+              <a:t>fontCommand</a:t>
+            </a:r>
+            <a:r>
+              <a:rPr lang="en-US" sz="1400" b="1" dirty="0">
+                <a:latin typeface="Courier New" pitchFamily="49" charset="0"/>
+                <a:cs typeface="Courier New" pitchFamily="49" charset="0"/>
+              </a:rPr>
+              <a:t> = </a:t>
+            </a:r>
+            <a:r>
+              <a:rPr lang="en-US" sz="1400" b="1" dirty="0" err="1">
+                <a:latin typeface="Courier New" pitchFamily="49" charset="0"/>
+                <a:cs typeface="Courier New" pitchFamily="49" charset="0"/>
+              </a:rPr>
+              <a:t>dynamic_cast</a:t>
+            </a:r>
+            <a:r>
+              <a:rPr lang="en-US" sz="1400" b="1" dirty="0">
+                <a:latin typeface="Courier New" pitchFamily="49" charset="0"/>
+                <a:cs typeface="Courier New" pitchFamily="49" charset="0"/>
+              </a:rPr>
+              <a:t>&lt;</a:t>
+            </a:r>
+            <a:r>
+              <a:rPr lang="en-US" sz="1400" b="1" dirty="0" err="1">
+                <a:latin typeface="Courier New" pitchFamily="49" charset="0"/>
+                <a:cs typeface="Courier New" pitchFamily="49" charset="0"/>
+              </a:rPr>
+              <a:t>CFontChangeCommand</a:t>
+            </a:r>
+            <a:r>
+              <a:rPr lang="en-US" sz="1400" b="1" dirty="0">
+                <a:latin typeface="Courier New" pitchFamily="49" charset="0"/>
+                <a:cs typeface="Courier New" pitchFamily="49" charset="0"/>
+              </a:rPr>
+              <a:t> const*&gt;(&amp;item))</a:t>
+            </a:r>
+          </a:p>
+          <a:p>
+            <a:pPr defTabSz="180975"/>
+            <a:r>
+              <a:rPr lang="en-US" sz="1400" b="1" dirty="0">
+                <a:latin typeface="Courier New" pitchFamily="49" charset="0"/>
+                <a:cs typeface="Courier New" pitchFamily="49" charset="0"/>
+              </a:rPr>
+              <a:t>			{</a:t>
+            </a:r>
+          </a:p>
+          <a:p>
+            <a:pPr defTabSz="180975"/>
+            <a:r>
+              <a:rPr lang="en-US" sz="1400" b="1" dirty="0">
+                <a:latin typeface="Courier New" pitchFamily="49" charset="0"/>
+                <a:cs typeface="Courier New" pitchFamily="49" charset="0"/>
+              </a:rPr>
+              <a:t>				</a:t>
+            </a:r>
+            <a:r>
+              <a:rPr lang="en-US" sz="1400" b="1" dirty="0" err="1">
+                <a:latin typeface="Courier New" pitchFamily="49" charset="0"/>
+                <a:cs typeface="Courier New" pitchFamily="49" charset="0"/>
+              </a:rPr>
+              <a:t>converter.ConvertFontChange</a:t>
+            </a:r>
+            <a:r>
+              <a:rPr lang="en-US" sz="1400" b="1" dirty="0">
+                <a:latin typeface="Courier New" pitchFamily="49" charset="0"/>
+                <a:cs typeface="Courier New" pitchFamily="49" charset="0"/>
+              </a:rPr>
+              <a:t>(</a:t>
+            </a:r>
+            <a:r>
+              <a:rPr lang="en-US" sz="1400" b="1" dirty="0" err="1">
+                <a:latin typeface="Courier New" pitchFamily="49" charset="0"/>
+                <a:cs typeface="Courier New" pitchFamily="49" charset="0"/>
+              </a:rPr>
+              <a:t>fontCommand</a:t>
+            </a:r>
+            <a:r>
+              <a:rPr lang="en-US" sz="1400" b="1" dirty="0">
+                <a:latin typeface="Courier New" pitchFamily="49" charset="0"/>
+                <a:cs typeface="Courier New" pitchFamily="49" charset="0"/>
+              </a:rPr>
+              <a:t>-&gt;</a:t>
+            </a:r>
+            <a:r>
+              <a:rPr lang="en-US" sz="1400" b="1" dirty="0" err="1">
+                <a:latin typeface="Courier New" pitchFamily="49" charset="0"/>
+                <a:cs typeface="Courier New" pitchFamily="49" charset="0"/>
+              </a:rPr>
+              <a:t>GetFont</a:t>
+            </a:r>
+            <a:r>
+              <a:rPr lang="en-US" sz="1400" b="1" dirty="0">
+                <a:latin typeface="Courier New" pitchFamily="49" charset="0"/>
+                <a:cs typeface="Courier New" pitchFamily="49" charset="0"/>
+              </a:rPr>
+              <a:t>());</a:t>
+            </a:r>
+          </a:p>
+          <a:p>
+            <a:pPr defTabSz="180975"/>
+            <a:r>
+              <a:rPr lang="en-US" sz="1400" b="1" dirty="0">
+                <a:latin typeface="Courier New" pitchFamily="49" charset="0"/>
+                <a:cs typeface="Courier New" pitchFamily="49" charset="0"/>
+              </a:rPr>
+              <a:t>			}</a:t>
+            </a:r>
+          </a:p>
+          <a:p>
+            <a:pPr defTabSz="180975"/>
+            <a:r>
+              <a:rPr lang="en-US" sz="1400" b="1" dirty="0">
+                <a:latin typeface="Courier New" pitchFamily="49" charset="0"/>
+                <a:cs typeface="Courier New" pitchFamily="49" charset="0"/>
+              </a:rPr>
+              <a:t>			else if (…) { … } …</a:t>
+            </a:r>
+          </a:p>
+          <a:p>
+            <a:pPr defTabSz="180975"/>
+            <a:r>
+              <a:rPr lang="en-US" sz="1400" b="1" dirty="0">
+                <a:latin typeface="Courier New" pitchFamily="49" charset="0"/>
+                <a:cs typeface="Courier New" pitchFamily="49" charset="0"/>
+              </a:rPr>
+              <a:t>		}</a:t>
+            </a:r>
+            <a:endParaRPr lang="ru-RU" sz="1400" b="1" dirty="0">
+              <a:latin typeface="Courier New" pitchFamily="49" charset="0"/>
+              <a:cs typeface="Courier New" pitchFamily="49" charset="0"/>
+            </a:endParaRPr>
+          </a:p>
+          <a:p>
+            <a:pPr defTabSz="180975"/>
+            <a:r>
+              <a:rPr lang="ru-RU" sz="1400" b="1" dirty="0">
+                <a:latin typeface="Courier New" pitchFamily="49" charset="0"/>
+                <a:cs typeface="Courier New" pitchFamily="49" charset="0"/>
+              </a:rPr>
+              <a:t>	}</a:t>
+            </a:r>
+          </a:p>
+          <a:p>
+            <a:pPr defTabSz="180975"/>
+            <a:r>
+              <a:rPr lang="ru-RU" sz="1400" b="1" dirty="0">
+                <a:latin typeface="Courier New" pitchFamily="49" charset="0"/>
+                <a:cs typeface="Courier New" pitchFamily="49" charset="0"/>
+              </a:rPr>
+              <a:t>};</a:t>
+            </a:r>
+          </a:p>
+        </p:txBody>
+      </p:sp>
+    </p:spTree>
+    <p:extLst>
+      <p:ext uri="{BB962C8B-B14F-4D97-AF65-F5344CB8AC3E}">
+        <p14:creationId xmlns:p14="http://schemas.microsoft.com/office/powerpoint/2010/main" val="3897446812"/>
+      </p:ext>
+    </p:extLst>
+  </p:cSld>
+  <p:clrMapOvr>
+    <a:masterClrMapping/>
+  </p:clrMapOvr>
+  <p:timing>
+    <p:tnLst>
+      <p:par>
+        <p:cTn id="1" dur="indefinite" restart="never" nodeType="tmRoot">
+          <p:childTnLst>
+            <p:seq concurrent="1" nextAc="seek">
+              <p:cTn id="2" dur="indefinite" nodeType="mainSeq">
+                <p:childTnLst>
+                  <p:par>
+                    <p:cTn id="3" fill="hold">
+                      <p:stCondLst>
+                        <p:cond delay="indefinite"/>
+                      </p:stCondLst>
+                      <p:childTnLst>
+                        <p:par>
+                          <p:cTn id="4" fill="hold">
+                            <p:stCondLst>
+                              <p:cond delay="0"/>
+                            </p:stCondLst>
+                            <p:childTnLst>
+                              <p:par>
+                                <p:cTn id="5" presetID="10" presetClass="entr" presetSubtype="0" fill="hold" nodeType="clickEffect">
+                                  <p:stCondLst>
+                                    <p:cond delay="0"/>
+                                  </p:stCondLst>
+                                  <p:childTnLst>
+                                    <p:set>
+                                      <p:cBhvr>
+                                        <p:cTn id="6" dur="1" fill="hold">
+                                          <p:stCondLst>
+                                            <p:cond delay="0"/>
+                                          </p:stCondLst>
+                                        </p:cTn>
+                                        <p:tgtEl>
+                                          <p:spTgt spid="3">
+                                            <p:txEl>
+                                              <p:pRg st="5" end="5"/>
+                                            </p:txEl>
+                                          </p:spTgt>
+                                        </p:tgtEl>
+                                        <p:attrNameLst>
+                                          <p:attrName>style.visibility</p:attrName>
+                                        </p:attrNameLst>
+                                      </p:cBhvr>
+                                      <p:to>
+                                        <p:strVal val="visible"/>
+                                      </p:to>
+                                    </p:set>
+                                    <p:animEffect transition="in" filter="fade">
+                                      <p:cBhvr>
+                                        <p:cTn id="7" dur="500"/>
+                                        <p:tgtEl>
+                                          <p:spTgt spid="3">
+                                            <p:txEl>
+                                              <p:pRg st="5" end="5"/>
+                                            </p:txEl>
+                                          </p:spTgt>
+                                        </p:tgtEl>
+                                      </p:cBhvr>
+                                    </p:animEffect>
+                                  </p:childTnLst>
+                                </p:cTn>
+                              </p:par>
+                              <p:par>
+                                <p:cTn id="8" presetID="10" presetClass="entr" presetSubtype="0" fill="hold" nodeType="withEffect">
+                                  <p:stCondLst>
+                                    <p:cond delay="0"/>
+                                  </p:stCondLst>
+                                  <p:childTnLst>
+                                    <p:set>
+                                      <p:cBhvr>
+                                        <p:cTn id="9" dur="1" fill="hold">
+                                          <p:stCondLst>
+                                            <p:cond delay="0"/>
+                                          </p:stCondLst>
+                                        </p:cTn>
+                                        <p:tgtEl>
+                                          <p:spTgt spid="3">
+                                            <p:txEl>
+                                              <p:pRg st="6" end="6"/>
+                                            </p:txEl>
+                                          </p:spTgt>
+                                        </p:tgtEl>
+                                        <p:attrNameLst>
+                                          <p:attrName>style.visibility</p:attrName>
+                                        </p:attrNameLst>
+                                      </p:cBhvr>
+                                      <p:to>
+                                        <p:strVal val="visible"/>
+                                      </p:to>
+                                    </p:set>
+                                    <p:animEffect transition="in" filter="fade">
+                                      <p:cBhvr>
+                                        <p:cTn id="10" dur="500"/>
+                                        <p:tgtEl>
+                                          <p:spTgt spid="3">
+                                            <p:txEl>
+                                              <p:pRg st="6" end="6"/>
+                                            </p:txEl>
+                                          </p:spTgt>
+                                        </p:tgtEl>
+                                      </p:cBhvr>
+                                    </p:animEffect>
+                                  </p:childTnLst>
+                                </p:cTn>
+                              </p:par>
+                              <p:par>
+                                <p:cTn id="11" presetID="10" presetClass="entr" presetSubtype="0" fill="hold" nodeType="withEffect">
+                                  <p:stCondLst>
+                                    <p:cond delay="0"/>
+                                  </p:stCondLst>
+                                  <p:childTnLst>
+                                    <p:set>
+                                      <p:cBhvr>
+                                        <p:cTn id="12" dur="1" fill="hold">
+                                          <p:stCondLst>
+                                            <p:cond delay="0"/>
+                                          </p:stCondLst>
+                                        </p:cTn>
+                                        <p:tgtEl>
+                                          <p:spTgt spid="3">
+                                            <p:txEl>
+                                              <p:pRg st="18" end="18"/>
+                                            </p:txEl>
+                                          </p:spTgt>
+                                        </p:tgtEl>
+                                        <p:attrNameLst>
+                                          <p:attrName>style.visibility</p:attrName>
+                                        </p:attrNameLst>
+                                      </p:cBhvr>
+                                      <p:to>
+                                        <p:strVal val="visible"/>
+                                      </p:to>
+                                    </p:set>
+                                    <p:animEffect transition="in" filter="fade">
+                                      <p:cBhvr>
+                                        <p:cTn id="13" dur="500"/>
+                                        <p:tgtEl>
+                                          <p:spTgt spid="3">
+                                            <p:txEl>
+                                              <p:pRg st="18" end="18"/>
+                                            </p:txEl>
+                                          </p:spTgt>
+                                        </p:tgtEl>
+                                      </p:cBhvr>
+                                    </p:animEffect>
+                                  </p:childTnLst>
+                                </p:cTn>
+                              </p:par>
+                            </p:childTnLst>
+                          </p:cTn>
+                        </p:par>
+                      </p:childTnLst>
+                    </p:cTn>
+                  </p:par>
+                  <p:par>
+                    <p:cTn id="14" fill="hold">
+                      <p:stCondLst>
+                        <p:cond delay="indefinite"/>
+                      </p:stCondLst>
+                      <p:childTnLst>
+                        <p:par>
+                          <p:cTn id="15" fill="hold">
+                            <p:stCondLst>
+                              <p:cond delay="0"/>
+                            </p:stCondLst>
+                            <p:childTnLst>
+                              <p:par>
+                                <p:cTn id="16" presetID="10" presetClass="entr" presetSubtype="0" fill="hold" nodeType="clickEffect">
+                                  <p:stCondLst>
+                                    <p:cond delay="0"/>
+                                  </p:stCondLst>
+                                  <p:childTnLst>
+                                    <p:set>
+                                      <p:cBhvr>
+                                        <p:cTn id="17" dur="1" fill="hold">
+                                          <p:stCondLst>
+                                            <p:cond delay="0"/>
+                                          </p:stCondLst>
+                                        </p:cTn>
+                                        <p:tgtEl>
+                                          <p:spTgt spid="3">
+                                            <p:txEl>
+                                              <p:pRg st="7" end="7"/>
+                                            </p:txEl>
+                                          </p:spTgt>
+                                        </p:tgtEl>
+                                        <p:attrNameLst>
+                                          <p:attrName>style.visibility</p:attrName>
+                                        </p:attrNameLst>
+                                      </p:cBhvr>
+                                      <p:to>
+                                        <p:strVal val="visible"/>
+                                      </p:to>
+                                    </p:set>
+                                    <p:animEffect transition="in" filter="fade">
+                                      <p:cBhvr>
+                                        <p:cTn id="18" dur="500"/>
+                                        <p:tgtEl>
+                                          <p:spTgt spid="3">
+                                            <p:txEl>
+                                              <p:pRg st="7" end="7"/>
+                                            </p:txEl>
+                                          </p:spTgt>
+                                        </p:tgtEl>
+                                      </p:cBhvr>
+                                    </p:animEffect>
+                                  </p:childTnLst>
+                                </p:cTn>
+                              </p:par>
+                              <p:par>
+                                <p:cTn id="19" presetID="10" presetClass="entr" presetSubtype="0" fill="hold" nodeType="withEffect">
+                                  <p:stCondLst>
+                                    <p:cond delay="0"/>
+                                  </p:stCondLst>
+                                  <p:childTnLst>
+                                    <p:set>
+                                      <p:cBhvr>
+                                        <p:cTn id="20" dur="1" fill="hold">
+                                          <p:stCondLst>
+                                            <p:cond delay="0"/>
+                                          </p:stCondLst>
+                                        </p:cTn>
+                                        <p:tgtEl>
+                                          <p:spTgt spid="3">
+                                            <p:txEl>
+                                              <p:pRg st="9" end="9"/>
+                                            </p:txEl>
+                                          </p:spTgt>
+                                        </p:tgtEl>
+                                        <p:attrNameLst>
+                                          <p:attrName>style.visibility</p:attrName>
+                                        </p:attrNameLst>
+                                      </p:cBhvr>
+                                      <p:to>
+                                        <p:strVal val="visible"/>
+                                      </p:to>
+                                    </p:set>
+                                    <p:animEffect transition="in" filter="fade">
+                                      <p:cBhvr>
+                                        <p:cTn id="21" dur="500"/>
+                                        <p:tgtEl>
+                                          <p:spTgt spid="3">
+                                            <p:txEl>
+                                              <p:pRg st="9" end="9"/>
+                                            </p:txEl>
+                                          </p:spTgt>
+                                        </p:tgtEl>
+                                      </p:cBhvr>
+                                    </p:animEffect>
+                                  </p:childTnLst>
+                                </p:cTn>
+                              </p:par>
+                              <p:par>
+                                <p:cTn id="22" presetID="10" presetClass="entr" presetSubtype="0" fill="hold" nodeType="withEffect">
+                                  <p:stCondLst>
+                                    <p:cond delay="0"/>
+                                  </p:stCondLst>
+                                  <p:childTnLst>
+                                    <p:set>
+                                      <p:cBhvr>
+                                        <p:cTn id="23" dur="1" fill="hold">
+                                          <p:stCondLst>
+                                            <p:cond delay="0"/>
+                                          </p:stCondLst>
+                                        </p:cTn>
+                                        <p:tgtEl>
+                                          <p:spTgt spid="3">
+                                            <p:txEl>
+                                              <p:pRg st="10" end="10"/>
+                                            </p:txEl>
+                                          </p:spTgt>
+                                        </p:tgtEl>
+                                        <p:attrNameLst>
+                                          <p:attrName>style.visibility</p:attrName>
+                                        </p:attrNameLst>
+                                      </p:cBhvr>
+                                      <p:to>
+                                        <p:strVal val="visible"/>
+                                      </p:to>
+                                    </p:set>
+                                    <p:animEffect transition="in" filter="fade">
+                                      <p:cBhvr>
+                                        <p:cTn id="24" dur="500"/>
+                                        <p:tgtEl>
+                                          <p:spTgt spid="3">
+                                            <p:txEl>
+                                              <p:pRg st="10" end="10"/>
+                                            </p:txEl>
+                                          </p:spTgt>
+                                        </p:tgtEl>
+                                      </p:cBhvr>
+                                    </p:animEffect>
+                                  </p:childTnLst>
+                                </p:cTn>
+                              </p:par>
+                              <p:par>
+                                <p:cTn id="25" presetID="10" presetClass="entr" presetSubtype="0" fill="hold" nodeType="withEffect">
+                                  <p:stCondLst>
+                                    <p:cond delay="0"/>
+                                  </p:stCondLst>
+                                  <p:childTnLst>
+                                    <p:set>
+                                      <p:cBhvr>
+                                        <p:cTn id="26" dur="1" fill="hold">
+                                          <p:stCondLst>
+                                            <p:cond delay="0"/>
+                                          </p:stCondLst>
+                                        </p:cTn>
+                                        <p:tgtEl>
+                                          <p:spTgt spid="3">
+                                            <p:txEl>
+                                              <p:pRg st="11" end="11"/>
+                                            </p:txEl>
+                                          </p:spTgt>
+                                        </p:tgtEl>
+                                        <p:attrNameLst>
+                                          <p:attrName>style.visibility</p:attrName>
+                                        </p:attrNameLst>
+                                      </p:cBhvr>
+                                      <p:to>
+                                        <p:strVal val="visible"/>
+                                      </p:to>
+                                    </p:set>
+                                    <p:animEffect transition="in" filter="fade">
+                                      <p:cBhvr>
+                                        <p:cTn id="27" dur="500"/>
+                                        <p:tgtEl>
+                                          <p:spTgt spid="3">
+                                            <p:txEl>
+                                              <p:pRg st="11" end="11"/>
+                                            </p:txEl>
+                                          </p:spTgt>
+                                        </p:tgtEl>
+                                      </p:cBhvr>
+                                    </p:animEffect>
+                                  </p:childTnLst>
+                                </p:cTn>
+                              </p:par>
+                              <p:par>
+                                <p:cTn id="28" presetID="10" presetClass="entr" presetSubtype="0" fill="hold" nodeType="withEffect">
+                                  <p:stCondLst>
+                                    <p:cond delay="0"/>
+                                  </p:stCondLst>
+                                  <p:childTnLst>
+                                    <p:set>
+                                      <p:cBhvr>
+                                        <p:cTn id="29" dur="1" fill="hold">
+                                          <p:stCondLst>
+                                            <p:cond delay="0"/>
+                                          </p:stCondLst>
+                                        </p:cTn>
+                                        <p:tgtEl>
+                                          <p:spTgt spid="3">
+                                            <p:txEl>
+                                              <p:pRg st="12" end="12"/>
+                                            </p:txEl>
+                                          </p:spTgt>
+                                        </p:tgtEl>
+                                        <p:attrNameLst>
+                                          <p:attrName>style.visibility</p:attrName>
+                                        </p:attrNameLst>
+                                      </p:cBhvr>
+                                      <p:to>
+                                        <p:strVal val="visible"/>
+                                      </p:to>
+                                    </p:set>
+                                    <p:animEffect transition="in" filter="fade">
+                                      <p:cBhvr>
+                                        <p:cTn id="30" dur="500"/>
+                                        <p:tgtEl>
+                                          <p:spTgt spid="3">
+                                            <p:txEl>
+                                              <p:pRg st="12" end="12"/>
+                                            </p:txEl>
+                                          </p:spTgt>
+                                        </p:tgtEl>
+                                      </p:cBhvr>
+                                    </p:animEffect>
+                                  </p:childTnLst>
+                                </p:cTn>
+                              </p:par>
+                            </p:childTnLst>
+                          </p:cTn>
+                        </p:par>
+                      </p:childTnLst>
+                    </p:cTn>
+                  </p:par>
+                  <p:par>
+                    <p:cTn id="31" fill="hold">
+                      <p:stCondLst>
+                        <p:cond delay="indefinite"/>
+                      </p:stCondLst>
+                      <p:childTnLst>
+                        <p:par>
+                          <p:cTn id="32" fill="hold">
+                            <p:stCondLst>
+                              <p:cond delay="0"/>
+                            </p:stCondLst>
+                            <p:childTnLst>
+                              <p:par>
+                                <p:cTn id="33" presetID="10" presetClass="entr" presetSubtype="0" fill="hold" nodeType="clickEffect">
+                                  <p:stCondLst>
+                                    <p:cond delay="0"/>
+                                  </p:stCondLst>
+                                  <p:childTnLst>
+                                    <p:set>
+                                      <p:cBhvr>
+                                        <p:cTn id="34" dur="1" fill="hold">
+                                          <p:stCondLst>
+                                            <p:cond delay="0"/>
+                                          </p:stCondLst>
+                                        </p:cTn>
+                                        <p:tgtEl>
+                                          <p:spTgt spid="3">
+                                            <p:txEl>
+                                              <p:pRg st="13" end="13"/>
+                                            </p:txEl>
+                                          </p:spTgt>
+                                        </p:tgtEl>
+                                        <p:attrNameLst>
+                                          <p:attrName>style.visibility</p:attrName>
+                                        </p:attrNameLst>
+                                      </p:cBhvr>
+                                      <p:to>
+                                        <p:strVal val="visible"/>
+                                      </p:to>
+                                    </p:set>
+                                    <p:animEffect transition="in" filter="fade">
+                                      <p:cBhvr>
+                                        <p:cTn id="35" dur="500"/>
+                                        <p:tgtEl>
+                                          <p:spTgt spid="3">
+                                            <p:txEl>
+                                              <p:pRg st="13" end="13"/>
+                                            </p:txEl>
+                                          </p:spTgt>
+                                        </p:tgtEl>
+                                      </p:cBhvr>
+                                    </p:animEffect>
+                                  </p:childTnLst>
+                                </p:cTn>
+                              </p:par>
+                              <p:par>
+                                <p:cTn id="36" presetID="10" presetClass="entr" presetSubtype="0" fill="hold" nodeType="withEffect">
+                                  <p:stCondLst>
+                                    <p:cond delay="0"/>
+                                  </p:stCondLst>
+                                  <p:childTnLst>
+                                    <p:set>
+                                      <p:cBhvr>
+                                        <p:cTn id="37" dur="1" fill="hold">
+                                          <p:stCondLst>
+                                            <p:cond delay="0"/>
+                                          </p:stCondLst>
+                                        </p:cTn>
+                                        <p:tgtEl>
+                                          <p:spTgt spid="3">
+                                            <p:txEl>
+                                              <p:pRg st="14" end="14"/>
+                                            </p:txEl>
+                                          </p:spTgt>
+                                        </p:tgtEl>
+                                        <p:attrNameLst>
+                                          <p:attrName>style.visibility</p:attrName>
+                                        </p:attrNameLst>
+                                      </p:cBhvr>
+                                      <p:to>
+                                        <p:strVal val="visible"/>
+                                      </p:to>
+                                    </p:set>
+                                    <p:animEffect transition="in" filter="fade">
+                                      <p:cBhvr>
+                                        <p:cTn id="38" dur="500"/>
+                                        <p:tgtEl>
+                                          <p:spTgt spid="3">
+                                            <p:txEl>
+                                              <p:pRg st="14" end="14"/>
+                                            </p:txEl>
+                                          </p:spTgt>
+                                        </p:tgtEl>
+                                      </p:cBhvr>
+                                    </p:animEffect>
+                                  </p:childTnLst>
+                                </p:cTn>
+                              </p:par>
+                              <p:par>
+                                <p:cTn id="39" presetID="10" presetClass="entr" presetSubtype="0" fill="hold" nodeType="withEffect">
+                                  <p:stCondLst>
+                                    <p:cond delay="0"/>
+                                  </p:stCondLst>
+                                  <p:childTnLst>
+                                    <p:set>
+                                      <p:cBhvr>
+                                        <p:cTn id="40" dur="1" fill="hold">
+                                          <p:stCondLst>
+                                            <p:cond delay="0"/>
+                                          </p:stCondLst>
+                                        </p:cTn>
+                                        <p:tgtEl>
+                                          <p:spTgt spid="3">
+                                            <p:txEl>
+                                              <p:pRg st="15" end="15"/>
+                                            </p:txEl>
+                                          </p:spTgt>
+                                        </p:tgtEl>
+                                        <p:attrNameLst>
+                                          <p:attrName>style.visibility</p:attrName>
+                                        </p:attrNameLst>
+                                      </p:cBhvr>
+                                      <p:to>
+                                        <p:strVal val="visible"/>
+                                      </p:to>
+                                    </p:set>
+                                    <p:animEffect transition="in" filter="fade">
+                                      <p:cBhvr>
+                                        <p:cTn id="41" dur="500"/>
+                                        <p:tgtEl>
+                                          <p:spTgt spid="3">
+                                            <p:txEl>
+                                              <p:pRg st="15" end="15"/>
+                                            </p:txEl>
+                                          </p:spTgt>
+                                        </p:tgtEl>
+                                      </p:cBhvr>
+                                    </p:animEffect>
+                                  </p:childTnLst>
+                                </p:cTn>
+                              </p:par>
+                              <p:par>
+                                <p:cTn id="42" presetID="10" presetClass="entr" presetSubtype="0" fill="hold" nodeType="withEffect">
+                                  <p:stCondLst>
+                                    <p:cond delay="0"/>
+                                  </p:stCondLst>
+                                  <p:childTnLst>
+                                    <p:set>
+                                      <p:cBhvr>
+                                        <p:cTn id="43" dur="1" fill="hold">
+                                          <p:stCondLst>
+                                            <p:cond delay="0"/>
+                                          </p:stCondLst>
+                                        </p:cTn>
+                                        <p:tgtEl>
+                                          <p:spTgt spid="3">
+                                            <p:txEl>
+                                              <p:pRg st="16" end="16"/>
+                                            </p:txEl>
+                                          </p:spTgt>
+                                        </p:tgtEl>
+                                        <p:attrNameLst>
+                                          <p:attrName>style.visibility</p:attrName>
+                                        </p:attrNameLst>
+                                      </p:cBhvr>
+                                      <p:to>
+                                        <p:strVal val="visible"/>
+                                      </p:to>
+                                    </p:set>
+                                    <p:animEffect transition="in" filter="fade">
+                                      <p:cBhvr>
+                                        <p:cTn id="44" dur="500"/>
+                                        <p:tgtEl>
+                                          <p:spTgt spid="3">
+                                            <p:txEl>
+                                              <p:pRg st="16" end="16"/>
+                                            </p:txEl>
+                                          </p:spTgt>
+                                        </p:tgtEl>
+                                      </p:cBhvr>
+                                    </p:animEffect>
+                                  </p:childTnLst>
+                                </p:cTn>
+                              </p:par>
+                              <p:par>
+                                <p:cTn id="45" presetID="10" presetClass="entr" presetSubtype="0" fill="hold" nodeType="withEffect">
+                                  <p:stCondLst>
+                                    <p:cond delay="0"/>
+                                  </p:stCondLst>
+                                  <p:childTnLst>
+                                    <p:set>
+                                      <p:cBhvr>
+                                        <p:cTn id="46" dur="1" fill="hold">
+                                          <p:stCondLst>
+                                            <p:cond delay="0"/>
+                                          </p:stCondLst>
+                                        </p:cTn>
+                                        <p:tgtEl>
+                                          <p:spTgt spid="3">
+                                            <p:txEl>
+                                              <p:pRg st="17" end="17"/>
+                                            </p:txEl>
+                                          </p:spTgt>
+                                        </p:tgtEl>
+                                        <p:attrNameLst>
+                                          <p:attrName>style.visibility</p:attrName>
+                                        </p:attrNameLst>
+                                      </p:cBhvr>
+                                      <p:to>
+                                        <p:strVal val="visible"/>
+                                      </p:to>
+                                    </p:set>
+                                    <p:animEffect transition="in" filter="fade">
+                                      <p:cBhvr>
+                                        <p:cTn id="47" dur="500"/>
+                                        <p:tgtEl>
+                                          <p:spTgt spid="3">
+                                            <p:txEl>
+                                              <p:pRg st="17" end="17"/>
                                             </p:txEl>
                                           </p:spTgt>
                                         </p:tgtEl>
@@ -9921,1220 +10644,6 @@
         </p:nvSpPr>
         <p:spPr/>
         <p:txBody>
-          <a:bodyPr>
-            <a:normAutofit/>
-          </a:bodyPr>
-          <a:lstStyle/>
-          <a:p>
-            <a:r>
-              <a:rPr lang="ru-RU" dirty="0"/>
-              <a:t>Реализация сущности «Распорядитель»</a:t>
-            </a:r>
-          </a:p>
-        </p:txBody>
-      </p:sp>
-      <p:sp>
-        <p:nvSpPr>
-          <p:cNvPr id="3" name="Прямоугольник 2"/>
-          <p:cNvSpPr/>
-          <p:nvPr/>
-        </p:nvSpPr>
-        <p:spPr>
-          <a:xfrm>
-            <a:off x="1738282" y="1835760"/>
-            <a:ext cx="8286808" cy="4616648"/>
-          </a:xfrm>
-          <a:prstGeom prst="rect">
-            <a:avLst/>
-          </a:prstGeom>
-        </p:spPr>
-        <p:style>
-          <a:lnRef idx="2">
-            <a:schemeClr val="accent1"/>
-          </a:lnRef>
-          <a:fillRef idx="1">
-            <a:schemeClr val="lt1"/>
-          </a:fillRef>
-          <a:effectRef idx="0">
-            <a:schemeClr val="accent1"/>
-          </a:effectRef>
-          <a:fontRef idx="minor">
-            <a:schemeClr val="dk1"/>
-          </a:fontRef>
-        </p:style>
-        <p:txBody>
-          <a:bodyPr wrap="square">
-            <a:spAutoFit/>
-          </a:bodyPr>
-          <a:lstStyle/>
-          <a:p>
-            <a:pPr defTabSz="180975"/>
-            <a:r>
-              <a:rPr lang="en-US" sz="1400" b="1" dirty="0">
-                <a:latin typeface="Courier New" pitchFamily="49" charset="0"/>
-                <a:cs typeface="Courier New" pitchFamily="49" charset="0"/>
-              </a:rPr>
-              <a:t>class </a:t>
-            </a:r>
-            <a:r>
-              <a:rPr lang="en-US" sz="1400" b="1" dirty="0" err="1">
-                <a:latin typeface="Courier New" pitchFamily="49" charset="0"/>
-                <a:cs typeface="Courier New" pitchFamily="49" charset="0"/>
-              </a:rPr>
-              <a:t>FormattedTextReader</a:t>
-            </a:r>
-            <a:endParaRPr lang="en-US" sz="1400" b="1" dirty="0">
-              <a:latin typeface="Courier New" pitchFamily="49" charset="0"/>
-              <a:cs typeface="Courier New" pitchFamily="49" charset="0"/>
-            </a:endParaRPr>
-          </a:p>
-          <a:p>
-            <a:pPr defTabSz="180975"/>
-            <a:r>
-              <a:rPr lang="ru-RU" sz="1400" b="1" dirty="0">
-                <a:latin typeface="Courier New" pitchFamily="49" charset="0"/>
-                <a:cs typeface="Courier New" pitchFamily="49" charset="0"/>
-              </a:rPr>
-              <a:t>{</a:t>
-            </a:r>
-          </a:p>
-          <a:p>
-            <a:pPr defTabSz="180975"/>
-            <a:r>
-              <a:rPr lang="en-US" sz="1400" b="1" dirty="0">
-                <a:latin typeface="Courier New" pitchFamily="49" charset="0"/>
-                <a:cs typeface="Courier New" pitchFamily="49" charset="0"/>
-              </a:rPr>
-              <a:t>public:</a:t>
-            </a:r>
-          </a:p>
-          <a:p>
-            <a:pPr defTabSz="180975"/>
-            <a:r>
-              <a:rPr lang="en-US" sz="1400" b="1" dirty="0">
-                <a:latin typeface="Courier New" pitchFamily="49" charset="0"/>
-                <a:cs typeface="Courier New" pitchFamily="49" charset="0"/>
-              </a:rPr>
-              <a:t>	void Read(</a:t>
-            </a:r>
-            <a:r>
-              <a:rPr lang="en-US" sz="1400" b="1" dirty="0" err="1">
-                <a:latin typeface="Courier New" pitchFamily="49" charset="0"/>
-                <a:cs typeface="Courier New" pitchFamily="49" charset="0"/>
-              </a:rPr>
-              <a:t>FormattedText</a:t>
-            </a:r>
-            <a:r>
-              <a:rPr lang="en-US" sz="1400" b="1" dirty="0">
-                <a:latin typeface="Courier New" pitchFamily="49" charset="0"/>
-                <a:cs typeface="Courier New" pitchFamily="49" charset="0"/>
-              </a:rPr>
-              <a:t> const&amp; text, </a:t>
-            </a:r>
-            <a:r>
-              <a:rPr lang="en-US" sz="1400" b="1" dirty="0" err="1">
-                <a:latin typeface="Courier New" pitchFamily="49" charset="0"/>
-                <a:cs typeface="Courier New" pitchFamily="49" charset="0"/>
-              </a:rPr>
-              <a:t>TextConverter</a:t>
-            </a:r>
-            <a:r>
-              <a:rPr lang="en-US" sz="1400" b="1" dirty="0">
-                <a:latin typeface="Courier New" pitchFamily="49" charset="0"/>
-                <a:cs typeface="Courier New" pitchFamily="49" charset="0"/>
-              </a:rPr>
-              <a:t> &amp; converter)</a:t>
-            </a:r>
-          </a:p>
-          <a:p>
-            <a:pPr defTabSz="180975"/>
-            <a:r>
-              <a:rPr lang="ru-RU" sz="1400" b="1" dirty="0">
-                <a:latin typeface="Courier New" pitchFamily="49" charset="0"/>
-                <a:cs typeface="Courier New" pitchFamily="49" charset="0"/>
-              </a:rPr>
-              <a:t>	{</a:t>
-            </a:r>
-          </a:p>
-          <a:p>
-            <a:pPr defTabSz="180975"/>
-            <a:r>
-              <a:rPr lang="ru-RU" sz="1400" b="1" dirty="0">
-                <a:latin typeface="Courier New" pitchFamily="49" charset="0"/>
-                <a:cs typeface="Courier New" pitchFamily="49" charset="0"/>
-              </a:rPr>
-              <a:t>		</a:t>
-            </a:r>
-            <a:r>
-              <a:rPr lang="en-US" sz="1400" b="1" dirty="0">
-                <a:latin typeface="Courier New" pitchFamily="49" charset="0"/>
-                <a:cs typeface="Courier New" pitchFamily="49" charset="0"/>
-              </a:rPr>
-              <a:t>for (</a:t>
-            </a:r>
-            <a:r>
-              <a:rPr lang="en-US" sz="1400" b="1" dirty="0" err="1">
-                <a:latin typeface="Courier New" pitchFamily="49" charset="0"/>
-                <a:cs typeface="Courier New" pitchFamily="49" charset="0"/>
-              </a:rPr>
-              <a:t>size_t</a:t>
-            </a:r>
-            <a:r>
-              <a:rPr lang="en-US" sz="1400" b="1" dirty="0">
-                <a:latin typeface="Courier New" pitchFamily="49" charset="0"/>
-                <a:cs typeface="Courier New" pitchFamily="49" charset="0"/>
-              </a:rPr>
-              <a:t> index = 0; index &lt; </a:t>
-            </a:r>
-            <a:r>
-              <a:rPr lang="en-US" sz="1400" b="1" dirty="0" err="1">
-                <a:latin typeface="Courier New" pitchFamily="49" charset="0"/>
-                <a:cs typeface="Courier New" pitchFamily="49" charset="0"/>
-              </a:rPr>
-              <a:t>text.GetItems</a:t>
-            </a:r>
-            <a:r>
-              <a:rPr lang="en-US" sz="1400" b="1" dirty="0">
-                <a:latin typeface="Courier New" pitchFamily="49" charset="0"/>
-                <a:cs typeface="Courier New" pitchFamily="49" charset="0"/>
-              </a:rPr>
-              <a:t>(); ++index)</a:t>
-            </a:r>
-          </a:p>
-          <a:p>
-            <a:pPr defTabSz="180975"/>
-            <a:r>
-              <a:rPr lang="en-US" sz="1400" b="1" dirty="0">
-                <a:latin typeface="Courier New" pitchFamily="49" charset="0"/>
-                <a:cs typeface="Courier New" pitchFamily="49" charset="0"/>
-              </a:rPr>
-              <a:t>		{</a:t>
-            </a:r>
-          </a:p>
-          <a:p>
-            <a:pPr defTabSz="180975"/>
-            <a:r>
-              <a:rPr lang="en-US" sz="1400" b="1" dirty="0">
-                <a:latin typeface="Courier New" pitchFamily="49" charset="0"/>
-                <a:cs typeface="Courier New" pitchFamily="49" charset="0"/>
-              </a:rPr>
-              <a:t>			</a:t>
-            </a:r>
-            <a:r>
-              <a:rPr lang="en-US" sz="1400" b="1" dirty="0" err="1">
-                <a:latin typeface="Courier New" pitchFamily="49" charset="0"/>
-                <a:cs typeface="Courier New" pitchFamily="49" charset="0"/>
-              </a:rPr>
-              <a:t>CTextItem</a:t>
-            </a:r>
-            <a:r>
-              <a:rPr lang="en-US" sz="1400" b="1" dirty="0">
-                <a:latin typeface="Courier New" pitchFamily="49" charset="0"/>
-                <a:cs typeface="Courier New" pitchFamily="49" charset="0"/>
-              </a:rPr>
-              <a:t> const &amp; item = </a:t>
-            </a:r>
-            <a:r>
-              <a:rPr lang="en-US" sz="1400" b="1" dirty="0" err="1">
-                <a:latin typeface="Courier New" pitchFamily="49" charset="0"/>
-                <a:cs typeface="Courier New" pitchFamily="49" charset="0"/>
-              </a:rPr>
-              <a:t>text.GetItem</a:t>
-            </a:r>
-            <a:r>
-              <a:rPr lang="en-US" sz="1400" b="1" dirty="0">
-                <a:latin typeface="Courier New" pitchFamily="49" charset="0"/>
-                <a:cs typeface="Courier New" pitchFamily="49" charset="0"/>
-              </a:rPr>
-              <a:t>(index);</a:t>
-            </a:r>
-          </a:p>
-          <a:p>
-            <a:pPr defTabSz="180975"/>
-            <a:endParaRPr lang="en-US" sz="1400" b="1" dirty="0">
-              <a:latin typeface="Courier New" pitchFamily="49" charset="0"/>
-              <a:cs typeface="Courier New" pitchFamily="49" charset="0"/>
-            </a:endParaRPr>
-          </a:p>
-          <a:p>
-            <a:pPr defTabSz="180975"/>
-            <a:r>
-              <a:rPr lang="en-US" sz="1400" b="1" dirty="0">
-                <a:latin typeface="Courier New" pitchFamily="49" charset="0"/>
-                <a:cs typeface="Courier New" pitchFamily="49" charset="0"/>
-              </a:rPr>
-              <a:t>			if (auto </a:t>
-            </a:r>
-            <a:r>
-              <a:rPr lang="en-US" sz="1400" b="1" dirty="0" err="1">
-                <a:latin typeface="Courier New" pitchFamily="49" charset="0"/>
-                <a:cs typeface="Courier New" pitchFamily="49" charset="0"/>
-              </a:rPr>
-              <a:t>textRange</a:t>
-            </a:r>
-            <a:r>
-              <a:rPr lang="en-US" sz="1400" b="1" dirty="0">
-                <a:latin typeface="Courier New" pitchFamily="49" charset="0"/>
-                <a:cs typeface="Courier New" pitchFamily="49" charset="0"/>
-              </a:rPr>
-              <a:t> = </a:t>
-            </a:r>
-            <a:r>
-              <a:rPr lang="en-US" sz="1400" b="1" dirty="0" err="1">
-                <a:latin typeface="Courier New" pitchFamily="49" charset="0"/>
-                <a:cs typeface="Courier New" pitchFamily="49" charset="0"/>
-              </a:rPr>
-              <a:t>dynamic_cast</a:t>
-            </a:r>
-            <a:r>
-              <a:rPr lang="en-US" sz="1400" b="1" dirty="0">
-                <a:latin typeface="Courier New" pitchFamily="49" charset="0"/>
-                <a:cs typeface="Courier New" pitchFamily="49" charset="0"/>
-              </a:rPr>
-              <a:t>&lt;</a:t>
-            </a:r>
-            <a:r>
-              <a:rPr lang="en-US" sz="1400" b="1" dirty="0" err="1">
-                <a:latin typeface="Courier New" pitchFamily="49" charset="0"/>
-                <a:cs typeface="Courier New" pitchFamily="49" charset="0"/>
-              </a:rPr>
-              <a:t>CTextRangeItem</a:t>
-            </a:r>
-            <a:r>
-              <a:rPr lang="en-US" sz="1400" b="1" dirty="0">
-                <a:latin typeface="Courier New" pitchFamily="49" charset="0"/>
-                <a:cs typeface="Courier New" pitchFamily="49" charset="0"/>
-              </a:rPr>
-              <a:t> const*&gt;(&amp;item))</a:t>
-            </a:r>
-          </a:p>
-          <a:p>
-            <a:pPr defTabSz="180975"/>
-            <a:r>
-              <a:rPr lang="en-US" sz="1400" b="1" dirty="0">
-                <a:latin typeface="Courier New" pitchFamily="49" charset="0"/>
-                <a:cs typeface="Courier New" pitchFamily="49" charset="0"/>
-              </a:rPr>
-              <a:t>			{</a:t>
-            </a:r>
-          </a:p>
-          <a:p>
-            <a:pPr defTabSz="180975"/>
-            <a:r>
-              <a:rPr lang="en-US" sz="1400" b="1" dirty="0">
-                <a:latin typeface="Courier New" pitchFamily="49" charset="0"/>
-                <a:cs typeface="Courier New" pitchFamily="49" charset="0"/>
-              </a:rPr>
-              <a:t>				</a:t>
-            </a:r>
-            <a:r>
-              <a:rPr lang="en-US" sz="1400" b="1" dirty="0" err="1">
-                <a:latin typeface="Courier New" pitchFamily="49" charset="0"/>
-                <a:cs typeface="Courier New" pitchFamily="49" charset="0"/>
-              </a:rPr>
-              <a:t>converter.ConvertText</a:t>
-            </a:r>
-            <a:r>
-              <a:rPr lang="en-US" sz="1400" b="1" dirty="0">
-                <a:latin typeface="Courier New" pitchFamily="49" charset="0"/>
-                <a:cs typeface="Courier New" pitchFamily="49" charset="0"/>
-              </a:rPr>
-              <a:t>(</a:t>
-            </a:r>
-            <a:r>
-              <a:rPr lang="en-US" sz="1400" b="1" dirty="0" err="1">
-                <a:latin typeface="Courier New" pitchFamily="49" charset="0"/>
-                <a:cs typeface="Courier New" pitchFamily="49" charset="0"/>
-              </a:rPr>
-              <a:t>textRange</a:t>
-            </a:r>
-            <a:r>
-              <a:rPr lang="en-US" sz="1400" b="1" dirty="0">
-                <a:latin typeface="Courier New" pitchFamily="49" charset="0"/>
-                <a:cs typeface="Courier New" pitchFamily="49" charset="0"/>
-              </a:rPr>
-              <a:t>-&gt;</a:t>
-            </a:r>
-            <a:r>
-              <a:rPr lang="en-US" sz="1400" b="1" dirty="0" err="1">
-                <a:latin typeface="Courier New" pitchFamily="49" charset="0"/>
-                <a:cs typeface="Courier New" pitchFamily="49" charset="0"/>
-              </a:rPr>
-              <a:t>GetText</a:t>
-            </a:r>
-            <a:r>
-              <a:rPr lang="en-US" sz="1400" b="1" dirty="0">
-                <a:latin typeface="Courier New" pitchFamily="49" charset="0"/>
-                <a:cs typeface="Courier New" pitchFamily="49" charset="0"/>
-              </a:rPr>
-              <a:t>());</a:t>
-            </a:r>
-          </a:p>
-          <a:p>
-            <a:pPr defTabSz="180975"/>
-            <a:r>
-              <a:rPr lang="en-US" sz="1400" b="1" dirty="0">
-                <a:latin typeface="Courier New" pitchFamily="49" charset="0"/>
-                <a:cs typeface="Courier New" pitchFamily="49" charset="0"/>
-              </a:rPr>
-              <a:t>			}</a:t>
-            </a:r>
-          </a:p>
-          <a:p>
-            <a:pPr defTabSz="180975"/>
-            <a:r>
-              <a:rPr lang="en-US" sz="1400" b="1" dirty="0">
-                <a:latin typeface="Courier New" pitchFamily="49" charset="0"/>
-                <a:cs typeface="Courier New" pitchFamily="49" charset="0"/>
-              </a:rPr>
-              <a:t>			else if (</a:t>
-            </a:r>
-            <a:r>
-              <a:rPr lang="en-US" sz="1400" b="1" dirty="0" err="1">
-                <a:latin typeface="Courier New" pitchFamily="49" charset="0"/>
-                <a:cs typeface="Courier New" pitchFamily="49" charset="0"/>
-              </a:rPr>
-              <a:t>fontCommand</a:t>
-            </a:r>
-            <a:r>
-              <a:rPr lang="en-US" sz="1400" b="1" dirty="0">
-                <a:latin typeface="Courier New" pitchFamily="49" charset="0"/>
-                <a:cs typeface="Courier New" pitchFamily="49" charset="0"/>
-              </a:rPr>
-              <a:t> = </a:t>
-            </a:r>
-            <a:r>
-              <a:rPr lang="en-US" sz="1400" b="1" dirty="0" err="1">
-                <a:latin typeface="Courier New" pitchFamily="49" charset="0"/>
-                <a:cs typeface="Courier New" pitchFamily="49" charset="0"/>
-              </a:rPr>
-              <a:t>dynamic_cast</a:t>
-            </a:r>
-            <a:r>
-              <a:rPr lang="en-US" sz="1400" b="1" dirty="0">
-                <a:latin typeface="Courier New" pitchFamily="49" charset="0"/>
-                <a:cs typeface="Courier New" pitchFamily="49" charset="0"/>
-              </a:rPr>
-              <a:t>&lt;</a:t>
-            </a:r>
-            <a:r>
-              <a:rPr lang="en-US" sz="1400" b="1" dirty="0" err="1">
-                <a:latin typeface="Courier New" pitchFamily="49" charset="0"/>
-                <a:cs typeface="Courier New" pitchFamily="49" charset="0"/>
-              </a:rPr>
-              <a:t>CFontChangeCommand</a:t>
-            </a:r>
-            <a:r>
-              <a:rPr lang="en-US" sz="1400" b="1" dirty="0">
-                <a:latin typeface="Courier New" pitchFamily="49" charset="0"/>
-                <a:cs typeface="Courier New" pitchFamily="49" charset="0"/>
-              </a:rPr>
-              <a:t> const*&gt;(&amp;item))</a:t>
-            </a:r>
-          </a:p>
-          <a:p>
-            <a:pPr defTabSz="180975"/>
-            <a:r>
-              <a:rPr lang="en-US" sz="1400" b="1" dirty="0">
-                <a:latin typeface="Courier New" pitchFamily="49" charset="0"/>
-                <a:cs typeface="Courier New" pitchFamily="49" charset="0"/>
-              </a:rPr>
-              <a:t>			{</a:t>
-            </a:r>
-          </a:p>
-          <a:p>
-            <a:pPr defTabSz="180975"/>
-            <a:r>
-              <a:rPr lang="en-US" sz="1400" b="1" dirty="0">
-                <a:latin typeface="Courier New" pitchFamily="49" charset="0"/>
-                <a:cs typeface="Courier New" pitchFamily="49" charset="0"/>
-              </a:rPr>
-              <a:t>				</a:t>
-            </a:r>
-            <a:r>
-              <a:rPr lang="en-US" sz="1400" b="1" dirty="0" err="1">
-                <a:latin typeface="Courier New" pitchFamily="49" charset="0"/>
-                <a:cs typeface="Courier New" pitchFamily="49" charset="0"/>
-              </a:rPr>
-              <a:t>converter.ConvertFontChange</a:t>
-            </a:r>
-            <a:r>
-              <a:rPr lang="en-US" sz="1400" b="1" dirty="0">
-                <a:latin typeface="Courier New" pitchFamily="49" charset="0"/>
-                <a:cs typeface="Courier New" pitchFamily="49" charset="0"/>
-              </a:rPr>
-              <a:t>(</a:t>
-            </a:r>
-            <a:r>
-              <a:rPr lang="en-US" sz="1400" b="1" dirty="0" err="1">
-                <a:latin typeface="Courier New" pitchFamily="49" charset="0"/>
-                <a:cs typeface="Courier New" pitchFamily="49" charset="0"/>
-              </a:rPr>
-              <a:t>fontCommand</a:t>
-            </a:r>
-            <a:r>
-              <a:rPr lang="en-US" sz="1400" b="1" dirty="0">
-                <a:latin typeface="Courier New" pitchFamily="49" charset="0"/>
-                <a:cs typeface="Courier New" pitchFamily="49" charset="0"/>
-              </a:rPr>
-              <a:t>-&gt;</a:t>
-            </a:r>
-            <a:r>
-              <a:rPr lang="en-US" sz="1400" b="1" dirty="0" err="1">
-                <a:latin typeface="Courier New" pitchFamily="49" charset="0"/>
-                <a:cs typeface="Courier New" pitchFamily="49" charset="0"/>
-              </a:rPr>
-              <a:t>GetFont</a:t>
-            </a:r>
-            <a:r>
-              <a:rPr lang="en-US" sz="1400" b="1" dirty="0">
-                <a:latin typeface="Courier New" pitchFamily="49" charset="0"/>
-                <a:cs typeface="Courier New" pitchFamily="49" charset="0"/>
-              </a:rPr>
-              <a:t>());</a:t>
-            </a:r>
-          </a:p>
-          <a:p>
-            <a:pPr defTabSz="180975"/>
-            <a:r>
-              <a:rPr lang="en-US" sz="1400" b="1" dirty="0">
-                <a:latin typeface="Courier New" pitchFamily="49" charset="0"/>
-                <a:cs typeface="Courier New" pitchFamily="49" charset="0"/>
-              </a:rPr>
-              <a:t>			}</a:t>
-            </a:r>
-          </a:p>
-          <a:p>
-            <a:pPr defTabSz="180975"/>
-            <a:r>
-              <a:rPr lang="en-US" sz="1400" b="1" dirty="0">
-                <a:latin typeface="Courier New" pitchFamily="49" charset="0"/>
-                <a:cs typeface="Courier New" pitchFamily="49" charset="0"/>
-              </a:rPr>
-              <a:t>			else if (…) { … } …</a:t>
-            </a:r>
-          </a:p>
-          <a:p>
-            <a:pPr defTabSz="180975"/>
-            <a:r>
-              <a:rPr lang="en-US" sz="1400" b="1" dirty="0">
-                <a:latin typeface="Courier New" pitchFamily="49" charset="0"/>
-                <a:cs typeface="Courier New" pitchFamily="49" charset="0"/>
-              </a:rPr>
-              <a:t>		}</a:t>
-            </a:r>
-            <a:endParaRPr lang="ru-RU" sz="1400" b="1" dirty="0">
-              <a:latin typeface="Courier New" pitchFamily="49" charset="0"/>
-              <a:cs typeface="Courier New" pitchFamily="49" charset="0"/>
-            </a:endParaRPr>
-          </a:p>
-          <a:p>
-            <a:pPr defTabSz="180975"/>
-            <a:r>
-              <a:rPr lang="ru-RU" sz="1400" b="1" dirty="0">
-                <a:latin typeface="Courier New" pitchFamily="49" charset="0"/>
-                <a:cs typeface="Courier New" pitchFamily="49" charset="0"/>
-              </a:rPr>
-              <a:t>	}</a:t>
-            </a:r>
-          </a:p>
-          <a:p>
-            <a:pPr defTabSz="180975"/>
-            <a:r>
-              <a:rPr lang="ru-RU" sz="1400" b="1" dirty="0">
-                <a:latin typeface="Courier New" pitchFamily="49" charset="0"/>
-                <a:cs typeface="Courier New" pitchFamily="49" charset="0"/>
-              </a:rPr>
-              <a:t>};</a:t>
-            </a:r>
-          </a:p>
-        </p:txBody>
-      </p:sp>
-    </p:spTree>
-    <p:extLst>
-      <p:ext uri="{BB962C8B-B14F-4D97-AF65-F5344CB8AC3E}">
-        <p14:creationId xmlns:p14="http://schemas.microsoft.com/office/powerpoint/2010/main" val="3897446812"/>
-      </p:ext>
-    </p:extLst>
-  </p:cSld>
-  <p:clrMapOvr>
-    <a:masterClrMapping/>
-  </p:clrMapOvr>
-  <p:timing>
-    <p:tnLst>
-      <p:par>
-        <p:cTn id="1" dur="indefinite" restart="never" nodeType="tmRoot">
-          <p:childTnLst>
-            <p:seq concurrent="1" nextAc="seek">
-              <p:cTn id="2" dur="indefinite" nodeType="mainSeq">
-                <p:childTnLst>
-                  <p:par>
-                    <p:cTn id="3" fill="hold">
-                      <p:stCondLst>
-                        <p:cond delay="indefinite"/>
-                      </p:stCondLst>
-                      <p:childTnLst>
-                        <p:par>
-                          <p:cTn id="4" fill="hold">
-                            <p:stCondLst>
-                              <p:cond delay="0"/>
-                            </p:stCondLst>
-                            <p:childTnLst>
-                              <p:par>
-                                <p:cTn id="5" presetID="10" presetClass="entr" presetSubtype="0" fill="hold" nodeType="clickEffect">
-                                  <p:stCondLst>
-                                    <p:cond delay="0"/>
-                                  </p:stCondLst>
-                                  <p:childTnLst>
-                                    <p:set>
-                                      <p:cBhvr>
-                                        <p:cTn id="6" dur="1" fill="hold">
-                                          <p:stCondLst>
-                                            <p:cond delay="0"/>
-                                          </p:stCondLst>
-                                        </p:cTn>
-                                        <p:tgtEl>
-                                          <p:spTgt spid="3">
-                                            <p:txEl>
-                                              <p:pRg st="5" end="5"/>
-                                            </p:txEl>
-                                          </p:spTgt>
-                                        </p:tgtEl>
-                                        <p:attrNameLst>
-                                          <p:attrName>style.visibility</p:attrName>
-                                        </p:attrNameLst>
-                                      </p:cBhvr>
-                                      <p:to>
-                                        <p:strVal val="visible"/>
-                                      </p:to>
-                                    </p:set>
-                                    <p:animEffect transition="in" filter="fade">
-                                      <p:cBhvr>
-                                        <p:cTn id="7" dur="500"/>
-                                        <p:tgtEl>
-                                          <p:spTgt spid="3">
-                                            <p:txEl>
-                                              <p:pRg st="5" end="5"/>
-                                            </p:txEl>
-                                          </p:spTgt>
-                                        </p:tgtEl>
-                                      </p:cBhvr>
-                                    </p:animEffect>
-                                  </p:childTnLst>
-                                </p:cTn>
-                              </p:par>
-                              <p:par>
-                                <p:cTn id="8" presetID="10" presetClass="entr" presetSubtype="0" fill="hold" nodeType="withEffect">
-                                  <p:stCondLst>
-                                    <p:cond delay="0"/>
-                                  </p:stCondLst>
-                                  <p:childTnLst>
-                                    <p:set>
-                                      <p:cBhvr>
-                                        <p:cTn id="9" dur="1" fill="hold">
-                                          <p:stCondLst>
-                                            <p:cond delay="0"/>
-                                          </p:stCondLst>
-                                        </p:cTn>
-                                        <p:tgtEl>
-                                          <p:spTgt spid="3">
-                                            <p:txEl>
-                                              <p:pRg st="6" end="6"/>
-                                            </p:txEl>
-                                          </p:spTgt>
-                                        </p:tgtEl>
-                                        <p:attrNameLst>
-                                          <p:attrName>style.visibility</p:attrName>
-                                        </p:attrNameLst>
-                                      </p:cBhvr>
-                                      <p:to>
-                                        <p:strVal val="visible"/>
-                                      </p:to>
-                                    </p:set>
-                                    <p:animEffect transition="in" filter="fade">
-                                      <p:cBhvr>
-                                        <p:cTn id="10" dur="500"/>
-                                        <p:tgtEl>
-                                          <p:spTgt spid="3">
-                                            <p:txEl>
-                                              <p:pRg st="6" end="6"/>
-                                            </p:txEl>
-                                          </p:spTgt>
-                                        </p:tgtEl>
-                                      </p:cBhvr>
-                                    </p:animEffect>
-                                  </p:childTnLst>
-                                </p:cTn>
-                              </p:par>
-                              <p:par>
-                                <p:cTn id="11" presetID="10" presetClass="entr" presetSubtype="0" fill="hold" nodeType="withEffect">
-                                  <p:stCondLst>
-                                    <p:cond delay="0"/>
-                                  </p:stCondLst>
-                                  <p:childTnLst>
-                                    <p:set>
-                                      <p:cBhvr>
-                                        <p:cTn id="12" dur="1" fill="hold">
-                                          <p:stCondLst>
-                                            <p:cond delay="0"/>
-                                          </p:stCondLst>
-                                        </p:cTn>
-                                        <p:tgtEl>
-                                          <p:spTgt spid="3">
-                                            <p:txEl>
-                                              <p:pRg st="18" end="18"/>
-                                            </p:txEl>
-                                          </p:spTgt>
-                                        </p:tgtEl>
-                                        <p:attrNameLst>
-                                          <p:attrName>style.visibility</p:attrName>
-                                        </p:attrNameLst>
-                                      </p:cBhvr>
-                                      <p:to>
-                                        <p:strVal val="visible"/>
-                                      </p:to>
-                                    </p:set>
-                                    <p:animEffect transition="in" filter="fade">
-                                      <p:cBhvr>
-                                        <p:cTn id="13" dur="500"/>
-                                        <p:tgtEl>
-                                          <p:spTgt spid="3">
-                                            <p:txEl>
-                                              <p:pRg st="18" end="18"/>
-                                            </p:txEl>
-                                          </p:spTgt>
-                                        </p:tgtEl>
-                                      </p:cBhvr>
-                                    </p:animEffect>
-                                  </p:childTnLst>
-                                </p:cTn>
-                              </p:par>
-                            </p:childTnLst>
-                          </p:cTn>
-                        </p:par>
-                      </p:childTnLst>
-                    </p:cTn>
-                  </p:par>
-                  <p:par>
-                    <p:cTn id="14" fill="hold">
-                      <p:stCondLst>
-                        <p:cond delay="indefinite"/>
-                      </p:stCondLst>
-                      <p:childTnLst>
-                        <p:par>
-                          <p:cTn id="15" fill="hold">
-                            <p:stCondLst>
-                              <p:cond delay="0"/>
-                            </p:stCondLst>
-                            <p:childTnLst>
-                              <p:par>
-                                <p:cTn id="16" presetID="10" presetClass="entr" presetSubtype="0" fill="hold" nodeType="clickEffect">
-                                  <p:stCondLst>
-                                    <p:cond delay="0"/>
-                                  </p:stCondLst>
-                                  <p:childTnLst>
-                                    <p:set>
-                                      <p:cBhvr>
-                                        <p:cTn id="17" dur="1" fill="hold">
-                                          <p:stCondLst>
-                                            <p:cond delay="0"/>
-                                          </p:stCondLst>
-                                        </p:cTn>
-                                        <p:tgtEl>
-                                          <p:spTgt spid="3">
-                                            <p:txEl>
-                                              <p:pRg st="7" end="7"/>
-                                            </p:txEl>
-                                          </p:spTgt>
-                                        </p:tgtEl>
-                                        <p:attrNameLst>
-                                          <p:attrName>style.visibility</p:attrName>
-                                        </p:attrNameLst>
-                                      </p:cBhvr>
-                                      <p:to>
-                                        <p:strVal val="visible"/>
-                                      </p:to>
-                                    </p:set>
-                                    <p:animEffect transition="in" filter="fade">
-                                      <p:cBhvr>
-                                        <p:cTn id="18" dur="500"/>
-                                        <p:tgtEl>
-                                          <p:spTgt spid="3">
-                                            <p:txEl>
-                                              <p:pRg st="7" end="7"/>
-                                            </p:txEl>
-                                          </p:spTgt>
-                                        </p:tgtEl>
-                                      </p:cBhvr>
-                                    </p:animEffect>
-                                  </p:childTnLst>
-                                </p:cTn>
-                              </p:par>
-                              <p:par>
-                                <p:cTn id="19" presetID="10" presetClass="entr" presetSubtype="0" fill="hold" nodeType="withEffect">
-                                  <p:stCondLst>
-                                    <p:cond delay="0"/>
-                                  </p:stCondLst>
-                                  <p:childTnLst>
-                                    <p:set>
-                                      <p:cBhvr>
-                                        <p:cTn id="20" dur="1" fill="hold">
-                                          <p:stCondLst>
-                                            <p:cond delay="0"/>
-                                          </p:stCondLst>
-                                        </p:cTn>
-                                        <p:tgtEl>
-                                          <p:spTgt spid="3">
-                                            <p:txEl>
-                                              <p:pRg st="9" end="9"/>
-                                            </p:txEl>
-                                          </p:spTgt>
-                                        </p:tgtEl>
-                                        <p:attrNameLst>
-                                          <p:attrName>style.visibility</p:attrName>
-                                        </p:attrNameLst>
-                                      </p:cBhvr>
-                                      <p:to>
-                                        <p:strVal val="visible"/>
-                                      </p:to>
-                                    </p:set>
-                                    <p:animEffect transition="in" filter="fade">
-                                      <p:cBhvr>
-                                        <p:cTn id="21" dur="500"/>
-                                        <p:tgtEl>
-                                          <p:spTgt spid="3">
-                                            <p:txEl>
-                                              <p:pRg st="9" end="9"/>
-                                            </p:txEl>
-                                          </p:spTgt>
-                                        </p:tgtEl>
-                                      </p:cBhvr>
-                                    </p:animEffect>
-                                  </p:childTnLst>
-                                </p:cTn>
-                              </p:par>
-                              <p:par>
-                                <p:cTn id="22" presetID="10" presetClass="entr" presetSubtype="0" fill="hold" nodeType="withEffect">
-                                  <p:stCondLst>
-                                    <p:cond delay="0"/>
-                                  </p:stCondLst>
-                                  <p:childTnLst>
-                                    <p:set>
-                                      <p:cBhvr>
-                                        <p:cTn id="23" dur="1" fill="hold">
-                                          <p:stCondLst>
-                                            <p:cond delay="0"/>
-                                          </p:stCondLst>
-                                        </p:cTn>
-                                        <p:tgtEl>
-                                          <p:spTgt spid="3">
-                                            <p:txEl>
-                                              <p:pRg st="10" end="10"/>
-                                            </p:txEl>
-                                          </p:spTgt>
-                                        </p:tgtEl>
-                                        <p:attrNameLst>
-                                          <p:attrName>style.visibility</p:attrName>
-                                        </p:attrNameLst>
-                                      </p:cBhvr>
-                                      <p:to>
-                                        <p:strVal val="visible"/>
-                                      </p:to>
-                                    </p:set>
-                                    <p:animEffect transition="in" filter="fade">
-                                      <p:cBhvr>
-                                        <p:cTn id="24" dur="500"/>
-                                        <p:tgtEl>
-                                          <p:spTgt spid="3">
-                                            <p:txEl>
-                                              <p:pRg st="10" end="10"/>
-                                            </p:txEl>
-                                          </p:spTgt>
-                                        </p:tgtEl>
-                                      </p:cBhvr>
-                                    </p:animEffect>
-                                  </p:childTnLst>
-                                </p:cTn>
-                              </p:par>
-                              <p:par>
-                                <p:cTn id="25" presetID="10" presetClass="entr" presetSubtype="0" fill="hold" nodeType="withEffect">
-                                  <p:stCondLst>
-                                    <p:cond delay="0"/>
-                                  </p:stCondLst>
-                                  <p:childTnLst>
-                                    <p:set>
-                                      <p:cBhvr>
-                                        <p:cTn id="26" dur="1" fill="hold">
-                                          <p:stCondLst>
-                                            <p:cond delay="0"/>
-                                          </p:stCondLst>
-                                        </p:cTn>
-                                        <p:tgtEl>
-                                          <p:spTgt spid="3">
-                                            <p:txEl>
-                                              <p:pRg st="11" end="11"/>
-                                            </p:txEl>
-                                          </p:spTgt>
-                                        </p:tgtEl>
-                                        <p:attrNameLst>
-                                          <p:attrName>style.visibility</p:attrName>
-                                        </p:attrNameLst>
-                                      </p:cBhvr>
-                                      <p:to>
-                                        <p:strVal val="visible"/>
-                                      </p:to>
-                                    </p:set>
-                                    <p:animEffect transition="in" filter="fade">
-                                      <p:cBhvr>
-                                        <p:cTn id="27" dur="500"/>
-                                        <p:tgtEl>
-                                          <p:spTgt spid="3">
-                                            <p:txEl>
-                                              <p:pRg st="11" end="11"/>
-                                            </p:txEl>
-                                          </p:spTgt>
-                                        </p:tgtEl>
-                                      </p:cBhvr>
-                                    </p:animEffect>
-                                  </p:childTnLst>
-                                </p:cTn>
-                              </p:par>
-                              <p:par>
-                                <p:cTn id="28" presetID="10" presetClass="entr" presetSubtype="0" fill="hold" nodeType="withEffect">
-                                  <p:stCondLst>
-                                    <p:cond delay="0"/>
-                                  </p:stCondLst>
-                                  <p:childTnLst>
-                                    <p:set>
-                                      <p:cBhvr>
-                                        <p:cTn id="29" dur="1" fill="hold">
-                                          <p:stCondLst>
-                                            <p:cond delay="0"/>
-                                          </p:stCondLst>
-                                        </p:cTn>
-                                        <p:tgtEl>
-                                          <p:spTgt spid="3">
-                                            <p:txEl>
-                                              <p:pRg st="12" end="12"/>
-                                            </p:txEl>
-                                          </p:spTgt>
-                                        </p:tgtEl>
-                                        <p:attrNameLst>
-                                          <p:attrName>style.visibility</p:attrName>
-                                        </p:attrNameLst>
-                                      </p:cBhvr>
-                                      <p:to>
-                                        <p:strVal val="visible"/>
-                                      </p:to>
-                                    </p:set>
-                                    <p:animEffect transition="in" filter="fade">
-                                      <p:cBhvr>
-                                        <p:cTn id="30" dur="500"/>
-                                        <p:tgtEl>
-                                          <p:spTgt spid="3">
-                                            <p:txEl>
-                                              <p:pRg st="12" end="12"/>
-                                            </p:txEl>
-                                          </p:spTgt>
-                                        </p:tgtEl>
-                                      </p:cBhvr>
-                                    </p:animEffect>
-                                  </p:childTnLst>
-                                </p:cTn>
-                              </p:par>
-                            </p:childTnLst>
-                          </p:cTn>
-                        </p:par>
-                      </p:childTnLst>
-                    </p:cTn>
-                  </p:par>
-                  <p:par>
-                    <p:cTn id="31" fill="hold">
-                      <p:stCondLst>
-                        <p:cond delay="indefinite"/>
-                      </p:stCondLst>
-                      <p:childTnLst>
-                        <p:par>
-                          <p:cTn id="32" fill="hold">
-                            <p:stCondLst>
-                              <p:cond delay="0"/>
-                            </p:stCondLst>
-                            <p:childTnLst>
-                              <p:par>
-                                <p:cTn id="33" presetID="10" presetClass="entr" presetSubtype="0" fill="hold" nodeType="clickEffect">
-                                  <p:stCondLst>
-                                    <p:cond delay="0"/>
-                                  </p:stCondLst>
-                                  <p:childTnLst>
-                                    <p:set>
-                                      <p:cBhvr>
-                                        <p:cTn id="34" dur="1" fill="hold">
-                                          <p:stCondLst>
-                                            <p:cond delay="0"/>
-                                          </p:stCondLst>
-                                        </p:cTn>
-                                        <p:tgtEl>
-                                          <p:spTgt spid="3">
-                                            <p:txEl>
-                                              <p:pRg st="13" end="13"/>
-                                            </p:txEl>
-                                          </p:spTgt>
-                                        </p:tgtEl>
-                                        <p:attrNameLst>
-                                          <p:attrName>style.visibility</p:attrName>
-                                        </p:attrNameLst>
-                                      </p:cBhvr>
-                                      <p:to>
-                                        <p:strVal val="visible"/>
-                                      </p:to>
-                                    </p:set>
-                                    <p:animEffect transition="in" filter="fade">
-                                      <p:cBhvr>
-                                        <p:cTn id="35" dur="500"/>
-                                        <p:tgtEl>
-                                          <p:spTgt spid="3">
-                                            <p:txEl>
-                                              <p:pRg st="13" end="13"/>
-                                            </p:txEl>
-                                          </p:spTgt>
-                                        </p:tgtEl>
-                                      </p:cBhvr>
-                                    </p:animEffect>
-                                  </p:childTnLst>
-                                </p:cTn>
-                              </p:par>
-                              <p:par>
-                                <p:cTn id="36" presetID="10" presetClass="entr" presetSubtype="0" fill="hold" nodeType="withEffect">
-                                  <p:stCondLst>
-                                    <p:cond delay="0"/>
-                                  </p:stCondLst>
-                                  <p:childTnLst>
-                                    <p:set>
-                                      <p:cBhvr>
-                                        <p:cTn id="37" dur="1" fill="hold">
-                                          <p:stCondLst>
-                                            <p:cond delay="0"/>
-                                          </p:stCondLst>
-                                        </p:cTn>
-                                        <p:tgtEl>
-                                          <p:spTgt spid="3">
-                                            <p:txEl>
-                                              <p:pRg st="14" end="14"/>
-                                            </p:txEl>
-                                          </p:spTgt>
-                                        </p:tgtEl>
-                                        <p:attrNameLst>
-                                          <p:attrName>style.visibility</p:attrName>
-                                        </p:attrNameLst>
-                                      </p:cBhvr>
-                                      <p:to>
-                                        <p:strVal val="visible"/>
-                                      </p:to>
-                                    </p:set>
-                                    <p:animEffect transition="in" filter="fade">
-                                      <p:cBhvr>
-                                        <p:cTn id="38" dur="500"/>
-                                        <p:tgtEl>
-                                          <p:spTgt spid="3">
-                                            <p:txEl>
-                                              <p:pRg st="14" end="14"/>
-                                            </p:txEl>
-                                          </p:spTgt>
-                                        </p:tgtEl>
-                                      </p:cBhvr>
-                                    </p:animEffect>
-                                  </p:childTnLst>
-                                </p:cTn>
-                              </p:par>
-                              <p:par>
-                                <p:cTn id="39" presetID="10" presetClass="entr" presetSubtype="0" fill="hold" nodeType="withEffect">
-                                  <p:stCondLst>
-                                    <p:cond delay="0"/>
-                                  </p:stCondLst>
-                                  <p:childTnLst>
-                                    <p:set>
-                                      <p:cBhvr>
-                                        <p:cTn id="40" dur="1" fill="hold">
-                                          <p:stCondLst>
-                                            <p:cond delay="0"/>
-                                          </p:stCondLst>
-                                        </p:cTn>
-                                        <p:tgtEl>
-                                          <p:spTgt spid="3">
-                                            <p:txEl>
-                                              <p:pRg st="15" end="15"/>
-                                            </p:txEl>
-                                          </p:spTgt>
-                                        </p:tgtEl>
-                                        <p:attrNameLst>
-                                          <p:attrName>style.visibility</p:attrName>
-                                        </p:attrNameLst>
-                                      </p:cBhvr>
-                                      <p:to>
-                                        <p:strVal val="visible"/>
-                                      </p:to>
-                                    </p:set>
-                                    <p:animEffect transition="in" filter="fade">
-                                      <p:cBhvr>
-                                        <p:cTn id="41" dur="500"/>
-                                        <p:tgtEl>
-                                          <p:spTgt spid="3">
-                                            <p:txEl>
-                                              <p:pRg st="15" end="15"/>
-                                            </p:txEl>
-                                          </p:spTgt>
-                                        </p:tgtEl>
-                                      </p:cBhvr>
-                                    </p:animEffect>
-                                  </p:childTnLst>
-                                </p:cTn>
-                              </p:par>
-                              <p:par>
-                                <p:cTn id="42" presetID="10" presetClass="entr" presetSubtype="0" fill="hold" nodeType="withEffect">
-                                  <p:stCondLst>
-                                    <p:cond delay="0"/>
-                                  </p:stCondLst>
-                                  <p:childTnLst>
-                                    <p:set>
-                                      <p:cBhvr>
-                                        <p:cTn id="43" dur="1" fill="hold">
-                                          <p:stCondLst>
-                                            <p:cond delay="0"/>
-                                          </p:stCondLst>
-                                        </p:cTn>
-                                        <p:tgtEl>
-                                          <p:spTgt spid="3">
-                                            <p:txEl>
-                                              <p:pRg st="16" end="16"/>
-                                            </p:txEl>
-                                          </p:spTgt>
-                                        </p:tgtEl>
-                                        <p:attrNameLst>
-                                          <p:attrName>style.visibility</p:attrName>
-                                        </p:attrNameLst>
-                                      </p:cBhvr>
-                                      <p:to>
-                                        <p:strVal val="visible"/>
-                                      </p:to>
-                                    </p:set>
-                                    <p:animEffect transition="in" filter="fade">
-                                      <p:cBhvr>
-                                        <p:cTn id="44" dur="500"/>
-                                        <p:tgtEl>
-                                          <p:spTgt spid="3">
-                                            <p:txEl>
-                                              <p:pRg st="16" end="16"/>
-                                            </p:txEl>
-                                          </p:spTgt>
-                                        </p:tgtEl>
-                                      </p:cBhvr>
-                                    </p:animEffect>
-                                  </p:childTnLst>
-                                </p:cTn>
-                              </p:par>
-                              <p:par>
-                                <p:cTn id="45" presetID="10" presetClass="entr" presetSubtype="0" fill="hold" nodeType="withEffect">
-                                  <p:stCondLst>
-                                    <p:cond delay="0"/>
-                                  </p:stCondLst>
-                                  <p:childTnLst>
-                                    <p:set>
-                                      <p:cBhvr>
-                                        <p:cTn id="46" dur="1" fill="hold">
-                                          <p:stCondLst>
-                                            <p:cond delay="0"/>
-                                          </p:stCondLst>
-                                        </p:cTn>
-                                        <p:tgtEl>
-                                          <p:spTgt spid="3">
-                                            <p:txEl>
-                                              <p:pRg st="17" end="17"/>
-                                            </p:txEl>
-                                          </p:spTgt>
-                                        </p:tgtEl>
-                                        <p:attrNameLst>
-                                          <p:attrName>style.visibility</p:attrName>
-                                        </p:attrNameLst>
-                                      </p:cBhvr>
-                                      <p:to>
-                                        <p:strVal val="visible"/>
-                                      </p:to>
-                                    </p:set>
-                                    <p:animEffect transition="in" filter="fade">
-                                      <p:cBhvr>
-                                        <p:cTn id="47" dur="500"/>
-                                        <p:tgtEl>
-                                          <p:spTgt spid="3">
-                                            <p:txEl>
-                                              <p:pRg st="17" end="17"/>
-                                            </p:txEl>
-                                          </p:spTgt>
-                                        </p:tgtEl>
-                                      </p:cBhvr>
-                                    </p:animEffect>
-                                  </p:childTnLst>
-                                </p:cTn>
-                              </p:par>
-                            </p:childTnLst>
-                          </p:cTn>
-                        </p:par>
-                      </p:childTnLst>
-                    </p:cTn>
-                  </p:par>
-                </p:childTnLst>
-              </p:cTn>
-              <p:prevCondLst>
-                <p:cond evt="onPrev" delay="0">
-                  <p:tgtEl>
-                    <p:sldTgt/>
-                  </p:tgtEl>
-                </p:cond>
-              </p:prevCondLst>
-              <p:nextCondLst>
-                <p:cond evt="onNext" delay="0">
-                  <p:tgtEl>
-                    <p:sldTgt/>
-                  </p:tgtEl>
-                </p:cond>
-              </p:nextCondLst>
-            </p:seq>
-          </p:childTnLst>
-        </p:cTn>
-      </p:par>
-    </p:tnLst>
-  </p:timing>
-</p:sld>
-</file>
-
-<file path=ppt/slides/slide19.xml><?xml version="1.0" encoding="utf-8"?>
-<p:sld xmlns:a="http://schemas.openxmlformats.org/drawingml/2006/main" xmlns:r="http://schemas.openxmlformats.org/officeDocument/2006/relationships" xmlns:p="http://schemas.openxmlformats.org/presentationml/2006/main" show="0">
-  <p:cSld>
-    <p:spTree>
-      <p:nvGrpSpPr>
-        <p:cNvPr id="1" name=""/>
-        <p:cNvGrpSpPr/>
-        <p:nvPr/>
-      </p:nvGrpSpPr>
-      <p:grpSpPr>
-        <a:xfrm>
-          <a:off x="0" y="0"/>
-          <a:ext cx="0" cy="0"/>
-          <a:chOff x="0" y="0"/>
-          <a:chExt cx="0" cy="0"/>
-        </a:xfrm>
-      </p:grpSpPr>
-      <p:sp>
-        <p:nvSpPr>
-          <p:cNvPr id="2" name="Заголовок 1"/>
-          <p:cNvSpPr>
-            <a:spLocks noGrp="1"/>
-          </p:cNvSpPr>
-          <p:nvPr>
-            <p:ph type="title"/>
-          </p:nvPr>
-        </p:nvSpPr>
-        <p:spPr/>
-        <p:txBody>
           <a:bodyPr/>
           <a:lstStyle/>
           <a:p>
@@ -12028,320 +11537,6 @@
 </file>
 
 <file path=ppt/slides/slide2.xml><?xml version="1.0" encoding="utf-8"?>
-<p:sld xmlns:a="http://schemas.openxmlformats.org/drawingml/2006/main" xmlns:r="http://schemas.openxmlformats.org/officeDocument/2006/relationships" xmlns:p="http://schemas.openxmlformats.org/presentationml/2006/main" show="0">
-  <p:cSld>
-    <p:spTree>
-      <p:nvGrpSpPr>
-        <p:cNvPr id="1" name="">
-          <a:extLst>
-            <a:ext uri="{FF2B5EF4-FFF2-40B4-BE49-F238E27FC236}">
-              <a16:creationId xmlns:a16="http://schemas.microsoft.com/office/drawing/2014/main" id="{049434BD-55C6-466A-1F8C-4A307742A6D1}"/>
-            </a:ext>
-          </a:extLst>
-        </p:cNvPr>
-        <p:cNvGrpSpPr/>
-        <p:nvPr/>
-      </p:nvGrpSpPr>
-      <p:grpSpPr>
-        <a:xfrm>
-          <a:off x="0" y="0"/>
-          <a:ext cx="0" cy="0"/>
-          <a:chOff x="0" y="0"/>
-          <a:chExt cx="0" cy="0"/>
-        </a:xfrm>
-      </p:grpSpPr>
-      <p:pic>
-        <p:nvPicPr>
-          <p:cNvPr id="5" name="Picture 4">
-            <a:extLst>
-              <a:ext uri="{FF2B5EF4-FFF2-40B4-BE49-F238E27FC236}">
-                <a16:creationId xmlns:a16="http://schemas.microsoft.com/office/drawing/2014/main" id="{16B57024-E4E7-E1C2-1387-D466303030B4}"/>
-              </a:ext>
-            </a:extLst>
-          </p:cNvPr>
-          <p:cNvPicPr>
-            <a:picLocks noChangeAspect="1"/>
-          </p:cNvPicPr>
-          <p:nvPr/>
-        </p:nvPicPr>
-        <p:blipFill>
-          <a:blip r:embed="rId2"/>
-          <a:stretch>
-            <a:fillRect/>
-          </a:stretch>
-        </p:blipFill>
-        <p:spPr>
-          <a:xfrm>
-            <a:off x="0" y="0"/>
-            <a:ext cx="12191999" cy="6858000"/>
-          </a:xfrm>
-          <a:prstGeom prst="rect">
-            <a:avLst/>
-          </a:prstGeom>
-        </p:spPr>
-      </p:pic>
-      <p:sp>
-        <p:nvSpPr>
-          <p:cNvPr id="2" name="Заголовок 1">
-            <a:extLst>
-              <a:ext uri="{FF2B5EF4-FFF2-40B4-BE49-F238E27FC236}">
-                <a16:creationId xmlns:a16="http://schemas.microsoft.com/office/drawing/2014/main" id="{62040FDE-1025-0D9B-BDDD-8D455AF3EB21}"/>
-              </a:ext>
-            </a:extLst>
-          </p:cNvPr>
-          <p:cNvSpPr>
-            <a:spLocks noGrp="1"/>
-          </p:cNvSpPr>
-          <p:nvPr>
-            <p:ph type="ctrTitle"/>
-          </p:nvPr>
-        </p:nvSpPr>
-        <p:spPr>
-          <a:xfrm>
-            <a:off x="335360" y="1122362"/>
-            <a:ext cx="11521280" cy="3962822"/>
-          </a:xfrm>
-        </p:spPr>
-        <p:txBody>
-          <a:bodyPr>
-            <a:noAutofit/>
-          </a:bodyPr>
-          <a:lstStyle/>
-          <a:p>
-            <a:r>
-              <a:rPr lang="ru-RU" sz="8800" dirty="0">
-                <a:solidFill>
-                  <a:schemeClr val="bg1"/>
-                </a:solidFill>
-                <a:effectLst>
-                  <a:outerShdw blurRad="38100" dist="38100" dir="2700000" algn="tl">
-                    <a:srgbClr val="000000">
-                      <a:alpha val="43137"/>
-                    </a:srgbClr>
-                  </a:outerShdw>
-                </a:effectLst>
-                <a:latin typeface="Impact" panose="020B0806030902050204" pitchFamily="34" charset="0"/>
-              </a:rPr>
-              <a:t>Паттерн проектирования</a:t>
-            </a:r>
-            <a:br>
-              <a:rPr lang="ru-RU" sz="8000" dirty="0">
-                <a:solidFill>
-                  <a:schemeClr val="bg1"/>
-                </a:solidFill>
-                <a:effectLst>
-                  <a:outerShdw blurRad="38100" dist="38100" dir="2700000" algn="tl">
-                    <a:srgbClr val="000000">
-                      <a:alpha val="43137"/>
-                    </a:srgbClr>
-                  </a:outerShdw>
-                </a:effectLst>
-                <a:latin typeface="Impact" panose="020B0806030902050204" pitchFamily="34" charset="0"/>
-              </a:rPr>
-            </a:br>
-            <a:r>
-              <a:rPr lang="ru-RU" sz="11500" dirty="0">
-                <a:solidFill>
-                  <a:schemeClr val="bg1"/>
-                </a:solidFill>
-                <a:effectLst>
-                  <a:outerShdw blurRad="38100" dist="38100" dir="2700000" algn="tl">
-                    <a:srgbClr val="000000">
-                      <a:alpha val="43137"/>
-                    </a:srgbClr>
-                  </a:outerShdw>
-                </a:effectLst>
-                <a:latin typeface="Impact" panose="020B0806030902050204" pitchFamily="34" charset="0"/>
-              </a:rPr>
-              <a:t> «Строитель»</a:t>
-            </a:r>
-            <a:endParaRPr lang="ru-RU" sz="9600" dirty="0">
-              <a:solidFill>
-                <a:schemeClr val="bg1"/>
-              </a:solidFill>
-              <a:effectLst>
-                <a:outerShdw blurRad="38100" dist="38100" dir="2700000" algn="tl">
-                  <a:srgbClr val="000000">
-                    <a:alpha val="43137"/>
-                  </a:srgbClr>
-                </a:outerShdw>
-              </a:effectLst>
-              <a:latin typeface="Impact" panose="020B0806030902050204" pitchFamily="34" charset="0"/>
-            </a:endParaRPr>
-          </a:p>
-        </p:txBody>
-      </p:sp>
-    </p:spTree>
-    <p:extLst>
-      <p:ext uri="{BB962C8B-B14F-4D97-AF65-F5344CB8AC3E}">
-        <p14:creationId xmlns:p14="http://schemas.microsoft.com/office/powerpoint/2010/main" val="3212708197"/>
-      </p:ext>
-    </p:extLst>
-  </p:cSld>
-  <p:clrMapOvr>
-    <a:masterClrMapping/>
-  </p:clrMapOvr>
-</p:sld>
-</file>
-
-<file path=ppt/slides/slide3.xml><?xml version="1.0" encoding="utf-8"?>
-<p:sld xmlns:a="http://schemas.openxmlformats.org/drawingml/2006/main" xmlns:r="http://schemas.openxmlformats.org/officeDocument/2006/relationships" xmlns:p="http://schemas.openxmlformats.org/presentationml/2006/main" show="0">
-  <p:cSld>
-    <p:spTree>
-      <p:nvGrpSpPr>
-        <p:cNvPr id="1" name="">
-          <a:extLst>
-            <a:ext uri="{FF2B5EF4-FFF2-40B4-BE49-F238E27FC236}">
-              <a16:creationId xmlns:a16="http://schemas.microsoft.com/office/drawing/2014/main" id="{8A88136D-87D7-EE62-025B-24E4753A1405}"/>
-            </a:ext>
-          </a:extLst>
-        </p:cNvPr>
-        <p:cNvGrpSpPr/>
-        <p:nvPr/>
-      </p:nvGrpSpPr>
-      <p:grpSpPr>
-        <a:xfrm>
-          <a:off x="0" y="0"/>
-          <a:ext cx="0" cy="0"/>
-          <a:chOff x="0" y="0"/>
-          <a:chExt cx="0" cy="0"/>
-        </a:xfrm>
-      </p:grpSpPr>
-      <p:pic>
-        <p:nvPicPr>
-          <p:cNvPr id="5" name="Picture 4">
-            <a:extLst>
-              <a:ext uri="{FF2B5EF4-FFF2-40B4-BE49-F238E27FC236}">
-                <a16:creationId xmlns:a16="http://schemas.microsoft.com/office/drawing/2014/main" id="{2EF5E380-B88A-5135-D822-07A5686DCA11}"/>
-              </a:ext>
-            </a:extLst>
-          </p:cNvPr>
-          <p:cNvPicPr>
-            <a:picLocks noChangeAspect="1"/>
-          </p:cNvPicPr>
-          <p:nvPr/>
-        </p:nvPicPr>
-        <p:blipFill>
-          <a:blip r:embed="rId2"/>
-          <a:stretch>
-            <a:fillRect/>
-          </a:stretch>
-        </p:blipFill>
-        <p:spPr>
-          <a:xfrm>
-            <a:off x="0" y="0"/>
-            <a:ext cx="12191999" cy="6858000"/>
-          </a:xfrm>
-          <a:prstGeom prst="rect">
-            <a:avLst/>
-          </a:prstGeom>
-        </p:spPr>
-      </p:pic>
-      <p:sp>
-        <p:nvSpPr>
-          <p:cNvPr id="2" name="Заголовок 1">
-            <a:extLst>
-              <a:ext uri="{FF2B5EF4-FFF2-40B4-BE49-F238E27FC236}">
-                <a16:creationId xmlns:a16="http://schemas.microsoft.com/office/drawing/2014/main" id="{5FA80C2E-CF91-F378-29AB-F92BB10647EA}"/>
-              </a:ext>
-            </a:extLst>
-          </p:cNvPr>
-          <p:cNvSpPr>
-            <a:spLocks noGrp="1"/>
-          </p:cNvSpPr>
-          <p:nvPr>
-            <p:ph type="ctrTitle"/>
-          </p:nvPr>
-        </p:nvSpPr>
-        <p:spPr>
-          <a:xfrm>
-            <a:off x="335360" y="1122362"/>
-            <a:ext cx="11521280" cy="3818806"/>
-          </a:xfrm>
-        </p:spPr>
-        <p:txBody>
-          <a:bodyPr>
-            <a:noAutofit/>
-          </a:bodyPr>
-          <a:lstStyle/>
-          <a:p>
-            <a:r>
-              <a:rPr lang="ru-RU" sz="9600" dirty="0">
-                <a:solidFill>
-                  <a:schemeClr val="bg1"/>
-                </a:solidFill>
-                <a:effectLst>
-                  <a:outerShdw blurRad="38100" dist="38100" dir="2700000" algn="tl">
-                    <a:srgbClr val="000000">
-                      <a:alpha val="43137"/>
-                    </a:srgbClr>
-                  </a:outerShdw>
-                </a:effectLst>
-                <a:latin typeface="Impact" panose="020B0806030902050204" pitchFamily="34" charset="0"/>
-              </a:rPr>
-              <a:t>Паттерн</a:t>
-            </a:r>
-            <a:br>
-              <a:rPr lang="ru-RU" sz="8000" dirty="0">
-                <a:solidFill>
-                  <a:schemeClr val="bg1"/>
-                </a:solidFill>
-                <a:effectLst>
-                  <a:outerShdw blurRad="38100" dist="38100" dir="2700000" algn="tl">
-                    <a:srgbClr val="000000">
-                      <a:alpha val="43137"/>
-                    </a:srgbClr>
-                  </a:outerShdw>
-                </a:effectLst>
-                <a:latin typeface="Impact" panose="020B0806030902050204" pitchFamily="34" charset="0"/>
-              </a:rPr>
-            </a:br>
-            <a:r>
-              <a:rPr lang="ru-RU" sz="11500" dirty="0">
-                <a:solidFill>
-                  <a:schemeClr val="bg1"/>
-                </a:solidFill>
-                <a:effectLst>
-                  <a:outerShdw blurRad="38100" dist="38100" dir="2700000" algn="tl">
-                    <a:srgbClr val="000000">
-                      <a:alpha val="43137"/>
-                    </a:srgbClr>
-                  </a:outerShdw>
-                </a:effectLst>
-                <a:latin typeface="Impact" panose="020B0806030902050204" pitchFamily="34" charset="0"/>
-              </a:rPr>
-              <a:t> «Строитель»</a:t>
-            </a:r>
-            <a:endParaRPr lang="ru-RU" sz="9600" dirty="0">
-              <a:solidFill>
-                <a:schemeClr val="bg1"/>
-              </a:solidFill>
-              <a:effectLst>
-                <a:outerShdw blurRad="38100" dist="38100" dir="2700000" algn="tl">
-                  <a:srgbClr val="000000">
-                    <a:alpha val="43137"/>
-                  </a:srgbClr>
-                </a:outerShdw>
-              </a:effectLst>
-              <a:latin typeface="Impact" panose="020B0806030902050204" pitchFamily="34" charset="0"/>
-            </a:endParaRPr>
-          </a:p>
-        </p:txBody>
-      </p:sp>
-    </p:spTree>
-    <p:extLst>
-      <p:ext uri="{BB962C8B-B14F-4D97-AF65-F5344CB8AC3E}">
-        <p14:creationId xmlns:p14="http://schemas.microsoft.com/office/powerpoint/2010/main" val="4100336363"/>
-      </p:ext>
-    </p:extLst>
-  </p:cSld>
-  <p:clrMapOvr>
-    <a:masterClrMapping/>
-  </p:clrMapOvr>
-</p:sld>
-</file>
-
-<file path=ppt/slides/slide4.xml><?xml version="1.0" encoding="utf-8"?>
 <p:sld xmlns:a="http://schemas.openxmlformats.org/drawingml/2006/main" xmlns:r="http://schemas.openxmlformats.org/officeDocument/2006/relationships" xmlns:p="http://schemas.openxmlformats.org/presentationml/2006/main">
   <p:cSld>
     <p:spTree>
@@ -12453,7 +11648,7 @@
 </p:sld>
 </file>
 
-<file path=ppt/slides/slide5.xml><?xml version="1.0" encoding="utf-8"?>
+<file path=ppt/slides/slide3.xml><?xml version="1.0" encoding="utf-8"?>
 <p:sld xmlns:a="http://schemas.openxmlformats.org/drawingml/2006/main" xmlns:r="http://schemas.openxmlformats.org/officeDocument/2006/relationships" xmlns:p="http://schemas.openxmlformats.org/presentationml/2006/main">
   <p:cSld>
     <p:spTree>
@@ -13183,7 +12378,7 @@
 </p:sld>
 </file>
 
-<file path=ppt/slides/slide6.xml><?xml version="1.0" encoding="utf-8"?>
+<file path=ppt/slides/slide4.xml><?xml version="1.0" encoding="utf-8"?>
 <p:sld xmlns:a="http://schemas.openxmlformats.org/drawingml/2006/main" xmlns:r="http://schemas.openxmlformats.org/officeDocument/2006/relationships" xmlns:p="http://schemas.openxmlformats.org/presentationml/2006/main">
   <p:cSld>
     <p:spTree>
@@ -13745,7 +12940,7 @@
 </p:sld>
 </file>
 
-<file path=ppt/slides/slide7.xml><?xml version="1.0" encoding="utf-8"?>
+<file path=ppt/slides/slide5.xml><?xml version="1.0" encoding="utf-8"?>
 <p:sld xmlns:a="http://schemas.openxmlformats.org/drawingml/2006/main" xmlns:r="http://schemas.openxmlformats.org/officeDocument/2006/relationships" xmlns:p="http://schemas.openxmlformats.org/presentationml/2006/main">
   <p:cSld>
     <p:spTree>
@@ -13831,7 +13026,7 @@
 </p:sld>
 </file>
 
-<file path=ppt/slides/slide8.xml><?xml version="1.0" encoding="utf-8"?>
+<file path=ppt/slides/slide6.xml><?xml version="1.0" encoding="utf-8"?>
 <p:sld xmlns:a="http://schemas.openxmlformats.org/drawingml/2006/main" xmlns:r="http://schemas.openxmlformats.org/officeDocument/2006/relationships" xmlns:p="http://schemas.openxmlformats.org/presentationml/2006/main">
   <p:cSld>
     <p:spTree>
@@ -14249,7 +13444,7 @@
 </p:sld>
 </file>
 
-<file path=ppt/slides/slide9.xml><?xml version="1.0" encoding="utf-8"?>
+<file path=ppt/slides/slide7.xml><?xml version="1.0" encoding="utf-8"?>
 <p:sld xmlns:a="http://schemas.openxmlformats.org/drawingml/2006/main" xmlns:r="http://schemas.openxmlformats.org/officeDocument/2006/relationships" xmlns:p="http://schemas.openxmlformats.org/presentationml/2006/main">
   <p:cSld>
     <p:spTree>
@@ -14336,6 +13531,587 @@
   <p:clrMapOvr>
     <a:masterClrMapping/>
   </p:clrMapOvr>
+</p:sld>
+</file>
+
+<file path=ppt/slides/slide8.xml><?xml version="1.0" encoding="utf-8"?>
+<p:sld xmlns:a="http://schemas.openxmlformats.org/drawingml/2006/main" xmlns:r="http://schemas.openxmlformats.org/officeDocument/2006/relationships" xmlns:p="http://schemas.openxmlformats.org/presentationml/2006/main">
+  <p:cSld>
+    <p:spTree>
+      <p:nvGrpSpPr>
+        <p:cNvPr id="1" name=""/>
+        <p:cNvGrpSpPr/>
+        <p:nvPr/>
+      </p:nvGrpSpPr>
+      <p:grpSpPr>
+        <a:xfrm>
+          <a:off x="0" y="0"/>
+          <a:ext cx="0" cy="0"/>
+          <a:chOff x="0" y="0"/>
+          <a:chExt cx="0" cy="0"/>
+        </a:xfrm>
+      </p:grpSpPr>
+      <p:pic>
+        <p:nvPicPr>
+          <p:cNvPr id="2050" name="Picture 2">
+            <a:extLst>
+              <a:ext uri="{FF2B5EF4-FFF2-40B4-BE49-F238E27FC236}">
+                <a16:creationId xmlns:a16="http://schemas.microsoft.com/office/drawing/2014/main" id="{2ADB545E-1290-4B04-AE51-5FDCF7BE6430}"/>
+              </a:ext>
+            </a:extLst>
+          </p:cNvPr>
+          <p:cNvPicPr>
+            <a:picLocks noChangeAspect="1" noChangeArrowheads="1"/>
+          </p:cNvPicPr>
+          <p:nvPr/>
+        </p:nvPicPr>
+        <p:blipFill>
+          <a:blip r:embed="rId2" cstate="print">
+            <a:extLst>
+              <a:ext uri="{28A0092B-C50C-407E-A947-70E740481C1C}">
+                <a14:useLocalDpi xmlns:a14="http://schemas.microsoft.com/office/drawing/2010/main" val="0"/>
+              </a:ext>
+            </a:extLst>
+          </a:blip>
+          <a:srcRect/>
+          <a:stretch/>
+        </p:blipFill>
+        <p:spPr bwMode="auto">
+          <a:xfrm>
+            <a:off x="491811" y="-2"/>
+            <a:ext cx="11206791" cy="6858002"/>
+          </a:xfrm>
+          <a:prstGeom prst="rect">
+            <a:avLst/>
+          </a:prstGeom>
+          <a:noFill/>
+          <a:extLst>
+            <a:ext uri="{909E8E84-426E-40DD-AFC4-6F175D3DCCD1}">
+              <a14:hiddenFill xmlns:a14="http://schemas.microsoft.com/office/drawing/2010/main">
+                <a:solidFill>
+                  <a:srgbClr val="FFFFFF"/>
+                </a:solidFill>
+              </a14:hiddenFill>
+            </a:ext>
+          </a:extLst>
+        </p:spPr>
+      </p:pic>
+    </p:spTree>
+    <p:extLst>
+      <p:ext uri="{BB962C8B-B14F-4D97-AF65-F5344CB8AC3E}">
+        <p14:creationId xmlns:p14="http://schemas.microsoft.com/office/powerpoint/2010/main" val="3309274227"/>
+      </p:ext>
+    </p:extLst>
+  </p:cSld>
+  <p:clrMapOvr>
+    <a:masterClrMapping/>
+  </p:clrMapOvr>
+</p:sld>
+</file>
+
+<file path=ppt/slides/slide9.xml><?xml version="1.0" encoding="utf-8"?>
+<p:sld xmlns:a="http://schemas.openxmlformats.org/drawingml/2006/main" xmlns:r="http://schemas.openxmlformats.org/officeDocument/2006/relationships" xmlns:p="http://schemas.openxmlformats.org/presentationml/2006/main">
+  <p:cSld>
+    <p:spTree>
+      <p:nvGrpSpPr>
+        <p:cNvPr id="1" name=""/>
+        <p:cNvGrpSpPr/>
+        <p:nvPr/>
+      </p:nvGrpSpPr>
+      <p:grpSpPr>
+        <a:xfrm>
+          <a:off x="0" y="0"/>
+          <a:ext cx="0" cy="0"/>
+          <a:chOff x="0" y="0"/>
+          <a:chExt cx="0" cy="0"/>
+        </a:xfrm>
+      </p:grpSpPr>
+      <p:sp>
+        <p:nvSpPr>
+          <p:cNvPr id="39938" name="Rectangle 2"/>
+          <p:cNvSpPr>
+            <a:spLocks noGrp="1" noChangeArrowheads="1"/>
+          </p:cNvSpPr>
+          <p:nvPr>
+            <p:ph type="title"/>
+          </p:nvPr>
+        </p:nvSpPr>
+        <p:spPr/>
+        <p:txBody>
+          <a:bodyPr>
+            <a:normAutofit/>
+          </a:bodyPr>
+          <a:lstStyle/>
+          <a:p>
+            <a:r>
+              <a:rPr lang="ru-RU" dirty="0"/>
+              <a:t>Достоинства паттерна «Строитель»</a:t>
+            </a:r>
+          </a:p>
+        </p:txBody>
+      </p:sp>
+      <p:sp>
+        <p:nvSpPr>
+          <p:cNvPr id="39939" name="Rectangle 3"/>
+          <p:cNvSpPr>
+            <a:spLocks noGrp="1" noChangeArrowheads="1"/>
+          </p:cNvSpPr>
+          <p:nvPr>
+            <p:ph idx="1"/>
+          </p:nvPr>
+        </p:nvSpPr>
+        <p:spPr/>
+        <p:txBody>
+          <a:bodyPr>
+            <a:normAutofit/>
+          </a:bodyPr>
+          <a:lstStyle/>
+          <a:p>
+            <a:r>
+              <a:rPr lang="ru-RU" dirty="0"/>
+              <a:t>Позволяет изменять внутреннее представление продукта</a:t>
+            </a:r>
+          </a:p>
+          <a:p>
+            <a:pPr lvl="1"/>
+            <a:r>
+              <a:rPr lang="ru-RU" dirty="0"/>
+              <a:t>Распорядителю предоставляется абстрактный интерфейс Строителя, который скрывает структуру продукта и процесс сборки</a:t>
+            </a:r>
+          </a:p>
+          <a:p>
+            <a:pPr lvl="2"/>
+            <a:r>
+              <a:rPr lang="ru-RU" dirty="0"/>
+              <a:t>Чтобы добавить новый продукт, нужно добавить новую реализацию Строителя</a:t>
+            </a:r>
+          </a:p>
+          <a:p>
+            <a:r>
+              <a:rPr lang="ru-RU" dirty="0"/>
+              <a:t>Изолирует код, реализующий конструирование и представление </a:t>
+            </a:r>
+          </a:p>
+          <a:p>
+            <a:pPr lvl="1"/>
+            <a:r>
+              <a:rPr lang="ru-RU" dirty="0"/>
+              <a:t>Распорядитель не знает о классах, задающих внутреннюю структуру продукта (их нет в интерфейсе строителя)</a:t>
+            </a:r>
+          </a:p>
+          <a:p>
+            <a:r>
+              <a:rPr lang="ru-RU" dirty="0"/>
+              <a:t>Дает тонкий контроль над процессом конструирования </a:t>
+            </a:r>
+          </a:p>
+          <a:p>
+            <a:pPr lvl="1"/>
+            <a:r>
+              <a:rPr lang="ru-RU" dirty="0"/>
+              <a:t>Продукт создаётся шаг за шагом под управлением распорядителя</a:t>
+            </a:r>
+          </a:p>
+        </p:txBody>
+      </p:sp>
+    </p:spTree>
+    <p:extLst>
+      <p:ext uri="{BB962C8B-B14F-4D97-AF65-F5344CB8AC3E}">
+        <p14:creationId xmlns:p14="http://schemas.microsoft.com/office/powerpoint/2010/main" val="1182191711"/>
+      </p:ext>
+    </p:extLst>
+  </p:cSld>
+  <p:clrMapOvr>
+    <a:masterClrMapping/>
+  </p:clrMapOvr>
+  <p:timing>
+    <p:tnLst>
+      <p:par>
+        <p:cTn id="1" dur="indefinite" restart="never" nodeType="tmRoot">
+          <p:childTnLst>
+            <p:seq concurrent="1" nextAc="seek">
+              <p:cTn id="2" dur="indefinite" nodeType="mainSeq">
+                <p:childTnLst>
+                  <p:par>
+                    <p:cTn id="3" fill="hold">
+                      <p:stCondLst>
+                        <p:cond delay="indefinite"/>
+                      </p:stCondLst>
+                      <p:childTnLst>
+                        <p:par>
+                          <p:cTn id="4" fill="hold">
+                            <p:stCondLst>
+                              <p:cond delay="0"/>
+                            </p:stCondLst>
+                            <p:childTnLst>
+                              <p:par>
+                                <p:cTn id="5" presetID="10" presetClass="entr" presetSubtype="0" fill="hold" grpId="0" nodeType="clickEffect">
+                                  <p:stCondLst>
+                                    <p:cond delay="0"/>
+                                  </p:stCondLst>
+                                  <p:childTnLst>
+                                    <p:set>
+                                      <p:cBhvr>
+                                        <p:cTn id="6" dur="1" fill="hold">
+                                          <p:stCondLst>
+                                            <p:cond delay="0"/>
+                                          </p:stCondLst>
+                                        </p:cTn>
+                                        <p:tgtEl>
+                                          <p:spTgt spid="39939">
+                                            <p:txEl>
+                                              <p:pRg st="0" end="0"/>
+                                            </p:txEl>
+                                          </p:spTgt>
+                                        </p:tgtEl>
+                                        <p:attrNameLst>
+                                          <p:attrName>style.visibility</p:attrName>
+                                        </p:attrNameLst>
+                                      </p:cBhvr>
+                                      <p:to>
+                                        <p:strVal val="visible"/>
+                                      </p:to>
+                                    </p:set>
+                                    <p:animEffect transition="in" filter="fade">
+                                      <p:cBhvr>
+                                        <p:cTn id="7" dur="500"/>
+                                        <p:tgtEl>
+                                          <p:spTgt spid="39939">
+                                            <p:txEl>
+                                              <p:pRg st="0" end="0"/>
+                                            </p:txEl>
+                                          </p:spTgt>
+                                        </p:tgtEl>
+                                      </p:cBhvr>
+                                    </p:animEffect>
+                                  </p:childTnLst>
+                                </p:cTn>
+                              </p:par>
+                              <p:par>
+                                <p:cTn id="8" presetID="10" presetClass="entr" presetSubtype="0" fill="hold" grpId="0" nodeType="withEffect">
+                                  <p:stCondLst>
+                                    <p:cond delay="0"/>
+                                  </p:stCondLst>
+                                  <p:childTnLst>
+                                    <p:set>
+                                      <p:cBhvr>
+                                        <p:cTn id="9" dur="1" fill="hold">
+                                          <p:stCondLst>
+                                            <p:cond delay="0"/>
+                                          </p:stCondLst>
+                                        </p:cTn>
+                                        <p:tgtEl>
+                                          <p:spTgt spid="39939">
+                                            <p:txEl>
+                                              <p:pRg st="1" end="1"/>
+                                            </p:txEl>
+                                          </p:spTgt>
+                                        </p:tgtEl>
+                                        <p:attrNameLst>
+                                          <p:attrName>style.visibility</p:attrName>
+                                        </p:attrNameLst>
+                                      </p:cBhvr>
+                                      <p:to>
+                                        <p:strVal val="visible"/>
+                                      </p:to>
+                                    </p:set>
+                                    <p:animEffect transition="in" filter="fade">
+                                      <p:cBhvr>
+                                        <p:cTn id="10" dur="500"/>
+                                        <p:tgtEl>
+                                          <p:spTgt spid="39939">
+                                            <p:txEl>
+                                              <p:pRg st="1" end="1"/>
+                                            </p:txEl>
+                                          </p:spTgt>
+                                        </p:tgtEl>
+                                      </p:cBhvr>
+                                    </p:animEffect>
+                                  </p:childTnLst>
+                                </p:cTn>
+                              </p:par>
+                              <p:par>
+                                <p:cTn id="11" presetID="10" presetClass="entr" presetSubtype="0" fill="hold" grpId="0" nodeType="withEffect">
+                                  <p:stCondLst>
+                                    <p:cond delay="0"/>
+                                  </p:stCondLst>
+                                  <p:childTnLst>
+                                    <p:set>
+                                      <p:cBhvr>
+                                        <p:cTn id="12" dur="1" fill="hold">
+                                          <p:stCondLst>
+                                            <p:cond delay="0"/>
+                                          </p:stCondLst>
+                                        </p:cTn>
+                                        <p:tgtEl>
+                                          <p:spTgt spid="39939">
+                                            <p:txEl>
+                                              <p:pRg st="2" end="2"/>
+                                            </p:txEl>
+                                          </p:spTgt>
+                                        </p:tgtEl>
+                                        <p:attrNameLst>
+                                          <p:attrName>style.visibility</p:attrName>
+                                        </p:attrNameLst>
+                                      </p:cBhvr>
+                                      <p:to>
+                                        <p:strVal val="visible"/>
+                                      </p:to>
+                                    </p:set>
+                                    <p:animEffect transition="in" filter="fade">
+                                      <p:cBhvr>
+                                        <p:cTn id="13" dur="500"/>
+                                        <p:tgtEl>
+                                          <p:spTgt spid="39939">
+                                            <p:txEl>
+                                              <p:pRg st="2" end="2"/>
+                                            </p:txEl>
+                                          </p:spTgt>
+                                        </p:tgtEl>
+                                      </p:cBhvr>
+                                    </p:animEffect>
+                                  </p:childTnLst>
+                                </p:cTn>
+                              </p:par>
+                            </p:childTnLst>
+                          </p:cTn>
+                        </p:par>
+                      </p:childTnLst>
+                    </p:cTn>
+                  </p:par>
+                  <p:par>
+                    <p:cTn id="14" fill="hold">
+                      <p:stCondLst>
+                        <p:cond delay="indefinite"/>
+                      </p:stCondLst>
+                      <p:childTnLst>
+                        <p:par>
+                          <p:cTn id="15" fill="hold">
+                            <p:stCondLst>
+                              <p:cond delay="0"/>
+                            </p:stCondLst>
+                            <p:childTnLst>
+                              <p:par>
+                                <p:cTn id="16" presetID="10" presetClass="entr" presetSubtype="0" fill="hold" grpId="0" nodeType="clickEffect">
+                                  <p:stCondLst>
+                                    <p:cond delay="0"/>
+                                  </p:stCondLst>
+                                  <p:childTnLst>
+                                    <p:set>
+                                      <p:cBhvr>
+                                        <p:cTn id="17" dur="1" fill="hold">
+                                          <p:stCondLst>
+                                            <p:cond delay="0"/>
+                                          </p:stCondLst>
+                                        </p:cTn>
+                                        <p:tgtEl>
+                                          <p:spTgt spid="39939">
+                                            <p:txEl>
+                                              <p:pRg st="3" end="3"/>
+                                            </p:txEl>
+                                          </p:spTgt>
+                                        </p:tgtEl>
+                                        <p:attrNameLst>
+                                          <p:attrName>style.visibility</p:attrName>
+                                        </p:attrNameLst>
+                                      </p:cBhvr>
+                                      <p:to>
+                                        <p:strVal val="visible"/>
+                                      </p:to>
+                                    </p:set>
+                                    <p:animEffect transition="in" filter="fade">
+                                      <p:cBhvr>
+                                        <p:cTn id="18" dur="500"/>
+                                        <p:tgtEl>
+                                          <p:spTgt spid="39939">
+                                            <p:txEl>
+                                              <p:pRg st="3" end="3"/>
+                                            </p:txEl>
+                                          </p:spTgt>
+                                        </p:tgtEl>
+                                      </p:cBhvr>
+                                    </p:animEffect>
+                                  </p:childTnLst>
+                                </p:cTn>
+                              </p:par>
+                              <p:par>
+                                <p:cTn id="19" presetID="10" presetClass="entr" presetSubtype="0" fill="hold" grpId="0" nodeType="withEffect">
+                                  <p:stCondLst>
+                                    <p:cond delay="0"/>
+                                  </p:stCondLst>
+                                  <p:childTnLst>
+                                    <p:set>
+                                      <p:cBhvr>
+                                        <p:cTn id="20" dur="1" fill="hold">
+                                          <p:stCondLst>
+                                            <p:cond delay="0"/>
+                                          </p:stCondLst>
+                                        </p:cTn>
+                                        <p:tgtEl>
+                                          <p:spTgt spid="39939">
+                                            <p:txEl>
+                                              <p:pRg st="4" end="4"/>
+                                            </p:txEl>
+                                          </p:spTgt>
+                                        </p:tgtEl>
+                                        <p:attrNameLst>
+                                          <p:attrName>style.visibility</p:attrName>
+                                        </p:attrNameLst>
+                                      </p:cBhvr>
+                                      <p:to>
+                                        <p:strVal val="visible"/>
+                                      </p:to>
+                                    </p:set>
+                                    <p:animEffect transition="in" filter="fade">
+                                      <p:cBhvr>
+                                        <p:cTn id="21" dur="500"/>
+                                        <p:tgtEl>
+                                          <p:spTgt spid="39939">
+                                            <p:txEl>
+                                              <p:pRg st="4" end="4"/>
+                                            </p:txEl>
+                                          </p:spTgt>
+                                        </p:tgtEl>
+                                      </p:cBhvr>
+                                    </p:animEffect>
+                                  </p:childTnLst>
+                                </p:cTn>
+                              </p:par>
+                            </p:childTnLst>
+                          </p:cTn>
+                        </p:par>
+                      </p:childTnLst>
+                    </p:cTn>
+                  </p:par>
+                  <p:par>
+                    <p:cTn id="22" fill="hold">
+                      <p:stCondLst>
+                        <p:cond delay="indefinite"/>
+                      </p:stCondLst>
+                      <p:childTnLst>
+                        <p:par>
+                          <p:cTn id="23" fill="hold">
+                            <p:stCondLst>
+                              <p:cond delay="0"/>
+                            </p:stCondLst>
+                            <p:childTnLst>
+                              <p:par>
+                                <p:cTn id="24" presetID="10" presetClass="entr" presetSubtype="0" fill="hold" grpId="0" nodeType="clickEffect">
+                                  <p:stCondLst>
+                                    <p:cond delay="0"/>
+                                  </p:stCondLst>
+                                  <p:childTnLst>
+                                    <p:set>
+                                      <p:cBhvr>
+                                        <p:cTn id="25" dur="1" fill="hold">
+                                          <p:stCondLst>
+                                            <p:cond delay="0"/>
+                                          </p:stCondLst>
+                                        </p:cTn>
+                                        <p:tgtEl>
+                                          <p:spTgt spid="39939">
+                                            <p:txEl>
+                                              <p:pRg st="5" end="5"/>
+                                            </p:txEl>
+                                          </p:spTgt>
+                                        </p:tgtEl>
+                                        <p:attrNameLst>
+                                          <p:attrName>style.visibility</p:attrName>
+                                        </p:attrNameLst>
+                                      </p:cBhvr>
+                                      <p:to>
+                                        <p:strVal val="visible"/>
+                                      </p:to>
+                                    </p:set>
+                                    <p:animEffect transition="in" filter="fade">
+                                      <p:cBhvr>
+                                        <p:cTn id="26" dur="500"/>
+                                        <p:tgtEl>
+                                          <p:spTgt spid="39939">
+                                            <p:txEl>
+                                              <p:pRg st="5" end="5"/>
+                                            </p:txEl>
+                                          </p:spTgt>
+                                        </p:tgtEl>
+                                      </p:cBhvr>
+                                    </p:animEffect>
+                                  </p:childTnLst>
+                                </p:cTn>
+                              </p:par>
+                              <p:par>
+                                <p:cTn id="27" presetID="10" presetClass="entr" presetSubtype="0" fill="hold" grpId="0" nodeType="withEffect">
+                                  <p:stCondLst>
+                                    <p:cond delay="0"/>
+                                  </p:stCondLst>
+                                  <p:childTnLst>
+                                    <p:set>
+                                      <p:cBhvr>
+                                        <p:cTn id="28" dur="1" fill="hold">
+                                          <p:stCondLst>
+                                            <p:cond delay="0"/>
+                                          </p:stCondLst>
+                                        </p:cTn>
+                                        <p:tgtEl>
+                                          <p:spTgt spid="39939">
+                                            <p:txEl>
+                                              <p:pRg st="6" end="6"/>
+                                            </p:txEl>
+                                          </p:spTgt>
+                                        </p:tgtEl>
+                                        <p:attrNameLst>
+                                          <p:attrName>style.visibility</p:attrName>
+                                        </p:attrNameLst>
+                                      </p:cBhvr>
+                                      <p:to>
+                                        <p:strVal val="visible"/>
+                                      </p:to>
+                                    </p:set>
+                                    <p:animEffect transition="in" filter="fade">
+                                      <p:cBhvr>
+                                        <p:cTn id="29" dur="500"/>
+                                        <p:tgtEl>
+                                          <p:spTgt spid="39939">
+                                            <p:txEl>
+                                              <p:pRg st="6" end="6"/>
+                                            </p:txEl>
+                                          </p:spTgt>
+                                        </p:tgtEl>
+                                      </p:cBhvr>
+                                    </p:animEffect>
+                                  </p:childTnLst>
+                                </p:cTn>
+                              </p:par>
+                            </p:childTnLst>
+                          </p:cTn>
+                        </p:par>
+                      </p:childTnLst>
+                    </p:cTn>
+                  </p:par>
+                </p:childTnLst>
+              </p:cTn>
+              <p:prevCondLst>
+                <p:cond evt="onPrev" delay="0">
+                  <p:tgtEl>
+                    <p:sldTgt/>
+                  </p:tgtEl>
+                </p:cond>
+              </p:prevCondLst>
+              <p:nextCondLst>
+                <p:cond evt="onNext" delay="0">
+                  <p:tgtEl>
+                    <p:sldTgt/>
+                  </p:tgtEl>
+                </p:cond>
+              </p:nextCondLst>
+            </p:seq>
+          </p:childTnLst>
+        </p:cTn>
+      </p:par>
+    </p:tnLst>
+    <p:bldLst>
+      <p:bldP spid="39939" grpId="0" build="p"/>
+    </p:bldLst>
+  </p:timing>
 </p:sld>
 </file>
 
